--- a/Documentation/SprintPresentations/Sprint3-Week2.pptx
+++ b/Documentation/SprintPresentations/Sprint3-Week2.pptx
@@ -5,7 +5,7 @@
     <p:sldMasterId id="2147483648" r:id="rId1"/>
   </p:sldMasterIdLst>
   <p:notesMasterIdLst>
-    <p:notesMasterId r:id="rId18"/>
+    <p:notesMasterId r:id="rId23"/>
   </p:notesMasterIdLst>
   <p:sldIdLst>
     <p:sldId id="256" r:id="rId2"/>
@@ -13,17 +13,22 @@
     <p:sldId id="258" r:id="rId4"/>
     <p:sldId id="282" r:id="rId5"/>
     <p:sldId id="259" r:id="rId6"/>
-    <p:sldId id="260" r:id="rId7"/>
-    <p:sldId id="268" r:id="rId8"/>
-    <p:sldId id="269" r:id="rId9"/>
-    <p:sldId id="270" r:id="rId10"/>
-    <p:sldId id="292" r:id="rId11"/>
-    <p:sldId id="293" r:id="rId12"/>
-    <p:sldId id="294" r:id="rId13"/>
-    <p:sldId id="295" r:id="rId14"/>
-    <p:sldId id="296" r:id="rId15"/>
-    <p:sldId id="297" r:id="rId16"/>
-    <p:sldId id="273" r:id="rId17"/>
+    <p:sldId id="298" r:id="rId7"/>
+    <p:sldId id="260" r:id="rId8"/>
+    <p:sldId id="299" r:id="rId9"/>
+    <p:sldId id="300" r:id="rId10"/>
+    <p:sldId id="301" r:id="rId11"/>
+    <p:sldId id="302" r:id="rId12"/>
+    <p:sldId id="268" r:id="rId13"/>
+    <p:sldId id="269" r:id="rId14"/>
+    <p:sldId id="270" r:id="rId15"/>
+    <p:sldId id="292" r:id="rId16"/>
+    <p:sldId id="293" r:id="rId17"/>
+    <p:sldId id="294" r:id="rId18"/>
+    <p:sldId id="295" r:id="rId19"/>
+    <p:sldId id="296" r:id="rId20"/>
+    <p:sldId id="297" r:id="rId21"/>
+    <p:sldId id="273" r:id="rId22"/>
   </p:sldIdLst>
   <p:sldSz cx="12192000" cy="6858000"/>
   <p:notesSz cx="6858000" cy="9144000"/>
@@ -212,7 +217,7 @@
           <a:p>
             <a:fld id="{633A752F-CD59-4D7C-8F38-B22380037965}" type="datetimeFigureOut">
               <a:rPr lang="en-US" smtClean="0"/>
-              <a:t>6/23/2019</a:t>
+              <a:t>6/25/2019</a:t>
             </a:fld>
             <a:endParaRPr lang="en-US"/>
           </a:p>
@@ -636,7 +641,7 @@
     </p:spTree>
     <p:extLst>
       <p:ext uri="{BB962C8B-B14F-4D97-AF65-F5344CB8AC3E}">
-        <p14:creationId xmlns:p14="http://schemas.microsoft.com/office/powerpoint/2010/main" val="834730122"/>
+        <p14:creationId xmlns:p14="http://schemas.microsoft.com/office/powerpoint/2010/main" val="3226176054"/>
       </p:ext>
     </p:extLst>
   </p:cSld>
@@ -722,7 +727,7 @@
     </p:spTree>
     <p:extLst>
       <p:ext uri="{BB962C8B-B14F-4D97-AF65-F5344CB8AC3E}">
-        <p14:creationId xmlns:p14="http://schemas.microsoft.com/office/powerpoint/2010/main" val="1133858269"/>
+        <p14:creationId xmlns:p14="http://schemas.microsoft.com/office/powerpoint/2010/main" val="2506731090"/>
       </p:ext>
     </p:extLst>
   </p:cSld>
@@ -808,6 +813,436 @@
     </p:spTree>
     <p:extLst>
       <p:ext uri="{BB962C8B-B14F-4D97-AF65-F5344CB8AC3E}">
+        <p14:creationId xmlns:p14="http://schemas.microsoft.com/office/powerpoint/2010/main" val="582986252"/>
+      </p:ext>
+    </p:extLst>
+  </p:cSld>
+  <p:clrMapOvr>
+    <a:masterClrMapping/>
+  </p:clrMapOvr>
+</p:notes>
+</file>
+
+<file path=ppt/notesSlides/notesSlide13.xml><?xml version="1.0" encoding="utf-8"?>
+<p:notes xmlns:a="http://schemas.openxmlformats.org/drawingml/2006/main" xmlns:r="http://schemas.openxmlformats.org/officeDocument/2006/relationships" xmlns:p="http://schemas.openxmlformats.org/presentationml/2006/main" showMasterSp="0" showMasterPhAnim="0">
+  <p:cSld>
+    <p:spTree>
+      <p:nvGrpSpPr>
+        <p:cNvPr id="1" name=""/>
+        <p:cNvGrpSpPr/>
+        <p:nvPr/>
+      </p:nvGrpSpPr>
+      <p:grpSpPr>
+        <a:xfrm>
+          <a:off x="0" y="0"/>
+          <a:ext cx="0" cy="0"/>
+          <a:chOff x="0" y="0"/>
+          <a:chExt cx="0" cy="0"/>
+        </a:xfrm>
+      </p:grpSpPr>
+      <p:sp>
+        <p:nvSpPr>
+          <p:cNvPr id="12290" name="Google Shape;153;p5:notes">
+            <a:extLst>
+              <a:ext uri="{FF2B5EF4-FFF2-40B4-BE49-F238E27FC236}">
+                <a16:creationId xmlns:a16="http://schemas.microsoft.com/office/drawing/2014/main" id="{99AD5A57-3D12-4CA7-8374-295586DAC07C}"/>
+              </a:ext>
+            </a:extLst>
+          </p:cNvPr>
+          <p:cNvSpPr txBox="1">
+            <a:spLocks noGrp="1" noChangeArrowheads="1"/>
+          </p:cNvSpPr>
+          <p:nvPr>
+            <p:ph type="body" idx="1"/>
+          </p:nvPr>
+        </p:nvSpPr>
+        <p:spPr/>
+        <p:txBody>
+          <a:bodyPr/>
+          <a:lstStyle/>
+          <a:p>
+            <a:pPr marL="0" indent="0" eaLnBrk="1" hangingPunct="1">
+              <a:buSzPts val="1400"/>
+            </a:pPr>
+            <a:endParaRPr lang="en-US" altLang="en-US" sz="1200">
+              <a:latin typeface="Calibri" panose="020F0502020204030204" pitchFamily="34" charset="0"/>
+              <a:cs typeface="Calibri" panose="020F0502020204030204" pitchFamily="34" charset="0"/>
+              <a:sym typeface="Calibri" panose="020F0502020204030204" pitchFamily="34" charset="0"/>
+            </a:endParaRPr>
+          </a:p>
+        </p:txBody>
+      </p:sp>
+      <p:sp>
+        <p:nvSpPr>
+          <p:cNvPr id="12291" name="Google Shape;154;p5:notes">
+            <a:extLst>
+              <a:ext uri="{FF2B5EF4-FFF2-40B4-BE49-F238E27FC236}">
+                <a16:creationId xmlns:a16="http://schemas.microsoft.com/office/drawing/2014/main" id="{78A8CB56-1C4F-41DB-BA41-2A5BB97FB270}"/>
+              </a:ext>
+            </a:extLst>
+          </p:cNvPr>
+          <p:cNvSpPr>
+            <a:spLocks noGrp="1" noRot="1" noChangeAspect="1" noTextEdit="1"/>
+          </p:cNvSpPr>
+          <p:nvPr>
+            <p:ph type="sldImg" idx="2"/>
+          </p:nvPr>
+        </p:nvSpPr>
+        <p:spPr>
+          <a:noFill/>
+          <a:ln>
+            <a:headEnd/>
+            <a:tailEnd/>
+          </a:ln>
+        </p:spPr>
+      </p:sp>
+    </p:spTree>
+    <p:extLst>
+      <p:ext uri="{BB962C8B-B14F-4D97-AF65-F5344CB8AC3E}">
+        <p14:creationId xmlns:p14="http://schemas.microsoft.com/office/powerpoint/2010/main" val="2097852652"/>
+      </p:ext>
+    </p:extLst>
+  </p:cSld>
+  <p:clrMapOvr>
+    <a:masterClrMapping/>
+  </p:clrMapOvr>
+</p:notes>
+</file>
+
+<file path=ppt/notesSlides/notesSlide14.xml><?xml version="1.0" encoding="utf-8"?>
+<p:notes xmlns:a="http://schemas.openxmlformats.org/drawingml/2006/main" xmlns:r="http://schemas.openxmlformats.org/officeDocument/2006/relationships" xmlns:p="http://schemas.openxmlformats.org/presentationml/2006/main" showMasterSp="0" showMasterPhAnim="0">
+  <p:cSld>
+    <p:spTree>
+      <p:nvGrpSpPr>
+        <p:cNvPr id="1" name=""/>
+        <p:cNvGrpSpPr/>
+        <p:nvPr/>
+      </p:nvGrpSpPr>
+      <p:grpSpPr>
+        <a:xfrm>
+          <a:off x="0" y="0"/>
+          <a:ext cx="0" cy="0"/>
+          <a:chOff x="0" y="0"/>
+          <a:chExt cx="0" cy="0"/>
+        </a:xfrm>
+      </p:grpSpPr>
+      <p:sp>
+        <p:nvSpPr>
+          <p:cNvPr id="12290" name="Google Shape;153;p5:notes">
+            <a:extLst>
+              <a:ext uri="{FF2B5EF4-FFF2-40B4-BE49-F238E27FC236}">
+                <a16:creationId xmlns:a16="http://schemas.microsoft.com/office/drawing/2014/main" id="{99AD5A57-3D12-4CA7-8374-295586DAC07C}"/>
+              </a:ext>
+            </a:extLst>
+          </p:cNvPr>
+          <p:cNvSpPr txBox="1">
+            <a:spLocks noGrp="1" noChangeArrowheads="1"/>
+          </p:cNvSpPr>
+          <p:nvPr>
+            <p:ph type="body" idx="1"/>
+          </p:nvPr>
+        </p:nvSpPr>
+        <p:spPr/>
+        <p:txBody>
+          <a:bodyPr/>
+          <a:lstStyle/>
+          <a:p>
+            <a:pPr marL="0" indent="0" eaLnBrk="1" hangingPunct="1">
+              <a:buSzPts val="1400"/>
+            </a:pPr>
+            <a:endParaRPr lang="en-US" altLang="en-US" sz="1200">
+              <a:latin typeface="Calibri" panose="020F0502020204030204" pitchFamily="34" charset="0"/>
+              <a:cs typeface="Calibri" panose="020F0502020204030204" pitchFamily="34" charset="0"/>
+              <a:sym typeface="Calibri" panose="020F0502020204030204" pitchFamily="34" charset="0"/>
+            </a:endParaRPr>
+          </a:p>
+        </p:txBody>
+      </p:sp>
+      <p:sp>
+        <p:nvSpPr>
+          <p:cNvPr id="12291" name="Google Shape;154;p5:notes">
+            <a:extLst>
+              <a:ext uri="{FF2B5EF4-FFF2-40B4-BE49-F238E27FC236}">
+                <a16:creationId xmlns:a16="http://schemas.microsoft.com/office/drawing/2014/main" id="{78A8CB56-1C4F-41DB-BA41-2A5BB97FB270}"/>
+              </a:ext>
+            </a:extLst>
+          </p:cNvPr>
+          <p:cNvSpPr>
+            <a:spLocks noGrp="1" noRot="1" noChangeAspect="1" noTextEdit="1"/>
+          </p:cNvSpPr>
+          <p:nvPr>
+            <p:ph type="sldImg" idx="2"/>
+          </p:nvPr>
+        </p:nvSpPr>
+        <p:spPr>
+          <a:noFill/>
+          <a:ln>
+            <a:headEnd/>
+            <a:tailEnd/>
+          </a:ln>
+        </p:spPr>
+      </p:sp>
+    </p:spTree>
+    <p:extLst>
+      <p:ext uri="{BB962C8B-B14F-4D97-AF65-F5344CB8AC3E}">
+        <p14:creationId xmlns:p14="http://schemas.microsoft.com/office/powerpoint/2010/main" val="1611353117"/>
+      </p:ext>
+    </p:extLst>
+  </p:cSld>
+  <p:clrMapOvr>
+    <a:masterClrMapping/>
+  </p:clrMapOvr>
+</p:notes>
+</file>
+
+<file path=ppt/notesSlides/notesSlide15.xml><?xml version="1.0" encoding="utf-8"?>
+<p:notes xmlns:a="http://schemas.openxmlformats.org/drawingml/2006/main" xmlns:r="http://schemas.openxmlformats.org/officeDocument/2006/relationships" xmlns:p="http://schemas.openxmlformats.org/presentationml/2006/main" showMasterSp="0" showMasterPhAnim="0">
+  <p:cSld>
+    <p:spTree>
+      <p:nvGrpSpPr>
+        <p:cNvPr id="1" name=""/>
+        <p:cNvGrpSpPr/>
+        <p:nvPr/>
+      </p:nvGrpSpPr>
+      <p:grpSpPr>
+        <a:xfrm>
+          <a:off x="0" y="0"/>
+          <a:ext cx="0" cy="0"/>
+          <a:chOff x="0" y="0"/>
+          <a:chExt cx="0" cy="0"/>
+        </a:xfrm>
+      </p:grpSpPr>
+      <p:sp>
+        <p:nvSpPr>
+          <p:cNvPr id="12290" name="Google Shape;153;p5:notes">
+            <a:extLst>
+              <a:ext uri="{FF2B5EF4-FFF2-40B4-BE49-F238E27FC236}">
+                <a16:creationId xmlns:a16="http://schemas.microsoft.com/office/drawing/2014/main" id="{99AD5A57-3D12-4CA7-8374-295586DAC07C}"/>
+              </a:ext>
+            </a:extLst>
+          </p:cNvPr>
+          <p:cNvSpPr txBox="1">
+            <a:spLocks noGrp="1" noChangeArrowheads="1"/>
+          </p:cNvSpPr>
+          <p:nvPr>
+            <p:ph type="body" idx="1"/>
+          </p:nvPr>
+        </p:nvSpPr>
+        <p:spPr/>
+        <p:txBody>
+          <a:bodyPr/>
+          <a:lstStyle/>
+          <a:p>
+            <a:pPr marL="0" indent="0" eaLnBrk="1" hangingPunct="1">
+              <a:buSzPts val="1400"/>
+            </a:pPr>
+            <a:endParaRPr lang="en-US" altLang="en-US" sz="1200">
+              <a:latin typeface="Calibri" panose="020F0502020204030204" pitchFamily="34" charset="0"/>
+              <a:cs typeface="Calibri" panose="020F0502020204030204" pitchFamily="34" charset="0"/>
+              <a:sym typeface="Calibri" panose="020F0502020204030204" pitchFamily="34" charset="0"/>
+            </a:endParaRPr>
+          </a:p>
+        </p:txBody>
+      </p:sp>
+      <p:sp>
+        <p:nvSpPr>
+          <p:cNvPr id="12291" name="Google Shape;154;p5:notes">
+            <a:extLst>
+              <a:ext uri="{FF2B5EF4-FFF2-40B4-BE49-F238E27FC236}">
+                <a16:creationId xmlns:a16="http://schemas.microsoft.com/office/drawing/2014/main" id="{78A8CB56-1C4F-41DB-BA41-2A5BB97FB270}"/>
+              </a:ext>
+            </a:extLst>
+          </p:cNvPr>
+          <p:cNvSpPr>
+            <a:spLocks noGrp="1" noRot="1" noChangeAspect="1" noTextEdit="1"/>
+          </p:cNvSpPr>
+          <p:nvPr>
+            <p:ph type="sldImg" idx="2"/>
+          </p:nvPr>
+        </p:nvSpPr>
+        <p:spPr>
+          <a:noFill/>
+          <a:ln>
+            <a:headEnd/>
+            <a:tailEnd/>
+          </a:ln>
+        </p:spPr>
+      </p:sp>
+    </p:spTree>
+    <p:extLst>
+      <p:ext uri="{BB962C8B-B14F-4D97-AF65-F5344CB8AC3E}">
+        <p14:creationId xmlns:p14="http://schemas.microsoft.com/office/powerpoint/2010/main" val="834730122"/>
+      </p:ext>
+    </p:extLst>
+  </p:cSld>
+  <p:clrMapOvr>
+    <a:masterClrMapping/>
+  </p:clrMapOvr>
+</p:notes>
+</file>
+
+<file path=ppt/notesSlides/notesSlide16.xml><?xml version="1.0" encoding="utf-8"?>
+<p:notes xmlns:a="http://schemas.openxmlformats.org/drawingml/2006/main" xmlns:r="http://schemas.openxmlformats.org/officeDocument/2006/relationships" xmlns:p="http://schemas.openxmlformats.org/presentationml/2006/main" showMasterSp="0" showMasterPhAnim="0">
+  <p:cSld>
+    <p:spTree>
+      <p:nvGrpSpPr>
+        <p:cNvPr id="1" name=""/>
+        <p:cNvGrpSpPr/>
+        <p:nvPr/>
+      </p:nvGrpSpPr>
+      <p:grpSpPr>
+        <a:xfrm>
+          <a:off x="0" y="0"/>
+          <a:ext cx="0" cy="0"/>
+          <a:chOff x="0" y="0"/>
+          <a:chExt cx="0" cy="0"/>
+        </a:xfrm>
+      </p:grpSpPr>
+      <p:sp>
+        <p:nvSpPr>
+          <p:cNvPr id="12290" name="Google Shape;153;p5:notes">
+            <a:extLst>
+              <a:ext uri="{FF2B5EF4-FFF2-40B4-BE49-F238E27FC236}">
+                <a16:creationId xmlns:a16="http://schemas.microsoft.com/office/drawing/2014/main" id="{99AD5A57-3D12-4CA7-8374-295586DAC07C}"/>
+              </a:ext>
+            </a:extLst>
+          </p:cNvPr>
+          <p:cNvSpPr txBox="1">
+            <a:spLocks noGrp="1" noChangeArrowheads="1"/>
+          </p:cNvSpPr>
+          <p:nvPr>
+            <p:ph type="body" idx="1"/>
+          </p:nvPr>
+        </p:nvSpPr>
+        <p:spPr/>
+        <p:txBody>
+          <a:bodyPr/>
+          <a:lstStyle/>
+          <a:p>
+            <a:pPr marL="0" indent="0" eaLnBrk="1" hangingPunct="1">
+              <a:buSzPts val="1400"/>
+            </a:pPr>
+            <a:endParaRPr lang="en-US" altLang="en-US" sz="1200">
+              <a:latin typeface="Calibri" panose="020F0502020204030204" pitchFamily="34" charset="0"/>
+              <a:cs typeface="Calibri" panose="020F0502020204030204" pitchFamily="34" charset="0"/>
+              <a:sym typeface="Calibri" panose="020F0502020204030204" pitchFamily="34" charset="0"/>
+            </a:endParaRPr>
+          </a:p>
+        </p:txBody>
+      </p:sp>
+      <p:sp>
+        <p:nvSpPr>
+          <p:cNvPr id="12291" name="Google Shape;154;p5:notes">
+            <a:extLst>
+              <a:ext uri="{FF2B5EF4-FFF2-40B4-BE49-F238E27FC236}">
+                <a16:creationId xmlns:a16="http://schemas.microsoft.com/office/drawing/2014/main" id="{78A8CB56-1C4F-41DB-BA41-2A5BB97FB270}"/>
+              </a:ext>
+            </a:extLst>
+          </p:cNvPr>
+          <p:cNvSpPr>
+            <a:spLocks noGrp="1" noRot="1" noChangeAspect="1" noTextEdit="1"/>
+          </p:cNvSpPr>
+          <p:nvPr>
+            <p:ph type="sldImg" idx="2"/>
+          </p:nvPr>
+        </p:nvSpPr>
+        <p:spPr>
+          <a:noFill/>
+          <a:ln>
+            <a:headEnd/>
+            <a:tailEnd/>
+          </a:ln>
+        </p:spPr>
+      </p:sp>
+    </p:spTree>
+    <p:extLst>
+      <p:ext uri="{BB962C8B-B14F-4D97-AF65-F5344CB8AC3E}">
+        <p14:creationId xmlns:p14="http://schemas.microsoft.com/office/powerpoint/2010/main" val="1133858269"/>
+      </p:ext>
+    </p:extLst>
+  </p:cSld>
+  <p:clrMapOvr>
+    <a:masterClrMapping/>
+  </p:clrMapOvr>
+</p:notes>
+</file>
+
+<file path=ppt/notesSlides/notesSlide17.xml><?xml version="1.0" encoding="utf-8"?>
+<p:notes xmlns:a="http://schemas.openxmlformats.org/drawingml/2006/main" xmlns:r="http://schemas.openxmlformats.org/officeDocument/2006/relationships" xmlns:p="http://schemas.openxmlformats.org/presentationml/2006/main" showMasterSp="0" showMasterPhAnim="0">
+  <p:cSld>
+    <p:spTree>
+      <p:nvGrpSpPr>
+        <p:cNvPr id="1" name=""/>
+        <p:cNvGrpSpPr/>
+        <p:nvPr/>
+      </p:nvGrpSpPr>
+      <p:grpSpPr>
+        <a:xfrm>
+          <a:off x="0" y="0"/>
+          <a:ext cx="0" cy="0"/>
+          <a:chOff x="0" y="0"/>
+          <a:chExt cx="0" cy="0"/>
+        </a:xfrm>
+      </p:grpSpPr>
+      <p:sp>
+        <p:nvSpPr>
+          <p:cNvPr id="12290" name="Google Shape;153;p5:notes">
+            <a:extLst>
+              <a:ext uri="{FF2B5EF4-FFF2-40B4-BE49-F238E27FC236}">
+                <a16:creationId xmlns:a16="http://schemas.microsoft.com/office/drawing/2014/main" id="{99AD5A57-3D12-4CA7-8374-295586DAC07C}"/>
+              </a:ext>
+            </a:extLst>
+          </p:cNvPr>
+          <p:cNvSpPr txBox="1">
+            <a:spLocks noGrp="1" noChangeArrowheads="1"/>
+          </p:cNvSpPr>
+          <p:nvPr>
+            <p:ph type="body" idx="1"/>
+          </p:nvPr>
+        </p:nvSpPr>
+        <p:spPr/>
+        <p:txBody>
+          <a:bodyPr/>
+          <a:lstStyle/>
+          <a:p>
+            <a:pPr marL="0" indent="0" eaLnBrk="1" hangingPunct="1">
+              <a:buSzPts val="1400"/>
+            </a:pPr>
+            <a:endParaRPr lang="en-US" altLang="en-US" sz="1200">
+              <a:latin typeface="Calibri" panose="020F0502020204030204" pitchFamily="34" charset="0"/>
+              <a:cs typeface="Calibri" panose="020F0502020204030204" pitchFamily="34" charset="0"/>
+              <a:sym typeface="Calibri" panose="020F0502020204030204" pitchFamily="34" charset="0"/>
+            </a:endParaRPr>
+          </a:p>
+        </p:txBody>
+      </p:sp>
+      <p:sp>
+        <p:nvSpPr>
+          <p:cNvPr id="12291" name="Google Shape;154;p5:notes">
+            <a:extLst>
+              <a:ext uri="{FF2B5EF4-FFF2-40B4-BE49-F238E27FC236}">
+                <a16:creationId xmlns:a16="http://schemas.microsoft.com/office/drawing/2014/main" id="{78A8CB56-1C4F-41DB-BA41-2A5BB97FB270}"/>
+              </a:ext>
+            </a:extLst>
+          </p:cNvPr>
+          <p:cNvSpPr>
+            <a:spLocks noGrp="1" noRot="1" noChangeAspect="1" noTextEdit="1"/>
+          </p:cNvSpPr>
+          <p:nvPr>
+            <p:ph type="sldImg" idx="2"/>
+          </p:nvPr>
+        </p:nvSpPr>
+        <p:spPr>
+          <a:noFill/>
+          <a:ln>
+            <a:headEnd/>
+            <a:tailEnd/>
+          </a:ln>
+        </p:spPr>
+      </p:sp>
+    </p:spTree>
+    <p:extLst>
+      <p:ext uri="{BB962C8B-B14F-4D97-AF65-F5344CB8AC3E}">
         <p14:creationId xmlns:p14="http://schemas.microsoft.com/office/powerpoint/2010/main" val="2382409454"/>
       </p:ext>
     </p:extLst>
@@ -818,7 +1253,7 @@
 </p:notes>
 </file>
 
-<file path=ppt/notesSlides/notesSlide13.xml><?xml version="1.0" encoding="utf-8"?>
+<file path=ppt/notesSlides/notesSlide18.xml><?xml version="1.0" encoding="utf-8"?>
 <p:notes xmlns:a="http://schemas.openxmlformats.org/drawingml/2006/main" xmlns:r="http://schemas.openxmlformats.org/officeDocument/2006/relationships" xmlns:p="http://schemas.openxmlformats.org/presentationml/2006/main" showMasterSp="0" showMasterPhAnim="0">
   <p:cSld>
     <p:spTree>
@@ -1323,6 +1758,11 @@
         </p:spPr>
       </p:sp>
     </p:spTree>
+    <p:extLst>
+      <p:ext uri="{BB962C8B-B14F-4D97-AF65-F5344CB8AC3E}">
+        <p14:creationId xmlns:p14="http://schemas.microsoft.com/office/powerpoint/2010/main" val="1035040193"/>
+      </p:ext>
+    </p:extLst>
   </p:cSld>
   <p:clrMapOvr>
     <a:masterClrMapping/>
@@ -1404,11 +1844,6 @@
         </p:spPr>
       </p:sp>
     </p:spTree>
-    <p:extLst>
-      <p:ext uri="{BB962C8B-B14F-4D97-AF65-F5344CB8AC3E}">
-        <p14:creationId xmlns:p14="http://schemas.microsoft.com/office/powerpoint/2010/main" val="582986252"/>
-      </p:ext>
-    </p:extLst>
   </p:cSld>
   <p:clrMapOvr>
     <a:masterClrMapping/>
@@ -1492,7 +1927,7 @@
     </p:spTree>
     <p:extLst>
       <p:ext uri="{BB962C8B-B14F-4D97-AF65-F5344CB8AC3E}">
-        <p14:creationId xmlns:p14="http://schemas.microsoft.com/office/powerpoint/2010/main" val="2097852652"/>
+        <p14:creationId xmlns:p14="http://schemas.microsoft.com/office/powerpoint/2010/main" val="344525611"/>
       </p:ext>
     </p:extLst>
   </p:cSld>
@@ -1578,7 +2013,7 @@
     </p:spTree>
     <p:extLst>
       <p:ext uri="{BB962C8B-B14F-4D97-AF65-F5344CB8AC3E}">
-        <p14:creationId xmlns:p14="http://schemas.microsoft.com/office/powerpoint/2010/main" val="1611353117"/>
+        <p14:creationId xmlns:p14="http://schemas.microsoft.com/office/powerpoint/2010/main" val="3982627901"/>
       </p:ext>
     </p:extLst>
   </p:cSld>
@@ -1735,7 +2170,7 @@
           <a:p>
             <a:fld id="{F0B4C841-81B7-4F68-B48E-82E3C3A4E0D4}" type="datetimeFigureOut">
               <a:rPr lang="en-US" smtClean="0"/>
-              <a:t>6/23/2019</a:t>
+              <a:t>6/25/2019</a:t>
             </a:fld>
             <a:endParaRPr lang="en-US"/>
           </a:p>
@@ -1933,7 +2368,7 @@
           <a:p>
             <a:fld id="{F0B4C841-81B7-4F68-B48E-82E3C3A4E0D4}" type="datetimeFigureOut">
               <a:rPr lang="en-US" smtClean="0"/>
-              <a:t>6/23/2019</a:t>
+              <a:t>6/25/2019</a:t>
             </a:fld>
             <a:endParaRPr lang="en-US"/>
           </a:p>
@@ -2141,7 +2576,7 @@
           <a:p>
             <a:fld id="{F0B4C841-81B7-4F68-B48E-82E3C3A4E0D4}" type="datetimeFigureOut">
               <a:rPr lang="en-US" smtClean="0"/>
-              <a:t>6/23/2019</a:t>
+              <a:t>6/25/2019</a:t>
             </a:fld>
             <a:endParaRPr lang="en-US"/>
           </a:p>
@@ -2339,7 +2774,7 @@
           <a:p>
             <a:fld id="{F0B4C841-81B7-4F68-B48E-82E3C3A4E0D4}" type="datetimeFigureOut">
               <a:rPr lang="en-US" smtClean="0"/>
-              <a:t>6/23/2019</a:t>
+              <a:t>6/25/2019</a:t>
             </a:fld>
             <a:endParaRPr lang="en-US"/>
           </a:p>
@@ -2614,7 +3049,7 @@
           <a:p>
             <a:fld id="{F0B4C841-81B7-4F68-B48E-82E3C3A4E0D4}" type="datetimeFigureOut">
               <a:rPr lang="en-US" smtClean="0"/>
-              <a:t>6/23/2019</a:t>
+              <a:t>6/25/2019</a:t>
             </a:fld>
             <a:endParaRPr lang="en-US"/>
           </a:p>
@@ -2879,7 +3314,7 @@
           <a:p>
             <a:fld id="{F0B4C841-81B7-4F68-B48E-82E3C3A4E0D4}" type="datetimeFigureOut">
               <a:rPr lang="en-US" smtClean="0"/>
-              <a:t>6/23/2019</a:t>
+              <a:t>6/25/2019</a:t>
             </a:fld>
             <a:endParaRPr lang="en-US"/>
           </a:p>
@@ -3291,7 +3726,7 @@
           <a:p>
             <a:fld id="{F0B4C841-81B7-4F68-B48E-82E3C3A4E0D4}" type="datetimeFigureOut">
               <a:rPr lang="en-US" smtClean="0"/>
-              <a:t>6/23/2019</a:t>
+              <a:t>6/25/2019</a:t>
             </a:fld>
             <a:endParaRPr lang="en-US"/>
           </a:p>
@@ -3432,7 +3867,7 @@
           <a:p>
             <a:fld id="{F0B4C841-81B7-4F68-B48E-82E3C3A4E0D4}" type="datetimeFigureOut">
               <a:rPr lang="en-US" smtClean="0"/>
-              <a:t>6/23/2019</a:t>
+              <a:t>6/25/2019</a:t>
             </a:fld>
             <a:endParaRPr lang="en-US"/>
           </a:p>
@@ -3545,7 +3980,7 @@
           <a:p>
             <a:fld id="{F0B4C841-81B7-4F68-B48E-82E3C3A4E0D4}" type="datetimeFigureOut">
               <a:rPr lang="en-US" smtClean="0"/>
-              <a:t>6/23/2019</a:t>
+              <a:t>6/25/2019</a:t>
             </a:fld>
             <a:endParaRPr lang="en-US"/>
           </a:p>
@@ -3856,7 +4291,7 @@
           <a:p>
             <a:fld id="{F0B4C841-81B7-4F68-B48E-82E3C3A4E0D4}" type="datetimeFigureOut">
               <a:rPr lang="en-US" smtClean="0"/>
-              <a:t>6/23/2019</a:t>
+              <a:t>6/25/2019</a:t>
             </a:fld>
             <a:endParaRPr lang="en-US"/>
           </a:p>
@@ -4144,7 +4579,7 @@
           <a:p>
             <a:fld id="{F0B4C841-81B7-4F68-B48E-82E3C3A4E0D4}" type="datetimeFigureOut">
               <a:rPr lang="en-US" smtClean="0"/>
-              <a:t>6/23/2019</a:t>
+              <a:t>6/25/2019</a:t>
             </a:fld>
             <a:endParaRPr lang="en-US"/>
           </a:p>
@@ -4385,7 +4820,7 @@
           <a:p>
             <a:fld id="{F0B4C841-81B7-4F68-B48E-82E3C3A4E0D4}" type="datetimeFigureOut">
               <a:rPr lang="en-US" smtClean="0"/>
-              <a:t>6/23/2019</a:t>
+              <a:t>6/25/2019</a:t>
             </a:fld>
             <a:endParaRPr lang="en-US"/>
           </a:p>
@@ -5586,7 +6021,7 @@
         <p:spPr bwMode="auto">
           <a:xfrm>
             <a:off x="201612" y="92075"/>
-            <a:ext cx="8408988" cy="714375"/>
+            <a:ext cx="6905431" cy="714375"/>
           </a:xfrm>
           <a:prstGeom prst="rect">
             <a:avLst/>
@@ -5779,217 +6214,11 @@
                 <a:cs typeface="Helvetica Neue" charset="0"/>
                 <a:sym typeface="Helvetica Neue" charset="0"/>
               </a:rPr>
-              <a:t>Mathematics and Statistics supporting algorithms</a:t>
+              <a:t>Research and Deep dive into algorithms</a:t>
             </a:r>
             <a:endParaRPr lang="en-US" altLang="en-US" dirty="0">
               <a:cs typeface="Helvetica Neue" charset="0"/>
             </a:endParaRPr>
-          </a:p>
-        </p:txBody>
-      </p:sp>
-      <p:sp>
-        <p:nvSpPr>
-          <p:cNvPr id="11270" name="Google Shape;160;p18">
-            <a:extLst>
-              <a:ext uri="{FF2B5EF4-FFF2-40B4-BE49-F238E27FC236}">
-                <a16:creationId xmlns:a16="http://schemas.microsoft.com/office/drawing/2014/main" id="{69D5B5AA-0168-4A6C-AB0D-4374FAAD81FE}"/>
-              </a:ext>
-            </a:extLst>
-          </p:cNvPr>
-          <p:cNvSpPr txBox="1">
-            <a:spLocks noChangeArrowheads="1"/>
-          </p:cNvSpPr>
-          <p:nvPr/>
-        </p:nvSpPr>
-        <p:spPr bwMode="auto">
-          <a:xfrm>
-            <a:off x="3092450" y="69850"/>
-            <a:ext cx="6777038" cy="1200150"/>
-          </a:xfrm>
-          <a:prstGeom prst="rect">
-            <a:avLst/>
-          </a:prstGeom>
-          <a:noFill/>
-          <a:ln>
-            <a:noFill/>
-          </a:ln>
-          <a:extLst>
-            <a:ext uri="{909E8E84-426E-40DD-AFC4-6F175D3DCCD1}">
-              <a14:hiddenFill xmlns:a14="http://schemas.microsoft.com/office/drawing/2010/main">
-                <a:solidFill>
-                  <a:srgbClr val="FFFFFF"/>
-                </a:solidFill>
-              </a14:hiddenFill>
-            </a:ext>
-            <a:ext uri="{91240B29-F687-4F45-9708-019B960494DF}">
-              <a14:hiddenLine xmlns:a14="http://schemas.microsoft.com/office/drawing/2010/main" w="9525">
-                <a:solidFill>
-                  <a:srgbClr val="000000"/>
-                </a:solidFill>
-                <a:miter lim="800000"/>
-                <a:headEnd/>
-                <a:tailEnd/>
-              </a14:hiddenLine>
-            </a:ext>
-          </a:extLst>
-        </p:spPr>
-        <p:txBody>
-          <a:bodyPr lIns="91425" tIns="45700" rIns="91425" bIns="45700"/>
-          <a:lstStyle>
-            <a:lvl1pPr>
-              <a:buClr>
-                <a:srgbClr val="000000"/>
-              </a:buClr>
-              <a:buFont typeface="Arial" panose="020B0604020202020204" pitchFamily="34" charset="0"/>
-              <a:defRPr sz="1400">
-                <a:solidFill>
-                  <a:srgbClr val="000000"/>
-                </a:solidFill>
-                <a:latin typeface="Arial" panose="020B0604020202020204" pitchFamily="34" charset="0"/>
-                <a:cs typeface="Arial" panose="020B0604020202020204" pitchFamily="34" charset="0"/>
-                <a:sym typeface="Arial" panose="020B0604020202020204" pitchFamily="34" charset="0"/>
-              </a:defRPr>
-            </a:lvl1pPr>
-            <a:lvl2pPr marL="742950" indent="-285750">
-              <a:buClr>
-                <a:srgbClr val="000000"/>
-              </a:buClr>
-              <a:buFont typeface="Arial" panose="020B0604020202020204" pitchFamily="34" charset="0"/>
-              <a:defRPr sz="1400">
-                <a:solidFill>
-                  <a:srgbClr val="000000"/>
-                </a:solidFill>
-                <a:latin typeface="Arial" panose="020B0604020202020204" pitchFamily="34" charset="0"/>
-                <a:cs typeface="Arial" panose="020B0604020202020204" pitchFamily="34" charset="0"/>
-                <a:sym typeface="Arial" panose="020B0604020202020204" pitchFamily="34" charset="0"/>
-              </a:defRPr>
-            </a:lvl2pPr>
-            <a:lvl3pPr marL="1143000" indent="-228600">
-              <a:buClr>
-                <a:srgbClr val="000000"/>
-              </a:buClr>
-              <a:buFont typeface="Arial" panose="020B0604020202020204" pitchFamily="34" charset="0"/>
-              <a:defRPr sz="1400">
-                <a:solidFill>
-                  <a:srgbClr val="000000"/>
-                </a:solidFill>
-                <a:latin typeface="Arial" panose="020B0604020202020204" pitchFamily="34" charset="0"/>
-                <a:cs typeface="Arial" panose="020B0604020202020204" pitchFamily="34" charset="0"/>
-                <a:sym typeface="Arial" panose="020B0604020202020204" pitchFamily="34" charset="0"/>
-              </a:defRPr>
-            </a:lvl3pPr>
-            <a:lvl4pPr marL="1600200" indent="-228600">
-              <a:buClr>
-                <a:srgbClr val="000000"/>
-              </a:buClr>
-              <a:buFont typeface="Arial" panose="020B0604020202020204" pitchFamily="34" charset="0"/>
-              <a:defRPr sz="1400">
-                <a:solidFill>
-                  <a:srgbClr val="000000"/>
-                </a:solidFill>
-                <a:latin typeface="Arial" panose="020B0604020202020204" pitchFamily="34" charset="0"/>
-                <a:cs typeface="Arial" panose="020B0604020202020204" pitchFamily="34" charset="0"/>
-                <a:sym typeface="Arial" panose="020B0604020202020204" pitchFamily="34" charset="0"/>
-              </a:defRPr>
-            </a:lvl4pPr>
-            <a:lvl5pPr marL="2057400" indent="-228600">
-              <a:buClr>
-                <a:srgbClr val="000000"/>
-              </a:buClr>
-              <a:buFont typeface="Arial" panose="020B0604020202020204" pitchFamily="34" charset="0"/>
-              <a:defRPr sz="1400">
-                <a:solidFill>
-                  <a:srgbClr val="000000"/>
-                </a:solidFill>
-                <a:latin typeface="Arial" panose="020B0604020202020204" pitchFamily="34" charset="0"/>
-                <a:cs typeface="Arial" panose="020B0604020202020204" pitchFamily="34" charset="0"/>
-                <a:sym typeface="Arial" panose="020B0604020202020204" pitchFamily="34" charset="0"/>
-              </a:defRPr>
-            </a:lvl5pPr>
-            <a:lvl6pPr marL="2514600" indent="-228600" eaLnBrk="0" fontAlgn="base" hangingPunct="0">
-              <a:spcBef>
-                <a:spcPct val="0"/>
-              </a:spcBef>
-              <a:spcAft>
-                <a:spcPct val="0"/>
-              </a:spcAft>
-              <a:buClr>
-                <a:srgbClr val="000000"/>
-              </a:buClr>
-              <a:buFont typeface="Arial" panose="020B0604020202020204" pitchFamily="34" charset="0"/>
-              <a:defRPr sz="1400">
-                <a:solidFill>
-                  <a:srgbClr val="000000"/>
-                </a:solidFill>
-                <a:latin typeface="Arial" panose="020B0604020202020204" pitchFamily="34" charset="0"/>
-                <a:cs typeface="Arial" panose="020B0604020202020204" pitchFamily="34" charset="0"/>
-                <a:sym typeface="Arial" panose="020B0604020202020204" pitchFamily="34" charset="0"/>
-              </a:defRPr>
-            </a:lvl6pPr>
-            <a:lvl7pPr marL="2971800" indent="-228600" eaLnBrk="0" fontAlgn="base" hangingPunct="0">
-              <a:spcBef>
-                <a:spcPct val="0"/>
-              </a:spcBef>
-              <a:spcAft>
-                <a:spcPct val="0"/>
-              </a:spcAft>
-              <a:buClr>
-                <a:srgbClr val="000000"/>
-              </a:buClr>
-              <a:buFont typeface="Arial" panose="020B0604020202020204" pitchFamily="34" charset="0"/>
-              <a:defRPr sz="1400">
-                <a:solidFill>
-                  <a:srgbClr val="000000"/>
-                </a:solidFill>
-                <a:latin typeface="Arial" panose="020B0604020202020204" pitchFamily="34" charset="0"/>
-                <a:cs typeface="Arial" panose="020B0604020202020204" pitchFamily="34" charset="0"/>
-                <a:sym typeface="Arial" panose="020B0604020202020204" pitchFamily="34" charset="0"/>
-              </a:defRPr>
-            </a:lvl7pPr>
-            <a:lvl8pPr marL="3429000" indent="-228600" eaLnBrk="0" fontAlgn="base" hangingPunct="0">
-              <a:spcBef>
-                <a:spcPct val="0"/>
-              </a:spcBef>
-              <a:spcAft>
-                <a:spcPct val="0"/>
-              </a:spcAft>
-              <a:buClr>
-                <a:srgbClr val="000000"/>
-              </a:buClr>
-              <a:buFont typeface="Arial" panose="020B0604020202020204" pitchFamily="34" charset="0"/>
-              <a:defRPr sz="1400">
-                <a:solidFill>
-                  <a:srgbClr val="000000"/>
-                </a:solidFill>
-                <a:latin typeface="Arial" panose="020B0604020202020204" pitchFamily="34" charset="0"/>
-                <a:cs typeface="Arial" panose="020B0604020202020204" pitchFamily="34" charset="0"/>
-                <a:sym typeface="Arial" panose="020B0604020202020204" pitchFamily="34" charset="0"/>
-              </a:defRPr>
-            </a:lvl8pPr>
-            <a:lvl9pPr marL="3886200" indent="-228600" eaLnBrk="0" fontAlgn="base" hangingPunct="0">
-              <a:spcBef>
-                <a:spcPct val="0"/>
-              </a:spcBef>
-              <a:spcAft>
-                <a:spcPct val="0"/>
-              </a:spcAft>
-              <a:buClr>
-                <a:srgbClr val="000000"/>
-              </a:buClr>
-              <a:buFont typeface="Arial" panose="020B0604020202020204" pitchFamily="34" charset="0"/>
-              <a:defRPr sz="1400">
-                <a:solidFill>
-                  <a:srgbClr val="000000"/>
-                </a:solidFill>
-                <a:latin typeface="Arial" panose="020B0604020202020204" pitchFamily="34" charset="0"/>
-                <a:cs typeface="Arial" panose="020B0604020202020204" pitchFamily="34" charset="0"/>
-                <a:sym typeface="Arial" panose="020B0604020202020204" pitchFamily="34" charset="0"/>
-              </a:defRPr>
-            </a:lvl9pPr>
-          </a:lstStyle>
-          <a:p>
-            <a:pPr eaLnBrk="1" hangingPunct="1"/>
-            <a:endParaRPr lang="en-US" altLang="en-US"/>
           </a:p>
         </p:txBody>
       </p:sp>
@@ -6196,6 +6425,3564 @@
                 <a:defRPr/>
               </a:pPr>
               <a:t>10</a:t>
+            </a:fld>
+            <a:endParaRPr lang="en-US" altLang="en-US" sz="1200">
+              <a:solidFill>
+                <a:srgbClr val="888888"/>
+              </a:solidFill>
+            </a:endParaRPr>
+          </a:p>
+        </p:txBody>
+      </p:sp>
+      <p:pic>
+        <p:nvPicPr>
+          <p:cNvPr id="9" name="Picture 8">
+            <a:extLst>
+              <a:ext uri="{FF2B5EF4-FFF2-40B4-BE49-F238E27FC236}">
+                <a16:creationId xmlns:a16="http://schemas.microsoft.com/office/drawing/2014/main" id="{0E3ACB64-6388-4387-B043-C665666EE247}"/>
+              </a:ext>
+            </a:extLst>
+          </p:cNvPr>
+          <p:cNvPicPr>
+            <a:picLocks noChangeAspect="1"/>
+          </p:cNvPicPr>
+          <p:nvPr/>
+        </p:nvPicPr>
+        <p:blipFill>
+          <a:blip r:embed="rId3"/>
+          <a:stretch>
+            <a:fillRect/>
+          </a:stretch>
+        </p:blipFill>
+        <p:spPr>
+          <a:xfrm>
+            <a:off x="10959428" y="136525"/>
+            <a:ext cx="1032088" cy="1226186"/>
+          </a:xfrm>
+          <a:prstGeom prst="rect">
+            <a:avLst/>
+          </a:prstGeom>
+        </p:spPr>
+      </p:pic>
+      <p:sp>
+        <p:nvSpPr>
+          <p:cNvPr id="3" name="TextBox 2">
+            <a:extLst>
+              <a:ext uri="{FF2B5EF4-FFF2-40B4-BE49-F238E27FC236}">
+                <a16:creationId xmlns:a16="http://schemas.microsoft.com/office/drawing/2014/main" id="{1F6E23A2-B31E-4C94-A46A-1A44F625F888}"/>
+              </a:ext>
+            </a:extLst>
+          </p:cNvPr>
+          <p:cNvSpPr txBox="1"/>
+          <p:nvPr/>
+        </p:nvSpPr>
+        <p:spPr>
+          <a:xfrm>
+            <a:off x="308758" y="1258784"/>
+            <a:ext cx="7677398" cy="2123658"/>
+          </a:xfrm>
+          <a:prstGeom prst="rect">
+            <a:avLst/>
+          </a:prstGeom>
+          <a:noFill/>
+        </p:spPr>
+        <p:txBody>
+          <a:bodyPr wrap="square" rtlCol="0">
+            <a:spAutoFit/>
+          </a:bodyPr>
+          <a:lstStyle/>
+          <a:p>
+            <a:r>
+              <a:rPr lang="en-US" sz="2400" b="1" dirty="0"/>
+              <a:t>YOLO:</a:t>
+            </a:r>
+          </a:p>
+          <a:p>
+            <a:endParaRPr lang="en-US" dirty="0"/>
+          </a:p>
+          <a:p>
+            <a:r>
+              <a:rPr lang="en-US" dirty="0"/>
+              <a:t>Describe this.</a:t>
+            </a:r>
+          </a:p>
+          <a:p>
+            <a:r>
+              <a:rPr lang="en-US" dirty="0"/>
+              <a:t>What is it used for?</a:t>
+            </a:r>
+          </a:p>
+          <a:p>
+            <a:r>
+              <a:rPr lang="en-US" dirty="0"/>
+              <a:t>Provide advantages and disadvantages</a:t>
+            </a:r>
+          </a:p>
+          <a:p>
+            <a:r>
+              <a:rPr lang="en-US" dirty="0"/>
+              <a:t>Add a graphic </a:t>
+            </a:r>
+          </a:p>
+          <a:p>
+            <a:r>
+              <a:rPr lang="en-US" dirty="0"/>
+              <a:t>Add some math</a:t>
+            </a:r>
+          </a:p>
+        </p:txBody>
+      </p:sp>
+    </p:spTree>
+    <p:extLst>
+      <p:ext uri="{BB962C8B-B14F-4D97-AF65-F5344CB8AC3E}">
+        <p14:creationId xmlns:p14="http://schemas.microsoft.com/office/powerpoint/2010/main" val="1367660411"/>
+      </p:ext>
+    </p:extLst>
+  </p:cSld>
+  <p:clrMapOvr>
+    <a:masterClrMapping/>
+  </p:clrMapOvr>
+</p:sld>
+</file>
+
+<file path=ppt/slides/slide11.xml><?xml version="1.0" encoding="utf-8"?>
+<p:sld xmlns:a="http://schemas.openxmlformats.org/drawingml/2006/main" xmlns:r="http://schemas.openxmlformats.org/officeDocument/2006/relationships" xmlns:p="http://schemas.openxmlformats.org/presentationml/2006/main">
+  <p:cSld>
+    <p:spTree>
+      <p:nvGrpSpPr>
+        <p:cNvPr id="1" name=""/>
+        <p:cNvGrpSpPr/>
+        <p:nvPr/>
+      </p:nvGrpSpPr>
+      <p:grpSpPr>
+        <a:xfrm>
+          <a:off x="0" y="0"/>
+          <a:ext cx="0" cy="0"/>
+          <a:chOff x="0" y="0"/>
+          <a:chExt cx="0" cy="0"/>
+        </a:xfrm>
+      </p:grpSpPr>
+      <p:sp>
+        <p:nvSpPr>
+          <p:cNvPr id="11269" name="Google Shape;159;p18">
+            <a:extLst>
+              <a:ext uri="{FF2B5EF4-FFF2-40B4-BE49-F238E27FC236}">
+                <a16:creationId xmlns:a16="http://schemas.microsoft.com/office/drawing/2014/main" id="{2FCC923B-32C8-4F51-86C3-55498352DB11}"/>
+              </a:ext>
+            </a:extLst>
+          </p:cNvPr>
+          <p:cNvSpPr txBox="1">
+            <a:spLocks noChangeArrowheads="1"/>
+          </p:cNvSpPr>
+          <p:nvPr/>
+        </p:nvSpPr>
+        <p:spPr bwMode="auto">
+          <a:xfrm>
+            <a:off x="201612" y="92075"/>
+            <a:ext cx="6905431" cy="714375"/>
+          </a:xfrm>
+          <a:prstGeom prst="rect">
+            <a:avLst/>
+          </a:prstGeom>
+          <a:noFill/>
+          <a:ln w="9525">
+            <a:solidFill>
+              <a:schemeClr val="tx1"/>
+            </a:solidFill>
+            <a:round/>
+            <a:headEnd type="none" w="sm" len="sm"/>
+            <a:tailEnd type="none" w="sm" len="sm"/>
+          </a:ln>
+          <a:extLst>
+            <a:ext uri="{909E8E84-426E-40DD-AFC4-6F175D3DCCD1}">
+              <a14:hiddenFill xmlns:a14="http://schemas.microsoft.com/office/drawing/2010/main">
+                <a:solidFill>
+                  <a:srgbClr val="FFFFFF"/>
+                </a:solidFill>
+              </a14:hiddenFill>
+            </a:ext>
+          </a:extLst>
+        </p:spPr>
+        <p:txBody>
+          <a:bodyPr lIns="91425" tIns="45700" rIns="91425" bIns="45700" anchor="ctr"/>
+          <a:lstStyle>
+            <a:lvl1pPr>
+              <a:buClr>
+                <a:srgbClr val="000000"/>
+              </a:buClr>
+              <a:buFont typeface="Arial" panose="020B0604020202020204" pitchFamily="34" charset="0"/>
+              <a:defRPr sz="1400">
+                <a:solidFill>
+                  <a:srgbClr val="000000"/>
+                </a:solidFill>
+                <a:latin typeface="Arial" panose="020B0604020202020204" pitchFamily="34" charset="0"/>
+                <a:cs typeface="Arial" panose="020B0604020202020204" pitchFamily="34" charset="0"/>
+                <a:sym typeface="Arial" panose="020B0604020202020204" pitchFamily="34" charset="0"/>
+              </a:defRPr>
+            </a:lvl1pPr>
+            <a:lvl2pPr marL="742950" indent="-285750">
+              <a:buClr>
+                <a:srgbClr val="000000"/>
+              </a:buClr>
+              <a:buFont typeface="Arial" panose="020B0604020202020204" pitchFamily="34" charset="0"/>
+              <a:defRPr sz="1400">
+                <a:solidFill>
+                  <a:srgbClr val="000000"/>
+                </a:solidFill>
+                <a:latin typeface="Arial" panose="020B0604020202020204" pitchFamily="34" charset="0"/>
+                <a:cs typeface="Arial" panose="020B0604020202020204" pitchFamily="34" charset="0"/>
+                <a:sym typeface="Arial" panose="020B0604020202020204" pitchFamily="34" charset="0"/>
+              </a:defRPr>
+            </a:lvl2pPr>
+            <a:lvl3pPr marL="1143000" indent="-228600">
+              <a:buClr>
+                <a:srgbClr val="000000"/>
+              </a:buClr>
+              <a:buFont typeface="Arial" panose="020B0604020202020204" pitchFamily="34" charset="0"/>
+              <a:defRPr sz="1400">
+                <a:solidFill>
+                  <a:srgbClr val="000000"/>
+                </a:solidFill>
+                <a:latin typeface="Arial" panose="020B0604020202020204" pitchFamily="34" charset="0"/>
+                <a:cs typeface="Arial" panose="020B0604020202020204" pitchFamily="34" charset="0"/>
+                <a:sym typeface="Arial" panose="020B0604020202020204" pitchFamily="34" charset="0"/>
+              </a:defRPr>
+            </a:lvl3pPr>
+            <a:lvl4pPr marL="1600200" indent="-228600">
+              <a:buClr>
+                <a:srgbClr val="000000"/>
+              </a:buClr>
+              <a:buFont typeface="Arial" panose="020B0604020202020204" pitchFamily="34" charset="0"/>
+              <a:defRPr sz="1400">
+                <a:solidFill>
+                  <a:srgbClr val="000000"/>
+                </a:solidFill>
+                <a:latin typeface="Arial" panose="020B0604020202020204" pitchFamily="34" charset="0"/>
+                <a:cs typeface="Arial" panose="020B0604020202020204" pitchFamily="34" charset="0"/>
+                <a:sym typeface="Arial" panose="020B0604020202020204" pitchFamily="34" charset="0"/>
+              </a:defRPr>
+            </a:lvl4pPr>
+            <a:lvl5pPr marL="2057400" indent="-228600">
+              <a:buClr>
+                <a:srgbClr val="000000"/>
+              </a:buClr>
+              <a:buFont typeface="Arial" panose="020B0604020202020204" pitchFamily="34" charset="0"/>
+              <a:defRPr sz="1400">
+                <a:solidFill>
+                  <a:srgbClr val="000000"/>
+                </a:solidFill>
+                <a:latin typeface="Arial" panose="020B0604020202020204" pitchFamily="34" charset="0"/>
+                <a:cs typeface="Arial" panose="020B0604020202020204" pitchFamily="34" charset="0"/>
+                <a:sym typeface="Arial" panose="020B0604020202020204" pitchFamily="34" charset="0"/>
+              </a:defRPr>
+            </a:lvl5pPr>
+            <a:lvl6pPr marL="2514600" indent="-228600" eaLnBrk="0" fontAlgn="base" hangingPunct="0">
+              <a:spcBef>
+                <a:spcPct val="0"/>
+              </a:spcBef>
+              <a:spcAft>
+                <a:spcPct val="0"/>
+              </a:spcAft>
+              <a:buClr>
+                <a:srgbClr val="000000"/>
+              </a:buClr>
+              <a:buFont typeface="Arial" panose="020B0604020202020204" pitchFamily="34" charset="0"/>
+              <a:defRPr sz="1400">
+                <a:solidFill>
+                  <a:srgbClr val="000000"/>
+                </a:solidFill>
+                <a:latin typeface="Arial" panose="020B0604020202020204" pitchFamily="34" charset="0"/>
+                <a:cs typeface="Arial" panose="020B0604020202020204" pitchFamily="34" charset="0"/>
+                <a:sym typeface="Arial" panose="020B0604020202020204" pitchFamily="34" charset="0"/>
+              </a:defRPr>
+            </a:lvl6pPr>
+            <a:lvl7pPr marL="2971800" indent="-228600" eaLnBrk="0" fontAlgn="base" hangingPunct="0">
+              <a:spcBef>
+                <a:spcPct val="0"/>
+              </a:spcBef>
+              <a:spcAft>
+                <a:spcPct val="0"/>
+              </a:spcAft>
+              <a:buClr>
+                <a:srgbClr val="000000"/>
+              </a:buClr>
+              <a:buFont typeface="Arial" panose="020B0604020202020204" pitchFamily="34" charset="0"/>
+              <a:defRPr sz="1400">
+                <a:solidFill>
+                  <a:srgbClr val="000000"/>
+                </a:solidFill>
+                <a:latin typeface="Arial" panose="020B0604020202020204" pitchFamily="34" charset="0"/>
+                <a:cs typeface="Arial" panose="020B0604020202020204" pitchFamily="34" charset="0"/>
+                <a:sym typeface="Arial" panose="020B0604020202020204" pitchFamily="34" charset="0"/>
+              </a:defRPr>
+            </a:lvl7pPr>
+            <a:lvl8pPr marL="3429000" indent="-228600" eaLnBrk="0" fontAlgn="base" hangingPunct="0">
+              <a:spcBef>
+                <a:spcPct val="0"/>
+              </a:spcBef>
+              <a:spcAft>
+                <a:spcPct val="0"/>
+              </a:spcAft>
+              <a:buClr>
+                <a:srgbClr val="000000"/>
+              </a:buClr>
+              <a:buFont typeface="Arial" panose="020B0604020202020204" pitchFamily="34" charset="0"/>
+              <a:defRPr sz="1400">
+                <a:solidFill>
+                  <a:srgbClr val="000000"/>
+                </a:solidFill>
+                <a:latin typeface="Arial" panose="020B0604020202020204" pitchFamily="34" charset="0"/>
+                <a:cs typeface="Arial" panose="020B0604020202020204" pitchFamily="34" charset="0"/>
+                <a:sym typeface="Arial" panose="020B0604020202020204" pitchFamily="34" charset="0"/>
+              </a:defRPr>
+            </a:lvl8pPr>
+            <a:lvl9pPr marL="3886200" indent="-228600" eaLnBrk="0" fontAlgn="base" hangingPunct="0">
+              <a:spcBef>
+                <a:spcPct val="0"/>
+              </a:spcBef>
+              <a:spcAft>
+                <a:spcPct val="0"/>
+              </a:spcAft>
+              <a:buClr>
+                <a:srgbClr val="000000"/>
+              </a:buClr>
+              <a:buFont typeface="Arial" panose="020B0604020202020204" pitchFamily="34" charset="0"/>
+              <a:defRPr sz="1400">
+                <a:solidFill>
+                  <a:srgbClr val="000000"/>
+                </a:solidFill>
+                <a:latin typeface="Arial" panose="020B0604020202020204" pitchFamily="34" charset="0"/>
+                <a:cs typeface="Arial" panose="020B0604020202020204" pitchFamily="34" charset="0"/>
+                <a:sym typeface="Arial" panose="020B0604020202020204" pitchFamily="34" charset="0"/>
+              </a:defRPr>
+            </a:lvl9pPr>
+          </a:lstStyle>
+          <a:p>
+            <a:pPr algn="ctr" eaLnBrk="1" hangingPunct="1">
+              <a:lnSpc>
+                <a:spcPct val="90000"/>
+              </a:lnSpc>
+              <a:buSzPts val="2800"/>
+              <a:buFont typeface="Helvetica Neue" charset="0"/>
+              <a:buNone/>
+            </a:pPr>
+            <a:r>
+              <a:rPr lang="en-US" altLang="en-US" sz="2800" dirty="0">
+                <a:latin typeface="Helvetica Neue" charset="0"/>
+                <a:cs typeface="Helvetica Neue" charset="0"/>
+                <a:sym typeface="Helvetica Neue" charset="0"/>
+              </a:rPr>
+              <a:t>Research and Deep dive into algorithms</a:t>
+            </a:r>
+            <a:endParaRPr lang="en-US" altLang="en-US" dirty="0">
+              <a:cs typeface="Helvetica Neue" charset="0"/>
+            </a:endParaRPr>
+          </a:p>
+        </p:txBody>
+      </p:sp>
+      <p:sp>
+        <p:nvSpPr>
+          <p:cNvPr id="11271" name="Google Shape;161;p18">
+            <a:extLst>
+              <a:ext uri="{FF2B5EF4-FFF2-40B4-BE49-F238E27FC236}">
+                <a16:creationId xmlns:a16="http://schemas.microsoft.com/office/drawing/2014/main" id="{238C9E5D-5A7F-4F4F-B37A-7568517167CA}"/>
+              </a:ext>
+            </a:extLst>
+          </p:cNvPr>
+          <p:cNvSpPr>
+            <a:spLocks noGrp="1" noChangeArrowheads="1"/>
+          </p:cNvSpPr>
+          <p:nvPr>
+            <p:ph type="sldNum" sz="quarter" idx="13"/>
+          </p:nvPr>
+        </p:nvSpPr>
+        <p:spPr bwMode="auto">
+          <a:xfrm>
+            <a:off x="8610600" y="6356350"/>
+            <a:ext cx="2743200" cy="365125"/>
+          </a:xfrm>
+          <a:prstGeom prst="rect">
+            <a:avLst/>
+          </a:prstGeom>
+          <a:noFill/>
+          <a:ln>
+            <a:noFill/>
+          </a:ln>
+          <a:extLst>
+            <a:ext uri="{909E8E84-426E-40DD-AFC4-6F175D3DCCD1}">
+              <a14:hiddenFill xmlns:a14="http://schemas.microsoft.com/office/drawing/2010/main">
+                <a:solidFill>
+                  <a:srgbClr val="FFFFFF"/>
+                </a:solidFill>
+              </a14:hiddenFill>
+            </a:ext>
+            <a:ext uri="{91240B29-F687-4F45-9708-019B960494DF}">
+              <a14:hiddenLine xmlns:a14="http://schemas.microsoft.com/office/drawing/2010/main" w="9525">
+                <a:solidFill>
+                  <a:srgbClr val="000000"/>
+                </a:solidFill>
+                <a:miter lim="800000"/>
+                <a:headEnd/>
+                <a:tailEnd/>
+              </a14:hiddenLine>
+            </a:ext>
+          </a:extLst>
+        </p:spPr>
+        <p:txBody>
+          <a:bodyPr vert="horz" wrap="square" lIns="91425" tIns="45700" rIns="91425" bIns="45700" numCol="1" anchor="ctr" anchorCtr="0" compatLnSpc="1">
+            <a:prstTxWarp prst="textNoShape">
+              <a:avLst/>
+            </a:prstTxWarp>
+          </a:bodyPr>
+          <a:lstStyle>
+            <a:defPPr>
+              <a:defRPr lang="en-US"/>
+            </a:defPPr>
+            <a:lvl1pPr algn="r" rtl="0" eaLnBrk="1" fontAlgn="base" hangingPunct="1">
+              <a:spcBef>
+                <a:spcPct val="0"/>
+              </a:spcBef>
+              <a:spcAft>
+                <a:spcPct val="0"/>
+              </a:spcAft>
+              <a:buClr>
+                <a:srgbClr val="000000"/>
+              </a:buClr>
+              <a:buFont typeface="Arial" panose="020B0604020202020204" pitchFamily="34" charset="0"/>
+              <a:buNone/>
+              <a:defRPr sz="1200" kern="1200" smtClean="0">
+                <a:solidFill>
+                  <a:srgbClr val="888888"/>
+                </a:solidFill>
+                <a:latin typeface="Arial" panose="020B0604020202020204" pitchFamily="34" charset="0"/>
+                <a:ea typeface="+mn-ea"/>
+                <a:cs typeface="Arial" panose="020B0604020202020204" pitchFamily="34" charset="0"/>
+                <a:sym typeface="Arial" panose="020B0604020202020204" pitchFamily="34" charset="0"/>
+              </a:defRPr>
+            </a:lvl1pPr>
+            <a:lvl2pPr marL="457200" algn="l" rtl="0" eaLnBrk="0" fontAlgn="base" hangingPunct="0">
+              <a:spcBef>
+                <a:spcPct val="0"/>
+              </a:spcBef>
+              <a:spcAft>
+                <a:spcPct val="0"/>
+              </a:spcAft>
+              <a:defRPr sz="1400" kern="1200">
+                <a:solidFill>
+                  <a:srgbClr val="000000"/>
+                </a:solidFill>
+                <a:latin typeface="Arial" panose="020B0604020202020204" pitchFamily="34" charset="0"/>
+                <a:ea typeface="+mn-ea"/>
+                <a:cs typeface="Arial" panose="020B0604020202020204" pitchFamily="34" charset="0"/>
+                <a:sym typeface="Arial" panose="020B0604020202020204" pitchFamily="34" charset="0"/>
+              </a:defRPr>
+            </a:lvl2pPr>
+            <a:lvl3pPr marL="914400" algn="l" rtl="0" eaLnBrk="0" fontAlgn="base" hangingPunct="0">
+              <a:spcBef>
+                <a:spcPct val="0"/>
+              </a:spcBef>
+              <a:spcAft>
+                <a:spcPct val="0"/>
+              </a:spcAft>
+              <a:defRPr sz="1400" kern="1200">
+                <a:solidFill>
+                  <a:srgbClr val="000000"/>
+                </a:solidFill>
+                <a:latin typeface="Arial" panose="020B0604020202020204" pitchFamily="34" charset="0"/>
+                <a:ea typeface="+mn-ea"/>
+                <a:cs typeface="Arial" panose="020B0604020202020204" pitchFamily="34" charset="0"/>
+                <a:sym typeface="Arial" panose="020B0604020202020204" pitchFamily="34" charset="0"/>
+              </a:defRPr>
+            </a:lvl3pPr>
+            <a:lvl4pPr marL="1371600" algn="l" rtl="0" eaLnBrk="0" fontAlgn="base" hangingPunct="0">
+              <a:spcBef>
+                <a:spcPct val="0"/>
+              </a:spcBef>
+              <a:spcAft>
+                <a:spcPct val="0"/>
+              </a:spcAft>
+              <a:defRPr sz="1400" kern="1200">
+                <a:solidFill>
+                  <a:srgbClr val="000000"/>
+                </a:solidFill>
+                <a:latin typeface="Arial" panose="020B0604020202020204" pitchFamily="34" charset="0"/>
+                <a:ea typeface="+mn-ea"/>
+                <a:cs typeface="Arial" panose="020B0604020202020204" pitchFamily="34" charset="0"/>
+                <a:sym typeface="Arial" panose="020B0604020202020204" pitchFamily="34" charset="0"/>
+              </a:defRPr>
+            </a:lvl4pPr>
+            <a:lvl5pPr marL="1828800" algn="l" rtl="0" eaLnBrk="0" fontAlgn="base" hangingPunct="0">
+              <a:spcBef>
+                <a:spcPct val="0"/>
+              </a:spcBef>
+              <a:spcAft>
+                <a:spcPct val="0"/>
+              </a:spcAft>
+              <a:defRPr sz="1400" kern="1200">
+                <a:solidFill>
+                  <a:srgbClr val="000000"/>
+                </a:solidFill>
+                <a:latin typeface="Arial" panose="020B0604020202020204" pitchFamily="34" charset="0"/>
+                <a:ea typeface="+mn-ea"/>
+                <a:cs typeface="Arial" panose="020B0604020202020204" pitchFamily="34" charset="0"/>
+                <a:sym typeface="Arial" panose="020B0604020202020204" pitchFamily="34" charset="0"/>
+              </a:defRPr>
+            </a:lvl5pPr>
+            <a:lvl6pPr marL="2286000" algn="l" defTabSz="914400" rtl="0" eaLnBrk="1" latinLnBrk="0" hangingPunct="1">
+              <a:defRPr sz="1400" kern="1200">
+                <a:solidFill>
+                  <a:srgbClr val="000000"/>
+                </a:solidFill>
+                <a:latin typeface="Arial" panose="020B0604020202020204" pitchFamily="34" charset="0"/>
+                <a:ea typeface="+mn-ea"/>
+                <a:cs typeface="Arial" panose="020B0604020202020204" pitchFamily="34" charset="0"/>
+                <a:sym typeface="Arial" panose="020B0604020202020204" pitchFamily="34" charset="0"/>
+              </a:defRPr>
+            </a:lvl6pPr>
+            <a:lvl7pPr marL="2743200" algn="l" defTabSz="914400" rtl="0" eaLnBrk="1" latinLnBrk="0" hangingPunct="1">
+              <a:defRPr sz="1400" kern="1200">
+                <a:solidFill>
+                  <a:srgbClr val="000000"/>
+                </a:solidFill>
+                <a:latin typeface="Arial" panose="020B0604020202020204" pitchFamily="34" charset="0"/>
+                <a:ea typeface="+mn-ea"/>
+                <a:cs typeface="Arial" panose="020B0604020202020204" pitchFamily="34" charset="0"/>
+                <a:sym typeface="Arial" panose="020B0604020202020204" pitchFamily="34" charset="0"/>
+              </a:defRPr>
+            </a:lvl7pPr>
+            <a:lvl8pPr marL="3200400" algn="l" defTabSz="914400" rtl="0" eaLnBrk="1" latinLnBrk="0" hangingPunct="1">
+              <a:defRPr sz="1400" kern="1200">
+                <a:solidFill>
+                  <a:srgbClr val="000000"/>
+                </a:solidFill>
+                <a:latin typeface="Arial" panose="020B0604020202020204" pitchFamily="34" charset="0"/>
+                <a:ea typeface="+mn-ea"/>
+                <a:cs typeface="Arial" panose="020B0604020202020204" pitchFamily="34" charset="0"/>
+                <a:sym typeface="Arial" panose="020B0604020202020204" pitchFamily="34" charset="0"/>
+              </a:defRPr>
+            </a:lvl8pPr>
+            <a:lvl9pPr marL="3657600" algn="l" defTabSz="914400" rtl="0" eaLnBrk="1" latinLnBrk="0" hangingPunct="1">
+              <a:defRPr sz="1400" kern="1200">
+                <a:solidFill>
+                  <a:srgbClr val="000000"/>
+                </a:solidFill>
+                <a:latin typeface="Arial" panose="020B0604020202020204" pitchFamily="34" charset="0"/>
+                <a:ea typeface="+mn-ea"/>
+                <a:cs typeface="Arial" panose="020B0604020202020204" pitchFamily="34" charset="0"/>
+                <a:sym typeface="Arial" panose="020B0604020202020204" pitchFamily="34" charset="0"/>
+              </a:defRPr>
+            </a:lvl9pPr>
+          </a:lstStyle>
+          <a:p>
+            <a:pPr>
+              <a:defRPr/>
+            </a:pPr>
+            <a:fld id="{FFB91C40-FCB9-4641-83DA-0013B503C4F6}" type="slidenum">
+              <a:rPr lang="en-US" altLang="en-US" smtClean="0"/>
+              <a:pPr>
+                <a:defRPr/>
+              </a:pPr>
+              <a:t>11</a:t>
+            </a:fld>
+            <a:endParaRPr lang="en-US" altLang="en-US" sz="1200">
+              <a:solidFill>
+                <a:srgbClr val="888888"/>
+              </a:solidFill>
+            </a:endParaRPr>
+          </a:p>
+        </p:txBody>
+      </p:sp>
+      <p:pic>
+        <p:nvPicPr>
+          <p:cNvPr id="9" name="Picture 8">
+            <a:extLst>
+              <a:ext uri="{FF2B5EF4-FFF2-40B4-BE49-F238E27FC236}">
+                <a16:creationId xmlns:a16="http://schemas.microsoft.com/office/drawing/2014/main" id="{0E3ACB64-6388-4387-B043-C665666EE247}"/>
+              </a:ext>
+            </a:extLst>
+          </p:cNvPr>
+          <p:cNvPicPr>
+            <a:picLocks noChangeAspect="1"/>
+          </p:cNvPicPr>
+          <p:nvPr/>
+        </p:nvPicPr>
+        <p:blipFill>
+          <a:blip r:embed="rId3"/>
+          <a:stretch>
+            <a:fillRect/>
+          </a:stretch>
+        </p:blipFill>
+        <p:spPr>
+          <a:xfrm>
+            <a:off x="10959428" y="136525"/>
+            <a:ext cx="1032088" cy="1226186"/>
+          </a:xfrm>
+          <a:prstGeom prst="rect">
+            <a:avLst/>
+          </a:prstGeom>
+        </p:spPr>
+      </p:pic>
+      <p:sp>
+        <p:nvSpPr>
+          <p:cNvPr id="6" name="TextBox 5">
+            <a:extLst>
+              <a:ext uri="{FF2B5EF4-FFF2-40B4-BE49-F238E27FC236}">
+                <a16:creationId xmlns:a16="http://schemas.microsoft.com/office/drawing/2014/main" id="{317D8BF8-52ED-4202-B032-5AE1E3B32A30}"/>
+              </a:ext>
+            </a:extLst>
+          </p:cNvPr>
+          <p:cNvSpPr txBox="1"/>
+          <p:nvPr/>
+        </p:nvSpPr>
+        <p:spPr>
+          <a:xfrm>
+            <a:off x="200484" y="1092530"/>
+            <a:ext cx="7677398" cy="2123658"/>
+          </a:xfrm>
+          <a:prstGeom prst="rect">
+            <a:avLst/>
+          </a:prstGeom>
+          <a:noFill/>
+        </p:spPr>
+        <p:txBody>
+          <a:bodyPr wrap="square" rtlCol="0">
+            <a:spAutoFit/>
+          </a:bodyPr>
+          <a:lstStyle/>
+          <a:p>
+            <a:r>
+              <a:rPr lang="en-US" sz="2400" b="1"/>
+              <a:t>SSD:</a:t>
+            </a:r>
+            <a:endParaRPr lang="en-US" sz="2400" b="1" dirty="0"/>
+          </a:p>
+          <a:p>
+            <a:endParaRPr lang="en-US" dirty="0"/>
+          </a:p>
+          <a:p>
+            <a:r>
+              <a:rPr lang="en-US" dirty="0"/>
+              <a:t>Describe this.</a:t>
+            </a:r>
+          </a:p>
+          <a:p>
+            <a:r>
+              <a:rPr lang="en-US" dirty="0"/>
+              <a:t>What is it used for?</a:t>
+            </a:r>
+          </a:p>
+          <a:p>
+            <a:r>
+              <a:rPr lang="en-US" dirty="0"/>
+              <a:t>Provide advantages and disadvantages</a:t>
+            </a:r>
+          </a:p>
+          <a:p>
+            <a:r>
+              <a:rPr lang="en-US" dirty="0"/>
+              <a:t>Add a graphic </a:t>
+            </a:r>
+          </a:p>
+          <a:p>
+            <a:r>
+              <a:rPr lang="en-US" dirty="0"/>
+              <a:t>Add some math</a:t>
+            </a:r>
+          </a:p>
+        </p:txBody>
+      </p:sp>
+    </p:spTree>
+    <p:extLst>
+      <p:ext uri="{BB962C8B-B14F-4D97-AF65-F5344CB8AC3E}">
+        <p14:creationId xmlns:p14="http://schemas.microsoft.com/office/powerpoint/2010/main" val="1829269551"/>
+      </p:ext>
+    </p:extLst>
+  </p:cSld>
+  <p:clrMapOvr>
+    <a:masterClrMapping/>
+  </p:clrMapOvr>
+</p:sld>
+</file>
+
+<file path=ppt/slides/slide12.xml><?xml version="1.0" encoding="utf-8"?>
+<p:sld xmlns:a="http://schemas.openxmlformats.org/drawingml/2006/main" xmlns:r="http://schemas.openxmlformats.org/officeDocument/2006/relationships" xmlns:p="http://schemas.openxmlformats.org/presentationml/2006/main">
+  <p:cSld>
+    <p:spTree>
+      <p:nvGrpSpPr>
+        <p:cNvPr id="1" name=""/>
+        <p:cNvGrpSpPr/>
+        <p:nvPr/>
+      </p:nvGrpSpPr>
+      <p:grpSpPr>
+        <a:xfrm>
+          <a:off x="0" y="0"/>
+          <a:ext cx="0" cy="0"/>
+          <a:chOff x="0" y="0"/>
+          <a:chExt cx="0" cy="0"/>
+        </a:xfrm>
+      </p:grpSpPr>
+      <p:sp>
+        <p:nvSpPr>
+          <p:cNvPr id="28674" name="Slide Number Placeholder 1">
+            <a:extLst>
+              <a:ext uri="{FF2B5EF4-FFF2-40B4-BE49-F238E27FC236}">
+                <a16:creationId xmlns:a16="http://schemas.microsoft.com/office/drawing/2014/main" id="{AC554F12-117A-45F5-A67E-21F9825D1CA2}"/>
+              </a:ext>
+            </a:extLst>
+          </p:cNvPr>
+          <p:cNvSpPr>
+            <a:spLocks noGrp="1" noChangeArrowheads="1"/>
+          </p:cNvSpPr>
+          <p:nvPr>
+            <p:ph type="sldNum" sz="quarter" idx="13"/>
+          </p:nvPr>
+        </p:nvSpPr>
+        <p:spPr bwMode="auto">
+          <a:xfrm>
+            <a:off x="8610600" y="6356350"/>
+            <a:ext cx="2743200" cy="365125"/>
+          </a:xfrm>
+          <a:prstGeom prst="rect">
+            <a:avLst/>
+          </a:prstGeom>
+          <a:noFill/>
+          <a:ln>
+            <a:noFill/>
+          </a:ln>
+          <a:extLst>
+            <a:ext uri="{909E8E84-426E-40DD-AFC4-6F175D3DCCD1}">
+              <a14:hiddenFill xmlns:a14="http://schemas.microsoft.com/office/drawing/2010/main">
+                <a:solidFill>
+                  <a:srgbClr val="FFFFFF"/>
+                </a:solidFill>
+              </a14:hiddenFill>
+            </a:ext>
+            <a:ext uri="{91240B29-F687-4F45-9708-019B960494DF}">
+              <a14:hiddenLine xmlns:a14="http://schemas.microsoft.com/office/drawing/2010/main" w="9525">
+                <a:solidFill>
+                  <a:srgbClr val="000000"/>
+                </a:solidFill>
+                <a:miter lim="800000"/>
+                <a:headEnd/>
+                <a:tailEnd/>
+              </a14:hiddenLine>
+            </a:ext>
+          </a:extLst>
+        </p:spPr>
+        <p:txBody>
+          <a:bodyPr vert="horz" wrap="square" lIns="91425" tIns="45700" rIns="91425" bIns="45700" numCol="1" anchor="ctr" anchorCtr="0" compatLnSpc="1">
+            <a:prstTxWarp prst="textNoShape">
+              <a:avLst/>
+            </a:prstTxWarp>
+          </a:bodyPr>
+          <a:lstStyle>
+            <a:defPPr>
+              <a:defRPr lang="en-US"/>
+            </a:defPPr>
+            <a:lvl1pPr algn="r" rtl="0" eaLnBrk="1" fontAlgn="base" hangingPunct="1">
+              <a:spcBef>
+                <a:spcPct val="0"/>
+              </a:spcBef>
+              <a:spcAft>
+                <a:spcPct val="0"/>
+              </a:spcAft>
+              <a:buClr>
+                <a:srgbClr val="000000"/>
+              </a:buClr>
+              <a:buFont typeface="Arial" panose="020B0604020202020204" pitchFamily="34" charset="0"/>
+              <a:buNone/>
+              <a:defRPr sz="1200" kern="1200" smtClean="0">
+                <a:solidFill>
+                  <a:srgbClr val="888888"/>
+                </a:solidFill>
+                <a:latin typeface="Arial" panose="020B0604020202020204" pitchFamily="34" charset="0"/>
+                <a:ea typeface="+mn-ea"/>
+                <a:cs typeface="Arial" panose="020B0604020202020204" pitchFamily="34" charset="0"/>
+                <a:sym typeface="Arial" panose="020B0604020202020204" pitchFamily="34" charset="0"/>
+              </a:defRPr>
+            </a:lvl1pPr>
+            <a:lvl2pPr marL="457200" algn="l" rtl="0" eaLnBrk="0" fontAlgn="base" hangingPunct="0">
+              <a:spcBef>
+                <a:spcPct val="0"/>
+              </a:spcBef>
+              <a:spcAft>
+                <a:spcPct val="0"/>
+              </a:spcAft>
+              <a:defRPr sz="1400" kern="1200">
+                <a:solidFill>
+                  <a:srgbClr val="000000"/>
+                </a:solidFill>
+                <a:latin typeface="Arial" panose="020B0604020202020204" pitchFamily="34" charset="0"/>
+                <a:ea typeface="+mn-ea"/>
+                <a:cs typeface="Arial" panose="020B0604020202020204" pitchFamily="34" charset="0"/>
+                <a:sym typeface="Arial" panose="020B0604020202020204" pitchFamily="34" charset="0"/>
+              </a:defRPr>
+            </a:lvl2pPr>
+            <a:lvl3pPr marL="914400" algn="l" rtl="0" eaLnBrk="0" fontAlgn="base" hangingPunct="0">
+              <a:spcBef>
+                <a:spcPct val="0"/>
+              </a:spcBef>
+              <a:spcAft>
+                <a:spcPct val="0"/>
+              </a:spcAft>
+              <a:defRPr sz="1400" kern="1200">
+                <a:solidFill>
+                  <a:srgbClr val="000000"/>
+                </a:solidFill>
+                <a:latin typeface="Arial" panose="020B0604020202020204" pitchFamily="34" charset="0"/>
+                <a:ea typeface="+mn-ea"/>
+                <a:cs typeface="Arial" panose="020B0604020202020204" pitchFamily="34" charset="0"/>
+                <a:sym typeface="Arial" panose="020B0604020202020204" pitchFamily="34" charset="0"/>
+              </a:defRPr>
+            </a:lvl3pPr>
+            <a:lvl4pPr marL="1371600" algn="l" rtl="0" eaLnBrk="0" fontAlgn="base" hangingPunct="0">
+              <a:spcBef>
+                <a:spcPct val="0"/>
+              </a:spcBef>
+              <a:spcAft>
+                <a:spcPct val="0"/>
+              </a:spcAft>
+              <a:defRPr sz="1400" kern="1200">
+                <a:solidFill>
+                  <a:srgbClr val="000000"/>
+                </a:solidFill>
+                <a:latin typeface="Arial" panose="020B0604020202020204" pitchFamily="34" charset="0"/>
+                <a:ea typeface="+mn-ea"/>
+                <a:cs typeface="Arial" panose="020B0604020202020204" pitchFamily="34" charset="0"/>
+                <a:sym typeface="Arial" panose="020B0604020202020204" pitchFamily="34" charset="0"/>
+              </a:defRPr>
+            </a:lvl4pPr>
+            <a:lvl5pPr marL="1828800" algn="l" rtl="0" eaLnBrk="0" fontAlgn="base" hangingPunct="0">
+              <a:spcBef>
+                <a:spcPct val="0"/>
+              </a:spcBef>
+              <a:spcAft>
+                <a:spcPct val="0"/>
+              </a:spcAft>
+              <a:defRPr sz="1400" kern="1200">
+                <a:solidFill>
+                  <a:srgbClr val="000000"/>
+                </a:solidFill>
+                <a:latin typeface="Arial" panose="020B0604020202020204" pitchFamily="34" charset="0"/>
+                <a:ea typeface="+mn-ea"/>
+                <a:cs typeface="Arial" panose="020B0604020202020204" pitchFamily="34" charset="0"/>
+                <a:sym typeface="Arial" panose="020B0604020202020204" pitchFamily="34" charset="0"/>
+              </a:defRPr>
+            </a:lvl5pPr>
+            <a:lvl6pPr marL="2286000" algn="l" defTabSz="914400" rtl="0" eaLnBrk="1" latinLnBrk="0" hangingPunct="1">
+              <a:defRPr sz="1400" kern="1200">
+                <a:solidFill>
+                  <a:srgbClr val="000000"/>
+                </a:solidFill>
+                <a:latin typeface="Arial" panose="020B0604020202020204" pitchFamily="34" charset="0"/>
+                <a:ea typeface="+mn-ea"/>
+                <a:cs typeface="Arial" panose="020B0604020202020204" pitchFamily="34" charset="0"/>
+                <a:sym typeface="Arial" panose="020B0604020202020204" pitchFamily="34" charset="0"/>
+              </a:defRPr>
+            </a:lvl6pPr>
+            <a:lvl7pPr marL="2743200" algn="l" defTabSz="914400" rtl="0" eaLnBrk="1" latinLnBrk="0" hangingPunct="1">
+              <a:defRPr sz="1400" kern="1200">
+                <a:solidFill>
+                  <a:srgbClr val="000000"/>
+                </a:solidFill>
+                <a:latin typeface="Arial" panose="020B0604020202020204" pitchFamily="34" charset="0"/>
+                <a:ea typeface="+mn-ea"/>
+                <a:cs typeface="Arial" panose="020B0604020202020204" pitchFamily="34" charset="0"/>
+                <a:sym typeface="Arial" panose="020B0604020202020204" pitchFamily="34" charset="0"/>
+              </a:defRPr>
+            </a:lvl7pPr>
+            <a:lvl8pPr marL="3200400" algn="l" defTabSz="914400" rtl="0" eaLnBrk="1" latinLnBrk="0" hangingPunct="1">
+              <a:defRPr sz="1400" kern="1200">
+                <a:solidFill>
+                  <a:srgbClr val="000000"/>
+                </a:solidFill>
+                <a:latin typeface="Arial" panose="020B0604020202020204" pitchFamily="34" charset="0"/>
+                <a:ea typeface="+mn-ea"/>
+                <a:cs typeface="Arial" panose="020B0604020202020204" pitchFamily="34" charset="0"/>
+                <a:sym typeface="Arial" panose="020B0604020202020204" pitchFamily="34" charset="0"/>
+              </a:defRPr>
+            </a:lvl8pPr>
+            <a:lvl9pPr marL="3657600" algn="l" defTabSz="914400" rtl="0" eaLnBrk="1" latinLnBrk="0" hangingPunct="1">
+              <a:defRPr sz="1400" kern="1200">
+                <a:solidFill>
+                  <a:srgbClr val="000000"/>
+                </a:solidFill>
+                <a:latin typeface="Arial" panose="020B0604020202020204" pitchFamily="34" charset="0"/>
+                <a:ea typeface="+mn-ea"/>
+                <a:cs typeface="Arial" panose="020B0604020202020204" pitchFamily="34" charset="0"/>
+                <a:sym typeface="Arial" panose="020B0604020202020204" pitchFamily="34" charset="0"/>
+              </a:defRPr>
+            </a:lvl9pPr>
+          </a:lstStyle>
+          <a:p>
+            <a:pPr>
+              <a:defRPr/>
+            </a:pPr>
+            <a:fld id="{FFB91C40-FCB9-4641-83DA-0013B503C4F6}" type="slidenum">
+              <a:rPr lang="en-US" altLang="en-US" smtClean="0"/>
+              <a:pPr>
+                <a:defRPr/>
+              </a:pPr>
+              <a:t>12</a:t>
+            </a:fld>
+            <a:endParaRPr lang="uk-UA" altLang="en-US" sz="1200">
+              <a:solidFill>
+                <a:srgbClr val="888888"/>
+              </a:solidFill>
+            </a:endParaRPr>
+          </a:p>
+        </p:txBody>
+      </p:sp>
+      <p:sp>
+        <p:nvSpPr>
+          <p:cNvPr id="28676" name="Google Shape;239;p24">
+            <a:extLst>
+              <a:ext uri="{FF2B5EF4-FFF2-40B4-BE49-F238E27FC236}">
+                <a16:creationId xmlns:a16="http://schemas.microsoft.com/office/drawing/2014/main" id="{D4CE9F22-BD2E-4DBF-BF7B-F5E7039DD98C}"/>
+              </a:ext>
+            </a:extLst>
+          </p:cNvPr>
+          <p:cNvSpPr txBox="1">
+            <a:spLocks noChangeArrowheads="1"/>
+          </p:cNvSpPr>
+          <p:nvPr/>
+        </p:nvSpPr>
+        <p:spPr bwMode="auto">
+          <a:xfrm>
+            <a:off x="8610600" y="6356350"/>
+            <a:ext cx="2743200" cy="365125"/>
+          </a:xfrm>
+          <a:prstGeom prst="rect">
+            <a:avLst/>
+          </a:prstGeom>
+          <a:noFill/>
+          <a:ln>
+            <a:noFill/>
+          </a:ln>
+          <a:extLst>
+            <a:ext uri="{909E8E84-426E-40DD-AFC4-6F175D3DCCD1}">
+              <a14:hiddenFill xmlns:a14="http://schemas.microsoft.com/office/drawing/2010/main">
+                <a:solidFill>
+                  <a:srgbClr val="FFFFFF"/>
+                </a:solidFill>
+              </a14:hiddenFill>
+            </a:ext>
+            <a:ext uri="{91240B29-F687-4F45-9708-019B960494DF}">
+              <a14:hiddenLine xmlns:a14="http://schemas.microsoft.com/office/drawing/2010/main" w="9525">
+                <a:solidFill>
+                  <a:srgbClr val="000000"/>
+                </a:solidFill>
+                <a:miter lim="800000"/>
+                <a:headEnd/>
+                <a:tailEnd/>
+              </a14:hiddenLine>
+            </a:ext>
+          </a:extLst>
+        </p:spPr>
+        <p:txBody>
+          <a:bodyPr lIns="91425" tIns="45700" rIns="91425" bIns="45700" anchor="ctr"/>
+          <a:lstStyle>
+            <a:lvl1pPr>
+              <a:buClr>
+                <a:srgbClr val="000000"/>
+              </a:buClr>
+              <a:buFont typeface="Arial" panose="020B0604020202020204" pitchFamily="34" charset="0"/>
+              <a:defRPr sz="1400">
+                <a:solidFill>
+                  <a:srgbClr val="000000"/>
+                </a:solidFill>
+                <a:latin typeface="Arial" panose="020B0604020202020204" pitchFamily="34" charset="0"/>
+                <a:cs typeface="Arial" panose="020B0604020202020204" pitchFamily="34" charset="0"/>
+                <a:sym typeface="Arial" panose="020B0604020202020204" pitchFamily="34" charset="0"/>
+              </a:defRPr>
+            </a:lvl1pPr>
+            <a:lvl2pPr marL="742950" indent="-285750">
+              <a:buClr>
+                <a:srgbClr val="000000"/>
+              </a:buClr>
+              <a:buFont typeface="Arial" panose="020B0604020202020204" pitchFamily="34" charset="0"/>
+              <a:defRPr sz="1400">
+                <a:solidFill>
+                  <a:srgbClr val="000000"/>
+                </a:solidFill>
+                <a:latin typeface="Arial" panose="020B0604020202020204" pitchFamily="34" charset="0"/>
+                <a:cs typeface="Arial" panose="020B0604020202020204" pitchFamily="34" charset="0"/>
+                <a:sym typeface="Arial" panose="020B0604020202020204" pitchFamily="34" charset="0"/>
+              </a:defRPr>
+            </a:lvl2pPr>
+            <a:lvl3pPr marL="1143000" indent="-228600">
+              <a:buClr>
+                <a:srgbClr val="000000"/>
+              </a:buClr>
+              <a:buFont typeface="Arial" panose="020B0604020202020204" pitchFamily="34" charset="0"/>
+              <a:defRPr sz="1400">
+                <a:solidFill>
+                  <a:srgbClr val="000000"/>
+                </a:solidFill>
+                <a:latin typeface="Arial" panose="020B0604020202020204" pitchFamily="34" charset="0"/>
+                <a:cs typeface="Arial" panose="020B0604020202020204" pitchFamily="34" charset="0"/>
+                <a:sym typeface="Arial" panose="020B0604020202020204" pitchFamily="34" charset="0"/>
+              </a:defRPr>
+            </a:lvl3pPr>
+            <a:lvl4pPr marL="1600200" indent="-228600">
+              <a:buClr>
+                <a:srgbClr val="000000"/>
+              </a:buClr>
+              <a:buFont typeface="Arial" panose="020B0604020202020204" pitchFamily="34" charset="0"/>
+              <a:defRPr sz="1400">
+                <a:solidFill>
+                  <a:srgbClr val="000000"/>
+                </a:solidFill>
+                <a:latin typeface="Arial" panose="020B0604020202020204" pitchFamily="34" charset="0"/>
+                <a:cs typeface="Arial" panose="020B0604020202020204" pitchFamily="34" charset="0"/>
+                <a:sym typeface="Arial" panose="020B0604020202020204" pitchFamily="34" charset="0"/>
+              </a:defRPr>
+            </a:lvl4pPr>
+            <a:lvl5pPr marL="2057400" indent="-228600">
+              <a:buClr>
+                <a:srgbClr val="000000"/>
+              </a:buClr>
+              <a:buFont typeface="Arial" panose="020B0604020202020204" pitchFamily="34" charset="0"/>
+              <a:defRPr sz="1400">
+                <a:solidFill>
+                  <a:srgbClr val="000000"/>
+                </a:solidFill>
+                <a:latin typeface="Arial" panose="020B0604020202020204" pitchFamily="34" charset="0"/>
+                <a:cs typeface="Arial" panose="020B0604020202020204" pitchFamily="34" charset="0"/>
+                <a:sym typeface="Arial" panose="020B0604020202020204" pitchFamily="34" charset="0"/>
+              </a:defRPr>
+            </a:lvl5pPr>
+            <a:lvl6pPr marL="2514600" indent="-228600" eaLnBrk="0" fontAlgn="base" hangingPunct="0">
+              <a:spcBef>
+                <a:spcPct val="0"/>
+              </a:spcBef>
+              <a:spcAft>
+                <a:spcPct val="0"/>
+              </a:spcAft>
+              <a:buClr>
+                <a:srgbClr val="000000"/>
+              </a:buClr>
+              <a:buFont typeface="Arial" panose="020B0604020202020204" pitchFamily="34" charset="0"/>
+              <a:defRPr sz="1400">
+                <a:solidFill>
+                  <a:srgbClr val="000000"/>
+                </a:solidFill>
+                <a:latin typeface="Arial" panose="020B0604020202020204" pitchFamily="34" charset="0"/>
+                <a:cs typeface="Arial" panose="020B0604020202020204" pitchFamily="34" charset="0"/>
+                <a:sym typeface="Arial" panose="020B0604020202020204" pitchFamily="34" charset="0"/>
+              </a:defRPr>
+            </a:lvl6pPr>
+            <a:lvl7pPr marL="2971800" indent="-228600" eaLnBrk="0" fontAlgn="base" hangingPunct="0">
+              <a:spcBef>
+                <a:spcPct val="0"/>
+              </a:spcBef>
+              <a:spcAft>
+                <a:spcPct val="0"/>
+              </a:spcAft>
+              <a:buClr>
+                <a:srgbClr val="000000"/>
+              </a:buClr>
+              <a:buFont typeface="Arial" panose="020B0604020202020204" pitchFamily="34" charset="0"/>
+              <a:defRPr sz="1400">
+                <a:solidFill>
+                  <a:srgbClr val="000000"/>
+                </a:solidFill>
+                <a:latin typeface="Arial" panose="020B0604020202020204" pitchFamily="34" charset="0"/>
+                <a:cs typeface="Arial" panose="020B0604020202020204" pitchFamily="34" charset="0"/>
+                <a:sym typeface="Arial" panose="020B0604020202020204" pitchFamily="34" charset="0"/>
+              </a:defRPr>
+            </a:lvl7pPr>
+            <a:lvl8pPr marL="3429000" indent="-228600" eaLnBrk="0" fontAlgn="base" hangingPunct="0">
+              <a:spcBef>
+                <a:spcPct val="0"/>
+              </a:spcBef>
+              <a:spcAft>
+                <a:spcPct val="0"/>
+              </a:spcAft>
+              <a:buClr>
+                <a:srgbClr val="000000"/>
+              </a:buClr>
+              <a:buFont typeface="Arial" panose="020B0604020202020204" pitchFamily="34" charset="0"/>
+              <a:defRPr sz="1400">
+                <a:solidFill>
+                  <a:srgbClr val="000000"/>
+                </a:solidFill>
+                <a:latin typeface="Arial" panose="020B0604020202020204" pitchFamily="34" charset="0"/>
+                <a:cs typeface="Arial" panose="020B0604020202020204" pitchFamily="34" charset="0"/>
+                <a:sym typeface="Arial" panose="020B0604020202020204" pitchFamily="34" charset="0"/>
+              </a:defRPr>
+            </a:lvl8pPr>
+            <a:lvl9pPr marL="3886200" indent="-228600" eaLnBrk="0" fontAlgn="base" hangingPunct="0">
+              <a:spcBef>
+                <a:spcPct val="0"/>
+              </a:spcBef>
+              <a:spcAft>
+                <a:spcPct val="0"/>
+              </a:spcAft>
+              <a:buClr>
+                <a:srgbClr val="000000"/>
+              </a:buClr>
+              <a:buFont typeface="Arial" panose="020B0604020202020204" pitchFamily="34" charset="0"/>
+              <a:defRPr sz="1400">
+                <a:solidFill>
+                  <a:srgbClr val="000000"/>
+                </a:solidFill>
+                <a:latin typeface="Arial" panose="020B0604020202020204" pitchFamily="34" charset="0"/>
+                <a:cs typeface="Arial" panose="020B0604020202020204" pitchFamily="34" charset="0"/>
+                <a:sym typeface="Arial" panose="020B0604020202020204" pitchFamily="34" charset="0"/>
+              </a:defRPr>
+            </a:lvl9pPr>
+          </a:lstStyle>
+          <a:p>
+            <a:pPr algn="r" eaLnBrk="1" hangingPunct="1"/>
+            <a:fld id="{B781E98A-38F4-49F6-B6D5-B5BE3CE25D8F}" type="slidenum">
+              <a:rPr lang="cs-CZ" altLang="en-US" sz="1200">
+                <a:solidFill>
+                  <a:srgbClr val="888888"/>
+                </a:solidFill>
+              </a:rPr>
+              <a:pPr algn="r" eaLnBrk="1" hangingPunct="1"/>
+              <a:t>12</a:t>
+            </a:fld>
+            <a:endParaRPr lang="cs-CZ" altLang="en-US" sz="1200">
+              <a:solidFill>
+                <a:srgbClr val="888888"/>
+              </a:solidFill>
+            </a:endParaRPr>
+          </a:p>
+        </p:txBody>
+      </p:sp>
+      <p:sp>
+        <p:nvSpPr>
+          <p:cNvPr id="6" name="Google Shape;240;p24">
+            <a:extLst>
+              <a:ext uri="{FF2B5EF4-FFF2-40B4-BE49-F238E27FC236}">
+                <a16:creationId xmlns:a16="http://schemas.microsoft.com/office/drawing/2014/main" id="{59CC3D6B-06F7-4EE9-8D77-37097800C43A}"/>
+              </a:ext>
+            </a:extLst>
+          </p:cNvPr>
+          <p:cNvSpPr txBox="1"/>
+          <p:nvPr/>
+        </p:nvSpPr>
+        <p:spPr>
+          <a:xfrm>
+            <a:off x="596900" y="1336675"/>
+            <a:ext cx="9767888" cy="3074988"/>
+          </a:xfrm>
+          <a:prstGeom prst="rect">
+            <a:avLst/>
+          </a:prstGeom>
+          <a:noFill/>
+          <a:ln>
+            <a:noFill/>
+          </a:ln>
+        </p:spPr>
+        <p:txBody>
+          <a:bodyPr spcFirstLastPara="1" lIns="91425" tIns="45700" rIns="91425" bIns="45700"/>
+          <a:lstStyle/>
+          <a:p>
+            <a:pPr eaLnBrk="1" fontAlgn="auto" hangingPunct="1">
+              <a:spcBef>
+                <a:spcPts val="0"/>
+              </a:spcBef>
+              <a:spcAft>
+                <a:spcPts val="0"/>
+              </a:spcAft>
+              <a:buClr>
+                <a:srgbClr val="000000"/>
+              </a:buClr>
+              <a:buFont typeface="Arial"/>
+              <a:buNone/>
+              <a:defRPr/>
+            </a:pPr>
+            <a:endParaRPr sz="1800" kern="0" dirty="0">
+              <a:solidFill>
+                <a:schemeClr val="dk1"/>
+              </a:solidFill>
+              <a:latin typeface="Arial"/>
+              <a:ea typeface="Arial"/>
+              <a:cs typeface="Arial"/>
+              <a:sym typeface="Arial"/>
+            </a:endParaRPr>
+          </a:p>
+          <a:p>
+            <a:pPr marL="285750" indent="-285750" eaLnBrk="1" fontAlgn="auto" hangingPunct="1">
+              <a:spcBef>
+                <a:spcPts val="0"/>
+              </a:spcBef>
+              <a:spcAft>
+                <a:spcPts val="0"/>
+              </a:spcAft>
+              <a:buClr>
+                <a:schemeClr val="dk1"/>
+              </a:buClr>
+              <a:buSzPts val="1800"/>
+              <a:buFont typeface="Wingdings" panose="05000000000000000000" pitchFamily="2" charset="2"/>
+              <a:buChar char="q"/>
+              <a:defRPr/>
+            </a:pPr>
+            <a:r>
+              <a:rPr lang="en-US" sz="1800" kern="0" dirty="0">
+                <a:solidFill>
+                  <a:schemeClr val="dk1"/>
+                </a:solidFill>
+                <a:latin typeface="Arial"/>
+                <a:ea typeface="Arial"/>
+                <a:cs typeface="Arial"/>
+                <a:sym typeface="Arial"/>
+              </a:rPr>
+              <a:t>Initial implementation of CNN with 4 convolution layer and one Dense layer.</a:t>
+            </a:r>
+          </a:p>
+          <a:p>
+            <a:pPr marL="285750" indent="-285750" eaLnBrk="1" fontAlgn="auto" hangingPunct="1">
+              <a:spcBef>
+                <a:spcPts val="0"/>
+              </a:spcBef>
+              <a:spcAft>
+                <a:spcPts val="0"/>
+              </a:spcAft>
+              <a:buClr>
+                <a:schemeClr val="dk1"/>
+              </a:buClr>
+              <a:buSzPts val="1800"/>
+              <a:buFont typeface="Wingdings" panose="05000000000000000000" pitchFamily="2" charset="2"/>
+              <a:buChar char="q"/>
+              <a:defRPr/>
+            </a:pPr>
+            <a:r>
+              <a:rPr lang="en-US" sz="1800" kern="0" dirty="0">
+                <a:solidFill>
+                  <a:schemeClr val="dk1"/>
+                </a:solidFill>
+                <a:latin typeface="Arial"/>
+                <a:ea typeface="Arial"/>
+                <a:cs typeface="Arial"/>
+                <a:sym typeface="Arial"/>
+              </a:rPr>
+              <a:t>Successfully ran on laptop for small dataset of Simpson images.</a:t>
+            </a:r>
+          </a:p>
+          <a:p>
+            <a:pPr marL="285750" indent="-285750" eaLnBrk="1" fontAlgn="auto" hangingPunct="1">
+              <a:spcBef>
+                <a:spcPts val="0"/>
+              </a:spcBef>
+              <a:spcAft>
+                <a:spcPts val="0"/>
+              </a:spcAft>
+              <a:buClr>
+                <a:schemeClr val="dk1"/>
+              </a:buClr>
+              <a:buSzPts val="1800"/>
+              <a:buFont typeface="Wingdings" panose="05000000000000000000" pitchFamily="2" charset="2"/>
+              <a:buChar char="q"/>
+              <a:defRPr/>
+            </a:pPr>
+            <a:r>
+              <a:rPr lang="en-US" sz="1800" kern="0" dirty="0">
+                <a:solidFill>
+                  <a:schemeClr val="dk1"/>
+                </a:solidFill>
+                <a:latin typeface="Arial"/>
+                <a:ea typeface="Arial"/>
+                <a:cs typeface="Arial"/>
+                <a:sym typeface="Arial"/>
+              </a:rPr>
+              <a:t>Execution setup for Argo is completed and tested.  This is running successfully.</a:t>
+            </a:r>
+          </a:p>
+          <a:p>
+            <a:pPr marL="285750" indent="-285750" eaLnBrk="1" fontAlgn="auto" hangingPunct="1">
+              <a:spcBef>
+                <a:spcPts val="0"/>
+              </a:spcBef>
+              <a:spcAft>
+                <a:spcPts val="0"/>
+              </a:spcAft>
+              <a:buClr>
+                <a:schemeClr val="dk1"/>
+              </a:buClr>
+              <a:buSzPts val="1800"/>
+              <a:buFont typeface="Arial"/>
+              <a:buChar char="•"/>
+              <a:defRPr/>
+            </a:pPr>
+            <a:endParaRPr lang="en-US" sz="1800" kern="0" dirty="0">
+              <a:solidFill>
+                <a:schemeClr val="dk1"/>
+              </a:solidFill>
+              <a:latin typeface="Arial"/>
+              <a:ea typeface="Arial"/>
+              <a:cs typeface="Arial"/>
+              <a:sym typeface="Arial"/>
+            </a:endParaRPr>
+          </a:p>
+          <a:p>
+            <a:pPr marL="285750" indent="-285750" eaLnBrk="1" fontAlgn="auto" hangingPunct="1">
+              <a:spcBef>
+                <a:spcPts val="0"/>
+              </a:spcBef>
+              <a:spcAft>
+                <a:spcPts val="0"/>
+              </a:spcAft>
+              <a:buClr>
+                <a:schemeClr val="dk1"/>
+              </a:buClr>
+              <a:buSzPts val="1800"/>
+              <a:buFont typeface="Arial"/>
+              <a:buChar char="•"/>
+              <a:defRPr/>
+            </a:pPr>
+            <a:endParaRPr lang="en-US" sz="1800" kern="0" dirty="0">
+              <a:solidFill>
+                <a:schemeClr val="dk1"/>
+              </a:solidFill>
+              <a:latin typeface="Arial"/>
+              <a:ea typeface="Arial"/>
+              <a:cs typeface="Arial"/>
+              <a:sym typeface="Arial"/>
+            </a:endParaRPr>
+          </a:p>
+          <a:p>
+            <a:pPr marL="285750" indent="-285750" eaLnBrk="1" fontAlgn="auto" hangingPunct="1">
+              <a:spcBef>
+                <a:spcPts val="0"/>
+              </a:spcBef>
+              <a:spcAft>
+                <a:spcPts val="0"/>
+              </a:spcAft>
+              <a:buClr>
+                <a:schemeClr val="dk1"/>
+              </a:buClr>
+              <a:buSzPts val="1800"/>
+              <a:buFont typeface="Arial"/>
+              <a:buChar char="•"/>
+              <a:defRPr/>
+            </a:pPr>
+            <a:endParaRPr kern="0" dirty="0">
+              <a:latin typeface="Arial"/>
+              <a:ea typeface="Arial"/>
+              <a:cs typeface="Arial"/>
+              <a:sym typeface="Arial"/>
+            </a:endParaRPr>
+          </a:p>
+          <a:p>
+            <a:pPr lvl="1" eaLnBrk="1" fontAlgn="auto" hangingPunct="1">
+              <a:spcBef>
+                <a:spcPts val="0"/>
+              </a:spcBef>
+              <a:spcAft>
+                <a:spcPts val="0"/>
+              </a:spcAft>
+              <a:buClr>
+                <a:srgbClr val="000000"/>
+              </a:buClr>
+              <a:buFont typeface="Arial"/>
+              <a:buNone/>
+              <a:defRPr/>
+            </a:pPr>
+            <a:endParaRPr sz="1800" kern="0" dirty="0">
+              <a:solidFill>
+                <a:schemeClr val="dk1"/>
+              </a:solidFill>
+              <a:latin typeface="Arial"/>
+              <a:ea typeface="Arial"/>
+              <a:cs typeface="Arial"/>
+              <a:sym typeface="Arial"/>
+            </a:endParaRPr>
+          </a:p>
+          <a:p>
+            <a:pPr eaLnBrk="1" fontAlgn="auto" hangingPunct="1">
+              <a:spcBef>
+                <a:spcPts val="0"/>
+              </a:spcBef>
+              <a:spcAft>
+                <a:spcPts val="0"/>
+              </a:spcAft>
+              <a:buClr>
+                <a:srgbClr val="000000"/>
+              </a:buClr>
+              <a:buFont typeface="Arial"/>
+              <a:buNone/>
+              <a:defRPr/>
+            </a:pPr>
+            <a:endParaRPr sz="1800" kern="0" dirty="0">
+              <a:solidFill>
+                <a:schemeClr val="dk1"/>
+              </a:solidFill>
+              <a:latin typeface="Arial"/>
+              <a:ea typeface="Arial"/>
+              <a:cs typeface="Arial"/>
+              <a:sym typeface="Arial"/>
+            </a:endParaRPr>
+          </a:p>
+        </p:txBody>
+      </p:sp>
+      <p:sp>
+        <p:nvSpPr>
+          <p:cNvPr id="28678" name="Google Shape;241;p24">
+            <a:extLst>
+              <a:ext uri="{FF2B5EF4-FFF2-40B4-BE49-F238E27FC236}">
+                <a16:creationId xmlns:a16="http://schemas.microsoft.com/office/drawing/2014/main" id="{03B7F70B-78CA-4C01-81DE-0EFFF0238E3A}"/>
+              </a:ext>
+            </a:extLst>
+          </p:cNvPr>
+          <p:cNvSpPr txBox="1">
+            <a:spLocks noChangeArrowheads="1"/>
+          </p:cNvSpPr>
+          <p:nvPr/>
+        </p:nvSpPr>
+        <p:spPr bwMode="auto">
+          <a:xfrm>
+            <a:off x="201613" y="92075"/>
+            <a:ext cx="7539037" cy="714375"/>
+          </a:xfrm>
+          <a:prstGeom prst="rect">
+            <a:avLst/>
+          </a:prstGeom>
+          <a:noFill/>
+          <a:ln w="9525">
+            <a:solidFill>
+              <a:schemeClr val="tx1"/>
+            </a:solidFill>
+            <a:round/>
+            <a:headEnd type="none" w="sm" len="sm"/>
+            <a:tailEnd type="none" w="sm" len="sm"/>
+          </a:ln>
+          <a:extLst>
+            <a:ext uri="{909E8E84-426E-40DD-AFC4-6F175D3DCCD1}">
+              <a14:hiddenFill xmlns:a14="http://schemas.microsoft.com/office/drawing/2010/main">
+                <a:solidFill>
+                  <a:srgbClr val="FFFFFF"/>
+                </a:solidFill>
+              </a14:hiddenFill>
+            </a:ext>
+          </a:extLst>
+        </p:spPr>
+        <p:txBody>
+          <a:bodyPr lIns="91425" tIns="45700" rIns="91425" bIns="45700" anchor="ctr"/>
+          <a:lstStyle>
+            <a:lvl1pPr>
+              <a:buClr>
+                <a:srgbClr val="000000"/>
+              </a:buClr>
+              <a:buFont typeface="Arial" panose="020B0604020202020204" pitchFamily="34" charset="0"/>
+              <a:defRPr sz="1400">
+                <a:solidFill>
+                  <a:srgbClr val="000000"/>
+                </a:solidFill>
+                <a:latin typeface="Arial" panose="020B0604020202020204" pitchFamily="34" charset="0"/>
+                <a:cs typeface="Arial" panose="020B0604020202020204" pitchFamily="34" charset="0"/>
+                <a:sym typeface="Arial" panose="020B0604020202020204" pitchFamily="34" charset="0"/>
+              </a:defRPr>
+            </a:lvl1pPr>
+            <a:lvl2pPr marL="742950" indent="-285750">
+              <a:buClr>
+                <a:srgbClr val="000000"/>
+              </a:buClr>
+              <a:buFont typeface="Arial" panose="020B0604020202020204" pitchFamily="34" charset="0"/>
+              <a:defRPr sz="1400">
+                <a:solidFill>
+                  <a:srgbClr val="000000"/>
+                </a:solidFill>
+                <a:latin typeface="Arial" panose="020B0604020202020204" pitchFamily="34" charset="0"/>
+                <a:cs typeface="Arial" panose="020B0604020202020204" pitchFamily="34" charset="0"/>
+                <a:sym typeface="Arial" panose="020B0604020202020204" pitchFamily="34" charset="0"/>
+              </a:defRPr>
+            </a:lvl2pPr>
+            <a:lvl3pPr marL="1143000" indent="-228600">
+              <a:buClr>
+                <a:srgbClr val="000000"/>
+              </a:buClr>
+              <a:buFont typeface="Arial" panose="020B0604020202020204" pitchFamily="34" charset="0"/>
+              <a:defRPr sz="1400">
+                <a:solidFill>
+                  <a:srgbClr val="000000"/>
+                </a:solidFill>
+                <a:latin typeface="Arial" panose="020B0604020202020204" pitchFamily="34" charset="0"/>
+                <a:cs typeface="Arial" panose="020B0604020202020204" pitchFamily="34" charset="0"/>
+                <a:sym typeface="Arial" panose="020B0604020202020204" pitchFamily="34" charset="0"/>
+              </a:defRPr>
+            </a:lvl3pPr>
+            <a:lvl4pPr marL="1600200" indent="-228600">
+              <a:buClr>
+                <a:srgbClr val="000000"/>
+              </a:buClr>
+              <a:buFont typeface="Arial" panose="020B0604020202020204" pitchFamily="34" charset="0"/>
+              <a:defRPr sz="1400">
+                <a:solidFill>
+                  <a:srgbClr val="000000"/>
+                </a:solidFill>
+                <a:latin typeface="Arial" panose="020B0604020202020204" pitchFamily="34" charset="0"/>
+                <a:cs typeface="Arial" panose="020B0604020202020204" pitchFamily="34" charset="0"/>
+                <a:sym typeface="Arial" panose="020B0604020202020204" pitchFamily="34" charset="0"/>
+              </a:defRPr>
+            </a:lvl4pPr>
+            <a:lvl5pPr marL="2057400" indent="-228600">
+              <a:buClr>
+                <a:srgbClr val="000000"/>
+              </a:buClr>
+              <a:buFont typeface="Arial" panose="020B0604020202020204" pitchFamily="34" charset="0"/>
+              <a:defRPr sz="1400">
+                <a:solidFill>
+                  <a:srgbClr val="000000"/>
+                </a:solidFill>
+                <a:latin typeface="Arial" panose="020B0604020202020204" pitchFamily="34" charset="0"/>
+                <a:cs typeface="Arial" panose="020B0604020202020204" pitchFamily="34" charset="0"/>
+                <a:sym typeface="Arial" panose="020B0604020202020204" pitchFamily="34" charset="0"/>
+              </a:defRPr>
+            </a:lvl5pPr>
+            <a:lvl6pPr marL="2514600" indent="-228600" eaLnBrk="0" fontAlgn="base" hangingPunct="0">
+              <a:spcBef>
+                <a:spcPct val="0"/>
+              </a:spcBef>
+              <a:spcAft>
+                <a:spcPct val="0"/>
+              </a:spcAft>
+              <a:buClr>
+                <a:srgbClr val="000000"/>
+              </a:buClr>
+              <a:buFont typeface="Arial" panose="020B0604020202020204" pitchFamily="34" charset="0"/>
+              <a:defRPr sz="1400">
+                <a:solidFill>
+                  <a:srgbClr val="000000"/>
+                </a:solidFill>
+                <a:latin typeface="Arial" panose="020B0604020202020204" pitchFamily="34" charset="0"/>
+                <a:cs typeface="Arial" panose="020B0604020202020204" pitchFamily="34" charset="0"/>
+                <a:sym typeface="Arial" panose="020B0604020202020204" pitchFamily="34" charset="0"/>
+              </a:defRPr>
+            </a:lvl6pPr>
+            <a:lvl7pPr marL="2971800" indent="-228600" eaLnBrk="0" fontAlgn="base" hangingPunct="0">
+              <a:spcBef>
+                <a:spcPct val="0"/>
+              </a:spcBef>
+              <a:spcAft>
+                <a:spcPct val="0"/>
+              </a:spcAft>
+              <a:buClr>
+                <a:srgbClr val="000000"/>
+              </a:buClr>
+              <a:buFont typeface="Arial" panose="020B0604020202020204" pitchFamily="34" charset="0"/>
+              <a:defRPr sz="1400">
+                <a:solidFill>
+                  <a:srgbClr val="000000"/>
+                </a:solidFill>
+                <a:latin typeface="Arial" panose="020B0604020202020204" pitchFamily="34" charset="0"/>
+                <a:cs typeface="Arial" panose="020B0604020202020204" pitchFamily="34" charset="0"/>
+                <a:sym typeface="Arial" panose="020B0604020202020204" pitchFamily="34" charset="0"/>
+              </a:defRPr>
+            </a:lvl7pPr>
+            <a:lvl8pPr marL="3429000" indent="-228600" eaLnBrk="0" fontAlgn="base" hangingPunct="0">
+              <a:spcBef>
+                <a:spcPct val="0"/>
+              </a:spcBef>
+              <a:spcAft>
+                <a:spcPct val="0"/>
+              </a:spcAft>
+              <a:buClr>
+                <a:srgbClr val="000000"/>
+              </a:buClr>
+              <a:buFont typeface="Arial" panose="020B0604020202020204" pitchFamily="34" charset="0"/>
+              <a:defRPr sz="1400">
+                <a:solidFill>
+                  <a:srgbClr val="000000"/>
+                </a:solidFill>
+                <a:latin typeface="Arial" panose="020B0604020202020204" pitchFamily="34" charset="0"/>
+                <a:cs typeface="Arial" panose="020B0604020202020204" pitchFamily="34" charset="0"/>
+                <a:sym typeface="Arial" panose="020B0604020202020204" pitchFamily="34" charset="0"/>
+              </a:defRPr>
+            </a:lvl8pPr>
+            <a:lvl9pPr marL="3886200" indent="-228600" eaLnBrk="0" fontAlgn="base" hangingPunct="0">
+              <a:spcBef>
+                <a:spcPct val="0"/>
+              </a:spcBef>
+              <a:spcAft>
+                <a:spcPct val="0"/>
+              </a:spcAft>
+              <a:buClr>
+                <a:srgbClr val="000000"/>
+              </a:buClr>
+              <a:buFont typeface="Arial" panose="020B0604020202020204" pitchFamily="34" charset="0"/>
+              <a:defRPr sz="1400">
+                <a:solidFill>
+                  <a:srgbClr val="000000"/>
+                </a:solidFill>
+                <a:latin typeface="Arial" panose="020B0604020202020204" pitchFamily="34" charset="0"/>
+                <a:cs typeface="Arial" panose="020B0604020202020204" pitchFamily="34" charset="0"/>
+                <a:sym typeface="Arial" panose="020B0604020202020204" pitchFamily="34" charset="0"/>
+              </a:defRPr>
+            </a:lvl9pPr>
+          </a:lstStyle>
+          <a:p>
+            <a:pPr eaLnBrk="1" hangingPunct="1">
+              <a:lnSpc>
+                <a:spcPct val="90000"/>
+              </a:lnSpc>
+              <a:buSzPts val="2800"/>
+              <a:buFont typeface="Helvetica Neue" charset="0"/>
+              <a:buNone/>
+            </a:pPr>
+            <a:r>
+              <a:rPr lang="en-US" altLang="en-US" sz="2800">
+                <a:latin typeface="Helvetica Neue" charset="0"/>
+                <a:cs typeface="Helvetica Neue" charset="0"/>
+                <a:sym typeface="Helvetica Neue" charset="0"/>
+              </a:rPr>
+              <a:t>Core Goals - Algorithm Milestone Progress</a:t>
+            </a:r>
+            <a:endParaRPr lang="en-US" altLang="en-US">
+              <a:cs typeface="Helvetica Neue" charset="0"/>
+            </a:endParaRPr>
+          </a:p>
+        </p:txBody>
+      </p:sp>
+      <p:pic>
+        <p:nvPicPr>
+          <p:cNvPr id="7" name="Picture 6">
+            <a:extLst>
+              <a:ext uri="{FF2B5EF4-FFF2-40B4-BE49-F238E27FC236}">
+                <a16:creationId xmlns:a16="http://schemas.microsoft.com/office/drawing/2014/main" id="{C324CFC0-8ED7-4930-94A7-59DB8B9FE62B}"/>
+              </a:ext>
+            </a:extLst>
+          </p:cNvPr>
+          <p:cNvPicPr>
+            <a:picLocks noChangeAspect="1"/>
+          </p:cNvPicPr>
+          <p:nvPr/>
+        </p:nvPicPr>
+        <p:blipFill>
+          <a:blip r:embed="rId2"/>
+          <a:stretch>
+            <a:fillRect/>
+          </a:stretch>
+        </p:blipFill>
+        <p:spPr>
+          <a:xfrm>
+            <a:off x="10959428" y="136525"/>
+            <a:ext cx="1032088" cy="1226186"/>
+          </a:xfrm>
+          <a:prstGeom prst="rect">
+            <a:avLst/>
+          </a:prstGeom>
+        </p:spPr>
+      </p:pic>
+    </p:spTree>
+  </p:cSld>
+  <p:clrMapOvr>
+    <a:masterClrMapping/>
+  </p:clrMapOvr>
+</p:sld>
+</file>
+
+<file path=ppt/slides/slide13.xml><?xml version="1.0" encoding="utf-8"?>
+<p:sld xmlns:a="http://schemas.openxmlformats.org/drawingml/2006/main" xmlns:r="http://schemas.openxmlformats.org/officeDocument/2006/relationships" xmlns:p="http://schemas.openxmlformats.org/presentationml/2006/main">
+  <p:cSld>
+    <p:spTree>
+      <p:nvGrpSpPr>
+        <p:cNvPr id="1" name=""/>
+        <p:cNvGrpSpPr/>
+        <p:nvPr/>
+      </p:nvGrpSpPr>
+      <p:grpSpPr>
+        <a:xfrm>
+          <a:off x="0" y="0"/>
+          <a:ext cx="0" cy="0"/>
+          <a:chOff x="0" y="0"/>
+          <a:chExt cx="0" cy="0"/>
+        </a:xfrm>
+      </p:grpSpPr>
+      <p:sp>
+        <p:nvSpPr>
+          <p:cNvPr id="29698" name="Slide Number Placeholder 1">
+            <a:extLst>
+              <a:ext uri="{FF2B5EF4-FFF2-40B4-BE49-F238E27FC236}">
+                <a16:creationId xmlns:a16="http://schemas.microsoft.com/office/drawing/2014/main" id="{3B578A0B-78AB-4965-9DFF-98037219E692}"/>
+              </a:ext>
+            </a:extLst>
+          </p:cNvPr>
+          <p:cNvSpPr>
+            <a:spLocks noGrp="1" noChangeArrowheads="1"/>
+          </p:cNvSpPr>
+          <p:nvPr>
+            <p:ph type="sldNum" sz="quarter" idx="13"/>
+          </p:nvPr>
+        </p:nvSpPr>
+        <p:spPr bwMode="auto">
+          <a:xfrm>
+            <a:off x="8610600" y="6356350"/>
+            <a:ext cx="2743200" cy="365125"/>
+          </a:xfrm>
+          <a:prstGeom prst="rect">
+            <a:avLst/>
+          </a:prstGeom>
+          <a:noFill/>
+          <a:ln>
+            <a:noFill/>
+          </a:ln>
+          <a:extLst>
+            <a:ext uri="{909E8E84-426E-40DD-AFC4-6F175D3DCCD1}">
+              <a14:hiddenFill xmlns:a14="http://schemas.microsoft.com/office/drawing/2010/main">
+                <a:solidFill>
+                  <a:srgbClr val="FFFFFF"/>
+                </a:solidFill>
+              </a14:hiddenFill>
+            </a:ext>
+            <a:ext uri="{91240B29-F687-4F45-9708-019B960494DF}">
+              <a14:hiddenLine xmlns:a14="http://schemas.microsoft.com/office/drawing/2010/main" w="9525">
+                <a:solidFill>
+                  <a:srgbClr val="000000"/>
+                </a:solidFill>
+                <a:miter lim="800000"/>
+                <a:headEnd/>
+                <a:tailEnd/>
+              </a14:hiddenLine>
+            </a:ext>
+          </a:extLst>
+        </p:spPr>
+        <p:txBody>
+          <a:bodyPr vert="horz" wrap="square" lIns="91425" tIns="45700" rIns="91425" bIns="45700" numCol="1" anchor="ctr" anchorCtr="0" compatLnSpc="1">
+            <a:prstTxWarp prst="textNoShape">
+              <a:avLst/>
+            </a:prstTxWarp>
+          </a:bodyPr>
+          <a:lstStyle>
+            <a:defPPr>
+              <a:defRPr lang="en-US"/>
+            </a:defPPr>
+            <a:lvl1pPr algn="r" rtl="0" eaLnBrk="1" fontAlgn="base" hangingPunct="1">
+              <a:spcBef>
+                <a:spcPct val="0"/>
+              </a:spcBef>
+              <a:spcAft>
+                <a:spcPct val="0"/>
+              </a:spcAft>
+              <a:buClr>
+                <a:srgbClr val="000000"/>
+              </a:buClr>
+              <a:buFont typeface="Arial" panose="020B0604020202020204" pitchFamily="34" charset="0"/>
+              <a:buNone/>
+              <a:defRPr sz="1200" kern="1200" smtClean="0">
+                <a:solidFill>
+                  <a:srgbClr val="888888"/>
+                </a:solidFill>
+                <a:latin typeface="Arial" panose="020B0604020202020204" pitchFamily="34" charset="0"/>
+                <a:ea typeface="+mn-ea"/>
+                <a:cs typeface="Arial" panose="020B0604020202020204" pitchFamily="34" charset="0"/>
+                <a:sym typeface="Arial" panose="020B0604020202020204" pitchFamily="34" charset="0"/>
+              </a:defRPr>
+            </a:lvl1pPr>
+            <a:lvl2pPr marL="457200" algn="l" rtl="0" eaLnBrk="0" fontAlgn="base" hangingPunct="0">
+              <a:spcBef>
+                <a:spcPct val="0"/>
+              </a:spcBef>
+              <a:spcAft>
+                <a:spcPct val="0"/>
+              </a:spcAft>
+              <a:defRPr sz="1400" kern="1200">
+                <a:solidFill>
+                  <a:srgbClr val="000000"/>
+                </a:solidFill>
+                <a:latin typeface="Arial" panose="020B0604020202020204" pitchFamily="34" charset="0"/>
+                <a:ea typeface="+mn-ea"/>
+                <a:cs typeface="Arial" panose="020B0604020202020204" pitchFamily="34" charset="0"/>
+                <a:sym typeface="Arial" panose="020B0604020202020204" pitchFamily="34" charset="0"/>
+              </a:defRPr>
+            </a:lvl2pPr>
+            <a:lvl3pPr marL="914400" algn="l" rtl="0" eaLnBrk="0" fontAlgn="base" hangingPunct="0">
+              <a:spcBef>
+                <a:spcPct val="0"/>
+              </a:spcBef>
+              <a:spcAft>
+                <a:spcPct val="0"/>
+              </a:spcAft>
+              <a:defRPr sz="1400" kern="1200">
+                <a:solidFill>
+                  <a:srgbClr val="000000"/>
+                </a:solidFill>
+                <a:latin typeface="Arial" panose="020B0604020202020204" pitchFamily="34" charset="0"/>
+                <a:ea typeface="+mn-ea"/>
+                <a:cs typeface="Arial" panose="020B0604020202020204" pitchFamily="34" charset="0"/>
+                <a:sym typeface="Arial" panose="020B0604020202020204" pitchFamily="34" charset="0"/>
+              </a:defRPr>
+            </a:lvl3pPr>
+            <a:lvl4pPr marL="1371600" algn="l" rtl="0" eaLnBrk="0" fontAlgn="base" hangingPunct="0">
+              <a:spcBef>
+                <a:spcPct val="0"/>
+              </a:spcBef>
+              <a:spcAft>
+                <a:spcPct val="0"/>
+              </a:spcAft>
+              <a:defRPr sz="1400" kern="1200">
+                <a:solidFill>
+                  <a:srgbClr val="000000"/>
+                </a:solidFill>
+                <a:latin typeface="Arial" panose="020B0604020202020204" pitchFamily="34" charset="0"/>
+                <a:ea typeface="+mn-ea"/>
+                <a:cs typeface="Arial" panose="020B0604020202020204" pitchFamily="34" charset="0"/>
+                <a:sym typeface="Arial" panose="020B0604020202020204" pitchFamily="34" charset="0"/>
+              </a:defRPr>
+            </a:lvl4pPr>
+            <a:lvl5pPr marL="1828800" algn="l" rtl="0" eaLnBrk="0" fontAlgn="base" hangingPunct="0">
+              <a:spcBef>
+                <a:spcPct val="0"/>
+              </a:spcBef>
+              <a:spcAft>
+                <a:spcPct val="0"/>
+              </a:spcAft>
+              <a:defRPr sz="1400" kern="1200">
+                <a:solidFill>
+                  <a:srgbClr val="000000"/>
+                </a:solidFill>
+                <a:latin typeface="Arial" panose="020B0604020202020204" pitchFamily="34" charset="0"/>
+                <a:ea typeface="+mn-ea"/>
+                <a:cs typeface="Arial" panose="020B0604020202020204" pitchFamily="34" charset="0"/>
+                <a:sym typeface="Arial" panose="020B0604020202020204" pitchFamily="34" charset="0"/>
+              </a:defRPr>
+            </a:lvl5pPr>
+            <a:lvl6pPr marL="2286000" algn="l" defTabSz="914400" rtl="0" eaLnBrk="1" latinLnBrk="0" hangingPunct="1">
+              <a:defRPr sz="1400" kern="1200">
+                <a:solidFill>
+                  <a:srgbClr val="000000"/>
+                </a:solidFill>
+                <a:latin typeface="Arial" panose="020B0604020202020204" pitchFamily="34" charset="0"/>
+                <a:ea typeface="+mn-ea"/>
+                <a:cs typeface="Arial" panose="020B0604020202020204" pitchFamily="34" charset="0"/>
+                <a:sym typeface="Arial" panose="020B0604020202020204" pitchFamily="34" charset="0"/>
+              </a:defRPr>
+            </a:lvl6pPr>
+            <a:lvl7pPr marL="2743200" algn="l" defTabSz="914400" rtl="0" eaLnBrk="1" latinLnBrk="0" hangingPunct="1">
+              <a:defRPr sz="1400" kern="1200">
+                <a:solidFill>
+                  <a:srgbClr val="000000"/>
+                </a:solidFill>
+                <a:latin typeface="Arial" panose="020B0604020202020204" pitchFamily="34" charset="0"/>
+                <a:ea typeface="+mn-ea"/>
+                <a:cs typeface="Arial" panose="020B0604020202020204" pitchFamily="34" charset="0"/>
+                <a:sym typeface="Arial" panose="020B0604020202020204" pitchFamily="34" charset="0"/>
+              </a:defRPr>
+            </a:lvl7pPr>
+            <a:lvl8pPr marL="3200400" algn="l" defTabSz="914400" rtl="0" eaLnBrk="1" latinLnBrk="0" hangingPunct="1">
+              <a:defRPr sz="1400" kern="1200">
+                <a:solidFill>
+                  <a:srgbClr val="000000"/>
+                </a:solidFill>
+                <a:latin typeface="Arial" panose="020B0604020202020204" pitchFamily="34" charset="0"/>
+                <a:ea typeface="+mn-ea"/>
+                <a:cs typeface="Arial" panose="020B0604020202020204" pitchFamily="34" charset="0"/>
+                <a:sym typeface="Arial" panose="020B0604020202020204" pitchFamily="34" charset="0"/>
+              </a:defRPr>
+            </a:lvl8pPr>
+            <a:lvl9pPr marL="3657600" algn="l" defTabSz="914400" rtl="0" eaLnBrk="1" latinLnBrk="0" hangingPunct="1">
+              <a:defRPr sz="1400" kern="1200">
+                <a:solidFill>
+                  <a:srgbClr val="000000"/>
+                </a:solidFill>
+                <a:latin typeface="Arial" panose="020B0604020202020204" pitchFamily="34" charset="0"/>
+                <a:ea typeface="+mn-ea"/>
+                <a:cs typeface="Arial" panose="020B0604020202020204" pitchFamily="34" charset="0"/>
+                <a:sym typeface="Arial" panose="020B0604020202020204" pitchFamily="34" charset="0"/>
+              </a:defRPr>
+            </a:lvl9pPr>
+          </a:lstStyle>
+          <a:p>
+            <a:pPr>
+              <a:defRPr/>
+            </a:pPr>
+            <a:fld id="{FFB91C40-FCB9-4641-83DA-0013B503C4F6}" type="slidenum">
+              <a:rPr lang="en-US" altLang="en-US" smtClean="0"/>
+              <a:pPr>
+                <a:defRPr/>
+              </a:pPr>
+              <a:t>13</a:t>
+            </a:fld>
+            <a:endParaRPr lang="uk-UA" altLang="en-US" sz="1200">
+              <a:solidFill>
+                <a:srgbClr val="888888"/>
+              </a:solidFill>
+            </a:endParaRPr>
+          </a:p>
+        </p:txBody>
+      </p:sp>
+      <p:pic>
+        <p:nvPicPr>
+          <p:cNvPr id="29699" name="Picture 2" descr="Screen Shot 2019-06-09 at 3.47.39 PM.png">
+            <a:extLst>
+              <a:ext uri="{FF2B5EF4-FFF2-40B4-BE49-F238E27FC236}">
+                <a16:creationId xmlns:a16="http://schemas.microsoft.com/office/drawing/2014/main" id="{3A39EDDA-4CB5-4C44-88BC-65D9C344806B}"/>
+              </a:ext>
+            </a:extLst>
+          </p:cNvPr>
+          <p:cNvPicPr>
+            <a:picLocks noChangeAspect="1" noChangeArrowheads="1"/>
+          </p:cNvPicPr>
+          <p:nvPr/>
+        </p:nvPicPr>
+        <p:blipFill>
+          <a:blip r:embed="rId2">
+            <a:extLst>
+              <a:ext uri="{28A0092B-C50C-407E-A947-70E740481C1C}">
+                <a14:useLocalDpi xmlns:a14="http://schemas.microsoft.com/office/drawing/2010/main" val="0"/>
+              </a:ext>
+            </a:extLst>
+          </a:blip>
+          <a:srcRect/>
+          <a:stretch>
+            <a:fillRect/>
+          </a:stretch>
+        </p:blipFill>
+        <p:spPr bwMode="auto">
+          <a:xfrm>
+            <a:off x="190500" y="2225675"/>
+            <a:ext cx="11734800" cy="2286000"/>
+          </a:xfrm>
+          <a:prstGeom prst="rect">
+            <a:avLst/>
+          </a:prstGeom>
+          <a:noFill/>
+          <a:ln>
+            <a:noFill/>
+          </a:ln>
+          <a:extLst>
+            <a:ext uri="{909E8E84-426E-40DD-AFC4-6F175D3DCCD1}">
+              <a14:hiddenFill xmlns:a14="http://schemas.microsoft.com/office/drawing/2010/main">
+                <a:solidFill>
+                  <a:srgbClr val="FFFFFF"/>
+                </a:solidFill>
+              </a14:hiddenFill>
+            </a:ext>
+            <a:ext uri="{91240B29-F687-4F45-9708-019B960494DF}">
+              <a14:hiddenLine xmlns:a14="http://schemas.microsoft.com/office/drawing/2010/main" w="9525">
+                <a:solidFill>
+                  <a:srgbClr val="000000"/>
+                </a:solidFill>
+                <a:miter lim="800000"/>
+                <a:headEnd/>
+                <a:tailEnd/>
+              </a14:hiddenLine>
+            </a:ext>
+          </a:extLst>
+        </p:spPr>
+      </p:pic>
+      <p:sp>
+        <p:nvSpPr>
+          <p:cNvPr id="29701" name="Google Shape;241;p24">
+            <a:extLst>
+              <a:ext uri="{FF2B5EF4-FFF2-40B4-BE49-F238E27FC236}">
+                <a16:creationId xmlns:a16="http://schemas.microsoft.com/office/drawing/2014/main" id="{71154DE1-D377-4ADC-BC63-6AA306DA9CEE}"/>
+              </a:ext>
+            </a:extLst>
+          </p:cNvPr>
+          <p:cNvSpPr txBox="1">
+            <a:spLocks noChangeArrowheads="1"/>
+          </p:cNvSpPr>
+          <p:nvPr/>
+        </p:nvSpPr>
+        <p:spPr bwMode="auto">
+          <a:xfrm>
+            <a:off x="228600" y="119063"/>
+            <a:ext cx="7539038" cy="714375"/>
+          </a:xfrm>
+          <a:prstGeom prst="rect">
+            <a:avLst/>
+          </a:prstGeom>
+          <a:noFill/>
+          <a:ln w="9525">
+            <a:solidFill>
+              <a:schemeClr val="tx1"/>
+            </a:solidFill>
+            <a:round/>
+            <a:headEnd type="none" w="sm" len="sm"/>
+            <a:tailEnd type="none" w="sm" len="sm"/>
+          </a:ln>
+          <a:extLst>
+            <a:ext uri="{909E8E84-426E-40DD-AFC4-6F175D3DCCD1}">
+              <a14:hiddenFill xmlns:a14="http://schemas.microsoft.com/office/drawing/2010/main">
+                <a:solidFill>
+                  <a:srgbClr val="FFFFFF"/>
+                </a:solidFill>
+              </a14:hiddenFill>
+            </a:ext>
+          </a:extLst>
+        </p:spPr>
+        <p:txBody>
+          <a:bodyPr lIns="91425" tIns="45700" rIns="91425" bIns="45700" anchor="ctr"/>
+          <a:lstStyle>
+            <a:lvl1pPr>
+              <a:buClr>
+                <a:srgbClr val="000000"/>
+              </a:buClr>
+              <a:buFont typeface="Arial" panose="020B0604020202020204" pitchFamily="34" charset="0"/>
+              <a:defRPr sz="1400">
+                <a:solidFill>
+                  <a:srgbClr val="000000"/>
+                </a:solidFill>
+                <a:latin typeface="Arial" panose="020B0604020202020204" pitchFamily="34" charset="0"/>
+                <a:cs typeface="Arial" panose="020B0604020202020204" pitchFamily="34" charset="0"/>
+                <a:sym typeface="Arial" panose="020B0604020202020204" pitchFamily="34" charset="0"/>
+              </a:defRPr>
+            </a:lvl1pPr>
+            <a:lvl2pPr marL="742950" indent="-285750">
+              <a:buClr>
+                <a:srgbClr val="000000"/>
+              </a:buClr>
+              <a:buFont typeface="Arial" panose="020B0604020202020204" pitchFamily="34" charset="0"/>
+              <a:defRPr sz="1400">
+                <a:solidFill>
+                  <a:srgbClr val="000000"/>
+                </a:solidFill>
+                <a:latin typeface="Arial" panose="020B0604020202020204" pitchFamily="34" charset="0"/>
+                <a:cs typeface="Arial" panose="020B0604020202020204" pitchFamily="34" charset="0"/>
+                <a:sym typeface="Arial" panose="020B0604020202020204" pitchFamily="34" charset="0"/>
+              </a:defRPr>
+            </a:lvl2pPr>
+            <a:lvl3pPr marL="1143000" indent="-228600">
+              <a:buClr>
+                <a:srgbClr val="000000"/>
+              </a:buClr>
+              <a:buFont typeface="Arial" panose="020B0604020202020204" pitchFamily="34" charset="0"/>
+              <a:defRPr sz="1400">
+                <a:solidFill>
+                  <a:srgbClr val="000000"/>
+                </a:solidFill>
+                <a:latin typeface="Arial" panose="020B0604020202020204" pitchFamily="34" charset="0"/>
+                <a:cs typeface="Arial" panose="020B0604020202020204" pitchFamily="34" charset="0"/>
+                <a:sym typeface="Arial" panose="020B0604020202020204" pitchFamily="34" charset="0"/>
+              </a:defRPr>
+            </a:lvl3pPr>
+            <a:lvl4pPr marL="1600200" indent="-228600">
+              <a:buClr>
+                <a:srgbClr val="000000"/>
+              </a:buClr>
+              <a:buFont typeface="Arial" panose="020B0604020202020204" pitchFamily="34" charset="0"/>
+              <a:defRPr sz="1400">
+                <a:solidFill>
+                  <a:srgbClr val="000000"/>
+                </a:solidFill>
+                <a:latin typeface="Arial" panose="020B0604020202020204" pitchFamily="34" charset="0"/>
+                <a:cs typeface="Arial" panose="020B0604020202020204" pitchFamily="34" charset="0"/>
+                <a:sym typeface="Arial" panose="020B0604020202020204" pitchFamily="34" charset="0"/>
+              </a:defRPr>
+            </a:lvl4pPr>
+            <a:lvl5pPr marL="2057400" indent="-228600">
+              <a:buClr>
+                <a:srgbClr val="000000"/>
+              </a:buClr>
+              <a:buFont typeface="Arial" panose="020B0604020202020204" pitchFamily="34" charset="0"/>
+              <a:defRPr sz="1400">
+                <a:solidFill>
+                  <a:srgbClr val="000000"/>
+                </a:solidFill>
+                <a:latin typeface="Arial" panose="020B0604020202020204" pitchFamily="34" charset="0"/>
+                <a:cs typeface="Arial" panose="020B0604020202020204" pitchFamily="34" charset="0"/>
+                <a:sym typeface="Arial" panose="020B0604020202020204" pitchFamily="34" charset="0"/>
+              </a:defRPr>
+            </a:lvl5pPr>
+            <a:lvl6pPr marL="2514600" indent="-228600" eaLnBrk="0" fontAlgn="base" hangingPunct="0">
+              <a:spcBef>
+                <a:spcPct val="0"/>
+              </a:spcBef>
+              <a:spcAft>
+                <a:spcPct val="0"/>
+              </a:spcAft>
+              <a:buClr>
+                <a:srgbClr val="000000"/>
+              </a:buClr>
+              <a:buFont typeface="Arial" panose="020B0604020202020204" pitchFamily="34" charset="0"/>
+              <a:defRPr sz="1400">
+                <a:solidFill>
+                  <a:srgbClr val="000000"/>
+                </a:solidFill>
+                <a:latin typeface="Arial" panose="020B0604020202020204" pitchFamily="34" charset="0"/>
+                <a:cs typeface="Arial" panose="020B0604020202020204" pitchFamily="34" charset="0"/>
+                <a:sym typeface="Arial" panose="020B0604020202020204" pitchFamily="34" charset="0"/>
+              </a:defRPr>
+            </a:lvl6pPr>
+            <a:lvl7pPr marL="2971800" indent="-228600" eaLnBrk="0" fontAlgn="base" hangingPunct="0">
+              <a:spcBef>
+                <a:spcPct val="0"/>
+              </a:spcBef>
+              <a:spcAft>
+                <a:spcPct val="0"/>
+              </a:spcAft>
+              <a:buClr>
+                <a:srgbClr val="000000"/>
+              </a:buClr>
+              <a:buFont typeface="Arial" panose="020B0604020202020204" pitchFamily="34" charset="0"/>
+              <a:defRPr sz="1400">
+                <a:solidFill>
+                  <a:srgbClr val="000000"/>
+                </a:solidFill>
+                <a:latin typeface="Arial" panose="020B0604020202020204" pitchFamily="34" charset="0"/>
+                <a:cs typeface="Arial" panose="020B0604020202020204" pitchFamily="34" charset="0"/>
+                <a:sym typeface="Arial" panose="020B0604020202020204" pitchFamily="34" charset="0"/>
+              </a:defRPr>
+            </a:lvl7pPr>
+            <a:lvl8pPr marL="3429000" indent="-228600" eaLnBrk="0" fontAlgn="base" hangingPunct="0">
+              <a:spcBef>
+                <a:spcPct val="0"/>
+              </a:spcBef>
+              <a:spcAft>
+                <a:spcPct val="0"/>
+              </a:spcAft>
+              <a:buClr>
+                <a:srgbClr val="000000"/>
+              </a:buClr>
+              <a:buFont typeface="Arial" panose="020B0604020202020204" pitchFamily="34" charset="0"/>
+              <a:defRPr sz="1400">
+                <a:solidFill>
+                  <a:srgbClr val="000000"/>
+                </a:solidFill>
+                <a:latin typeface="Arial" panose="020B0604020202020204" pitchFamily="34" charset="0"/>
+                <a:cs typeface="Arial" panose="020B0604020202020204" pitchFamily="34" charset="0"/>
+                <a:sym typeface="Arial" panose="020B0604020202020204" pitchFamily="34" charset="0"/>
+              </a:defRPr>
+            </a:lvl8pPr>
+            <a:lvl9pPr marL="3886200" indent="-228600" eaLnBrk="0" fontAlgn="base" hangingPunct="0">
+              <a:spcBef>
+                <a:spcPct val="0"/>
+              </a:spcBef>
+              <a:spcAft>
+                <a:spcPct val="0"/>
+              </a:spcAft>
+              <a:buClr>
+                <a:srgbClr val="000000"/>
+              </a:buClr>
+              <a:buFont typeface="Arial" panose="020B0604020202020204" pitchFamily="34" charset="0"/>
+              <a:defRPr sz="1400">
+                <a:solidFill>
+                  <a:srgbClr val="000000"/>
+                </a:solidFill>
+                <a:latin typeface="Arial" panose="020B0604020202020204" pitchFamily="34" charset="0"/>
+                <a:cs typeface="Arial" panose="020B0604020202020204" pitchFamily="34" charset="0"/>
+                <a:sym typeface="Arial" panose="020B0604020202020204" pitchFamily="34" charset="0"/>
+              </a:defRPr>
+            </a:lvl9pPr>
+          </a:lstStyle>
+          <a:p>
+            <a:pPr eaLnBrk="1" hangingPunct="1">
+              <a:lnSpc>
+                <a:spcPct val="90000"/>
+              </a:lnSpc>
+              <a:buSzPts val="2800"/>
+              <a:buFont typeface="Helvetica Neue" charset="0"/>
+              <a:buNone/>
+            </a:pPr>
+            <a:r>
+              <a:rPr lang="en-US" altLang="en-US" sz="2800">
+                <a:latin typeface="Helvetica Neue" charset="0"/>
+                <a:cs typeface="Helvetica Neue" charset="0"/>
+                <a:sym typeface="Helvetica Neue" charset="0"/>
+              </a:rPr>
+              <a:t>Core Goals - Execution Log </a:t>
+            </a:r>
+            <a:endParaRPr lang="en-US" altLang="en-US">
+              <a:cs typeface="Helvetica Neue" charset="0"/>
+            </a:endParaRPr>
+          </a:p>
+        </p:txBody>
+      </p:sp>
+      <p:sp>
+        <p:nvSpPr>
+          <p:cNvPr id="29702" name="TextBox 1">
+            <a:extLst>
+              <a:ext uri="{FF2B5EF4-FFF2-40B4-BE49-F238E27FC236}">
+                <a16:creationId xmlns:a16="http://schemas.microsoft.com/office/drawing/2014/main" id="{0F1C3B5B-E3E8-49C7-9006-37A148F16F8E}"/>
+              </a:ext>
+            </a:extLst>
+          </p:cNvPr>
+          <p:cNvSpPr txBox="1">
+            <a:spLocks noChangeArrowheads="1"/>
+          </p:cNvSpPr>
+          <p:nvPr/>
+        </p:nvSpPr>
+        <p:spPr bwMode="auto">
+          <a:xfrm>
+            <a:off x="190500" y="1757363"/>
+            <a:ext cx="5397500" cy="369887"/>
+          </a:xfrm>
+          <a:prstGeom prst="rect">
+            <a:avLst/>
+          </a:prstGeom>
+          <a:noFill/>
+          <a:ln>
+            <a:noFill/>
+          </a:ln>
+          <a:extLst>
+            <a:ext uri="{909E8E84-426E-40DD-AFC4-6F175D3DCCD1}">
+              <a14:hiddenFill xmlns:a14="http://schemas.microsoft.com/office/drawing/2010/main">
+                <a:solidFill>
+                  <a:srgbClr val="FFFFFF"/>
+                </a:solidFill>
+              </a14:hiddenFill>
+            </a:ext>
+            <a:ext uri="{91240B29-F687-4F45-9708-019B960494DF}">
+              <a14:hiddenLine xmlns:a14="http://schemas.microsoft.com/office/drawing/2010/main" w="9525">
+                <a:solidFill>
+                  <a:srgbClr val="000000"/>
+                </a:solidFill>
+                <a:miter lim="800000"/>
+                <a:headEnd/>
+                <a:tailEnd/>
+              </a14:hiddenLine>
+            </a:ext>
+          </a:extLst>
+        </p:spPr>
+        <p:txBody>
+          <a:bodyPr>
+            <a:spAutoFit/>
+          </a:bodyPr>
+          <a:lstStyle>
+            <a:lvl1pPr>
+              <a:defRPr sz="1400">
+                <a:solidFill>
+                  <a:srgbClr val="000000"/>
+                </a:solidFill>
+                <a:latin typeface="Arial" panose="020B0604020202020204" pitchFamily="34" charset="0"/>
+                <a:cs typeface="Arial" panose="020B0604020202020204" pitchFamily="34" charset="0"/>
+                <a:sym typeface="Arial" panose="020B0604020202020204" pitchFamily="34" charset="0"/>
+              </a:defRPr>
+            </a:lvl1pPr>
+            <a:lvl2pPr marL="742950" indent="-285750">
+              <a:defRPr sz="1400">
+                <a:solidFill>
+                  <a:srgbClr val="000000"/>
+                </a:solidFill>
+                <a:latin typeface="Arial" panose="020B0604020202020204" pitchFamily="34" charset="0"/>
+                <a:cs typeface="Arial" panose="020B0604020202020204" pitchFamily="34" charset="0"/>
+                <a:sym typeface="Arial" panose="020B0604020202020204" pitchFamily="34" charset="0"/>
+              </a:defRPr>
+            </a:lvl2pPr>
+            <a:lvl3pPr marL="1143000" indent="-228600">
+              <a:defRPr sz="1400">
+                <a:solidFill>
+                  <a:srgbClr val="000000"/>
+                </a:solidFill>
+                <a:latin typeface="Arial" panose="020B0604020202020204" pitchFamily="34" charset="0"/>
+                <a:cs typeface="Arial" panose="020B0604020202020204" pitchFamily="34" charset="0"/>
+                <a:sym typeface="Arial" panose="020B0604020202020204" pitchFamily="34" charset="0"/>
+              </a:defRPr>
+            </a:lvl3pPr>
+            <a:lvl4pPr marL="1600200" indent="-228600">
+              <a:defRPr sz="1400">
+                <a:solidFill>
+                  <a:srgbClr val="000000"/>
+                </a:solidFill>
+                <a:latin typeface="Arial" panose="020B0604020202020204" pitchFamily="34" charset="0"/>
+                <a:cs typeface="Arial" panose="020B0604020202020204" pitchFamily="34" charset="0"/>
+                <a:sym typeface="Arial" panose="020B0604020202020204" pitchFamily="34" charset="0"/>
+              </a:defRPr>
+            </a:lvl4pPr>
+            <a:lvl5pPr marL="2057400" indent="-228600">
+              <a:defRPr sz="1400">
+                <a:solidFill>
+                  <a:srgbClr val="000000"/>
+                </a:solidFill>
+                <a:latin typeface="Arial" panose="020B0604020202020204" pitchFamily="34" charset="0"/>
+                <a:cs typeface="Arial" panose="020B0604020202020204" pitchFamily="34" charset="0"/>
+                <a:sym typeface="Arial" panose="020B0604020202020204" pitchFamily="34" charset="0"/>
+              </a:defRPr>
+            </a:lvl5pPr>
+            <a:lvl6pPr marL="2514600" indent="-228600" eaLnBrk="0" fontAlgn="base" hangingPunct="0">
+              <a:spcBef>
+                <a:spcPct val="0"/>
+              </a:spcBef>
+              <a:spcAft>
+                <a:spcPct val="0"/>
+              </a:spcAft>
+              <a:defRPr sz="1400">
+                <a:solidFill>
+                  <a:srgbClr val="000000"/>
+                </a:solidFill>
+                <a:latin typeface="Arial" panose="020B0604020202020204" pitchFamily="34" charset="0"/>
+                <a:cs typeface="Arial" panose="020B0604020202020204" pitchFamily="34" charset="0"/>
+                <a:sym typeface="Arial" panose="020B0604020202020204" pitchFamily="34" charset="0"/>
+              </a:defRPr>
+            </a:lvl6pPr>
+            <a:lvl7pPr marL="2971800" indent="-228600" eaLnBrk="0" fontAlgn="base" hangingPunct="0">
+              <a:spcBef>
+                <a:spcPct val="0"/>
+              </a:spcBef>
+              <a:spcAft>
+                <a:spcPct val="0"/>
+              </a:spcAft>
+              <a:defRPr sz="1400">
+                <a:solidFill>
+                  <a:srgbClr val="000000"/>
+                </a:solidFill>
+                <a:latin typeface="Arial" panose="020B0604020202020204" pitchFamily="34" charset="0"/>
+                <a:cs typeface="Arial" panose="020B0604020202020204" pitchFamily="34" charset="0"/>
+                <a:sym typeface="Arial" panose="020B0604020202020204" pitchFamily="34" charset="0"/>
+              </a:defRPr>
+            </a:lvl7pPr>
+            <a:lvl8pPr marL="3429000" indent="-228600" eaLnBrk="0" fontAlgn="base" hangingPunct="0">
+              <a:spcBef>
+                <a:spcPct val="0"/>
+              </a:spcBef>
+              <a:spcAft>
+                <a:spcPct val="0"/>
+              </a:spcAft>
+              <a:defRPr sz="1400">
+                <a:solidFill>
+                  <a:srgbClr val="000000"/>
+                </a:solidFill>
+                <a:latin typeface="Arial" panose="020B0604020202020204" pitchFamily="34" charset="0"/>
+                <a:cs typeface="Arial" panose="020B0604020202020204" pitchFamily="34" charset="0"/>
+                <a:sym typeface="Arial" panose="020B0604020202020204" pitchFamily="34" charset="0"/>
+              </a:defRPr>
+            </a:lvl8pPr>
+            <a:lvl9pPr marL="3886200" indent="-228600" eaLnBrk="0" fontAlgn="base" hangingPunct="0">
+              <a:spcBef>
+                <a:spcPct val="0"/>
+              </a:spcBef>
+              <a:spcAft>
+                <a:spcPct val="0"/>
+              </a:spcAft>
+              <a:defRPr sz="1400">
+                <a:solidFill>
+                  <a:srgbClr val="000000"/>
+                </a:solidFill>
+                <a:latin typeface="Arial" panose="020B0604020202020204" pitchFamily="34" charset="0"/>
+                <a:cs typeface="Arial" panose="020B0604020202020204" pitchFamily="34" charset="0"/>
+                <a:sym typeface="Arial" panose="020B0604020202020204" pitchFamily="34" charset="0"/>
+              </a:defRPr>
+            </a:lvl9pPr>
+          </a:lstStyle>
+          <a:p>
+            <a:r>
+              <a:rPr lang="en-US" altLang="en-US" sz="1800"/>
+              <a:t>From ARGO:</a:t>
+            </a:r>
+          </a:p>
+        </p:txBody>
+      </p:sp>
+      <p:pic>
+        <p:nvPicPr>
+          <p:cNvPr id="7" name="Picture 6">
+            <a:extLst>
+              <a:ext uri="{FF2B5EF4-FFF2-40B4-BE49-F238E27FC236}">
+                <a16:creationId xmlns:a16="http://schemas.microsoft.com/office/drawing/2014/main" id="{D976475D-FC86-4280-A147-2DE55B822018}"/>
+              </a:ext>
+            </a:extLst>
+          </p:cNvPr>
+          <p:cNvPicPr>
+            <a:picLocks noChangeAspect="1"/>
+          </p:cNvPicPr>
+          <p:nvPr/>
+        </p:nvPicPr>
+        <p:blipFill>
+          <a:blip r:embed="rId3"/>
+          <a:stretch>
+            <a:fillRect/>
+          </a:stretch>
+        </p:blipFill>
+        <p:spPr>
+          <a:xfrm>
+            <a:off x="10959428" y="136525"/>
+            <a:ext cx="1032088" cy="1226186"/>
+          </a:xfrm>
+          <a:prstGeom prst="rect">
+            <a:avLst/>
+          </a:prstGeom>
+        </p:spPr>
+      </p:pic>
+    </p:spTree>
+  </p:cSld>
+  <p:clrMapOvr>
+    <a:masterClrMapping/>
+  </p:clrMapOvr>
+</p:sld>
+</file>
+
+<file path=ppt/slides/slide14.xml><?xml version="1.0" encoding="utf-8"?>
+<p:sld xmlns:a="http://schemas.openxmlformats.org/drawingml/2006/main" xmlns:r="http://schemas.openxmlformats.org/officeDocument/2006/relationships" xmlns:p="http://schemas.openxmlformats.org/presentationml/2006/main">
+  <p:cSld>
+    <p:spTree>
+      <p:nvGrpSpPr>
+        <p:cNvPr id="1" name=""/>
+        <p:cNvGrpSpPr/>
+        <p:nvPr/>
+      </p:nvGrpSpPr>
+      <p:grpSpPr>
+        <a:xfrm>
+          <a:off x="0" y="0"/>
+          <a:ext cx="0" cy="0"/>
+          <a:chOff x="0" y="0"/>
+          <a:chExt cx="0" cy="0"/>
+        </a:xfrm>
+      </p:grpSpPr>
+      <p:sp>
+        <p:nvSpPr>
+          <p:cNvPr id="30722" name="Slide Number Placeholder 1">
+            <a:extLst>
+              <a:ext uri="{FF2B5EF4-FFF2-40B4-BE49-F238E27FC236}">
+                <a16:creationId xmlns:a16="http://schemas.microsoft.com/office/drawing/2014/main" id="{DA71B869-7DAA-4D17-B7DF-67CAF8248B0A}"/>
+              </a:ext>
+            </a:extLst>
+          </p:cNvPr>
+          <p:cNvSpPr>
+            <a:spLocks noGrp="1" noChangeArrowheads="1"/>
+          </p:cNvSpPr>
+          <p:nvPr>
+            <p:ph type="sldNum" sz="quarter" idx="13"/>
+          </p:nvPr>
+        </p:nvSpPr>
+        <p:spPr bwMode="auto">
+          <a:xfrm>
+            <a:off x="8610600" y="6356350"/>
+            <a:ext cx="2743200" cy="365125"/>
+          </a:xfrm>
+          <a:prstGeom prst="rect">
+            <a:avLst/>
+          </a:prstGeom>
+          <a:noFill/>
+          <a:ln>
+            <a:noFill/>
+          </a:ln>
+          <a:extLst>
+            <a:ext uri="{909E8E84-426E-40DD-AFC4-6F175D3DCCD1}">
+              <a14:hiddenFill xmlns:a14="http://schemas.microsoft.com/office/drawing/2010/main">
+                <a:solidFill>
+                  <a:srgbClr val="FFFFFF"/>
+                </a:solidFill>
+              </a14:hiddenFill>
+            </a:ext>
+            <a:ext uri="{91240B29-F687-4F45-9708-019B960494DF}">
+              <a14:hiddenLine xmlns:a14="http://schemas.microsoft.com/office/drawing/2010/main" w="9525">
+                <a:solidFill>
+                  <a:srgbClr val="000000"/>
+                </a:solidFill>
+                <a:miter lim="800000"/>
+                <a:headEnd/>
+                <a:tailEnd/>
+              </a14:hiddenLine>
+            </a:ext>
+          </a:extLst>
+        </p:spPr>
+        <p:txBody>
+          <a:bodyPr vert="horz" wrap="square" lIns="91425" tIns="45700" rIns="91425" bIns="45700" numCol="1" anchor="ctr" anchorCtr="0" compatLnSpc="1">
+            <a:prstTxWarp prst="textNoShape">
+              <a:avLst/>
+            </a:prstTxWarp>
+          </a:bodyPr>
+          <a:lstStyle>
+            <a:defPPr>
+              <a:defRPr lang="en-US"/>
+            </a:defPPr>
+            <a:lvl1pPr algn="r" rtl="0" eaLnBrk="1" fontAlgn="base" hangingPunct="1">
+              <a:spcBef>
+                <a:spcPct val="0"/>
+              </a:spcBef>
+              <a:spcAft>
+                <a:spcPct val="0"/>
+              </a:spcAft>
+              <a:buClr>
+                <a:srgbClr val="000000"/>
+              </a:buClr>
+              <a:buFont typeface="Arial" panose="020B0604020202020204" pitchFamily="34" charset="0"/>
+              <a:buNone/>
+              <a:defRPr sz="1200" kern="1200" smtClean="0">
+                <a:solidFill>
+                  <a:srgbClr val="888888"/>
+                </a:solidFill>
+                <a:latin typeface="Arial" panose="020B0604020202020204" pitchFamily="34" charset="0"/>
+                <a:ea typeface="+mn-ea"/>
+                <a:cs typeface="Arial" panose="020B0604020202020204" pitchFamily="34" charset="0"/>
+                <a:sym typeface="Arial" panose="020B0604020202020204" pitchFamily="34" charset="0"/>
+              </a:defRPr>
+            </a:lvl1pPr>
+            <a:lvl2pPr marL="457200" algn="l" rtl="0" eaLnBrk="0" fontAlgn="base" hangingPunct="0">
+              <a:spcBef>
+                <a:spcPct val="0"/>
+              </a:spcBef>
+              <a:spcAft>
+                <a:spcPct val="0"/>
+              </a:spcAft>
+              <a:defRPr sz="1400" kern="1200">
+                <a:solidFill>
+                  <a:srgbClr val="000000"/>
+                </a:solidFill>
+                <a:latin typeface="Arial" panose="020B0604020202020204" pitchFamily="34" charset="0"/>
+                <a:ea typeface="+mn-ea"/>
+                <a:cs typeface="Arial" panose="020B0604020202020204" pitchFamily="34" charset="0"/>
+                <a:sym typeface="Arial" panose="020B0604020202020204" pitchFamily="34" charset="0"/>
+              </a:defRPr>
+            </a:lvl2pPr>
+            <a:lvl3pPr marL="914400" algn="l" rtl="0" eaLnBrk="0" fontAlgn="base" hangingPunct="0">
+              <a:spcBef>
+                <a:spcPct val="0"/>
+              </a:spcBef>
+              <a:spcAft>
+                <a:spcPct val="0"/>
+              </a:spcAft>
+              <a:defRPr sz="1400" kern="1200">
+                <a:solidFill>
+                  <a:srgbClr val="000000"/>
+                </a:solidFill>
+                <a:latin typeface="Arial" panose="020B0604020202020204" pitchFamily="34" charset="0"/>
+                <a:ea typeface="+mn-ea"/>
+                <a:cs typeface="Arial" panose="020B0604020202020204" pitchFamily="34" charset="0"/>
+                <a:sym typeface="Arial" panose="020B0604020202020204" pitchFamily="34" charset="0"/>
+              </a:defRPr>
+            </a:lvl3pPr>
+            <a:lvl4pPr marL="1371600" algn="l" rtl="0" eaLnBrk="0" fontAlgn="base" hangingPunct="0">
+              <a:spcBef>
+                <a:spcPct val="0"/>
+              </a:spcBef>
+              <a:spcAft>
+                <a:spcPct val="0"/>
+              </a:spcAft>
+              <a:defRPr sz="1400" kern="1200">
+                <a:solidFill>
+                  <a:srgbClr val="000000"/>
+                </a:solidFill>
+                <a:latin typeface="Arial" panose="020B0604020202020204" pitchFamily="34" charset="0"/>
+                <a:ea typeface="+mn-ea"/>
+                <a:cs typeface="Arial" panose="020B0604020202020204" pitchFamily="34" charset="0"/>
+                <a:sym typeface="Arial" panose="020B0604020202020204" pitchFamily="34" charset="0"/>
+              </a:defRPr>
+            </a:lvl4pPr>
+            <a:lvl5pPr marL="1828800" algn="l" rtl="0" eaLnBrk="0" fontAlgn="base" hangingPunct="0">
+              <a:spcBef>
+                <a:spcPct val="0"/>
+              </a:spcBef>
+              <a:spcAft>
+                <a:spcPct val="0"/>
+              </a:spcAft>
+              <a:defRPr sz="1400" kern="1200">
+                <a:solidFill>
+                  <a:srgbClr val="000000"/>
+                </a:solidFill>
+                <a:latin typeface="Arial" panose="020B0604020202020204" pitchFamily="34" charset="0"/>
+                <a:ea typeface="+mn-ea"/>
+                <a:cs typeface="Arial" panose="020B0604020202020204" pitchFamily="34" charset="0"/>
+                <a:sym typeface="Arial" panose="020B0604020202020204" pitchFamily="34" charset="0"/>
+              </a:defRPr>
+            </a:lvl5pPr>
+            <a:lvl6pPr marL="2286000" algn="l" defTabSz="914400" rtl="0" eaLnBrk="1" latinLnBrk="0" hangingPunct="1">
+              <a:defRPr sz="1400" kern="1200">
+                <a:solidFill>
+                  <a:srgbClr val="000000"/>
+                </a:solidFill>
+                <a:latin typeface="Arial" panose="020B0604020202020204" pitchFamily="34" charset="0"/>
+                <a:ea typeface="+mn-ea"/>
+                <a:cs typeface="Arial" panose="020B0604020202020204" pitchFamily="34" charset="0"/>
+                <a:sym typeface="Arial" panose="020B0604020202020204" pitchFamily="34" charset="0"/>
+              </a:defRPr>
+            </a:lvl6pPr>
+            <a:lvl7pPr marL="2743200" algn="l" defTabSz="914400" rtl="0" eaLnBrk="1" latinLnBrk="0" hangingPunct="1">
+              <a:defRPr sz="1400" kern="1200">
+                <a:solidFill>
+                  <a:srgbClr val="000000"/>
+                </a:solidFill>
+                <a:latin typeface="Arial" panose="020B0604020202020204" pitchFamily="34" charset="0"/>
+                <a:ea typeface="+mn-ea"/>
+                <a:cs typeface="Arial" panose="020B0604020202020204" pitchFamily="34" charset="0"/>
+                <a:sym typeface="Arial" panose="020B0604020202020204" pitchFamily="34" charset="0"/>
+              </a:defRPr>
+            </a:lvl7pPr>
+            <a:lvl8pPr marL="3200400" algn="l" defTabSz="914400" rtl="0" eaLnBrk="1" latinLnBrk="0" hangingPunct="1">
+              <a:defRPr sz="1400" kern="1200">
+                <a:solidFill>
+                  <a:srgbClr val="000000"/>
+                </a:solidFill>
+                <a:latin typeface="Arial" panose="020B0604020202020204" pitchFamily="34" charset="0"/>
+                <a:ea typeface="+mn-ea"/>
+                <a:cs typeface="Arial" panose="020B0604020202020204" pitchFamily="34" charset="0"/>
+                <a:sym typeface="Arial" panose="020B0604020202020204" pitchFamily="34" charset="0"/>
+              </a:defRPr>
+            </a:lvl8pPr>
+            <a:lvl9pPr marL="3657600" algn="l" defTabSz="914400" rtl="0" eaLnBrk="1" latinLnBrk="0" hangingPunct="1">
+              <a:defRPr sz="1400" kern="1200">
+                <a:solidFill>
+                  <a:srgbClr val="000000"/>
+                </a:solidFill>
+                <a:latin typeface="Arial" panose="020B0604020202020204" pitchFamily="34" charset="0"/>
+                <a:ea typeface="+mn-ea"/>
+                <a:cs typeface="Arial" panose="020B0604020202020204" pitchFamily="34" charset="0"/>
+                <a:sym typeface="Arial" panose="020B0604020202020204" pitchFamily="34" charset="0"/>
+              </a:defRPr>
+            </a:lvl9pPr>
+          </a:lstStyle>
+          <a:p>
+            <a:pPr>
+              <a:defRPr/>
+            </a:pPr>
+            <a:fld id="{FFB91C40-FCB9-4641-83DA-0013B503C4F6}" type="slidenum">
+              <a:rPr lang="en-US" altLang="en-US" smtClean="0"/>
+              <a:pPr>
+                <a:defRPr/>
+              </a:pPr>
+              <a:t>14</a:t>
+            </a:fld>
+            <a:endParaRPr lang="uk-UA" altLang="en-US" sz="1200">
+              <a:solidFill>
+                <a:srgbClr val="888888"/>
+              </a:solidFill>
+            </a:endParaRPr>
+          </a:p>
+        </p:txBody>
+      </p:sp>
+      <p:pic>
+        <p:nvPicPr>
+          <p:cNvPr id="30723" name="Picture 2" descr="Screen Shot 2019-06-09 at 3.46.55 PM.png">
+            <a:extLst>
+              <a:ext uri="{FF2B5EF4-FFF2-40B4-BE49-F238E27FC236}">
+                <a16:creationId xmlns:a16="http://schemas.microsoft.com/office/drawing/2014/main" id="{FB2122C0-C0C1-48E8-BA3F-973458CF38E2}"/>
+              </a:ext>
+            </a:extLst>
+          </p:cNvPr>
+          <p:cNvPicPr>
+            <a:picLocks noChangeAspect="1" noChangeArrowheads="1"/>
+          </p:cNvPicPr>
+          <p:nvPr/>
+        </p:nvPicPr>
+        <p:blipFill>
+          <a:blip r:embed="rId2">
+            <a:extLst>
+              <a:ext uri="{28A0092B-C50C-407E-A947-70E740481C1C}">
+                <a14:useLocalDpi xmlns:a14="http://schemas.microsoft.com/office/drawing/2010/main" val="0"/>
+              </a:ext>
+            </a:extLst>
+          </a:blip>
+          <a:srcRect/>
+          <a:stretch>
+            <a:fillRect/>
+          </a:stretch>
+        </p:blipFill>
+        <p:spPr bwMode="auto">
+          <a:xfrm>
+            <a:off x="731838" y="1397000"/>
+            <a:ext cx="6589712" cy="5075238"/>
+          </a:xfrm>
+          <a:prstGeom prst="rect">
+            <a:avLst/>
+          </a:prstGeom>
+          <a:noFill/>
+          <a:ln>
+            <a:noFill/>
+          </a:ln>
+          <a:extLst>
+            <a:ext uri="{909E8E84-426E-40DD-AFC4-6F175D3DCCD1}">
+              <a14:hiddenFill xmlns:a14="http://schemas.microsoft.com/office/drawing/2010/main">
+                <a:solidFill>
+                  <a:srgbClr val="FFFFFF"/>
+                </a:solidFill>
+              </a14:hiddenFill>
+            </a:ext>
+            <a:ext uri="{91240B29-F687-4F45-9708-019B960494DF}">
+              <a14:hiddenLine xmlns:a14="http://schemas.microsoft.com/office/drawing/2010/main" w="9525">
+                <a:solidFill>
+                  <a:srgbClr val="000000"/>
+                </a:solidFill>
+                <a:miter lim="800000"/>
+                <a:headEnd/>
+                <a:tailEnd/>
+              </a14:hiddenLine>
+            </a:ext>
+          </a:extLst>
+        </p:spPr>
+      </p:pic>
+      <p:sp>
+        <p:nvSpPr>
+          <p:cNvPr id="30725" name="Google Shape;241;p24">
+            <a:extLst>
+              <a:ext uri="{FF2B5EF4-FFF2-40B4-BE49-F238E27FC236}">
+                <a16:creationId xmlns:a16="http://schemas.microsoft.com/office/drawing/2014/main" id="{4289BA5D-DE9D-40EB-9BA5-3AF236EE11A5}"/>
+              </a:ext>
+            </a:extLst>
+          </p:cNvPr>
+          <p:cNvSpPr txBox="1">
+            <a:spLocks noChangeArrowheads="1"/>
+          </p:cNvSpPr>
+          <p:nvPr/>
+        </p:nvSpPr>
+        <p:spPr bwMode="auto">
+          <a:xfrm>
+            <a:off x="260350" y="241300"/>
+            <a:ext cx="7219950" cy="635000"/>
+          </a:xfrm>
+          <a:prstGeom prst="rect">
+            <a:avLst/>
+          </a:prstGeom>
+          <a:noFill/>
+          <a:ln w="9525">
+            <a:solidFill>
+              <a:schemeClr val="tx1"/>
+            </a:solidFill>
+            <a:round/>
+            <a:headEnd type="none" w="sm" len="sm"/>
+            <a:tailEnd type="none" w="sm" len="sm"/>
+          </a:ln>
+          <a:extLst>
+            <a:ext uri="{909E8E84-426E-40DD-AFC4-6F175D3DCCD1}">
+              <a14:hiddenFill xmlns:a14="http://schemas.microsoft.com/office/drawing/2010/main">
+                <a:solidFill>
+                  <a:srgbClr val="FFFFFF"/>
+                </a:solidFill>
+              </a14:hiddenFill>
+            </a:ext>
+          </a:extLst>
+        </p:spPr>
+        <p:txBody>
+          <a:bodyPr lIns="91425" tIns="45700" rIns="91425" bIns="45700" anchor="ctr"/>
+          <a:lstStyle>
+            <a:lvl1pPr>
+              <a:buClr>
+                <a:srgbClr val="000000"/>
+              </a:buClr>
+              <a:buFont typeface="Arial" panose="020B0604020202020204" pitchFamily="34" charset="0"/>
+              <a:defRPr sz="1400">
+                <a:solidFill>
+                  <a:srgbClr val="000000"/>
+                </a:solidFill>
+                <a:latin typeface="Arial" panose="020B0604020202020204" pitchFamily="34" charset="0"/>
+                <a:cs typeface="Arial" panose="020B0604020202020204" pitchFamily="34" charset="0"/>
+                <a:sym typeface="Arial" panose="020B0604020202020204" pitchFamily="34" charset="0"/>
+              </a:defRPr>
+            </a:lvl1pPr>
+            <a:lvl2pPr marL="742950" indent="-285750">
+              <a:buClr>
+                <a:srgbClr val="000000"/>
+              </a:buClr>
+              <a:buFont typeface="Arial" panose="020B0604020202020204" pitchFamily="34" charset="0"/>
+              <a:defRPr sz="1400">
+                <a:solidFill>
+                  <a:srgbClr val="000000"/>
+                </a:solidFill>
+                <a:latin typeface="Arial" panose="020B0604020202020204" pitchFamily="34" charset="0"/>
+                <a:cs typeface="Arial" panose="020B0604020202020204" pitchFamily="34" charset="0"/>
+                <a:sym typeface="Arial" panose="020B0604020202020204" pitchFamily="34" charset="0"/>
+              </a:defRPr>
+            </a:lvl2pPr>
+            <a:lvl3pPr marL="1143000" indent="-228600">
+              <a:buClr>
+                <a:srgbClr val="000000"/>
+              </a:buClr>
+              <a:buFont typeface="Arial" panose="020B0604020202020204" pitchFamily="34" charset="0"/>
+              <a:defRPr sz="1400">
+                <a:solidFill>
+                  <a:srgbClr val="000000"/>
+                </a:solidFill>
+                <a:latin typeface="Arial" panose="020B0604020202020204" pitchFamily="34" charset="0"/>
+                <a:cs typeface="Arial" panose="020B0604020202020204" pitchFamily="34" charset="0"/>
+                <a:sym typeface="Arial" panose="020B0604020202020204" pitchFamily="34" charset="0"/>
+              </a:defRPr>
+            </a:lvl3pPr>
+            <a:lvl4pPr marL="1600200" indent="-228600">
+              <a:buClr>
+                <a:srgbClr val="000000"/>
+              </a:buClr>
+              <a:buFont typeface="Arial" panose="020B0604020202020204" pitchFamily="34" charset="0"/>
+              <a:defRPr sz="1400">
+                <a:solidFill>
+                  <a:srgbClr val="000000"/>
+                </a:solidFill>
+                <a:latin typeface="Arial" panose="020B0604020202020204" pitchFamily="34" charset="0"/>
+                <a:cs typeface="Arial" panose="020B0604020202020204" pitchFamily="34" charset="0"/>
+                <a:sym typeface="Arial" panose="020B0604020202020204" pitchFamily="34" charset="0"/>
+              </a:defRPr>
+            </a:lvl4pPr>
+            <a:lvl5pPr marL="2057400" indent="-228600">
+              <a:buClr>
+                <a:srgbClr val="000000"/>
+              </a:buClr>
+              <a:buFont typeface="Arial" panose="020B0604020202020204" pitchFamily="34" charset="0"/>
+              <a:defRPr sz="1400">
+                <a:solidFill>
+                  <a:srgbClr val="000000"/>
+                </a:solidFill>
+                <a:latin typeface="Arial" panose="020B0604020202020204" pitchFamily="34" charset="0"/>
+                <a:cs typeface="Arial" panose="020B0604020202020204" pitchFamily="34" charset="0"/>
+                <a:sym typeface="Arial" panose="020B0604020202020204" pitchFamily="34" charset="0"/>
+              </a:defRPr>
+            </a:lvl5pPr>
+            <a:lvl6pPr marL="2514600" indent="-228600" eaLnBrk="0" fontAlgn="base" hangingPunct="0">
+              <a:spcBef>
+                <a:spcPct val="0"/>
+              </a:spcBef>
+              <a:spcAft>
+                <a:spcPct val="0"/>
+              </a:spcAft>
+              <a:buClr>
+                <a:srgbClr val="000000"/>
+              </a:buClr>
+              <a:buFont typeface="Arial" panose="020B0604020202020204" pitchFamily="34" charset="0"/>
+              <a:defRPr sz="1400">
+                <a:solidFill>
+                  <a:srgbClr val="000000"/>
+                </a:solidFill>
+                <a:latin typeface="Arial" panose="020B0604020202020204" pitchFamily="34" charset="0"/>
+                <a:cs typeface="Arial" panose="020B0604020202020204" pitchFamily="34" charset="0"/>
+                <a:sym typeface="Arial" panose="020B0604020202020204" pitchFamily="34" charset="0"/>
+              </a:defRPr>
+            </a:lvl6pPr>
+            <a:lvl7pPr marL="2971800" indent="-228600" eaLnBrk="0" fontAlgn="base" hangingPunct="0">
+              <a:spcBef>
+                <a:spcPct val="0"/>
+              </a:spcBef>
+              <a:spcAft>
+                <a:spcPct val="0"/>
+              </a:spcAft>
+              <a:buClr>
+                <a:srgbClr val="000000"/>
+              </a:buClr>
+              <a:buFont typeface="Arial" panose="020B0604020202020204" pitchFamily="34" charset="0"/>
+              <a:defRPr sz="1400">
+                <a:solidFill>
+                  <a:srgbClr val="000000"/>
+                </a:solidFill>
+                <a:latin typeface="Arial" panose="020B0604020202020204" pitchFamily="34" charset="0"/>
+                <a:cs typeface="Arial" panose="020B0604020202020204" pitchFamily="34" charset="0"/>
+                <a:sym typeface="Arial" panose="020B0604020202020204" pitchFamily="34" charset="0"/>
+              </a:defRPr>
+            </a:lvl7pPr>
+            <a:lvl8pPr marL="3429000" indent="-228600" eaLnBrk="0" fontAlgn="base" hangingPunct="0">
+              <a:spcBef>
+                <a:spcPct val="0"/>
+              </a:spcBef>
+              <a:spcAft>
+                <a:spcPct val="0"/>
+              </a:spcAft>
+              <a:buClr>
+                <a:srgbClr val="000000"/>
+              </a:buClr>
+              <a:buFont typeface="Arial" panose="020B0604020202020204" pitchFamily="34" charset="0"/>
+              <a:defRPr sz="1400">
+                <a:solidFill>
+                  <a:srgbClr val="000000"/>
+                </a:solidFill>
+                <a:latin typeface="Arial" panose="020B0604020202020204" pitchFamily="34" charset="0"/>
+                <a:cs typeface="Arial" panose="020B0604020202020204" pitchFamily="34" charset="0"/>
+                <a:sym typeface="Arial" panose="020B0604020202020204" pitchFamily="34" charset="0"/>
+              </a:defRPr>
+            </a:lvl8pPr>
+            <a:lvl9pPr marL="3886200" indent="-228600" eaLnBrk="0" fontAlgn="base" hangingPunct="0">
+              <a:spcBef>
+                <a:spcPct val="0"/>
+              </a:spcBef>
+              <a:spcAft>
+                <a:spcPct val="0"/>
+              </a:spcAft>
+              <a:buClr>
+                <a:srgbClr val="000000"/>
+              </a:buClr>
+              <a:buFont typeface="Arial" panose="020B0604020202020204" pitchFamily="34" charset="0"/>
+              <a:defRPr sz="1400">
+                <a:solidFill>
+                  <a:srgbClr val="000000"/>
+                </a:solidFill>
+                <a:latin typeface="Arial" panose="020B0604020202020204" pitchFamily="34" charset="0"/>
+                <a:cs typeface="Arial" panose="020B0604020202020204" pitchFamily="34" charset="0"/>
+                <a:sym typeface="Arial" panose="020B0604020202020204" pitchFamily="34" charset="0"/>
+              </a:defRPr>
+            </a:lvl9pPr>
+          </a:lstStyle>
+          <a:p>
+            <a:pPr eaLnBrk="1" hangingPunct="1">
+              <a:lnSpc>
+                <a:spcPct val="90000"/>
+              </a:lnSpc>
+              <a:buSzPts val="2800"/>
+              <a:buFont typeface="Helvetica Neue" charset="0"/>
+              <a:buNone/>
+            </a:pPr>
+            <a:r>
+              <a:rPr lang="en-US" altLang="en-US" sz="2800">
+                <a:latin typeface="Helvetica Neue" charset="0"/>
+                <a:cs typeface="Helvetica Neue" charset="0"/>
+                <a:sym typeface="Helvetica Neue" charset="0"/>
+              </a:rPr>
+              <a:t>Core Goals - Performance for Small Dataset</a:t>
+            </a:r>
+            <a:endParaRPr lang="en-US" altLang="en-US">
+              <a:cs typeface="Helvetica Neue" charset="0"/>
+            </a:endParaRPr>
+          </a:p>
+        </p:txBody>
+      </p:sp>
+      <p:pic>
+        <p:nvPicPr>
+          <p:cNvPr id="6" name="Picture 5">
+            <a:extLst>
+              <a:ext uri="{FF2B5EF4-FFF2-40B4-BE49-F238E27FC236}">
+                <a16:creationId xmlns:a16="http://schemas.microsoft.com/office/drawing/2014/main" id="{A4EBE12A-B170-444C-99A1-121412277BD4}"/>
+              </a:ext>
+            </a:extLst>
+          </p:cNvPr>
+          <p:cNvPicPr>
+            <a:picLocks noChangeAspect="1"/>
+          </p:cNvPicPr>
+          <p:nvPr/>
+        </p:nvPicPr>
+        <p:blipFill>
+          <a:blip r:embed="rId3"/>
+          <a:stretch>
+            <a:fillRect/>
+          </a:stretch>
+        </p:blipFill>
+        <p:spPr>
+          <a:xfrm>
+            <a:off x="10959428" y="136525"/>
+            <a:ext cx="1032088" cy="1226186"/>
+          </a:xfrm>
+          <a:prstGeom prst="rect">
+            <a:avLst/>
+          </a:prstGeom>
+        </p:spPr>
+      </p:pic>
+    </p:spTree>
+  </p:cSld>
+  <p:clrMapOvr>
+    <a:masterClrMapping/>
+  </p:clrMapOvr>
+</p:sld>
+</file>
+
+<file path=ppt/slides/slide15.xml><?xml version="1.0" encoding="utf-8"?>
+<p:sld xmlns:a="http://schemas.openxmlformats.org/drawingml/2006/main" xmlns:r="http://schemas.openxmlformats.org/officeDocument/2006/relationships" xmlns:p="http://schemas.openxmlformats.org/presentationml/2006/main">
+  <p:cSld>
+    <p:spTree>
+      <p:nvGrpSpPr>
+        <p:cNvPr id="1" name=""/>
+        <p:cNvGrpSpPr/>
+        <p:nvPr/>
+      </p:nvGrpSpPr>
+      <p:grpSpPr>
+        <a:xfrm>
+          <a:off x="0" y="0"/>
+          <a:ext cx="0" cy="0"/>
+          <a:chOff x="0" y="0"/>
+          <a:chExt cx="0" cy="0"/>
+        </a:xfrm>
+      </p:grpSpPr>
+      <p:sp>
+        <p:nvSpPr>
+          <p:cNvPr id="11269" name="Google Shape;159;p18">
+            <a:extLst>
+              <a:ext uri="{FF2B5EF4-FFF2-40B4-BE49-F238E27FC236}">
+                <a16:creationId xmlns:a16="http://schemas.microsoft.com/office/drawing/2014/main" id="{2FCC923B-32C8-4F51-86C3-55498352DB11}"/>
+              </a:ext>
+            </a:extLst>
+          </p:cNvPr>
+          <p:cNvSpPr txBox="1">
+            <a:spLocks noChangeArrowheads="1"/>
+          </p:cNvSpPr>
+          <p:nvPr/>
+        </p:nvSpPr>
+        <p:spPr bwMode="auto">
+          <a:xfrm>
+            <a:off x="201612" y="92075"/>
+            <a:ext cx="8408988" cy="714375"/>
+          </a:xfrm>
+          <a:prstGeom prst="rect">
+            <a:avLst/>
+          </a:prstGeom>
+          <a:noFill/>
+          <a:ln w="9525">
+            <a:solidFill>
+              <a:schemeClr val="tx1"/>
+            </a:solidFill>
+            <a:round/>
+            <a:headEnd type="none" w="sm" len="sm"/>
+            <a:tailEnd type="none" w="sm" len="sm"/>
+          </a:ln>
+          <a:extLst>
+            <a:ext uri="{909E8E84-426E-40DD-AFC4-6F175D3DCCD1}">
+              <a14:hiddenFill xmlns:a14="http://schemas.microsoft.com/office/drawing/2010/main">
+                <a:solidFill>
+                  <a:srgbClr val="FFFFFF"/>
+                </a:solidFill>
+              </a14:hiddenFill>
+            </a:ext>
+          </a:extLst>
+        </p:spPr>
+        <p:txBody>
+          <a:bodyPr lIns="91425" tIns="45700" rIns="91425" bIns="45700" anchor="ctr"/>
+          <a:lstStyle>
+            <a:lvl1pPr>
+              <a:buClr>
+                <a:srgbClr val="000000"/>
+              </a:buClr>
+              <a:buFont typeface="Arial" panose="020B0604020202020204" pitchFamily="34" charset="0"/>
+              <a:defRPr sz="1400">
+                <a:solidFill>
+                  <a:srgbClr val="000000"/>
+                </a:solidFill>
+                <a:latin typeface="Arial" panose="020B0604020202020204" pitchFamily="34" charset="0"/>
+                <a:cs typeface="Arial" panose="020B0604020202020204" pitchFamily="34" charset="0"/>
+                <a:sym typeface="Arial" panose="020B0604020202020204" pitchFamily="34" charset="0"/>
+              </a:defRPr>
+            </a:lvl1pPr>
+            <a:lvl2pPr marL="742950" indent="-285750">
+              <a:buClr>
+                <a:srgbClr val="000000"/>
+              </a:buClr>
+              <a:buFont typeface="Arial" panose="020B0604020202020204" pitchFamily="34" charset="0"/>
+              <a:defRPr sz="1400">
+                <a:solidFill>
+                  <a:srgbClr val="000000"/>
+                </a:solidFill>
+                <a:latin typeface="Arial" panose="020B0604020202020204" pitchFamily="34" charset="0"/>
+                <a:cs typeface="Arial" panose="020B0604020202020204" pitchFamily="34" charset="0"/>
+                <a:sym typeface="Arial" panose="020B0604020202020204" pitchFamily="34" charset="0"/>
+              </a:defRPr>
+            </a:lvl2pPr>
+            <a:lvl3pPr marL="1143000" indent="-228600">
+              <a:buClr>
+                <a:srgbClr val="000000"/>
+              </a:buClr>
+              <a:buFont typeface="Arial" panose="020B0604020202020204" pitchFamily="34" charset="0"/>
+              <a:defRPr sz="1400">
+                <a:solidFill>
+                  <a:srgbClr val="000000"/>
+                </a:solidFill>
+                <a:latin typeface="Arial" panose="020B0604020202020204" pitchFamily="34" charset="0"/>
+                <a:cs typeface="Arial" panose="020B0604020202020204" pitchFamily="34" charset="0"/>
+                <a:sym typeface="Arial" panose="020B0604020202020204" pitchFamily="34" charset="0"/>
+              </a:defRPr>
+            </a:lvl3pPr>
+            <a:lvl4pPr marL="1600200" indent="-228600">
+              <a:buClr>
+                <a:srgbClr val="000000"/>
+              </a:buClr>
+              <a:buFont typeface="Arial" panose="020B0604020202020204" pitchFamily="34" charset="0"/>
+              <a:defRPr sz="1400">
+                <a:solidFill>
+                  <a:srgbClr val="000000"/>
+                </a:solidFill>
+                <a:latin typeface="Arial" panose="020B0604020202020204" pitchFamily="34" charset="0"/>
+                <a:cs typeface="Arial" panose="020B0604020202020204" pitchFamily="34" charset="0"/>
+                <a:sym typeface="Arial" panose="020B0604020202020204" pitchFamily="34" charset="0"/>
+              </a:defRPr>
+            </a:lvl4pPr>
+            <a:lvl5pPr marL="2057400" indent="-228600">
+              <a:buClr>
+                <a:srgbClr val="000000"/>
+              </a:buClr>
+              <a:buFont typeface="Arial" panose="020B0604020202020204" pitchFamily="34" charset="0"/>
+              <a:defRPr sz="1400">
+                <a:solidFill>
+                  <a:srgbClr val="000000"/>
+                </a:solidFill>
+                <a:latin typeface="Arial" panose="020B0604020202020204" pitchFamily="34" charset="0"/>
+                <a:cs typeface="Arial" panose="020B0604020202020204" pitchFamily="34" charset="0"/>
+                <a:sym typeface="Arial" panose="020B0604020202020204" pitchFamily="34" charset="0"/>
+              </a:defRPr>
+            </a:lvl5pPr>
+            <a:lvl6pPr marL="2514600" indent="-228600" eaLnBrk="0" fontAlgn="base" hangingPunct="0">
+              <a:spcBef>
+                <a:spcPct val="0"/>
+              </a:spcBef>
+              <a:spcAft>
+                <a:spcPct val="0"/>
+              </a:spcAft>
+              <a:buClr>
+                <a:srgbClr val="000000"/>
+              </a:buClr>
+              <a:buFont typeface="Arial" panose="020B0604020202020204" pitchFamily="34" charset="0"/>
+              <a:defRPr sz="1400">
+                <a:solidFill>
+                  <a:srgbClr val="000000"/>
+                </a:solidFill>
+                <a:latin typeface="Arial" panose="020B0604020202020204" pitchFamily="34" charset="0"/>
+                <a:cs typeface="Arial" panose="020B0604020202020204" pitchFamily="34" charset="0"/>
+                <a:sym typeface="Arial" panose="020B0604020202020204" pitchFamily="34" charset="0"/>
+              </a:defRPr>
+            </a:lvl6pPr>
+            <a:lvl7pPr marL="2971800" indent="-228600" eaLnBrk="0" fontAlgn="base" hangingPunct="0">
+              <a:spcBef>
+                <a:spcPct val="0"/>
+              </a:spcBef>
+              <a:spcAft>
+                <a:spcPct val="0"/>
+              </a:spcAft>
+              <a:buClr>
+                <a:srgbClr val="000000"/>
+              </a:buClr>
+              <a:buFont typeface="Arial" panose="020B0604020202020204" pitchFamily="34" charset="0"/>
+              <a:defRPr sz="1400">
+                <a:solidFill>
+                  <a:srgbClr val="000000"/>
+                </a:solidFill>
+                <a:latin typeface="Arial" panose="020B0604020202020204" pitchFamily="34" charset="0"/>
+                <a:cs typeface="Arial" panose="020B0604020202020204" pitchFamily="34" charset="0"/>
+                <a:sym typeface="Arial" panose="020B0604020202020204" pitchFamily="34" charset="0"/>
+              </a:defRPr>
+            </a:lvl7pPr>
+            <a:lvl8pPr marL="3429000" indent="-228600" eaLnBrk="0" fontAlgn="base" hangingPunct="0">
+              <a:spcBef>
+                <a:spcPct val="0"/>
+              </a:spcBef>
+              <a:spcAft>
+                <a:spcPct val="0"/>
+              </a:spcAft>
+              <a:buClr>
+                <a:srgbClr val="000000"/>
+              </a:buClr>
+              <a:buFont typeface="Arial" panose="020B0604020202020204" pitchFamily="34" charset="0"/>
+              <a:defRPr sz="1400">
+                <a:solidFill>
+                  <a:srgbClr val="000000"/>
+                </a:solidFill>
+                <a:latin typeface="Arial" panose="020B0604020202020204" pitchFamily="34" charset="0"/>
+                <a:cs typeface="Arial" panose="020B0604020202020204" pitchFamily="34" charset="0"/>
+                <a:sym typeface="Arial" panose="020B0604020202020204" pitchFamily="34" charset="0"/>
+              </a:defRPr>
+            </a:lvl8pPr>
+            <a:lvl9pPr marL="3886200" indent="-228600" eaLnBrk="0" fontAlgn="base" hangingPunct="0">
+              <a:spcBef>
+                <a:spcPct val="0"/>
+              </a:spcBef>
+              <a:spcAft>
+                <a:spcPct val="0"/>
+              </a:spcAft>
+              <a:buClr>
+                <a:srgbClr val="000000"/>
+              </a:buClr>
+              <a:buFont typeface="Arial" panose="020B0604020202020204" pitchFamily="34" charset="0"/>
+              <a:defRPr sz="1400">
+                <a:solidFill>
+                  <a:srgbClr val="000000"/>
+                </a:solidFill>
+                <a:latin typeface="Arial" panose="020B0604020202020204" pitchFamily="34" charset="0"/>
+                <a:cs typeface="Arial" panose="020B0604020202020204" pitchFamily="34" charset="0"/>
+                <a:sym typeface="Arial" panose="020B0604020202020204" pitchFamily="34" charset="0"/>
+              </a:defRPr>
+            </a:lvl9pPr>
+          </a:lstStyle>
+          <a:p>
+            <a:pPr algn="ctr" eaLnBrk="1" hangingPunct="1">
+              <a:lnSpc>
+                <a:spcPct val="90000"/>
+              </a:lnSpc>
+              <a:buSzPts val="2800"/>
+              <a:buFont typeface="Helvetica Neue" charset="0"/>
+              <a:buNone/>
+            </a:pPr>
+            <a:r>
+              <a:rPr lang="en-US" altLang="en-US" sz="2800" dirty="0">
+                <a:latin typeface="Helvetica Neue" charset="0"/>
+                <a:cs typeface="Helvetica Neue" charset="0"/>
+                <a:sym typeface="Helvetica Neue" charset="0"/>
+              </a:rPr>
+              <a:t>Mathematics and Statistics supporting algorithms</a:t>
+            </a:r>
+            <a:endParaRPr lang="en-US" altLang="en-US" dirty="0">
+              <a:cs typeface="Helvetica Neue" charset="0"/>
+            </a:endParaRPr>
+          </a:p>
+        </p:txBody>
+      </p:sp>
+      <p:sp>
+        <p:nvSpPr>
+          <p:cNvPr id="11270" name="Google Shape;160;p18">
+            <a:extLst>
+              <a:ext uri="{FF2B5EF4-FFF2-40B4-BE49-F238E27FC236}">
+                <a16:creationId xmlns:a16="http://schemas.microsoft.com/office/drawing/2014/main" id="{69D5B5AA-0168-4A6C-AB0D-4374FAAD81FE}"/>
+              </a:ext>
+            </a:extLst>
+          </p:cNvPr>
+          <p:cNvSpPr txBox="1">
+            <a:spLocks noChangeArrowheads="1"/>
+          </p:cNvSpPr>
+          <p:nvPr/>
+        </p:nvSpPr>
+        <p:spPr bwMode="auto">
+          <a:xfrm>
+            <a:off x="3092450" y="69850"/>
+            <a:ext cx="6777038" cy="1200150"/>
+          </a:xfrm>
+          <a:prstGeom prst="rect">
+            <a:avLst/>
+          </a:prstGeom>
+          <a:noFill/>
+          <a:ln>
+            <a:noFill/>
+          </a:ln>
+          <a:extLst>
+            <a:ext uri="{909E8E84-426E-40DD-AFC4-6F175D3DCCD1}">
+              <a14:hiddenFill xmlns:a14="http://schemas.microsoft.com/office/drawing/2010/main">
+                <a:solidFill>
+                  <a:srgbClr val="FFFFFF"/>
+                </a:solidFill>
+              </a14:hiddenFill>
+            </a:ext>
+            <a:ext uri="{91240B29-F687-4F45-9708-019B960494DF}">
+              <a14:hiddenLine xmlns:a14="http://schemas.microsoft.com/office/drawing/2010/main" w="9525">
+                <a:solidFill>
+                  <a:srgbClr val="000000"/>
+                </a:solidFill>
+                <a:miter lim="800000"/>
+                <a:headEnd/>
+                <a:tailEnd/>
+              </a14:hiddenLine>
+            </a:ext>
+          </a:extLst>
+        </p:spPr>
+        <p:txBody>
+          <a:bodyPr lIns="91425" tIns="45700" rIns="91425" bIns="45700"/>
+          <a:lstStyle>
+            <a:lvl1pPr>
+              <a:buClr>
+                <a:srgbClr val="000000"/>
+              </a:buClr>
+              <a:buFont typeface="Arial" panose="020B0604020202020204" pitchFamily="34" charset="0"/>
+              <a:defRPr sz="1400">
+                <a:solidFill>
+                  <a:srgbClr val="000000"/>
+                </a:solidFill>
+                <a:latin typeface="Arial" panose="020B0604020202020204" pitchFamily="34" charset="0"/>
+                <a:cs typeface="Arial" panose="020B0604020202020204" pitchFamily="34" charset="0"/>
+                <a:sym typeface="Arial" panose="020B0604020202020204" pitchFamily="34" charset="0"/>
+              </a:defRPr>
+            </a:lvl1pPr>
+            <a:lvl2pPr marL="742950" indent="-285750">
+              <a:buClr>
+                <a:srgbClr val="000000"/>
+              </a:buClr>
+              <a:buFont typeface="Arial" panose="020B0604020202020204" pitchFamily="34" charset="0"/>
+              <a:defRPr sz="1400">
+                <a:solidFill>
+                  <a:srgbClr val="000000"/>
+                </a:solidFill>
+                <a:latin typeface="Arial" panose="020B0604020202020204" pitchFamily="34" charset="0"/>
+                <a:cs typeface="Arial" panose="020B0604020202020204" pitchFamily="34" charset="0"/>
+                <a:sym typeface="Arial" panose="020B0604020202020204" pitchFamily="34" charset="0"/>
+              </a:defRPr>
+            </a:lvl2pPr>
+            <a:lvl3pPr marL="1143000" indent="-228600">
+              <a:buClr>
+                <a:srgbClr val="000000"/>
+              </a:buClr>
+              <a:buFont typeface="Arial" panose="020B0604020202020204" pitchFamily="34" charset="0"/>
+              <a:defRPr sz="1400">
+                <a:solidFill>
+                  <a:srgbClr val="000000"/>
+                </a:solidFill>
+                <a:latin typeface="Arial" panose="020B0604020202020204" pitchFamily="34" charset="0"/>
+                <a:cs typeface="Arial" panose="020B0604020202020204" pitchFamily="34" charset="0"/>
+                <a:sym typeface="Arial" panose="020B0604020202020204" pitchFamily="34" charset="0"/>
+              </a:defRPr>
+            </a:lvl3pPr>
+            <a:lvl4pPr marL="1600200" indent="-228600">
+              <a:buClr>
+                <a:srgbClr val="000000"/>
+              </a:buClr>
+              <a:buFont typeface="Arial" panose="020B0604020202020204" pitchFamily="34" charset="0"/>
+              <a:defRPr sz="1400">
+                <a:solidFill>
+                  <a:srgbClr val="000000"/>
+                </a:solidFill>
+                <a:latin typeface="Arial" panose="020B0604020202020204" pitchFamily="34" charset="0"/>
+                <a:cs typeface="Arial" panose="020B0604020202020204" pitchFamily="34" charset="0"/>
+                <a:sym typeface="Arial" panose="020B0604020202020204" pitchFamily="34" charset="0"/>
+              </a:defRPr>
+            </a:lvl4pPr>
+            <a:lvl5pPr marL="2057400" indent="-228600">
+              <a:buClr>
+                <a:srgbClr val="000000"/>
+              </a:buClr>
+              <a:buFont typeface="Arial" panose="020B0604020202020204" pitchFamily="34" charset="0"/>
+              <a:defRPr sz="1400">
+                <a:solidFill>
+                  <a:srgbClr val="000000"/>
+                </a:solidFill>
+                <a:latin typeface="Arial" panose="020B0604020202020204" pitchFamily="34" charset="0"/>
+                <a:cs typeface="Arial" panose="020B0604020202020204" pitchFamily="34" charset="0"/>
+                <a:sym typeface="Arial" panose="020B0604020202020204" pitchFamily="34" charset="0"/>
+              </a:defRPr>
+            </a:lvl5pPr>
+            <a:lvl6pPr marL="2514600" indent="-228600" eaLnBrk="0" fontAlgn="base" hangingPunct="0">
+              <a:spcBef>
+                <a:spcPct val="0"/>
+              </a:spcBef>
+              <a:spcAft>
+                <a:spcPct val="0"/>
+              </a:spcAft>
+              <a:buClr>
+                <a:srgbClr val="000000"/>
+              </a:buClr>
+              <a:buFont typeface="Arial" panose="020B0604020202020204" pitchFamily="34" charset="0"/>
+              <a:defRPr sz="1400">
+                <a:solidFill>
+                  <a:srgbClr val="000000"/>
+                </a:solidFill>
+                <a:latin typeface="Arial" panose="020B0604020202020204" pitchFamily="34" charset="0"/>
+                <a:cs typeface="Arial" panose="020B0604020202020204" pitchFamily="34" charset="0"/>
+                <a:sym typeface="Arial" panose="020B0604020202020204" pitchFamily="34" charset="0"/>
+              </a:defRPr>
+            </a:lvl6pPr>
+            <a:lvl7pPr marL="2971800" indent="-228600" eaLnBrk="0" fontAlgn="base" hangingPunct="0">
+              <a:spcBef>
+                <a:spcPct val="0"/>
+              </a:spcBef>
+              <a:spcAft>
+                <a:spcPct val="0"/>
+              </a:spcAft>
+              <a:buClr>
+                <a:srgbClr val="000000"/>
+              </a:buClr>
+              <a:buFont typeface="Arial" panose="020B0604020202020204" pitchFamily="34" charset="0"/>
+              <a:defRPr sz="1400">
+                <a:solidFill>
+                  <a:srgbClr val="000000"/>
+                </a:solidFill>
+                <a:latin typeface="Arial" panose="020B0604020202020204" pitchFamily="34" charset="0"/>
+                <a:cs typeface="Arial" panose="020B0604020202020204" pitchFamily="34" charset="0"/>
+                <a:sym typeface="Arial" panose="020B0604020202020204" pitchFamily="34" charset="0"/>
+              </a:defRPr>
+            </a:lvl7pPr>
+            <a:lvl8pPr marL="3429000" indent="-228600" eaLnBrk="0" fontAlgn="base" hangingPunct="0">
+              <a:spcBef>
+                <a:spcPct val="0"/>
+              </a:spcBef>
+              <a:spcAft>
+                <a:spcPct val="0"/>
+              </a:spcAft>
+              <a:buClr>
+                <a:srgbClr val="000000"/>
+              </a:buClr>
+              <a:buFont typeface="Arial" panose="020B0604020202020204" pitchFamily="34" charset="0"/>
+              <a:defRPr sz="1400">
+                <a:solidFill>
+                  <a:srgbClr val="000000"/>
+                </a:solidFill>
+                <a:latin typeface="Arial" panose="020B0604020202020204" pitchFamily="34" charset="0"/>
+                <a:cs typeface="Arial" panose="020B0604020202020204" pitchFamily="34" charset="0"/>
+                <a:sym typeface="Arial" panose="020B0604020202020204" pitchFamily="34" charset="0"/>
+              </a:defRPr>
+            </a:lvl8pPr>
+            <a:lvl9pPr marL="3886200" indent="-228600" eaLnBrk="0" fontAlgn="base" hangingPunct="0">
+              <a:spcBef>
+                <a:spcPct val="0"/>
+              </a:spcBef>
+              <a:spcAft>
+                <a:spcPct val="0"/>
+              </a:spcAft>
+              <a:buClr>
+                <a:srgbClr val="000000"/>
+              </a:buClr>
+              <a:buFont typeface="Arial" panose="020B0604020202020204" pitchFamily="34" charset="0"/>
+              <a:defRPr sz="1400">
+                <a:solidFill>
+                  <a:srgbClr val="000000"/>
+                </a:solidFill>
+                <a:latin typeface="Arial" panose="020B0604020202020204" pitchFamily="34" charset="0"/>
+                <a:cs typeface="Arial" panose="020B0604020202020204" pitchFamily="34" charset="0"/>
+                <a:sym typeface="Arial" panose="020B0604020202020204" pitchFamily="34" charset="0"/>
+              </a:defRPr>
+            </a:lvl9pPr>
+          </a:lstStyle>
+          <a:p>
+            <a:pPr eaLnBrk="1" hangingPunct="1"/>
+            <a:endParaRPr lang="en-US" altLang="en-US"/>
+          </a:p>
+        </p:txBody>
+      </p:sp>
+      <p:sp>
+        <p:nvSpPr>
+          <p:cNvPr id="11271" name="Google Shape;161;p18">
+            <a:extLst>
+              <a:ext uri="{FF2B5EF4-FFF2-40B4-BE49-F238E27FC236}">
+                <a16:creationId xmlns:a16="http://schemas.microsoft.com/office/drawing/2014/main" id="{238C9E5D-5A7F-4F4F-B37A-7568517167CA}"/>
+              </a:ext>
+            </a:extLst>
+          </p:cNvPr>
+          <p:cNvSpPr>
+            <a:spLocks noGrp="1" noChangeArrowheads="1"/>
+          </p:cNvSpPr>
+          <p:nvPr>
+            <p:ph type="sldNum" sz="quarter" idx="13"/>
+          </p:nvPr>
+        </p:nvSpPr>
+        <p:spPr bwMode="auto">
+          <a:xfrm>
+            <a:off x="8610600" y="6356350"/>
+            <a:ext cx="2743200" cy="365125"/>
+          </a:xfrm>
+          <a:prstGeom prst="rect">
+            <a:avLst/>
+          </a:prstGeom>
+          <a:noFill/>
+          <a:ln>
+            <a:noFill/>
+          </a:ln>
+          <a:extLst>
+            <a:ext uri="{909E8E84-426E-40DD-AFC4-6F175D3DCCD1}">
+              <a14:hiddenFill xmlns:a14="http://schemas.microsoft.com/office/drawing/2010/main">
+                <a:solidFill>
+                  <a:srgbClr val="FFFFFF"/>
+                </a:solidFill>
+              </a14:hiddenFill>
+            </a:ext>
+            <a:ext uri="{91240B29-F687-4F45-9708-019B960494DF}">
+              <a14:hiddenLine xmlns:a14="http://schemas.microsoft.com/office/drawing/2010/main" w="9525">
+                <a:solidFill>
+                  <a:srgbClr val="000000"/>
+                </a:solidFill>
+                <a:miter lim="800000"/>
+                <a:headEnd/>
+                <a:tailEnd/>
+              </a14:hiddenLine>
+            </a:ext>
+          </a:extLst>
+        </p:spPr>
+        <p:txBody>
+          <a:bodyPr vert="horz" wrap="square" lIns="91425" tIns="45700" rIns="91425" bIns="45700" numCol="1" anchor="ctr" anchorCtr="0" compatLnSpc="1">
+            <a:prstTxWarp prst="textNoShape">
+              <a:avLst/>
+            </a:prstTxWarp>
+          </a:bodyPr>
+          <a:lstStyle>
+            <a:defPPr>
+              <a:defRPr lang="en-US"/>
+            </a:defPPr>
+            <a:lvl1pPr algn="r" rtl="0" eaLnBrk="1" fontAlgn="base" hangingPunct="1">
+              <a:spcBef>
+                <a:spcPct val="0"/>
+              </a:spcBef>
+              <a:spcAft>
+                <a:spcPct val="0"/>
+              </a:spcAft>
+              <a:buClr>
+                <a:srgbClr val="000000"/>
+              </a:buClr>
+              <a:buFont typeface="Arial" panose="020B0604020202020204" pitchFamily="34" charset="0"/>
+              <a:buNone/>
+              <a:defRPr sz="1200" kern="1200" smtClean="0">
+                <a:solidFill>
+                  <a:srgbClr val="888888"/>
+                </a:solidFill>
+                <a:latin typeface="Arial" panose="020B0604020202020204" pitchFamily="34" charset="0"/>
+                <a:ea typeface="+mn-ea"/>
+                <a:cs typeface="Arial" panose="020B0604020202020204" pitchFamily="34" charset="0"/>
+                <a:sym typeface="Arial" panose="020B0604020202020204" pitchFamily="34" charset="0"/>
+              </a:defRPr>
+            </a:lvl1pPr>
+            <a:lvl2pPr marL="457200" algn="l" rtl="0" eaLnBrk="0" fontAlgn="base" hangingPunct="0">
+              <a:spcBef>
+                <a:spcPct val="0"/>
+              </a:spcBef>
+              <a:spcAft>
+                <a:spcPct val="0"/>
+              </a:spcAft>
+              <a:defRPr sz="1400" kern="1200">
+                <a:solidFill>
+                  <a:srgbClr val="000000"/>
+                </a:solidFill>
+                <a:latin typeface="Arial" panose="020B0604020202020204" pitchFamily="34" charset="0"/>
+                <a:ea typeface="+mn-ea"/>
+                <a:cs typeface="Arial" panose="020B0604020202020204" pitchFamily="34" charset="0"/>
+                <a:sym typeface="Arial" panose="020B0604020202020204" pitchFamily="34" charset="0"/>
+              </a:defRPr>
+            </a:lvl2pPr>
+            <a:lvl3pPr marL="914400" algn="l" rtl="0" eaLnBrk="0" fontAlgn="base" hangingPunct="0">
+              <a:spcBef>
+                <a:spcPct val="0"/>
+              </a:spcBef>
+              <a:spcAft>
+                <a:spcPct val="0"/>
+              </a:spcAft>
+              <a:defRPr sz="1400" kern="1200">
+                <a:solidFill>
+                  <a:srgbClr val="000000"/>
+                </a:solidFill>
+                <a:latin typeface="Arial" panose="020B0604020202020204" pitchFamily="34" charset="0"/>
+                <a:ea typeface="+mn-ea"/>
+                <a:cs typeface="Arial" panose="020B0604020202020204" pitchFamily="34" charset="0"/>
+                <a:sym typeface="Arial" panose="020B0604020202020204" pitchFamily="34" charset="0"/>
+              </a:defRPr>
+            </a:lvl3pPr>
+            <a:lvl4pPr marL="1371600" algn="l" rtl="0" eaLnBrk="0" fontAlgn="base" hangingPunct="0">
+              <a:spcBef>
+                <a:spcPct val="0"/>
+              </a:spcBef>
+              <a:spcAft>
+                <a:spcPct val="0"/>
+              </a:spcAft>
+              <a:defRPr sz="1400" kern="1200">
+                <a:solidFill>
+                  <a:srgbClr val="000000"/>
+                </a:solidFill>
+                <a:latin typeface="Arial" panose="020B0604020202020204" pitchFamily="34" charset="0"/>
+                <a:ea typeface="+mn-ea"/>
+                <a:cs typeface="Arial" panose="020B0604020202020204" pitchFamily="34" charset="0"/>
+                <a:sym typeface="Arial" panose="020B0604020202020204" pitchFamily="34" charset="0"/>
+              </a:defRPr>
+            </a:lvl4pPr>
+            <a:lvl5pPr marL="1828800" algn="l" rtl="0" eaLnBrk="0" fontAlgn="base" hangingPunct="0">
+              <a:spcBef>
+                <a:spcPct val="0"/>
+              </a:spcBef>
+              <a:spcAft>
+                <a:spcPct val="0"/>
+              </a:spcAft>
+              <a:defRPr sz="1400" kern="1200">
+                <a:solidFill>
+                  <a:srgbClr val="000000"/>
+                </a:solidFill>
+                <a:latin typeface="Arial" panose="020B0604020202020204" pitchFamily="34" charset="0"/>
+                <a:ea typeface="+mn-ea"/>
+                <a:cs typeface="Arial" panose="020B0604020202020204" pitchFamily="34" charset="0"/>
+                <a:sym typeface="Arial" panose="020B0604020202020204" pitchFamily="34" charset="0"/>
+              </a:defRPr>
+            </a:lvl5pPr>
+            <a:lvl6pPr marL="2286000" algn="l" defTabSz="914400" rtl="0" eaLnBrk="1" latinLnBrk="0" hangingPunct="1">
+              <a:defRPr sz="1400" kern="1200">
+                <a:solidFill>
+                  <a:srgbClr val="000000"/>
+                </a:solidFill>
+                <a:latin typeface="Arial" panose="020B0604020202020204" pitchFamily="34" charset="0"/>
+                <a:ea typeface="+mn-ea"/>
+                <a:cs typeface="Arial" panose="020B0604020202020204" pitchFamily="34" charset="0"/>
+                <a:sym typeface="Arial" panose="020B0604020202020204" pitchFamily="34" charset="0"/>
+              </a:defRPr>
+            </a:lvl6pPr>
+            <a:lvl7pPr marL="2743200" algn="l" defTabSz="914400" rtl="0" eaLnBrk="1" latinLnBrk="0" hangingPunct="1">
+              <a:defRPr sz="1400" kern="1200">
+                <a:solidFill>
+                  <a:srgbClr val="000000"/>
+                </a:solidFill>
+                <a:latin typeface="Arial" panose="020B0604020202020204" pitchFamily="34" charset="0"/>
+                <a:ea typeface="+mn-ea"/>
+                <a:cs typeface="Arial" panose="020B0604020202020204" pitchFamily="34" charset="0"/>
+                <a:sym typeface="Arial" panose="020B0604020202020204" pitchFamily="34" charset="0"/>
+              </a:defRPr>
+            </a:lvl7pPr>
+            <a:lvl8pPr marL="3200400" algn="l" defTabSz="914400" rtl="0" eaLnBrk="1" latinLnBrk="0" hangingPunct="1">
+              <a:defRPr sz="1400" kern="1200">
+                <a:solidFill>
+                  <a:srgbClr val="000000"/>
+                </a:solidFill>
+                <a:latin typeface="Arial" panose="020B0604020202020204" pitchFamily="34" charset="0"/>
+                <a:ea typeface="+mn-ea"/>
+                <a:cs typeface="Arial" panose="020B0604020202020204" pitchFamily="34" charset="0"/>
+                <a:sym typeface="Arial" panose="020B0604020202020204" pitchFamily="34" charset="0"/>
+              </a:defRPr>
+            </a:lvl8pPr>
+            <a:lvl9pPr marL="3657600" algn="l" defTabSz="914400" rtl="0" eaLnBrk="1" latinLnBrk="0" hangingPunct="1">
+              <a:defRPr sz="1400" kern="1200">
+                <a:solidFill>
+                  <a:srgbClr val="000000"/>
+                </a:solidFill>
+                <a:latin typeface="Arial" panose="020B0604020202020204" pitchFamily="34" charset="0"/>
+                <a:ea typeface="+mn-ea"/>
+                <a:cs typeface="Arial" panose="020B0604020202020204" pitchFamily="34" charset="0"/>
+                <a:sym typeface="Arial" panose="020B0604020202020204" pitchFamily="34" charset="0"/>
+              </a:defRPr>
+            </a:lvl9pPr>
+          </a:lstStyle>
+          <a:p>
+            <a:pPr>
+              <a:defRPr/>
+            </a:pPr>
+            <a:fld id="{FFB91C40-FCB9-4641-83DA-0013B503C4F6}" type="slidenum">
+              <a:rPr lang="en-US" altLang="en-US" smtClean="0"/>
+              <a:pPr>
+                <a:defRPr/>
+              </a:pPr>
+              <a:t>15</a:t>
             </a:fld>
             <a:endParaRPr lang="en-US" altLang="en-US" sz="1200">
               <a:solidFill>
@@ -6248,7 +10035,7 @@
 </p:sld>
 </file>
 
-<file path=ppt/slides/slide11.xml><?xml version="1.0" encoding="utf-8"?>
+<file path=ppt/slides/slide16.xml><?xml version="1.0" encoding="utf-8"?>
 <p:sld xmlns:a="http://schemas.openxmlformats.org/drawingml/2006/main" xmlns:r="http://schemas.openxmlformats.org/officeDocument/2006/relationships" xmlns:p="http://schemas.openxmlformats.org/presentationml/2006/main">
   <p:cSld>
     <p:spTree>
@@ -6891,7 +10678,7 @@
               <a:pPr>
                 <a:defRPr/>
               </a:pPr>
-              <a:t>11</a:t>
+              <a:t>16</a:t>
             </a:fld>
             <a:endParaRPr lang="en-US" altLang="en-US" sz="1200">
               <a:solidFill>
@@ -6944,7 +10731,7 @@
 </p:sld>
 </file>
 
-<file path=ppt/slides/slide12.xml><?xml version="1.0" encoding="utf-8"?>
+<file path=ppt/slides/slide17.xml><?xml version="1.0" encoding="utf-8"?>
 <p:sld xmlns:a="http://schemas.openxmlformats.org/drawingml/2006/main" xmlns:r="http://schemas.openxmlformats.org/officeDocument/2006/relationships" xmlns:p="http://schemas.openxmlformats.org/presentationml/2006/main">
   <p:cSld>
     <p:spTree>
@@ -7587,7 +11374,7 @@
               <a:pPr>
                 <a:defRPr/>
               </a:pPr>
-              <a:t>12</a:t>
+              <a:t>17</a:t>
             </a:fld>
             <a:endParaRPr lang="en-US" altLang="en-US" sz="1200">
               <a:solidFill>
@@ -7640,7 +11427,7 @@
 </p:sld>
 </file>
 
-<file path=ppt/slides/slide13.xml><?xml version="1.0" encoding="utf-8"?>
+<file path=ppt/slides/slide18.xml><?xml version="1.0" encoding="utf-8"?>
 <p:sld xmlns:a="http://schemas.openxmlformats.org/drawingml/2006/main" xmlns:r="http://schemas.openxmlformats.org/officeDocument/2006/relationships" xmlns:p="http://schemas.openxmlformats.org/presentationml/2006/main">
   <p:cSld>
     <p:spTree>
@@ -8283,7 +12070,7 @@
               <a:pPr>
                 <a:defRPr/>
               </a:pPr>
-              <a:t>13</a:t>
+              <a:t>18</a:t>
             </a:fld>
             <a:endParaRPr lang="en-US" altLang="en-US" sz="1200">
               <a:solidFill>
@@ -8336,7 +12123,7 @@
 </p:sld>
 </file>
 
-<file path=ppt/slides/slide14.xml><?xml version="1.0" encoding="utf-8"?>
+<file path=ppt/slides/slide19.xml><?xml version="1.0" encoding="utf-8"?>
 <p:sld xmlns:a="http://schemas.openxmlformats.org/drawingml/2006/main" xmlns:r="http://schemas.openxmlformats.org/officeDocument/2006/relationships" xmlns:p="http://schemas.openxmlformats.org/presentationml/2006/main">
   <p:cSld>
     <p:spTree>
@@ -8979,7 +12766,7 @@
               <a:pPr>
                 <a:defRPr/>
               </a:pPr>
-              <a:t>14</a:t>
+              <a:t>19</a:t>
             </a:fld>
             <a:endParaRPr lang="en-US" altLang="en-US" sz="1200">
               <a:solidFill>
@@ -9032,7 +12819,380 @@
 </p:sld>
 </file>
 
-<file path=ppt/slides/slide15.xml><?xml version="1.0" encoding="utf-8"?>
+<file path=ppt/slides/slide2.xml><?xml version="1.0" encoding="utf-8"?>
+<p:sld xmlns:a="http://schemas.openxmlformats.org/drawingml/2006/main" xmlns:r="http://schemas.openxmlformats.org/officeDocument/2006/relationships" xmlns:p="http://schemas.openxmlformats.org/presentationml/2006/main">
+  <p:cSld>
+    <p:spTree>
+      <p:nvGrpSpPr>
+        <p:cNvPr id="1" name=""/>
+        <p:cNvGrpSpPr/>
+        <p:nvPr/>
+      </p:nvGrpSpPr>
+      <p:grpSpPr>
+        <a:xfrm>
+          <a:off x="0" y="0"/>
+          <a:ext cx="0" cy="0"/>
+          <a:chOff x="0" y="0"/>
+          <a:chExt cx="0" cy="0"/>
+        </a:xfrm>
+      </p:grpSpPr>
+      <p:sp>
+        <p:nvSpPr>
+          <p:cNvPr id="5123" name="Google Shape;107;p15">
+            <a:extLst>
+              <a:ext uri="{FF2B5EF4-FFF2-40B4-BE49-F238E27FC236}">
+                <a16:creationId xmlns:a16="http://schemas.microsoft.com/office/drawing/2014/main" id="{5A2AB89B-34DD-4AA3-AFAD-4A056A061CD5}"/>
+              </a:ext>
+            </a:extLst>
+          </p:cNvPr>
+          <p:cNvSpPr txBox="1">
+            <a:spLocks noGrp="1" noChangeArrowheads="1"/>
+          </p:cNvSpPr>
+          <p:nvPr>
+            <p:ph type="ctrTitle"/>
+          </p:nvPr>
+        </p:nvSpPr>
+        <p:spPr>
+          <a:xfrm>
+            <a:off x="2784475" y="2944813"/>
+            <a:ext cx="6858000" cy="815975"/>
+          </a:xfrm>
+        </p:spPr>
+        <p:txBody>
+          <a:bodyPr anchor="t"/>
+          <a:lstStyle/>
+          <a:p>
+            <a:pPr eaLnBrk="1" hangingPunct="1">
+              <a:spcBef>
+                <a:spcPct val="0"/>
+              </a:spcBef>
+              <a:spcAft>
+                <a:spcPct val="0"/>
+              </a:spcAft>
+              <a:buClr>
+                <a:srgbClr val="000000"/>
+              </a:buClr>
+              <a:buSzPts val="3600"/>
+              <a:buFont typeface="Arial" panose="020B0604020202020204" pitchFamily="34" charset="0"/>
+              <a:buNone/>
+            </a:pPr>
+            <a:r>
+              <a:rPr lang="en-US" altLang="en-US" sz="3600" dirty="0">
+                <a:latin typeface="Arial" panose="020B0604020202020204" pitchFamily="34" charset="0"/>
+                <a:cs typeface="Arial" panose="020B0604020202020204" pitchFamily="34" charset="0"/>
+              </a:rPr>
+              <a:t>Analytics / Algorithms</a:t>
+            </a:r>
+          </a:p>
+        </p:txBody>
+      </p:sp>
+      <p:sp>
+        <p:nvSpPr>
+          <p:cNvPr id="5124" name="Google Shape;108;p15">
+            <a:extLst>
+              <a:ext uri="{FF2B5EF4-FFF2-40B4-BE49-F238E27FC236}">
+                <a16:creationId xmlns:a16="http://schemas.microsoft.com/office/drawing/2014/main" id="{A77A25F5-E93D-427A-94F7-C92D1BECD02A}"/>
+              </a:ext>
+            </a:extLst>
+          </p:cNvPr>
+          <p:cNvSpPr txBox="1">
+            <a:spLocks noGrp="1" noChangeArrowheads="1"/>
+          </p:cNvSpPr>
+          <p:nvPr>
+            <p:ph type="subTitle" idx="1"/>
+          </p:nvPr>
+        </p:nvSpPr>
+        <p:spPr/>
+        <p:txBody>
+          <a:bodyPr anchor="ctr"/>
+          <a:lstStyle/>
+          <a:p>
+            <a:pPr eaLnBrk="1" hangingPunct="1">
+              <a:spcBef>
+                <a:spcPct val="0"/>
+              </a:spcBef>
+              <a:spcAft>
+                <a:spcPct val="0"/>
+              </a:spcAft>
+              <a:buClr>
+                <a:srgbClr val="000000"/>
+              </a:buClr>
+            </a:pPr>
+            <a:r>
+              <a:rPr lang="en-US" altLang="en-US" dirty="0">
+                <a:latin typeface="Arial" panose="020B0604020202020204" pitchFamily="34" charset="0"/>
+                <a:cs typeface="Arial" panose="020B0604020202020204" pitchFamily="34" charset="0"/>
+              </a:rPr>
+              <a:t>Sprint 3 – Week 1 Presentation</a:t>
+            </a:r>
+          </a:p>
+          <a:p>
+            <a:pPr eaLnBrk="1" hangingPunct="1">
+              <a:spcAft>
+                <a:spcPct val="0"/>
+              </a:spcAft>
+              <a:buClr>
+                <a:srgbClr val="000000"/>
+              </a:buClr>
+            </a:pPr>
+            <a:r>
+              <a:rPr lang="en-US" altLang="en-US" dirty="0">
+                <a:latin typeface="Arial" panose="020B0604020202020204" pitchFamily="34" charset="0"/>
+                <a:cs typeface="Arial" panose="020B0604020202020204" pitchFamily="34" charset="0"/>
+              </a:rPr>
+              <a:t>25 June 2019</a:t>
+            </a:r>
+          </a:p>
+        </p:txBody>
+      </p:sp>
+      <p:sp>
+        <p:nvSpPr>
+          <p:cNvPr id="5125" name="Google Shape;109;p15">
+            <a:extLst>
+              <a:ext uri="{FF2B5EF4-FFF2-40B4-BE49-F238E27FC236}">
+                <a16:creationId xmlns:a16="http://schemas.microsoft.com/office/drawing/2014/main" id="{D20BD99F-B1A6-4773-A745-857E422DEDBD}"/>
+              </a:ext>
+            </a:extLst>
+          </p:cNvPr>
+          <p:cNvSpPr>
+            <a:spLocks noGrp="1" noChangeArrowheads="1"/>
+          </p:cNvSpPr>
+          <p:nvPr>
+            <p:ph type="sldNum" sz="quarter" idx="13"/>
+          </p:nvPr>
+        </p:nvSpPr>
+        <p:spPr bwMode="auto">
+          <a:xfrm>
+            <a:off x="8610600" y="6356350"/>
+            <a:ext cx="2743200" cy="365125"/>
+          </a:xfrm>
+          <a:prstGeom prst="rect">
+            <a:avLst/>
+          </a:prstGeom>
+          <a:noFill/>
+          <a:ln>
+            <a:noFill/>
+          </a:ln>
+          <a:extLst>
+            <a:ext uri="{909E8E84-426E-40DD-AFC4-6F175D3DCCD1}">
+              <a14:hiddenFill xmlns:a14="http://schemas.microsoft.com/office/drawing/2010/main">
+                <a:solidFill>
+                  <a:srgbClr val="FFFFFF"/>
+                </a:solidFill>
+              </a14:hiddenFill>
+            </a:ext>
+            <a:ext uri="{91240B29-F687-4F45-9708-019B960494DF}">
+              <a14:hiddenLine xmlns:a14="http://schemas.microsoft.com/office/drawing/2010/main" w="9525">
+                <a:solidFill>
+                  <a:srgbClr val="000000"/>
+                </a:solidFill>
+                <a:miter lim="800000"/>
+                <a:headEnd/>
+                <a:tailEnd/>
+              </a14:hiddenLine>
+            </a:ext>
+          </a:extLst>
+        </p:spPr>
+        <p:txBody>
+          <a:bodyPr vert="horz" wrap="square" lIns="91425" tIns="45700" rIns="91425" bIns="45700" numCol="1" anchor="ctr" anchorCtr="0" compatLnSpc="1">
+            <a:prstTxWarp prst="textNoShape">
+              <a:avLst/>
+            </a:prstTxWarp>
+          </a:bodyPr>
+          <a:lstStyle>
+            <a:defPPr>
+              <a:defRPr lang="en-US"/>
+            </a:defPPr>
+            <a:lvl1pPr algn="r" rtl="0" eaLnBrk="1" fontAlgn="base" hangingPunct="1">
+              <a:spcBef>
+                <a:spcPct val="0"/>
+              </a:spcBef>
+              <a:spcAft>
+                <a:spcPct val="0"/>
+              </a:spcAft>
+              <a:buClr>
+                <a:srgbClr val="000000"/>
+              </a:buClr>
+              <a:buFont typeface="Arial" panose="020B0604020202020204" pitchFamily="34" charset="0"/>
+              <a:buNone/>
+              <a:defRPr sz="1200" kern="1200" smtClean="0">
+                <a:solidFill>
+                  <a:srgbClr val="888888"/>
+                </a:solidFill>
+                <a:latin typeface="Arial" panose="020B0604020202020204" pitchFamily="34" charset="0"/>
+                <a:ea typeface="+mn-ea"/>
+                <a:cs typeface="Arial" panose="020B0604020202020204" pitchFamily="34" charset="0"/>
+                <a:sym typeface="Arial" panose="020B0604020202020204" pitchFamily="34" charset="0"/>
+              </a:defRPr>
+            </a:lvl1pPr>
+            <a:lvl2pPr marL="457200" algn="l" rtl="0" eaLnBrk="0" fontAlgn="base" hangingPunct="0">
+              <a:spcBef>
+                <a:spcPct val="0"/>
+              </a:spcBef>
+              <a:spcAft>
+                <a:spcPct val="0"/>
+              </a:spcAft>
+              <a:defRPr sz="1400" kern="1200">
+                <a:solidFill>
+                  <a:srgbClr val="000000"/>
+                </a:solidFill>
+                <a:latin typeface="Arial" panose="020B0604020202020204" pitchFamily="34" charset="0"/>
+                <a:ea typeface="+mn-ea"/>
+                <a:cs typeface="Arial" panose="020B0604020202020204" pitchFamily="34" charset="0"/>
+                <a:sym typeface="Arial" panose="020B0604020202020204" pitchFamily="34" charset="0"/>
+              </a:defRPr>
+            </a:lvl2pPr>
+            <a:lvl3pPr marL="914400" algn="l" rtl="0" eaLnBrk="0" fontAlgn="base" hangingPunct="0">
+              <a:spcBef>
+                <a:spcPct val="0"/>
+              </a:spcBef>
+              <a:spcAft>
+                <a:spcPct val="0"/>
+              </a:spcAft>
+              <a:defRPr sz="1400" kern="1200">
+                <a:solidFill>
+                  <a:srgbClr val="000000"/>
+                </a:solidFill>
+                <a:latin typeface="Arial" panose="020B0604020202020204" pitchFamily="34" charset="0"/>
+                <a:ea typeface="+mn-ea"/>
+                <a:cs typeface="Arial" panose="020B0604020202020204" pitchFamily="34" charset="0"/>
+                <a:sym typeface="Arial" panose="020B0604020202020204" pitchFamily="34" charset="0"/>
+              </a:defRPr>
+            </a:lvl3pPr>
+            <a:lvl4pPr marL="1371600" algn="l" rtl="0" eaLnBrk="0" fontAlgn="base" hangingPunct="0">
+              <a:spcBef>
+                <a:spcPct val="0"/>
+              </a:spcBef>
+              <a:spcAft>
+                <a:spcPct val="0"/>
+              </a:spcAft>
+              <a:defRPr sz="1400" kern="1200">
+                <a:solidFill>
+                  <a:srgbClr val="000000"/>
+                </a:solidFill>
+                <a:latin typeface="Arial" panose="020B0604020202020204" pitchFamily="34" charset="0"/>
+                <a:ea typeface="+mn-ea"/>
+                <a:cs typeface="Arial" panose="020B0604020202020204" pitchFamily="34" charset="0"/>
+                <a:sym typeface="Arial" panose="020B0604020202020204" pitchFamily="34" charset="0"/>
+              </a:defRPr>
+            </a:lvl4pPr>
+            <a:lvl5pPr marL="1828800" algn="l" rtl="0" eaLnBrk="0" fontAlgn="base" hangingPunct="0">
+              <a:spcBef>
+                <a:spcPct val="0"/>
+              </a:spcBef>
+              <a:spcAft>
+                <a:spcPct val="0"/>
+              </a:spcAft>
+              <a:defRPr sz="1400" kern="1200">
+                <a:solidFill>
+                  <a:srgbClr val="000000"/>
+                </a:solidFill>
+                <a:latin typeface="Arial" panose="020B0604020202020204" pitchFamily="34" charset="0"/>
+                <a:ea typeface="+mn-ea"/>
+                <a:cs typeface="Arial" panose="020B0604020202020204" pitchFamily="34" charset="0"/>
+                <a:sym typeface="Arial" panose="020B0604020202020204" pitchFamily="34" charset="0"/>
+              </a:defRPr>
+            </a:lvl5pPr>
+            <a:lvl6pPr marL="2286000" algn="l" defTabSz="914400" rtl="0" eaLnBrk="1" latinLnBrk="0" hangingPunct="1">
+              <a:defRPr sz="1400" kern="1200">
+                <a:solidFill>
+                  <a:srgbClr val="000000"/>
+                </a:solidFill>
+                <a:latin typeface="Arial" panose="020B0604020202020204" pitchFamily="34" charset="0"/>
+                <a:ea typeface="+mn-ea"/>
+                <a:cs typeface="Arial" panose="020B0604020202020204" pitchFamily="34" charset="0"/>
+                <a:sym typeface="Arial" panose="020B0604020202020204" pitchFamily="34" charset="0"/>
+              </a:defRPr>
+            </a:lvl6pPr>
+            <a:lvl7pPr marL="2743200" algn="l" defTabSz="914400" rtl="0" eaLnBrk="1" latinLnBrk="0" hangingPunct="1">
+              <a:defRPr sz="1400" kern="1200">
+                <a:solidFill>
+                  <a:srgbClr val="000000"/>
+                </a:solidFill>
+                <a:latin typeface="Arial" panose="020B0604020202020204" pitchFamily="34" charset="0"/>
+                <a:ea typeface="+mn-ea"/>
+                <a:cs typeface="Arial" panose="020B0604020202020204" pitchFamily="34" charset="0"/>
+                <a:sym typeface="Arial" panose="020B0604020202020204" pitchFamily="34" charset="0"/>
+              </a:defRPr>
+            </a:lvl7pPr>
+            <a:lvl8pPr marL="3200400" algn="l" defTabSz="914400" rtl="0" eaLnBrk="1" latinLnBrk="0" hangingPunct="1">
+              <a:defRPr sz="1400" kern="1200">
+                <a:solidFill>
+                  <a:srgbClr val="000000"/>
+                </a:solidFill>
+                <a:latin typeface="Arial" panose="020B0604020202020204" pitchFamily="34" charset="0"/>
+                <a:ea typeface="+mn-ea"/>
+                <a:cs typeface="Arial" panose="020B0604020202020204" pitchFamily="34" charset="0"/>
+                <a:sym typeface="Arial" panose="020B0604020202020204" pitchFamily="34" charset="0"/>
+              </a:defRPr>
+            </a:lvl8pPr>
+            <a:lvl9pPr marL="3657600" algn="l" defTabSz="914400" rtl="0" eaLnBrk="1" latinLnBrk="0" hangingPunct="1">
+              <a:defRPr sz="1400" kern="1200">
+                <a:solidFill>
+                  <a:srgbClr val="000000"/>
+                </a:solidFill>
+                <a:latin typeface="Arial" panose="020B0604020202020204" pitchFamily="34" charset="0"/>
+                <a:ea typeface="+mn-ea"/>
+                <a:cs typeface="Arial" panose="020B0604020202020204" pitchFamily="34" charset="0"/>
+                <a:sym typeface="Arial" panose="020B0604020202020204" pitchFamily="34" charset="0"/>
+              </a:defRPr>
+            </a:lvl9pPr>
+          </a:lstStyle>
+          <a:p>
+            <a:fld id="{26EA31BA-289D-4F4D-A62F-93702F571BE5}" type="slidenum">
+              <a:rPr lang="en-US" altLang="en-US" smtClean="0"/>
+              <a:pPr>
+                <a:defRPr/>
+              </a:pPr>
+              <a:t>2</a:t>
+            </a:fld>
+            <a:endParaRPr lang="en-US" altLang="en-US" sz="1200">
+              <a:solidFill>
+                <a:srgbClr val="888888"/>
+              </a:solidFill>
+            </a:endParaRPr>
+          </a:p>
+        </p:txBody>
+      </p:sp>
+      <p:pic>
+        <p:nvPicPr>
+          <p:cNvPr id="3" name="Picture 2">
+            <a:extLst>
+              <a:ext uri="{FF2B5EF4-FFF2-40B4-BE49-F238E27FC236}">
+                <a16:creationId xmlns:a16="http://schemas.microsoft.com/office/drawing/2014/main" id="{438B7994-83D4-4232-8FE3-921B8E535FA6}"/>
+              </a:ext>
+            </a:extLst>
+          </p:cNvPr>
+          <p:cNvPicPr>
+            <a:picLocks noChangeAspect="1"/>
+          </p:cNvPicPr>
+          <p:nvPr/>
+        </p:nvPicPr>
+        <p:blipFill>
+          <a:blip r:embed="rId3"/>
+          <a:stretch>
+            <a:fillRect/>
+          </a:stretch>
+        </p:blipFill>
+        <p:spPr>
+          <a:xfrm>
+            <a:off x="10959428" y="136525"/>
+            <a:ext cx="1032088" cy="1226186"/>
+          </a:xfrm>
+          <a:prstGeom prst="rect">
+            <a:avLst/>
+          </a:prstGeom>
+        </p:spPr>
+      </p:pic>
+    </p:spTree>
+  </p:cSld>
+  <p:clrMapOvr>
+    <a:masterClrMapping/>
+  </p:clrMapOvr>
+</p:sld>
+</file>
+
+<file path=ppt/slides/slide20.xml><?xml version="1.0" encoding="utf-8"?>
 <p:sld xmlns:a="http://schemas.openxmlformats.org/drawingml/2006/main" xmlns:r="http://schemas.openxmlformats.org/officeDocument/2006/relationships" xmlns:p="http://schemas.openxmlformats.org/presentationml/2006/main">
   <p:cSld>
     <p:spTree>
@@ -9675,7 +13835,7 @@
               <a:pPr>
                 <a:defRPr/>
               </a:pPr>
-              <a:t>15</a:t>
+              <a:t>20</a:t>
             </a:fld>
             <a:endParaRPr lang="en-US" altLang="en-US" sz="1200">
               <a:solidFill>
@@ -9728,7 +13888,7 @@
 </p:sld>
 </file>
 
-<file path=ppt/slides/slide16.xml><?xml version="1.0" encoding="utf-8"?>
+<file path=ppt/slides/slide21.xml><?xml version="1.0" encoding="utf-8"?>
 <p:sld xmlns:a="http://schemas.openxmlformats.org/drawingml/2006/main" xmlns:r="http://schemas.openxmlformats.org/officeDocument/2006/relationships" xmlns:p="http://schemas.openxmlformats.org/presentationml/2006/main">
   <p:cSld>
     <p:spTree>
@@ -9947,7 +14107,7 @@
               <a:pPr>
                 <a:defRPr/>
               </a:pPr>
-              <a:t>16</a:t>
+              <a:t>21</a:t>
             </a:fld>
             <a:endParaRPr lang="en-US" altLang="en-US" sz="1200">
               <a:solidFill>
@@ -10523,379 +14683,6 @@
         </p:nvPicPr>
         <p:blipFill>
           <a:blip r:embed="rId8"/>
-          <a:stretch>
-            <a:fillRect/>
-          </a:stretch>
-        </p:blipFill>
-        <p:spPr>
-          <a:xfrm>
-            <a:off x="10959428" y="136525"/>
-            <a:ext cx="1032088" cy="1226186"/>
-          </a:xfrm>
-          <a:prstGeom prst="rect">
-            <a:avLst/>
-          </a:prstGeom>
-        </p:spPr>
-      </p:pic>
-    </p:spTree>
-  </p:cSld>
-  <p:clrMapOvr>
-    <a:masterClrMapping/>
-  </p:clrMapOvr>
-</p:sld>
-</file>
-
-<file path=ppt/slides/slide2.xml><?xml version="1.0" encoding="utf-8"?>
-<p:sld xmlns:a="http://schemas.openxmlformats.org/drawingml/2006/main" xmlns:r="http://schemas.openxmlformats.org/officeDocument/2006/relationships" xmlns:p="http://schemas.openxmlformats.org/presentationml/2006/main">
-  <p:cSld>
-    <p:spTree>
-      <p:nvGrpSpPr>
-        <p:cNvPr id="1" name=""/>
-        <p:cNvGrpSpPr/>
-        <p:nvPr/>
-      </p:nvGrpSpPr>
-      <p:grpSpPr>
-        <a:xfrm>
-          <a:off x="0" y="0"/>
-          <a:ext cx="0" cy="0"/>
-          <a:chOff x="0" y="0"/>
-          <a:chExt cx="0" cy="0"/>
-        </a:xfrm>
-      </p:grpSpPr>
-      <p:sp>
-        <p:nvSpPr>
-          <p:cNvPr id="5123" name="Google Shape;107;p15">
-            <a:extLst>
-              <a:ext uri="{FF2B5EF4-FFF2-40B4-BE49-F238E27FC236}">
-                <a16:creationId xmlns:a16="http://schemas.microsoft.com/office/drawing/2014/main" id="{5A2AB89B-34DD-4AA3-AFAD-4A056A061CD5}"/>
-              </a:ext>
-            </a:extLst>
-          </p:cNvPr>
-          <p:cNvSpPr txBox="1">
-            <a:spLocks noGrp="1" noChangeArrowheads="1"/>
-          </p:cNvSpPr>
-          <p:nvPr>
-            <p:ph type="ctrTitle"/>
-          </p:nvPr>
-        </p:nvSpPr>
-        <p:spPr>
-          <a:xfrm>
-            <a:off x="2784475" y="2944813"/>
-            <a:ext cx="6858000" cy="815975"/>
-          </a:xfrm>
-        </p:spPr>
-        <p:txBody>
-          <a:bodyPr anchor="t"/>
-          <a:lstStyle/>
-          <a:p>
-            <a:pPr eaLnBrk="1" hangingPunct="1">
-              <a:spcBef>
-                <a:spcPct val="0"/>
-              </a:spcBef>
-              <a:spcAft>
-                <a:spcPct val="0"/>
-              </a:spcAft>
-              <a:buClr>
-                <a:srgbClr val="000000"/>
-              </a:buClr>
-              <a:buSzPts val="3600"/>
-              <a:buFont typeface="Arial" panose="020B0604020202020204" pitchFamily="34" charset="0"/>
-              <a:buNone/>
-            </a:pPr>
-            <a:r>
-              <a:rPr lang="en-US" altLang="en-US" sz="3600" dirty="0">
-                <a:latin typeface="Arial" panose="020B0604020202020204" pitchFamily="34" charset="0"/>
-                <a:cs typeface="Arial" panose="020B0604020202020204" pitchFamily="34" charset="0"/>
-              </a:rPr>
-              <a:t>Analytics / Algorithms</a:t>
-            </a:r>
-          </a:p>
-        </p:txBody>
-      </p:sp>
-      <p:sp>
-        <p:nvSpPr>
-          <p:cNvPr id="5124" name="Google Shape;108;p15">
-            <a:extLst>
-              <a:ext uri="{FF2B5EF4-FFF2-40B4-BE49-F238E27FC236}">
-                <a16:creationId xmlns:a16="http://schemas.microsoft.com/office/drawing/2014/main" id="{A77A25F5-E93D-427A-94F7-C92D1BECD02A}"/>
-              </a:ext>
-            </a:extLst>
-          </p:cNvPr>
-          <p:cNvSpPr txBox="1">
-            <a:spLocks noGrp="1" noChangeArrowheads="1"/>
-          </p:cNvSpPr>
-          <p:nvPr>
-            <p:ph type="subTitle" idx="1"/>
-          </p:nvPr>
-        </p:nvSpPr>
-        <p:spPr/>
-        <p:txBody>
-          <a:bodyPr anchor="ctr"/>
-          <a:lstStyle/>
-          <a:p>
-            <a:pPr eaLnBrk="1" hangingPunct="1">
-              <a:spcBef>
-                <a:spcPct val="0"/>
-              </a:spcBef>
-              <a:spcAft>
-                <a:spcPct val="0"/>
-              </a:spcAft>
-              <a:buClr>
-                <a:srgbClr val="000000"/>
-              </a:buClr>
-            </a:pPr>
-            <a:r>
-              <a:rPr lang="en-US" altLang="en-US" dirty="0">
-                <a:latin typeface="Arial" panose="020B0604020202020204" pitchFamily="34" charset="0"/>
-                <a:cs typeface="Arial" panose="020B0604020202020204" pitchFamily="34" charset="0"/>
-              </a:rPr>
-              <a:t>Sprint 3 – Week 1 Presentation</a:t>
-            </a:r>
-          </a:p>
-          <a:p>
-            <a:pPr eaLnBrk="1" hangingPunct="1">
-              <a:spcAft>
-                <a:spcPct val="0"/>
-              </a:spcAft>
-              <a:buClr>
-                <a:srgbClr val="000000"/>
-              </a:buClr>
-            </a:pPr>
-            <a:r>
-              <a:rPr lang="en-US" altLang="en-US" dirty="0">
-                <a:latin typeface="Arial" panose="020B0604020202020204" pitchFamily="34" charset="0"/>
-                <a:cs typeface="Arial" panose="020B0604020202020204" pitchFamily="34" charset="0"/>
-              </a:rPr>
-              <a:t>25 June 2019</a:t>
-            </a:r>
-          </a:p>
-        </p:txBody>
-      </p:sp>
-      <p:sp>
-        <p:nvSpPr>
-          <p:cNvPr id="5125" name="Google Shape;109;p15">
-            <a:extLst>
-              <a:ext uri="{FF2B5EF4-FFF2-40B4-BE49-F238E27FC236}">
-                <a16:creationId xmlns:a16="http://schemas.microsoft.com/office/drawing/2014/main" id="{D20BD99F-B1A6-4773-A745-857E422DEDBD}"/>
-              </a:ext>
-            </a:extLst>
-          </p:cNvPr>
-          <p:cNvSpPr>
-            <a:spLocks noGrp="1" noChangeArrowheads="1"/>
-          </p:cNvSpPr>
-          <p:nvPr>
-            <p:ph type="sldNum" sz="quarter" idx="13"/>
-          </p:nvPr>
-        </p:nvSpPr>
-        <p:spPr bwMode="auto">
-          <a:xfrm>
-            <a:off x="8610600" y="6356350"/>
-            <a:ext cx="2743200" cy="365125"/>
-          </a:xfrm>
-          <a:prstGeom prst="rect">
-            <a:avLst/>
-          </a:prstGeom>
-          <a:noFill/>
-          <a:ln>
-            <a:noFill/>
-          </a:ln>
-          <a:extLst>
-            <a:ext uri="{909E8E84-426E-40DD-AFC4-6F175D3DCCD1}">
-              <a14:hiddenFill xmlns:a14="http://schemas.microsoft.com/office/drawing/2010/main">
-                <a:solidFill>
-                  <a:srgbClr val="FFFFFF"/>
-                </a:solidFill>
-              </a14:hiddenFill>
-            </a:ext>
-            <a:ext uri="{91240B29-F687-4F45-9708-019B960494DF}">
-              <a14:hiddenLine xmlns:a14="http://schemas.microsoft.com/office/drawing/2010/main" w="9525">
-                <a:solidFill>
-                  <a:srgbClr val="000000"/>
-                </a:solidFill>
-                <a:miter lim="800000"/>
-                <a:headEnd/>
-                <a:tailEnd/>
-              </a14:hiddenLine>
-            </a:ext>
-          </a:extLst>
-        </p:spPr>
-        <p:txBody>
-          <a:bodyPr vert="horz" wrap="square" lIns="91425" tIns="45700" rIns="91425" bIns="45700" numCol="1" anchor="ctr" anchorCtr="0" compatLnSpc="1">
-            <a:prstTxWarp prst="textNoShape">
-              <a:avLst/>
-            </a:prstTxWarp>
-          </a:bodyPr>
-          <a:lstStyle>
-            <a:defPPr>
-              <a:defRPr lang="en-US"/>
-            </a:defPPr>
-            <a:lvl1pPr algn="r" rtl="0" eaLnBrk="1" fontAlgn="base" hangingPunct="1">
-              <a:spcBef>
-                <a:spcPct val="0"/>
-              </a:spcBef>
-              <a:spcAft>
-                <a:spcPct val="0"/>
-              </a:spcAft>
-              <a:buClr>
-                <a:srgbClr val="000000"/>
-              </a:buClr>
-              <a:buFont typeface="Arial" panose="020B0604020202020204" pitchFamily="34" charset="0"/>
-              <a:buNone/>
-              <a:defRPr sz="1200" kern="1200" smtClean="0">
-                <a:solidFill>
-                  <a:srgbClr val="888888"/>
-                </a:solidFill>
-                <a:latin typeface="Arial" panose="020B0604020202020204" pitchFamily="34" charset="0"/>
-                <a:ea typeface="+mn-ea"/>
-                <a:cs typeface="Arial" panose="020B0604020202020204" pitchFamily="34" charset="0"/>
-                <a:sym typeface="Arial" panose="020B0604020202020204" pitchFamily="34" charset="0"/>
-              </a:defRPr>
-            </a:lvl1pPr>
-            <a:lvl2pPr marL="457200" algn="l" rtl="0" eaLnBrk="0" fontAlgn="base" hangingPunct="0">
-              <a:spcBef>
-                <a:spcPct val="0"/>
-              </a:spcBef>
-              <a:spcAft>
-                <a:spcPct val="0"/>
-              </a:spcAft>
-              <a:defRPr sz="1400" kern="1200">
-                <a:solidFill>
-                  <a:srgbClr val="000000"/>
-                </a:solidFill>
-                <a:latin typeface="Arial" panose="020B0604020202020204" pitchFamily="34" charset="0"/>
-                <a:ea typeface="+mn-ea"/>
-                <a:cs typeface="Arial" panose="020B0604020202020204" pitchFamily="34" charset="0"/>
-                <a:sym typeface="Arial" panose="020B0604020202020204" pitchFamily="34" charset="0"/>
-              </a:defRPr>
-            </a:lvl2pPr>
-            <a:lvl3pPr marL="914400" algn="l" rtl="0" eaLnBrk="0" fontAlgn="base" hangingPunct="0">
-              <a:spcBef>
-                <a:spcPct val="0"/>
-              </a:spcBef>
-              <a:spcAft>
-                <a:spcPct val="0"/>
-              </a:spcAft>
-              <a:defRPr sz="1400" kern="1200">
-                <a:solidFill>
-                  <a:srgbClr val="000000"/>
-                </a:solidFill>
-                <a:latin typeface="Arial" panose="020B0604020202020204" pitchFamily="34" charset="0"/>
-                <a:ea typeface="+mn-ea"/>
-                <a:cs typeface="Arial" panose="020B0604020202020204" pitchFamily="34" charset="0"/>
-                <a:sym typeface="Arial" panose="020B0604020202020204" pitchFamily="34" charset="0"/>
-              </a:defRPr>
-            </a:lvl3pPr>
-            <a:lvl4pPr marL="1371600" algn="l" rtl="0" eaLnBrk="0" fontAlgn="base" hangingPunct="0">
-              <a:spcBef>
-                <a:spcPct val="0"/>
-              </a:spcBef>
-              <a:spcAft>
-                <a:spcPct val="0"/>
-              </a:spcAft>
-              <a:defRPr sz="1400" kern="1200">
-                <a:solidFill>
-                  <a:srgbClr val="000000"/>
-                </a:solidFill>
-                <a:latin typeface="Arial" panose="020B0604020202020204" pitchFamily="34" charset="0"/>
-                <a:ea typeface="+mn-ea"/>
-                <a:cs typeface="Arial" panose="020B0604020202020204" pitchFamily="34" charset="0"/>
-                <a:sym typeface="Arial" panose="020B0604020202020204" pitchFamily="34" charset="0"/>
-              </a:defRPr>
-            </a:lvl4pPr>
-            <a:lvl5pPr marL="1828800" algn="l" rtl="0" eaLnBrk="0" fontAlgn="base" hangingPunct="0">
-              <a:spcBef>
-                <a:spcPct val="0"/>
-              </a:spcBef>
-              <a:spcAft>
-                <a:spcPct val="0"/>
-              </a:spcAft>
-              <a:defRPr sz="1400" kern="1200">
-                <a:solidFill>
-                  <a:srgbClr val="000000"/>
-                </a:solidFill>
-                <a:latin typeface="Arial" panose="020B0604020202020204" pitchFamily="34" charset="0"/>
-                <a:ea typeface="+mn-ea"/>
-                <a:cs typeface="Arial" panose="020B0604020202020204" pitchFamily="34" charset="0"/>
-                <a:sym typeface="Arial" panose="020B0604020202020204" pitchFamily="34" charset="0"/>
-              </a:defRPr>
-            </a:lvl5pPr>
-            <a:lvl6pPr marL="2286000" algn="l" defTabSz="914400" rtl="0" eaLnBrk="1" latinLnBrk="0" hangingPunct="1">
-              <a:defRPr sz="1400" kern="1200">
-                <a:solidFill>
-                  <a:srgbClr val="000000"/>
-                </a:solidFill>
-                <a:latin typeface="Arial" panose="020B0604020202020204" pitchFamily="34" charset="0"/>
-                <a:ea typeface="+mn-ea"/>
-                <a:cs typeface="Arial" panose="020B0604020202020204" pitchFamily="34" charset="0"/>
-                <a:sym typeface="Arial" panose="020B0604020202020204" pitchFamily="34" charset="0"/>
-              </a:defRPr>
-            </a:lvl6pPr>
-            <a:lvl7pPr marL="2743200" algn="l" defTabSz="914400" rtl="0" eaLnBrk="1" latinLnBrk="0" hangingPunct="1">
-              <a:defRPr sz="1400" kern="1200">
-                <a:solidFill>
-                  <a:srgbClr val="000000"/>
-                </a:solidFill>
-                <a:latin typeface="Arial" panose="020B0604020202020204" pitchFamily="34" charset="0"/>
-                <a:ea typeface="+mn-ea"/>
-                <a:cs typeface="Arial" panose="020B0604020202020204" pitchFamily="34" charset="0"/>
-                <a:sym typeface="Arial" panose="020B0604020202020204" pitchFamily="34" charset="0"/>
-              </a:defRPr>
-            </a:lvl7pPr>
-            <a:lvl8pPr marL="3200400" algn="l" defTabSz="914400" rtl="0" eaLnBrk="1" latinLnBrk="0" hangingPunct="1">
-              <a:defRPr sz="1400" kern="1200">
-                <a:solidFill>
-                  <a:srgbClr val="000000"/>
-                </a:solidFill>
-                <a:latin typeface="Arial" panose="020B0604020202020204" pitchFamily="34" charset="0"/>
-                <a:ea typeface="+mn-ea"/>
-                <a:cs typeface="Arial" panose="020B0604020202020204" pitchFamily="34" charset="0"/>
-                <a:sym typeface="Arial" panose="020B0604020202020204" pitchFamily="34" charset="0"/>
-              </a:defRPr>
-            </a:lvl8pPr>
-            <a:lvl9pPr marL="3657600" algn="l" defTabSz="914400" rtl="0" eaLnBrk="1" latinLnBrk="0" hangingPunct="1">
-              <a:defRPr sz="1400" kern="1200">
-                <a:solidFill>
-                  <a:srgbClr val="000000"/>
-                </a:solidFill>
-                <a:latin typeface="Arial" panose="020B0604020202020204" pitchFamily="34" charset="0"/>
-                <a:ea typeface="+mn-ea"/>
-                <a:cs typeface="Arial" panose="020B0604020202020204" pitchFamily="34" charset="0"/>
-                <a:sym typeface="Arial" panose="020B0604020202020204" pitchFamily="34" charset="0"/>
-              </a:defRPr>
-            </a:lvl9pPr>
-          </a:lstStyle>
-          <a:p>
-            <a:fld id="{26EA31BA-289D-4F4D-A62F-93702F571BE5}" type="slidenum">
-              <a:rPr lang="en-US" altLang="en-US" smtClean="0"/>
-              <a:pPr>
-                <a:defRPr/>
-              </a:pPr>
-              <a:t>2</a:t>
-            </a:fld>
-            <a:endParaRPr lang="en-US" altLang="en-US" sz="1200">
-              <a:solidFill>
-                <a:srgbClr val="888888"/>
-              </a:solidFill>
-            </a:endParaRPr>
-          </a:p>
-        </p:txBody>
-      </p:sp>
-      <p:pic>
-        <p:nvPicPr>
-          <p:cNvPr id="3" name="Picture 2">
-            <a:extLst>
-              <a:ext uri="{FF2B5EF4-FFF2-40B4-BE49-F238E27FC236}">
-                <a16:creationId xmlns:a16="http://schemas.microsoft.com/office/drawing/2014/main" id="{438B7994-83D4-4232-8FE3-921B8E535FA6}"/>
-              </a:ext>
-            </a:extLst>
-          </p:cNvPr>
-          <p:cNvPicPr>
-            <a:picLocks noChangeAspect="1"/>
-          </p:cNvPicPr>
-          <p:nvPr/>
-        </p:nvPicPr>
-        <p:blipFill>
-          <a:blip r:embed="rId3"/>
           <a:stretch>
             <a:fillRect/>
           </a:stretch>
@@ -16874,6 +20661,9 @@
             </a:lvl9pPr>
           </a:lstStyle>
           <a:p>
+            <a:pPr>
+              <a:defRPr/>
+            </a:pPr>
             <a:fld id="{FFB91C40-FCB9-4641-83DA-0013B503C4F6}" type="slidenum">
               <a:rPr lang="en-US" altLang="en-US" smtClean="0"/>
               <a:pPr>
@@ -16919,576 +20709,80 @@
           </a:prstGeom>
         </p:spPr>
       </p:pic>
-      <p:graphicFrame>
-        <p:nvGraphicFramePr>
-          <p:cNvPr id="2" name="Table 1">
+      <p:sp>
+        <p:nvSpPr>
+          <p:cNvPr id="3" name="TextBox 2">
             <a:extLst>
               <a:ext uri="{FF2B5EF4-FFF2-40B4-BE49-F238E27FC236}">
-                <a16:creationId xmlns:a16="http://schemas.microsoft.com/office/drawing/2014/main" id="{0E85F4EA-89D7-4317-9893-D93AB0A3323F}"/>
+                <a16:creationId xmlns:a16="http://schemas.microsoft.com/office/drawing/2014/main" id="{1F6E23A2-B31E-4C94-A46A-1A44F625F888}"/>
               </a:ext>
             </a:extLst>
           </p:cNvPr>
-          <p:cNvGraphicFramePr>
-            <a:graphicFrameLocks noGrp="1"/>
-          </p:cNvGraphicFramePr>
-          <p:nvPr>
-            <p:extLst>
-              <p:ext uri="{D42A27DB-BD31-4B8C-83A1-F6EECF244321}">
-                <p14:modId xmlns:p14="http://schemas.microsoft.com/office/powerpoint/2010/main" val="3973978098"/>
-              </p:ext>
-            </p:extLst>
-          </p:nvPr>
-        </p:nvGraphicFramePr>
-        <p:xfrm>
-          <a:off x="288538" y="1423419"/>
-          <a:ext cx="9841114" cy="2851697"/>
-        </p:xfrm>
-        <a:graphic>
-          <a:graphicData uri="http://schemas.openxmlformats.org/drawingml/2006/table">
-            <a:tbl>
-              <a:tblPr firstRow="1" firstCol="1" bandRow="1">
-                <a:tableStyleId>{5C22544A-7EE6-4342-B048-85BDC9FD1C3A}</a:tableStyleId>
-              </a:tblPr>
-              <a:tblGrid>
-                <a:gridCol w="1490005">
-                  <a:extLst>
-                    <a:ext uri="{9D8B030D-6E8A-4147-A177-3AD203B41FA5}">
-                      <a16:colId xmlns:a16="http://schemas.microsoft.com/office/drawing/2014/main" val="768015577"/>
-                    </a:ext>
-                  </a:extLst>
-                </a:gridCol>
-                <a:gridCol w="3148159">
-                  <a:extLst>
-                    <a:ext uri="{9D8B030D-6E8A-4147-A177-3AD203B41FA5}">
-                      <a16:colId xmlns:a16="http://schemas.microsoft.com/office/drawing/2014/main" val="452695344"/>
-                    </a:ext>
-                  </a:extLst>
-                </a:gridCol>
-                <a:gridCol w="2614750">
-                  <a:extLst>
-                    <a:ext uri="{9D8B030D-6E8A-4147-A177-3AD203B41FA5}">
-                      <a16:colId xmlns:a16="http://schemas.microsoft.com/office/drawing/2014/main" val="2961552767"/>
-                    </a:ext>
-                  </a:extLst>
-                </a:gridCol>
-                <a:gridCol w="2588200">
-                  <a:extLst>
-                    <a:ext uri="{9D8B030D-6E8A-4147-A177-3AD203B41FA5}">
-                      <a16:colId xmlns:a16="http://schemas.microsoft.com/office/drawing/2014/main" val="2851759138"/>
-                    </a:ext>
-                  </a:extLst>
-                </a:gridCol>
-              </a:tblGrid>
-              <a:tr h="343550">
-                <a:tc>
-                  <a:txBody>
-                    <a:bodyPr/>
-                    <a:lstStyle/>
-                    <a:p>
-                      <a:pPr marL="0" marR="0">
-                        <a:lnSpc>
-                          <a:spcPct val="107000"/>
-                        </a:lnSpc>
-                        <a:spcBef>
-                          <a:spcPts val="0"/>
-                        </a:spcBef>
-                        <a:spcAft>
-                          <a:spcPts val="0"/>
-                        </a:spcAft>
-                      </a:pPr>
-                      <a:r>
-                        <a:rPr lang="en-US" sz="1100">
-                          <a:effectLst/>
-                        </a:rPr>
-                        <a:t>Problem</a:t>
-                      </a:r>
-                      <a:endParaRPr lang="en-US" sz="1100">
-                        <a:effectLst/>
-                        <a:latin typeface="Calibri" panose="020F0502020204030204" pitchFamily="34" charset="0"/>
-                        <a:ea typeface="Calibri" panose="020F0502020204030204" pitchFamily="34" charset="0"/>
-                        <a:cs typeface="Times New Roman" panose="02020603050405020304" pitchFamily="18" charset="0"/>
-                      </a:endParaRPr>
-                    </a:p>
-                  </a:txBody>
-                  <a:tcPr marL="9525" marR="9525" marT="9525" marB="9525" anchor="ctr"/>
-                </a:tc>
-                <a:tc>
-                  <a:txBody>
-                    <a:bodyPr/>
-                    <a:lstStyle/>
-                    <a:p>
-                      <a:pPr marL="0" marR="0">
-                        <a:lnSpc>
-                          <a:spcPct val="107000"/>
-                        </a:lnSpc>
-                        <a:spcBef>
-                          <a:spcPts val="0"/>
-                        </a:spcBef>
-                        <a:spcAft>
-                          <a:spcPts val="0"/>
-                        </a:spcAft>
-                      </a:pPr>
-                      <a:r>
-                        <a:rPr lang="en-US" sz="1100" dirty="0">
-                          <a:effectLst/>
-                        </a:rPr>
-                        <a:t>Deep Learning architectures to explore</a:t>
-                      </a:r>
-                      <a:endParaRPr lang="en-US" sz="1100" dirty="0">
-                        <a:effectLst/>
-                        <a:latin typeface="Calibri" panose="020F0502020204030204" pitchFamily="34" charset="0"/>
-                        <a:ea typeface="Calibri" panose="020F0502020204030204" pitchFamily="34" charset="0"/>
-                        <a:cs typeface="Times New Roman" panose="02020603050405020304" pitchFamily="18" charset="0"/>
-                      </a:endParaRPr>
-                    </a:p>
-                  </a:txBody>
-                  <a:tcPr marL="9525" marR="9525" marT="9525" marB="9525" anchor="ctr"/>
-                </a:tc>
-                <a:tc>
-                  <a:txBody>
-                    <a:bodyPr/>
-                    <a:lstStyle/>
-                    <a:p>
-                      <a:pPr marL="0" marR="0">
-                        <a:lnSpc>
-                          <a:spcPct val="107000"/>
-                        </a:lnSpc>
-                        <a:spcBef>
-                          <a:spcPts val="0"/>
-                        </a:spcBef>
-                        <a:spcAft>
-                          <a:spcPts val="0"/>
-                        </a:spcAft>
-                      </a:pPr>
-                      <a:r>
-                        <a:rPr lang="en-US" sz="1100">
-                          <a:effectLst/>
-                        </a:rPr>
-                        <a:t>Updates Sprint 3 – Week 1</a:t>
-                      </a:r>
-                      <a:endParaRPr lang="en-US" sz="1100">
-                        <a:effectLst/>
-                        <a:latin typeface="Calibri" panose="020F0502020204030204" pitchFamily="34" charset="0"/>
-                        <a:ea typeface="Calibri" panose="020F0502020204030204" pitchFamily="34" charset="0"/>
-                        <a:cs typeface="Times New Roman" panose="02020603050405020304" pitchFamily="18" charset="0"/>
-                      </a:endParaRPr>
-                    </a:p>
-                  </a:txBody>
-                  <a:tcPr marL="9525" marR="9525" marT="9525" marB="9525"/>
-                </a:tc>
-                <a:tc>
-                  <a:txBody>
-                    <a:bodyPr/>
-                    <a:lstStyle/>
-                    <a:p>
-                      <a:pPr marL="0" marR="0">
-                        <a:lnSpc>
-                          <a:spcPct val="107000"/>
-                        </a:lnSpc>
-                        <a:spcBef>
-                          <a:spcPts val="0"/>
-                        </a:spcBef>
-                        <a:spcAft>
-                          <a:spcPts val="0"/>
-                        </a:spcAft>
-                      </a:pPr>
-                      <a:r>
-                        <a:rPr lang="en-US" sz="1100">
-                          <a:effectLst/>
-                        </a:rPr>
-                        <a:t>Plans for Sprint 3 – Week 2</a:t>
-                      </a:r>
-                      <a:endParaRPr lang="en-US" sz="1100">
-                        <a:effectLst/>
-                        <a:latin typeface="Calibri" panose="020F0502020204030204" pitchFamily="34" charset="0"/>
-                        <a:ea typeface="Calibri" panose="020F0502020204030204" pitchFamily="34" charset="0"/>
-                        <a:cs typeface="Times New Roman" panose="02020603050405020304" pitchFamily="18" charset="0"/>
-                      </a:endParaRPr>
-                    </a:p>
-                  </a:txBody>
-                  <a:tcPr marL="9525" marR="9525" marT="9525" marB="9525"/>
-                </a:tc>
-                <a:extLst>
-                  <a:ext uri="{0D108BD9-81ED-4DB2-BD59-A6C34878D82A}">
-                    <a16:rowId xmlns:a16="http://schemas.microsoft.com/office/drawing/2014/main" val="3513607626"/>
-                  </a:ext>
-                </a:extLst>
-              </a:tr>
-              <a:tr h="1077603">
-                <a:tc>
-                  <a:txBody>
-                    <a:bodyPr/>
-                    <a:lstStyle/>
-                    <a:p>
-                      <a:pPr marL="0" marR="0">
-                        <a:lnSpc>
-                          <a:spcPct val="107000"/>
-                        </a:lnSpc>
-                        <a:spcBef>
-                          <a:spcPts val="0"/>
-                        </a:spcBef>
-                        <a:spcAft>
-                          <a:spcPts val="0"/>
-                        </a:spcAft>
-                      </a:pPr>
-                      <a:r>
-                        <a:rPr lang="en-US" sz="1200" dirty="0">
-                          <a:effectLst/>
-                        </a:rPr>
-                        <a:t>Image Classification</a:t>
-                      </a:r>
-                      <a:endParaRPr lang="en-US" sz="1100" dirty="0">
-                        <a:effectLst/>
-                        <a:latin typeface="Calibri" panose="020F0502020204030204" pitchFamily="34" charset="0"/>
-                        <a:ea typeface="Calibri" panose="020F0502020204030204" pitchFamily="34" charset="0"/>
-                        <a:cs typeface="Times New Roman" panose="02020603050405020304" pitchFamily="18" charset="0"/>
-                      </a:endParaRPr>
-                    </a:p>
-                  </a:txBody>
-                  <a:tcPr marL="9525" marR="9525" marT="9525" marB="9525" anchor="ctr"/>
-                </a:tc>
-                <a:tc>
-                  <a:txBody>
-                    <a:bodyPr/>
-                    <a:lstStyle/>
-                    <a:p>
-                      <a:pPr marL="0" marR="0" fontAlgn="base">
-                        <a:lnSpc>
-                          <a:spcPct val="107000"/>
-                        </a:lnSpc>
-                        <a:spcBef>
-                          <a:spcPts val="0"/>
-                        </a:spcBef>
-                        <a:spcAft>
-                          <a:spcPts val="0"/>
-                        </a:spcAft>
-                      </a:pPr>
-                      <a:r>
-                        <a:rPr lang="en-US" sz="1200" dirty="0">
-                          <a:effectLst/>
-                        </a:rPr>
-                        <a:t>CNN </a:t>
-                      </a:r>
-                      <a:endParaRPr lang="en-US" sz="1100" dirty="0">
-                        <a:effectLst/>
-                      </a:endParaRPr>
-                    </a:p>
-                    <a:p>
-                      <a:pPr marL="0" marR="0" fontAlgn="base">
-                        <a:lnSpc>
-                          <a:spcPct val="107000"/>
-                        </a:lnSpc>
-                        <a:spcBef>
-                          <a:spcPts val="0"/>
-                        </a:spcBef>
-                        <a:spcAft>
-                          <a:spcPts val="0"/>
-                        </a:spcAft>
-                      </a:pPr>
-                      <a:r>
-                        <a:rPr lang="en-US" sz="1200" dirty="0">
-                          <a:effectLst/>
-                        </a:rPr>
-                        <a:t>Hybrid CNN-ELM - Image Classification</a:t>
-                      </a:r>
-                      <a:endParaRPr lang="en-US" sz="1100" dirty="0">
-                        <a:effectLst/>
-                      </a:endParaRPr>
-                    </a:p>
-                    <a:p>
-                      <a:pPr marL="0" marR="0" fontAlgn="base">
-                        <a:lnSpc>
-                          <a:spcPct val="107000"/>
-                        </a:lnSpc>
-                        <a:spcBef>
-                          <a:spcPts val="0"/>
-                        </a:spcBef>
-                        <a:spcAft>
-                          <a:spcPts val="0"/>
-                        </a:spcAft>
-                      </a:pPr>
-                      <a:r>
-                        <a:rPr lang="en-US" sz="1200" dirty="0">
-                          <a:effectLst/>
-                        </a:rPr>
-                        <a:t>Mask R-CNN - Image Segmentation</a:t>
-                      </a:r>
-                      <a:endParaRPr lang="en-US" sz="1100" dirty="0">
-                        <a:effectLst/>
-                        <a:latin typeface="Calibri" panose="020F0502020204030204" pitchFamily="34" charset="0"/>
-                        <a:ea typeface="Calibri" panose="020F0502020204030204" pitchFamily="34" charset="0"/>
-                        <a:cs typeface="Times New Roman" panose="02020603050405020304" pitchFamily="18" charset="0"/>
-                      </a:endParaRPr>
-                    </a:p>
-                  </a:txBody>
-                  <a:tcPr marL="9525" marR="9525" marT="9525" marB="9525" anchor="ctr"/>
-                </a:tc>
-                <a:tc>
-                  <a:txBody>
-                    <a:bodyPr/>
-                    <a:lstStyle/>
-                    <a:p>
-                      <a:pPr marL="0" marR="0" fontAlgn="base">
-                        <a:lnSpc>
-                          <a:spcPct val="107000"/>
-                        </a:lnSpc>
-                        <a:spcBef>
-                          <a:spcPts val="0"/>
-                        </a:spcBef>
-                        <a:spcAft>
-                          <a:spcPts val="0"/>
-                        </a:spcAft>
-                      </a:pPr>
-                      <a:r>
-                        <a:rPr lang="en-US" sz="1200">
-                          <a:effectLst/>
-                        </a:rPr>
-                        <a:t>CNN: Algorithm built. Run with full dataset on Argo. </a:t>
-                      </a:r>
-                      <a:endParaRPr lang="en-US" sz="1100">
-                        <a:effectLst/>
-                        <a:latin typeface="Calibri" panose="020F0502020204030204" pitchFamily="34" charset="0"/>
-                        <a:ea typeface="Calibri" panose="020F0502020204030204" pitchFamily="34" charset="0"/>
-                        <a:cs typeface="Times New Roman" panose="02020603050405020304" pitchFamily="18" charset="0"/>
-                      </a:endParaRPr>
-                    </a:p>
-                  </a:txBody>
-                  <a:tcPr marL="9525" marR="9525" marT="9525" marB="9525"/>
-                </a:tc>
-                <a:tc>
-                  <a:txBody>
-                    <a:bodyPr/>
-                    <a:lstStyle/>
-                    <a:p>
-                      <a:pPr marL="0" marR="0" fontAlgn="base">
-                        <a:lnSpc>
-                          <a:spcPct val="107000"/>
-                        </a:lnSpc>
-                        <a:spcBef>
-                          <a:spcPts val="0"/>
-                        </a:spcBef>
-                        <a:spcAft>
-                          <a:spcPts val="0"/>
-                        </a:spcAft>
-                      </a:pPr>
-                      <a:r>
-                        <a:rPr lang="en-US" sz="1200" dirty="0">
-                          <a:effectLst/>
-                        </a:rPr>
-                        <a:t>CNN: Modify/optimize algorithm for better accuracy</a:t>
-                      </a:r>
-                      <a:endParaRPr lang="en-US" sz="1100" dirty="0">
-                        <a:effectLst/>
-                        <a:latin typeface="Calibri" panose="020F0502020204030204" pitchFamily="34" charset="0"/>
-                        <a:ea typeface="Calibri" panose="020F0502020204030204" pitchFamily="34" charset="0"/>
-                        <a:cs typeface="Times New Roman" panose="02020603050405020304" pitchFamily="18" charset="0"/>
-                      </a:endParaRPr>
-                    </a:p>
-                  </a:txBody>
-                  <a:tcPr marL="9525" marR="9525" marT="9525" marB="9525"/>
-                </a:tc>
-                <a:extLst>
-                  <a:ext uri="{0D108BD9-81ED-4DB2-BD59-A6C34878D82A}">
-                    <a16:rowId xmlns:a16="http://schemas.microsoft.com/office/drawing/2014/main" val="206140283"/>
-                  </a:ext>
-                </a:extLst>
-              </a:tr>
-              <a:tr h="1430544">
-                <a:tc>
-                  <a:txBody>
-                    <a:bodyPr/>
-                    <a:lstStyle/>
-                    <a:p>
-                      <a:pPr marL="0" marR="0">
-                        <a:lnSpc>
-                          <a:spcPct val="107000"/>
-                        </a:lnSpc>
-                        <a:spcBef>
-                          <a:spcPts val="0"/>
-                        </a:spcBef>
-                        <a:spcAft>
-                          <a:spcPts val="0"/>
-                        </a:spcAft>
-                      </a:pPr>
-                      <a:r>
-                        <a:rPr lang="en-US" sz="1200">
-                          <a:effectLst/>
-                        </a:rPr>
-                        <a:t>Object detection</a:t>
-                      </a:r>
-                      <a:endParaRPr lang="en-US" sz="1100">
-                        <a:effectLst/>
-                        <a:latin typeface="Calibri" panose="020F0502020204030204" pitchFamily="34" charset="0"/>
-                        <a:ea typeface="Calibri" panose="020F0502020204030204" pitchFamily="34" charset="0"/>
-                        <a:cs typeface="Times New Roman" panose="02020603050405020304" pitchFamily="18" charset="0"/>
-                      </a:endParaRPr>
-                    </a:p>
-                  </a:txBody>
-                  <a:tcPr marL="9525" marR="9525" marT="9525" marB="9525" anchor="ctr"/>
-                </a:tc>
-                <a:tc>
-                  <a:txBody>
-                    <a:bodyPr/>
-                    <a:lstStyle/>
-                    <a:p>
-                      <a:pPr marL="0" marR="0" fontAlgn="base">
-                        <a:lnSpc>
-                          <a:spcPct val="107000"/>
-                        </a:lnSpc>
-                        <a:spcBef>
-                          <a:spcPts val="0"/>
-                        </a:spcBef>
-                        <a:spcAft>
-                          <a:spcPts val="0"/>
-                        </a:spcAft>
-                      </a:pPr>
-                      <a:r>
-                        <a:rPr lang="en-US" sz="1200">
-                          <a:effectLst/>
-                        </a:rPr>
-                        <a:t>Faster R-CNN with different Hyper parameter</a:t>
-                      </a:r>
-                      <a:endParaRPr lang="en-US" sz="1100">
-                        <a:effectLst/>
-                      </a:endParaRPr>
-                    </a:p>
-                    <a:p>
-                      <a:pPr marL="0" marR="0" fontAlgn="base">
-                        <a:lnSpc>
-                          <a:spcPct val="107000"/>
-                        </a:lnSpc>
-                        <a:spcBef>
-                          <a:spcPts val="0"/>
-                        </a:spcBef>
-                        <a:spcAft>
-                          <a:spcPts val="0"/>
-                        </a:spcAft>
-                      </a:pPr>
-                      <a:r>
-                        <a:rPr lang="en-US" sz="1200">
-                          <a:effectLst/>
-                        </a:rPr>
-                        <a:t>YOLO (You only look once)</a:t>
-                      </a:r>
-                      <a:endParaRPr lang="en-US" sz="1100">
-                        <a:effectLst/>
-                      </a:endParaRPr>
-                    </a:p>
-                    <a:p>
-                      <a:pPr marL="0" marR="0" fontAlgn="base">
-                        <a:lnSpc>
-                          <a:spcPct val="107000"/>
-                        </a:lnSpc>
-                        <a:spcBef>
-                          <a:spcPts val="0"/>
-                        </a:spcBef>
-                        <a:spcAft>
-                          <a:spcPts val="0"/>
-                        </a:spcAft>
-                      </a:pPr>
-                      <a:r>
-                        <a:rPr lang="en-US" sz="1200">
-                          <a:effectLst/>
-                        </a:rPr>
-                        <a:t>SSD (Single shot Multi-box detection)</a:t>
-                      </a:r>
-                      <a:endParaRPr lang="en-US" sz="1100">
-                        <a:effectLst/>
-                        <a:latin typeface="Calibri" panose="020F0502020204030204" pitchFamily="34" charset="0"/>
-                        <a:ea typeface="Calibri" panose="020F0502020204030204" pitchFamily="34" charset="0"/>
-                        <a:cs typeface="Times New Roman" panose="02020603050405020304" pitchFamily="18" charset="0"/>
-                      </a:endParaRPr>
-                    </a:p>
-                  </a:txBody>
-                  <a:tcPr marL="9525" marR="9525" marT="9525" marB="9525" anchor="ctr"/>
-                </a:tc>
-                <a:tc>
-                  <a:txBody>
-                    <a:bodyPr/>
-                    <a:lstStyle/>
-                    <a:p>
-                      <a:pPr marL="0" marR="0" fontAlgn="base">
-                        <a:lnSpc>
-                          <a:spcPct val="107000"/>
-                        </a:lnSpc>
-                        <a:spcBef>
-                          <a:spcPts val="0"/>
-                        </a:spcBef>
-                        <a:spcAft>
-                          <a:spcPts val="0"/>
-                        </a:spcAft>
-                      </a:pPr>
-                      <a:r>
-                        <a:rPr lang="en-US" sz="1200">
-                          <a:effectLst/>
-                        </a:rPr>
-                        <a:t>RCNN- </a:t>
-                      </a:r>
-                      <a:r>
-                        <a:rPr lang="en-US" sz="1200">
-                          <a:effectLst/>
-                          <a:highlight>
-                            <a:srgbClr val="FFFF00"/>
-                          </a:highlight>
-                        </a:rPr>
-                        <a:t>Ravi</a:t>
-                      </a:r>
-                      <a:endParaRPr lang="en-US" sz="1100">
-                        <a:effectLst/>
-                        <a:latin typeface="Calibri" panose="020F0502020204030204" pitchFamily="34" charset="0"/>
-                        <a:ea typeface="Calibri" panose="020F0502020204030204" pitchFamily="34" charset="0"/>
-                        <a:cs typeface="Times New Roman" panose="02020603050405020304" pitchFamily="18" charset="0"/>
-                      </a:endParaRPr>
-                    </a:p>
-                  </a:txBody>
-                  <a:tcPr marL="9525" marR="9525" marT="9525" marB="9525"/>
-                </a:tc>
-                <a:tc>
-                  <a:txBody>
-                    <a:bodyPr/>
-                    <a:lstStyle/>
-                    <a:p>
-                      <a:pPr marL="0" marR="0" fontAlgn="base">
-                        <a:lnSpc>
-                          <a:spcPct val="107000"/>
-                        </a:lnSpc>
-                        <a:spcBef>
-                          <a:spcPts val="0"/>
-                        </a:spcBef>
-                        <a:spcAft>
-                          <a:spcPts val="0"/>
-                        </a:spcAft>
-                      </a:pPr>
-                      <a:r>
-                        <a:rPr lang="en-US" sz="1200" dirty="0">
-                          <a:effectLst/>
-                          <a:highlight>
-                            <a:srgbClr val="FFFF00"/>
-                          </a:highlight>
-                        </a:rPr>
-                        <a:t>Ravi</a:t>
-                      </a:r>
-                      <a:endParaRPr lang="en-US" sz="1100" dirty="0">
-                        <a:effectLst/>
-                        <a:latin typeface="Calibri" panose="020F0502020204030204" pitchFamily="34" charset="0"/>
-                        <a:ea typeface="Calibri" panose="020F0502020204030204" pitchFamily="34" charset="0"/>
-                        <a:cs typeface="Times New Roman" panose="02020603050405020304" pitchFamily="18" charset="0"/>
-                      </a:endParaRPr>
-                    </a:p>
-                  </a:txBody>
-                  <a:tcPr marL="9525" marR="9525" marT="9525" marB="9525"/>
-                </a:tc>
-                <a:extLst>
-                  <a:ext uri="{0D108BD9-81ED-4DB2-BD59-A6C34878D82A}">
-                    <a16:rowId xmlns:a16="http://schemas.microsoft.com/office/drawing/2014/main" val="912573551"/>
-                  </a:ext>
-                </a:extLst>
-              </a:tr>
-            </a:tbl>
-          </a:graphicData>
-        </a:graphic>
-      </p:graphicFrame>
+          <p:cNvSpPr txBox="1"/>
+          <p:nvPr/>
+        </p:nvSpPr>
+        <p:spPr>
+          <a:xfrm>
+            <a:off x="308758" y="1258784"/>
+            <a:ext cx="7677398" cy="2123658"/>
+          </a:xfrm>
+          <a:prstGeom prst="rect">
+            <a:avLst/>
+          </a:prstGeom>
+          <a:noFill/>
+        </p:spPr>
+        <p:txBody>
+          <a:bodyPr wrap="square" rtlCol="0">
+            <a:spAutoFit/>
+          </a:bodyPr>
+          <a:lstStyle/>
+          <a:p>
+            <a:r>
+              <a:rPr lang="en-US" sz="2400" b="1" dirty="0"/>
+              <a:t>CNN:</a:t>
+            </a:r>
+          </a:p>
+          <a:p>
+            <a:endParaRPr lang="en-US" dirty="0"/>
+          </a:p>
+          <a:p>
+            <a:r>
+              <a:rPr lang="en-US" dirty="0"/>
+              <a:t>Describe this.</a:t>
+            </a:r>
+          </a:p>
+          <a:p>
+            <a:r>
+              <a:rPr lang="en-US" dirty="0"/>
+              <a:t>What is it used for?</a:t>
+            </a:r>
+          </a:p>
+          <a:p>
+            <a:r>
+              <a:rPr lang="en-US" dirty="0"/>
+              <a:t>Provide advantages and disadvantages</a:t>
+            </a:r>
+          </a:p>
+          <a:p>
+            <a:r>
+              <a:rPr lang="en-US" dirty="0"/>
+              <a:t>Add a graphic </a:t>
+            </a:r>
+          </a:p>
+          <a:p>
+            <a:r>
+              <a:rPr lang="en-US" dirty="0"/>
+              <a:t>Add some math</a:t>
+            </a:r>
+          </a:p>
+        </p:txBody>
+      </p:sp>
     </p:spTree>
+    <p:extLst>
+      <p:ext uri="{BB962C8B-B14F-4D97-AF65-F5344CB8AC3E}">
+        <p14:creationId xmlns:p14="http://schemas.microsoft.com/office/powerpoint/2010/main" val="2394911387"/>
+      </p:ext>
+    </p:extLst>
   </p:cSld>
   <p:clrMapOvr>
     <a:masterClrMapping/>
@@ -17515,10 +20809,228 @@
       </p:grpSpPr>
       <p:sp>
         <p:nvSpPr>
-          <p:cNvPr id="28674" name="Slide Number Placeholder 1">
+          <p:cNvPr id="11269" name="Google Shape;159;p18">
             <a:extLst>
               <a:ext uri="{FF2B5EF4-FFF2-40B4-BE49-F238E27FC236}">
-                <a16:creationId xmlns:a16="http://schemas.microsoft.com/office/drawing/2014/main" id="{AC554F12-117A-45F5-A67E-21F9825D1CA2}"/>
+                <a16:creationId xmlns:a16="http://schemas.microsoft.com/office/drawing/2014/main" id="{2FCC923B-32C8-4F51-86C3-55498352DB11}"/>
+              </a:ext>
+            </a:extLst>
+          </p:cNvPr>
+          <p:cNvSpPr txBox="1">
+            <a:spLocks noChangeArrowheads="1"/>
+          </p:cNvSpPr>
+          <p:nvPr/>
+        </p:nvSpPr>
+        <p:spPr bwMode="auto">
+          <a:xfrm>
+            <a:off x="201612" y="92075"/>
+            <a:ext cx="6905431" cy="714375"/>
+          </a:xfrm>
+          <a:prstGeom prst="rect">
+            <a:avLst/>
+          </a:prstGeom>
+          <a:noFill/>
+          <a:ln w="9525">
+            <a:solidFill>
+              <a:schemeClr val="tx1"/>
+            </a:solidFill>
+            <a:round/>
+            <a:headEnd type="none" w="sm" len="sm"/>
+            <a:tailEnd type="none" w="sm" len="sm"/>
+          </a:ln>
+          <a:extLst>
+            <a:ext uri="{909E8E84-426E-40DD-AFC4-6F175D3DCCD1}">
+              <a14:hiddenFill xmlns:a14="http://schemas.microsoft.com/office/drawing/2010/main">
+                <a:solidFill>
+                  <a:srgbClr val="FFFFFF"/>
+                </a:solidFill>
+              </a14:hiddenFill>
+            </a:ext>
+          </a:extLst>
+        </p:spPr>
+        <p:txBody>
+          <a:bodyPr lIns="91425" tIns="45700" rIns="91425" bIns="45700" anchor="ctr"/>
+          <a:lstStyle>
+            <a:lvl1pPr>
+              <a:buClr>
+                <a:srgbClr val="000000"/>
+              </a:buClr>
+              <a:buFont typeface="Arial" panose="020B0604020202020204" pitchFamily="34" charset="0"/>
+              <a:defRPr sz="1400">
+                <a:solidFill>
+                  <a:srgbClr val="000000"/>
+                </a:solidFill>
+                <a:latin typeface="Arial" panose="020B0604020202020204" pitchFamily="34" charset="0"/>
+                <a:cs typeface="Arial" panose="020B0604020202020204" pitchFamily="34" charset="0"/>
+                <a:sym typeface="Arial" panose="020B0604020202020204" pitchFamily="34" charset="0"/>
+              </a:defRPr>
+            </a:lvl1pPr>
+            <a:lvl2pPr marL="742950" indent="-285750">
+              <a:buClr>
+                <a:srgbClr val="000000"/>
+              </a:buClr>
+              <a:buFont typeface="Arial" panose="020B0604020202020204" pitchFamily="34" charset="0"/>
+              <a:defRPr sz="1400">
+                <a:solidFill>
+                  <a:srgbClr val="000000"/>
+                </a:solidFill>
+                <a:latin typeface="Arial" panose="020B0604020202020204" pitchFamily="34" charset="0"/>
+                <a:cs typeface="Arial" panose="020B0604020202020204" pitchFamily="34" charset="0"/>
+                <a:sym typeface="Arial" panose="020B0604020202020204" pitchFamily="34" charset="0"/>
+              </a:defRPr>
+            </a:lvl2pPr>
+            <a:lvl3pPr marL="1143000" indent="-228600">
+              <a:buClr>
+                <a:srgbClr val="000000"/>
+              </a:buClr>
+              <a:buFont typeface="Arial" panose="020B0604020202020204" pitchFamily="34" charset="0"/>
+              <a:defRPr sz="1400">
+                <a:solidFill>
+                  <a:srgbClr val="000000"/>
+                </a:solidFill>
+                <a:latin typeface="Arial" panose="020B0604020202020204" pitchFamily="34" charset="0"/>
+                <a:cs typeface="Arial" panose="020B0604020202020204" pitchFamily="34" charset="0"/>
+                <a:sym typeface="Arial" panose="020B0604020202020204" pitchFamily="34" charset="0"/>
+              </a:defRPr>
+            </a:lvl3pPr>
+            <a:lvl4pPr marL="1600200" indent="-228600">
+              <a:buClr>
+                <a:srgbClr val="000000"/>
+              </a:buClr>
+              <a:buFont typeface="Arial" panose="020B0604020202020204" pitchFamily="34" charset="0"/>
+              <a:defRPr sz="1400">
+                <a:solidFill>
+                  <a:srgbClr val="000000"/>
+                </a:solidFill>
+                <a:latin typeface="Arial" panose="020B0604020202020204" pitchFamily="34" charset="0"/>
+                <a:cs typeface="Arial" panose="020B0604020202020204" pitchFamily="34" charset="0"/>
+                <a:sym typeface="Arial" panose="020B0604020202020204" pitchFamily="34" charset="0"/>
+              </a:defRPr>
+            </a:lvl4pPr>
+            <a:lvl5pPr marL="2057400" indent="-228600">
+              <a:buClr>
+                <a:srgbClr val="000000"/>
+              </a:buClr>
+              <a:buFont typeface="Arial" panose="020B0604020202020204" pitchFamily="34" charset="0"/>
+              <a:defRPr sz="1400">
+                <a:solidFill>
+                  <a:srgbClr val="000000"/>
+                </a:solidFill>
+                <a:latin typeface="Arial" panose="020B0604020202020204" pitchFamily="34" charset="0"/>
+                <a:cs typeface="Arial" panose="020B0604020202020204" pitchFamily="34" charset="0"/>
+                <a:sym typeface="Arial" panose="020B0604020202020204" pitchFamily="34" charset="0"/>
+              </a:defRPr>
+            </a:lvl5pPr>
+            <a:lvl6pPr marL="2514600" indent="-228600" eaLnBrk="0" fontAlgn="base" hangingPunct="0">
+              <a:spcBef>
+                <a:spcPct val="0"/>
+              </a:spcBef>
+              <a:spcAft>
+                <a:spcPct val="0"/>
+              </a:spcAft>
+              <a:buClr>
+                <a:srgbClr val="000000"/>
+              </a:buClr>
+              <a:buFont typeface="Arial" panose="020B0604020202020204" pitchFamily="34" charset="0"/>
+              <a:defRPr sz="1400">
+                <a:solidFill>
+                  <a:srgbClr val="000000"/>
+                </a:solidFill>
+                <a:latin typeface="Arial" panose="020B0604020202020204" pitchFamily="34" charset="0"/>
+                <a:cs typeface="Arial" panose="020B0604020202020204" pitchFamily="34" charset="0"/>
+                <a:sym typeface="Arial" panose="020B0604020202020204" pitchFamily="34" charset="0"/>
+              </a:defRPr>
+            </a:lvl6pPr>
+            <a:lvl7pPr marL="2971800" indent="-228600" eaLnBrk="0" fontAlgn="base" hangingPunct="0">
+              <a:spcBef>
+                <a:spcPct val="0"/>
+              </a:spcBef>
+              <a:spcAft>
+                <a:spcPct val="0"/>
+              </a:spcAft>
+              <a:buClr>
+                <a:srgbClr val="000000"/>
+              </a:buClr>
+              <a:buFont typeface="Arial" panose="020B0604020202020204" pitchFamily="34" charset="0"/>
+              <a:defRPr sz="1400">
+                <a:solidFill>
+                  <a:srgbClr val="000000"/>
+                </a:solidFill>
+                <a:latin typeface="Arial" panose="020B0604020202020204" pitchFamily="34" charset="0"/>
+                <a:cs typeface="Arial" panose="020B0604020202020204" pitchFamily="34" charset="0"/>
+                <a:sym typeface="Arial" panose="020B0604020202020204" pitchFamily="34" charset="0"/>
+              </a:defRPr>
+            </a:lvl7pPr>
+            <a:lvl8pPr marL="3429000" indent="-228600" eaLnBrk="0" fontAlgn="base" hangingPunct="0">
+              <a:spcBef>
+                <a:spcPct val="0"/>
+              </a:spcBef>
+              <a:spcAft>
+                <a:spcPct val="0"/>
+              </a:spcAft>
+              <a:buClr>
+                <a:srgbClr val="000000"/>
+              </a:buClr>
+              <a:buFont typeface="Arial" panose="020B0604020202020204" pitchFamily="34" charset="0"/>
+              <a:defRPr sz="1400">
+                <a:solidFill>
+                  <a:srgbClr val="000000"/>
+                </a:solidFill>
+                <a:latin typeface="Arial" panose="020B0604020202020204" pitchFamily="34" charset="0"/>
+                <a:cs typeface="Arial" panose="020B0604020202020204" pitchFamily="34" charset="0"/>
+                <a:sym typeface="Arial" panose="020B0604020202020204" pitchFamily="34" charset="0"/>
+              </a:defRPr>
+            </a:lvl8pPr>
+            <a:lvl9pPr marL="3886200" indent="-228600" eaLnBrk="0" fontAlgn="base" hangingPunct="0">
+              <a:spcBef>
+                <a:spcPct val="0"/>
+              </a:spcBef>
+              <a:spcAft>
+                <a:spcPct val="0"/>
+              </a:spcAft>
+              <a:buClr>
+                <a:srgbClr val="000000"/>
+              </a:buClr>
+              <a:buFont typeface="Arial" panose="020B0604020202020204" pitchFamily="34" charset="0"/>
+              <a:defRPr sz="1400">
+                <a:solidFill>
+                  <a:srgbClr val="000000"/>
+                </a:solidFill>
+                <a:latin typeface="Arial" panose="020B0604020202020204" pitchFamily="34" charset="0"/>
+                <a:cs typeface="Arial" panose="020B0604020202020204" pitchFamily="34" charset="0"/>
+                <a:sym typeface="Arial" panose="020B0604020202020204" pitchFamily="34" charset="0"/>
+              </a:defRPr>
+            </a:lvl9pPr>
+          </a:lstStyle>
+          <a:p>
+            <a:pPr algn="ctr" eaLnBrk="1" hangingPunct="1">
+              <a:lnSpc>
+                <a:spcPct val="90000"/>
+              </a:lnSpc>
+              <a:buSzPts val="2800"/>
+              <a:buFont typeface="Helvetica Neue" charset="0"/>
+              <a:buNone/>
+            </a:pPr>
+            <a:r>
+              <a:rPr lang="en-US" altLang="en-US" sz="2800" dirty="0">
+                <a:latin typeface="Helvetica Neue" charset="0"/>
+                <a:cs typeface="Helvetica Neue" charset="0"/>
+                <a:sym typeface="Helvetica Neue" charset="0"/>
+              </a:rPr>
+              <a:t>Research and Deep dive into algorithms</a:t>
+            </a:r>
+            <a:endParaRPr lang="en-US" altLang="en-US" dirty="0">
+              <a:cs typeface="Helvetica Neue" charset="0"/>
+            </a:endParaRPr>
+          </a:p>
+        </p:txBody>
+      </p:sp>
+      <p:sp>
+        <p:nvSpPr>
+          <p:cNvPr id="11271" name="Google Shape;161;p18">
+            <a:extLst>
+              <a:ext uri="{FF2B5EF4-FFF2-40B4-BE49-F238E27FC236}">
+                <a16:creationId xmlns:a16="http://schemas.microsoft.com/office/drawing/2014/main" id="{238C9E5D-5A7F-4F4F-B37A-7568517167CA}"/>
               </a:ext>
             </a:extLst>
           </p:cNvPr>
@@ -17717,7 +21229,7 @@
               </a:pPr>
               <a:t>7</a:t>
             </a:fld>
-            <a:endParaRPr lang="uk-UA" altLang="en-US" sz="1200">
+            <a:endParaRPr lang="en-US" altLang="en-US" sz="1200">
               <a:solidFill>
                 <a:srgbClr val="888888"/>
               </a:solidFill>
@@ -17725,716 +21237,12 @@
           </a:p>
         </p:txBody>
       </p:sp>
-      <p:sp>
-        <p:nvSpPr>
-          <p:cNvPr id="28676" name="Google Shape;239;p24">
+      <p:pic>
+        <p:nvPicPr>
+          <p:cNvPr id="9" name="Picture 8">
             <a:extLst>
               <a:ext uri="{FF2B5EF4-FFF2-40B4-BE49-F238E27FC236}">
-                <a16:creationId xmlns:a16="http://schemas.microsoft.com/office/drawing/2014/main" id="{D4CE9F22-BD2E-4DBF-BF7B-F5E7039DD98C}"/>
-              </a:ext>
-            </a:extLst>
-          </p:cNvPr>
-          <p:cNvSpPr txBox="1">
-            <a:spLocks noChangeArrowheads="1"/>
-          </p:cNvSpPr>
-          <p:nvPr/>
-        </p:nvSpPr>
-        <p:spPr bwMode="auto">
-          <a:xfrm>
-            <a:off x="8610600" y="6356350"/>
-            <a:ext cx="2743200" cy="365125"/>
-          </a:xfrm>
-          <a:prstGeom prst="rect">
-            <a:avLst/>
-          </a:prstGeom>
-          <a:noFill/>
-          <a:ln>
-            <a:noFill/>
-          </a:ln>
-          <a:extLst>
-            <a:ext uri="{909E8E84-426E-40DD-AFC4-6F175D3DCCD1}">
-              <a14:hiddenFill xmlns:a14="http://schemas.microsoft.com/office/drawing/2010/main">
-                <a:solidFill>
-                  <a:srgbClr val="FFFFFF"/>
-                </a:solidFill>
-              </a14:hiddenFill>
-            </a:ext>
-            <a:ext uri="{91240B29-F687-4F45-9708-019B960494DF}">
-              <a14:hiddenLine xmlns:a14="http://schemas.microsoft.com/office/drawing/2010/main" w="9525">
-                <a:solidFill>
-                  <a:srgbClr val="000000"/>
-                </a:solidFill>
-                <a:miter lim="800000"/>
-                <a:headEnd/>
-                <a:tailEnd/>
-              </a14:hiddenLine>
-            </a:ext>
-          </a:extLst>
-        </p:spPr>
-        <p:txBody>
-          <a:bodyPr lIns="91425" tIns="45700" rIns="91425" bIns="45700" anchor="ctr"/>
-          <a:lstStyle>
-            <a:lvl1pPr>
-              <a:buClr>
-                <a:srgbClr val="000000"/>
-              </a:buClr>
-              <a:buFont typeface="Arial" panose="020B0604020202020204" pitchFamily="34" charset="0"/>
-              <a:defRPr sz="1400">
-                <a:solidFill>
-                  <a:srgbClr val="000000"/>
-                </a:solidFill>
-                <a:latin typeface="Arial" panose="020B0604020202020204" pitchFamily="34" charset="0"/>
-                <a:cs typeface="Arial" panose="020B0604020202020204" pitchFamily="34" charset="0"/>
-                <a:sym typeface="Arial" panose="020B0604020202020204" pitchFamily="34" charset="0"/>
-              </a:defRPr>
-            </a:lvl1pPr>
-            <a:lvl2pPr marL="742950" indent="-285750">
-              <a:buClr>
-                <a:srgbClr val="000000"/>
-              </a:buClr>
-              <a:buFont typeface="Arial" panose="020B0604020202020204" pitchFamily="34" charset="0"/>
-              <a:defRPr sz="1400">
-                <a:solidFill>
-                  <a:srgbClr val="000000"/>
-                </a:solidFill>
-                <a:latin typeface="Arial" panose="020B0604020202020204" pitchFamily="34" charset="0"/>
-                <a:cs typeface="Arial" panose="020B0604020202020204" pitchFamily="34" charset="0"/>
-                <a:sym typeface="Arial" panose="020B0604020202020204" pitchFamily="34" charset="0"/>
-              </a:defRPr>
-            </a:lvl2pPr>
-            <a:lvl3pPr marL="1143000" indent="-228600">
-              <a:buClr>
-                <a:srgbClr val="000000"/>
-              </a:buClr>
-              <a:buFont typeface="Arial" panose="020B0604020202020204" pitchFamily="34" charset="0"/>
-              <a:defRPr sz="1400">
-                <a:solidFill>
-                  <a:srgbClr val="000000"/>
-                </a:solidFill>
-                <a:latin typeface="Arial" panose="020B0604020202020204" pitchFamily="34" charset="0"/>
-                <a:cs typeface="Arial" panose="020B0604020202020204" pitchFamily="34" charset="0"/>
-                <a:sym typeface="Arial" panose="020B0604020202020204" pitchFamily="34" charset="0"/>
-              </a:defRPr>
-            </a:lvl3pPr>
-            <a:lvl4pPr marL="1600200" indent="-228600">
-              <a:buClr>
-                <a:srgbClr val="000000"/>
-              </a:buClr>
-              <a:buFont typeface="Arial" panose="020B0604020202020204" pitchFamily="34" charset="0"/>
-              <a:defRPr sz="1400">
-                <a:solidFill>
-                  <a:srgbClr val="000000"/>
-                </a:solidFill>
-                <a:latin typeface="Arial" panose="020B0604020202020204" pitchFamily="34" charset="0"/>
-                <a:cs typeface="Arial" panose="020B0604020202020204" pitchFamily="34" charset="0"/>
-                <a:sym typeface="Arial" panose="020B0604020202020204" pitchFamily="34" charset="0"/>
-              </a:defRPr>
-            </a:lvl4pPr>
-            <a:lvl5pPr marL="2057400" indent="-228600">
-              <a:buClr>
-                <a:srgbClr val="000000"/>
-              </a:buClr>
-              <a:buFont typeface="Arial" panose="020B0604020202020204" pitchFamily="34" charset="0"/>
-              <a:defRPr sz="1400">
-                <a:solidFill>
-                  <a:srgbClr val="000000"/>
-                </a:solidFill>
-                <a:latin typeface="Arial" panose="020B0604020202020204" pitchFamily="34" charset="0"/>
-                <a:cs typeface="Arial" panose="020B0604020202020204" pitchFamily="34" charset="0"/>
-                <a:sym typeface="Arial" panose="020B0604020202020204" pitchFamily="34" charset="0"/>
-              </a:defRPr>
-            </a:lvl5pPr>
-            <a:lvl6pPr marL="2514600" indent="-228600" eaLnBrk="0" fontAlgn="base" hangingPunct="0">
-              <a:spcBef>
-                <a:spcPct val="0"/>
-              </a:spcBef>
-              <a:spcAft>
-                <a:spcPct val="0"/>
-              </a:spcAft>
-              <a:buClr>
-                <a:srgbClr val="000000"/>
-              </a:buClr>
-              <a:buFont typeface="Arial" panose="020B0604020202020204" pitchFamily="34" charset="0"/>
-              <a:defRPr sz="1400">
-                <a:solidFill>
-                  <a:srgbClr val="000000"/>
-                </a:solidFill>
-                <a:latin typeface="Arial" panose="020B0604020202020204" pitchFamily="34" charset="0"/>
-                <a:cs typeface="Arial" panose="020B0604020202020204" pitchFamily="34" charset="0"/>
-                <a:sym typeface="Arial" panose="020B0604020202020204" pitchFamily="34" charset="0"/>
-              </a:defRPr>
-            </a:lvl6pPr>
-            <a:lvl7pPr marL="2971800" indent="-228600" eaLnBrk="0" fontAlgn="base" hangingPunct="0">
-              <a:spcBef>
-                <a:spcPct val="0"/>
-              </a:spcBef>
-              <a:spcAft>
-                <a:spcPct val="0"/>
-              </a:spcAft>
-              <a:buClr>
-                <a:srgbClr val="000000"/>
-              </a:buClr>
-              <a:buFont typeface="Arial" panose="020B0604020202020204" pitchFamily="34" charset="0"/>
-              <a:defRPr sz="1400">
-                <a:solidFill>
-                  <a:srgbClr val="000000"/>
-                </a:solidFill>
-                <a:latin typeface="Arial" panose="020B0604020202020204" pitchFamily="34" charset="0"/>
-                <a:cs typeface="Arial" panose="020B0604020202020204" pitchFamily="34" charset="0"/>
-                <a:sym typeface="Arial" panose="020B0604020202020204" pitchFamily="34" charset="0"/>
-              </a:defRPr>
-            </a:lvl7pPr>
-            <a:lvl8pPr marL="3429000" indent="-228600" eaLnBrk="0" fontAlgn="base" hangingPunct="0">
-              <a:spcBef>
-                <a:spcPct val="0"/>
-              </a:spcBef>
-              <a:spcAft>
-                <a:spcPct val="0"/>
-              </a:spcAft>
-              <a:buClr>
-                <a:srgbClr val="000000"/>
-              </a:buClr>
-              <a:buFont typeface="Arial" panose="020B0604020202020204" pitchFamily="34" charset="0"/>
-              <a:defRPr sz="1400">
-                <a:solidFill>
-                  <a:srgbClr val="000000"/>
-                </a:solidFill>
-                <a:latin typeface="Arial" panose="020B0604020202020204" pitchFamily="34" charset="0"/>
-                <a:cs typeface="Arial" panose="020B0604020202020204" pitchFamily="34" charset="0"/>
-                <a:sym typeface="Arial" panose="020B0604020202020204" pitchFamily="34" charset="0"/>
-              </a:defRPr>
-            </a:lvl8pPr>
-            <a:lvl9pPr marL="3886200" indent="-228600" eaLnBrk="0" fontAlgn="base" hangingPunct="0">
-              <a:spcBef>
-                <a:spcPct val="0"/>
-              </a:spcBef>
-              <a:spcAft>
-                <a:spcPct val="0"/>
-              </a:spcAft>
-              <a:buClr>
-                <a:srgbClr val="000000"/>
-              </a:buClr>
-              <a:buFont typeface="Arial" panose="020B0604020202020204" pitchFamily="34" charset="0"/>
-              <a:defRPr sz="1400">
-                <a:solidFill>
-                  <a:srgbClr val="000000"/>
-                </a:solidFill>
-                <a:latin typeface="Arial" panose="020B0604020202020204" pitchFamily="34" charset="0"/>
-                <a:cs typeface="Arial" panose="020B0604020202020204" pitchFamily="34" charset="0"/>
-                <a:sym typeface="Arial" panose="020B0604020202020204" pitchFamily="34" charset="0"/>
-              </a:defRPr>
-            </a:lvl9pPr>
-          </a:lstStyle>
-          <a:p>
-            <a:pPr algn="r" eaLnBrk="1" hangingPunct="1"/>
-            <a:fld id="{B781E98A-38F4-49F6-B6D5-B5BE3CE25D8F}" type="slidenum">
-              <a:rPr lang="cs-CZ" altLang="en-US" sz="1200">
-                <a:solidFill>
-                  <a:srgbClr val="888888"/>
-                </a:solidFill>
-              </a:rPr>
-              <a:pPr algn="r" eaLnBrk="1" hangingPunct="1"/>
-              <a:t>7</a:t>
-            </a:fld>
-            <a:endParaRPr lang="cs-CZ" altLang="en-US" sz="1200">
-              <a:solidFill>
-                <a:srgbClr val="888888"/>
-              </a:solidFill>
-            </a:endParaRPr>
-          </a:p>
-        </p:txBody>
-      </p:sp>
-      <p:sp>
-        <p:nvSpPr>
-          <p:cNvPr id="6" name="Google Shape;240;p24">
-            <a:extLst>
-              <a:ext uri="{FF2B5EF4-FFF2-40B4-BE49-F238E27FC236}">
-                <a16:creationId xmlns:a16="http://schemas.microsoft.com/office/drawing/2014/main" id="{59CC3D6B-06F7-4EE9-8D77-37097800C43A}"/>
-              </a:ext>
-            </a:extLst>
-          </p:cNvPr>
-          <p:cNvSpPr txBox="1"/>
-          <p:nvPr/>
-        </p:nvSpPr>
-        <p:spPr>
-          <a:xfrm>
-            <a:off x="596900" y="1336675"/>
-            <a:ext cx="9767888" cy="3074988"/>
-          </a:xfrm>
-          <a:prstGeom prst="rect">
-            <a:avLst/>
-          </a:prstGeom>
-          <a:noFill/>
-          <a:ln>
-            <a:noFill/>
-          </a:ln>
-        </p:spPr>
-        <p:txBody>
-          <a:bodyPr spcFirstLastPara="1" lIns="91425" tIns="45700" rIns="91425" bIns="45700"/>
-          <a:lstStyle/>
-          <a:p>
-            <a:pPr eaLnBrk="1" fontAlgn="auto" hangingPunct="1">
-              <a:spcBef>
-                <a:spcPts val="0"/>
-              </a:spcBef>
-              <a:spcAft>
-                <a:spcPts val="0"/>
-              </a:spcAft>
-              <a:buClr>
-                <a:srgbClr val="000000"/>
-              </a:buClr>
-              <a:buFont typeface="Arial"/>
-              <a:buNone/>
-              <a:defRPr/>
-            </a:pPr>
-            <a:endParaRPr sz="1800" kern="0" dirty="0">
-              <a:solidFill>
-                <a:schemeClr val="dk1"/>
-              </a:solidFill>
-              <a:latin typeface="Arial"/>
-              <a:ea typeface="Arial"/>
-              <a:cs typeface="Arial"/>
-              <a:sym typeface="Arial"/>
-            </a:endParaRPr>
-          </a:p>
-          <a:p>
-            <a:pPr marL="285750" indent="-285750" eaLnBrk="1" fontAlgn="auto" hangingPunct="1">
-              <a:spcBef>
-                <a:spcPts val="0"/>
-              </a:spcBef>
-              <a:spcAft>
-                <a:spcPts val="0"/>
-              </a:spcAft>
-              <a:buClr>
-                <a:schemeClr val="dk1"/>
-              </a:buClr>
-              <a:buSzPts val="1800"/>
-              <a:buFont typeface="Wingdings" panose="05000000000000000000" pitchFamily="2" charset="2"/>
-              <a:buChar char="q"/>
-              <a:defRPr/>
-            </a:pPr>
-            <a:r>
-              <a:rPr lang="en-US" sz="1800" kern="0" dirty="0">
-                <a:solidFill>
-                  <a:schemeClr val="dk1"/>
-                </a:solidFill>
-                <a:latin typeface="Arial"/>
-                <a:ea typeface="Arial"/>
-                <a:cs typeface="Arial"/>
-                <a:sym typeface="Arial"/>
-              </a:rPr>
-              <a:t>Initial implementation of CNN with 4 convolution layer and one Dense layer.</a:t>
-            </a:r>
-          </a:p>
-          <a:p>
-            <a:pPr marL="285750" indent="-285750" eaLnBrk="1" fontAlgn="auto" hangingPunct="1">
-              <a:spcBef>
-                <a:spcPts val="0"/>
-              </a:spcBef>
-              <a:spcAft>
-                <a:spcPts val="0"/>
-              </a:spcAft>
-              <a:buClr>
-                <a:schemeClr val="dk1"/>
-              </a:buClr>
-              <a:buSzPts val="1800"/>
-              <a:buFont typeface="Wingdings" panose="05000000000000000000" pitchFamily="2" charset="2"/>
-              <a:buChar char="q"/>
-              <a:defRPr/>
-            </a:pPr>
-            <a:r>
-              <a:rPr lang="en-US" sz="1800" kern="0" dirty="0">
-                <a:solidFill>
-                  <a:schemeClr val="dk1"/>
-                </a:solidFill>
-                <a:latin typeface="Arial"/>
-                <a:ea typeface="Arial"/>
-                <a:cs typeface="Arial"/>
-                <a:sym typeface="Arial"/>
-              </a:rPr>
-              <a:t>Successfully ran on laptop for small dataset of Simpson images.</a:t>
-            </a:r>
-          </a:p>
-          <a:p>
-            <a:pPr marL="285750" indent="-285750" eaLnBrk="1" fontAlgn="auto" hangingPunct="1">
-              <a:spcBef>
-                <a:spcPts val="0"/>
-              </a:spcBef>
-              <a:spcAft>
-                <a:spcPts val="0"/>
-              </a:spcAft>
-              <a:buClr>
-                <a:schemeClr val="dk1"/>
-              </a:buClr>
-              <a:buSzPts val="1800"/>
-              <a:buFont typeface="Wingdings" panose="05000000000000000000" pitchFamily="2" charset="2"/>
-              <a:buChar char="q"/>
-              <a:defRPr/>
-            </a:pPr>
-            <a:r>
-              <a:rPr lang="en-US" sz="1800" kern="0" dirty="0">
-                <a:solidFill>
-                  <a:schemeClr val="dk1"/>
-                </a:solidFill>
-                <a:latin typeface="Arial"/>
-                <a:ea typeface="Arial"/>
-                <a:cs typeface="Arial"/>
-                <a:sym typeface="Arial"/>
-              </a:rPr>
-              <a:t>Execution setup for Argo is completed and tested.  This is running successfully.</a:t>
-            </a:r>
-          </a:p>
-          <a:p>
-            <a:pPr marL="285750" indent="-285750" eaLnBrk="1" fontAlgn="auto" hangingPunct="1">
-              <a:spcBef>
-                <a:spcPts val="0"/>
-              </a:spcBef>
-              <a:spcAft>
-                <a:spcPts val="0"/>
-              </a:spcAft>
-              <a:buClr>
-                <a:schemeClr val="dk1"/>
-              </a:buClr>
-              <a:buSzPts val="1800"/>
-              <a:buFont typeface="Arial"/>
-              <a:buChar char="•"/>
-              <a:defRPr/>
-            </a:pPr>
-            <a:endParaRPr lang="en-US" sz="1800" kern="0" dirty="0">
-              <a:solidFill>
-                <a:schemeClr val="dk1"/>
-              </a:solidFill>
-              <a:latin typeface="Arial"/>
-              <a:ea typeface="Arial"/>
-              <a:cs typeface="Arial"/>
-              <a:sym typeface="Arial"/>
-            </a:endParaRPr>
-          </a:p>
-          <a:p>
-            <a:pPr marL="285750" indent="-285750" eaLnBrk="1" fontAlgn="auto" hangingPunct="1">
-              <a:spcBef>
-                <a:spcPts val="0"/>
-              </a:spcBef>
-              <a:spcAft>
-                <a:spcPts val="0"/>
-              </a:spcAft>
-              <a:buClr>
-                <a:schemeClr val="dk1"/>
-              </a:buClr>
-              <a:buSzPts val="1800"/>
-              <a:buFont typeface="Arial"/>
-              <a:buChar char="•"/>
-              <a:defRPr/>
-            </a:pPr>
-            <a:endParaRPr lang="en-US" sz="1800" kern="0" dirty="0">
-              <a:solidFill>
-                <a:schemeClr val="dk1"/>
-              </a:solidFill>
-              <a:latin typeface="Arial"/>
-              <a:ea typeface="Arial"/>
-              <a:cs typeface="Arial"/>
-              <a:sym typeface="Arial"/>
-            </a:endParaRPr>
-          </a:p>
-          <a:p>
-            <a:pPr marL="285750" indent="-285750" eaLnBrk="1" fontAlgn="auto" hangingPunct="1">
-              <a:spcBef>
-                <a:spcPts val="0"/>
-              </a:spcBef>
-              <a:spcAft>
-                <a:spcPts val="0"/>
-              </a:spcAft>
-              <a:buClr>
-                <a:schemeClr val="dk1"/>
-              </a:buClr>
-              <a:buSzPts val="1800"/>
-              <a:buFont typeface="Arial"/>
-              <a:buChar char="•"/>
-              <a:defRPr/>
-            </a:pPr>
-            <a:endParaRPr kern="0" dirty="0">
-              <a:latin typeface="Arial"/>
-              <a:ea typeface="Arial"/>
-              <a:cs typeface="Arial"/>
-              <a:sym typeface="Arial"/>
-            </a:endParaRPr>
-          </a:p>
-          <a:p>
-            <a:pPr lvl="1" eaLnBrk="1" fontAlgn="auto" hangingPunct="1">
-              <a:spcBef>
-                <a:spcPts val="0"/>
-              </a:spcBef>
-              <a:spcAft>
-                <a:spcPts val="0"/>
-              </a:spcAft>
-              <a:buClr>
-                <a:srgbClr val="000000"/>
-              </a:buClr>
-              <a:buFont typeface="Arial"/>
-              <a:buNone/>
-              <a:defRPr/>
-            </a:pPr>
-            <a:endParaRPr sz="1800" kern="0" dirty="0">
-              <a:solidFill>
-                <a:schemeClr val="dk1"/>
-              </a:solidFill>
-              <a:latin typeface="Arial"/>
-              <a:ea typeface="Arial"/>
-              <a:cs typeface="Arial"/>
-              <a:sym typeface="Arial"/>
-            </a:endParaRPr>
-          </a:p>
-          <a:p>
-            <a:pPr eaLnBrk="1" fontAlgn="auto" hangingPunct="1">
-              <a:spcBef>
-                <a:spcPts val="0"/>
-              </a:spcBef>
-              <a:spcAft>
-                <a:spcPts val="0"/>
-              </a:spcAft>
-              <a:buClr>
-                <a:srgbClr val="000000"/>
-              </a:buClr>
-              <a:buFont typeface="Arial"/>
-              <a:buNone/>
-              <a:defRPr/>
-            </a:pPr>
-            <a:endParaRPr sz="1800" kern="0" dirty="0">
-              <a:solidFill>
-                <a:schemeClr val="dk1"/>
-              </a:solidFill>
-              <a:latin typeface="Arial"/>
-              <a:ea typeface="Arial"/>
-              <a:cs typeface="Arial"/>
-              <a:sym typeface="Arial"/>
-            </a:endParaRPr>
-          </a:p>
-        </p:txBody>
-      </p:sp>
-      <p:sp>
-        <p:nvSpPr>
-          <p:cNvPr id="28678" name="Google Shape;241;p24">
-            <a:extLst>
-              <a:ext uri="{FF2B5EF4-FFF2-40B4-BE49-F238E27FC236}">
-                <a16:creationId xmlns:a16="http://schemas.microsoft.com/office/drawing/2014/main" id="{03B7F70B-78CA-4C01-81DE-0EFFF0238E3A}"/>
-              </a:ext>
-            </a:extLst>
-          </p:cNvPr>
-          <p:cNvSpPr txBox="1">
-            <a:spLocks noChangeArrowheads="1"/>
-          </p:cNvSpPr>
-          <p:nvPr/>
-        </p:nvSpPr>
-        <p:spPr bwMode="auto">
-          <a:xfrm>
-            <a:off x="201613" y="92075"/>
-            <a:ext cx="7539037" cy="714375"/>
-          </a:xfrm>
-          <a:prstGeom prst="rect">
-            <a:avLst/>
-          </a:prstGeom>
-          <a:noFill/>
-          <a:ln w="9525">
-            <a:solidFill>
-              <a:schemeClr val="tx1"/>
-            </a:solidFill>
-            <a:round/>
-            <a:headEnd type="none" w="sm" len="sm"/>
-            <a:tailEnd type="none" w="sm" len="sm"/>
-          </a:ln>
-          <a:extLst>
-            <a:ext uri="{909E8E84-426E-40DD-AFC4-6F175D3DCCD1}">
-              <a14:hiddenFill xmlns:a14="http://schemas.microsoft.com/office/drawing/2010/main">
-                <a:solidFill>
-                  <a:srgbClr val="FFFFFF"/>
-                </a:solidFill>
-              </a14:hiddenFill>
-            </a:ext>
-          </a:extLst>
-        </p:spPr>
-        <p:txBody>
-          <a:bodyPr lIns="91425" tIns="45700" rIns="91425" bIns="45700" anchor="ctr"/>
-          <a:lstStyle>
-            <a:lvl1pPr>
-              <a:buClr>
-                <a:srgbClr val="000000"/>
-              </a:buClr>
-              <a:buFont typeface="Arial" panose="020B0604020202020204" pitchFamily="34" charset="0"/>
-              <a:defRPr sz="1400">
-                <a:solidFill>
-                  <a:srgbClr val="000000"/>
-                </a:solidFill>
-                <a:latin typeface="Arial" panose="020B0604020202020204" pitchFamily="34" charset="0"/>
-                <a:cs typeface="Arial" panose="020B0604020202020204" pitchFamily="34" charset="0"/>
-                <a:sym typeface="Arial" panose="020B0604020202020204" pitchFamily="34" charset="0"/>
-              </a:defRPr>
-            </a:lvl1pPr>
-            <a:lvl2pPr marL="742950" indent="-285750">
-              <a:buClr>
-                <a:srgbClr val="000000"/>
-              </a:buClr>
-              <a:buFont typeface="Arial" panose="020B0604020202020204" pitchFamily="34" charset="0"/>
-              <a:defRPr sz="1400">
-                <a:solidFill>
-                  <a:srgbClr val="000000"/>
-                </a:solidFill>
-                <a:latin typeface="Arial" panose="020B0604020202020204" pitchFamily="34" charset="0"/>
-                <a:cs typeface="Arial" panose="020B0604020202020204" pitchFamily="34" charset="0"/>
-                <a:sym typeface="Arial" panose="020B0604020202020204" pitchFamily="34" charset="0"/>
-              </a:defRPr>
-            </a:lvl2pPr>
-            <a:lvl3pPr marL="1143000" indent="-228600">
-              <a:buClr>
-                <a:srgbClr val="000000"/>
-              </a:buClr>
-              <a:buFont typeface="Arial" panose="020B0604020202020204" pitchFamily="34" charset="0"/>
-              <a:defRPr sz="1400">
-                <a:solidFill>
-                  <a:srgbClr val="000000"/>
-                </a:solidFill>
-                <a:latin typeface="Arial" panose="020B0604020202020204" pitchFamily="34" charset="0"/>
-                <a:cs typeface="Arial" panose="020B0604020202020204" pitchFamily="34" charset="0"/>
-                <a:sym typeface="Arial" panose="020B0604020202020204" pitchFamily="34" charset="0"/>
-              </a:defRPr>
-            </a:lvl3pPr>
-            <a:lvl4pPr marL="1600200" indent="-228600">
-              <a:buClr>
-                <a:srgbClr val="000000"/>
-              </a:buClr>
-              <a:buFont typeface="Arial" panose="020B0604020202020204" pitchFamily="34" charset="0"/>
-              <a:defRPr sz="1400">
-                <a:solidFill>
-                  <a:srgbClr val="000000"/>
-                </a:solidFill>
-                <a:latin typeface="Arial" panose="020B0604020202020204" pitchFamily="34" charset="0"/>
-                <a:cs typeface="Arial" panose="020B0604020202020204" pitchFamily="34" charset="0"/>
-                <a:sym typeface="Arial" panose="020B0604020202020204" pitchFamily="34" charset="0"/>
-              </a:defRPr>
-            </a:lvl4pPr>
-            <a:lvl5pPr marL="2057400" indent="-228600">
-              <a:buClr>
-                <a:srgbClr val="000000"/>
-              </a:buClr>
-              <a:buFont typeface="Arial" panose="020B0604020202020204" pitchFamily="34" charset="0"/>
-              <a:defRPr sz="1400">
-                <a:solidFill>
-                  <a:srgbClr val="000000"/>
-                </a:solidFill>
-                <a:latin typeface="Arial" panose="020B0604020202020204" pitchFamily="34" charset="0"/>
-                <a:cs typeface="Arial" panose="020B0604020202020204" pitchFamily="34" charset="0"/>
-                <a:sym typeface="Arial" panose="020B0604020202020204" pitchFamily="34" charset="0"/>
-              </a:defRPr>
-            </a:lvl5pPr>
-            <a:lvl6pPr marL="2514600" indent="-228600" eaLnBrk="0" fontAlgn="base" hangingPunct="0">
-              <a:spcBef>
-                <a:spcPct val="0"/>
-              </a:spcBef>
-              <a:spcAft>
-                <a:spcPct val="0"/>
-              </a:spcAft>
-              <a:buClr>
-                <a:srgbClr val="000000"/>
-              </a:buClr>
-              <a:buFont typeface="Arial" panose="020B0604020202020204" pitchFamily="34" charset="0"/>
-              <a:defRPr sz="1400">
-                <a:solidFill>
-                  <a:srgbClr val="000000"/>
-                </a:solidFill>
-                <a:latin typeface="Arial" panose="020B0604020202020204" pitchFamily="34" charset="0"/>
-                <a:cs typeface="Arial" panose="020B0604020202020204" pitchFamily="34" charset="0"/>
-                <a:sym typeface="Arial" panose="020B0604020202020204" pitchFamily="34" charset="0"/>
-              </a:defRPr>
-            </a:lvl6pPr>
-            <a:lvl7pPr marL="2971800" indent="-228600" eaLnBrk="0" fontAlgn="base" hangingPunct="0">
-              <a:spcBef>
-                <a:spcPct val="0"/>
-              </a:spcBef>
-              <a:spcAft>
-                <a:spcPct val="0"/>
-              </a:spcAft>
-              <a:buClr>
-                <a:srgbClr val="000000"/>
-              </a:buClr>
-              <a:buFont typeface="Arial" panose="020B0604020202020204" pitchFamily="34" charset="0"/>
-              <a:defRPr sz="1400">
-                <a:solidFill>
-                  <a:srgbClr val="000000"/>
-                </a:solidFill>
-                <a:latin typeface="Arial" panose="020B0604020202020204" pitchFamily="34" charset="0"/>
-                <a:cs typeface="Arial" panose="020B0604020202020204" pitchFamily="34" charset="0"/>
-                <a:sym typeface="Arial" panose="020B0604020202020204" pitchFamily="34" charset="0"/>
-              </a:defRPr>
-            </a:lvl7pPr>
-            <a:lvl8pPr marL="3429000" indent="-228600" eaLnBrk="0" fontAlgn="base" hangingPunct="0">
-              <a:spcBef>
-                <a:spcPct val="0"/>
-              </a:spcBef>
-              <a:spcAft>
-                <a:spcPct val="0"/>
-              </a:spcAft>
-              <a:buClr>
-                <a:srgbClr val="000000"/>
-              </a:buClr>
-              <a:buFont typeface="Arial" panose="020B0604020202020204" pitchFamily="34" charset="0"/>
-              <a:defRPr sz="1400">
-                <a:solidFill>
-                  <a:srgbClr val="000000"/>
-                </a:solidFill>
-                <a:latin typeface="Arial" panose="020B0604020202020204" pitchFamily="34" charset="0"/>
-                <a:cs typeface="Arial" panose="020B0604020202020204" pitchFamily="34" charset="0"/>
-                <a:sym typeface="Arial" panose="020B0604020202020204" pitchFamily="34" charset="0"/>
-              </a:defRPr>
-            </a:lvl8pPr>
-            <a:lvl9pPr marL="3886200" indent="-228600" eaLnBrk="0" fontAlgn="base" hangingPunct="0">
-              <a:spcBef>
-                <a:spcPct val="0"/>
-              </a:spcBef>
-              <a:spcAft>
-                <a:spcPct val="0"/>
-              </a:spcAft>
-              <a:buClr>
-                <a:srgbClr val="000000"/>
-              </a:buClr>
-              <a:buFont typeface="Arial" panose="020B0604020202020204" pitchFamily="34" charset="0"/>
-              <a:defRPr sz="1400">
-                <a:solidFill>
-                  <a:srgbClr val="000000"/>
-                </a:solidFill>
-                <a:latin typeface="Arial" panose="020B0604020202020204" pitchFamily="34" charset="0"/>
-                <a:cs typeface="Arial" panose="020B0604020202020204" pitchFamily="34" charset="0"/>
-                <a:sym typeface="Arial" panose="020B0604020202020204" pitchFamily="34" charset="0"/>
-              </a:defRPr>
-            </a:lvl9pPr>
-          </a:lstStyle>
-          <a:p>
-            <a:pPr eaLnBrk="1" hangingPunct="1">
-              <a:lnSpc>
-                <a:spcPct val="90000"/>
-              </a:lnSpc>
-              <a:buSzPts val="2800"/>
-              <a:buFont typeface="Helvetica Neue" charset="0"/>
-              <a:buNone/>
-            </a:pPr>
-            <a:r>
-              <a:rPr lang="en-US" altLang="en-US" sz="2800">
-                <a:latin typeface="Helvetica Neue" charset="0"/>
-                <a:cs typeface="Helvetica Neue" charset="0"/>
-                <a:sym typeface="Helvetica Neue" charset="0"/>
-              </a:rPr>
-              <a:t>Core Goals - Algorithm Milestone Progress</a:t>
-            </a:r>
-            <a:endParaRPr lang="en-US" altLang="en-US">
-              <a:cs typeface="Helvetica Neue" charset="0"/>
-            </a:endParaRPr>
-          </a:p>
-        </p:txBody>
-      </p:sp>
-      <p:pic>
-        <p:nvPicPr>
-          <p:cNvPr id="7" name="Picture 6">
-            <a:extLst>
-              <a:ext uri="{FF2B5EF4-FFF2-40B4-BE49-F238E27FC236}">
-                <a16:creationId xmlns:a16="http://schemas.microsoft.com/office/drawing/2014/main" id="{C324CFC0-8ED7-4930-94A7-59DB8B9FE62B}"/>
+                <a16:creationId xmlns:a16="http://schemas.microsoft.com/office/drawing/2014/main" id="{0E3ACB64-6388-4387-B043-C665666EE247}"/>
               </a:ext>
             </a:extLst>
           </p:cNvPr>
@@ -18444,7 +21252,7 @@
           <p:nvPr/>
         </p:nvPicPr>
         <p:blipFill>
-          <a:blip r:embed="rId2"/>
+          <a:blip r:embed="rId3"/>
           <a:stretch>
             <a:fillRect/>
           </a:stretch>
@@ -18459,6 +21267,74 @@
           </a:prstGeom>
         </p:spPr>
       </p:pic>
+      <p:sp>
+        <p:nvSpPr>
+          <p:cNvPr id="6" name="TextBox 5">
+            <a:extLst>
+              <a:ext uri="{FF2B5EF4-FFF2-40B4-BE49-F238E27FC236}">
+                <a16:creationId xmlns:a16="http://schemas.microsoft.com/office/drawing/2014/main" id="{317D8BF8-52ED-4202-B032-5AE1E3B32A30}"/>
+              </a:ext>
+            </a:extLst>
+          </p:cNvPr>
+          <p:cNvSpPr txBox="1"/>
+          <p:nvPr/>
+        </p:nvSpPr>
+        <p:spPr>
+          <a:xfrm>
+            <a:off x="200484" y="1092530"/>
+            <a:ext cx="7677398" cy="2123658"/>
+          </a:xfrm>
+          <a:prstGeom prst="rect">
+            <a:avLst/>
+          </a:prstGeom>
+          <a:noFill/>
+        </p:spPr>
+        <p:txBody>
+          <a:bodyPr wrap="square" rtlCol="0">
+            <a:spAutoFit/>
+          </a:bodyPr>
+          <a:lstStyle/>
+          <a:p>
+            <a:r>
+              <a:rPr lang="en-US" sz="2400" b="1" dirty="0"/>
+              <a:t>Hybrid CNN-ELM:</a:t>
+            </a:r>
+          </a:p>
+          <a:p>
+            <a:endParaRPr lang="en-US" dirty="0"/>
+          </a:p>
+          <a:p>
+            <a:r>
+              <a:rPr lang="en-US" dirty="0"/>
+              <a:t>Describe this.</a:t>
+            </a:r>
+          </a:p>
+          <a:p>
+            <a:r>
+              <a:rPr lang="en-US" dirty="0"/>
+              <a:t>What is it used for?</a:t>
+            </a:r>
+          </a:p>
+          <a:p>
+            <a:r>
+              <a:rPr lang="en-US" dirty="0"/>
+              <a:t>Provide advantages and disadvantages</a:t>
+            </a:r>
+          </a:p>
+          <a:p>
+            <a:r>
+              <a:rPr lang="en-US" dirty="0"/>
+              <a:t>Add a graphic </a:t>
+            </a:r>
+          </a:p>
+          <a:p>
+            <a:r>
+              <a:rPr lang="en-US" dirty="0"/>
+              <a:t>Add some math</a:t>
+            </a:r>
+          </a:p>
+        </p:txBody>
+      </p:sp>
     </p:spTree>
   </p:cSld>
   <p:clrMapOvr>
@@ -18486,10 +21362,228 @@
       </p:grpSpPr>
       <p:sp>
         <p:nvSpPr>
-          <p:cNvPr id="29698" name="Slide Number Placeholder 1">
+          <p:cNvPr id="11269" name="Google Shape;159;p18">
             <a:extLst>
               <a:ext uri="{FF2B5EF4-FFF2-40B4-BE49-F238E27FC236}">
-                <a16:creationId xmlns:a16="http://schemas.microsoft.com/office/drawing/2014/main" id="{3B578A0B-78AB-4965-9DFF-98037219E692}"/>
+                <a16:creationId xmlns:a16="http://schemas.microsoft.com/office/drawing/2014/main" id="{2FCC923B-32C8-4F51-86C3-55498352DB11}"/>
+              </a:ext>
+            </a:extLst>
+          </p:cNvPr>
+          <p:cNvSpPr txBox="1">
+            <a:spLocks noChangeArrowheads="1"/>
+          </p:cNvSpPr>
+          <p:nvPr/>
+        </p:nvSpPr>
+        <p:spPr bwMode="auto">
+          <a:xfrm>
+            <a:off x="201612" y="92075"/>
+            <a:ext cx="6905431" cy="714375"/>
+          </a:xfrm>
+          <a:prstGeom prst="rect">
+            <a:avLst/>
+          </a:prstGeom>
+          <a:noFill/>
+          <a:ln w="9525">
+            <a:solidFill>
+              <a:schemeClr val="tx1"/>
+            </a:solidFill>
+            <a:round/>
+            <a:headEnd type="none" w="sm" len="sm"/>
+            <a:tailEnd type="none" w="sm" len="sm"/>
+          </a:ln>
+          <a:extLst>
+            <a:ext uri="{909E8E84-426E-40DD-AFC4-6F175D3DCCD1}">
+              <a14:hiddenFill xmlns:a14="http://schemas.microsoft.com/office/drawing/2010/main">
+                <a:solidFill>
+                  <a:srgbClr val="FFFFFF"/>
+                </a:solidFill>
+              </a14:hiddenFill>
+            </a:ext>
+          </a:extLst>
+        </p:spPr>
+        <p:txBody>
+          <a:bodyPr lIns="91425" tIns="45700" rIns="91425" bIns="45700" anchor="ctr"/>
+          <a:lstStyle>
+            <a:lvl1pPr>
+              <a:buClr>
+                <a:srgbClr val="000000"/>
+              </a:buClr>
+              <a:buFont typeface="Arial" panose="020B0604020202020204" pitchFamily="34" charset="0"/>
+              <a:defRPr sz="1400">
+                <a:solidFill>
+                  <a:srgbClr val="000000"/>
+                </a:solidFill>
+                <a:latin typeface="Arial" panose="020B0604020202020204" pitchFamily="34" charset="0"/>
+                <a:cs typeface="Arial" panose="020B0604020202020204" pitchFamily="34" charset="0"/>
+                <a:sym typeface="Arial" panose="020B0604020202020204" pitchFamily="34" charset="0"/>
+              </a:defRPr>
+            </a:lvl1pPr>
+            <a:lvl2pPr marL="742950" indent="-285750">
+              <a:buClr>
+                <a:srgbClr val="000000"/>
+              </a:buClr>
+              <a:buFont typeface="Arial" panose="020B0604020202020204" pitchFamily="34" charset="0"/>
+              <a:defRPr sz="1400">
+                <a:solidFill>
+                  <a:srgbClr val="000000"/>
+                </a:solidFill>
+                <a:latin typeface="Arial" panose="020B0604020202020204" pitchFamily="34" charset="0"/>
+                <a:cs typeface="Arial" panose="020B0604020202020204" pitchFamily="34" charset="0"/>
+                <a:sym typeface="Arial" panose="020B0604020202020204" pitchFamily="34" charset="0"/>
+              </a:defRPr>
+            </a:lvl2pPr>
+            <a:lvl3pPr marL="1143000" indent="-228600">
+              <a:buClr>
+                <a:srgbClr val="000000"/>
+              </a:buClr>
+              <a:buFont typeface="Arial" panose="020B0604020202020204" pitchFamily="34" charset="0"/>
+              <a:defRPr sz="1400">
+                <a:solidFill>
+                  <a:srgbClr val="000000"/>
+                </a:solidFill>
+                <a:latin typeface="Arial" panose="020B0604020202020204" pitchFamily="34" charset="0"/>
+                <a:cs typeface="Arial" panose="020B0604020202020204" pitchFamily="34" charset="0"/>
+                <a:sym typeface="Arial" panose="020B0604020202020204" pitchFamily="34" charset="0"/>
+              </a:defRPr>
+            </a:lvl3pPr>
+            <a:lvl4pPr marL="1600200" indent="-228600">
+              <a:buClr>
+                <a:srgbClr val="000000"/>
+              </a:buClr>
+              <a:buFont typeface="Arial" panose="020B0604020202020204" pitchFamily="34" charset="0"/>
+              <a:defRPr sz="1400">
+                <a:solidFill>
+                  <a:srgbClr val="000000"/>
+                </a:solidFill>
+                <a:latin typeface="Arial" panose="020B0604020202020204" pitchFamily="34" charset="0"/>
+                <a:cs typeface="Arial" panose="020B0604020202020204" pitchFamily="34" charset="0"/>
+                <a:sym typeface="Arial" panose="020B0604020202020204" pitchFamily="34" charset="0"/>
+              </a:defRPr>
+            </a:lvl4pPr>
+            <a:lvl5pPr marL="2057400" indent="-228600">
+              <a:buClr>
+                <a:srgbClr val="000000"/>
+              </a:buClr>
+              <a:buFont typeface="Arial" panose="020B0604020202020204" pitchFamily="34" charset="0"/>
+              <a:defRPr sz="1400">
+                <a:solidFill>
+                  <a:srgbClr val="000000"/>
+                </a:solidFill>
+                <a:latin typeface="Arial" panose="020B0604020202020204" pitchFamily="34" charset="0"/>
+                <a:cs typeface="Arial" panose="020B0604020202020204" pitchFamily="34" charset="0"/>
+                <a:sym typeface="Arial" panose="020B0604020202020204" pitchFamily="34" charset="0"/>
+              </a:defRPr>
+            </a:lvl5pPr>
+            <a:lvl6pPr marL="2514600" indent="-228600" eaLnBrk="0" fontAlgn="base" hangingPunct="0">
+              <a:spcBef>
+                <a:spcPct val="0"/>
+              </a:spcBef>
+              <a:spcAft>
+                <a:spcPct val="0"/>
+              </a:spcAft>
+              <a:buClr>
+                <a:srgbClr val="000000"/>
+              </a:buClr>
+              <a:buFont typeface="Arial" panose="020B0604020202020204" pitchFamily="34" charset="0"/>
+              <a:defRPr sz="1400">
+                <a:solidFill>
+                  <a:srgbClr val="000000"/>
+                </a:solidFill>
+                <a:latin typeface="Arial" panose="020B0604020202020204" pitchFamily="34" charset="0"/>
+                <a:cs typeface="Arial" panose="020B0604020202020204" pitchFamily="34" charset="0"/>
+                <a:sym typeface="Arial" panose="020B0604020202020204" pitchFamily="34" charset="0"/>
+              </a:defRPr>
+            </a:lvl6pPr>
+            <a:lvl7pPr marL="2971800" indent="-228600" eaLnBrk="0" fontAlgn="base" hangingPunct="0">
+              <a:spcBef>
+                <a:spcPct val="0"/>
+              </a:spcBef>
+              <a:spcAft>
+                <a:spcPct val="0"/>
+              </a:spcAft>
+              <a:buClr>
+                <a:srgbClr val="000000"/>
+              </a:buClr>
+              <a:buFont typeface="Arial" panose="020B0604020202020204" pitchFamily="34" charset="0"/>
+              <a:defRPr sz="1400">
+                <a:solidFill>
+                  <a:srgbClr val="000000"/>
+                </a:solidFill>
+                <a:latin typeface="Arial" panose="020B0604020202020204" pitchFamily="34" charset="0"/>
+                <a:cs typeface="Arial" panose="020B0604020202020204" pitchFamily="34" charset="0"/>
+                <a:sym typeface="Arial" panose="020B0604020202020204" pitchFamily="34" charset="0"/>
+              </a:defRPr>
+            </a:lvl7pPr>
+            <a:lvl8pPr marL="3429000" indent="-228600" eaLnBrk="0" fontAlgn="base" hangingPunct="0">
+              <a:spcBef>
+                <a:spcPct val="0"/>
+              </a:spcBef>
+              <a:spcAft>
+                <a:spcPct val="0"/>
+              </a:spcAft>
+              <a:buClr>
+                <a:srgbClr val="000000"/>
+              </a:buClr>
+              <a:buFont typeface="Arial" panose="020B0604020202020204" pitchFamily="34" charset="0"/>
+              <a:defRPr sz="1400">
+                <a:solidFill>
+                  <a:srgbClr val="000000"/>
+                </a:solidFill>
+                <a:latin typeface="Arial" panose="020B0604020202020204" pitchFamily="34" charset="0"/>
+                <a:cs typeface="Arial" panose="020B0604020202020204" pitchFamily="34" charset="0"/>
+                <a:sym typeface="Arial" panose="020B0604020202020204" pitchFamily="34" charset="0"/>
+              </a:defRPr>
+            </a:lvl8pPr>
+            <a:lvl9pPr marL="3886200" indent="-228600" eaLnBrk="0" fontAlgn="base" hangingPunct="0">
+              <a:spcBef>
+                <a:spcPct val="0"/>
+              </a:spcBef>
+              <a:spcAft>
+                <a:spcPct val="0"/>
+              </a:spcAft>
+              <a:buClr>
+                <a:srgbClr val="000000"/>
+              </a:buClr>
+              <a:buFont typeface="Arial" panose="020B0604020202020204" pitchFamily="34" charset="0"/>
+              <a:defRPr sz="1400">
+                <a:solidFill>
+                  <a:srgbClr val="000000"/>
+                </a:solidFill>
+                <a:latin typeface="Arial" panose="020B0604020202020204" pitchFamily="34" charset="0"/>
+                <a:cs typeface="Arial" panose="020B0604020202020204" pitchFamily="34" charset="0"/>
+                <a:sym typeface="Arial" panose="020B0604020202020204" pitchFamily="34" charset="0"/>
+              </a:defRPr>
+            </a:lvl9pPr>
+          </a:lstStyle>
+          <a:p>
+            <a:pPr algn="ctr" eaLnBrk="1" hangingPunct="1">
+              <a:lnSpc>
+                <a:spcPct val="90000"/>
+              </a:lnSpc>
+              <a:buSzPts val="2800"/>
+              <a:buFont typeface="Helvetica Neue" charset="0"/>
+              <a:buNone/>
+            </a:pPr>
+            <a:r>
+              <a:rPr lang="en-US" altLang="en-US" sz="2800" dirty="0">
+                <a:latin typeface="Helvetica Neue" charset="0"/>
+                <a:cs typeface="Helvetica Neue" charset="0"/>
+                <a:sym typeface="Helvetica Neue" charset="0"/>
+              </a:rPr>
+              <a:t>Research and Deep dive into algorithms</a:t>
+            </a:r>
+            <a:endParaRPr lang="en-US" altLang="en-US" dirty="0">
+              <a:cs typeface="Helvetica Neue" charset="0"/>
+            </a:endParaRPr>
+          </a:p>
+        </p:txBody>
+      </p:sp>
+      <p:sp>
+        <p:nvSpPr>
+          <p:cNvPr id="11271" name="Google Shape;161;p18">
+            <a:extLst>
+              <a:ext uri="{FF2B5EF4-FFF2-40B4-BE49-F238E27FC236}">
+                <a16:creationId xmlns:a16="http://schemas.microsoft.com/office/drawing/2014/main" id="{238C9E5D-5A7F-4F4F-B37A-7568517167CA}"/>
               </a:ext>
             </a:extLst>
           </p:cNvPr>
@@ -18688,7 +21782,7 @@
               </a:pPr>
               <a:t>8</a:t>
             </a:fld>
-            <a:endParaRPr lang="uk-UA" altLang="en-US" sz="1200">
+            <a:endParaRPr lang="en-US" altLang="en-US" sz="1200">
               <a:solidFill>
                 <a:srgbClr val="888888"/>
               </a:solidFill>
@@ -18698,462 +21792,10 @@
       </p:sp>
       <p:pic>
         <p:nvPicPr>
-          <p:cNvPr id="29699" name="Picture 2" descr="Screen Shot 2019-06-09 at 3.47.39 PM.png">
+          <p:cNvPr id="9" name="Picture 8">
             <a:extLst>
               <a:ext uri="{FF2B5EF4-FFF2-40B4-BE49-F238E27FC236}">
-                <a16:creationId xmlns:a16="http://schemas.microsoft.com/office/drawing/2014/main" id="{3A39EDDA-4CB5-4C44-88BC-65D9C344806B}"/>
-              </a:ext>
-            </a:extLst>
-          </p:cNvPr>
-          <p:cNvPicPr>
-            <a:picLocks noChangeAspect="1" noChangeArrowheads="1"/>
-          </p:cNvPicPr>
-          <p:nvPr/>
-        </p:nvPicPr>
-        <p:blipFill>
-          <a:blip r:embed="rId2">
-            <a:extLst>
-              <a:ext uri="{28A0092B-C50C-407E-A947-70E740481C1C}">
-                <a14:useLocalDpi xmlns:a14="http://schemas.microsoft.com/office/drawing/2010/main" val="0"/>
-              </a:ext>
-            </a:extLst>
-          </a:blip>
-          <a:srcRect/>
-          <a:stretch>
-            <a:fillRect/>
-          </a:stretch>
-        </p:blipFill>
-        <p:spPr bwMode="auto">
-          <a:xfrm>
-            <a:off x="190500" y="2225675"/>
-            <a:ext cx="11734800" cy="2286000"/>
-          </a:xfrm>
-          <a:prstGeom prst="rect">
-            <a:avLst/>
-          </a:prstGeom>
-          <a:noFill/>
-          <a:ln>
-            <a:noFill/>
-          </a:ln>
-          <a:extLst>
-            <a:ext uri="{909E8E84-426E-40DD-AFC4-6F175D3DCCD1}">
-              <a14:hiddenFill xmlns:a14="http://schemas.microsoft.com/office/drawing/2010/main">
-                <a:solidFill>
-                  <a:srgbClr val="FFFFFF"/>
-                </a:solidFill>
-              </a14:hiddenFill>
-            </a:ext>
-            <a:ext uri="{91240B29-F687-4F45-9708-019B960494DF}">
-              <a14:hiddenLine xmlns:a14="http://schemas.microsoft.com/office/drawing/2010/main" w="9525">
-                <a:solidFill>
-                  <a:srgbClr val="000000"/>
-                </a:solidFill>
-                <a:miter lim="800000"/>
-                <a:headEnd/>
-                <a:tailEnd/>
-              </a14:hiddenLine>
-            </a:ext>
-          </a:extLst>
-        </p:spPr>
-      </p:pic>
-      <p:sp>
-        <p:nvSpPr>
-          <p:cNvPr id="29701" name="Google Shape;241;p24">
-            <a:extLst>
-              <a:ext uri="{FF2B5EF4-FFF2-40B4-BE49-F238E27FC236}">
-                <a16:creationId xmlns:a16="http://schemas.microsoft.com/office/drawing/2014/main" id="{71154DE1-D377-4ADC-BC63-6AA306DA9CEE}"/>
-              </a:ext>
-            </a:extLst>
-          </p:cNvPr>
-          <p:cNvSpPr txBox="1">
-            <a:spLocks noChangeArrowheads="1"/>
-          </p:cNvSpPr>
-          <p:nvPr/>
-        </p:nvSpPr>
-        <p:spPr bwMode="auto">
-          <a:xfrm>
-            <a:off x="228600" y="119063"/>
-            <a:ext cx="7539038" cy="714375"/>
-          </a:xfrm>
-          <a:prstGeom prst="rect">
-            <a:avLst/>
-          </a:prstGeom>
-          <a:noFill/>
-          <a:ln w="9525">
-            <a:solidFill>
-              <a:schemeClr val="tx1"/>
-            </a:solidFill>
-            <a:round/>
-            <a:headEnd type="none" w="sm" len="sm"/>
-            <a:tailEnd type="none" w="sm" len="sm"/>
-          </a:ln>
-          <a:extLst>
-            <a:ext uri="{909E8E84-426E-40DD-AFC4-6F175D3DCCD1}">
-              <a14:hiddenFill xmlns:a14="http://schemas.microsoft.com/office/drawing/2010/main">
-                <a:solidFill>
-                  <a:srgbClr val="FFFFFF"/>
-                </a:solidFill>
-              </a14:hiddenFill>
-            </a:ext>
-          </a:extLst>
-        </p:spPr>
-        <p:txBody>
-          <a:bodyPr lIns="91425" tIns="45700" rIns="91425" bIns="45700" anchor="ctr"/>
-          <a:lstStyle>
-            <a:lvl1pPr>
-              <a:buClr>
-                <a:srgbClr val="000000"/>
-              </a:buClr>
-              <a:buFont typeface="Arial" panose="020B0604020202020204" pitchFamily="34" charset="0"/>
-              <a:defRPr sz="1400">
-                <a:solidFill>
-                  <a:srgbClr val="000000"/>
-                </a:solidFill>
-                <a:latin typeface="Arial" panose="020B0604020202020204" pitchFamily="34" charset="0"/>
-                <a:cs typeface="Arial" panose="020B0604020202020204" pitchFamily="34" charset="0"/>
-                <a:sym typeface="Arial" panose="020B0604020202020204" pitchFamily="34" charset="0"/>
-              </a:defRPr>
-            </a:lvl1pPr>
-            <a:lvl2pPr marL="742950" indent="-285750">
-              <a:buClr>
-                <a:srgbClr val="000000"/>
-              </a:buClr>
-              <a:buFont typeface="Arial" panose="020B0604020202020204" pitchFamily="34" charset="0"/>
-              <a:defRPr sz="1400">
-                <a:solidFill>
-                  <a:srgbClr val="000000"/>
-                </a:solidFill>
-                <a:latin typeface="Arial" panose="020B0604020202020204" pitchFamily="34" charset="0"/>
-                <a:cs typeface="Arial" panose="020B0604020202020204" pitchFamily="34" charset="0"/>
-                <a:sym typeface="Arial" panose="020B0604020202020204" pitchFamily="34" charset="0"/>
-              </a:defRPr>
-            </a:lvl2pPr>
-            <a:lvl3pPr marL="1143000" indent="-228600">
-              <a:buClr>
-                <a:srgbClr val="000000"/>
-              </a:buClr>
-              <a:buFont typeface="Arial" panose="020B0604020202020204" pitchFamily="34" charset="0"/>
-              <a:defRPr sz="1400">
-                <a:solidFill>
-                  <a:srgbClr val="000000"/>
-                </a:solidFill>
-                <a:latin typeface="Arial" panose="020B0604020202020204" pitchFamily="34" charset="0"/>
-                <a:cs typeface="Arial" panose="020B0604020202020204" pitchFamily="34" charset="0"/>
-                <a:sym typeface="Arial" panose="020B0604020202020204" pitchFamily="34" charset="0"/>
-              </a:defRPr>
-            </a:lvl3pPr>
-            <a:lvl4pPr marL="1600200" indent="-228600">
-              <a:buClr>
-                <a:srgbClr val="000000"/>
-              </a:buClr>
-              <a:buFont typeface="Arial" panose="020B0604020202020204" pitchFamily="34" charset="0"/>
-              <a:defRPr sz="1400">
-                <a:solidFill>
-                  <a:srgbClr val="000000"/>
-                </a:solidFill>
-                <a:latin typeface="Arial" panose="020B0604020202020204" pitchFamily="34" charset="0"/>
-                <a:cs typeface="Arial" panose="020B0604020202020204" pitchFamily="34" charset="0"/>
-                <a:sym typeface="Arial" panose="020B0604020202020204" pitchFamily="34" charset="0"/>
-              </a:defRPr>
-            </a:lvl4pPr>
-            <a:lvl5pPr marL="2057400" indent="-228600">
-              <a:buClr>
-                <a:srgbClr val="000000"/>
-              </a:buClr>
-              <a:buFont typeface="Arial" panose="020B0604020202020204" pitchFamily="34" charset="0"/>
-              <a:defRPr sz="1400">
-                <a:solidFill>
-                  <a:srgbClr val="000000"/>
-                </a:solidFill>
-                <a:latin typeface="Arial" panose="020B0604020202020204" pitchFamily="34" charset="0"/>
-                <a:cs typeface="Arial" panose="020B0604020202020204" pitchFamily="34" charset="0"/>
-                <a:sym typeface="Arial" panose="020B0604020202020204" pitchFamily="34" charset="0"/>
-              </a:defRPr>
-            </a:lvl5pPr>
-            <a:lvl6pPr marL="2514600" indent="-228600" eaLnBrk="0" fontAlgn="base" hangingPunct="0">
-              <a:spcBef>
-                <a:spcPct val="0"/>
-              </a:spcBef>
-              <a:spcAft>
-                <a:spcPct val="0"/>
-              </a:spcAft>
-              <a:buClr>
-                <a:srgbClr val="000000"/>
-              </a:buClr>
-              <a:buFont typeface="Arial" panose="020B0604020202020204" pitchFamily="34" charset="0"/>
-              <a:defRPr sz="1400">
-                <a:solidFill>
-                  <a:srgbClr val="000000"/>
-                </a:solidFill>
-                <a:latin typeface="Arial" panose="020B0604020202020204" pitchFamily="34" charset="0"/>
-                <a:cs typeface="Arial" panose="020B0604020202020204" pitchFamily="34" charset="0"/>
-                <a:sym typeface="Arial" panose="020B0604020202020204" pitchFamily="34" charset="0"/>
-              </a:defRPr>
-            </a:lvl6pPr>
-            <a:lvl7pPr marL="2971800" indent="-228600" eaLnBrk="0" fontAlgn="base" hangingPunct="0">
-              <a:spcBef>
-                <a:spcPct val="0"/>
-              </a:spcBef>
-              <a:spcAft>
-                <a:spcPct val="0"/>
-              </a:spcAft>
-              <a:buClr>
-                <a:srgbClr val="000000"/>
-              </a:buClr>
-              <a:buFont typeface="Arial" panose="020B0604020202020204" pitchFamily="34" charset="0"/>
-              <a:defRPr sz="1400">
-                <a:solidFill>
-                  <a:srgbClr val="000000"/>
-                </a:solidFill>
-                <a:latin typeface="Arial" panose="020B0604020202020204" pitchFamily="34" charset="0"/>
-                <a:cs typeface="Arial" panose="020B0604020202020204" pitchFamily="34" charset="0"/>
-                <a:sym typeface="Arial" panose="020B0604020202020204" pitchFamily="34" charset="0"/>
-              </a:defRPr>
-            </a:lvl7pPr>
-            <a:lvl8pPr marL="3429000" indent="-228600" eaLnBrk="0" fontAlgn="base" hangingPunct="0">
-              <a:spcBef>
-                <a:spcPct val="0"/>
-              </a:spcBef>
-              <a:spcAft>
-                <a:spcPct val="0"/>
-              </a:spcAft>
-              <a:buClr>
-                <a:srgbClr val="000000"/>
-              </a:buClr>
-              <a:buFont typeface="Arial" panose="020B0604020202020204" pitchFamily="34" charset="0"/>
-              <a:defRPr sz="1400">
-                <a:solidFill>
-                  <a:srgbClr val="000000"/>
-                </a:solidFill>
-                <a:latin typeface="Arial" panose="020B0604020202020204" pitchFamily="34" charset="0"/>
-                <a:cs typeface="Arial" panose="020B0604020202020204" pitchFamily="34" charset="0"/>
-                <a:sym typeface="Arial" panose="020B0604020202020204" pitchFamily="34" charset="0"/>
-              </a:defRPr>
-            </a:lvl8pPr>
-            <a:lvl9pPr marL="3886200" indent="-228600" eaLnBrk="0" fontAlgn="base" hangingPunct="0">
-              <a:spcBef>
-                <a:spcPct val="0"/>
-              </a:spcBef>
-              <a:spcAft>
-                <a:spcPct val="0"/>
-              </a:spcAft>
-              <a:buClr>
-                <a:srgbClr val="000000"/>
-              </a:buClr>
-              <a:buFont typeface="Arial" panose="020B0604020202020204" pitchFamily="34" charset="0"/>
-              <a:defRPr sz="1400">
-                <a:solidFill>
-                  <a:srgbClr val="000000"/>
-                </a:solidFill>
-                <a:latin typeface="Arial" panose="020B0604020202020204" pitchFamily="34" charset="0"/>
-                <a:cs typeface="Arial" panose="020B0604020202020204" pitchFamily="34" charset="0"/>
-                <a:sym typeface="Arial" panose="020B0604020202020204" pitchFamily="34" charset="0"/>
-              </a:defRPr>
-            </a:lvl9pPr>
-          </a:lstStyle>
-          <a:p>
-            <a:pPr eaLnBrk="1" hangingPunct="1">
-              <a:lnSpc>
-                <a:spcPct val="90000"/>
-              </a:lnSpc>
-              <a:buSzPts val="2800"/>
-              <a:buFont typeface="Helvetica Neue" charset="0"/>
-              <a:buNone/>
-            </a:pPr>
-            <a:r>
-              <a:rPr lang="en-US" altLang="en-US" sz="2800">
-                <a:latin typeface="Helvetica Neue" charset="0"/>
-                <a:cs typeface="Helvetica Neue" charset="0"/>
-                <a:sym typeface="Helvetica Neue" charset="0"/>
-              </a:rPr>
-              <a:t>Core Goals - Execution Log </a:t>
-            </a:r>
-            <a:endParaRPr lang="en-US" altLang="en-US">
-              <a:cs typeface="Helvetica Neue" charset="0"/>
-            </a:endParaRPr>
-          </a:p>
-        </p:txBody>
-      </p:sp>
-      <p:sp>
-        <p:nvSpPr>
-          <p:cNvPr id="29702" name="TextBox 1">
-            <a:extLst>
-              <a:ext uri="{FF2B5EF4-FFF2-40B4-BE49-F238E27FC236}">
-                <a16:creationId xmlns:a16="http://schemas.microsoft.com/office/drawing/2014/main" id="{0F1C3B5B-E3E8-49C7-9006-37A148F16F8E}"/>
-              </a:ext>
-            </a:extLst>
-          </p:cNvPr>
-          <p:cNvSpPr txBox="1">
-            <a:spLocks noChangeArrowheads="1"/>
-          </p:cNvSpPr>
-          <p:nvPr/>
-        </p:nvSpPr>
-        <p:spPr bwMode="auto">
-          <a:xfrm>
-            <a:off x="190500" y="1757363"/>
-            <a:ext cx="5397500" cy="369887"/>
-          </a:xfrm>
-          <a:prstGeom prst="rect">
-            <a:avLst/>
-          </a:prstGeom>
-          <a:noFill/>
-          <a:ln>
-            <a:noFill/>
-          </a:ln>
-          <a:extLst>
-            <a:ext uri="{909E8E84-426E-40DD-AFC4-6F175D3DCCD1}">
-              <a14:hiddenFill xmlns:a14="http://schemas.microsoft.com/office/drawing/2010/main">
-                <a:solidFill>
-                  <a:srgbClr val="FFFFFF"/>
-                </a:solidFill>
-              </a14:hiddenFill>
-            </a:ext>
-            <a:ext uri="{91240B29-F687-4F45-9708-019B960494DF}">
-              <a14:hiddenLine xmlns:a14="http://schemas.microsoft.com/office/drawing/2010/main" w="9525">
-                <a:solidFill>
-                  <a:srgbClr val="000000"/>
-                </a:solidFill>
-                <a:miter lim="800000"/>
-                <a:headEnd/>
-                <a:tailEnd/>
-              </a14:hiddenLine>
-            </a:ext>
-          </a:extLst>
-        </p:spPr>
-        <p:txBody>
-          <a:bodyPr>
-            <a:spAutoFit/>
-          </a:bodyPr>
-          <a:lstStyle>
-            <a:lvl1pPr>
-              <a:defRPr sz="1400">
-                <a:solidFill>
-                  <a:srgbClr val="000000"/>
-                </a:solidFill>
-                <a:latin typeface="Arial" panose="020B0604020202020204" pitchFamily="34" charset="0"/>
-                <a:cs typeface="Arial" panose="020B0604020202020204" pitchFamily="34" charset="0"/>
-                <a:sym typeface="Arial" panose="020B0604020202020204" pitchFamily="34" charset="0"/>
-              </a:defRPr>
-            </a:lvl1pPr>
-            <a:lvl2pPr marL="742950" indent="-285750">
-              <a:defRPr sz="1400">
-                <a:solidFill>
-                  <a:srgbClr val="000000"/>
-                </a:solidFill>
-                <a:latin typeface="Arial" panose="020B0604020202020204" pitchFamily="34" charset="0"/>
-                <a:cs typeface="Arial" panose="020B0604020202020204" pitchFamily="34" charset="0"/>
-                <a:sym typeface="Arial" panose="020B0604020202020204" pitchFamily="34" charset="0"/>
-              </a:defRPr>
-            </a:lvl2pPr>
-            <a:lvl3pPr marL="1143000" indent="-228600">
-              <a:defRPr sz="1400">
-                <a:solidFill>
-                  <a:srgbClr val="000000"/>
-                </a:solidFill>
-                <a:latin typeface="Arial" panose="020B0604020202020204" pitchFamily="34" charset="0"/>
-                <a:cs typeface="Arial" panose="020B0604020202020204" pitchFamily="34" charset="0"/>
-                <a:sym typeface="Arial" panose="020B0604020202020204" pitchFamily="34" charset="0"/>
-              </a:defRPr>
-            </a:lvl3pPr>
-            <a:lvl4pPr marL="1600200" indent="-228600">
-              <a:defRPr sz="1400">
-                <a:solidFill>
-                  <a:srgbClr val="000000"/>
-                </a:solidFill>
-                <a:latin typeface="Arial" panose="020B0604020202020204" pitchFamily="34" charset="0"/>
-                <a:cs typeface="Arial" panose="020B0604020202020204" pitchFamily="34" charset="0"/>
-                <a:sym typeface="Arial" panose="020B0604020202020204" pitchFamily="34" charset="0"/>
-              </a:defRPr>
-            </a:lvl4pPr>
-            <a:lvl5pPr marL="2057400" indent="-228600">
-              <a:defRPr sz="1400">
-                <a:solidFill>
-                  <a:srgbClr val="000000"/>
-                </a:solidFill>
-                <a:latin typeface="Arial" panose="020B0604020202020204" pitchFamily="34" charset="0"/>
-                <a:cs typeface="Arial" panose="020B0604020202020204" pitchFamily="34" charset="0"/>
-                <a:sym typeface="Arial" panose="020B0604020202020204" pitchFamily="34" charset="0"/>
-              </a:defRPr>
-            </a:lvl5pPr>
-            <a:lvl6pPr marL="2514600" indent="-228600" eaLnBrk="0" fontAlgn="base" hangingPunct="0">
-              <a:spcBef>
-                <a:spcPct val="0"/>
-              </a:spcBef>
-              <a:spcAft>
-                <a:spcPct val="0"/>
-              </a:spcAft>
-              <a:defRPr sz="1400">
-                <a:solidFill>
-                  <a:srgbClr val="000000"/>
-                </a:solidFill>
-                <a:latin typeface="Arial" panose="020B0604020202020204" pitchFamily="34" charset="0"/>
-                <a:cs typeface="Arial" panose="020B0604020202020204" pitchFamily="34" charset="0"/>
-                <a:sym typeface="Arial" panose="020B0604020202020204" pitchFamily="34" charset="0"/>
-              </a:defRPr>
-            </a:lvl6pPr>
-            <a:lvl7pPr marL="2971800" indent="-228600" eaLnBrk="0" fontAlgn="base" hangingPunct="0">
-              <a:spcBef>
-                <a:spcPct val="0"/>
-              </a:spcBef>
-              <a:spcAft>
-                <a:spcPct val="0"/>
-              </a:spcAft>
-              <a:defRPr sz="1400">
-                <a:solidFill>
-                  <a:srgbClr val="000000"/>
-                </a:solidFill>
-                <a:latin typeface="Arial" panose="020B0604020202020204" pitchFamily="34" charset="0"/>
-                <a:cs typeface="Arial" panose="020B0604020202020204" pitchFamily="34" charset="0"/>
-                <a:sym typeface="Arial" panose="020B0604020202020204" pitchFamily="34" charset="0"/>
-              </a:defRPr>
-            </a:lvl7pPr>
-            <a:lvl8pPr marL="3429000" indent="-228600" eaLnBrk="0" fontAlgn="base" hangingPunct="0">
-              <a:spcBef>
-                <a:spcPct val="0"/>
-              </a:spcBef>
-              <a:spcAft>
-                <a:spcPct val="0"/>
-              </a:spcAft>
-              <a:defRPr sz="1400">
-                <a:solidFill>
-                  <a:srgbClr val="000000"/>
-                </a:solidFill>
-                <a:latin typeface="Arial" panose="020B0604020202020204" pitchFamily="34" charset="0"/>
-                <a:cs typeface="Arial" panose="020B0604020202020204" pitchFamily="34" charset="0"/>
-                <a:sym typeface="Arial" panose="020B0604020202020204" pitchFamily="34" charset="0"/>
-              </a:defRPr>
-            </a:lvl8pPr>
-            <a:lvl9pPr marL="3886200" indent="-228600" eaLnBrk="0" fontAlgn="base" hangingPunct="0">
-              <a:spcBef>
-                <a:spcPct val="0"/>
-              </a:spcBef>
-              <a:spcAft>
-                <a:spcPct val="0"/>
-              </a:spcAft>
-              <a:defRPr sz="1400">
-                <a:solidFill>
-                  <a:srgbClr val="000000"/>
-                </a:solidFill>
-                <a:latin typeface="Arial" panose="020B0604020202020204" pitchFamily="34" charset="0"/>
-                <a:cs typeface="Arial" panose="020B0604020202020204" pitchFamily="34" charset="0"/>
-                <a:sym typeface="Arial" panose="020B0604020202020204" pitchFamily="34" charset="0"/>
-              </a:defRPr>
-            </a:lvl9pPr>
-          </a:lstStyle>
-          <a:p>
-            <a:r>
-              <a:rPr lang="en-US" altLang="en-US" sz="1800"/>
-              <a:t>From ARGO:</a:t>
-            </a:r>
-          </a:p>
-        </p:txBody>
-      </p:sp>
-      <p:pic>
-        <p:nvPicPr>
-          <p:cNvPr id="7" name="Picture 6">
-            <a:extLst>
-              <a:ext uri="{FF2B5EF4-FFF2-40B4-BE49-F238E27FC236}">
-                <a16:creationId xmlns:a16="http://schemas.microsoft.com/office/drawing/2014/main" id="{D976475D-FC86-4280-A147-2DE55B822018}"/>
+                <a16:creationId xmlns:a16="http://schemas.microsoft.com/office/drawing/2014/main" id="{0E3ACB64-6388-4387-B043-C665666EE247}"/>
               </a:ext>
             </a:extLst>
           </p:cNvPr>
@@ -19178,7 +21820,80 @@
           </a:prstGeom>
         </p:spPr>
       </p:pic>
+      <p:sp>
+        <p:nvSpPr>
+          <p:cNvPr id="3" name="TextBox 2">
+            <a:extLst>
+              <a:ext uri="{FF2B5EF4-FFF2-40B4-BE49-F238E27FC236}">
+                <a16:creationId xmlns:a16="http://schemas.microsoft.com/office/drawing/2014/main" id="{1F6E23A2-B31E-4C94-A46A-1A44F625F888}"/>
+              </a:ext>
+            </a:extLst>
+          </p:cNvPr>
+          <p:cNvSpPr txBox="1"/>
+          <p:nvPr/>
+        </p:nvSpPr>
+        <p:spPr>
+          <a:xfrm>
+            <a:off x="308758" y="1258784"/>
+            <a:ext cx="7677398" cy="2123658"/>
+          </a:xfrm>
+          <a:prstGeom prst="rect">
+            <a:avLst/>
+          </a:prstGeom>
+          <a:noFill/>
+        </p:spPr>
+        <p:txBody>
+          <a:bodyPr wrap="square" rtlCol="0">
+            <a:spAutoFit/>
+          </a:bodyPr>
+          <a:lstStyle/>
+          <a:p>
+            <a:r>
+              <a:rPr lang="en-US" sz="2400" b="1" dirty="0"/>
+              <a:t>Mask R- CNN:</a:t>
+            </a:r>
+          </a:p>
+          <a:p>
+            <a:endParaRPr lang="en-US" dirty="0"/>
+          </a:p>
+          <a:p>
+            <a:r>
+              <a:rPr lang="en-US" dirty="0"/>
+              <a:t>Describe this.</a:t>
+            </a:r>
+          </a:p>
+          <a:p>
+            <a:r>
+              <a:rPr lang="en-US" dirty="0"/>
+              <a:t>What is it used for?</a:t>
+            </a:r>
+          </a:p>
+          <a:p>
+            <a:r>
+              <a:rPr lang="en-US" dirty="0"/>
+              <a:t>Provide advantages and disadvantages</a:t>
+            </a:r>
+          </a:p>
+          <a:p>
+            <a:r>
+              <a:rPr lang="en-US" dirty="0"/>
+              <a:t>Add a graphic </a:t>
+            </a:r>
+          </a:p>
+          <a:p>
+            <a:r>
+              <a:rPr lang="en-US" dirty="0"/>
+              <a:t>Add some math</a:t>
+            </a:r>
+          </a:p>
+        </p:txBody>
+      </p:sp>
     </p:spTree>
+    <p:extLst>
+      <p:ext uri="{BB962C8B-B14F-4D97-AF65-F5344CB8AC3E}">
+        <p14:creationId xmlns:p14="http://schemas.microsoft.com/office/powerpoint/2010/main" val="2337137731"/>
+      </p:ext>
+    </p:extLst>
   </p:cSld>
   <p:clrMapOvr>
     <a:masterClrMapping/>
@@ -19205,10 +21920,228 @@
       </p:grpSpPr>
       <p:sp>
         <p:nvSpPr>
-          <p:cNvPr id="30722" name="Slide Number Placeholder 1">
+          <p:cNvPr id="11269" name="Google Shape;159;p18">
             <a:extLst>
               <a:ext uri="{FF2B5EF4-FFF2-40B4-BE49-F238E27FC236}">
-                <a16:creationId xmlns:a16="http://schemas.microsoft.com/office/drawing/2014/main" id="{DA71B869-7DAA-4D17-B7DF-67CAF8248B0A}"/>
+                <a16:creationId xmlns:a16="http://schemas.microsoft.com/office/drawing/2014/main" id="{2FCC923B-32C8-4F51-86C3-55498352DB11}"/>
+              </a:ext>
+            </a:extLst>
+          </p:cNvPr>
+          <p:cNvSpPr txBox="1">
+            <a:spLocks noChangeArrowheads="1"/>
+          </p:cNvSpPr>
+          <p:nvPr/>
+        </p:nvSpPr>
+        <p:spPr bwMode="auto">
+          <a:xfrm>
+            <a:off x="201612" y="92075"/>
+            <a:ext cx="6905431" cy="714375"/>
+          </a:xfrm>
+          <a:prstGeom prst="rect">
+            <a:avLst/>
+          </a:prstGeom>
+          <a:noFill/>
+          <a:ln w="9525">
+            <a:solidFill>
+              <a:schemeClr val="tx1"/>
+            </a:solidFill>
+            <a:round/>
+            <a:headEnd type="none" w="sm" len="sm"/>
+            <a:tailEnd type="none" w="sm" len="sm"/>
+          </a:ln>
+          <a:extLst>
+            <a:ext uri="{909E8E84-426E-40DD-AFC4-6F175D3DCCD1}">
+              <a14:hiddenFill xmlns:a14="http://schemas.microsoft.com/office/drawing/2010/main">
+                <a:solidFill>
+                  <a:srgbClr val="FFFFFF"/>
+                </a:solidFill>
+              </a14:hiddenFill>
+            </a:ext>
+          </a:extLst>
+        </p:spPr>
+        <p:txBody>
+          <a:bodyPr lIns="91425" tIns="45700" rIns="91425" bIns="45700" anchor="ctr"/>
+          <a:lstStyle>
+            <a:lvl1pPr>
+              <a:buClr>
+                <a:srgbClr val="000000"/>
+              </a:buClr>
+              <a:buFont typeface="Arial" panose="020B0604020202020204" pitchFamily="34" charset="0"/>
+              <a:defRPr sz="1400">
+                <a:solidFill>
+                  <a:srgbClr val="000000"/>
+                </a:solidFill>
+                <a:latin typeface="Arial" panose="020B0604020202020204" pitchFamily="34" charset="0"/>
+                <a:cs typeface="Arial" panose="020B0604020202020204" pitchFamily="34" charset="0"/>
+                <a:sym typeface="Arial" panose="020B0604020202020204" pitchFamily="34" charset="0"/>
+              </a:defRPr>
+            </a:lvl1pPr>
+            <a:lvl2pPr marL="742950" indent="-285750">
+              <a:buClr>
+                <a:srgbClr val="000000"/>
+              </a:buClr>
+              <a:buFont typeface="Arial" panose="020B0604020202020204" pitchFamily="34" charset="0"/>
+              <a:defRPr sz="1400">
+                <a:solidFill>
+                  <a:srgbClr val="000000"/>
+                </a:solidFill>
+                <a:latin typeface="Arial" panose="020B0604020202020204" pitchFamily="34" charset="0"/>
+                <a:cs typeface="Arial" panose="020B0604020202020204" pitchFamily="34" charset="0"/>
+                <a:sym typeface="Arial" panose="020B0604020202020204" pitchFamily="34" charset="0"/>
+              </a:defRPr>
+            </a:lvl2pPr>
+            <a:lvl3pPr marL="1143000" indent="-228600">
+              <a:buClr>
+                <a:srgbClr val="000000"/>
+              </a:buClr>
+              <a:buFont typeface="Arial" panose="020B0604020202020204" pitchFamily="34" charset="0"/>
+              <a:defRPr sz="1400">
+                <a:solidFill>
+                  <a:srgbClr val="000000"/>
+                </a:solidFill>
+                <a:latin typeface="Arial" panose="020B0604020202020204" pitchFamily="34" charset="0"/>
+                <a:cs typeface="Arial" panose="020B0604020202020204" pitchFamily="34" charset="0"/>
+                <a:sym typeface="Arial" panose="020B0604020202020204" pitchFamily="34" charset="0"/>
+              </a:defRPr>
+            </a:lvl3pPr>
+            <a:lvl4pPr marL="1600200" indent="-228600">
+              <a:buClr>
+                <a:srgbClr val="000000"/>
+              </a:buClr>
+              <a:buFont typeface="Arial" panose="020B0604020202020204" pitchFamily="34" charset="0"/>
+              <a:defRPr sz="1400">
+                <a:solidFill>
+                  <a:srgbClr val="000000"/>
+                </a:solidFill>
+                <a:latin typeface="Arial" panose="020B0604020202020204" pitchFamily="34" charset="0"/>
+                <a:cs typeface="Arial" panose="020B0604020202020204" pitchFamily="34" charset="0"/>
+                <a:sym typeface="Arial" panose="020B0604020202020204" pitchFamily="34" charset="0"/>
+              </a:defRPr>
+            </a:lvl4pPr>
+            <a:lvl5pPr marL="2057400" indent="-228600">
+              <a:buClr>
+                <a:srgbClr val="000000"/>
+              </a:buClr>
+              <a:buFont typeface="Arial" panose="020B0604020202020204" pitchFamily="34" charset="0"/>
+              <a:defRPr sz="1400">
+                <a:solidFill>
+                  <a:srgbClr val="000000"/>
+                </a:solidFill>
+                <a:latin typeface="Arial" panose="020B0604020202020204" pitchFamily="34" charset="0"/>
+                <a:cs typeface="Arial" panose="020B0604020202020204" pitchFamily="34" charset="0"/>
+                <a:sym typeface="Arial" panose="020B0604020202020204" pitchFamily="34" charset="0"/>
+              </a:defRPr>
+            </a:lvl5pPr>
+            <a:lvl6pPr marL="2514600" indent="-228600" eaLnBrk="0" fontAlgn="base" hangingPunct="0">
+              <a:spcBef>
+                <a:spcPct val="0"/>
+              </a:spcBef>
+              <a:spcAft>
+                <a:spcPct val="0"/>
+              </a:spcAft>
+              <a:buClr>
+                <a:srgbClr val="000000"/>
+              </a:buClr>
+              <a:buFont typeface="Arial" panose="020B0604020202020204" pitchFamily="34" charset="0"/>
+              <a:defRPr sz="1400">
+                <a:solidFill>
+                  <a:srgbClr val="000000"/>
+                </a:solidFill>
+                <a:latin typeface="Arial" panose="020B0604020202020204" pitchFamily="34" charset="0"/>
+                <a:cs typeface="Arial" panose="020B0604020202020204" pitchFamily="34" charset="0"/>
+                <a:sym typeface="Arial" panose="020B0604020202020204" pitchFamily="34" charset="0"/>
+              </a:defRPr>
+            </a:lvl6pPr>
+            <a:lvl7pPr marL="2971800" indent="-228600" eaLnBrk="0" fontAlgn="base" hangingPunct="0">
+              <a:spcBef>
+                <a:spcPct val="0"/>
+              </a:spcBef>
+              <a:spcAft>
+                <a:spcPct val="0"/>
+              </a:spcAft>
+              <a:buClr>
+                <a:srgbClr val="000000"/>
+              </a:buClr>
+              <a:buFont typeface="Arial" panose="020B0604020202020204" pitchFamily="34" charset="0"/>
+              <a:defRPr sz="1400">
+                <a:solidFill>
+                  <a:srgbClr val="000000"/>
+                </a:solidFill>
+                <a:latin typeface="Arial" panose="020B0604020202020204" pitchFamily="34" charset="0"/>
+                <a:cs typeface="Arial" panose="020B0604020202020204" pitchFamily="34" charset="0"/>
+                <a:sym typeface="Arial" panose="020B0604020202020204" pitchFamily="34" charset="0"/>
+              </a:defRPr>
+            </a:lvl7pPr>
+            <a:lvl8pPr marL="3429000" indent="-228600" eaLnBrk="0" fontAlgn="base" hangingPunct="0">
+              <a:spcBef>
+                <a:spcPct val="0"/>
+              </a:spcBef>
+              <a:spcAft>
+                <a:spcPct val="0"/>
+              </a:spcAft>
+              <a:buClr>
+                <a:srgbClr val="000000"/>
+              </a:buClr>
+              <a:buFont typeface="Arial" panose="020B0604020202020204" pitchFamily="34" charset="0"/>
+              <a:defRPr sz="1400">
+                <a:solidFill>
+                  <a:srgbClr val="000000"/>
+                </a:solidFill>
+                <a:latin typeface="Arial" panose="020B0604020202020204" pitchFamily="34" charset="0"/>
+                <a:cs typeface="Arial" panose="020B0604020202020204" pitchFamily="34" charset="0"/>
+                <a:sym typeface="Arial" panose="020B0604020202020204" pitchFamily="34" charset="0"/>
+              </a:defRPr>
+            </a:lvl8pPr>
+            <a:lvl9pPr marL="3886200" indent="-228600" eaLnBrk="0" fontAlgn="base" hangingPunct="0">
+              <a:spcBef>
+                <a:spcPct val="0"/>
+              </a:spcBef>
+              <a:spcAft>
+                <a:spcPct val="0"/>
+              </a:spcAft>
+              <a:buClr>
+                <a:srgbClr val="000000"/>
+              </a:buClr>
+              <a:buFont typeface="Arial" panose="020B0604020202020204" pitchFamily="34" charset="0"/>
+              <a:defRPr sz="1400">
+                <a:solidFill>
+                  <a:srgbClr val="000000"/>
+                </a:solidFill>
+                <a:latin typeface="Arial" panose="020B0604020202020204" pitchFamily="34" charset="0"/>
+                <a:cs typeface="Arial" panose="020B0604020202020204" pitchFamily="34" charset="0"/>
+                <a:sym typeface="Arial" panose="020B0604020202020204" pitchFamily="34" charset="0"/>
+              </a:defRPr>
+            </a:lvl9pPr>
+          </a:lstStyle>
+          <a:p>
+            <a:pPr algn="ctr" eaLnBrk="1" hangingPunct="1">
+              <a:lnSpc>
+                <a:spcPct val="90000"/>
+              </a:lnSpc>
+              <a:buSzPts val="2800"/>
+              <a:buFont typeface="Helvetica Neue" charset="0"/>
+              <a:buNone/>
+            </a:pPr>
+            <a:r>
+              <a:rPr lang="en-US" altLang="en-US" sz="2800" dirty="0">
+                <a:latin typeface="Helvetica Neue" charset="0"/>
+                <a:cs typeface="Helvetica Neue" charset="0"/>
+                <a:sym typeface="Helvetica Neue" charset="0"/>
+              </a:rPr>
+              <a:t>Research and Deep dive into algorithms</a:t>
+            </a:r>
+            <a:endParaRPr lang="en-US" altLang="en-US" dirty="0">
+              <a:cs typeface="Helvetica Neue" charset="0"/>
+            </a:endParaRPr>
+          </a:p>
+        </p:txBody>
+      </p:sp>
+      <p:sp>
+        <p:nvSpPr>
+          <p:cNvPr id="11271" name="Google Shape;161;p18">
+            <a:extLst>
+              <a:ext uri="{FF2B5EF4-FFF2-40B4-BE49-F238E27FC236}">
+                <a16:creationId xmlns:a16="http://schemas.microsoft.com/office/drawing/2014/main" id="{238C9E5D-5A7F-4F4F-B37A-7568517167CA}"/>
               </a:ext>
             </a:extLst>
           </p:cNvPr>
@@ -19407,7 +22340,7 @@
               </a:pPr>
               <a:t>9</a:t>
             </a:fld>
-            <a:endParaRPr lang="uk-UA" altLang="en-US" sz="1200">
+            <a:endParaRPr lang="en-US" altLang="en-US" sz="1200">
               <a:solidFill>
                 <a:srgbClr val="888888"/>
               </a:solidFill>
@@ -19417,288 +22350,10 @@
       </p:sp>
       <p:pic>
         <p:nvPicPr>
-          <p:cNvPr id="30723" name="Picture 2" descr="Screen Shot 2019-06-09 at 3.46.55 PM.png">
+          <p:cNvPr id="9" name="Picture 8">
             <a:extLst>
               <a:ext uri="{FF2B5EF4-FFF2-40B4-BE49-F238E27FC236}">
-                <a16:creationId xmlns:a16="http://schemas.microsoft.com/office/drawing/2014/main" id="{FB2122C0-C0C1-48E8-BA3F-973458CF38E2}"/>
-              </a:ext>
-            </a:extLst>
-          </p:cNvPr>
-          <p:cNvPicPr>
-            <a:picLocks noChangeAspect="1" noChangeArrowheads="1"/>
-          </p:cNvPicPr>
-          <p:nvPr/>
-        </p:nvPicPr>
-        <p:blipFill>
-          <a:blip r:embed="rId2">
-            <a:extLst>
-              <a:ext uri="{28A0092B-C50C-407E-A947-70E740481C1C}">
-                <a14:useLocalDpi xmlns:a14="http://schemas.microsoft.com/office/drawing/2010/main" val="0"/>
-              </a:ext>
-            </a:extLst>
-          </a:blip>
-          <a:srcRect/>
-          <a:stretch>
-            <a:fillRect/>
-          </a:stretch>
-        </p:blipFill>
-        <p:spPr bwMode="auto">
-          <a:xfrm>
-            <a:off x="731838" y="1397000"/>
-            <a:ext cx="6589712" cy="5075238"/>
-          </a:xfrm>
-          <a:prstGeom prst="rect">
-            <a:avLst/>
-          </a:prstGeom>
-          <a:noFill/>
-          <a:ln>
-            <a:noFill/>
-          </a:ln>
-          <a:extLst>
-            <a:ext uri="{909E8E84-426E-40DD-AFC4-6F175D3DCCD1}">
-              <a14:hiddenFill xmlns:a14="http://schemas.microsoft.com/office/drawing/2010/main">
-                <a:solidFill>
-                  <a:srgbClr val="FFFFFF"/>
-                </a:solidFill>
-              </a14:hiddenFill>
-            </a:ext>
-            <a:ext uri="{91240B29-F687-4F45-9708-019B960494DF}">
-              <a14:hiddenLine xmlns:a14="http://schemas.microsoft.com/office/drawing/2010/main" w="9525">
-                <a:solidFill>
-                  <a:srgbClr val="000000"/>
-                </a:solidFill>
-                <a:miter lim="800000"/>
-                <a:headEnd/>
-                <a:tailEnd/>
-              </a14:hiddenLine>
-            </a:ext>
-          </a:extLst>
-        </p:spPr>
-      </p:pic>
-      <p:sp>
-        <p:nvSpPr>
-          <p:cNvPr id="30725" name="Google Shape;241;p24">
-            <a:extLst>
-              <a:ext uri="{FF2B5EF4-FFF2-40B4-BE49-F238E27FC236}">
-                <a16:creationId xmlns:a16="http://schemas.microsoft.com/office/drawing/2014/main" id="{4289BA5D-DE9D-40EB-9BA5-3AF236EE11A5}"/>
-              </a:ext>
-            </a:extLst>
-          </p:cNvPr>
-          <p:cNvSpPr txBox="1">
-            <a:spLocks noChangeArrowheads="1"/>
-          </p:cNvSpPr>
-          <p:nvPr/>
-        </p:nvSpPr>
-        <p:spPr bwMode="auto">
-          <a:xfrm>
-            <a:off x="260350" y="241300"/>
-            <a:ext cx="7219950" cy="635000"/>
-          </a:xfrm>
-          <a:prstGeom prst="rect">
-            <a:avLst/>
-          </a:prstGeom>
-          <a:noFill/>
-          <a:ln w="9525">
-            <a:solidFill>
-              <a:schemeClr val="tx1"/>
-            </a:solidFill>
-            <a:round/>
-            <a:headEnd type="none" w="sm" len="sm"/>
-            <a:tailEnd type="none" w="sm" len="sm"/>
-          </a:ln>
-          <a:extLst>
-            <a:ext uri="{909E8E84-426E-40DD-AFC4-6F175D3DCCD1}">
-              <a14:hiddenFill xmlns:a14="http://schemas.microsoft.com/office/drawing/2010/main">
-                <a:solidFill>
-                  <a:srgbClr val="FFFFFF"/>
-                </a:solidFill>
-              </a14:hiddenFill>
-            </a:ext>
-          </a:extLst>
-        </p:spPr>
-        <p:txBody>
-          <a:bodyPr lIns="91425" tIns="45700" rIns="91425" bIns="45700" anchor="ctr"/>
-          <a:lstStyle>
-            <a:lvl1pPr>
-              <a:buClr>
-                <a:srgbClr val="000000"/>
-              </a:buClr>
-              <a:buFont typeface="Arial" panose="020B0604020202020204" pitchFamily="34" charset="0"/>
-              <a:defRPr sz="1400">
-                <a:solidFill>
-                  <a:srgbClr val="000000"/>
-                </a:solidFill>
-                <a:latin typeface="Arial" panose="020B0604020202020204" pitchFamily="34" charset="0"/>
-                <a:cs typeface="Arial" panose="020B0604020202020204" pitchFamily="34" charset="0"/>
-                <a:sym typeface="Arial" panose="020B0604020202020204" pitchFamily="34" charset="0"/>
-              </a:defRPr>
-            </a:lvl1pPr>
-            <a:lvl2pPr marL="742950" indent="-285750">
-              <a:buClr>
-                <a:srgbClr val="000000"/>
-              </a:buClr>
-              <a:buFont typeface="Arial" panose="020B0604020202020204" pitchFamily="34" charset="0"/>
-              <a:defRPr sz="1400">
-                <a:solidFill>
-                  <a:srgbClr val="000000"/>
-                </a:solidFill>
-                <a:latin typeface="Arial" panose="020B0604020202020204" pitchFamily="34" charset="0"/>
-                <a:cs typeface="Arial" panose="020B0604020202020204" pitchFamily="34" charset="0"/>
-                <a:sym typeface="Arial" panose="020B0604020202020204" pitchFamily="34" charset="0"/>
-              </a:defRPr>
-            </a:lvl2pPr>
-            <a:lvl3pPr marL="1143000" indent="-228600">
-              <a:buClr>
-                <a:srgbClr val="000000"/>
-              </a:buClr>
-              <a:buFont typeface="Arial" panose="020B0604020202020204" pitchFamily="34" charset="0"/>
-              <a:defRPr sz="1400">
-                <a:solidFill>
-                  <a:srgbClr val="000000"/>
-                </a:solidFill>
-                <a:latin typeface="Arial" panose="020B0604020202020204" pitchFamily="34" charset="0"/>
-                <a:cs typeface="Arial" panose="020B0604020202020204" pitchFamily="34" charset="0"/>
-                <a:sym typeface="Arial" panose="020B0604020202020204" pitchFamily="34" charset="0"/>
-              </a:defRPr>
-            </a:lvl3pPr>
-            <a:lvl4pPr marL="1600200" indent="-228600">
-              <a:buClr>
-                <a:srgbClr val="000000"/>
-              </a:buClr>
-              <a:buFont typeface="Arial" panose="020B0604020202020204" pitchFamily="34" charset="0"/>
-              <a:defRPr sz="1400">
-                <a:solidFill>
-                  <a:srgbClr val="000000"/>
-                </a:solidFill>
-                <a:latin typeface="Arial" panose="020B0604020202020204" pitchFamily="34" charset="0"/>
-                <a:cs typeface="Arial" panose="020B0604020202020204" pitchFamily="34" charset="0"/>
-                <a:sym typeface="Arial" panose="020B0604020202020204" pitchFamily="34" charset="0"/>
-              </a:defRPr>
-            </a:lvl4pPr>
-            <a:lvl5pPr marL="2057400" indent="-228600">
-              <a:buClr>
-                <a:srgbClr val="000000"/>
-              </a:buClr>
-              <a:buFont typeface="Arial" panose="020B0604020202020204" pitchFamily="34" charset="0"/>
-              <a:defRPr sz="1400">
-                <a:solidFill>
-                  <a:srgbClr val="000000"/>
-                </a:solidFill>
-                <a:latin typeface="Arial" panose="020B0604020202020204" pitchFamily="34" charset="0"/>
-                <a:cs typeface="Arial" panose="020B0604020202020204" pitchFamily="34" charset="0"/>
-                <a:sym typeface="Arial" panose="020B0604020202020204" pitchFamily="34" charset="0"/>
-              </a:defRPr>
-            </a:lvl5pPr>
-            <a:lvl6pPr marL="2514600" indent="-228600" eaLnBrk="0" fontAlgn="base" hangingPunct="0">
-              <a:spcBef>
-                <a:spcPct val="0"/>
-              </a:spcBef>
-              <a:spcAft>
-                <a:spcPct val="0"/>
-              </a:spcAft>
-              <a:buClr>
-                <a:srgbClr val="000000"/>
-              </a:buClr>
-              <a:buFont typeface="Arial" panose="020B0604020202020204" pitchFamily="34" charset="0"/>
-              <a:defRPr sz="1400">
-                <a:solidFill>
-                  <a:srgbClr val="000000"/>
-                </a:solidFill>
-                <a:latin typeface="Arial" panose="020B0604020202020204" pitchFamily="34" charset="0"/>
-                <a:cs typeface="Arial" panose="020B0604020202020204" pitchFamily="34" charset="0"/>
-                <a:sym typeface="Arial" panose="020B0604020202020204" pitchFamily="34" charset="0"/>
-              </a:defRPr>
-            </a:lvl6pPr>
-            <a:lvl7pPr marL="2971800" indent="-228600" eaLnBrk="0" fontAlgn="base" hangingPunct="0">
-              <a:spcBef>
-                <a:spcPct val="0"/>
-              </a:spcBef>
-              <a:spcAft>
-                <a:spcPct val="0"/>
-              </a:spcAft>
-              <a:buClr>
-                <a:srgbClr val="000000"/>
-              </a:buClr>
-              <a:buFont typeface="Arial" panose="020B0604020202020204" pitchFamily="34" charset="0"/>
-              <a:defRPr sz="1400">
-                <a:solidFill>
-                  <a:srgbClr val="000000"/>
-                </a:solidFill>
-                <a:latin typeface="Arial" panose="020B0604020202020204" pitchFamily="34" charset="0"/>
-                <a:cs typeface="Arial" panose="020B0604020202020204" pitchFamily="34" charset="0"/>
-                <a:sym typeface="Arial" panose="020B0604020202020204" pitchFamily="34" charset="0"/>
-              </a:defRPr>
-            </a:lvl7pPr>
-            <a:lvl8pPr marL="3429000" indent="-228600" eaLnBrk="0" fontAlgn="base" hangingPunct="0">
-              <a:spcBef>
-                <a:spcPct val="0"/>
-              </a:spcBef>
-              <a:spcAft>
-                <a:spcPct val="0"/>
-              </a:spcAft>
-              <a:buClr>
-                <a:srgbClr val="000000"/>
-              </a:buClr>
-              <a:buFont typeface="Arial" panose="020B0604020202020204" pitchFamily="34" charset="0"/>
-              <a:defRPr sz="1400">
-                <a:solidFill>
-                  <a:srgbClr val="000000"/>
-                </a:solidFill>
-                <a:latin typeface="Arial" panose="020B0604020202020204" pitchFamily="34" charset="0"/>
-                <a:cs typeface="Arial" panose="020B0604020202020204" pitchFamily="34" charset="0"/>
-                <a:sym typeface="Arial" panose="020B0604020202020204" pitchFamily="34" charset="0"/>
-              </a:defRPr>
-            </a:lvl8pPr>
-            <a:lvl9pPr marL="3886200" indent="-228600" eaLnBrk="0" fontAlgn="base" hangingPunct="0">
-              <a:spcBef>
-                <a:spcPct val="0"/>
-              </a:spcBef>
-              <a:spcAft>
-                <a:spcPct val="0"/>
-              </a:spcAft>
-              <a:buClr>
-                <a:srgbClr val="000000"/>
-              </a:buClr>
-              <a:buFont typeface="Arial" panose="020B0604020202020204" pitchFamily="34" charset="0"/>
-              <a:defRPr sz="1400">
-                <a:solidFill>
-                  <a:srgbClr val="000000"/>
-                </a:solidFill>
-                <a:latin typeface="Arial" panose="020B0604020202020204" pitchFamily="34" charset="0"/>
-                <a:cs typeface="Arial" panose="020B0604020202020204" pitchFamily="34" charset="0"/>
-                <a:sym typeface="Arial" panose="020B0604020202020204" pitchFamily="34" charset="0"/>
-              </a:defRPr>
-            </a:lvl9pPr>
-          </a:lstStyle>
-          <a:p>
-            <a:pPr eaLnBrk="1" hangingPunct="1">
-              <a:lnSpc>
-                <a:spcPct val="90000"/>
-              </a:lnSpc>
-              <a:buSzPts val="2800"/>
-              <a:buFont typeface="Helvetica Neue" charset="0"/>
-              <a:buNone/>
-            </a:pPr>
-            <a:r>
-              <a:rPr lang="en-US" altLang="en-US" sz="2800">
-                <a:latin typeface="Helvetica Neue" charset="0"/>
-                <a:cs typeface="Helvetica Neue" charset="0"/>
-                <a:sym typeface="Helvetica Neue" charset="0"/>
-              </a:rPr>
-              <a:t>Core Goals - Performance for Small Dataset</a:t>
-            </a:r>
-            <a:endParaRPr lang="en-US" altLang="en-US">
-              <a:cs typeface="Helvetica Neue" charset="0"/>
-            </a:endParaRPr>
-          </a:p>
-        </p:txBody>
-      </p:sp>
-      <p:pic>
-        <p:nvPicPr>
-          <p:cNvPr id="6" name="Picture 5">
-            <a:extLst>
-              <a:ext uri="{FF2B5EF4-FFF2-40B4-BE49-F238E27FC236}">
-                <a16:creationId xmlns:a16="http://schemas.microsoft.com/office/drawing/2014/main" id="{A4EBE12A-B170-444C-99A1-121412277BD4}"/>
+                <a16:creationId xmlns:a16="http://schemas.microsoft.com/office/drawing/2014/main" id="{0E3ACB64-6388-4387-B043-C665666EE247}"/>
               </a:ext>
             </a:extLst>
           </p:cNvPr>
@@ -19723,7 +22378,80 @@
           </a:prstGeom>
         </p:spPr>
       </p:pic>
+      <p:sp>
+        <p:nvSpPr>
+          <p:cNvPr id="6" name="TextBox 5">
+            <a:extLst>
+              <a:ext uri="{FF2B5EF4-FFF2-40B4-BE49-F238E27FC236}">
+                <a16:creationId xmlns:a16="http://schemas.microsoft.com/office/drawing/2014/main" id="{317D8BF8-52ED-4202-B032-5AE1E3B32A30}"/>
+              </a:ext>
+            </a:extLst>
+          </p:cNvPr>
+          <p:cNvSpPr txBox="1"/>
+          <p:nvPr/>
+        </p:nvSpPr>
+        <p:spPr>
+          <a:xfrm>
+            <a:off x="200484" y="1092530"/>
+            <a:ext cx="7677398" cy="2123658"/>
+          </a:xfrm>
+          <a:prstGeom prst="rect">
+            <a:avLst/>
+          </a:prstGeom>
+          <a:noFill/>
+        </p:spPr>
+        <p:txBody>
+          <a:bodyPr wrap="square" rtlCol="0">
+            <a:spAutoFit/>
+          </a:bodyPr>
+          <a:lstStyle/>
+          <a:p>
+            <a:r>
+              <a:rPr lang="en-US" sz="2400" b="1" dirty="0"/>
+              <a:t>Faster R CNN:</a:t>
+            </a:r>
+          </a:p>
+          <a:p>
+            <a:endParaRPr lang="en-US" dirty="0"/>
+          </a:p>
+          <a:p>
+            <a:r>
+              <a:rPr lang="en-US" dirty="0"/>
+              <a:t>Describe this.</a:t>
+            </a:r>
+          </a:p>
+          <a:p>
+            <a:r>
+              <a:rPr lang="en-US" dirty="0"/>
+              <a:t>What is it used for?</a:t>
+            </a:r>
+          </a:p>
+          <a:p>
+            <a:r>
+              <a:rPr lang="en-US" dirty="0"/>
+              <a:t>Provide advantages and disadvantages</a:t>
+            </a:r>
+          </a:p>
+          <a:p>
+            <a:r>
+              <a:rPr lang="en-US" dirty="0"/>
+              <a:t>Add a graphic </a:t>
+            </a:r>
+          </a:p>
+          <a:p>
+            <a:r>
+              <a:rPr lang="en-US" dirty="0"/>
+              <a:t>Add some math</a:t>
+            </a:r>
+          </a:p>
+        </p:txBody>
+      </p:sp>
     </p:spTree>
+    <p:extLst>
+      <p:ext uri="{BB962C8B-B14F-4D97-AF65-F5344CB8AC3E}">
+        <p14:creationId xmlns:p14="http://schemas.microsoft.com/office/powerpoint/2010/main" val="585113656"/>
+      </p:ext>
+    </p:extLst>
   </p:cSld>
   <p:clrMapOvr>
     <a:masterClrMapping/>

--- a/Documentation/SprintPresentations/Sprint3-Week2.pptx
+++ b/Documentation/SprintPresentations/Sprint3-Week2.pptx
@@ -19,16 +19,16 @@
     <p:sldId id="300" r:id="rId10"/>
     <p:sldId id="301" r:id="rId11"/>
     <p:sldId id="302" r:id="rId12"/>
-    <p:sldId id="268" r:id="rId13"/>
-    <p:sldId id="269" r:id="rId14"/>
-    <p:sldId id="270" r:id="rId15"/>
-    <p:sldId id="292" r:id="rId16"/>
-    <p:sldId id="293" r:id="rId17"/>
-    <p:sldId id="294" r:id="rId18"/>
-    <p:sldId id="295" r:id="rId19"/>
-    <p:sldId id="296" r:id="rId20"/>
-    <p:sldId id="297" r:id="rId21"/>
-    <p:sldId id="273" r:id="rId22"/>
+    <p:sldId id="294" r:id="rId13"/>
+    <p:sldId id="295" r:id="rId14"/>
+    <p:sldId id="296" r:id="rId15"/>
+    <p:sldId id="297" r:id="rId16"/>
+    <p:sldId id="273" r:id="rId17"/>
+    <p:sldId id="268" r:id="rId18"/>
+    <p:sldId id="269" r:id="rId19"/>
+    <p:sldId id="270" r:id="rId20"/>
+    <p:sldId id="292" r:id="rId21"/>
+    <p:sldId id="293" r:id="rId22"/>
   </p:sldIdLst>
   <p:sldSz cx="12192000" cy="6858000"/>
   <p:notesSz cx="6858000" cy="9144000"/>
@@ -813,7 +813,7 @@
     </p:spTree>
     <p:extLst>
       <p:ext uri="{BB962C8B-B14F-4D97-AF65-F5344CB8AC3E}">
-        <p14:creationId xmlns:p14="http://schemas.microsoft.com/office/powerpoint/2010/main" val="582986252"/>
+        <p14:creationId xmlns:p14="http://schemas.microsoft.com/office/powerpoint/2010/main" val="1611353117"/>
       </p:ext>
     </p:extLst>
   </p:cSld>
@@ -899,7 +899,7 @@
     </p:spTree>
     <p:extLst>
       <p:ext uri="{BB962C8B-B14F-4D97-AF65-F5344CB8AC3E}">
-        <p14:creationId xmlns:p14="http://schemas.microsoft.com/office/powerpoint/2010/main" val="2097852652"/>
+        <p14:creationId xmlns:p14="http://schemas.microsoft.com/office/powerpoint/2010/main" val="834730122"/>
       </p:ext>
     </p:extLst>
   </p:cSld>
@@ -985,7 +985,7 @@
     </p:spTree>
     <p:extLst>
       <p:ext uri="{BB962C8B-B14F-4D97-AF65-F5344CB8AC3E}">
-        <p14:creationId xmlns:p14="http://schemas.microsoft.com/office/powerpoint/2010/main" val="1611353117"/>
+        <p14:creationId xmlns:p14="http://schemas.microsoft.com/office/powerpoint/2010/main" val="1133858269"/>
       </p:ext>
     </p:extLst>
   </p:cSld>
@@ -1071,7 +1071,7 @@
     </p:spTree>
     <p:extLst>
       <p:ext uri="{BB962C8B-B14F-4D97-AF65-F5344CB8AC3E}">
-        <p14:creationId xmlns:p14="http://schemas.microsoft.com/office/powerpoint/2010/main" val="834730122"/>
+        <p14:creationId xmlns:p14="http://schemas.microsoft.com/office/powerpoint/2010/main" val="2382409454"/>
       </p:ext>
     </p:extLst>
   </p:cSld>
@@ -1100,10 +1100,10 @@
       </p:grpSpPr>
       <p:sp>
         <p:nvSpPr>
-          <p:cNvPr id="12290" name="Google Shape;153;p5:notes">
+          <p:cNvPr id="25602" name="Google Shape;227;p10:notes">
             <a:extLst>
               <a:ext uri="{FF2B5EF4-FFF2-40B4-BE49-F238E27FC236}">
-                <a16:creationId xmlns:a16="http://schemas.microsoft.com/office/drawing/2014/main" id="{99AD5A57-3D12-4CA7-8374-295586DAC07C}"/>
+                <a16:creationId xmlns:a16="http://schemas.microsoft.com/office/drawing/2014/main" id="{A6A1326B-036C-4A0F-845C-695E52F5B2A5}"/>
               </a:ext>
             </a:extLst>
           </p:cNvPr>
@@ -1132,10 +1132,10 @@
       </p:sp>
       <p:sp>
         <p:nvSpPr>
-          <p:cNvPr id="12291" name="Google Shape;154;p5:notes">
+          <p:cNvPr id="25603" name="Google Shape;228;p10:notes">
             <a:extLst>
               <a:ext uri="{FF2B5EF4-FFF2-40B4-BE49-F238E27FC236}">
-                <a16:creationId xmlns:a16="http://schemas.microsoft.com/office/drawing/2014/main" id="{78A8CB56-1C4F-41DB-BA41-2A5BB97FB270}"/>
+                <a16:creationId xmlns:a16="http://schemas.microsoft.com/office/drawing/2014/main" id="{B4572AFB-85D1-4EC8-815A-0529FB69AB42}"/>
               </a:ext>
             </a:extLst>
           </p:cNvPr>
@@ -1155,11 +1155,6 @@
         </p:spPr>
       </p:sp>
     </p:spTree>
-    <p:extLst>
-      <p:ext uri="{BB962C8B-B14F-4D97-AF65-F5344CB8AC3E}">
-        <p14:creationId xmlns:p14="http://schemas.microsoft.com/office/powerpoint/2010/main" val="1133858269"/>
-      </p:ext>
-    </p:extLst>
   </p:cSld>
   <p:clrMapOvr>
     <a:masterClrMapping/>
@@ -1243,7 +1238,7 @@
     </p:spTree>
     <p:extLst>
       <p:ext uri="{BB962C8B-B14F-4D97-AF65-F5344CB8AC3E}">
-        <p14:creationId xmlns:p14="http://schemas.microsoft.com/office/powerpoint/2010/main" val="2382409454"/>
+        <p14:creationId xmlns:p14="http://schemas.microsoft.com/office/powerpoint/2010/main" val="582986252"/>
       </p:ext>
     </p:extLst>
   </p:cSld>
@@ -1272,10 +1267,10 @@
       </p:grpSpPr>
       <p:sp>
         <p:nvSpPr>
-          <p:cNvPr id="25602" name="Google Shape;227;p10:notes">
+          <p:cNvPr id="12290" name="Google Shape;153;p5:notes">
             <a:extLst>
               <a:ext uri="{FF2B5EF4-FFF2-40B4-BE49-F238E27FC236}">
-                <a16:creationId xmlns:a16="http://schemas.microsoft.com/office/drawing/2014/main" id="{A6A1326B-036C-4A0F-845C-695E52F5B2A5}"/>
+                <a16:creationId xmlns:a16="http://schemas.microsoft.com/office/drawing/2014/main" id="{99AD5A57-3D12-4CA7-8374-295586DAC07C}"/>
               </a:ext>
             </a:extLst>
           </p:cNvPr>
@@ -1304,10 +1299,10 @@
       </p:sp>
       <p:sp>
         <p:nvSpPr>
-          <p:cNvPr id="25603" name="Google Shape;228;p10:notes">
+          <p:cNvPr id="12291" name="Google Shape;154;p5:notes">
             <a:extLst>
               <a:ext uri="{FF2B5EF4-FFF2-40B4-BE49-F238E27FC236}">
-                <a16:creationId xmlns:a16="http://schemas.microsoft.com/office/drawing/2014/main" id="{B4572AFB-85D1-4EC8-815A-0529FB69AB42}"/>
+                <a16:creationId xmlns:a16="http://schemas.microsoft.com/office/drawing/2014/main" id="{78A8CB56-1C4F-41DB-BA41-2A5BB97FB270}"/>
               </a:ext>
             </a:extLst>
           </p:cNvPr>
@@ -1327,6 +1322,11 @@
         </p:spPr>
       </p:sp>
     </p:spTree>
+    <p:extLst>
+      <p:ext uri="{BB962C8B-B14F-4D97-AF65-F5344CB8AC3E}">
+        <p14:creationId xmlns:p14="http://schemas.microsoft.com/office/powerpoint/2010/main" val="2097852652"/>
+      </p:ext>
+    </p:extLst>
   </p:cSld>
   <p:clrMapOvr>
     <a:masterClrMapping/>
@@ -7123,708 +7123,10 @@
       </p:grpSpPr>
       <p:sp>
         <p:nvSpPr>
-          <p:cNvPr id="28674" name="Slide Number Placeholder 1">
+          <p:cNvPr id="11269" name="Google Shape;159;p18">
             <a:extLst>
               <a:ext uri="{FF2B5EF4-FFF2-40B4-BE49-F238E27FC236}">
-                <a16:creationId xmlns:a16="http://schemas.microsoft.com/office/drawing/2014/main" id="{AC554F12-117A-45F5-A67E-21F9825D1CA2}"/>
-              </a:ext>
-            </a:extLst>
-          </p:cNvPr>
-          <p:cNvSpPr>
-            <a:spLocks noGrp="1" noChangeArrowheads="1"/>
-          </p:cNvSpPr>
-          <p:nvPr>
-            <p:ph type="sldNum" sz="quarter" idx="13"/>
-          </p:nvPr>
-        </p:nvSpPr>
-        <p:spPr bwMode="auto">
-          <a:xfrm>
-            <a:off x="8610600" y="6356350"/>
-            <a:ext cx="2743200" cy="365125"/>
-          </a:xfrm>
-          <a:prstGeom prst="rect">
-            <a:avLst/>
-          </a:prstGeom>
-          <a:noFill/>
-          <a:ln>
-            <a:noFill/>
-          </a:ln>
-          <a:extLst>
-            <a:ext uri="{909E8E84-426E-40DD-AFC4-6F175D3DCCD1}">
-              <a14:hiddenFill xmlns:a14="http://schemas.microsoft.com/office/drawing/2010/main">
-                <a:solidFill>
-                  <a:srgbClr val="FFFFFF"/>
-                </a:solidFill>
-              </a14:hiddenFill>
-            </a:ext>
-            <a:ext uri="{91240B29-F687-4F45-9708-019B960494DF}">
-              <a14:hiddenLine xmlns:a14="http://schemas.microsoft.com/office/drawing/2010/main" w="9525">
-                <a:solidFill>
-                  <a:srgbClr val="000000"/>
-                </a:solidFill>
-                <a:miter lim="800000"/>
-                <a:headEnd/>
-                <a:tailEnd/>
-              </a14:hiddenLine>
-            </a:ext>
-          </a:extLst>
-        </p:spPr>
-        <p:txBody>
-          <a:bodyPr vert="horz" wrap="square" lIns="91425" tIns="45700" rIns="91425" bIns="45700" numCol="1" anchor="ctr" anchorCtr="0" compatLnSpc="1">
-            <a:prstTxWarp prst="textNoShape">
-              <a:avLst/>
-            </a:prstTxWarp>
-          </a:bodyPr>
-          <a:lstStyle>
-            <a:defPPr>
-              <a:defRPr lang="en-US"/>
-            </a:defPPr>
-            <a:lvl1pPr algn="r" rtl="0" eaLnBrk="1" fontAlgn="base" hangingPunct="1">
-              <a:spcBef>
-                <a:spcPct val="0"/>
-              </a:spcBef>
-              <a:spcAft>
-                <a:spcPct val="0"/>
-              </a:spcAft>
-              <a:buClr>
-                <a:srgbClr val="000000"/>
-              </a:buClr>
-              <a:buFont typeface="Arial" panose="020B0604020202020204" pitchFamily="34" charset="0"/>
-              <a:buNone/>
-              <a:defRPr sz="1200" kern="1200" smtClean="0">
-                <a:solidFill>
-                  <a:srgbClr val="888888"/>
-                </a:solidFill>
-                <a:latin typeface="Arial" panose="020B0604020202020204" pitchFamily="34" charset="0"/>
-                <a:ea typeface="+mn-ea"/>
-                <a:cs typeface="Arial" panose="020B0604020202020204" pitchFamily="34" charset="0"/>
-                <a:sym typeface="Arial" panose="020B0604020202020204" pitchFamily="34" charset="0"/>
-              </a:defRPr>
-            </a:lvl1pPr>
-            <a:lvl2pPr marL="457200" algn="l" rtl="0" eaLnBrk="0" fontAlgn="base" hangingPunct="0">
-              <a:spcBef>
-                <a:spcPct val="0"/>
-              </a:spcBef>
-              <a:spcAft>
-                <a:spcPct val="0"/>
-              </a:spcAft>
-              <a:defRPr sz="1400" kern="1200">
-                <a:solidFill>
-                  <a:srgbClr val="000000"/>
-                </a:solidFill>
-                <a:latin typeface="Arial" panose="020B0604020202020204" pitchFamily="34" charset="0"/>
-                <a:ea typeface="+mn-ea"/>
-                <a:cs typeface="Arial" panose="020B0604020202020204" pitchFamily="34" charset="0"/>
-                <a:sym typeface="Arial" panose="020B0604020202020204" pitchFamily="34" charset="0"/>
-              </a:defRPr>
-            </a:lvl2pPr>
-            <a:lvl3pPr marL="914400" algn="l" rtl="0" eaLnBrk="0" fontAlgn="base" hangingPunct="0">
-              <a:spcBef>
-                <a:spcPct val="0"/>
-              </a:spcBef>
-              <a:spcAft>
-                <a:spcPct val="0"/>
-              </a:spcAft>
-              <a:defRPr sz="1400" kern="1200">
-                <a:solidFill>
-                  <a:srgbClr val="000000"/>
-                </a:solidFill>
-                <a:latin typeface="Arial" panose="020B0604020202020204" pitchFamily="34" charset="0"/>
-                <a:ea typeface="+mn-ea"/>
-                <a:cs typeface="Arial" panose="020B0604020202020204" pitchFamily="34" charset="0"/>
-                <a:sym typeface="Arial" panose="020B0604020202020204" pitchFamily="34" charset="0"/>
-              </a:defRPr>
-            </a:lvl3pPr>
-            <a:lvl4pPr marL="1371600" algn="l" rtl="0" eaLnBrk="0" fontAlgn="base" hangingPunct="0">
-              <a:spcBef>
-                <a:spcPct val="0"/>
-              </a:spcBef>
-              <a:spcAft>
-                <a:spcPct val="0"/>
-              </a:spcAft>
-              <a:defRPr sz="1400" kern="1200">
-                <a:solidFill>
-                  <a:srgbClr val="000000"/>
-                </a:solidFill>
-                <a:latin typeface="Arial" panose="020B0604020202020204" pitchFamily="34" charset="0"/>
-                <a:ea typeface="+mn-ea"/>
-                <a:cs typeface="Arial" panose="020B0604020202020204" pitchFamily="34" charset="0"/>
-                <a:sym typeface="Arial" panose="020B0604020202020204" pitchFamily="34" charset="0"/>
-              </a:defRPr>
-            </a:lvl4pPr>
-            <a:lvl5pPr marL="1828800" algn="l" rtl="0" eaLnBrk="0" fontAlgn="base" hangingPunct="0">
-              <a:spcBef>
-                <a:spcPct val="0"/>
-              </a:spcBef>
-              <a:spcAft>
-                <a:spcPct val="0"/>
-              </a:spcAft>
-              <a:defRPr sz="1400" kern="1200">
-                <a:solidFill>
-                  <a:srgbClr val="000000"/>
-                </a:solidFill>
-                <a:latin typeface="Arial" panose="020B0604020202020204" pitchFamily="34" charset="0"/>
-                <a:ea typeface="+mn-ea"/>
-                <a:cs typeface="Arial" panose="020B0604020202020204" pitchFamily="34" charset="0"/>
-                <a:sym typeface="Arial" panose="020B0604020202020204" pitchFamily="34" charset="0"/>
-              </a:defRPr>
-            </a:lvl5pPr>
-            <a:lvl6pPr marL="2286000" algn="l" defTabSz="914400" rtl="0" eaLnBrk="1" latinLnBrk="0" hangingPunct="1">
-              <a:defRPr sz="1400" kern="1200">
-                <a:solidFill>
-                  <a:srgbClr val="000000"/>
-                </a:solidFill>
-                <a:latin typeface="Arial" panose="020B0604020202020204" pitchFamily="34" charset="0"/>
-                <a:ea typeface="+mn-ea"/>
-                <a:cs typeface="Arial" panose="020B0604020202020204" pitchFamily="34" charset="0"/>
-                <a:sym typeface="Arial" panose="020B0604020202020204" pitchFamily="34" charset="0"/>
-              </a:defRPr>
-            </a:lvl6pPr>
-            <a:lvl7pPr marL="2743200" algn="l" defTabSz="914400" rtl="0" eaLnBrk="1" latinLnBrk="0" hangingPunct="1">
-              <a:defRPr sz="1400" kern="1200">
-                <a:solidFill>
-                  <a:srgbClr val="000000"/>
-                </a:solidFill>
-                <a:latin typeface="Arial" panose="020B0604020202020204" pitchFamily="34" charset="0"/>
-                <a:ea typeface="+mn-ea"/>
-                <a:cs typeface="Arial" panose="020B0604020202020204" pitchFamily="34" charset="0"/>
-                <a:sym typeface="Arial" panose="020B0604020202020204" pitchFamily="34" charset="0"/>
-              </a:defRPr>
-            </a:lvl7pPr>
-            <a:lvl8pPr marL="3200400" algn="l" defTabSz="914400" rtl="0" eaLnBrk="1" latinLnBrk="0" hangingPunct="1">
-              <a:defRPr sz="1400" kern="1200">
-                <a:solidFill>
-                  <a:srgbClr val="000000"/>
-                </a:solidFill>
-                <a:latin typeface="Arial" panose="020B0604020202020204" pitchFamily="34" charset="0"/>
-                <a:ea typeface="+mn-ea"/>
-                <a:cs typeface="Arial" panose="020B0604020202020204" pitchFamily="34" charset="0"/>
-                <a:sym typeface="Arial" panose="020B0604020202020204" pitchFamily="34" charset="0"/>
-              </a:defRPr>
-            </a:lvl8pPr>
-            <a:lvl9pPr marL="3657600" algn="l" defTabSz="914400" rtl="0" eaLnBrk="1" latinLnBrk="0" hangingPunct="1">
-              <a:defRPr sz="1400" kern="1200">
-                <a:solidFill>
-                  <a:srgbClr val="000000"/>
-                </a:solidFill>
-                <a:latin typeface="Arial" panose="020B0604020202020204" pitchFamily="34" charset="0"/>
-                <a:ea typeface="+mn-ea"/>
-                <a:cs typeface="Arial" panose="020B0604020202020204" pitchFamily="34" charset="0"/>
-                <a:sym typeface="Arial" panose="020B0604020202020204" pitchFamily="34" charset="0"/>
-              </a:defRPr>
-            </a:lvl9pPr>
-          </a:lstStyle>
-          <a:p>
-            <a:pPr>
-              <a:defRPr/>
-            </a:pPr>
-            <a:fld id="{FFB91C40-FCB9-4641-83DA-0013B503C4F6}" type="slidenum">
-              <a:rPr lang="en-US" altLang="en-US" smtClean="0"/>
-              <a:pPr>
-                <a:defRPr/>
-              </a:pPr>
-              <a:t>12</a:t>
-            </a:fld>
-            <a:endParaRPr lang="uk-UA" altLang="en-US" sz="1200">
-              <a:solidFill>
-                <a:srgbClr val="888888"/>
-              </a:solidFill>
-            </a:endParaRPr>
-          </a:p>
-        </p:txBody>
-      </p:sp>
-      <p:sp>
-        <p:nvSpPr>
-          <p:cNvPr id="28676" name="Google Shape;239;p24">
-            <a:extLst>
-              <a:ext uri="{FF2B5EF4-FFF2-40B4-BE49-F238E27FC236}">
-                <a16:creationId xmlns:a16="http://schemas.microsoft.com/office/drawing/2014/main" id="{D4CE9F22-BD2E-4DBF-BF7B-F5E7039DD98C}"/>
-              </a:ext>
-            </a:extLst>
-          </p:cNvPr>
-          <p:cNvSpPr txBox="1">
-            <a:spLocks noChangeArrowheads="1"/>
-          </p:cNvSpPr>
-          <p:nvPr/>
-        </p:nvSpPr>
-        <p:spPr bwMode="auto">
-          <a:xfrm>
-            <a:off x="8610600" y="6356350"/>
-            <a:ext cx="2743200" cy="365125"/>
-          </a:xfrm>
-          <a:prstGeom prst="rect">
-            <a:avLst/>
-          </a:prstGeom>
-          <a:noFill/>
-          <a:ln>
-            <a:noFill/>
-          </a:ln>
-          <a:extLst>
-            <a:ext uri="{909E8E84-426E-40DD-AFC4-6F175D3DCCD1}">
-              <a14:hiddenFill xmlns:a14="http://schemas.microsoft.com/office/drawing/2010/main">
-                <a:solidFill>
-                  <a:srgbClr val="FFFFFF"/>
-                </a:solidFill>
-              </a14:hiddenFill>
-            </a:ext>
-            <a:ext uri="{91240B29-F687-4F45-9708-019B960494DF}">
-              <a14:hiddenLine xmlns:a14="http://schemas.microsoft.com/office/drawing/2010/main" w="9525">
-                <a:solidFill>
-                  <a:srgbClr val="000000"/>
-                </a:solidFill>
-                <a:miter lim="800000"/>
-                <a:headEnd/>
-                <a:tailEnd/>
-              </a14:hiddenLine>
-            </a:ext>
-          </a:extLst>
-        </p:spPr>
-        <p:txBody>
-          <a:bodyPr lIns="91425" tIns="45700" rIns="91425" bIns="45700" anchor="ctr"/>
-          <a:lstStyle>
-            <a:lvl1pPr>
-              <a:buClr>
-                <a:srgbClr val="000000"/>
-              </a:buClr>
-              <a:buFont typeface="Arial" panose="020B0604020202020204" pitchFamily="34" charset="0"/>
-              <a:defRPr sz="1400">
-                <a:solidFill>
-                  <a:srgbClr val="000000"/>
-                </a:solidFill>
-                <a:latin typeface="Arial" panose="020B0604020202020204" pitchFamily="34" charset="0"/>
-                <a:cs typeface="Arial" panose="020B0604020202020204" pitchFamily="34" charset="0"/>
-                <a:sym typeface="Arial" panose="020B0604020202020204" pitchFamily="34" charset="0"/>
-              </a:defRPr>
-            </a:lvl1pPr>
-            <a:lvl2pPr marL="742950" indent="-285750">
-              <a:buClr>
-                <a:srgbClr val="000000"/>
-              </a:buClr>
-              <a:buFont typeface="Arial" panose="020B0604020202020204" pitchFamily="34" charset="0"/>
-              <a:defRPr sz="1400">
-                <a:solidFill>
-                  <a:srgbClr val="000000"/>
-                </a:solidFill>
-                <a:latin typeface="Arial" panose="020B0604020202020204" pitchFamily="34" charset="0"/>
-                <a:cs typeface="Arial" panose="020B0604020202020204" pitchFamily="34" charset="0"/>
-                <a:sym typeface="Arial" panose="020B0604020202020204" pitchFamily="34" charset="0"/>
-              </a:defRPr>
-            </a:lvl2pPr>
-            <a:lvl3pPr marL="1143000" indent="-228600">
-              <a:buClr>
-                <a:srgbClr val="000000"/>
-              </a:buClr>
-              <a:buFont typeface="Arial" panose="020B0604020202020204" pitchFamily="34" charset="0"/>
-              <a:defRPr sz="1400">
-                <a:solidFill>
-                  <a:srgbClr val="000000"/>
-                </a:solidFill>
-                <a:latin typeface="Arial" panose="020B0604020202020204" pitchFamily="34" charset="0"/>
-                <a:cs typeface="Arial" panose="020B0604020202020204" pitchFamily="34" charset="0"/>
-                <a:sym typeface="Arial" panose="020B0604020202020204" pitchFamily="34" charset="0"/>
-              </a:defRPr>
-            </a:lvl3pPr>
-            <a:lvl4pPr marL="1600200" indent="-228600">
-              <a:buClr>
-                <a:srgbClr val="000000"/>
-              </a:buClr>
-              <a:buFont typeface="Arial" panose="020B0604020202020204" pitchFamily="34" charset="0"/>
-              <a:defRPr sz="1400">
-                <a:solidFill>
-                  <a:srgbClr val="000000"/>
-                </a:solidFill>
-                <a:latin typeface="Arial" panose="020B0604020202020204" pitchFamily="34" charset="0"/>
-                <a:cs typeface="Arial" panose="020B0604020202020204" pitchFamily="34" charset="0"/>
-                <a:sym typeface="Arial" panose="020B0604020202020204" pitchFamily="34" charset="0"/>
-              </a:defRPr>
-            </a:lvl4pPr>
-            <a:lvl5pPr marL="2057400" indent="-228600">
-              <a:buClr>
-                <a:srgbClr val="000000"/>
-              </a:buClr>
-              <a:buFont typeface="Arial" panose="020B0604020202020204" pitchFamily="34" charset="0"/>
-              <a:defRPr sz="1400">
-                <a:solidFill>
-                  <a:srgbClr val="000000"/>
-                </a:solidFill>
-                <a:latin typeface="Arial" panose="020B0604020202020204" pitchFamily="34" charset="0"/>
-                <a:cs typeface="Arial" panose="020B0604020202020204" pitchFamily="34" charset="0"/>
-                <a:sym typeface="Arial" panose="020B0604020202020204" pitchFamily="34" charset="0"/>
-              </a:defRPr>
-            </a:lvl5pPr>
-            <a:lvl6pPr marL="2514600" indent="-228600" eaLnBrk="0" fontAlgn="base" hangingPunct="0">
-              <a:spcBef>
-                <a:spcPct val="0"/>
-              </a:spcBef>
-              <a:spcAft>
-                <a:spcPct val="0"/>
-              </a:spcAft>
-              <a:buClr>
-                <a:srgbClr val="000000"/>
-              </a:buClr>
-              <a:buFont typeface="Arial" panose="020B0604020202020204" pitchFamily="34" charset="0"/>
-              <a:defRPr sz="1400">
-                <a:solidFill>
-                  <a:srgbClr val="000000"/>
-                </a:solidFill>
-                <a:latin typeface="Arial" panose="020B0604020202020204" pitchFamily="34" charset="0"/>
-                <a:cs typeface="Arial" panose="020B0604020202020204" pitchFamily="34" charset="0"/>
-                <a:sym typeface="Arial" panose="020B0604020202020204" pitchFamily="34" charset="0"/>
-              </a:defRPr>
-            </a:lvl6pPr>
-            <a:lvl7pPr marL="2971800" indent="-228600" eaLnBrk="0" fontAlgn="base" hangingPunct="0">
-              <a:spcBef>
-                <a:spcPct val="0"/>
-              </a:spcBef>
-              <a:spcAft>
-                <a:spcPct val="0"/>
-              </a:spcAft>
-              <a:buClr>
-                <a:srgbClr val="000000"/>
-              </a:buClr>
-              <a:buFont typeface="Arial" panose="020B0604020202020204" pitchFamily="34" charset="0"/>
-              <a:defRPr sz="1400">
-                <a:solidFill>
-                  <a:srgbClr val="000000"/>
-                </a:solidFill>
-                <a:latin typeface="Arial" panose="020B0604020202020204" pitchFamily="34" charset="0"/>
-                <a:cs typeface="Arial" panose="020B0604020202020204" pitchFamily="34" charset="0"/>
-                <a:sym typeface="Arial" panose="020B0604020202020204" pitchFamily="34" charset="0"/>
-              </a:defRPr>
-            </a:lvl7pPr>
-            <a:lvl8pPr marL="3429000" indent="-228600" eaLnBrk="0" fontAlgn="base" hangingPunct="0">
-              <a:spcBef>
-                <a:spcPct val="0"/>
-              </a:spcBef>
-              <a:spcAft>
-                <a:spcPct val="0"/>
-              </a:spcAft>
-              <a:buClr>
-                <a:srgbClr val="000000"/>
-              </a:buClr>
-              <a:buFont typeface="Arial" panose="020B0604020202020204" pitchFamily="34" charset="0"/>
-              <a:defRPr sz="1400">
-                <a:solidFill>
-                  <a:srgbClr val="000000"/>
-                </a:solidFill>
-                <a:latin typeface="Arial" panose="020B0604020202020204" pitchFamily="34" charset="0"/>
-                <a:cs typeface="Arial" panose="020B0604020202020204" pitchFamily="34" charset="0"/>
-                <a:sym typeface="Arial" panose="020B0604020202020204" pitchFamily="34" charset="0"/>
-              </a:defRPr>
-            </a:lvl8pPr>
-            <a:lvl9pPr marL="3886200" indent="-228600" eaLnBrk="0" fontAlgn="base" hangingPunct="0">
-              <a:spcBef>
-                <a:spcPct val="0"/>
-              </a:spcBef>
-              <a:spcAft>
-                <a:spcPct val="0"/>
-              </a:spcAft>
-              <a:buClr>
-                <a:srgbClr val="000000"/>
-              </a:buClr>
-              <a:buFont typeface="Arial" panose="020B0604020202020204" pitchFamily="34" charset="0"/>
-              <a:defRPr sz="1400">
-                <a:solidFill>
-                  <a:srgbClr val="000000"/>
-                </a:solidFill>
-                <a:latin typeface="Arial" panose="020B0604020202020204" pitchFamily="34" charset="0"/>
-                <a:cs typeface="Arial" panose="020B0604020202020204" pitchFamily="34" charset="0"/>
-                <a:sym typeface="Arial" panose="020B0604020202020204" pitchFamily="34" charset="0"/>
-              </a:defRPr>
-            </a:lvl9pPr>
-          </a:lstStyle>
-          <a:p>
-            <a:pPr algn="r" eaLnBrk="1" hangingPunct="1"/>
-            <a:fld id="{B781E98A-38F4-49F6-B6D5-B5BE3CE25D8F}" type="slidenum">
-              <a:rPr lang="cs-CZ" altLang="en-US" sz="1200">
-                <a:solidFill>
-                  <a:srgbClr val="888888"/>
-                </a:solidFill>
-              </a:rPr>
-              <a:pPr algn="r" eaLnBrk="1" hangingPunct="1"/>
-              <a:t>12</a:t>
-            </a:fld>
-            <a:endParaRPr lang="cs-CZ" altLang="en-US" sz="1200">
-              <a:solidFill>
-                <a:srgbClr val="888888"/>
-              </a:solidFill>
-            </a:endParaRPr>
-          </a:p>
-        </p:txBody>
-      </p:sp>
-      <p:sp>
-        <p:nvSpPr>
-          <p:cNvPr id="6" name="Google Shape;240;p24">
-            <a:extLst>
-              <a:ext uri="{FF2B5EF4-FFF2-40B4-BE49-F238E27FC236}">
-                <a16:creationId xmlns:a16="http://schemas.microsoft.com/office/drawing/2014/main" id="{59CC3D6B-06F7-4EE9-8D77-37097800C43A}"/>
-              </a:ext>
-            </a:extLst>
-          </p:cNvPr>
-          <p:cNvSpPr txBox="1"/>
-          <p:nvPr/>
-        </p:nvSpPr>
-        <p:spPr>
-          <a:xfrm>
-            <a:off x="596900" y="1336675"/>
-            <a:ext cx="9767888" cy="3074988"/>
-          </a:xfrm>
-          <a:prstGeom prst="rect">
-            <a:avLst/>
-          </a:prstGeom>
-          <a:noFill/>
-          <a:ln>
-            <a:noFill/>
-          </a:ln>
-        </p:spPr>
-        <p:txBody>
-          <a:bodyPr spcFirstLastPara="1" lIns="91425" tIns="45700" rIns="91425" bIns="45700"/>
-          <a:lstStyle/>
-          <a:p>
-            <a:pPr eaLnBrk="1" fontAlgn="auto" hangingPunct="1">
-              <a:spcBef>
-                <a:spcPts val="0"/>
-              </a:spcBef>
-              <a:spcAft>
-                <a:spcPts val="0"/>
-              </a:spcAft>
-              <a:buClr>
-                <a:srgbClr val="000000"/>
-              </a:buClr>
-              <a:buFont typeface="Arial"/>
-              <a:buNone/>
-              <a:defRPr/>
-            </a:pPr>
-            <a:endParaRPr sz="1800" kern="0" dirty="0">
-              <a:solidFill>
-                <a:schemeClr val="dk1"/>
-              </a:solidFill>
-              <a:latin typeface="Arial"/>
-              <a:ea typeface="Arial"/>
-              <a:cs typeface="Arial"/>
-              <a:sym typeface="Arial"/>
-            </a:endParaRPr>
-          </a:p>
-          <a:p>
-            <a:pPr marL="285750" indent="-285750" eaLnBrk="1" fontAlgn="auto" hangingPunct="1">
-              <a:spcBef>
-                <a:spcPts val="0"/>
-              </a:spcBef>
-              <a:spcAft>
-                <a:spcPts val="0"/>
-              </a:spcAft>
-              <a:buClr>
-                <a:schemeClr val="dk1"/>
-              </a:buClr>
-              <a:buSzPts val="1800"/>
-              <a:buFont typeface="Wingdings" panose="05000000000000000000" pitchFamily="2" charset="2"/>
-              <a:buChar char="q"/>
-              <a:defRPr/>
-            </a:pPr>
-            <a:r>
-              <a:rPr lang="en-US" sz="1800" kern="0" dirty="0">
-                <a:solidFill>
-                  <a:schemeClr val="dk1"/>
-                </a:solidFill>
-                <a:latin typeface="Arial"/>
-                <a:ea typeface="Arial"/>
-                <a:cs typeface="Arial"/>
-                <a:sym typeface="Arial"/>
-              </a:rPr>
-              <a:t>Initial implementation of CNN with 4 convolution layer and one Dense layer.</a:t>
-            </a:r>
-          </a:p>
-          <a:p>
-            <a:pPr marL="285750" indent="-285750" eaLnBrk="1" fontAlgn="auto" hangingPunct="1">
-              <a:spcBef>
-                <a:spcPts val="0"/>
-              </a:spcBef>
-              <a:spcAft>
-                <a:spcPts val="0"/>
-              </a:spcAft>
-              <a:buClr>
-                <a:schemeClr val="dk1"/>
-              </a:buClr>
-              <a:buSzPts val="1800"/>
-              <a:buFont typeface="Wingdings" panose="05000000000000000000" pitchFamily="2" charset="2"/>
-              <a:buChar char="q"/>
-              <a:defRPr/>
-            </a:pPr>
-            <a:r>
-              <a:rPr lang="en-US" sz="1800" kern="0" dirty="0">
-                <a:solidFill>
-                  <a:schemeClr val="dk1"/>
-                </a:solidFill>
-                <a:latin typeface="Arial"/>
-                <a:ea typeface="Arial"/>
-                <a:cs typeface="Arial"/>
-                <a:sym typeface="Arial"/>
-              </a:rPr>
-              <a:t>Successfully ran on laptop for small dataset of Simpson images.</a:t>
-            </a:r>
-          </a:p>
-          <a:p>
-            <a:pPr marL="285750" indent="-285750" eaLnBrk="1" fontAlgn="auto" hangingPunct="1">
-              <a:spcBef>
-                <a:spcPts val="0"/>
-              </a:spcBef>
-              <a:spcAft>
-                <a:spcPts val="0"/>
-              </a:spcAft>
-              <a:buClr>
-                <a:schemeClr val="dk1"/>
-              </a:buClr>
-              <a:buSzPts val="1800"/>
-              <a:buFont typeface="Wingdings" panose="05000000000000000000" pitchFamily="2" charset="2"/>
-              <a:buChar char="q"/>
-              <a:defRPr/>
-            </a:pPr>
-            <a:r>
-              <a:rPr lang="en-US" sz="1800" kern="0" dirty="0">
-                <a:solidFill>
-                  <a:schemeClr val="dk1"/>
-                </a:solidFill>
-                <a:latin typeface="Arial"/>
-                <a:ea typeface="Arial"/>
-                <a:cs typeface="Arial"/>
-                <a:sym typeface="Arial"/>
-              </a:rPr>
-              <a:t>Execution setup for Argo is completed and tested.  This is running successfully.</a:t>
-            </a:r>
-          </a:p>
-          <a:p>
-            <a:pPr marL="285750" indent="-285750" eaLnBrk="1" fontAlgn="auto" hangingPunct="1">
-              <a:spcBef>
-                <a:spcPts val="0"/>
-              </a:spcBef>
-              <a:spcAft>
-                <a:spcPts val="0"/>
-              </a:spcAft>
-              <a:buClr>
-                <a:schemeClr val="dk1"/>
-              </a:buClr>
-              <a:buSzPts val="1800"/>
-              <a:buFont typeface="Arial"/>
-              <a:buChar char="•"/>
-              <a:defRPr/>
-            </a:pPr>
-            <a:endParaRPr lang="en-US" sz="1800" kern="0" dirty="0">
-              <a:solidFill>
-                <a:schemeClr val="dk1"/>
-              </a:solidFill>
-              <a:latin typeface="Arial"/>
-              <a:ea typeface="Arial"/>
-              <a:cs typeface="Arial"/>
-              <a:sym typeface="Arial"/>
-            </a:endParaRPr>
-          </a:p>
-          <a:p>
-            <a:pPr marL="285750" indent="-285750" eaLnBrk="1" fontAlgn="auto" hangingPunct="1">
-              <a:spcBef>
-                <a:spcPts val="0"/>
-              </a:spcBef>
-              <a:spcAft>
-                <a:spcPts val="0"/>
-              </a:spcAft>
-              <a:buClr>
-                <a:schemeClr val="dk1"/>
-              </a:buClr>
-              <a:buSzPts val="1800"/>
-              <a:buFont typeface="Arial"/>
-              <a:buChar char="•"/>
-              <a:defRPr/>
-            </a:pPr>
-            <a:endParaRPr lang="en-US" sz="1800" kern="0" dirty="0">
-              <a:solidFill>
-                <a:schemeClr val="dk1"/>
-              </a:solidFill>
-              <a:latin typeface="Arial"/>
-              <a:ea typeface="Arial"/>
-              <a:cs typeface="Arial"/>
-              <a:sym typeface="Arial"/>
-            </a:endParaRPr>
-          </a:p>
-          <a:p>
-            <a:pPr marL="285750" indent="-285750" eaLnBrk="1" fontAlgn="auto" hangingPunct="1">
-              <a:spcBef>
-                <a:spcPts val="0"/>
-              </a:spcBef>
-              <a:spcAft>
-                <a:spcPts val="0"/>
-              </a:spcAft>
-              <a:buClr>
-                <a:schemeClr val="dk1"/>
-              </a:buClr>
-              <a:buSzPts val="1800"/>
-              <a:buFont typeface="Arial"/>
-              <a:buChar char="•"/>
-              <a:defRPr/>
-            </a:pPr>
-            <a:endParaRPr kern="0" dirty="0">
-              <a:latin typeface="Arial"/>
-              <a:ea typeface="Arial"/>
-              <a:cs typeface="Arial"/>
-              <a:sym typeface="Arial"/>
-            </a:endParaRPr>
-          </a:p>
-          <a:p>
-            <a:pPr lvl="1" eaLnBrk="1" fontAlgn="auto" hangingPunct="1">
-              <a:spcBef>
-                <a:spcPts val="0"/>
-              </a:spcBef>
-              <a:spcAft>
-                <a:spcPts val="0"/>
-              </a:spcAft>
-              <a:buClr>
-                <a:srgbClr val="000000"/>
-              </a:buClr>
-              <a:buFont typeface="Arial"/>
-              <a:buNone/>
-              <a:defRPr/>
-            </a:pPr>
-            <a:endParaRPr sz="1800" kern="0" dirty="0">
-              <a:solidFill>
-                <a:schemeClr val="dk1"/>
-              </a:solidFill>
-              <a:latin typeface="Arial"/>
-              <a:ea typeface="Arial"/>
-              <a:cs typeface="Arial"/>
-              <a:sym typeface="Arial"/>
-            </a:endParaRPr>
-          </a:p>
-          <a:p>
-            <a:pPr eaLnBrk="1" fontAlgn="auto" hangingPunct="1">
-              <a:spcBef>
-                <a:spcPts val="0"/>
-              </a:spcBef>
-              <a:spcAft>
-                <a:spcPts val="0"/>
-              </a:spcAft>
-              <a:buClr>
-                <a:srgbClr val="000000"/>
-              </a:buClr>
-              <a:buFont typeface="Arial"/>
-              <a:buNone/>
-              <a:defRPr/>
-            </a:pPr>
-            <a:endParaRPr sz="1800" kern="0" dirty="0">
-              <a:solidFill>
-                <a:schemeClr val="dk1"/>
-              </a:solidFill>
-              <a:latin typeface="Arial"/>
-              <a:ea typeface="Arial"/>
-              <a:cs typeface="Arial"/>
-              <a:sym typeface="Arial"/>
-            </a:endParaRPr>
-          </a:p>
-        </p:txBody>
-      </p:sp>
-      <p:sp>
-        <p:nvSpPr>
-          <p:cNvPr id="28678" name="Google Shape;241;p24">
-            <a:extLst>
-              <a:ext uri="{FF2B5EF4-FFF2-40B4-BE49-F238E27FC236}">
-                <a16:creationId xmlns:a16="http://schemas.microsoft.com/office/drawing/2014/main" id="{03B7F70B-78CA-4C01-81DE-0EFFF0238E3A}"/>
+                <a16:creationId xmlns:a16="http://schemas.microsoft.com/office/drawing/2014/main" id="{2FCC923B-32C8-4F51-86C3-55498352DB11}"/>
               </a:ext>
             </a:extLst>
           </p:cNvPr>
@@ -7836,7 +7138,7 @@
         <p:spPr bwMode="auto">
           <a:xfrm>
             <a:off x="201613" y="92075"/>
-            <a:ext cx="7539037" cy="714375"/>
+            <a:ext cx="5782876" cy="714375"/>
           </a:xfrm>
           <a:prstGeom prst="rect">
             <a:avLst/>
@@ -8015,1543 +7317,6 @@
             </a:lvl9pPr>
           </a:lstStyle>
           <a:p>
-            <a:pPr eaLnBrk="1" hangingPunct="1">
-              <a:lnSpc>
-                <a:spcPct val="90000"/>
-              </a:lnSpc>
-              <a:buSzPts val="2800"/>
-              <a:buFont typeface="Helvetica Neue" charset="0"/>
-              <a:buNone/>
-            </a:pPr>
-            <a:r>
-              <a:rPr lang="en-US" altLang="en-US" sz="2800">
-                <a:latin typeface="Helvetica Neue" charset="0"/>
-                <a:cs typeface="Helvetica Neue" charset="0"/>
-                <a:sym typeface="Helvetica Neue" charset="0"/>
-              </a:rPr>
-              <a:t>Core Goals - Algorithm Milestone Progress</a:t>
-            </a:r>
-            <a:endParaRPr lang="en-US" altLang="en-US">
-              <a:cs typeface="Helvetica Neue" charset="0"/>
-            </a:endParaRPr>
-          </a:p>
-        </p:txBody>
-      </p:sp>
-      <p:pic>
-        <p:nvPicPr>
-          <p:cNvPr id="7" name="Picture 6">
-            <a:extLst>
-              <a:ext uri="{FF2B5EF4-FFF2-40B4-BE49-F238E27FC236}">
-                <a16:creationId xmlns:a16="http://schemas.microsoft.com/office/drawing/2014/main" id="{C324CFC0-8ED7-4930-94A7-59DB8B9FE62B}"/>
-              </a:ext>
-            </a:extLst>
-          </p:cNvPr>
-          <p:cNvPicPr>
-            <a:picLocks noChangeAspect="1"/>
-          </p:cNvPicPr>
-          <p:nvPr/>
-        </p:nvPicPr>
-        <p:blipFill>
-          <a:blip r:embed="rId2"/>
-          <a:stretch>
-            <a:fillRect/>
-          </a:stretch>
-        </p:blipFill>
-        <p:spPr>
-          <a:xfrm>
-            <a:off x="10959428" y="136525"/>
-            <a:ext cx="1032088" cy="1226186"/>
-          </a:xfrm>
-          <a:prstGeom prst="rect">
-            <a:avLst/>
-          </a:prstGeom>
-        </p:spPr>
-      </p:pic>
-    </p:spTree>
-  </p:cSld>
-  <p:clrMapOvr>
-    <a:masterClrMapping/>
-  </p:clrMapOvr>
-</p:sld>
-</file>
-
-<file path=ppt/slides/slide13.xml><?xml version="1.0" encoding="utf-8"?>
-<p:sld xmlns:a="http://schemas.openxmlformats.org/drawingml/2006/main" xmlns:r="http://schemas.openxmlformats.org/officeDocument/2006/relationships" xmlns:p="http://schemas.openxmlformats.org/presentationml/2006/main">
-  <p:cSld>
-    <p:spTree>
-      <p:nvGrpSpPr>
-        <p:cNvPr id="1" name=""/>
-        <p:cNvGrpSpPr/>
-        <p:nvPr/>
-      </p:nvGrpSpPr>
-      <p:grpSpPr>
-        <a:xfrm>
-          <a:off x="0" y="0"/>
-          <a:ext cx="0" cy="0"/>
-          <a:chOff x="0" y="0"/>
-          <a:chExt cx="0" cy="0"/>
-        </a:xfrm>
-      </p:grpSpPr>
-      <p:sp>
-        <p:nvSpPr>
-          <p:cNvPr id="29698" name="Slide Number Placeholder 1">
-            <a:extLst>
-              <a:ext uri="{FF2B5EF4-FFF2-40B4-BE49-F238E27FC236}">
-                <a16:creationId xmlns:a16="http://schemas.microsoft.com/office/drawing/2014/main" id="{3B578A0B-78AB-4965-9DFF-98037219E692}"/>
-              </a:ext>
-            </a:extLst>
-          </p:cNvPr>
-          <p:cNvSpPr>
-            <a:spLocks noGrp="1" noChangeArrowheads="1"/>
-          </p:cNvSpPr>
-          <p:nvPr>
-            <p:ph type="sldNum" sz="quarter" idx="13"/>
-          </p:nvPr>
-        </p:nvSpPr>
-        <p:spPr bwMode="auto">
-          <a:xfrm>
-            <a:off x="8610600" y="6356350"/>
-            <a:ext cx="2743200" cy="365125"/>
-          </a:xfrm>
-          <a:prstGeom prst="rect">
-            <a:avLst/>
-          </a:prstGeom>
-          <a:noFill/>
-          <a:ln>
-            <a:noFill/>
-          </a:ln>
-          <a:extLst>
-            <a:ext uri="{909E8E84-426E-40DD-AFC4-6F175D3DCCD1}">
-              <a14:hiddenFill xmlns:a14="http://schemas.microsoft.com/office/drawing/2010/main">
-                <a:solidFill>
-                  <a:srgbClr val="FFFFFF"/>
-                </a:solidFill>
-              </a14:hiddenFill>
-            </a:ext>
-            <a:ext uri="{91240B29-F687-4F45-9708-019B960494DF}">
-              <a14:hiddenLine xmlns:a14="http://schemas.microsoft.com/office/drawing/2010/main" w="9525">
-                <a:solidFill>
-                  <a:srgbClr val="000000"/>
-                </a:solidFill>
-                <a:miter lim="800000"/>
-                <a:headEnd/>
-                <a:tailEnd/>
-              </a14:hiddenLine>
-            </a:ext>
-          </a:extLst>
-        </p:spPr>
-        <p:txBody>
-          <a:bodyPr vert="horz" wrap="square" lIns="91425" tIns="45700" rIns="91425" bIns="45700" numCol="1" anchor="ctr" anchorCtr="0" compatLnSpc="1">
-            <a:prstTxWarp prst="textNoShape">
-              <a:avLst/>
-            </a:prstTxWarp>
-          </a:bodyPr>
-          <a:lstStyle>
-            <a:defPPr>
-              <a:defRPr lang="en-US"/>
-            </a:defPPr>
-            <a:lvl1pPr algn="r" rtl="0" eaLnBrk="1" fontAlgn="base" hangingPunct="1">
-              <a:spcBef>
-                <a:spcPct val="0"/>
-              </a:spcBef>
-              <a:spcAft>
-                <a:spcPct val="0"/>
-              </a:spcAft>
-              <a:buClr>
-                <a:srgbClr val="000000"/>
-              </a:buClr>
-              <a:buFont typeface="Arial" panose="020B0604020202020204" pitchFamily="34" charset="0"/>
-              <a:buNone/>
-              <a:defRPr sz="1200" kern="1200" smtClean="0">
-                <a:solidFill>
-                  <a:srgbClr val="888888"/>
-                </a:solidFill>
-                <a:latin typeface="Arial" panose="020B0604020202020204" pitchFamily="34" charset="0"/>
-                <a:ea typeface="+mn-ea"/>
-                <a:cs typeface="Arial" panose="020B0604020202020204" pitchFamily="34" charset="0"/>
-                <a:sym typeface="Arial" panose="020B0604020202020204" pitchFamily="34" charset="0"/>
-              </a:defRPr>
-            </a:lvl1pPr>
-            <a:lvl2pPr marL="457200" algn="l" rtl="0" eaLnBrk="0" fontAlgn="base" hangingPunct="0">
-              <a:spcBef>
-                <a:spcPct val="0"/>
-              </a:spcBef>
-              <a:spcAft>
-                <a:spcPct val="0"/>
-              </a:spcAft>
-              <a:defRPr sz="1400" kern="1200">
-                <a:solidFill>
-                  <a:srgbClr val="000000"/>
-                </a:solidFill>
-                <a:latin typeface="Arial" panose="020B0604020202020204" pitchFamily="34" charset="0"/>
-                <a:ea typeface="+mn-ea"/>
-                <a:cs typeface="Arial" panose="020B0604020202020204" pitchFamily="34" charset="0"/>
-                <a:sym typeface="Arial" panose="020B0604020202020204" pitchFamily="34" charset="0"/>
-              </a:defRPr>
-            </a:lvl2pPr>
-            <a:lvl3pPr marL="914400" algn="l" rtl="0" eaLnBrk="0" fontAlgn="base" hangingPunct="0">
-              <a:spcBef>
-                <a:spcPct val="0"/>
-              </a:spcBef>
-              <a:spcAft>
-                <a:spcPct val="0"/>
-              </a:spcAft>
-              <a:defRPr sz="1400" kern="1200">
-                <a:solidFill>
-                  <a:srgbClr val="000000"/>
-                </a:solidFill>
-                <a:latin typeface="Arial" panose="020B0604020202020204" pitchFamily="34" charset="0"/>
-                <a:ea typeface="+mn-ea"/>
-                <a:cs typeface="Arial" panose="020B0604020202020204" pitchFamily="34" charset="0"/>
-                <a:sym typeface="Arial" panose="020B0604020202020204" pitchFamily="34" charset="0"/>
-              </a:defRPr>
-            </a:lvl3pPr>
-            <a:lvl4pPr marL="1371600" algn="l" rtl="0" eaLnBrk="0" fontAlgn="base" hangingPunct="0">
-              <a:spcBef>
-                <a:spcPct val="0"/>
-              </a:spcBef>
-              <a:spcAft>
-                <a:spcPct val="0"/>
-              </a:spcAft>
-              <a:defRPr sz="1400" kern="1200">
-                <a:solidFill>
-                  <a:srgbClr val="000000"/>
-                </a:solidFill>
-                <a:latin typeface="Arial" panose="020B0604020202020204" pitchFamily="34" charset="0"/>
-                <a:ea typeface="+mn-ea"/>
-                <a:cs typeface="Arial" panose="020B0604020202020204" pitchFamily="34" charset="0"/>
-                <a:sym typeface="Arial" panose="020B0604020202020204" pitchFamily="34" charset="0"/>
-              </a:defRPr>
-            </a:lvl4pPr>
-            <a:lvl5pPr marL="1828800" algn="l" rtl="0" eaLnBrk="0" fontAlgn="base" hangingPunct="0">
-              <a:spcBef>
-                <a:spcPct val="0"/>
-              </a:spcBef>
-              <a:spcAft>
-                <a:spcPct val="0"/>
-              </a:spcAft>
-              <a:defRPr sz="1400" kern="1200">
-                <a:solidFill>
-                  <a:srgbClr val="000000"/>
-                </a:solidFill>
-                <a:latin typeface="Arial" panose="020B0604020202020204" pitchFamily="34" charset="0"/>
-                <a:ea typeface="+mn-ea"/>
-                <a:cs typeface="Arial" panose="020B0604020202020204" pitchFamily="34" charset="0"/>
-                <a:sym typeface="Arial" panose="020B0604020202020204" pitchFamily="34" charset="0"/>
-              </a:defRPr>
-            </a:lvl5pPr>
-            <a:lvl6pPr marL="2286000" algn="l" defTabSz="914400" rtl="0" eaLnBrk="1" latinLnBrk="0" hangingPunct="1">
-              <a:defRPr sz="1400" kern="1200">
-                <a:solidFill>
-                  <a:srgbClr val="000000"/>
-                </a:solidFill>
-                <a:latin typeface="Arial" panose="020B0604020202020204" pitchFamily="34" charset="0"/>
-                <a:ea typeface="+mn-ea"/>
-                <a:cs typeface="Arial" panose="020B0604020202020204" pitchFamily="34" charset="0"/>
-                <a:sym typeface="Arial" panose="020B0604020202020204" pitchFamily="34" charset="0"/>
-              </a:defRPr>
-            </a:lvl6pPr>
-            <a:lvl7pPr marL="2743200" algn="l" defTabSz="914400" rtl="0" eaLnBrk="1" latinLnBrk="0" hangingPunct="1">
-              <a:defRPr sz="1400" kern="1200">
-                <a:solidFill>
-                  <a:srgbClr val="000000"/>
-                </a:solidFill>
-                <a:latin typeface="Arial" panose="020B0604020202020204" pitchFamily="34" charset="0"/>
-                <a:ea typeface="+mn-ea"/>
-                <a:cs typeface="Arial" panose="020B0604020202020204" pitchFamily="34" charset="0"/>
-                <a:sym typeface="Arial" panose="020B0604020202020204" pitchFamily="34" charset="0"/>
-              </a:defRPr>
-            </a:lvl7pPr>
-            <a:lvl8pPr marL="3200400" algn="l" defTabSz="914400" rtl="0" eaLnBrk="1" latinLnBrk="0" hangingPunct="1">
-              <a:defRPr sz="1400" kern="1200">
-                <a:solidFill>
-                  <a:srgbClr val="000000"/>
-                </a:solidFill>
-                <a:latin typeface="Arial" panose="020B0604020202020204" pitchFamily="34" charset="0"/>
-                <a:ea typeface="+mn-ea"/>
-                <a:cs typeface="Arial" panose="020B0604020202020204" pitchFamily="34" charset="0"/>
-                <a:sym typeface="Arial" panose="020B0604020202020204" pitchFamily="34" charset="0"/>
-              </a:defRPr>
-            </a:lvl8pPr>
-            <a:lvl9pPr marL="3657600" algn="l" defTabSz="914400" rtl="0" eaLnBrk="1" latinLnBrk="0" hangingPunct="1">
-              <a:defRPr sz="1400" kern="1200">
-                <a:solidFill>
-                  <a:srgbClr val="000000"/>
-                </a:solidFill>
-                <a:latin typeface="Arial" panose="020B0604020202020204" pitchFamily="34" charset="0"/>
-                <a:ea typeface="+mn-ea"/>
-                <a:cs typeface="Arial" panose="020B0604020202020204" pitchFamily="34" charset="0"/>
-                <a:sym typeface="Arial" panose="020B0604020202020204" pitchFamily="34" charset="0"/>
-              </a:defRPr>
-            </a:lvl9pPr>
-          </a:lstStyle>
-          <a:p>
-            <a:pPr>
-              <a:defRPr/>
-            </a:pPr>
-            <a:fld id="{FFB91C40-FCB9-4641-83DA-0013B503C4F6}" type="slidenum">
-              <a:rPr lang="en-US" altLang="en-US" smtClean="0"/>
-              <a:pPr>
-                <a:defRPr/>
-              </a:pPr>
-              <a:t>13</a:t>
-            </a:fld>
-            <a:endParaRPr lang="uk-UA" altLang="en-US" sz="1200">
-              <a:solidFill>
-                <a:srgbClr val="888888"/>
-              </a:solidFill>
-            </a:endParaRPr>
-          </a:p>
-        </p:txBody>
-      </p:sp>
-      <p:pic>
-        <p:nvPicPr>
-          <p:cNvPr id="29699" name="Picture 2" descr="Screen Shot 2019-06-09 at 3.47.39 PM.png">
-            <a:extLst>
-              <a:ext uri="{FF2B5EF4-FFF2-40B4-BE49-F238E27FC236}">
-                <a16:creationId xmlns:a16="http://schemas.microsoft.com/office/drawing/2014/main" id="{3A39EDDA-4CB5-4C44-88BC-65D9C344806B}"/>
-              </a:ext>
-            </a:extLst>
-          </p:cNvPr>
-          <p:cNvPicPr>
-            <a:picLocks noChangeAspect="1" noChangeArrowheads="1"/>
-          </p:cNvPicPr>
-          <p:nvPr/>
-        </p:nvPicPr>
-        <p:blipFill>
-          <a:blip r:embed="rId2">
-            <a:extLst>
-              <a:ext uri="{28A0092B-C50C-407E-A947-70E740481C1C}">
-                <a14:useLocalDpi xmlns:a14="http://schemas.microsoft.com/office/drawing/2010/main" val="0"/>
-              </a:ext>
-            </a:extLst>
-          </a:blip>
-          <a:srcRect/>
-          <a:stretch>
-            <a:fillRect/>
-          </a:stretch>
-        </p:blipFill>
-        <p:spPr bwMode="auto">
-          <a:xfrm>
-            <a:off x="190500" y="2225675"/>
-            <a:ext cx="11734800" cy="2286000"/>
-          </a:xfrm>
-          <a:prstGeom prst="rect">
-            <a:avLst/>
-          </a:prstGeom>
-          <a:noFill/>
-          <a:ln>
-            <a:noFill/>
-          </a:ln>
-          <a:extLst>
-            <a:ext uri="{909E8E84-426E-40DD-AFC4-6F175D3DCCD1}">
-              <a14:hiddenFill xmlns:a14="http://schemas.microsoft.com/office/drawing/2010/main">
-                <a:solidFill>
-                  <a:srgbClr val="FFFFFF"/>
-                </a:solidFill>
-              </a14:hiddenFill>
-            </a:ext>
-            <a:ext uri="{91240B29-F687-4F45-9708-019B960494DF}">
-              <a14:hiddenLine xmlns:a14="http://schemas.microsoft.com/office/drawing/2010/main" w="9525">
-                <a:solidFill>
-                  <a:srgbClr val="000000"/>
-                </a:solidFill>
-                <a:miter lim="800000"/>
-                <a:headEnd/>
-                <a:tailEnd/>
-              </a14:hiddenLine>
-            </a:ext>
-          </a:extLst>
-        </p:spPr>
-      </p:pic>
-      <p:sp>
-        <p:nvSpPr>
-          <p:cNvPr id="29701" name="Google Shape;241;p24">
-            <a:extLst>
-              <a:ext uri="{FF2B5EF4-FFF2-40B4-BE49-F238E27FC236}">
-                <a16:creationId xmlns:a16="http://schemas.microsoft.com/office/drawing/2014/main" id="{71154DE1-D377-4ADC-BC63-6AA306DA9CEE}"/>
-              </a:ext>
-            </a:extLst>
-          </p:cNvPr>
-          <p:cNvSpPr txBox="1">
-            <a:spLocks noChangeArrowheads="1"/>
-          </p:cNvSpPr>
-          <p:nvPr/>
-        </p:nvSpPr>
-        <p:spPr bwMode="auto">
-          <a:xfrm>
-            <a:off x="228600" y="119063"/>
-            <a:ext cx="7539038" cy="714375"/>
-          </a:xfrm>
-          <a:prstGeom prst="rect">
-            <a:avLst/>
-          </a:prstGeom>
-          <a:noFill/>
-          <a:ln w="9525">
-            <a:solidFill>
-              <a:schemeClr val="tx1"/>
-            </a:solidFill>
-            <a:round/>
-            <a:headEnd type="none" w="sm" len="sm"/>
-            <a:tailEnd type="none" w="sm" len="sm"/>
-          </a:ln>
-          <a:extLst>
-            <a:ext uri="{909E8E84-426E-40DD-AFC4-6F175D3DCCD1}">
-              <a14:hiddenFill xmlns:a14="http://schemas.microsoft.com/office/drawing/2010/main">
-                <a:solidFill>
-                  <a:srgbClr val="FFFFFF"/>
-                </a:solidFill>
-              </a14:hiddenFill>
-            </a:ext>
-          </a:extLst>
-        </p:spPr>
-        <p:txBody>
-          <a:bodyPr lIns="91425" tIns="45700" rIns="91425" bIns="45700" anchor="ctr"/>
-          <a:lstStyle>
-            <a:lvl1pPr>
-              <a:buClr>
-                <a:srgbClr val="000000"/>
-              </a:buClr>
-              <a:buFont typeface="Arial" panose="020B0604020202020204" pitchFamily="34" charset="0"/>
-              <a:defRPr sz="1400">
-                <a:solidFill>
-                  <a:srgbClr val="000000"/>
-                </a:solidFill>
-                <a:latin typeface="Arial" panose="020B0604020202020204" pitchFamily="34" charset="0"/>
-                <a:cs typeface="Arial" panose="020B0604020202020204" pitchFamily="34" charset="0"/>
-                <a:sym typeface="Arial" panose="020B0604020202020204" pitchFamily="34" charset="0"/>
-              </a:defRPr>
-            </a:lvl1pPr>
-            <a:lvl2pPr marL="742950" indent="-285750">
-              <a:buClr>
-                <a:srgbClr val="000000"/>
-              </a:buClr>
-              <a:buFont typeface="Arial" panose="020B0604020202020204" pitchFamily="34" charset="0"/>
-              <a:defRPr sz="1400">
-                <a:solidFill>
-                  <a:srgbClr val="000000"/>
-                </a:solidFill>
-                <a:latin typeface="Arial" panose="020B0604020202020204" pitchFamily="34" charset="0"/>
-                <a:cs typeface="Arial" panose="020B0604020202020204" pitchFamily="34" charset="0"/>
-                <a:sym typeface="Arial" panose="020B0604020202020204" pitchFamily="34" charset="0"/>
-              </a:defRPr>
-            </a:lvl2pPr>
-            <a:lvl3pPr marL="1143000" indent="-228600">
-              <a:buClr>
-                <a:srgbClr val="000000"/>
-              </a:buClr>
-              <a:buFont typeface="Arial" panose="020B0604020202020204" pitchFamily="34" charset="0"/>
-              <a:defRPr sz="1400">
-                <a:solidFill>
-                  <a:srgbClr val="000000"/>
-                </a:solidFill>
-                <a:latin typeface="Arial" panose="020B0604020202020204" pitchFamily="34" charset="0"/>
-                <a:cs typeface="Arial" panose="020B0604020202020204" pitchFamily="34" charset="0"/>
-                <a:sym typeface="Arial" panose="020B0604020202020204" pitchFamily="34" charset="0"/>
-              </a:defRPr>
-            </a:lvl3pPr>
-            <a:lvl4pPr marL="1600200" indent="-228600">
-              <a:buClr>
-                <a:srgbClr val="000000"/>
-              </a:buClr>
-              <a:buFont typeface="Arial" panose="020B0604020202020204" pitchFamily="34" charset="0"/>
-              <a:defRPr sz="1400">
-                <a:solidFill>
-                  <a:srgbClr val="000000"/>
-                </a:solidFill>
-                <a:latin typeface="Arial" panose="020B0604020202020204" pitchFamily="34" charset="0"/>
-                <a:cs typeface="Arial" panose="020B0604020202020204" pitchFamily="34" charset="0"/>
-                <a:sym typeface="Arial" panose="020B0604020202020204" pitchFamily="34" charset="0"/>
-              </a:defRPr>
-            </a:lvl4pPr>
-            <a:lvl5pPr marL="2057400" indent="-228600">
-              <a:buClr>
-                <a:srgbClr val="000000"/>
-              </a:buClr>
-              <a:buFont typeface="Arial" panose="020B0604020202020204" pitchFamily="34" charset="0"/>
-              <a:defRPr sz="1400">
-                <a:solidFill>
-                  <a:srgbClr val="000000"/>
-                </a:solidFill>
-                <a:latin typeface="Arial" panose="020B0604020202020204" pitchFamily="34" charset="0"/>
-                <a:cs typeface="Arial" panose="020B0604020202020204" pitchFamily="34" charset="0"/>
-                <a:sym typeface="Arial" panose="020B0604020202020204" pitchFamily="34" charset="0"/>
-              </a:defRPr>
-            </a:lvl5pPr>
-            <a:lvl6pPr marL="2514600" indent="-228600" eaLnBrk="0" fontAlgn="base" hangingPunct="0">
-              <a:spcBef>
-                <a:spcPct val="0"/>
-              </a:spcBef>
-              <a:spcAft>
-                <a:spcPct val="0"/>
-              </a:spcAft>
-              <a:buClr>
-                <a:srgbClr val="000000"/>
-              </a:buClr>
-              <a:buFont typeface="Arial" panose="020B0604020202020204" pitchFamily="34" charset="0"/>
-              <a:defRPr sz="1400">
-                <a:solidFill>
-                  <a:srgbClr val="000000"/>
-                </a:solidFill>
-                <a:latin typeface="Arial" panose="020B0604020202020204" pitchFamily="34" charset="0"/>
-                <a:cs typeface="Arial" panose="020B0604020202020204" pitchFamily="34" charset="0"/>
-                <a:sym typeface="Arial" panose="020B0604020202020204" pitchFamily="34" charset="0"/>
-              </a:defRPr>
-            </a:lvl6pPr>
-            <a:lvl7pPr marL="2971800" indent="-228600" eaLnBrk="0" fontAlgn="base" hangingPunct="0">
-              <a:spcBef>
-                <a:spcPct val="0"/>
-              </a:spcBef>
-              <a:spcAft>
-                <a:spcPct val="0"/>
-              </a:spcAft>
-              <a:buClr>
-                <a:srgbClr val="000000"/>
-              </a:buClr>
-              <a:buFont typeface="Arial" panose="020B0604020202020204" pitchFamily="34" charset="0"/>
-              <a:defRPr sz="1400">
-                <a:solidFill>
-                  <a:srgbClr val="000000"/>
-                </a:solidFill>
-                <a:latin typeface="Arial" panose="020B0604020202020204" pitchFamily="34" charset="0"/>
-                <a:cs typeface="Arial" panose="020B0604020202020204" pitchFamily="34" charset="0"/>
-                <a:sym typeface="Arial" panose="020B0604020202020204" pitchFamily="34" charset="0"/>
-              </a:defRPr>
-            </a:lvl7pPr>
-            <a:lvl8pPr marL="3429000" indent="-228600" eaLnBrk="0" fontAlgn="base" hangingPunct="0">
-              <a:spcBef>
-                <a:spcPct val="0"/>
-              </a:spcBef>
-              <a:spcAft>
-                <a:spcPct val="0"/>
-              </a:spcAft>
-              <a:buClr>
-                <a:srgbClr val="000000"/>
-              </a:buClr>
-              <a:buFont typeface="Arial" panose="020B0604020202020204" pitchFamily="34" charset="0"/>
-              <a:defRPr sz="1400">
-                <a:solidFill>
-                  <a:srgbClr val="000000"/>
-                </a:solidFill>
-                <a:latin typeface="Arial" panose="020B0604020202020204" pitchFamily="34" charset="0"/>
-                <a:cs typeface="Arial" panose="020B0604020202020204" pitchFamily="34" charset="0"/>
-                <a:sym typeface="Arial" panose="020B0604020202020204" pitchFamily="34" charset="0"/>
-              </a:defRPr>
-            </a:lvl8pPr>
-            <a:lvl9pPr marL="3886200" indent="-228600" eaLnBrk="0" fontAlgn="base" hangingPunct="0">
-              <a:spcBef>
-                <a:spcPct val="0"/>
-              </a:spcBef>
-              <a:spcAft>
-                <a:spcPct val="0"/>
-              </a:spcAft>
-              <a:buClr>
-                <a:srgbClr val="000000"/>
-              </a:buClr>
-              <a:buFont typeface="Arial" panose="020B0604020202020204" pitchFamily="34" charset="0"/>
-              <a:defRPr sz="1400">
-                <a:solidFill>
-                  <a:srgbClr val="000000"/>
-                </a:solidFill>
-                <a:latin typeface="Arial" panose="020B0604020202020204" pitchFamily="34" charset="0"/>
-                <a:cs typeface="Arial" panose="020B0604020202020204" pitchFamily="34" charset="0"/>
-                <a:sym typeface="Arial" panose="020B0604020202020204" pitchFamily="34" charset="0"/>
-              </a:defRPr>
-            </a:lvl9pPr>
-          </a:lstStyle>
-          <a:p>
-            <a:pPr eaLnBrk="1" hangingPunct="1">
-              <a:lnSpc>
-                <a:spcPct val="90000"/>
-              </a:lnSpc>
-              <a:buSzPts val="2800"/>
-              <a:buFont typeface="Helvetica Neue" charset="0"/>
-              <a:buNone/>
-            </a:pPr>
-            <a:r>
-              <a:rPr lang="en-US" altLang="en-US" sz="2800">
-                <a:latin typeface="Helvetica Neue" charset="0"/>
-                <a:cs typeface="Helvetica Neue" charset="0"/>
-                <a:sym typeface="Helvetica Neue" charset="0"/>
-              </a:rPr>
-              <a:t>Core Goals - Execution Log </a:t>
-            </a:r>
-            <a:endParaRPr lang="en-US" altLang="en-US">
-              <a:cs typeface="Helvetica Neue" charset="0"/>
-            </a:endParaRPr>
-          </a:p>
-        </p:txBody>
-      </p:sp>
-      <p:sp>
-        <p:nvSpPr>
-          <p:cNvPr id="29702" name="TextBox 1">
-            <a:extLst>
-              <a:ext uri="{FF2B5EF4-FFF2-40B4-BE49-F238E27FC236}">
-                <a16:creationId xmlns:a16="http://schemas.microsoft.com/office/drawing/2014/main" id="{0F1C3B5B-E3E8-49C7-9006-37A148F16F8E}"/>
-              </a:ext>
-            </a:extLst>
-          </p:cNvPr>
-          <p:cNvSpPr txBox="1">
-            <a:spLocks noChangeArrowheads="1"/>
-          </p:cNvSpPr>
-          <p:nvPr/>
-        </p:nvSpPr>
-        <p:spPr bwMode="auto">
-          <a:xfrm>
-            <a:off x="190500" y="1757363"/>
-            <a:ext cx="5397500" cy="369887"/>
-          </a:xfrm>
-          <a:prstGeom prst="rect">
-            <a:avLst/>
-          </a:prstGeom>
-          <a:noFill/>
-          <a:ln>
-            <a:noFill/>
-          </a:ln>
-          <a:extLst>
-            <a:ext uri="{909E8E84-426E-40DD-AFC4-6F175D3DCCD1}">
-              <a14:hiddenFill xmlns:a14="http://schemas.microsoft.com/office/drawing/2010/main">
-                <a:solidFill>
-                  <a:srgbClr val="FFFFFF"/>
-                </a:solidFill>
-              </a14:hiddenFill>
-            </a:ext>
-            <a:ext uri="{91240B29-F687-4F45-9708-019B960494DF}">
-              <a14:hiddenLine xmlns:a14="http://schemas.microsoft.com/office/drawing/2010/main" w="9525">
-                <a:solidFill>
-                  <a:srgbClr val="000000"/>
-                </a:solidFill>
-                <a:miter lim="800000"/>
-                <a:headEnd/>
-                <a:tailEnd/>
-              </a14:hiddenLine>
-            </a:ext>
-          </a:extLst>
-        </p:spPr>
-        <p:txBody>
-          <a:bodyPr>
-            <a:spAutoFit/>
-          </a:bodyPr>
-          <a:lstStyle>
-            <a:lvl1pPr>
-              <a:defRPr sz="1400">
-                <a:solidFill>
-                  <a:srgbClr val="000000"/>
-                </a:solidFill>
-                <a:latin typeface="Arial" panose="020B0604020202020204" pitchFamily="34" charset="0"/>
-                <a:cs typeface="Arial" panose="020B0604020202020204" pitchFamily="34" charset="0"/>
-                <a:sym typeface="Arial" panose="020B0604020202020204" pitchFamily="34" charset="0"/>
-              </a:defRPr>
-            </a:lvl1pPr>
-            <a:lvl2pPr marL="742950" indent="-285750">
-              <a:defRPr sz="1400">
-                <a:solidFill>
-                  <a:srgbClr val="000000"/>
-                </a:solidFill>
-                <a:latin typeface="Arial" panose="020B0604020202020204" pitchFamily="34" charset="0"/>
-                <a:cs typeface="Arial" panose="020B0604020202020204" pitchFamily="34" charset="0"/>
-                <a:sym typeface="Arial" panose="020B0604020202020204" pitchFamily="34" charset="0"/>
-              </a:defRPr>
-            </a:lvl2pPr>
-            <a:lvl3pPr marL="1143000" indent="-228600">
-              <a:defRPr sz="1400">
-                <a:solidFill>
-                  <a:srgbClr val="000000"/>
-                </a:solidFill>
-                <a:latin typeface="Arial" panose="020B0604020202020204" pitchFamily="34" charset="0"/>
-                <a:cs typeface="Arial" panose="020B0604020202020204" pitchFamily="34" charset="0"/>
-                <a:sym typeface="Arial" panose="020B0604020202020204" pitchFamily="34" charset="0"/>
-              </a:defRPr>
-            </a:lvl3pPr>
-            <a:lvl4pPr marL="1600200" indent="-228600">
-              <a:defRPr sz="1400">
-                <a:solidFill>
-                  <a:srgbClr val="000000"/>
-                </a:solidFill>
-                <a:latin typeface="Arial" panose="020B0604020202020204" pitchFamily="34" charset="0"/>
-                <a:cs typeface="Arial" panose="020B0604020202020204" pitchFamily="34" charset="0"/>
-                <a:sym typeface="Arial" panose="020B0604020202020204" pitchFamily="34" charset="0"/>
-              </a:defRPr>
-            </a:lvl4pPr>
-            <a:lvl5pPr marL="2057400" indent="-228600">
-              <a:defRPr sz="1400">
-                <a:solidFill>
-                  <a:srgbClr val="000000"/>
-                </a:solidFill>
-                <a:latin typeface="Arial" panose="020B0604020202020204" pitchFamily="34" charset="0"/>
-                <a:cs typeface="Arial" panose="020B0604020202020204" pitchFamily="34" charset="0"/>
-                <a:sym typeface="Arial" panose="020B0604020202020204" pitchFamily="34" charset="0"/>
-              </a:defRPr>
-            </a:lvl5pPr>
-            <a:lvl6pPr marL="2514600" indent="-228600" eaLnBrk="0" fontAlgn="base" hangingPunct="0">
-              <a:spcBef>
-                <a:spcPct val="0"/>
-              </a:spcBef>
-              <a:spcAft>
-                <a:spcPct val="0"/>
-              </a:spcAft>
-              <a:defRPr sz="1400">
-                <a:solidFill>
-                  <a:srgbClr val="000000"/>
-                </a:solidFill>
-                <a:latin typeface="Arial" panose="020B0604020202020204" pitchFamily="34" charset="0"/>
-                <a:cs typeface="Arial" panose="020B0604020202020204" pitchFamily="34" charset="0"/>
-                <a:sym typeface="Arial" panose="020B0604020202020204" pitchFamily="34" charset="0"/>
-              </a:defRPr>
-            </a:lvl6pPr>
-            <a:lvl7pPr marL="2971800" indent="-228600" eaLnBrk="0" fontAlgn="base" hangingPunct="0">
-              <a:spcBef>
-                <a:spcPct val="0"/>
-              </a:spcBef>
-              <a:spcAft>
-                <a:spcPct val="0"/>
-              </a:spcAft>
-              <a:defRPr sz="1400">
-                <a:solidFill>
-                  <a:srgbClr val="000000"/>
-                </a:solidFill>
-                <a:latin typeface="Arial" panose="020B0604020202020204" pitchFamily="34" charset="0"/>
-                <a:cs typeface="Arial" panose="020B0604020202020204" pitchFamily="34" charset="0"/>
-                <a:sym typeface="Arial" panose="020B0604020202020204" pitchFamily="34" charset="0"/>
-              </a:defRPr>
-            </a:lvl7pPr>
-            <a:lvl8pPr marL="3429000" indent="-228600" eaLnBrk="0" fontAlgn="base" hangingPunct="0">
-              <a:spcBef>
-                <a:spcPct val="0"/>
-              </a:spcBef>
-              <a:spcAft>
-                <a:spcPct val="0"/>
-              </a:spcAft>
-              <a:defRPr sz="1400">
-                <a:solidFill>
-                  <a:srgbClr val="000000"/>
-                </a:solidFill>
-                <a:latin typeface="Arial" panose="020B0604020202020204" pitchFamily="34" charset="0"/>
-                <a:cs typeface="Arial" panose="020B0604020202020204" pitchFamily="34" charset="0"/>
-                <a:sym typeface="Arial" panose="020B0604020202020204" pitchFamily="34" charset="0"/>
-              </a:defRPr>
-            </a:lvl8pPr>
-            <a:lvl9pPr marL="3886200" indent="-228600" eaLnBrk="0" fontAlgn="base" hangingPunct="0">
-              <a:spcBef>
-                <a:spcPct val="0"/>
-              </a:spcBef>
-              <a:spcAft>
-                <a:spcPct val="0"/>
-              </a:spcAft>
-              <a:defRPr sz="1400">
-                <a:solidFill>
-                  <a:srgbClr val="000000"/>
-                </a:solidFill>
-                <a:latin typeface="Arial" panose="020B0604020202020204" pitchFamily="34" charset="0"/>
-                <a:cs typeface="Arial" panose="020B0604020202020204" pitchFamily="34" charset="0"/>
-                <a:sym typeface="Arial" panose="020B0604020202020204" pitchFamily="34" charset="0"/>
-              </a:defRPr>
-            </a:lvl9pPr>
-          </a:lstStyle>
-          <a:p>
-            <a:r>
-              <a:rPr lang="en-US" altLang="en-US" sz="1800"/>
-              <a:t>From ARGO:</a:t>
-            </a:r>
-          </a:p>
-        </p:txBody>
-      </p:sp>
-      <p:pic>
-        <p:nvPicPr>
-          <p:cNvPr id="7" name="Picture 6">
-            <a:extLst>
-              <a:ext uri="{FF2B5EF4-FFF2-40B4-BE49-F238E27FC236}">
-                <a16:creationId xmlns:a16="http://schemas.microsoft.com/office/drawing/2014/main" id="{D976475D-FC86-4280-A147-2DE55B822018}"/>
-              </a:ext>
-            </a:extLst>
-          </p:cNvPr>
-          <p:cNvPicPr>
-            <a:picLocks noChangeAspect="1"/>
-          </p:cNvPicPr>
-          <p:nvPr/>
-        </p:nvPicPr>
-        <p:blipFill>
-          <a:blip r:embed="rId3"/>
-          <a:stretch>
-            <a:fillRect/>
-          </a:stretch>
-        </p:blipFill>
-        <p:spPr>
-          <a:xfrm>
-            <a:off x="10959428" y="136525"/>
-            <a:ext cx="1032088" cy="1226186"/>
-          </a:xfrm>
-          <a:prstGeom prst="rect">
-            <a:avLst/>
-          </a:prstGeom>
-        </p:spPr>
-      </p:pic>
-    </p:spTree>
-  </p:cSld>
-  <p:clrMapOvr>
-    <a:masterClrMapping/>
-  </p:clrMapOvr>
-</p:sld>
-</file>
-
-<file path=ppt/slides/slide14.xml><?xml version="1.0" encoding="utf-8"?>
-<p:sld xmlns:a="http://schemas.openxmlformats.org/drawingml/2006/main" xmlns:r="http://schemas.openxmlformats.org/officeDocument/2006/relationships" xmlns:p="http://schemas.openxmlformats.org/presentationml/2006/main">
-  <p:cSld>
-    <p:spTree>
-      <p:nvGrpSpPr>
-        <p:cNvPr id="1" name=""/>
-        <p:cNvGrpSpPr/>
-        <p:nvPr/>
-      </p:nvGrpSpPr>
-      <p:grpSpPr>
-        <a:xfrm>
-          <a:off x="0" y="0"/>
-          <a:ext cx="0" cy="0"/>
-          <a:chOff x="0" y="0"/>
-          <a:chExt cx="0" cy="0"/>
-        </a:xfrm>
-      </p:grpSpPr>
-      <p:sp>
-        <p:nvSpPr>
-          <p:cNvPr id="30722" name="Slide Number Placeholder 1">
-            <a:extLst>
-              <a:ext uri="{FF2B5EF4-FFF2-40B4-BE49-F238E27FC236}">
-                <a16:creationId xmlns:a16="http://schemas.microsoft.com/office/drawing/2014/main" id="{DA71B869-7DAA-4D17-B7DF-67CAF8248B0A}"/>
-              </a:ext>
-            </a:extLst>
-          </p:cNvPr>
-          <p:cNvSpPr>
-            <a:spLocks noGrp="1" noChangeArrowheads="1"/>
-          </p:cNvSpPr>
-          <p:nvPr>
-            <p:ph type="sldNum" sz="quarter" idx="13"/>
-          </p:nvPr>
-        </p:nvSpPr>
-        <p:spPr bwMode="auto">
-          <a:xfrm>
-            <a:off x="8610600" y="6356350"/>
-            <a:ext cx="2743200" cy="365125"/>
-          </a:xfrm>
-          <a:prstGeom prst="rect">
-            <a:avLst/>
-          </a:prstGeom>
-          <a:noFill/>
-          <a:ln>
-            <a:noFill/>
-          </a:ln>
-          <a:extLst>
-            <a:ext uri="{909E8E84-426E-40DD-AFC4-6F175D3DCCD1}">
-              <a14:hiddenFill xmlns:a14="http://schemas.microsoft.com/office/drawing/2010/main">
-                <a:solidFill>
-                  <a:srgbClr val="FFFFFF"/>
-                </a:solidFill>
-              </a14:hiddenFill>
-            </a:ext>
-            <a:ext uri="{91240B29-F687-4F45-9708-019B960494DF}">
-              <a14:hiddenLine xmlns:a14="http://schemas.microsoft.com/office/drawing/2010/main" w="9525">
-                <a:solidFill>
-                  <a:srgbClr val="000000"/>
-                </a:solidFill>
-                <a:miter lim="800000"/>
-                <a:headEnd/>
-                <a:tailEnd/>
-              </a14:hiddenLine>
-            </a:ext>
-          </a:extLst>
-        </p:spPr>
-        <p:txBody>
-          <a:bodyPr vert="horz" wrap="square" lIns="91425" tIns="45700" rIns="91425" bIns="45700" numCol="1" anchor="ctr" anchorCtr="0" compatLnSpc="1">
-            <a:prstTxWarp prst="textNoShape">
-              <a:avLst/>
-            </a:prstTxWarp>
-          </a:bodyPr>
-          <a:lstStyle>
-            <a:defPPr>
-              <a:defRPr lang="en-US"/>
-            </a:defPPr>
-            <a:lvl1pPr algn="r" rtl="0" eaLnBrk="1" fontAlgn="base" hangingPunct="1">
-              <a:spcBef>
-                <a:spcPct val="0"/>
-              </a:spcBef>
-              <a:spcAft>
-                <a:spcPct val="0"/>
-              </a:spcAft>
-              <a:buClr>
-                <a:srgbClr val="000000"/>
-              </a:buClr>
-              <a:buFont typeface="Arial" panose="020B0604020202020204" pitchFamily="34" charset="0"/>
-              <a:buNone/>
-              <a:defRPr sz="1200" kern="1200" smtClean="0">
-                <a:solidFill>
-                  <a:srgbClr val="888888"/>
-                </a:solidFill>
-                <a:latin typeface="Arial" panose="020B0604020202020204" pitchFamily="34" charset="0"/>
-                <a:ea typeface="+mn-ea"/>
-                <a:cs typeface="Arial" panose="020B0604020202020204" pitchFamily="34" charset="0"/>
-                <a:sym typeface="Arial" panose="020B0604020202020204" pitchFamily="34" charset="0"/>
-              </a:defRPr>
-            </a:lvl1pPr>
-            <a:lvl2pPr marL="457200" algn="l" rtl="0" eaLnBrk="0" fontAlgn="base" hangingPunct="0">
-              <a:spcBef>
-                <a:spcPct val="0"/>
-              </a:spcBef>
-              <a:spcAft>
-                <a:spcPct val="0"/>
-              </a:spcAft>
-              <a:defRPr sz="1400" kern="1200">
-                <a:solidFill>
-                  <a:srgbClr val="000000"/>
-                </a:solidFill>
-                <a:latin typeface="Arial" panose="020B0604020202020204" pitchFamily="34" charset="0"/>
-                <a:ea typeface="+mn-ea"/>
-                <a:cs typeface="Arial" panose="020B0604020202020204" pitchFamily="34" charset="0"/>
-                <a:sym typeface="Arial" panose="020B0604020202020204" pitchFamily="34" charset="0"/>
-              </a:defRPr>
-            </a:lvl2pPr>
-            <a:lvl3pPr marL="914400" algn="l" rtl="0" eaLnBrk="0" fontAlgn="base" hangingPunct="0">
-              <a:spcBef>
-                <a:spcPct val="0"/>
-              </a:spcBef>
-              <a:spcAft>
-                <a:spcPct val="0"/>
-              </a:spcAft>
-              <a:defRPr sz="1400" kern="1200">
-                <a:solidFill>
-                  <a:srgbClr val="000000"/>
-                </a:solidFill>
-                <a:latin typeface="Arial" panose="020B0604020202020204" pitchFamily="34" charset="0"/>
-                <a:ea typeface="+mn-ea"/>
-                <a:cs typeface="Arial" panose="020B0604020202020204" pitchFamily="34" charset="0"/>
-                <a:sym typeface="Arial" panose="020B0604020202020204" pitchFamily="34" charset="0"/>
-              </a:defRPr>
-            </a:lvl3pPr>
-            <a:lvl4pPr marL="1371600" algn="l" rtl="0" eaLnBrk="0" fontAlgn="base" hangingPunct="0">
-              <a:spcBef>
-                <a:spcPct val="0"/>
-              </a:spcBef>
-              <a:spcAft>
-                <a:spcPct val="0"/>
-              </a:spcAft>
-              <a:defRPr sz="1400" kern="1200">
-                <a:solidFill>
-                  <a:srgbClr val="000000"/>
-                </a:solidFill>
-                <a:latin typeface="Arial" panose="020B0604020202020204" pitchFamily="34" charset="0"/>
-                <a:ea typeface="+mn-ea"/>
-                <a:cs typeface="Arial" panose="020B0604020202020204" pitchFamily="34" charset="0"/>
-                <a:sym typeface="Arial" panose="020B0604020202020204" pitchFamily="34" charset="0"/>
-              </a:defRPr>
-            </a:lvl4pPr>
-            <a:lvl5pPr marL="1828800" algn="l" rtl="0" eaLnBrk="0" fontAlgn="base" hangingPunct="0">
-              <a:spcBef>
-                <a:spcPct val="0"/>
-              </a:spcBef>
-              <a:spcAft>
-                <a:spcPct val="0"/>
-              </a:spcAft>
-              <a:defRPr sz="1400" kern="1200">
-                <a:solidFill>
-                  <a:srgbClr val="000000"/>
-                </a:solidFill>
-                <a:latin typeface="Arial" panose="020B0604020202020204" pitchFamily="34" charset="0"/>
-                <a:ea typeface="+mn-ea"/>
-                <a:cs typeface="Arial" panose="020B0604020202020204" pitchFamily="34" charset="0"/>
-                <a:sym typeface="Arial" panose="020B0604020202020204" pitchFamily="34" charset="0"/>
-              </a:defRPr>
-            </a:lvl5pPr>
-            <a:lvl6pPr marL="2286000" algn="l" defTabSz="914400" rtl="0" eaLnBrk="1" latinLnBrk="0" hangingPunct="1">
-              <a:defRPr sz="1400" kern="1200">
-                <a:solidFill>
-                  <a:srgbClr val="000000"/>
-                </a:solidFill>
-                <a:latin typeface="Arial" panose="020B0604020202020204" pitchFamily="34" charset="0"/>
-                <a:ea typeface="+mn-ea"/>
-                <a:cs typeface="Arial" panose="020B0604020202020204" pitchFamily="34" charset="0"/>
-                <a:sym typeface="Arial" panose="020B0604020202020204" pitchFamily="34" charset="0"/>
-              </a:defRPr>
-            </a:lvl6pPr>
-            <a:lvl7pPr marL="2743200" algn="l" defTabSz="914400" rtl="0" eaLnBrk="1" latinLnBrk="0" hangingPunct="1">
-              <a:defRPr sz="1400" kern="1200">
-                <a:solidFill>
-                  <a:srgbClr val="000000"/>
-                </a:solidFill>
-                <a:latin typeface="Arial" panose="020B0604020202020204" pitchFamily="34" charset="0"/>
-                <a:ea typeface="+mn-ea"/>
-                <a:cs typeface="Arial" panose="020B0604020202020204" pitchFamily="34" charset="0"/>
-                <a:sym typeface="Arial" panose="020B0604020202020204" pitchFamily="34" charset="0"/>
-              </a:defRPr>
-            </a:lvl7pPr>
-            <a:lvl8pPr marL="3200400" algn="l" defTabSz="914400" rtl="0" eaLnBrk="1" latinLnBrk="0" hangingPunct="1">
-              <a:defRPr sz="1400" kern="1200">
-                <a:solidFill>
-                  <a:srgbClr val="000000"/>
-                </a:solidFill>
-                <a:latin typeface="Arial" panose="020B0604020202020204" pitchFamily="34" charset="0"/>
-                <a:ea typeface="+mn-ea"/>
-                <a:cs typeface="Arial" panose="020B0604020202020204" pitchFamily="34" charset="0"/>
-                <a:sym typeface="Arial" panose="020B0604020202020204" pitchFamily="34" charset="0"/>
-              </a:defRPr>
-            </a:lvl8pPr>
-            <a:lvl9pPr marL="3657600" algn="l" defTabSz="914400" rtl="0" eaLnBrk="1" latinLnBrk="0" hangingPunct="1">
-              <a:defRPr sz="1400" kern="1200">
-                <a:solidFill>
-                  <a:srgbClr val="000000"/>
-                </a:solidFill>
-                <a:latin typeface="Arial" panose="020B0604020202020204" pitchFamily="34" charset="0"/>
-                <a:ea typeface="+mn-ea"/>
-                <a:cs typeface="Arial" panose="020B0604020202020204" pitchFamily="34" charset="0"/>
-                <a:sym typeface="Arial" panose="020B0604020202020204" pitchFamily="34" charset="0"/>
-              </a:defRPr>
-            </a:lvl9pPr>
-          </a:lstStyle>
-          <a:p>
-            <a:pPr>
-              <a:defRPr/>
-            </a:pPr>
-            <a:fld id="{FFB91C40-FCB9-4641-83DA-0013B503C4F6}" type="slidenum">
-              <a:rPr lang="en-US" altLang="en-US" smtClean="0"/>
-              <a:pPr>
-                <a:defRPr/>
-              </a:pPr>
-              <a:t>14</a:t>
-            </a:fld>
-            <a:endParaRPr lang="uk-UA" altLang="en-US" sz="1200">
-              <a:solidFill>
-                <a:srgbClr val="888888"/>
-              </a:solidFill>
-            </a:endParaRPr>
-          </a:p>
-        </p:txBody>
-      </p:sp>
-      <p:pic>
-        <p:nvPicPr>
-          <p:cNvPr id="30723" name="Picture 2" descr="Screen Shot 2019-06-09 at 3.46.55 PM.png">
-            <a:extLst>
-              <a:ext uri="{FF2B5EF4-FFF2-40B4-BE49-F238E27FC236}">
-                <a16:creationId xmlns:a16="http://schemas.microsoft.com/office/drawing/2014/main" id="{FB2122C0-C0C1-48E8-BA3F-973458CF38E2}"/>
-              </a:ext>
-            </a:extLst>
-          </p:cNvPr>
-          <p:cNvPicPr>
-            <a:picLocks noChangeAspect="1" noChangeArrowheads="1"/>
-          </p:cNvPicPr>
-          <p:nvPr/>
-        </p:nvPicPr>
-        <p:blipFill>
-          <a:blip r:embed="rId2">
-            <a:extLst>
-              <a:ext uri="{28A0092B-C50C-407E-A947-70E740481C1C}">
-                <a14:useLocalDpi xmlns:a14="http://schemas.microsoft.com/office/drawing/2010/main" val="0"/>
-              </a:ext>
-            </a:extLst>
-          </a:blip>
-          <a:srcRect/>
-          <a:stretch>
-            <a:fillRect/>
-          </a:stretch>
-        </p:blipFill>
-        <p:spPr bwMode="auto">
-          <a:xfrm>
-            <a:off x="731838" y="1397000"/>
-            <a:ext cx="6589712" cy="5075238"/>
-          </a:xfrm>
-          <a:prstGeom prst="rect">
-            <a:avLst/>
-          </a:prstGeom>
-          <a:noFill/>
-          <a:ln>
-            <a:noFill/>
-          </a:ln>
-          <a:extLst>
-            <a:ext uri="{909E8E84-426E-40DD-AFC4-6F175D3DCCD1}">
-              <a14:hiddenFill xmlns:a14="http://schemas.microsoft.com/office/drawing/2010/main">
-                <a:solidFill>
-                  <a:srgbClr val="FFFFFF"/>
-                </a:solidFill>
-              </a14:hiddenFill>
-            </a:ext>
-            <a:ext uri="{91240B29-F687-4F45-9708-019B960494DF}">
-              <a14:hiddenLine xmlns:a14="http://schemas.microsoft.com/office/drawing/2010/main" w="9525">
-                <a:solidFill>
-                  <a:srgbClr val="000000"/>
-                </a:solidFill>
-                <a:miter lim="800000"/>
-                <a:headEnd/>
-                <a:tailEnd/>
-              </a14:hiddenLine>
-            </a:ext>
-          </a:extLst>
-        </p:spPr>
-      </p:pic>
-      <p:sp>
-        <p:nvSpPr>
-          <p:cNvPr id="30725" name="Google Shape;241;p24">
-            <a:extLst>
-              <a:ext uri="{FF2B5EF4-FFF2-40B4-BE49-F238E27FC236}">
-                <a16:creationId xmlns:a16="http://schemas.microsoft.com/office/drawing/2014/main" id="{4289BA5D-DE9D-40EB-9BA5-3AF236EE11A5}"/>
-              </a:ext>
-            </a:extLst>
-          </p:cNvPr>
-          <p:cNvSpPr txBox="1">
-            <a:spLocks noChangeArrowheads="1"/>
-          </p:cNvSpPr>
-          <p:nvPr/>
-        </p:nvSpPr>
-        <p:spPr bwMode="auto">
-          <a:xfrm>
-            <a:off x="260350" y="241300"/>
-            <a:ext cx="7219950" cy="635000"/>
-          </a:xfrm>
-          <a:prstGeom prst="rect">
-            <a:avLst/>
-          </a:prstGeom>
-          <a:noFill/>
-          <a:ln w="9525">
-            <a:solidFill>
-              <a:schemeClr val="tx1"/>
-            </a:solidFill>
-            <a:round/>
-            <a:headEnd type="none" w="sm" len="sm"/>
-            <a:tailEnd type="none" w="sm" len="sm"/>
-          </a:ln>
-          <a:extLst>
-            <a:ext uri="{909E8E84-426E-40DD-AFC4-6F175D3DCCD1}">
-              <a14:hiddenFill xmlns:a14="http://schemas.microsoft.com/office/drawing/2010/main">
-                <a:solidFill>
-                  <a:srgbClr val="FFFFFF"/>
-                </a:solidFill>
-              </a14:hiddenFill>
-            </a:ext>
-          </a:extLst>
-        </p:spPr>
-        <p:txBody>
-          <a:bodyPr lIns="91425" tIns="45700" rIns="91425" bIns="45700" anchor="ctr"/>
-          <a:lstStyle>
-            <a:lvl1pPr>
-              <a:buClr>
-                <a:srgbClr val="000000"/>
-              </a:buClr>
-              <a:buFont typeface="Arial" panose="020B0604020202020204" pitchFamily="34" charset="0"/>
-              <a:defRPr sz="1400">
-                <a:solidFill>
-                  <a:srgbClr val="000000"/>
-                </a:solidFill>
-                <a:latin typeface="Arial" panose="020B0604020202020204" pitchFamily="34" charset="0"/>
-                <a:cs typeface="Arial" panose="020B0604020202020204" pitchFamily="34" charset="0"/>
-                <a:sym typeface="Arial" panose="020B0604020202020204" pitchFamily="34" charset="0"/>
-              </a:defRPr>
-            </a:lvl1pPr>
-            <a:lvl2pPr marL="742950" indent="-285750">
-              <a:buClr>
-                <a:srgbClr val="000000"/>
-              </a:buClr>
-              <a:buFont typeface="Arial" panose="020B0604020202020204" pitchFamily="34" charset="0"/>
-              <a:defRPr sz="1400">
-                <a:solidFill>
-                  <a:srgbClr val="000000"/>
-                </a:solidFill>
-                <a:latin typeface="Arial" panose="020B0604020202020204" pitchFamily="34" charset="0"/>
-                <a:cs typeface="Arial" panose="020B0604020202020204" pitchFamily="34" charset="0"/>
-                <a:sym typeface="Arial" panose="020B0604020202020204" pitchFamily="34" charset="0"/>
-              </a:defRPr>
-            </a:lvl2pPr>
-            <a:lvl3pPr marL="1143000" indent="-228600">
-              <a:buClr>
-                <a:srgbClr val="000000"/>
-              </a:buClr>
-              <a:buFont typeface="Arial" panose="020B0604020202020204" pitchFamily="34" charset="0"/>
-              <a:defRPr sz="1400">
-                <a:solidFill>
-                  <a:srgbClr val="000000"/>
-                </a:solidFill>
-                <a:latin typeface="Arial" panose="020B0604020202020204" pitchFamily="34" charset="0"/>
-                <a:cs typeface="Arial" panose="020B0604020202020204" pitchFamily="34" charset="0"/>
-                <a:sym typeface="Arial" panose="020B0604020202020204" pitchFamily="34" charset="0"/>
-              </a:defRPr>
-            </a:lvl3pPr>
-            <a:lvl4pPr marL="1600200" indent="-228600">
-              <a:buClr>
-                <a:srgbClr val="000000"/>
-              </a:buClr>
-              <a:buFont typeface="Arial" panose="020B0604020202020204" pitchFamily="34" charset="0"/>
-              <a:defRPr sz="1400">
-                <a:solidFill>
-                  <a:srgbClr val="000000"/>
-                </a:solidFill>
-                <a:latin typeface="Arial" panose="020B0604020202020204" pitchFamily="34" charset="0"/>
-                <a:cs typeface="Arial" panose="020B0604020202020204" pitchFamily="34" charset="0"/>
-                <a:sym typeface="Arial" panose="020B0604020202020204" pitchFamily="34" charset="0"/>
-              </a:defRPr>
-            </a:lvl4pPr>
-            <a:lvl5pPr marL="2057400" indent="-228600">
-              <a:buClr>
-                <a:srgbClr val="000000"/>
-              </a:buClr>
-              <a:buFont typeface="Arial" panose="020B0604020202020204" pitchFamily="34" charset="0"/>
-              <a:defRPr sz="1400">
-                <a:solidFill>
-                  <a:srgbClr val="000000"/>
-                </a:solidFill>
-                <a:latin typeface="Arial" panose="020B0604020202020204" pitchFamily="34" charset="0"/>
-                <a:cs typeface="Arial" panose="020B0604020202020204" pitchFamily="34" charset="0"/>
-                <a:sym typeface="Arial" panose="020B0604020202020204" pitchFamily="34" charset="0"/>
-              </a:defRPr>
-            </a:lvl5pPr>
-            <a:lvl6pPr marL="2514600" indent="-228600" eaLnBrk="0" fontAlgn="base" hangingPunct="0">
-              <a:spcBef>
-                <a:spcPct val="0"/>
-              </a:spcBef>
-              <a:spcAft>
-                <a:spcPct val="0"/>
-              </a:spcAft>
-              <a:buClr>
-                <a:srgbClr val="000000"/>
-              </a:buClr>
-              <a:buFont typeface="Arial" panose="020B0604020202020204" pitchFamily="34" charset="0"/>
-              <a:defRPr sz="1400">
-                <a:solidFill>
-                  <a:srgbClr val="000000"/>
-                </a:solidFill>
-                <a:latin typeface="Arial" panose="020B0604020202020204" pitchFamily="34" charset="0"/>
-                <a:cs typeface="Arial" panose="020B0604020202020204" pitchFamily="34" charset="0"/>
-                <a:sym typeface="Arial" panose="020B0604020202020204" pitchFamily="34" charset="0"/>
-              </a:defRPr>
-            </a:lvl6pPr>
-            <a:lvl7pPr marL="2971800" indent="-228600" eaLnBrk="0" fontAlgn="base" hangingPunct="0">
-              <a:spcBef>
-                <a:spcPct val="0"/>
-              </a:spcBef>
-              <a:spcAft>
-                <a:spcPct val="0"/>
-              </a:spcAft>
-              <a:buClr>
-                <a:srgbClr val="000000"/>
-              </a:buClr>
-              <a:buFont typeface="Arial" panose="020B0604020202020204" pitchFamily="34" charset="0"/>
-              <a:defRPr sz="1400">
-                <a:solidFill>
-                  <a:srgbClr val="000000"/>
-                </a:solidFill>
-                <a:latin typeface="Arial" panose="020B0604020202020204" pitchFamily="34" charset="0"/>
-                <a:cs typeface="Arial" panose="020B0604020202020204" pitchFamily="34" charset="0"/>
-                <a:sym typeface="Arial" panose="020B0604020202020204" pitchFamily="34" charset="0"/>
-              </a:defRPr>
-            </a:lvl7pPr>
-            <a:lvl8pPr marL="3429000" indent="-228600" eaLnBrk="0" fontAlgn="base" hangingPunct="0">
-              <a:spcBef>
-                <a:spcPct val="0"/>
-              </a:spcBef>
-              <a:spcAft>
-                <a:spcPct val="0"/>
-              </a:spcAft>
-              <a:buClr>
-                <a:srgbClr val="000000"/>
-              </a:buClr>
-              <a:buFont typeface="Arial" panose="020B0604020202020204" pitchFamily="34" charset="0"/>
-              <a:defRPr sz="1400">
-                <a:solidFill>
-                  <a:srgbClr val="000000"/>
-                </a:solidFill>
-                <a:latin typeface="Arial" panose="020B0604020202020204" pitchFamily="34" charset="0"/>
-                <a:cs typeface="Arial" panose="020B0604020202020204" pitchFamily="34" charset="0"/>
-                <a:sym typeface="Arial" panose="020B0604020202020204" pitchFamily="34" charset="0"/>
-              </a:defRPr>
-            </a:lvl8pPr>
-            <a:lvl9pPr marL="3886200" indent="-228600" eaLnBrk="0" fontAlgn="base" hangingPunct="0">
-              <a:spcBef>
-                <a:spcPct val="0"/>
-              </a:spcBef>
-              <a:spcAft>
-                <a:spcPct val="0"/>
-              </a:spcAft>
-              <a:buClr>
-                <a:srgbClr val="000000"/>
-              </a:buClr>
-              <a:buFont typeface="Arial" panose="020B0604020202020204" pitchFamily="34" charset="0"/>
-              <a:defRPr sz="1400">
-                <a:solidFill>
-                  <a:srgbClr val="000000"/>
-                </a:solidFill>
-                <a:latin typeface="Arial" panose="020B0604020202020204" pitchFamily="34" charset="0"/>
-                <a:cs typeface="Arial" panose="020B0604020202020204" pitchFamily="34" charset="0"/>
-                <a:sym typeface="Arial" panose="020B0604020202020204" pitchFamily="34" charset="0"/>
-              </a:defRPr>
-            </a:lvl9pPr>
-          </a:lstStyle>
-          <a:p>
-            <a:pPr eaLnBrk="1" hangingPunct="1">
-              <a:lnSpc>
-                <a:spcPct val="90000"/>
-              </a:lnSpc>
-              <a:buSzPts val="2800"/>
-              <a:buFont typeface="Helvetica Neue" charset="0"/>
-              <a:buNone/>
-            </a:pPr>
-            <a:r>
-              <a:rPr lang="en-US" altLang="en-US" sz="2800">
-                <a:latin typeface="Helvetica Neue" charset="0"/>
-                <a:cs typeface="Helvetica Neue" charset="0"/>
-                <a:sym typeface="Helvetica Neue" charset="0"/>
-              </a:rPr>
-              <a:t>Core Goals - Performance for Small Dataset</a:t>
-            </a:r>
-            <a:endParaRPr lang="en-US" altLang="en-US">
-              <a:cs typeface="Helvetica Neue" charset="0"/>
-            </a:endParaRPr>
-          </a:p>
-        </p:txBody>
-      </p:sp>
-      <p:pic>
-        <p:nvPicPr>
-          <p:cNvPr id="6" name="Picture 5">
-            <a:extLst>
-              <a:ext uri="{FF2B5EF4-FFF2-40B4-BE49-F238E27FC236}">
-                <a16:creationId xmlns:a16="http://schemas.microsoft.com/office/drawing/2014/main" id="{A4EBE12A-B170-444C-99A1-121412277BD4}"/>
-              </a:ext>
-            </a:extLst>
-          </p:cNvPr>
-          <p:cNvPicPr>
-            <a:picLocks noChangeAspect="1"/>
-          </p:cNvPicPr>
-          <p:nvPr/>
-        </p:nvPicPr>
-        <p:blipFill>
-          <a:blip r:embed="rId3"/>
-          <a:stretch>
-            <a:fillRect/>
-          </a:stretch>
-        </p:blipFill>
-        <p:spPr>
-          <a:xfrm>
-            <a:off x="10959428" y="136525"/>
-            <a:ext cx="1032088" cy="1226186"/>
-          </a:xfrm>
-          <a:prstGeom prst="rect">
-            <a:avLst/>
-          </a:prstGeom>
-        </p:spPr>
-      </p:pic>
-    </p:spTree>
-  </p:cSld>
-  <p:clrMapOvr>
-    <a:masterClrMapping/>
-  </p:clrMapOvr>
-</p:sld>
-</file>
-
-<file path=ppt/slides/slide15.xml><?xml version="1.0" encoding="utf-8"?>
-<p:sld xmlns:a="http://schemas.openxmlformats.org/drawingml/2006/main" xmlns:r="http://schemas.openxmlformats.org/officeDocument/2006/relationships" xmlns:p="http://schemas.openxmlformats.org/presentationml/2006/main">
-  <p:cSld>
-    <p:spTree>
-      <p:nvGrpSpPr>
-        <p:cNvPr id="1" name=""/>
-        <p:cNvGrpSpPr/>
-        <p:nvPr/>
-      </p:nvGrpSpPr>
-      <p:grpSpPr>
-        <a:xfrm>
-          <a:off x="0" y="0"/>
-          <a:ext cx="0" cy="0"/>
-          <a:chOff x="0" y="0"/>
-          <a:chExt cx="0" cy="0"/>
-        </a:xfrm>
-      </p:grpSpPr>
-      <p:sp>
-        <p:nvSpPr>
-          <p:cNvPr id="11269" name="Google Shape;159;p18">
-            <a:extLst>
-              <a:ext uri="{FF2B5EF4-FFF2-40B4-BE49-F238E27FC236}">
-                <a16:creationId xmlns:a16="http://schemas.microsoft.com/office/drawing/2014/main" id="{2FCC923B-32C8-4F51-86C3-55498352DB11}"/>
-              </a:ext>
-            </a:extLst>
-          </p:cNvPr>
-          <p:cNvSpPr txBox="1">
-            <a:spLocks noChangeArrowheads="1"/>
-          </p:cNvSpPr>
-          <p:nvPr/>
-        </p:nvSpPr>
-        <p:spPr bwMode="auto">
-          <a:xfrm>
-            <a:off x="201612" y="92075"/>
-            <a:ext cx="8408988" cy="714375"/>
-          </a:xfrm>
-          <a:prstGeom prst="rect">
-            <a:avLst/>
-          </a:prstGeom>
-          <a:noFill/>
-          <a:ln w="9525">
-            <a:solidFill>
-              <a:schemeClr val="tx1"/>
-            </a:solidFill>
-            <a:round/>
-            <a:headEnd type="none" w="sm" len="sm"/>
-            <a:tailEnd type="none" w="sm" len="sm"/>
-          </a:ln>
-          <a:extLst>
-            <a:ext uri="{909E8E84-426E-40DD-AFC4-6F175D3DCCD1}">
-              <a14:hiddenFill xmlns:a14="http://schemas.microsoft.com/office/drawing/2010/main">
-                <a:solidFill>
-                  <a:srgbClr val="FFFFFF"/>
-                </a:solidFill>
-              </a14:hiddenFill>
-            </a:ext>
-          </a:extLst>
-        </p:spPr>
-        <p:txBody>
-          <a:bodyPr lIns="91425" tIns="45700" rIns="91425" bIns="45700" anchor="ctr"/>
-          <a:lstStyle>
-            <a:lvl1pPr>
-              <a:buClr>
-                <a:srgbClr val="000000"/>
-              </a:buClr>
-              <a:buFont typeface="Arial" panose="020B0604020202020204" pitchFamily="34" charset="0"/>
-              <a:defRPr sz="1400">
-                <a:solidFill>
-                  <a:srgbClr val="000000"/>
-                </a:solidFill>
-                <a:latin typeface="Arial" panose="020B0604020202020204" pitchFamily="34" charset="0"/>
-                <a:cs typeface="Arial" panose="020B0604020202020204" pitchFamily="34" charset="0"/>
-                <a:sym typeface="Arial" panose="020B0604020202020204" pitchFamily="34" charset="0"/>
-              </a:defRPr>
-            </a:lvl1pPr>
-            <a:lvl2pPr marL="742950" indent="-285750">
-              <a:buClr>
-                <a:srgbClr val="000000"/>
-              </a:buClr>
-              <a:buFont typeface="Arial" panose="020B0604020202020204" pitchFamily="34" charset="0"/>
-              <a:defRPr sz="1400">
-                <a:solidFill>
-                  <a:srgbClr val="000000"/>
-                </a:solidFill>
-                <a:latin typeface="Arial" panose="020B0604020202020204" pitchFamily="34" charset="0"/>
-                <a:cs typeface="Arial" panose="020B0604020202020204" pitchFamily="34" charset="0"/>
-                <a:sym typeface="Arial" panose="020B0604020202020204" pitchFamily="34" charset="0"/>
-              </a:defRPr>
-            </a:lvl2pPr>
-            <a:lvl3pPr marL="1143000" indent="-228600">
-              <a:buClr>
-                <a:srgbClr val="000000"/>
-              </a:buClr>
-              <a:buFont typeface="Arial" panose="020B0604020202020204" pitchFamily="34" charset="0"/>
-              <a:defRPr sz="1400">
-                <a:solidFill>
-                  <a:srgbClr val="000000"/>
-                </a:solidFill>
-                <a:latin typeface="Arial" panose="020B0604020202020204" pitchFamily="34" charset="0"/>
-                <a:cs typeface="Arial" panose="020B0604020202020204" pitchFamily="34" charset="0"/>
-                <a:sym typeface="Arial" panose="020B0604020202020204" pitchFamily="34" charset="0"/>
-              </a:defRPr>
-            </a:lvl3pPr>
-            <a:lvl4pPr marL="1600200" indent="-228600">
-              <a:buClr>
-                <a:srgbClr val="000000"/>
-              </a:buClr>
-              <a:buFont typeface="Arial" panose="020B0604020202020204" pitchFamily="34" charset="0"/>
-              <a:defRPr sz="1400">
-                <a:solidFill>
-                  <a:srgbClr val="000000"/>
-                </a:solidFill>
-                <a:latin typeface="Arial" panose="020B0604020202020204" pitchFamily="34" charset="0"/>
-                <a:cs typeface="Arial" panose="020B0604020202020204" pitchFamily="34" charset="0"/>
-                <a:sym typeface="Arial" panose="020B0604020202020204" pitchFamily="34" charset="0"/>
-              </a:defRPr>
-            </a:lvl4pPr>
-            <a:lvl5pPr marL="2057400" indent="-228600">
-              <a:buClr>
-                <a:srgbClr val="000000"/>
-              </a:buClr>
-              <a:buFont typeface="Arial" panose="020B0604020202020204" pitchFamily="34" charset="0"/>
-              <a:defRPr sz="1400">
-                <a:solidFill>
-                  <a:srgbClr val="000000"/>
-                </a:solidFill>
-                <a:latin typeface="Arial" panose="020B0604020202020204" pitchFamily="34" charset="0"/>
-                <a:cs typeface="Arial" panose="020B0604020202020204" pitchFamily="34" charset="0"/>
-                <a:sym typeface="Arial" panose="020B0604020202020204" pitchFamily="34" charset="0"/>
-              </a:defRPr>
-            </a:lvl5pPr>
-            <a:lvl6pPr marL="2514600" indent="-228600" eaLnBrk="0" fontAlgn="base" hangingPunct="0">
-              <a:spcBef>
-                <a:spcPct val="0"/>
-              </a:spcBef>
-              <a:spcAft>
-                <a:spcPct val="0"/>
-              </a:spcAft>
-              <a:buClr>
-                <a:srgbClr val="000000"/>
-              </a:buClr>
-              <a:buFont typeface="Arial" panose="020B0604020202020204" pitchFamily="34" charset="0"/>
-              <a:defRPr sz="1400">
-                <a:solidFill>
-                  <a:srgbClr val="000000"/>
-                </a:solidFill>
-                <a:latin typeface="Arial" panose="020B0604020202020204" pitchFamily="34" charset="0"/>
-                <a:cs typeface="Arial" panose="020B0604020202020204" pitchFamily="34" charset="0"/>
-                <a:sym typeface="Arial" panose="020B0604020202020204" pitchFamily="34" charset="0"/>
-              </a:defRPr>
-            </a:lvl6pPr>
-            <a:lvl7pPr marL="2971800" indent="-228600" eaLnBrk="0" fontAlgn="base" hangingPunct="0">
-              <a:spcBef>
-                <a:spcPct val="0"/>
-              </a:spcBef>
-              <a:spcAft>
-                <a:spcPct val="0"/>
-              </a:spcAft>
-              <a:buClr>
-                <a:srgbClr val="000000"/>
-              </a:buClr>
-              <a:buFont typeface="Arial" panose="020B0604020202020204" pitchFamily="34" charset="0"/>
-              <a:defRPr sz="1400">
-                <a:solidFill>
-                  <a:srgbClr val="000000"/>
-                </a:solidFill>
-                <a:latin typeface="Arial" panose="020B0604020202020204" pitchFamily="34" charset="0"/>
-                <a:cs typeface="Arial" panose="020B0604020202020204" pitchFamily="34" charset="0"/>
-                <a:sym typeface="Arial" panose="020B0604020202020204" pitchFamily="34" charset="0"/>
-              </a:defRPr>
-            </a:lvl7pPr>
-            <a:lvl8pPr marL="3429000" indent="-228600" eaLnBrk="0" fontAlgn="base" hangingPunct="0">
-              <a:spcBef>
-                <a:spcPct val="0"/>
-              </a:spcBef>
-              <a:spcAft>
-                <a:spcPct val="0"/>
-              </a:spcAft>
-              <a:buClr>
-                <a:srgbClr val="000000"/>
-              </a:buClr>
-              <a:buFont typeface="Arial" panose="020B0604020202020204" pitchFamily="34" charset="0"/>
-              <a:defRPr sz="1400">
-                <a:solidFill>
-                  <a:srgbClr val="000000"/>
-                </a:solidFill>
-                <a:latin typeface="Arial" panose="020B0604020202020204" pitchFamily="34" charset="0"/>
-                <a:cs typeface="Arial" panose="020B0604020202020204" pitchFamily="34" charset="0"/>
-                <a:sym typeface="Arial" panose="020B0604020202020204" pitchFamily="34" charset="0"/>
-              </a:defRPr>
-            </a:lvl8pPr>
-            <a:lvl9pPr marL="3886200" indent="-228600" eaLnBrk="0" fontAlgn="base" hangingPunct="0">
-              <a:spcBef>
-                <a:spcPct val="0"/>
-              </a:spcBef>
-              <a:spcAft>
-                <a:spcPct val="0"/>
-              </a:spcAft>
-              <a:buClr>
-                <a:srgbClr val="000000"/>
-              </a:buClr>
-              <a:buFont typeface="Arial" panose="020B0604020202020204" pitchFamily="34" charset="0"/>
-              <a:defRPr sz="1400">
-                <a:solidFill>
-                  <a:srgbClr val="000000"/>
-                </a:solidFill>
-                <a:latin typeface="Arial" panose="020B0604020202020204" pitchFamily="34" charset="0"/>
-                <a:cs typeface="Arial" panose="020B0604020202020204" pitchFamily="34" charset="0"/>
-                <a:sym typeface="Arial" panose="020B0604020202020204" pitchFamily="34" charset="0"/>
-              </a:defRPr>
-            </a:lvl9pPr>
-          </a:lstStyle>
-          <a:p>
             <a:pPr algn="ctr" eaLnBrk="1" hangingPunct="1">
               <a:lnSpc>
                 <a:spcPct val="90000"/>
@@ -9566,7 +7331,7 @@
                 <a:cs typeface="Helvetica Neue" charset="0"/>
                 <a:sym typeface="Helvetica Neue" charset="0"/>
               </a:rPr>
-              <a:t>Mathematics and Statistics supporting algorithms</a:t>
+              <a:t>Testing and Validation of models</a:t>
             </a:r>
             <a:endParaRPr lang="en-US" altLang="en-US" dirty="0">
               <a:cs typeface="Helvetica Neue" charset="0"/>
@@ -9982,1399 +7747,7 @@
               <a:pPr>
                 <a:defRPr/>
               </a:pPr>
-              <a:t>15</a:t>
-            </a:fld>
-            <a:endParaRPr lang="en-US" altLang="en-US" sz="1200">
-              <a:solidFill>
-                <a:srgbClr val="888888"/>
-              </a:solidFill>
-            </a:endParaRPr>
-          </a:p>
-        </p:txBody>
-      </p:sp>
-      <p:pic>
-        <p:nvPicPr>
-          <p:cNvPr id="9" name="Picture 8">
-            <a:extLst>
-              <a:ext uri="{FF2B5EF4-FFF2-40B4-BE49-F238E27FC236}">
-                <a16:creationId xmlns:a16="http://schemas.microsoft.com/office/drawing/2014/main" id="{0E3ACB64-6388-4387-B043-C665666EE247}"/>
-              </a:ext>
-            </a:extLst>
-          </p:cNvPr>
-          <p:cNvPicPr>
-            <a:picLocks noChangeAspect="1"/>
-          </p:cNvPicPr>
-          <p:nvPr/>
-        </p:nvPicPr>
-        <p:blipFill>
-          <a:blip r:embed="rId3"/>
-          <a:stretch>
-            <a:fillRect/>
-          </a:stretch>
-        </p:blipFill>
-        <p:spPr>
-          <a:xfrm>
-            <a:off x="10959428" y="136525"/>
-            <a:ext cx="1032088" cy="1226186"/>
-          </a:xfrm>
-          <a:prstGeom prst="rect">
-            <a:avLst/>
-          </a:prstGeom>
-        </p:spPr>
-      </p:pic>
-    </p:spTree>
-    <p:extLst>
-      <p:ext uri="{BB962C8B-B14F-4D97-AF65-F5344CB8AC3E}">
-        <p14:creationId xmlns:p14="http://schemas.microsoft.com/office/powerpoint/2010/main" val="2003406305"/>
-      </p:ext>
-    </p:extLst>
-  </p:cSld>
-  <p:clrMapOvr>
-    <a:masterClrMapping/>
-  </p:clrMapOvr>
-</p:sld>
-</file>
-
-<file path=ppt/slides/slide16.xml><?xml version="1.0" encoding="utf-8"?>
-<p:sld xmlns:a="http://schemas.openxmlformats.org/drawingml/2006/main" xmlns:r="http://schemas.openxmlformats.org/officeDocument/2006/relationships" xmlns:p="http://schemas.openxmlformats.org/presentationml/2006/main">
-  <p:cSld>
-    <p:spTree>
-      <p:nvGrpSpPr>
-        <p:cNvPr id="1" name=""/>
-        <p:cNvGrpSpPr/>
-        <p:nvPr/>
-      </p:nvGrpSpPr>
-      <p:grpSpPr>
-        <a:xfrm>
-          <a:off x="0" y="0"/>
-          <a:ext cx="0" cy="0"/>
-          <a:chOff x="0" y="0"/>
-          <a:chExt cx="0" cy="0"/>
-        </a:xfrm>
-      </p:grpSpPr>
-      <p:sp>
-        <p:nvSpPr>
-          <p:cNvPr id="11269" name="Google Shape;159;p18">
-            <a:extLst>
-              <a:ext uri="{FF2B5EF4-FFF2-40B4-BE49-F238E27FC236}">
-                <a16:creationId xmlns:a16="http://schemas.microsoft.com/office/drawing/2014/main" id="{2FCC923B-32C8-4F51-86C3-55498352DB11}"/>
-              </a:ext>
-            </a:extLst>
-          </p:cNvPr>
-          <p:cNvSpPr txBox="1">
-            <a:spLocks noChangeArrowheads="1"/>
-          </p:cNvSpPr>
-          <p:nvPr/>
-        </p:nvSpPr>
-        <p:spPr bwMode="auto">
-          <a:xfrm>
-            <a:off x="201612" y="92075"/>
-            <a:ext cx="7871871" cy="714375"/>
-          </a:xfrm>
-          <a:prstGeom prst="rect">
-            <a:avLst/>
-          </a:prstGeom>
-          <a:noFill/>
-          <a:ln w="9525">
-            <a:solidFill>
-              <a:schemeClr val="tx1"/>
-            </a:solidFill>
-            <a:round/>
-            <a:headEnd type="none" w="sm" len="sm"/>
-            <a:tailEnd type="none" w="sm" len="sm"/>
-          </a:ln>
-          <a:extLst>
-            <a:ext uri="{909E8E84-426E-40DD-AFC4-6F175D3DCCD1}">
-              <a14:hiddenFill xmlns:a14="http://schemas.microsoft.com/office/drawing/2010/main">
-                <a:solidFill>
-                  <a:srgbClr val="FFFFFF"/>
-                </a:solidFill>
-              </a14:hiddenFill>
-            </a:ext>
-          </a:extLst>
-        </p:spPr>
-        <p:txBody>
-          <a:bodyPr lIns="91425" tIns="45700" rIns="91425" bIns="45700" anchor="ctr"/>
-          <a:lstStyle>
-            <a:lvl1pPr>
-              <a:buClr>
-                <a:srgbClr val="000000"/>
-              </a:buClr>
-              <a:buFont typeface="Arial" panose="020B0604020202020204" pitchFamily="34" charset="0"/>
-              <a:defRPr sz="1400">
-                <a:solidFill>
-                  <a:srgbClr val="000000"/>
-                </a:solidFill>
-                <a:latin typeface="Arial" panose="020B0604020202020204" pitchFamily="34" charset="0"/>
-                <a:cs typeface="Arial" panose="020B0604020202020204" pitchFamily="34" charset="0"/>
-                <a:sym typeface="Arial" panose="020B0604020202020204" pitchFamily="34" charset="0"/>
-              </a:defRPr>
-            </a:lvl1pPr>
-            <a:lvl2pPr marL="742950" indent="-285750">
-              <a:buClr>
-                <a:srgbClr val="000000"/>
-              </a:buClr>
-              <a:buFont typeface="Arial" panose="020B0604020202020204" pitchFamily="34" charset="0"/>
-              <a:defRPr sz="1400">
-                <a:solidFill>
-                  <a:srgbClr val="000000"/>
-                </a:solidFill>
-                <a:latin typeface="Arial" panose="020B0604020202020204" pitchFamily="34" charset="0"/>
-                <a:cs typeface="Arial" panose="020B0604020202020204" pitchFamily="34" charset="0"/>
-                <a:sym typeface="Arial" panose="020B0604020202020204" pitchFamily="34" charset="0"/>
-              </a:defRPr>
-            </a:lvl2pPr>
-            <a:lvl3pPr marL="1143000" indent="-228600">
-              <a:buClr>
-                <a:srgbClr val="000000"/>
-              </a:buClr>
-              <a:buFont typeface="Arial" panose="020B0604020202020204" pitchFamily="34" charset="0"/>
-              <a:defRPr sz="1400">
-                <a:solidFill>
-                  <a:srgbClr val="000000"/>
-                </a:solidFill>
-                <a:latin typeface="Arial" panose="020B0604020202020204" pitchFamily="34" charset="0"/>
-                <a:cs typeface="Arial" panose="020B0604020202020204" pitchFamily="34" charset="0"/>
-                <a:sym typeface="Arial" panose="020B0604020202020204" pitchFamily="34" charset="0"/>
-              </a:defRPr>
-            </a:lvl3pPr>
-            <a:lvl4pPr marL="1600200" indent="-228600">
-              <a:buClr>
-                <a:srgbClr val="000000"/>
-              </a:buClr>
-              <a:buFont typeface="Arial" panose="020B0604020202020204" pitchFamily="34" charset="0"/>
-              <a:defRPr sz="1400">
-                <a:solidFill>
-                  <a:srgbClr val="000000"/>
-                </a:solidFill>
-                <a:latin typeface="Arial" panose="020B0604020202020204" pitchFamily="34" charset="0"/>
-                <a:cs typeface="Arial" panose="020B0604020202020204" pitchFamily="34" charset="0"/>
-                <a:sym typeface="Arial" panose="020B0604020202020204" pitchFamily="34" charset="0"/>
-              </a:defRPr>
-            </a:lvl4pPr>
-            <a:lvl5pPr marL="2057400" indent="-228600">
-              <a:buClr>
-                <a:srgbClr val="000000"/>
-              </a:buClr>
-              <a:buFont typeface="Arial" panose="020B0604020202020204" pitchFamily="34" charset="0"/>
-              <a:defRPr sz="1400">
-                <a:solidFill>
-                  <a:srgbClr val="000000"/>
-                </a:solidFill>
-                <a:latin typeface="Arial" panose="020B0604020202020204" pitchFamily="34" charset="0"/>
-                <a:cs typeface="Arial" panose="020B0604020202020204" pitchFamily="34" charset="0"/>
-                <a:sym typeface="Arial" panose="020B0604020202020204" pitchFamily="34" charset="0"/>
-              </a:defRPr>
-            </a:lvl5pPr>
-            <a:lvl6pPr marL="2514600" indent="-228600" eaLnBrk="0" fontAlgn="base" hangingPunct="0">
-              <a:spcBef>
-                <a:spcPct val="0"/>
-              </a:spcBef>
-              <a:spcAft>
-                <a:spcPct val="0"/>
-              </a:spcAft>
-              <a:buClr>
-                <a:srgbClr val="000000"/>
-              </a:buClr>
-              <a:buFont typeface="Arial" panose="020B0604020202020204" pitchFamily="34" charset="0"/>
-              <a:defRPr sz="1400">
-                <a:solidFill>
-                  <a:srgbClr val="000000"/>
-                </a:solidFill>
-                <a:latin typeface="Arial" panose="020B0604020202020204" pitchFamily="34" charset="0"/>
-                <a:cs typeface="Arial" panose="020B0604020202020204" pitchFamily="34" charset="0"/>
-                <a:sym typeface="Arial" panose="020B0604020202020204" pitchFamily="34" charset="0"/>
-              </a:defRPr>
-            </a:lvl6pPr>
-            <a:lvl7pPr marL="2971800" indent="-228600" eaLnBrk="0" fontAlgn="base" hangingPunct="0">
-              <a:spcBef>
-                <a:spcPct val="0"/>
-              </a:spcBef>
-              <a:spcAft>
-                <a:spcPct val="0"/>
-              </a:spcAft>
-              <a:buClr>
-                <a:srgbClr val="000000"/>
-              </a:buClr>
-              <a:buFont typeface="Arial" panose="020B0604020202020204" pitchFamily="34" charset="0"/>
-              <a:defRPr sz="1400">
-                <a:solidFill>
-                  <a:srgbClr val="000000"/>
-                </a:solidFill>
-                <a:latin typeface="Arial" panose="020B0604020202020204" pitchFamily="34" charset="0"/>
-                <a:cs typeface="Arial" panose="020B0604020202020204" pitchFamily="34" charset="0"/>
-                <a:sym typeface="Arial" panose="020B0604020202020204" pitchFamily="34" charset="0"/>
-              </a:defRPr>
-            </a:lvl7pPr>
-            <a:lvl8pPr marL="3429000" indent="-228600" eaLnBrk="0" fontAlgn="base" hangingPunct="0">
-              <a:spcBef>
-                <a:spcPct val="0"/>
-              </a:spcBef>
-              <a:spcAft>
-                <a:spcPct val="0"/>
-              </a:spcAft>
-              <a:buClr>
-                <a:srgbClr val="000000"/>
-              </a:buClr>
-              <a:buFont typeface="Arial" panose="020B0604020202020204" pitchFamily="34" charset="0"/>
-              <a:defRPr sz="1400">
-                <a:solidFill>
-                  <a:srgbClr val="000000"/>
-                </a:solidFill>
-                <a:latin typeface="Arial" panose="020B0604020202020204" pitchFamily="34" charset="0"/>
-                <a:cs typeface="Arial" panose="020B0604020202020204" pitchFamily="34" charset="0"/>
-                <a:sym typeface="Arial" panose="020B0604020202020204" pitchFamily="34" charset="0"/>
-              </a:defRPr>
-            </a:lvl8pPr>
-            <a:lvl9pPr marL="3886200" indent="-228600" eaLnBrk="0" fontAlgn="base" hangingPunct="0">
-              <a:spcBef>
-                <a:spcPct val="0"/>
-              </a:spcBef>
-              <a:spcAft>
-                <a:spcPct val="0"/>
-              </a:spcAft>
-              <a:buClr>
-                <a:srgbClr val="000000"/>
-              </a:buClr>
-              <a:buFont typeface="Arial" panose="020B0604020202020204" pitchFamily="34" charset="0"/>
-              <a:defRPr sz="1400">
-                <a:solidFill>
-                  <a:srgbClr val="000000"/>
-                </a:solidFill>
-                <a:latin typeface="Arial" panose="020B0604020202020204" pitchFamily="34" charset="0"/>
-                <a:cs typeface="Arial" panose="020B0604020202020204" pitchFamily="34" charset="0"/>
-                <a:sym typeface="Arial" panose="020B0604020202020204" pitchFamily="34" charset="0"/>
-              </a:defRPr>
-            </a:lvl9pPr>
-          </a:lstStyle>
-          <a:p>
-            <a:pPr algn="ctr" eaLnBrk="1" hangingPunct="1">
-              <a:lnSpc>
-                <a:spcPct val="90000"/>
-              </a:lnSpc>
-              <a:buSzPts val="2800"/>
-              <a:buFont typeface="Helvetica Neue" charset="0"/>
-              <a:buNone/>
-            </a:pPr>
-            <a:r>
-              <a:rPr lang="en-US" altLang="en-US" sz="2800" dirty="0">
-                <a:latin typeface="Helvetica Neue" charset="0"/>
-                <a:cs typeface="Helvetica Neue" charset="0"/>
-                <a:sym typeface="Helvetica Neue" charset="0"/>
-              </a:rPr>
-              <a:t>Implementation and Comparison of algorithms</a:t>
-            </a:r>
-            <a:endParaRPr lang="en-US" altLang="en-US" dirty="0">
-              <a:cs typeface="Helvetica Neue" charset="0"/>
-            </a:endParaRPr>
-          </a:p>
-        </p:txBody>
-      </p:sp>
-      <p:sp>
-        <p:nvSpPr>
-          <p:cNvPr id="11270" name="Google Shape;160;p18">
-            <a:extLst>
-              <a:ext uri="{FF2B5EF4-FFF2-40B4-BE49-F238E27FC236}">
-                <a16:creationId xmlns:a16="http://schemas.microsoft.com/office/drawing/2014/main" id="{69D5B5AA-0168-4A6C-AB0D-4374FAAD81FE}"/>
-              </a:ext>
-            </a:extLst>
-          </p:cNvPr>
-          <p:cNvSpPr txBox="1">
-            <a:spLocks noChangeArrowheads="1"/>
-          </p:cNvSpPr>
-          <p:nvPr/>
-        </p:nvSpPr>
-        <p:spPr bwMode="auto">
-          <a:xfrm>
-            <a:off x="3092450" y="69850"/>
-            <a:ext cx="6777038" cy="1200150"/>
-          </a:xfrm>
-          <a:prstGeom prst="rect">
-            <a:avLst/>
-          </a:prstGeom>
-          <a:noFill/>
-          <a:ln>
-            <a:noFill/>
-          </a:ln>
-          <a:extLst>
-            <a:ext uri="{909E8E84-426E-40DD-AFC4-6F175D3DCCD1}">
-              <a14:hiddenFill xmlns:a14="http://schemas.microsoft.com/office/drawing/2010/main">
-                <a:solidFill>
-                  <a:srgbClr val="FFFFFF"/>
-                </a:solidFill>
-              </a14:hiddenFill>
-            </a:ext>
-            <a:ext uri="{91240B29-F687-4F45-9708-019B960494DF}">
-              <a14:hiddenLine xmlns:a14="http://schemas.microsoft.com/office/drawing/2010/main" w="9525">
-                <a:solidFill>
-                  <a:srgbClr val="000000"/>
-                </a:solidFill>
-                <a:miter lim="800000"/>
-                <a:headEnd/>
-                <a:tailEnd/>
-              </a14:hiddenLine>
-            </a:ext>
-          </a:extLst>
-        </p:spPr>
-        <p:txBody>
-          <a:bodyPr lIns="91425" tIns="45700" rIns="91425" bIns="45700"/>
-          <a:lstStyle>
-            <a:lvl1pPr>
-              <a:buClr>
-                <a:srgbClr val="000000"/>
-              </a:buClr>
-              <a:buFont typeface="Arial" panose="020B0604020202020204" pitchFamily="34" charset="0"/>
-              <a:defRPr sz="1400">
-                <a:solidFill>
-                  <a:srgbClr val="000000"/>
-                </a:solidFill>
-                <a:latin typeface="Arial" panose="020B0604020202020204" pitchFamily="34" charset="0"/>
-                <a:cs typeface="Arial" panose="020B0604020202020204" pitchFamily="34" charset="0"/>
-                <a:sym typeface="Arial" panose="020B0604020202020204" pitchFamily="34" charset="0"/>
-              </a:defRPr>
-            </a:lvl1pPr>
-            <a:lvl2pPr marL="742950" indent="-285750">
-              <a:buClr>
-                <a:srgbClr val="000000"/>
-              </a:buClr>
-              <a:buFont typeface="Arial" panose="020B0604020202020204" pitchFamily="34" charset="0"/>
-              <a:defRPr sz="1400">
-                <a:solidFill>
-                  <a:srgbClr val="000000"/>
-                </a:solidFill>
-                <a:latin typeface="Arial" panose="020B0604020202020204" pitchFamily="34" charset="0"/>
-                <a:cs typeface="Arial" panose="020B0604020202020204" pitchFamily="34" charset="0"/>
-                <a:sym typeface="Arial" panose="020B0604020202020204" pitchFamily="34" charset="0"/>
-              </a:defRPr>
-            </a:lvl2pPr>
-            <a:lvl3pPr marL="1143000" indent="-228600">
-              <a:buClr>
-                <a:srgbClr val="000000"/>
-              </a:buClr>
-              <a:buFont typeface="Arial" panose="020B0604020202020204" pitchFamily="34" charset="0"/>
-              <a:defRPr sz="1400">
-                <a:solidFill>
-                  <a:srgbClr val="000000"/>
-                </a:solidFill>
-                <a:latin typeface="Arial" panose="020B0604020202020204" pitchFamily="34" charset="0"/>
-                <a:cs typeface="Arial" panose="020B0604020202020204" pitchFamily="34" charset="0"/>
-                <a:sym typeface="Arial" panose="020B0604020202020204" pitchFamily="34" charset="0"/>
-              </a:defRPr>
-            </a:lvl3pPr>
-            <a:lvl4pPr marL="1600200" indent="-228600">
-              <a:buClr>
-                <a:srgbClr val="000000"/>
-              </a:buClr>
-              <a:buFont typeface="Arial" panose="020B0604020202020204" pitchFamily="34" charset="0"/>
-              <a:defRPr sz="1400">
-                <a:solidFill>
-                  <a:srgbClr val="000000"/>
-                </a:solidFill>
-                <a:latin typeface="Arial" panose="020B0604020202020204" pitchFamily="34" charset="0"/>
-                <a:cs typeface="Arial" panose="020B0604020202020204" pitchFamily="34" charset="0"/>
-                <a:sym typeface="Arial" panose="020B0604020202020204" pitchFamily="34" charset="0"/>
-              </a:defRPr>
-            </a:lvl4pPr>
-            <a:lvl5pPr marL="2057400" indent="-228600">
-              <a:buClr>
-                <a:srgbClr val="000000"/>
-              </a:buClr>
-              <a:buFont typeface="Arial" panose="020B0604020202020204" pitchFamily="34" charset="0"/>
-              <a:defRPr sz="1400">
-                <a:solidFill>
-                  <a:srgbClr val="000000"/>
-                </a:solidFill>
-                <a:latin typeface="Arial" panose="020B0604020202020204" pitchFamily="34" charset="0"/>
-                <a:cs typeface="Arial" panose="020B0604020202020204" pitchFamily="34" charset="0"/>
-                <a:sym typeface="Arial" panose="020B0604020202020204" pitchFamily="34" charset="0"/>
-              </a:defRPr>
-            </a:lvl5pPr>
-            <a:lvl6pPr marL="2514600" indent="-228600" eaLnBrk="0" fontAlgn="base" hangingPunct="0">
-              <a:spcBef>
-                <a:spcPct val="0"/>
-              </a:spcBef>
-              <a:spcAft>
-                <a:spcPct val="0"/>
-              </a:spcAft>
-              <a:buClr>
-                <a:srgbClr val="000000"/>
-              </a:buClr>
-              <a:buFont typeface="Arial" panose="020B0604020202020204" pitchFamily="34" charset="0"/>
-              <a:defRPr sz="1400">
-                <a:solidFill>
-                  <a:srgbClr val="000000"/>
-                </a:solidFill>
-                <a:latin typeface="Arial" panose="020B0604020202020204" pitchFamily="34" charset="0"/>
-                <a:cs typeface="Arial" panose="020B0604020202020204" pitchFamily="34" charset="0"/>
-                <a:sym typeface="Arial" panose="020B0604020202020204" pitchFamily="34" charset="0"/>
-              </a:defRPr>
-            </a:lvl6pPr>
-            <a:lvl7pPr marL="2971800" indent="-228600" eaLnBrk="0" fontAlgn="base" hangingPunct="0">
-              <a:spcBef>
-                <a:spcPct val="0"/>
-              </a:spcBef>
-              <a:spcAft>
-                <a:spcPct val="0"/>
-              </a:spcAft>
-              <a:buClr>
-                <a:srgbClr val="000000"/>
-              </a:buClr>
-              <a:buFont typeface="Arial" panose="020B0604020202020204" pitchFamily="34" charset="0"/>
-              <a:defRPr sz="1400">
-                <a:solidFill>
-                  <a:srgbClr val="000000"/>
-                </a:solidFill>
-                <a:latin typeface="Arial" panose="020B0604020202020204" pitchFamily="34" charset="0"/>
-                <a:cs typeface="Arial" panose="020B0604020202020204" pitchFamily="34" charset="0"/>
-                <a:sym typeface="Arial" panose="020B0604020202020204" pitchFamily="34" charset="0"/>
-              </a:defRPr>
-            </a:lvl7pPr>
-            <a:lvl8pPr marL="3429000" indent="-228600" eaLnBrk="0" fontAlgn="base" hangingPunct="0">
-              <a:spcBef>
-                <a:spcPct val="0"/>
-              </a:spcBef>
-              <a:spcAft>
-                <a:spcPct val="0"/>
-              </a:spcAft>
-              <a:buClr>
-                <a:srgbClr val="000000"/>
-              </a:buClr>
-              <a:buFont typeface="Arial" panose="020B0604020202020204" pitchFamily="34" charset="0"/>
-              <a:defRPr sz="1400">
-                <a:solidFill>
-                  <a:srgbClr val="000000"/>
-                </a:solidFill>
-                <a:latin typeface="Arial" panose="020B0604020202020204" pitchFamily="34" charset="0"/>
-                <a:cs typeface="Arial" panose="020B0604020202020204" pitchFamily="34" charset="0"/>
-                <a:sym typeface="Arial" panose="020B0604020202020204" pitchFamily="34" charset="0"/>
-              </a:defRPr>
-            </a:lvl8pPr>
-            <a:lvl9pPr marL="3886200" indent="-228600" eaLnBrk="0" fontAlgn="base" hangingPunct="0">
-              <a:spcBef>
-                <a:spcPct val="0"/>
-              </a:spcBef>
-              <a:spcAft>
-                <a:spcPct val="0"/>
-              </a:spcAft>
-              <a:buClr>
-                <a:srgbClr val="000000"/>
-              </a:buClr>
-              <a:buFont typeface="Arial" panose="020B0604020202020204" pitchFamily="34" charset="0"/>
-              <a:defRPr sz="1400">
-                <a:solidFill>
-                  <a:srgbClr val="000000"/>
-                </a:solidFill>
-                <a:latin typeface="Arial" panose="020B0604020202020204" pitchFamily="34" charset="0"/>
-                <a:cs typeface="Arial" panose="020B0604020202020204" pitchFamily="34" charset="0"/>
-                <a:sym typeface="Arial" panose="020B0604020202020204" pitchFamily="34" charset="0"/>
-              </a:defRPr>
-            </a:lvl9pPr>
-          </a:lstStyle>
-          <a:p>
-            <a:pPr eaLnBrk="1" hangingPunct="1"/>
-            <a:endParaRPr lang="en-US" altLang="en-US"/>
-          </a:p>
-        </p:txBody>
-      </p:sp>
-      <p:sp>
-        <p:nvSpPr>
-          <p:cNvPr id="11271" name="Google Shape;161;p18">
-            <a:extLst>
-              <a:ext uri="{FF2B5EF4-FFF2-40B4-BE49-F238E27FC236}">
-                <a16:creationId xmlns:a16="http://schemas.microsoft.com/office/drawing/2014/main" id="{238C9E5D-5A7F-4F4F-B37A-7568517167CA}"/>
-              </a:ext>
-            </a:extLst>
-          </p:cNvPr>
-          <p:cNvSpPr>
-            <a:spLocks noGrp="1" noChangeArrowheads="1"/>
-          </p:cNvSpPr>
-          <p:nvPr>
-            <p:ph type="sldNum" sz="quarter" idx="13"/>
-          </p:nvPr>
-        </p:nvSpPr>
-        <p:spPr bwMode="auto">
-          <a:xfrm>
-            <a:off x="8610600" y="6356350"/>
-            <a:ext cx="2743200" cy="365125"/>
-          </a:xfrm>
-          <a:prstGeom prst="rect">
-            <a:avLst/>
-          </a:prstGeom>
-          <a:noFill/>
-          <a:ln>
-            <a:noFill/>
-          </a:ln>
-          <a:extLst>
-            <a:ext uri="{909E8E84-426E-40DD-AFC4-6F175D3DCCD1}">
-              <a14:hiddenFill xmlns:a14="http://schemas.microsoft.com/office/drawing/2010/main">
-                <a:solidFill>
-                  <a:srgbClr val="FFFFFF"/>
-                </a:solidFill>
-              </a14:hiddenFill>
-            </a:ext>
-            <a:ext uri="{91240B29-F687-4F45-9708-019B960494DF}">
-              <a14:hiddenLine xmlns:a14="http://schemas.microsoft.com/office/drawing/2010/main" w="9525">
-                <a:solidFill>
-                  <a:srgbClr val="000000"/>
-                </a:solidFill>
-                <a:miter lim="800000"/>
-                <a:headEnd/>
-                <a:tailEnd/>
-              </a14:hiddenLine>
-            </a:ext>
-          </a:extLst>
-        </p:spPr>
-        <p:txBody>
-          <a:bodyPr vert="horz" wrap="square" lIns="91425" tIns="45700" rIns="91425" bIns="45700" numCol="1" anchor="ctr" anchorCtr="0" compatLnSpc="1">
-            <a:prstTxWarp prst="textNoShape">
-              <a:avLst/>
-            </a:prstTxWarp>
-          </a:bodyPr>
-          <a:lstStyle>
-            <a:defPPr>
-              <a:defRPr lang="en-US"/>
-            </a:defPPr>
-            <a:lvl1pPr algn="r" rtl="0" eaLnBrk="1" fontAlgn="base" hangingPunct="1">
-              <a:spcBef>
-                <a:spcPct val="0"/>
-              </a:spcBef>
-              <a:spcAft>
-                <a:spcPct val="0"/>
-              </a:spcAft>
-              <a:buClr>
-                <a:srgbClr val="000000"/>
-              </a:buClr>
-              <a:buFont typeface="Arial" panose="020B0604020202020204" pitchFamily="34" charset="0"/>
-              <a:buNone/>
-              <a:defRPr sz="1200" kern="1200" smtClean="0">
-                <a:solidFill>
-                  <a:srgbClr val="888888"/>
-                </a:solidFill>
-                <a:latin typeface="Arial" panose="020B0604020202020204" pitchFamily="34" charset="0"/>
-                <a:ea typeface="+mn-ea"/>
-                <a:cs typeface="Arial" panose="020B0604020202020204" pitchFamily="34" charset="0"/>
-                <a:sym typeface="Arial" panose="020B0604020202020204" pitchFamily="34" charset="0"/>
-              </a:defRPr>
-            </a:lvl1pPr>
-            <a:lvl2pPr marL="457200" algn="l" rtl="0" eaLnBrk="0" fontAlgn="base" hangingPunct="0">
-              <a:spcBef>
-                <a:spcPct val="0"/>
-              </a:spcBef>
-              <a:spcAft>
-                <a:spcPct val="0"/>
-              </a:spcAft>
-              <a:defRPr sz="1400" kern="1200">
-                <a:solidFill>
-                  <a:srgbClr val="000000"/>
-                </a:solidFill>
-                <a:latin typeface="Arial" panose="020B0604020202020204" pitchFamily="34" charset="0"/>
-                <a:ea typeface="+mn-ea"/>
-                <a:cs typeface="Arial" panose="020B0604020202020204" pitchFamily="34" charset="0"/>
-                <a:sym typeface="Arial" panose="020B0604020202020204" pitchFamily="34" charset="0"/>
-              </a:defRPr>
-            </a:lvl2pPr>
-            <a:lvl3pPr marL="914400" algn="l" rtl="0" eaLnBrk="0" fontAlgn="base" hangingPunct="0">
-              <a:spcBef>
-                <a:spcPct val="0"/>
-              </a:spcBef>
-              <a:spcAft>
-                <a:spcPct val="0"/>
-              </a:spcAft>
-              <a:defRPr sz="1400" kern="1200">
-                <a:solidFill>
-                  <a:srgbClr val="000000"/>
-                </a:solidFill>
-                <a:latin typeface="Arial" panose="020B0604020202020204" pitchFamily="34" charset="0"/>
-                <a:ea typeface="+mn-ea"/>
-                <a:cs typeface="Arial" panose="020B0604020202020204" pitchFamily="34" charset="0"/>
-                <a:sym typeface="Arial" panose="020B0604020202020204" pitchFamily="34" charset="0"/>
-              </a:defRPr>
-            </a:lvl3pPr>
-            <a:lvl4pPr marL="1371600" algn="l" rtl="0" eaLnBrk="0" fontAlgn="base" hangingPunct="0">
-              <a:spcBef>
-                <a:spcPct val="0"/>
-              </a:spcBef>
-              <a:spcAft>
-                <a:spcPct val="0"/>
-              </a:spcAft>
-              <a:defRPr sz="1400" kern="1200">
-                <a:solidFill>
-                  <a:srgbClr val="000000"/>
-                </a:solidFill>
-                <a:latin typeface="Arial" panose="020B0604020202020204" pitchFamily="34" charset="0"/>
-                <a:ea typeface="+mn-ea"/>
-                <a:cs typeface="Arial" panose="020B0604020202020204" pitchFamily="34" charset="0"/>
-                <a:sym typeface="Arial" panose="020B0604020202020204" pitchFamily="34" charset="0"/>
-              </a:defRPr>
-            </a:lvl4pPr>
-            <a:lvl5pPr marL="1828800" algn="l" rtl="0" eaLnBrk="0" fontAlgn="base" hangingPunct="0">
-              <a:spcBef>
-                <a:spcPct val="0"/>
-              </a:spcBef>
-              <a:spcAft>
-                <a:spcPct val="0"/>
-              </a:spcAft>
-              <a:defRPr sz="1400" kern="1200">
-                <a:solidFill>
-                  <a:srgbClr val="000000"/>
-                </a:solidFill>
-                <a:latin typeface="Arial" panose="020B0604020202020204" pitchFamily="34" charset="0"/>
-                <a:ea typeface="+mn-ea"/>
-                <a:cs typeface="Arial" panose="020B0604020202020204" pitchFamily="34" charset="0"/>
-                <a:sym typeface="Arial" panose="020B0604020202020204" pitchFamily="34" charset="0"/>
-              </a:defRPr>
-            </a:lvl5pPr>
-            <a:lvl6pPr marL="2286000" algn="l" defTabSz="914400" rtl="0" eaLnBrk="1" latinLnBrk="0" hangingPunct="1">
-              <a:defRPr sz="1400" kern="1200">
-                <a:solidFill>
-                  <a:srgbClr val="000000"/>
-                </a:solidFill>
-                <a:latin typeface="Arial" panose="020B0604020202020204" pitchFamily="34" charset="0"/>
-                <a:ea typeface="+mn-ea"/>
-                <a:cs typeface="Arial" panose="020B0604020202020204" pitchFamily="34" charset="0"/>
-                <a:sym typeface="Arial" panose="020B0604020202020204" pitchFamily="34" charset="0"/>
-              </a:defRPr>
-            </a:lvl6pPr>
-            <a:lvl7pPr marL="2743200" algn="l" defTabSz="914400" rtl="0" eaLnBrk="1" latinLnBrk="0" hangingPunct="1">
-              <a:defRPr sz="1400" kern="1200">
-                <a:solidFill>
-                  <a:srgbClr val="000000"/>
-                </a:solidFill>
-                <a:latin typeface="Arial" panose="020B0604020202020204" pitchFamily="34" charset="0"/>
-                <a:ea typeface="+mn-ea"/>
-                <a:cs typeface="Arial" panose="020B0604020202020204" pitchFamily="34" charset="0"/>
-                <a:sym typeface="Arial" panose="020B0604020202020204" pitchFamily="34" charset="0"/>
-              </a:defRPr>
-            </a:lvl7pPr>
-            <a:lvl8pPr marL="3200400" algn="l" defTabSz="914400" rtl="0" eaLnBrk="1" latinLnBrk="0" hangingPunct="1">
-              <a:defRPr sz="1400" kern="1200">
-                <a:solidFill>
-                  <a:srgbClr val="000000"/>
-                </a:solidFill>
-                <a:latin typeface="Arial" panose="020B0604020202020204" pitchFamily="34" charset="0"/>
-                <a:ea typeface="+mn-ea"/>
-                <a:cs typeface="Arial" panose="020B0604020202020204" pitchFamily="34" charset="0"/>
-                <a:sym typeface="Arial" panose="020B0604020202020204" pitchFamily="34" charset="0"/>
-              </a:defRPr>
-            </a:lvl8pPr>
-            <a:lvl9pPr marL="3657600" algn="l" defTabSz="914400" rtl="0" eaLnBrk="1" latinLnBrk="0" hangingPunct="1">
-              <a:defRPr sz="1400" kern="1200">
-                <a:solidFill>
-                  <a:srgbClr val="000000"/>
-                </a:solidFill>
-                <a:latin typeface="Arial" panose="020B0604020202020204" pitchFamily="34" charset="0"/>
-                <a:ea typeface="+mn-ea"/>
-                <a:cs typeface="Arial" panose="020B0604020202020204" pitchFamily="34" charset="0"/>
-                <a:sym typeface="Arial" panose="020B0604020202020204" pitchFamily="34" charset="0"/>
-              </a:defRPr>
-            </a:lvl9pPr>
-          </a:lstStyle>
-          <a:p>
-            <a:pPr>
-              <a:defRPr/>
-            </a:pPr>
-            <a:fld id="{FFB91C40-FCB9-4641-83DA-0013B503C4F6}" type="slidenum">
-              <a:rPr lang="en-US" altLang="en-US" smtClean="0"/>
-              <a:pPr>
-                <a:defRPr/>
-              </a:pPr>
-              <a:t>16</a:t>
-            </a:fld>
-            <a:endParaRPr lang="en-US" altLang="en-US" sz="1200">
-              <a:solidFill>
-                <a:srgbClr val="888888"/>
-              </a:solidFill>
-            </a:endParaRPr>
-          </a:p>
-        </p:txBody>
-      </p:sp>
-      <p:pic>
-        <p:nvPicPr>
-          <p:cNvPr id="9" name="Picture 8">
-            <a:extLst>
-              <a:ext uri="{FF2B5EF4-FFF2-40B4-BE49-F238E27FC236}">
-                <a16:creationId xmlns:a16="http://schemas.microsoft.com/office/drawing/2014/main" id="{0E3ACB64-6388-4387-B043-C665666EE247}"/>
-              </a:ext>
-            </a:extLst>
-          </p:cNvPr>
-          <p:cNvPicPr>
-            <a:picLocks noChangeAspect="1"/>
-          </p:cNvPicPr>
-          <p:nvPr/>
-        </p:nvPicPr>
-        <p:blipFill>
-          <a:blip r:embed="rId3"/>
-          <a:stretch>
-            <a:fillRect/>
-          </a:stretch>
-        </p:blipFill>
-        <p:spPr>
-          <a:xfrm>
-            <a:off x="10959428" y="136525"/>
-            <a:ext cx="1032088" cy="1226186"/>
-          </a:xfrm>
-          <a:prstGeom prst="rect">
-            <a:avLst/>
-          </a:prstGeom>
-        </p:spPr>
-      </p:pic>
-    </p:spTree>
-    <p:extLst>
-      <p:ext uri="{BB962C8B-B14F-4D97-AF65-F5344CB8AC3E}">
-        <p14:creationId xmlns:p14="http://schemas.microsoft.com/office/powerpoint/2010/main" val="3361970404"/>
-      </p:ext>
-    </p:extLst>
-  </p:cSld>
-  <p:clrMapOvr>
-    <a:masterClrMapping/>
-  </p:clrMapOvr>
-</p:sld>
-</file>
-
-<file path=ppt/slides/slide17.xml><?xml version="1.0" encoding="utf-8"?>
-<p:sld xmlns:a="http://schemas.openxmlformats.org/drawingml/2006/main" xmlns:r="http://schemas.openxmlformats.org/officeDocument/2006/relationships" xmlns:p="http://schemas.openxmlformats.org/presentationml/2006/main">
-  <p:cSld>
-    <p:spTree>
-      <p:nvGrpSpPr>
-        <p:cNvPr id="1" name=""/>
-        <p:cNvGrpSpPr/>
-        <p:nvPr/>
-      </p:nvGrpSpPr>
-      <p:grpSpPr>
-        <a:xfrm>
-          <a:off x="0" y="0"/>
-          <a:ext cx="0" cy="0"/>
-          <a:chOff x="0" y="0"/>
-          <a:chExt cx="0" cy="0"/>
-        </a:xfrm>
-      </p:grpSpPr>
-      <p:sp>
-        <p:nvSpPr>
-          <p:cNvPr id="11269" name="Google Shape;159;p18">
-            <a:extLst>
-              <a:ext uri="{FF2B5EF4-FFF2-40B4-BE49-F238E27FC236}">
-                <a16:creationId xmlns:a16="http://schemas.microsoft.com/office/drawing/2014/main" id="{2FCC923B-32C8-4F51-86C3-55498352DB11}"/>
-              </a:ext>
-            </a:extLst>
-          </p:cNvPr>
-          <p:cNvSpPr txBox="1">
-            <a:spLocks noChangeArrowheads="1"/>
-          </p:cNvSpPr>
-          <p:nvPr/>
-        </p:nvSpPr>
-        <p:spPr bwMode="auto">
-          <a:xfrm>
-            <a:off x="201613" y="92075"/>
-            <a:ext cx="5782876" cy="714375"/>
-          </a:xfrm>
-          <a:prstGeom prst="rect">
-            <a:avLst/>
-          </a:prstGeom>
-          <a:noFill/>
-          <a:ln w="9525">
-            <a:solidFill>
-              <a:schemeClr val="tx1"/>
-            </a:solidFill>
-            <a:round/>
-            <a:headEnd type="none" w="sm" len="sm"/>
-            <a:tailEnd type="none" w="sm" len="sm"/>
-          </a:ln>
-          <a:extLst>
-            <a:ext uri="{909E8E84-426E-40DD-AFC4-6F175D3DCCD1}">
-              <a14:hiddenFill xmlns:a14="http://schemas.microsoft.com/office/drawing/2010/main">
-                <a:solidFill>
-                  <a:srgbClr val="FFFFFF"/>
-                </a:solidFill>
-              </a14:hiddenFill>
-            </a:ext>
-          </a:extLst>
-        </p:spPr>
-        <p:txBody>
-          <a:bodyPr lIns="91425" tIns="45700" rIns="91425" bIns="45700" anchor="ctr"/>
-          <a:lstStyle>
-            <a:lvl1pPr>
-              <a:buClr>
-                <a:srgbClr val="000000"/>
-              </a:buClr>
-              <a:buFont typeface="Arial" panose="020B0604020202020204" pitchFamily="34" charset="0"/>
-              <a:defRPr sz="1400">
-                <a:solidFill>
-                  <a:srgbClr val="000000"/>
-                </a:solidFill>
-                <a:latin typeface="Arial" panose="020B0604020202020204" pitchFamily="34" charset="0"/>
-                <a:cs typeface="Arial" panose="020B0604020202020204" pitchFamily="34" charset="0"/>
-                <a:sym typeface="Arial" panose="020B0604020202020204" pitchFamily="34" charset="0"/>
-              </a:defRPr>
-            </a:lvl1pPr>
-            <a:lvl2pPr marL="742950" indent="-285750">
-              <a:buClr>
-                <a:srgbClr val="000000"/>
-              </a:buClr>
-              <a:buFont typeface="Arial" panose="020B0604020202020204" pitchFamily="34" charset="0"/>
-              <a:defRPr sz="1400">
-                <a:solidFill>
-                  <a:srgbClr val="000000"/>
-                </a:solidFill>
-                <a:latin typeface="Arial" panose="020B0604020202020204" pitchFamily="34" charset="0"/>
-                <a:cs typeface="Arial" panose="020B0604020202020204" pitchFamily="34" charset="0"/>
-                <a:sym typeface="Arial" panose="020B0604020202020204" pitchFamily="34" charset="0"/>
-              </a:defRPr>
-            </a:lvl2pPr>
-            <a:lvl3pPr marL="1143000" indent="-228600">
-              <a:buClr>
-                <a:srgbClr val="000000"/>
-              </a:buClr>
-              <a:buFont typeface="Arial" panose="020B0604020202020204" pitchFamily="34" charset="0"/>
-              <a:defRPr sz="1400">
-                <a:solidFill>
-                  <a:srgbClr val="000000"/>
-                </a:solidFill>
-                <a:latin typeface="Arial" panose="020B0604020202020204" pitchFamily="34" charset="0"/>
-                <a:cs typeface="Arial" panose="020B0604020202020204" pitchFamily="34" charset="0"/>
-                <a:sym typeface="Arial" panose="020B0604020202020204" pitchFamily="34" charset="0"/>
-              </a:defRPr>
-            </a:lvl3pPr>
-            <a:lvl4pPr marL="1600200" indent="-228600">
-              <a:buClr>
-                <a:srgbClr val="000000"/>
-              </a:buClr>
-              <a:buFont typeface="Arial" panose="020B0604020202020204" pitchFamily="34" charset="0"/>
-              <a:defRPr sz="1400">
-                <a:solidFill>
-                  <a:srgbClr val="000000"/>
-                </a:solidFill>
-                <a:latin typeface="Arial" panose="020B0604020202020204" pitchFamily="34" charset="0"/>
-                <a:cs typeface="Arial" panose="020B0604020202020204" pitchFamily="34" charset="0"/>
-                <a:sym typeface="Arial" panose="020B0604020202020204" pitchFamily="34" charset="0"/>
-              </a:defRPr>
-            </a:lvl4pPr>
-            <a:lvl5pPr marL="2057400" indent="-228600">
-              <a:buClr>
-                <a:srgbClr val="000000"/>
-              </a:buClr>
-              <a:buFont typeface="Arial" panose="020B0604020202020204" pitchFamily="34" charset="0"/>
-              <a:defRPr sz="1400">
-                <a:solidFill>
-                  <a:srgbClr val="000000"/>
-                </a:solidFill>
-                <a:latin typeface="Arial" panose="020B0604020202020204" pitchFamily="34" charset="0"/>
-                <a:cs typeface="Arial" panose="020B0604020202020204" pitchFamily="34" charset="0"/>
-                <a:sym typeface="Arial" panose="020B0604020202020204" pitchFamily="34" charset="0"/>
-              </a:defRPr>
-            </a:lvl5pPr>
-            <a:lvl6pPr marL="2514600" indent="-228600" eaLnBrk="0" fontAlgn="base" hangingPunct="0">
-              <a:spcBef>
-                <a:spcPct val="0"/>
-              </a:spcBef>
-              <a:spcAft>
-                <a:spcPct val="0"/>
-              </a:spcAft>
-              <a:buClr>
-                <a:srgbClr val="000000"/>
-              </a:buClr>
-              <a:buFont typeface="Arial" panose="020B0604020202020204" pitchFamily="34" charset="0"/>
-              <a:defRPr sz="1400">
-                <a:solidFill>
-                  <a:srgbClr val="000000"/>
-                </a:solidFill>
-                <a:latin typeface="Arial" panose="020B0604020202020204" pitchFamily="34" charset="0"/>
-                <a:cs typeface="Arial" panose="020B0604020202020204" pitchFamily="34" charset="0"/>
-                <a:sym typeface="Arial" panose="020B0604020202020204" pitchFamily="34" charset="0"/>
-              </a:defRPr>
-            </a:lvl6pPr>
-            <a:lvl7pPr marL="2971800" indent="-228600" eaLnBrk="0" fontAlgn="base" hangingPunct="0">
-              <a:spcBef>
-                <a:spcPct val="0"/>
-              </a:spcBef>
-              <a:spcAft>
-                <a:spcPct val="0"/>
-              </a:spcAft>
-              <a:buClr>
-                <a:srgbClr val="000000"/>
-              </a:buClr>
-              <a:buFont typeface="Arial" panose="020B0604020202020204" pitchFamily="34" charset="0"/>
-              <a:defRPr sz="1400">
-                <a:solidFill>
-                  <a:srgbClr val="000000"/>
-                </a:solidFill>
-                <a:latin typeface="Arial" panose="020B0604020202020204" pitchFamily="34" charset="0"/>
-                <a:cs typeface="Arial" panose="020B0604020202020204" pitchFamily="34" charset="0"/>
-                <a:sym typeface="Arial" panose="020B0604020202020204" pitchFamily="34" charset="0"/>
-              </a:defRPr>
-            </a:lvl7pPr>
-            <a:lvl8pPr marL="3429000" indent="-228600" eaLnBrk="0" fontAlgn="base" hangingPunct="0">
-              <a:spcBef>
-                <a:spcPct val="0"/>
-              </a:spcBef>
-              <a:spcAft>
-                <a:spcPct val="0"/>
-              </a:spcAft>
-              <a:buClr>
-                <a:srgbClr val="000000"/>
-              </a:buClr>
-              <a:buFont typeface="Arial" panose="020B0604020202020204" pitchFamily="34" charset="0"/>
-              <a:defRPr sz="1400">
-                <a:solidFill>
-                  <a:srgbClr val="000000"/>
-                </a:solidFill>
-                <a:latin typeface="Arial" panose="020B0604020202020204" pitchFamily="34" charset="0"/>
-                <a:cs typeface="Arial" panose="020B0604020202020204" pitchFamily="34" charset="0"/>
-                <a:sym typeface="Arial" panose="020B0604020202020204" pitchFamily="34" charset="0"/>
-              </a:defRPr>
-            </a:lvl8pPr>
-            <a:lvl9pPr marL="3886200" indent="-228600" eaLnBrk="0" fontAlgn="base" hangingPunct="0">
-              <a:spcBef>
-                <a:spcPct val="0"/>
-              </a:spcBef>
-              <a:spcAft>
-                <a:spcPct val="0"/>
-              </a:spcAft>
-              <a:buClr>
-                <a:srgbClr val="000000"/>
-              </a:buClr>
-              <a:buFont typeface="Arial" panose="020B0604020202020204" pitchFamily="34" charset="0"/>
-              <a:defRPr sz="1400">
-                <a:solidFill>
-                  <a:srgbClr val="000000"/>
-                </a:solidFill>
-                <a:latin typeface="Arial" panose="020B0604020202020204" pitchFamily="34" charset="0"/>
-                <a:cs typeface="Arial" panose="020B0604020202020204" pitchFamily="34" charset="0"/>
-                <a:sym typeface="Arial" panose="020B0604020202020204" pitchFamily="34" charset="0"/>
-              </a:defRPr>
-            </a:lvl9pPr>
-          </a:lstStyle>
-          <a:p>
-            <a:pPr algn="ctr" eaLnBrk="1" hangingPunct="1">
-              <a:lnSpc>
-                <a:spcPct val="90000"/>
-              </a:lnSpc>
-              <a:buSzPts val="2800"/>
-              <a:buFont typeface="Helvetica Neue" charset="0"/>
-              <a:buNone/>
-            </a:pPr>
-            <a:r>
-              <a:rPr lang="en-US" altLang="en-US" sz="2800" dirty="0">
-                <a:latin typeface="Helvetica Neue" charset="0"/>
-                <a:cs typeface="Helvetica Neue" charset="0"/>
-                <a:sym typeface="Helvetica Neue" charset="0"/>
-              </a:rPr>
-              <a:t>Testing and Validation of models</a:t>
-            </a:r>
-            <a:endParaRPr lang="en-US" altLang="en-US" dirty="0">
-              <a:cs typeface="Helvetica Neue" charset="0"/>
-            </a:endParaRPr>
-          </a:p>
-        </p:txBody>
-      </p:sp>
-      <p:sp>
-        <p:nvSpPr>
-          <p:cNvPr id="11270" name="Google Shape;160;p18">
-            <a:extLst>
-              <a:ext uri="{FF2B5EF4-FFF2-40B4-BE49-F238E27FC236}">
-                <a16:creationId xmlns:a16="http://schemas.microsoft.com/office/drawing/2014/main" id="{69D5B5AA-0168-4A6C-AB0D-4374FAAD81FE}"/>
-              </a:ext>
-            </a:extLst>
-          </p:cNvPr>
-          <p:cNvSpPr txBox="1">
-            <a:spLocks noChangeArrowheads="1"/>
-          </p:cNvSpPr>
-          <p:nvPr/>
-        </p:nvSpPr>
-        <p:spPr bwMode="auto">
-          <a:xfrm>
-            <a:off x="3092450" y="69850"/>
-            <a:ext cx="6777038" cy="1200150"/>
-          </a:xfrm>
-          <a:prstGeom prst="rect">
-            <a:avLst/>
-          </a:prstGeom>
-          <a:noFill/>
-          <a:ln>
-            <a:noFill/>
-          </a:ln>
-          <a:extLst>
-            <a:ext uri="{909E8E84-426E-40DD-AFC4-6F175D3DCCD1}">
-              <a14:hiddenFill xmlns:a14="http://schemas.microsoft.com/office/drawing/2010/main">
-                <a:solidFill>
-                  <a:srgbClr val="FFFFFF"/>
-                </a:solidFill>
-              </a14:hiddenFill>
-            </a:ext>
-            <a:ext uri="{91240B29-F687-4F45-9708-019B960494DF}">
-              <a14:hiddenLine xmlns:a14="http://schemas.microsoft.com/office/drawing/2010/main" w="9525">
-                <a:solidFill>
-                  <a:srgbClr val="000000"/>
-                </a:solidFill>
-                <a:miter lim="800000"/>
-                <a:headEnd/>
-                <a:tailEnd/>
-              </a14:hiddenLine>
-            </a:ext>
-          </a:extLst>
-        </p:spPr>
-        <p:txBody>
-          <a:bodyPr lIns="91425" tIns="45700" rIns="91425" bIns="45700"/>
-          <a:lstStyle>
-            <a:lvl1pPr>
-              <a:buClr>
-                <a:srgbClr val="000000"/>
-              </a:buClr>
-              <a:buFont typeface="Arial" panose="020B0604020202020204" pitchFamily="34" charset="0"/>
-              <a:defRPr sz="1400">
-                <a:solidFill>
-                  <a:srgbClr val="000000"/>
-                </a:solidFill>
-                <a:latin typeface="Arial" panose="020B0604020202020204" pitchFamily="34" charset="0"/>
-                <a:cs typeface="Arial" panose="020B0604020202020204" pitchFamily="34" charset="0"/>
-                <a:sym typeface="Arial" panose="020B0604020202020204" pitchFamily="34" charset="0"/>
-              </a:defRPr>
-            </a:lvl1pPr>
-            <a:lvl2pPr marL="742950" indent="-285750">
-              <a:buClr>
-                <a:srgbClr val="000000"/>
-              </a:buClr>
-              <a:buFont typeface="Arial" panose="020B0604020202020204" pitchFamily="34" charset="0"/>
-              <a:defRPr sz="1400">
-                <a:solidFill>
-                  <a:srgbClr val="000000"/>
-                </a:solidFill>
-                <a:latin typeface="Arial" panose="020B0604020202020204" pitchFamily="34" charset="0"/>
-                <a:cs typeface="Arial" panose="020B0604020202020204" pitchFamily="34" charset="0"/>
-                <a:sym typeface="Arial" panose="020B0604020202020204" pitchFamily="34" charset="0"/>
-              </a:defRPr>
-            </a:lvl2pPr>
-            <a:lvl3pPr marL="1143000" indent="-228600">
-              <a:buClr>
-                <a:srgbClr val="000000"/>
-              </a:buClr>
-              <a:buFont typeface="Arial" panose="020B0604020202020204" pitchFamily="34" charset="0"/>
-              <a:defRPr sz="1400">
-                <a:solidFill>
-                  <a:srgbClr val="000000"/>
-                </a:solidFill>
-                <a:latin typeface="Arial" panose="020B0604020202020204" pitchFamily="34" charset="0"/>
-                <a:cs typeface="Arial" panose="020B0604020202020204" pitchFamily="34" charset="0"/>
-                <a:sym typeface="Arial" panose="020B0604020202020204" pitchFamily="34" charset="0"/>
-              </a:defRPr>
-            </a:lvl3pPr>
-            <a:lvl4pPr marL="1600200" indent="-228600">
-              <a:buClr>
-                <a:srgbClr val="000000"/>
-              </a:buClr>
-              <a:buFont typeface="Arial" panose="020B0604020202020204" pitchFamily="34" charset="0"/>
-              <a:defRPr sz="1400">
-                <a:solidFill>
-                  <a:srgbClr val="000000"/>
-                </a:solidFill>
-                <a:latin typeface="Arial" panose="020B0604020202020204" pitchFamily="34" charset="0"/>
-                <a:cs typeface="Arial" panose="020B0604020202020204" pitchFamily="34" charset="0"/>
-                <a:sym typeface="Arial" panose="020B0604020202020204" pitchFamily="34" charset="0"/>
-              </a:defRPr>
-            </a:lvl4pPr>
-            <a:lvl5pPr marL="2057400" indent="-228600">
-              <a:buClr>
-                <a:srgbClr val="000000"/>
-              </a:buClr>
-              <a:buFont typeface="Arial" panose="020B0604020202020204" pitchFamily="34" charset="0"/>
-              <a:defRPr sz="1400">
-                <a:solidFill>
-                  <a:srgbClr val="000000"/>
-                </a:solidFill>
-                <a:latin typeface="Arial" panose="020B0604020202020204" pitchFamily="34" charset="0"/>
-                <a:cs typeface="Arial" panose="020B0604020202020204" pitchFamily="34" charset="0"/>
-                <a:sym typeface="Arial" panose="020B0604020202020204" pitchFamily="34" charset="0"/>
-              </a:defRPr>
-            </a:lvl5pPr>
-            <a:lvl6pPr marL="2514600" indent="-228600" eaLnBrk="0" fontAlgn="base" hangingPunct="0">
-              <a:spcBef>
-                <a:spcPct val="0"/>
-              </a:spcBef>
-              <a:spcAft>
-                <a:spcPct val="0"/>
-              </a:spcAft>
-              <a:buClr>
-                <a:srgbClr val="000000"/>
-              </a:buClr>
-              <a:buFont typeface="Arial" panose="020B0604020202020204" pitchFamily="34" charset="0"/>
-              <a:defRPr sz="1400">
-                <a:solidFill>
-                  <a:srgbClr val="000000"/>
-                </a:solidFill>
-                <a:latin typeface="Arial" panose="020B0604020202020204" pitchFamily="34" charset="0"/>
-                <a:cs typeface="Arial" panose="020B0604020202020204" pitchFamily="34" charset="0"/>
-                <a:sym typeface="Arial" panose="020B0604020202020204" pitchFamily="34" charset="0"/>
-              </a:defRPr>
-            </a:lvl6pPr>
-            <a:lvl7pPr marL="2971800" indent="-228600" eaLnBrk="0" fontAlgn="base" hangingPunct="0">
-              <a:spcBef>
-                <a:spcPct val="0"/>
-              </a:spcBef>
-              <a:spcAft>
-                <a:spcPct val="0"/>
-              </a:spcAft>
-              <a:buClr>
-                <a:srgbClr val="000000"/>
-              </a:buClr>
-              <a:buFont typeface="Arial" panose="020B0604020202020204" pitchFamily="34" charset="0"/>
-              <a:defRPr sz="1400">
-                <a:solidFill>
-                  <a:srgbClr val="000000"/>
-                </a:solidFill>
-                <a:latin typeface="Arial" panose="020B0604020202020204" pitchFamily="34" charset="0"/>
-                <a:cs typeface="Arial" panose="020B0604020202020204" pitchFamily="34" charset="0"/>
-                <a:sym typeface="Arial" panose="020B0604020202020204" pitchFamily="34" charset="0"/>
-              </a:defRPr>
-            </a:lvl7pPr>
-            <a:lvl8pPr marL="3429000" indent="-228600" eaLnBrk="0" fontAlgn="base" hangingPunct="0">
-              <a:spcBef>
-                <a:spcPct val="0"/>
-              </a:spcBef>
-              <a:spcAft>
-                <a:spcPct val="0"/>
-              </a:spcAft>
-              <a:buClr>
-                <a:srgbClr val="000000"/>
-              </a:buClr>
-              <a:buFont typeface="Arial" panose="020B0604020202020204" pitchFamily="34" charset="0"/>
-              <a:defRPr sz="1400">
-                <a:solidFill>
-                  <a:srgbClr val="000000"/>
-                </a:solidFill>
-                <a:latin typeface="Arial" panose="020B0604020202020204" pitchFamily="34" charset="0"/>
-                <a:cs typeface="Arial" panose="020B0604020202020204" pitchFamily="34" charset="0"/>
-                <a:sym typeface="Arial" panose="020B0604020202020204" pitchFamily="34" charset="0"/>
-              </a:defRPr>
-            </a:lvl8pPr>
-            <a:lvl9pPr marL="3886200" indent="-228600" eaLnBrk="0" fontAlgn="base" hangingPunct="0">
-              <a:spcBef>
-                <a:spcPct val="0"/>
-              </a:spcBef>
-              <a:spcAft>
-                <a:spcPct val="0"/>
-              </a:spcAft>
-              <a:buClr>
-                <a:srgbClr val="000000"/>
-              </a:buClr>
-              <a:buFont typeface="Arial" panose="020B0604020202020204" pitchFamily="34" charset="0"/>
-              <a:defRPr sz="1400">
-                <a:solidFill>
-                  <a:srgbClr val="000000"/>
-                </a:solidFill>
-                <a:latin typeface="Arial" panose="020B0604020202020204" pitchFamily="34" charset="0"/>
-                <a:cs typeface="Arial" panose="020B0604020202020204" pitchFamily="34" charset="0"/>
-                <a:sym typeface="Arial" panose="020B0604020202020204" pitchFamily="34" charset="0"/>
-              </a:defRPr>
-            </a:lvl9pPr>
-          </a:lstStyle>
-          <a:p>
-            <a:pPr eaLnBrk="1" hangingPunct="1"/>
-            <a:endParaRPr lang="en-US" altLang="en-US"/>
-          </a:p>
-        </p:txBody>
-      </p:sp>
-      <p:sp>
-        <p:nvSpPr>
-          <p:cNvPr id="11271" name="Google Shape;161;p18">
-            <a:extLst>
-              <a:ext uri="{FF2B5EF4-FFF2-40B4-BE49-F238E27FC236}">
-                <a16:creationId xmlns:a16="http://schemas.microsoft.com/office/drawing/2014/main" id="{238C9E5D-5A7F-4F4F-B37A-7568517167CA}"/>
-              </a:ext>
-            </a:extLst>
-          </p:cNvPr>
-          <p:cNvSpPr>
-            <a:spLocks noGrp="1" noChangeArrowheads="1"/>
-          </p:cNvSpPr>
-          <p:nvPr>
-            <p:ph type="sldNum" sz="quarter" idx="13"/>
-          </p:nvPr>
-        </p:nvSpPr>
-        <p:spPr bwMode="auto">
-          <a:xfrm>
-            <a:off x="8610600" y="6356350"/>
-            <a:ext cx="2743200" cy="365125"/>
-          </a:xfrm>
-          <a:prstGeom prst="rect">
-            <a:avLst/>
-          </a:prstGeom>
-          <a:noFill/>
-          <a:ln>
-            <a:noFill/>
-          </a:ln>
-          <a:extLst>
-            <a:ext uri="{909E8E84-426E-40DD-AFC4-6F175D3DCCD1}">
-              <a14:hiddenFill xmlns:a14="http://schemas.microsoft.com/office/drawing/2010/main">
-                <a:solidFill>
-                  <a:srgbClr val="FFFFFF"/>
-                </a:solidFill>
-              </a14:hiddenFill>
-            </a:ext>
-            <a:ext uri="{91240B29-F687-4F45-9708-019B960494DF}">
-              <a14:hiddenLine xmlns:a14="http://schemas.microsoft.com/office/drawing/2010/main" w="9525">
-                <a:solidFill>
-                  <a:srgbClr val="000000"/>
-                </a:solidFill>
-                <a:miter lim="800000"/>
-                <a:headEnd/>
-                <a:tailEnd/>
-              </a14:hiddenLine>
-            </a:ext>
-          </a:extLst>
-        </p:spPr>
-        <p:txBody>
-          <a:bodyPr vert="horz" wrap="square" lIns="91425" tIns="45700" rIns="91425" bIns="45700" numCol="1" anchor="ctr" anchorCtr="0" compatLnSpc="1">
-            <a:prstTxWarp prst="textNoShape">
-              <a:avLst/>
-            </a:prstTxWarp>
-          </a:bodyPr>
-          <a:lstStyle>
-            <a:defPPr>
-              <a:defRPr lang="en-US"/>
-            </a:defPPr>
-            <a:lvl1pPr algn="r" rtl="0" eaLnBrk="1" fontAlgn="base" hangingPunct="1">
-              <a:spcBef>
-                <a:spcPct val="0"/>
-              </a:spcBef>
-              <a:spcAft>
-                <a:spcPct val="0"/>
-              </a:spcAft>
-              <a:buClr>
-                <a:srgbClr val="000000"/>
-              </a:buClr>
-              <a:buFont typeface="Arial" panose="020B0604020202020204" pitchFamily="34" charset="0"/>
-              <a:buNone/>
-              <a:defRPr sz="1200" kern="1200" smtClean="0">
-                <a:solidFill>
-                  <a:srgbClr val="888888"/>
-                </a:solidFill>
-                <a:latin typeface="Arial" panose="020B0604020202020204" pitchFamily="34" charset="0"/>
-                <a:ea typeface="+mn-ea"/>
-                <a:cs typeface="Arial" panose="020B0604020202020204" pitchFamily="34" charset="0"/>
-                <a:sym typeface="Arial" panose="020B0604020202020204" pitchFamily="34" charset="0"/>
-              </a:defRPr>
-            </a:lvl1pPr>
-            <a:lvl2pPr marL="457200" algn="l" rtl="0" eaLnBrk="0" fontAlgn="base" hangingPunct="0">
-              <a:spcBef>
-                <a:spcPct val="0"/>
-              </a:spcBef>
-              <a:spcAft>
-                <a:spcPct val="0"/>
-              </a:spcAft>
-              <a:defRPr sz="1400" kern="1200">
-                <a:solidFill>
-                  <a:srgbClr val="000000"/>
-                </a:solidFill>
-                <a:latin typeface="Arial" panose="020B0604020202020204" pitchFamily="34" charset="0"/>
-                <a:ea typeface="+mn-ea"/>
-                <a:cs typeface="Arial" panose="020B0604020202020204" pitchFamily="34" charset="0"/>
-                <a:sym typeface="Arial" panose="020B0604020202020204" pitchFamily="34" charset="0"/>
-              </a:defRPr>
-            </a:lvl2pPr>
-            <a:lvl3pPr marL="914400" algn="l" rtl="0" eaLnBrk="0" fontAlgn="base" hangingPunct="0">
-              <a:spcBef>
-                <a:spcPct val="0"/>
-              </a:spcBef>
-              <a:spcAft>
-                <a:spcPct val="0"/>
-              </a:spcAft>
-              <a:defRPr sz="1400" kern="1200">
-                <a:solidFill>
-                  <a:srgbClr val="000000"/>
-                </a:solidFill>
-                <a:latin typeface="Arial" panose="020B0604020202020204" pitchFamily="34" charset="0"/>
-                <a:ea typeface="+mn-ea"/>
-                <a:cs typeface="Arial" panose="020B0604020202020204" pitchFamily="34" charset="0"/>
-                <a:sym typeface="Arial" panose="020B0604020202020204" pitchFamily="34" charset="0"/>
-              </a:defRPr>
-            </a:lvl3pPr>
-            <a:lvl4pPr marL="1371600" algn="l" rtl="0" eaLnBrk="0" fontAlgn="base" hangingPunct="0">
-              <a:spcBef>
-                <a:spcPct val="0"/>
-              </a:spcBef>
-              <a:spcAft>
-                <a:spcPct val="0"/>
-              </a:spcAft>
-              <a:defRPr sz="1400" kern="1200">
-                <a:solidFill>
-                  <a:srgbClr val="000000"/>
-                </a:solidFill>
-                <a:latin typeface="Arial" panose="020B0604020202020204" pitchFamily="34" charset="0"/>
-                <a:ea typeface="+mn-ea"/>
-                <a:cs typeface="Arial" panose="020B0604020202020204" pitchFamily="34" charset="0"/>
-                <a:sym typeface="Arial" panose="020B0604020202020204" pitchFamily="34" charset="0"/>
-              </a:defRPr>
-            </a:lvl4pPr>
-            <a:lvl5pPr marL="1828800" algn="l" rtl="0" eaLnBrk="0" fontAlgn="base" hangingPunct="0">
-              <a:spcBef>
-                <a:spcPct val="0"/>
-              </a:spcBef>
-              <a:spcAft>
-                <a:spcPct val="0"/>
-              </a:spcAft>
-              <a:defRPr sz="1400" kern="1200">
-                <a:solidFill>
-                  <a:srgbClr val="000000"/>
-                </a:solidFill>
-                <a:latin typeface="Arial" panose="020B0604020202020204" pitchFamily="34" charset="0"/>
-                <a:ea typeface="+mn-ea"/>
-                <a:cs typeface="Arial" panose="020B0604020202020204" pitchFamily="34" charset="0"/>
-                <a:sym typeface="Arial" panose="020B0604020202020204" pitchFamily="34" charset="0"/>
-              </a:defRPr>
-            </a:lvl5pPr>
-            <a:lvl6pPr marL="2286000" algn="l" defTabSz="914400" rtl="0" eaLnBrk="1" latinLnBrk="0" hangingPunct="1">
-              <a:defRPr sz="1400" kern="1200">
-                <a:solidFill>
-                  <a:srgbClr val="000000"/>
-                </a:solidFill>
-                <a:latin typeface="Arial" panose="020B0604020202020204" pitchFamily="34" charset="0"/>
-                <a:ea typeface="+mn-ea"/>
-                <a:cs typeface="Arial" panose="020B0604020202020204" pitchFamily="34" charset="0"/>
-                <a:sym typeface="Arial" panose="020B0604020202020204" pitchFamily="34" charset="0"/>
-              </a:defRPr>
-            </a:lvl6pPr>
-            <a:lvl7pPr marL="2743200" algn="l" defTabSz="914400" rtl="0" eaLnBrk="1" latinLnBrk="0" hangingPunct="1">
-              <a:defRPr sz="1400" kern="1200">
-                <a:solidFill>
-                  <a:srgbClr val="000000"/>
-                </a:solidFill>
-                <a:latin typeface="Arial" panose="020B0604020202020204" pitchFamily="34" charset="0"/>
-                <a:ea typeface="+mn-ea"/>
-                <a:cs typeface="Arial" panose="020B0604020202020204" pitchFamily="34" charset="0"/>
-                <a:sym typeface="Arial" panose="020B0604020202020204" pitchFamily="34" charset="0"/>
-              </a:defRPr>
-            </a:lvl7pPr>
-            <a:lvl8pPr marL="3200400" algn="l" defTabSz="914400" rtl="0" eaLnBrk="1" latinLnBrk="0" hangingPunct="1">
-              <a:defRPr sz="1400" kern="1200">
-                <a:solidFill>
-                  <a:srgbClr val="000000"/>
-                </a:solidFill>
-                <a:latin typeface="Arial" panose="020B0604020202020204" pitchFamily="34" charset="0"/>
-                <a:ea typeface="+mn-ea"/>
-                <a:cs typeface="Arial" panose="020B0604020202020204" pitchFamily="34" charset="0"/>
-                <a:sym typeface="Arial" panose="020B0604020202020204" pitchFamily="34" charset="0"/>
-              </a:defRPr>
-            </a:lvl8pPr>
-            <a:lvl9pPr marL="3657600" algn="l" defTabSz="914400" rtl="0" eaLnBrk="1" latinLnBrk="0" hangingPunct="1">
-              <a:defRPr sz="1400" kern="1200">
-                <a:solidFill>
-                  <a:srgbClr val="000000"/>
-                </a:solidFill>
-                <a:latin typeface="Arial" panose="020B0604020202020204" pitchFamily="34" charset="0"/>
-                <a:ea typeface="+mn-ea"/>
-                <a:cs typeface="Arial" panose="020B0604020202020204" pitchFamily="34" charset="0"/>
-                <a:sym typeface="Arial" panose="020B0604020202020204" pitchFamily="34" charset="0"/>
-              </a:defRPr>
-            </a:lvl9pPr>
-          </a:lstStyle>
-          <a:p>
-            <a:pPr>
-              <a:defRPr/>
-            </a:pPr>
-            <a:fld id="{FFB91C40-FCB9-4641-83DA-0013B503C4F6}" type="slidenum">
-              <a:rPr lang="en-US" altLang="en-US" smtClean="0"/>
-              <a:pPr>
-                <a:defRPr/>
-              </a:pPr>
-              <a:t>17</a:t>
+              <a:t>12</a:t>
             </a:fld>
             <a:endParaRPr lang="en-US" altLang="en-US" sz="1200">
               <a:solidFill>
@@ -11427,7 +7800,7 @@
 </p:sld>
 </file>
 
-<file path=ppt/slides/slide18.xml><?xml version="1.0" encoding="utf-8"?>
+<file path=ppt/slides/slide13.xml><?xml version="1.0" encoding="utf-8"?>
 <p:sld xmlns:a="http://schemas.openxmlformats.org/drawingml/2006/main" xmlns:r="http://schemas.openxmlformats.org/officeDocument/2006/relationships" xmlns:p="http://schemas.openxmlformats.org/presentationml/2006/main">
   <p:cSld>
     <p:spTree>
@@ -12070,7 +8443,7 @@
               <a:pPr>
                 <a:defRPr/>
               </a:pPr>
-              <a:t>18</a:t>
+              <a:t>13</a:t>
             </a:fld>
             <a:endParaRPr lang="en-US" altLang="en-US" sz="1200">
               <a:solidFill>
@@ -12123,7 +8496,7 @@
 </p:sld>
 </file>
 
-<file path=ppt/slides/slide19.xml><?xml version="1.0" encoding="utf-8"?>
+<file path=ppt/slides/slide14.xml><?xml version="1.0" encoding="utf-8"?>
 <p:sld xmlns:a="http://schemas.openxmlformats.org/drawingml/2006/main" xmlns:r="http://schemas.openxmlformats.org/officeDocument/2006/relationships" xmlns:p="http://schemas.openxmlformats.org/presentationml/2006/main">
   <p:cSld>
     <p:spTree>
@@ -12766,7 +9139,7 @@
               <a:pPr>
                 <a:defRPr/>
               </a:pPr>
-              <a:t>19</a:t>
+              <a:t>14</a:t>
             </a:fld>
             <a:endParaRPr lang="en-US" altLang="en-US" sz="1200">
               <a:solidFill>
@@ -12812,6 +9185,3754 @@
         <p14:creationId xmlns:p14="http://schemas.microsoft.com/office/powerpoint/2010/main" val="1472124485"/>
       </p:ext>
     </p:extLst>
+  </p:cSld>
+  <p:clrMapOvr>
+    <a:masterClrMapping/>
+  </p:clrMapOvr>
+</p:sld>
+</file>
+
+<file path=ppt/slides/slide15.xml><?xml version="1.0" encoding="utf-8"?>
+<p:sld xmlns:a="http://schemas.openxmlformats.org/drawingml/2006/main" xmlns:r="http://schemas.openxmlformats.org/officeDocument/2006/relationships" xmlns:p="http://schemas.openxmlformats.org/presentationml/2006/main">
+  <p:cSld>
+    <p:spTree>
+      <p:nvGrpSpPr>
+        <p:cNvPr id="1" name=""/>
+        <p:cNvGrpSpPr/>
+        <p:nvPr/>
+      </p:nvGrpSpPr>
+      <p:grpSpPr>
+        <a:xfrm>
+          <a:off x="0" y="0"/>
+          <a:ext cx="0" cy="0"/>
+          <a:chOff x="0" y="0"/>
+          <a:chExt cx="0" cy="0"/>
+        </a:xfrm>
+      </p:grpSpPr>
+      <p:sp>
+        <p:nvSpPr>
+          <p:cNvPr id="11269" name="Google Shape;159;p18">
+            <a:extLst>
+              <a:ext uri="{FF2B5EF4-FFF2-40B4-BE49-F238E27FC236}">
+                <a16:creationId xmlns:a16="http://schemas.microsoft.com/office/drawing/2014/main" id="{2FCC923B-32C8-4F51-86C3-55498352DB11}"/>
+              </a:ext>
+            </a:extLst>
+          </p:cNvPr>
+          <p:cNvSpPr txBox="1">
+            <a:spLocks noChangeArrowheads="1"/>
+          </p:cNvSpPr>
+          <p:nvPr/>
+        </p:nvSpPr>
+        <p:spPr bwMode="auto">
+          <a:xfrm>
+            <a:off x="201613" y="92075"/>
+            <a:ext cx="3545198" cy="714375"/>
+          </a:xfrm>
+          <a:prstGeom prst="rect">
+            <a:avLst/>
+          </a:prstGeom>
+          <a:noFill/>
+          <a:ln w="9525">
+            <a:solidFill>
+              <a:schemeClr val="tx1"/>
+            </a:solidFill>
+            <a:round/>
+            <a:headEnd type="none" w="sm" len="sm"/>
+            <a:tailEnd type="none" w="sm" len="sm"/>
+          </a:ln>
+          <a:extLst>
+            <a:ext uri="{909E8E84-426E-40DD-AFC4-6F175D3DCCD1}">
+              <a14:hiddenFill xmlns:a14="http://schemas.microsoft.com/office/drawing/2010/main">
+                <a:solidFill>
+                  <a:srgbClr val="FFFFFF"/>
+                </a:solidFill>
+              </a14:hiddenFill>
+            </a:ext>
+          </a:extLst>
+        </p:spPr>
+        <p:txBody>
+          <a:bodyPr lIns="91425" tIns="45700" rIns="91425" bIns="45700" anchor="ctr"/>
+          <a:lstStyle>
+            <a:lvl1pPr>
+              <a:buClr>
+                <a:srgbClr val="000000"/>
+              </a:buClr>
+              <a:buFont typeface="Arial" panose="020B0604020202020204" pitchFamily="34" charset="0"/>
+              <a:defRPr sz="1400">
+                <a:solidFill>
+                  <a:srgbClr val="000000"/>
+                </a:solidFill>
+                <a:latin typeface="Arial" panose="020B0604020202020204" pitchFamily="34" charset="0"/>
+                <a:cs typeface="Arial" panose="020B0604020202020204" pitchFamily="34" charset="0"/>
+                <a:sym typeface="Arial" panose="020B0604020202020204" pitchFamily="34" charset="0"/>
+              </a:defRPr>
+            </a:lvl1pPr>
+            <a:lvl2pPr marL="742950" indent="-285750">
+              <a:buClr>
+                <a:srgbClr val="000000"/>
+              </a:buClr>
+              <a:buFont typeface="Arial" panose="020B0604020202020204" pitchFamily="34" charset="0"/>
+              <a:defRPr sz="1400">
+                <a:solidFill>
+                  <a:srgbClr val="000000"/>
+                </a:solidFill>
+                <a:latin typeface="Arial" panose="020B0604020202020204" pitchFamily="34" charset="0"/>
+                <a:cs typeface="Arial" panose="020B0604020202020204" pitchFamily="34" charset="0"/>
+                <a:sym typeface="Arial" panose="020B0604020202020204" pitchFamily="34" charset="0"/>
+              </a:defRPr>
+            </a:lvl2pPr>
+            <a:lvl3pPr marL="1143000" indent="-228600">
+              <a:buClr>
+                <a:srgbClr val="000000"/>
+              </a:buClr>
+              <a:buFont typeface="Arial" panose="020B0604020202020204" pitchFamily="34" charset="0"/>
+              <a:defRPr sz="1400">
+                <a:solidFill>
+                  <a:srgbClr val="000000"/>
+                </a:solidFill>
+                <a:latin typeface="Arial" panose="020B0604020202020204" pitchFamily="34" charset="0"/>
+                <a:cs typeface="Arial" panose="020B0604020202020204" pitchFamily="34" charset="0"/>
+                <a:sym typeface="Arial" panose="020B0604020202020204" pitchFamily="34" charset="0"/>
+              </a:defRPr>
+            </a:lvl3pPr>
+            <a:lvl4pPr marL="1600200" indent="-228600">
+              <a:buClr>
+                <a:srgbClr val="000000"/>
+              </a:buClr>
+              <a:buFont typeface="Arial" panose="020B0604020202020204" pitchFamily="34" charset="0"/>
+              <a:defRPr sz="1400">
+                <a:solidFill>
+                  <a:srgbClr val="000000"/>
+                </a:solidFill>
+                <a:latin typeface="Arial" panose="020B0604020202020204" pitchFamily="34" charset="0"/>
+                <a:cs typeface="Arial" panose="020B0604020202020204" pitchFamily="34" charset="0"/>
+                <a:sym typeface="Arial" panose="020B0604020202020204" pitchFamily="34" charset="0"/>
+              </a:defRPr>
+            </a:lvl4pPr>
+            <a:lvl5pPr marL="2057400" indent="-228600">
+              <a:buClr>
+                <a:srgbClr val="000000"/>
+              </a:buClr>
+              <a:buFont typeface="Arial" panose="020B0604020202020204" pitchFamily="34" charset="0"/>
+              <a:defRPr sz="1400">
+                <a:solidFill>
+                  <a:srgbClr val="000000"/>
+                </a:solidFill>
+                <a:latin typeface="Arial" panose="020B0604020202020204" pitchFamily="34" charset="0"/>
+                <a:cs typeface="Arial" panose="020B0604020202020204" pitchFamily="34" charset="0"/>
+                <a:sym typeface="Arial" panose="020B0604020202020204" pitchFamily="34" charset="0"/>
+              </a:defRPr>
+            </a:lvl5pPr>
+            <a:lvl6pPr marL="2514600" indent="-228600" eaLnBrk="0" fontAlgn="base" hangingPunct="0">
+              <a:spcBef>
+                <a:spcPct val="0"/>
+              </a:spcBef>
+              <a:spcAft>
+                <a:spcPct val="0"/>
+              </a:spcAft>
+              <a:buClr>
+                <a:srgbClr val="000000"/>
+              </a:buClr>
+              <a:buFont typeface="Arial" panose="020B0604020202020204" pitchFamily="34" charset="0"/>
+              <a:defRPr sz="1400">
+                <a:solidFill>
+                  <a:srgbClr val="000000"/>
+                </a:solidFill>
+                <a:latin typeface="Arial" panose="020B0604020202020204" pitchFamily="34" charset="0"/>
+                <a:cs typeface="Arial" panose="020B0604020202020204" pitchFamily="34" charset="0"/>
+                <a:sym typeface="Arial" panose="020B0604020202020204" pitchFamily="34" charset="0"/>
+              </a:defRPr>
+            </a:lvl6pPr>
+            <a:lvl7pPr marL="2971800" indent="-228600" eaLnBrk="0" fontAlgn="base" hangingPunct="0">
+              <a:spcBef>
+                <a:spcPct val="0"/>
+              </a:spcBef>
+              <a:spcAft>
+                <a:spcPct val="0"/>
+              </a:spcAft>
+              <a:buClr>
+                <a:srgbClr val="000000"/>
+              </a:buClr>
+              <a:buFont typeface="Arial" panose="020B0604020202020204" pitchFamily="34" charset="0"/>
+              <a:defRPr sz="1400">
+                <a:solidFill>
+                  <a:srgbClr val="000000"/>
+                </a:solidFill>
+                <a:latin typeface="Arial" panose="020B0604020202020204" pitchFamily="34" charset="0"/>
+                <a:cs typeface="Arial" panose="020B0604020202020204" pitchFamily="34" charset="0"/>
+                <a:sym typeface="Arial" panose="020B0604020202020204" pitchFamily="34" charset="0"/>
+              </a:defRPr>
+            </a:lvl7pPr>
+            <a:lvl8pPr marL="3429000" indent="-228600" eaLnBrk="0" fontAlgn="base" hangingPunct="0">
+              <a:spcBef>
+                <a:spcPct val="0"/>
+              </a:spcBef>
+              <a:spcAft>
+                <a:spcPct val="0"/>
+              </a:spcAft>
+              <a:buClr>
+                <a:srgbClr val="000000"/>
+              </a:buClr>
+              <a:buFont typeface="Arial" panose="020B0604020202020204" pitchFamily="34" charset="0"/>
+              <a:defRPr sz="1400">
+                <a:solidFill>
+                  <a:srgbClr val="000000"/>
+                </a:solidFill>
+                <a:latin typeface="Arial" panose="020B0604020202020204" pitchFamily="34" charset="0"/>
+                <a:cs typeface="Arial" panose="020B0604020202020204" pitchFamily="34" charset="0"/>
+                <a:sym typeface="Arial" panose="020B0604020202020204" pitchFamily="34" charset="0"/>
+              </a:defRPr>
+            </a:lvl8pPr>
+            <a:lvl9pPr marL="3886200" indent="-228600" eaLnBrk="0" fontAlgn="base" hangingPunct="0">
+              <a:spcBef>
+                <a:spcPct val="0"/>
+              </a:spcBef>
+              <a:spcAft>
+                <a:spcPct val="0"/>
+              </a:spcAft>
+              <a:buClr>
+                <a:srgbClr val="000000"/>
+              </a:buClr>
+              <a:buFont typeface="Arial" panose="020B0604020202020204" pitchFamily="34" charset="0"/>
+              <a:defRPr sz="1400">
+                <a:solidFill>
+                  <a:srgbClr val="000000"/>
+                </a:solidFill>
+                <a:latin typeface="Arial" panose="020B0604020202020204" pitchFamily="34" charset="0"/>
+                <a:cs typeface="Arial" panose="020B0604020202020204" pitchFamily="34" charset="0"/>
+                <a:sym typeface="Arial" panose="020B0604020202020204" pitchFamily="34" charset="0"/>
+              </a:defRPr>
+            </a:lvl9pPr>
+          </a:lstStyle>
+          <a:p>
+            <a:pPr algn="ctr" eaLnBrk="1" hangingPunct="1">
+              <a:lnSpc>
+                <a:spcPct val="90000"/>
+              </a:lnSpc>
+              <a:buSzPts val="2800"/>
+              <a:buFont typeface="Helvetica Neue" charset="0"/>
+              <a:buNone/>
+            </a:pPr>
+            <a:r>
+              <a:rPr lang="en-US" altLang="en-US" sz="2800" dirty="0">
+                <a:latin typeface="Helvetica Neue" charset="0"/>
+                <a:cs typeface="Helvetica Neue" charset="0"/>
+                <a:sym typeface="Helvetica Neue" charset="0"/>
+              </a:rPr>
+              <a:t>Visualizations</a:t>
+            </a:r>
+            <a:endParaRPr lang="en-US" altLang="en-US" dirty="0">
+              <a:cs typeface="Helvetica Neue" charset="0"/>
+            </a:endParaRPr>
+          </a:p>
+        </p:txBody>
+      </p:sp>
+      <p:sp>
+        <p:nvSpPr>
+          <p:cNvPr id="11270" name="Google Shape;160;p18">
+            <a:extLst>
+              <a:ext uri="{FF2B5EF4-FFF2-40B4-BE49-F238E27FC236}">
+                <a16:creationId xmlns:a16="http://schemas.microsoft.com/office/drawing/2014/main" id="{69D5B5AA-0168-4A6C-AB0D-4374FAAD81FE}"/>
+              </a:ext>
+            </a:extLst>
+          </p:cNvPr>
+          <p:cNvSpPr txBox="1">
+            <a:spLocks noChangeArrowheads="1"/>
+          </p:cNvSpPr>
+          <p:nvPr/>
+        </p:nvSpPr>
+        <p:spPr bwMode="auto">
+          <a:xfrm>
+            <a:off x="3092450" y="69850"/>
+            <a:ext cx="6777038" cy="1200150"/>
+          </a:xfrm>
+          <a:prstGeom prst="rect">
+            <a:avLst/>
+          </a:prstGeom>
+          <a:noFill/>
+          <a:ln>
+            <a:noFill/>
+          </a:ln>
+          <a:extLst>
+            <a:ext uri="{909E8E84-426E-40DD-AFC4-6F175D3DCCD1}">
+              <a14:hiddenFill xmlns:a14="http://schemas.microsoft.com/office/drawing/2010/main">
+                <a:solidFill>
+                  <a:srgbClr val="FFFFFF"/>
+                </a:solidFill>
+              </a14:hiddenFill>
+            </a:ext>
+            <a:ext uri="{91240B29-F687-4F45-9708-019B960494DF}">
+              <a14:hiddenLine xmlns:a14="http://schemas.microsoft.com/office/drawing/2010/main" w="9525">
+                <a:solidFill>
+                  <a:srgbClr val="000000"/>
+                </a:solidFill>
+                <a:miter lim="800000"/>
+                <a:headEnd/>
+                <a:tailEnd/>
+              </a14:hiddenLine>
+            </a:ext>
+          </a:extLst>
+        </p:spPr>
+        <p:txBody>
+          <a:bodyPr lIns="91425" tIns="45700" rIns="91425" bIns="45700"/>
+          <a:lstStyle>
+            <a:lvl1pPr>
+              <a:buClr>
+                <a:srgbClr val="000000"/>
+              </a:buClr>
+              <a:buFont typeface="Arial" panose="020B0604020202020204" pitchFamily="34" charset="0"/>
+              <a:defRPr sz="1400">
+                <a:solidFill>
+                  <a:srgbClr val="000000"/>
+                </a:solidFill>
+                <a:latin typeface="Arial" panose="020B0604020202020204" pitchFamily="34" charset="0"/>
+                <a:cs typeface="Arial" panose="020B0604020202020204" pitchFamily="34" charset="0"/>
+                <a:sym typeface="Arial" panose="020B0604020202020204" pitchFamily="34" charset="0"/>
+              </a:defRPr>
+            </a:lvl1pPr>
+            <a:lvl2pPr marL="742950" indent="-285750">
+              <a:buClr>
+                <a:srgbClr val="000000"/>
+              </a:buClr>
+              <a:buFont typeface="Arial" panose="020B0604020202020204" pitchFamily="34" charset="0"/>
+              <a:defRPr sz="1400">
+                <a:solidFill>
+                  <a:srgbClr val="000000"/>
+                </a:solidFill>
+                <a:latin typeface="Arial" panose="020B0604020202020204" pitchFamily="34" charset="0"/>
+                <a:cs typeface="Arial" panose="020B0604020202020204" pitchFamily="34" charset="0"/>
+                <a:sym typeface="Arial" panose="020B0604020202020204" pitchFamily="34" charset="0"/>
+              </a:defRPr>
+            </a:lvl2pPr>
+            <a:lvl3pPr marL="1143000" indent="-228600">
+              <a:buClr>
+                <a:srgbClr val="000000"/>
+              </a:buClr>
+              <a:buFont typeface="Arial" panose="020B0604020202020204" pitchFamily="34" charset="0"/>
+              <a:defRPr sz="1400">
+                <a:solidFill>
+                  <a:srgbClr val="000000"/>
+                </a:solidFill>
+                <a:latin typeface="Arial" panose="020B0604020202020204" pitchFamily="34" charset="0"/>
+                <a:cs typeface="Arial" panose="020B0604020202020204" pitchFamily="34" charset="0"/>
+                <a:sym typeface="Arial" panose="020B0604020202020204" pitchFamily="34" charset="0"/>
+              </a:defRPr>
+            </a:lvl3pPr>
+            <a:lvl4pPr marL="1600200" indent="-228600">
+              <a:buClr>
+                <a:srgbClr val="000000"/>
+              </a:buClr>
+              <a:buFont typeface="Arial" panose="020B0604020202020204" pitchFamily="34" charset="0"/>
+              <a:defRPr sz="1400">
+                <a:solidFill>
+                  <a:srgbClr val="000000"/>
+                </a:solidFill>
+                <a:latin typeface="Arial" panose="020B0604020202020204" pitchFamily="34" charset="0"/>
+                <a:cs typeface="Arial" panose="020B0604020202020204" pitchFamily="34" charset="0"/>
+                <a:sym typeface="Arial" panose="020B0604020202020204" pitchFamily="34" charset="0"/>
+              </a:defRPr>
+            </a:lvl4pPr>
+            <a:lvl5pPr marL="2057400" indent="-228600">
+              <a:buClr>
+                <a:srgbClr val="000000"/>
+              </a:buClr>
+              <a:buFont typeface="Arial" panose="020B0604020202020204" pitchFamily="34" charset="0"/>
+              <a:defRPr sz="1400">
+                <a:solidFill>
+                  <a:srgbClr val="000000"/>
+                </a:solidFill>
+                <a:latin typeface="Arial" panose="020B0604020202020204" pitchFamily="34" charset="0"/>
+                <a:cs typeface="Arial" panose="020B0604020202020204" pitchFamily="34" charset="0"/>
+                <a:sym typeface="Arial" panose="020B0604020202020204" pitchFamily="34" charset="0"/>
+              </a:defRPr>
+            </a:lvl5pPr>
+            <a:lvl6pPr marL="2514600" indent="-228600" eaLnBrk="0" fontAlgn="base" hangingPunct="0">
+              <a:spcBef>
+                <a:spcPct val="0"/>
+              </a:spcBef>
+              <a:spcAft>
+                <a:spcPct val="0"/>
+              </a:spcAft>
+              <a:buClr>
+                <a:srgbClr val="000000"/>
+              </a:buClr>
+              <a:buFont typeface="Arial" panose="020B0604020202020204" pitchFamily="34" charset="0"/>
+              <a:defRPr sz="1400">
+                <a:solidFill>
+                  <a:srgbClr val="000000"/>
+                </a:solidFill>
+                <a:latin typeface="Arial" panose="020B0604020202020204" pitchFamily="34" charset="0"/>
+                <a:cs typeface="Arial" panose="020B0604020202020204" pitchFamily="34" charset="0"/>
+                <a:sym typeface="Arial" panose="020B0604020202020204" pitchFamily="34" charset="0"/>
+              </a:defRPr>
+            </a:lvl6pPr>
+            <a:lvl7pPr marL="2971800" indent="-228600" eaLnBrk="0" fontAlgn="base" hangingPunct="0">
+              <a:spcBef>
+                <a:spcPct val="0"/>
+              </a:spcBef>
+              <a:spcAft>
+                <a:spcPct val="0"/>
+              </a:spcAft>
+              <a:buClr>
+                <a:srgbClr val="000000"/>
+              </a:buClr>
+              <a:buFont typeface="Arial" panose="020B0604020202020204" pitchFamily="34" charset="0"/>
+              <a:defRPr sz="1400">
+                <a:solidFill>
+                  <a:srgbClr val="000000"/>
+                </a:solidFill>
+                <a:latin typeface="Arial" panose="020B0604020202020204" pitchFamily="34" charset="0"/>
+                <a:cs typeface="Arial" panose="020B0604020202020204" pitchFamily="34" charset="0"/>
+                <a:sym typeface="Arial" panose="020B0604020202020204" pitchFamily="34" charset="0"/>
+              </a:defRPr>
+            </a:lvl7pPr>
+            <a:lvl8pPr marL="3429000" indent="-228600" eaLnBrk="0" fontAlgn="base" hangingPunct="0">
+              <a:spcBef>
+                <a:spcPct val="0"/>
+              </a:spcBef>
+              <a:spcAft>
+                <a:spcPct val="0"/>
+              </a:spcAft>
+              <a:buClr>
+                <a:srgbClr val="000000"/>
+              </a:buClr>
+              <a:buFont typeface="Arial" panose="020B0604020202020204" pitchFamily="34" charset="0"/>
+              <a:defRPr sz="1400">
+                <a:solidFill>
+                  <a:srgbClr val="000000"/>
+                </a:solidFill>
+                <a:latin typeface="Arial" panose="020B0604020202020204" pitchFamily="34" charset="0"/>
+                <a:cs typeface="Arial" panose="020B0604020202020204" pitchFamily="34" charset="0"/>
+                <a:sym typeface="Arial" panose="020B0604020202020204" pitchFamily="34" charset="0"/>
+              </a:defRPr>
+            </a:lvl8pPr>
+            <a:lvl9pPr marL="3886200" indent="-228600" eaLnBrk="0" fontAlgn="base" hangingPunct="0">
+              <a:spcBef>
+                <a:spcPct val="0"/>
+              </a:spcBef>
+              <a:spcAft>
+                <a:spcPct val="0"/>
+              </a:spcAft>
+              <a:buClr>
+                <a:srgbClr val="000000"/>
+              </a:buClr>
+              <a:buFont typeface="Arial" panose="020B0604020202020204" pitchFamily="34" charset="0"/>
+              <a:defRPr sz="1400">
+                <a:solidFill>
+                  <a:srgbClr val="000000"/>
+                </a:solidFill>
+                <a:latin typeface="Arial" panose="020B0604020202020204" pitchFamily="34" charset="0"/>
+                <a:cs typeface="Arial" panose="020B0604020202020204" pitchFamily="34" charset="0"/>
+                <a:sym typeface="Arial" panose="020B0604020202020204" pitchFamily="34" charset="0"/>
+              </a:defRPr>
+            </a:lvl9pPr>
+          </a:lstStyle>
+          <a:p>
+            <a:pPr eaLnBrk="1" hangingPunct="1"/>
+            <a:endParaRPr lang="en-US" altLang="en-US"/>
+          </a:p>
+        </p:txBody>
+      </p:sp>
+      <p:sp>
+        <p:nvSpPr>
+          <p:cNvPr id="11271" name="Google Shape;161;p18">
+            <a:extLst>
+              <a:ext uri="{FF2B5EF4-FFF2-40B4-BE49-F238E27FC236}">
+                <a16:creationId xmlns:a16="http://schemas.microsoft.com/office/drawing/2014/main" id="{238C9E5D-5A7F-4F4F-B37A-7568517167CA}"/>
+              </a:ext>
+            </a:extLst>
+          </p:cNvPr>
+          <p:cNvSpPr>
+            <a:spLocks noGrp="1" noChangeArrowheads="1"/>
+          </p:cNvSpPr>
+          <p:nvPr>
+            <p:ph type="sldNum" sz="quarter" idx="13"/>
+          </p:nvPr>
+        </p:nvSpPr>
+        <p:spPr bwMode="auto">
+          <a:xfrm>
+            <a:off x="8610600" y="6356350"/>
+            <a:ext cx="2743200" cy="365125"/>
+          </a:xfrm>
+          <a:prstGeom prst="rect">
+            <a:avLst/>
+          </a:prstGeom>
+          <a:noFill/>
+          <a:ln>
+            <a:noFill/>
+          </a:ln>
+          <a:extLst>
+            <a:ext uri="{909E8E84-426E-40DD-AFC4-6F175D3DCCD1}">
+              <a14:hiddenFill xmlns:a14="http://schemas.microsoft.com/office/drawing/2010/main">
+                <a:solidFill>
+                  <a:srgbClr val="FFFFFF"/>
+                </a:solidFill>
+              </a14:hiddenFill>
+            </a:ext>
+            <a:ext uri="{91240B29-F687-4F45-9708-019B960494DF}">
+              <a14:hiddenLine xmlns:a14="http://schemas.microsoft.com/office/drawing/2010/main" w="9525">
+                <a:solidFill>
+                  <a:srgbClr val="000000"/>
+                </a:solidFill>
+                <a:miter lim="800000"/>
+                <a:headEnd/>
+                <a:tailEnd/>
+              </a14:hiddenLine>
+            </a:ext>
+          </a:extLst>
+        </p:spPr>
+        <p:txBody>
+          <a:bodyPr vert="horz" wrap="square" lIns="91425" tIns="45700" rIns="91425" bIns="45700" numCol="1" anchor="ctr" anchorCtr="0" compatLnSpc="1">
+            <a:prstTxWarp prst="textNoShape">
+              <a:avLst/>
+            </a:prstTxWarp>
+          </a:bodyPr>
+          <a:lstStyle>
+            <a:defPPr>
+              <a:defRPr lang="en-US"/>
+            </a:defPPr>
+            <a:lvl1pPr algn="r" rtl="0" eaLnBrk="1" fontAlgn="base" hangingPunct="1">
+              <a:spcBef>
+                <a:spcPct val="0"/>
+              </a:spcBef>
+              <a:spcAft>
+                <a:spcPct val="0"/>
+              </a:spcAft>
+              <a:buClr>
+                <a:srgbClr val="000000"/>
+              </a:buClr>
+              <a:buFont typeface="Arial" panose="020B0604020202020204" pitchFamily="34" charset="0"/>
+              <a:buNone/>
+              <a:defRPr sz="1200" kern="1200" smtClean="0">
+                <a:solidFill>
+                  <a:srgbClr val="888888"/>
+                </a:solidFill>
+                <a:latin typeface="Arial" panose="020B0604020202020204" pitchFamily="34" charset="0"/>
+                <a:ea typeface="+mn-ea"/>
+                <a:cs typeface="Arial" panose="020B0604020202020204" pitchFamily="34" charset="0"/>
+                <a:sym typeface="Arial" panose="020B0604020202020204" pitchFamily="34" charset="0"/>
+              </a:defRPr>
+            </a:lvl1pPr>
+            <a:lvl2pPr marL="457200" algn="l" rtl="0" eaLnBrk="0" fontAlgn="base" hangingPunct="0">
+              <a:spcBef>
+                <a:spcPct val="0"/>
+              </a:spcBef>
+              <a:spcAft>
+                <a:spcPct val="0"/>
+              </a:spcAft>
+              <a:defRPr sz="1400" kern="1200">
+                <a:solidFill>
+                  <a:srgbClr val="000000"/>
+                </a:solidFill>
+                <a:latin typeface="Arial" panose="020B0604020202020204" pitchFamily="34" charset="0"/>
+                <a:ea typeface="+mn-ea"/>
+                <a:cs typeface="Arial" panose="020B0604020202020204" pitchFamily="34" charset="0"/>
+                <a:sym typeface="Arial" panose="020B0604020202020204" pitchFamily="34" charset="0"/>
+              </a:defRPr>
+            </a:lvl2pPr>
+            <a:lvl3pPr marL="914400" algn="l" rtl="0" eaLnBrk="0" fontAlgn="base" hangingPunct="0">
+              <a:spcBef>
+                <a:spcPct val="0"/>
+              </a:spcBef>
+              <a:spcAft>
+                <a:spcPct val="0"/>
+              </a:spcAft>
+              <a:defRPr sz="1400" kern="1200">
+                <a:solidFill>
+                  <a:srgbClr val="000000"/>
+                </a:solidFill>
+                <a:latin typeface="Arial" panose="020B0604020202020204" pitchFamily="34" charset="0"/>
+                <a:ea typeface="+mn-ea"/>
+                <a:cs typeface="Arial" panose="020B0604020202020204" pitchFamily="34" charset="0"/>
+                <a:sym typeface="Arial" panose="020B0604020202020204" pitchFamily="34" charset="0"/>
+              </a:defRPr>
+            </a:lvl3pPr>
+            <a:lvl4pPr marL="1371600" algn="l" rtl="0" eaLnBrk="0" fontAlgn="base" hangingPunct="0">
+              <a:spcBef>
+                <a:spcPct val="0"/>
+              </a:spcBef>
+              <a:spcAft>
+                <a:spcPct val="0"/>
+              </a:spcAft>
+              <a:defRPr sz="1400" kern="1200">
+                <a:solidFill>
+                  <a:srgbClr val="000000"/>
+                </a:solidFill>
+                <a:latin typeface="Arial" panose="020B0604020202020204" pitchFamily="34" charset="0"/>
+                <a:ea typeface="+mn-ea"/>
+                <a:cs typeface="Arial" panose="020B0604020202020204" pitchFamily="34" charset="0"/>
+                <a:sym typeface="Arial" panose="020B0604020202020204" pitchFamily="34" charset="0"/>
+              </a:defRPr>
+            </a:lvl4pPr>
+            <a:lvl5pPr marL="1828800" algn="l" rtl="0" eaLnBrk="0" fontAlgn="base" hangingPunct="0">
+              <a:spcBef>
+                <a:spcPct val="0"/>
+              </a:spcBef>
+              <a:spcAft>
+                <a:spcPct val="0"/>
+              </a:spcAft>
+              <a:defRPr sz="1400" kern="1200">
+                <a:solidFill>
+                  <a:srgbClr val="000000"/>
+                </a:solidFill>
+                <a:latin typeface="Arial" panose="020B0604020202020204" pitchFamily="34" charset="0"/>
+                <a:ea typeface="+mn-ea"/>
+                <a:cs typeface="Arial" panose="020B0604020202020204" pitchFamily="34" charset="0"/>
+                <a:sym typeface="Arial" panose="020B0604020202020204" pitchFamily="34" charset="0"/>
+              </a:defRPr>
+            </a:lvl5pPr>
+            <a:lvl6pPr marL="2286000" algn="l" defTabSz="914400" rtl="0" eaLnBrk="1" latinLnBrk="0" hangingPunct="1">
+              <a:defRPr sz="1400" kern="1200">
+                <a:solidFill>
+                  <a:srgbClr val="000000"/>
+                </a:solidFill>
+                <a:latin typeface="Arial" panose="020B0604020202020204" pitchFamily="34" charset="0"/>
+                <a:ea typeface="+mn-ea"/>
+                <a:cs typeface="Arial" panose="020B0604020202020204" pitchFamily="34" charset="0"/>
+                <a:sym typeface="Arial" panose="020B0604020202020204" pitchFamily="34" charset="0"/>
+              </a:defRPr>
+            </a:lvl6pPr>
+            <a:lvl7pPr marL="2743200" algn="l" defTabSz="914400" rtl="0" eaLnBrk="1" latinLnBrk="0" hangingPunct="1">
+              <a:defRPr sz="1400" kern="1200">
+                <a:solidFill>
+                  <a:srgbClr val="000000"/>
+                </a:solidFill>
+                <a:latin typeface="Arial" panose="020B0604020202020204" pitchFamily="34" charset="0"/>
+                <a:ea typeface="+mn-ea"/>
+                <a:cs typeface="Arial" panose="020B0604020202020204" pitchFamily="34" charset="0"/>
+                <a:sym typeface="Arial" panose="020B0604020202020204" pitchFamily="34" charset="0"/>
+              </a:defRPr>
+            </a:lvl7pPr>
+            <a:lvl8pPr marL="3200400" algn="l" defTabSz="914400" rtl="0" eaLnBrk="1" latinLnBrk="0" hangingPunct="1">
+              <a:defRPr sz="1400" kern="1200">
+                <a:solidFill>
+                  <a:srgbClr val="000000"/>
+                </a:solidFill>
+                <a:latin typeface="Arial" panose="020B0604020202020204" pitchFamily="34" charset="0"/>
+                <a:ea typeface="+mn-ea"/>
+                <a:cs typeface="Arial" panose="020B0604020202020204" pitchFamily="34" charset="0"/>
+                <a:sym typeface="Arial" panose="020B0604020202020204" pitchFamily="34" charset="0"/>
+              </a:defRPr>
+            </a:lvl8pPr>
+            <a:lvl9pPr marL="3657600" algn="l" defTabSz="914400" rtl="0" eaLnBrk="1" latinLnBrk="0" hangingPunct="1">
+              <a:defRPr sz="1400" kern="1200">
+                <a:solidFill>
+                  <a:srgbClr val="000000"/>
+                </a:solidFill>
+                <a:latin typeface="Arial" panose="020B0604020202020204" pitchFamily="34" charset="0"/>
+                <a:ea typeface="+mn-ea"/>
+                <a:cs typeface="Arial" panose="020B0604020202020204" pitchFamily="34" charset="0"/>
+                <a:sym typeface="Arial" panose="020B0604020202020204" pitchFamily="34" charset="0"/>
+              </a:defRPr>
+            </a:lvl9pPr>
+          </a:lstStyle>
+          <a:p>
+            <a:pPr>
+              <a:defRPr/>
+            </a:pPr>
+            <a:fld id="{FFB91C40-FCB9-4641-83DA-0013B503C4F6}" type="slidenum">
+              <a:rPr lang="en-US" altLang="en-US" smtClean="0"/>
+              <a:pPr>
+                <a:defRPr/>
+              </a:pPr>
+              <a:t>15</a:t>
+            </a:fld>
+            <a:endParaRPr lang="en-US" altLang="en-US" sz="1200">
+              <a:solidFill>
+                <a:srgbClr val="888888"/>
+              </a:solidFill>
+            </a:endParaRPr>
+          </a:p>
+        </p:txBody>
+      </p:sp>
+      <p:pic>
+        <p:nvPicPr>
+          <p:cNvPr id="9" name="Picture 8">
+            <a:extLst>
+              <a:ext uri="{FF2B5EF4-FFF2-40B4-BE49-F238E27FC236}">
+                <a16:creationId xmlns:a16="http://schemas.microsoft.com/office/drawing/2014/main" id="{0E3ACB64-6388-4387-B043-C665666EE247}"/>
+              </a:ext>
+            </a:extLst>
+          </p:cNvPr>
+          <p:cNvPicPr>
+            <a:picLocks noChangeAspect="1"/>
+          </p:cNvPicPr>
+          <p:nvPr/>
+        </p:nvPicPr>
+        <p:blipFill>
+          <a:blip r:embed="rId3"/>
+          <a:stretch>
+            <a:fillRect/>
+          </a:stretch>
+        </p:blipFill>
+        <p:spPr>
+          <a:xfrm>
+            <a:off x="10959428" y="136525"/>
+            <a:ext cx="1032088" cy="1226186"/>
+          </a:xfrm>
+          <a:prstGeom prst="rect">
+            <a:avLst/>
+          </a:prstGeom>
+        </p:spPr>
+      </p:pic>
+    </p:spTree>
+    <p:extLst>
+      <p:ext uri="{BB962C8B-B14F-4D97-AF65-F5344CB8AC3E}">
+        <p14:creationId xmlns:p14="http://schemas.microsoft.com/office/powerpoint/2010/main" val="3997748422"/>
+      </p:ext>
+    </p:extLst>
+  </p:cSld>
+  <p:clrMapOvr>
+    <a:masterClrMapping/>
+  </p:clrMapOvr>
+</p:sld>
+</file>
+
+<file path=ppt/slides/slide16.xml><?xml version="1.0" encoding="utf-8"?>
+<p:sld xmlns:a="http://schemas.openxmlformats.org/drawingml/2006/main" xmlns:r="http://schemas.openxmlformats.org/officeDocument/2006/relationships" xmlns:p="http://schemas.openxmlformats.org/presentationml/2006/main">
+  <p:cSld>
+    <p:spTree>
+      <p:nvGrpSpPr>
+        <p:cNvPr id="1" name=""/>
+        <p:cNvGrpSpPr/>
+        <p:nvPr/>
+      </p:nvGrpSpPr>
+      <p:grpSpPr>
+        <a:xfrm>
+          <a:off x="0" y="0"/>
+          <a:ext cx="0" cy="0"/>
+          <a:chOff x="0" y="0"/>
+          <a:chExt cx="0" cy="0"/>
+        </a:xfrm>
+      </p:grpSpPr>
+      <p:sp>
+        <p:nvSpPr>
+          <p:cNvPr id="24579" name="Google Shape;231;p23">
+            <a:extLst>
+              <a:ext uri="{FF2B5EF4-FFF2-40B4-BE49-F238E27FC236}">
+                <a16:creationId xmlns:a16="http://schemas.microsoft.com/office/drawing/2014/main" id="{350C80A0-B832-4796-B1DE-EE8C917973E9}"/>
+              </a:ext>
+            </a:extLst>
+          </p:cNvPr>
+          <p:cNvSpPr>
+            <a:spLocks noGrp="1" noChangeArrowheads="1"/>
+          </p:cNvSpPr>
+          <p:nvPr>
+            <p:ph type="sldNum" sz="quarter" idx="13"/>
+          </p:nvPr>
+        </p:nvSpPr>
+        <p:spPr bwMode="auto">
+          <a:xfrm>
+            <a:off x="8610600" y="6356350"/>
+            <a:ext cx="2743200" cy="365125"/>
+          </a:xfrm>
+          <a:prstGeom prst="rect">
+            <a:avLst/>
+          </a:prstGeom>
+          <a:noFill/>
+          <a:ln>
+            <a:noFill/>
+          </a:ln>
+          <a:extLst>
+            <a:ext uri="{909E8E84-426E-40DD-AFC4-6F175D3DCCD1}">
+              <a14:hiddenFill xmlns:a14="http://schemas.microsoft.com/office/drawing/2010/main">
+                <a:solidFill>
+                  <a:srgbClr val="FFFFFF"/>
+                </a:solidFill>
+              </a14:hiddenFill>
+            </a:ext>
+            <a:ext uri="{91240B29-F687-4F45-9708-019B960494DF}">
+              <a14:hiddenLine xmlns:a14="http://schemas.microsoft.com/office/drawing/2010/main" w="9525">
+                <a:solidFill>
+                  <a:srgbClr val="000000"/>
+                </a:solidFill>
+                <a:miter lim="800000"/>
+                <a:headEnd/>
+                <a:tailEnd/>
+              </a14:hiddenLine>
+            </a:ext>
+          </a:extLst>
+        </p:spPr>
+        <p:txBody>
+          <a:bodyPr vert="horz" wrap="square" lIns="91425" tIns="45700" rIns="91425" bIns="45700" numCol="1" anchor="ctr" anchorCtr="0" compatLnSpc="1">
+            <a:prstTxWarp prst="textNoShape">
+              <a:avLst/>
+            </a:prstTxWarp>
+          </a:bodyPr>
+          <a:lstStyle>
+            <a:defPPr>
+              <a:defRPr lang="en-US"/>
+            </a:defPPr>
+            <a:lvl1pPr algn="r" rtl="0" eaLnBrk="1" fontAlgn="base" hangingPunct="1">
+              <a:spcBef>
+                <a:spcPct val="0"/>
+              </a:spcBef>
+              <a:spcAft>
+                <a:spcPct val="0"/>
+              </a:spcAft>
+              <a:buClr>
+                <a:srgbClr val="000000"/>
+              </a:buClr>
+              <a:buFont typeface="Arial" panose="020B0604020202020204" pitchFamily="34" charset="0"/>
+              <a:buNone/>
+              <a:defRPr sz="1200" kern="1200" smtClean="0">
+                <a:solidFill>
+                  <a:srgbClr val="888888"/>
+                </a:solidFill>
+                <a:latin typeface="Arial" panose="020B0604020202020204" pitchFamily="34" charset="0"/>
+                <a:ea typeface="+mn-ea"/>
+                <a:cs typeface="Arial" panose="020B0604020202020204" pitchFamily="34" charset="0"/>
+                <a:sym typeface="Arial" panose="020B0604020202020204" pitchFamily="34" charset="0"/>
+              </a:defRPr>
+            </a:lvl1pPr>
+            <a:lvl2pPr marL="457200" algn="l" rtl="0" eaLnBrk="0" fontAlgn="base" hangingPunct="0">
+              <a:spcBef>
+                <a:spcPct val="0"/>
+              </a:spcBef>
+              <a:spcAft>
+                <a:spcPct val="0"/>
+              </a:spcAft>
+              <a:defRPr sz="1400" kern="1200">
+                <a:solidFill>
+                  <a:srgbClr val="000000"/>
+                </a:solidFill>
+                <a:latin typeface="Arial" panose="020B0604020202020204" pitchFamily="34" charset="0"/>
+                <a:ea typeface="+mn-ea"/>
+                <a:cs typeface="Arial" panose="020B0604020202020204" pitchFamily="34" charset="0"/>
+                <a:sym typeface="Arial" panose="020B0604020202020204" pitchFamily="34" charset="0"/>
+              </a:defRPr>
+            </a:lvl2pPr>
+            <a:lvl3pPr marL="914400" algn="l" rtl="0" eaLnBrk="0" fontAlgn="base" hangingPunct="0">
+              <a:spcBef>
+                <a:spcPct val="0"/>
+              </a:spcBef>
+              <a:spcAft>
+                <a:spcPct val="0"/>
+              </a:spcAft>
+              <a:defRPr sz="1400" kern="1200">
+                <a:solidFill>
+                  <a:srgbClr val="000000"/>
+                </a:solidFill>
+                <a:latin typeface="Arial" panose="020B0604020202020204" pitchFamily="34" charset="0"/>
+                <a:ea typeface="+mn-ea"/>
+                <a:cs typeface="Arial" panose="020B0604020202020204" pitchFamily="34" charset="0"/>
+                <a:sym typeface="Arial" panose="020B0604020202020204" pitchFamily="34" charset="0"/>
+              </a:defRPr>
+            </a:lvl3pPr>
+            <a:lvl4pPr marL="1371600" algn="l" rtl="0" eaLnBrk="0" fontAlgn="base" hangingPunct="0">
+              <a:spcBef>
+                <a:spcPct val="0"/>
+              </a:spcBef>
+              <a:spcAft>
+                <a:spcPct val="0"/>
+              </a:spcAft>
+              <a:defRPr sz="1400" kern="1200">
+                <a:solidFill>
+                  <a:srgbClr val="000000"/>
+                </a:solidFill>
+                <a:latin typeface="Arial" panose="020B0604020202020204" pitchFamily="34" charset="0"/>
+                <a:ea typeface="+mn-ea"/>
+                <a:cs typeface="Arial" panose="020B0604020202020204" pitchFamily="34" charset="0"/>
+                <a:sym typeface="Arial" panose="020B0604020202020204" pitchFamily="34" charset="0"/>
+              </a:defRPr>
+            </a:lvl4pPr>
+            <a:lvl5pPr marL="1828800" algn="l" rtl="0" eaLnBrk="0" fontAlgn="base" hangingPunct="0">
+              <a:spcBef>
+                <a:spcPct val="0"/>
+              </a:spcBef>
+              <a:spcAft>
+                <a:spcPct val="0"/>
+              </a:spcAft>
+              <a:defRPr sz="1400" kern="1200">
+                <a:solidFill>
+                  <a:srgbClr val="000000"/>
+                </a:solidFill>
+                <a:latin typeface="Arial" panose="020B0604020202020204" pitchFamily="34" charset="0"/>
+                <a:ea typeface="+mn-ea"/>
+                <a:cs typeface="Arial" panose="020B0604020202020204" pitchFamily="34" charset="0"/>
+                <a:sym typeface="Arial" panose="020B0604020202020204" pitchFamily="34" charset="0"/>
+              </a:defRPr>
+            </a:lvl5pPr>
+            <a:lvl6pPr marL="2286000" algn="l" defTabSz="914400" rtl="0" eaLnBrk="1" latinLnBrk="0" hangingPunct="1">
+              <a:defRPr sz="1400" kern="1200">
+                <a:solidFill>
+                  <a:srgbClr val="000000"/>
+                </a:solidFill>
+                <a:latin typeface="Arial" panose="020B0604020202020204" pitchFamily="34" charset="0"/>
+                <a:ea typeface="+mn-ea"/>
+                <a:cs typeface="Arial" panose="020B0604020202020204" pitchFamily="34" charset="0"/>
+                <a:sym typeface="Arial" panose="020B0604020202020204" pitchFamily="34" charset="0"/>
+              </a:defRPr>
+            </a:lvl6pPr>
+            <a:lvl7pPr marL="2743200" algn="l" defTabSz="914400" rtl="0" eaLnBrk="1" latinLnBrk="0" hangingPunct="1">
+              <a:defRPr sz="1400" kern="1200">
+                <a:solidFill>
+                  <a:srgbClr val="000000"/>
+                </a:solidFill>
+                <a:latin typeface="Arial" panose="020B0604020202020204" pitchFamily="34" charset="0"/>
+                <a:ea typeface="+mn-ea"/>
+                <a:cs typeface="Arial" panose="020B0604020202020204" pitchFamily="34" charset="0"/>
+                <a:sym typeface="Arial" panose="020B0604020202020204" pitchFamily="34" charset="0"/>
+              </a:defRPr>
+            </a:lvl7pPr>
+            <a:lvl8pPr marL="3200400" algn="l" defTabSz="914400" rtl="0" eaLnBrk="1" latinLnBrk="0" hangingPunct="1">
+              <a:defRPr sz="1400" kern="1200">
+                <a:solidFill>
+                  <a:srgbClr val="000000"/>
+                </a:solidFill>
+                <a:latin typeface="Arial" panose="020B0604020202020204" pitchFamily="34" charset="0"/>
+                <a:ea typeface="+mn-ea"/>
+                <a:cs typeface="Arial" panose="020B0604020202020204" pitchFamily="34" charset="0"/>
+                <a:sym typeface="Arial" panose="020B0604020202020204" pitchFamily="34" charset="0"/>
+              </a:defRPr>
+            </a:lvl8pPr>
+            <a:lvl9pPr marL="3657600" algn="l" defTabSz="914400" rtl="0" eaLnBrk="1" latinLnBrk="0" hangingPunct="1">
+              <a:defRPr sz="1400" kern="1200">
+                <a:solidFill>
+                  <a:srgbClr val="000000"/>
+                </a:solidFill>
+                <a:latin typeface="Arial" panose="020B0604020202020204" pitchFamily="34" charset="0"/>
+                <a:ea typeface="+mn-ea"/>
+                <a:cs typeface="Arial" panose="020B0604020202020204" pitchFamily="34" charset="0"/>
+                <a:sym typeface="Arial" panose="020B0604020202020204" pitchFamily="34" charset="0"/>
+              </a:defRPr>
+            </a:lvl9pPr>
+          </a:lstStyle>
+          <a:p>
+            <a:pPr>
+              <a:defRPr/>
+            </a:pPr>
+            <a:fld id="{FFB91C40-FCB9-4641-83DA-0013B503C4F6}" type="slidenum">
+              <a:rPr lang="en-US" altLang="en-US" smtClean="0"/>
+              <a:pPr>
+                <a:defRPr/>
+              </a:pPr>
+              <a:t>16</a:t>
+            </a:fld>
+            <a:endParaRPr lang="en-US" altLang="en-US" sz="1200">
+              <a:solidFill>
+                <a:srgbClr val="888888"/>
+              </a:solidFill>
+            </a:endParaRPr>
+          </a:p>
+        </p:txBody>
+      </p:sp>
+      <p:sp>
+        <p:nvSpPr>
+          <p:cNvPr id="24580" name="Google Shape;232;p23">
+            <a:extLst>
+              <a:ext uri="{FF2B5EF4-FFF2-40B4-BE49-F238E27FC236}">
+                <a16:creationId xmlns:a16="http://schemas.microsoft.com/office/drawing/2014/main" id="{B8E31E7C-867A-47AA-9946-1E677A8F0ADB}"/>
+              </a:ext>
+            </a:extLst>
+          </p:cNvPr>
+          <p:cNvSpPr txBox="1">
+            <a:spLocks noChangeArrowheads="1"/>
+          </p:cNvSpPr>
+          <p:nvPr/>
+        </p:nvSpPr>
+        <p:spPr bwMode="auto">
+          <a:xfrm>
+            <a:off x="201613" y="92075"/>
+            <a:ext cx="6608762" cy="714375"/>
+          </a:xfrm>
+          <a:prstGeom prst="rect">
+            <a:avLst/>
+          </a:prstGeom>
+          <a:noFill/>
+          <a:ln w="9525">
+            <a:solidFill>
+              <a:schemeClr val="tx1"/>
+            </a:solidFill>
+            <a:round/>
+            <a:headEnd type="none" w="sm" len="sm"/>
+            <a:tailEnd type="none" w="sm" len="sm"/>
+          </a:ln>
+          <a:extLst>
+            <a:ext uri="{909E8E84-426E-40DD-AFC4-6F175D3DCCD1}">
+              <a14:hiddenFill xmlns:a14="http://schemas.microsoft.com/office/drawing/2010/main">
+                <a:solidFill>
+                  <a:srgbClr val="FFFFFF"/>
+                </a:solidFill>
+              </a14:hiddenFill>
+            </a:ext>
+          </a:extLst>
+        </p:spPr>
+        <p:txBody>
+          <a:bodyPr lIns="91425" tIns="45700" rIns="91425" bIns="45700" anchor="ctr"/>
+          <a:lstStyle>
+            <a:lvl1pPr>
+              <a:buClr>
+                <a:srgbClr val="000000"/>
+              </a:buClr>
+              <a:buFont typeface="Arial" panose="020B0604020202020204" pitchFamily="34" charset="0"/>
+              <a:defRPr sz="1400">
+                <a:solidFill>
+                  <a:srgbClr val="000000"/>
+                </a:solidFill>
+                <a:latin typeface="Arial" panose="020B0604020202020204" pitchFamily="34" charset="0"/>
+                <a:cs typeface="Arial" panose="020B0604020202020204" pitchFamily="34" charset="0"/>
+                <a:sym typeface="Arial" panose="020B0604020202020204" pitchFamily="34" charset="0"/>
+              </a:defRPr>
+            </a:lvl1pPr>
+            <a:lvl2pPr marL="742950" indent="-285750">
+              <a:buClr>
+                <a:srgbClr val="000000"/>
+              </a:buClr>
+              <a:buFont typeface="Arial" panose="020B0604020202020204" pitchFamily="34" charset="0"/>
+              <a:defRPr sz="1400">
+                <a:solidFill>
+                  <a:srgbClr val="000000"/>
+                </a:solidFill>
+                <a:latin typeface="Arial" panose="020B0604020202020204" pitchFamily="34" charset="0"/>
+                <a:cs typeface="Arial" panose="020B0604020202020204" pitchFamily="34" charset="0"/>
+                <a:sym typeface="Arial" panose="020B0604020202020204" pitchFamily="34" charset="0"/>
+              </a:defRPr>
+            </a:lvl2pPr>
+            <a:lvl3pPr marL="1143000" indent="-228600">
+              <a:buClr>
+                <a:srgbClr val="000000"/>
+              </a:buClr>
+              <a:buFont typeface="Arial" panose="020B0604020202020204" pitchFamily="34" charset="0"/>
+              <a:defRPr sz="1400">
+                <a:solidFill>
+                  <a:srgbClr val="000000"/>
+                </a:solidFill>
+                <a:latin typeface="Arial" panose="020B0604020202020204" pitchFamily="34" charset="0"/>
+                <a:cs typeface="Arial" panose="020B0604020202020204" pitchFamily="34" charset="0"/>
+                <a:sym typeface="Arial" panose="020B0604020202020204" pitchFamily="34" charset="0"/>
+              </a:defRPr>
+            </a:lvl3pPr>
+            <a:lvl4pPr marL="1600200" indent="-228600">
+              <a:buClr>
+                <a:srgbClr val="000000"/>
+              </a:buClr>
+              <a:buFont typeface="Arial" panose="020B0604020202020204" pitchFamily="34" charset="0"/>
+              <a:defRPr sz="1400">
+                <a:solidFill>
+                  <a:srgbClr val="000000"/>
+                </a:solidFill>
+                <a:latin typeface="Arial" panose="020B0604020202020204" pitchFamily="34" charset="0"/>
+                <a:cs typeface="Arial" panose="020B0604020202020204" pitchFamily="34" charset="0"/>
+                <a:sym typeface="Arial" panose="020B0604020202020204" pitchFamily="34" charset="0"/>
+              </a:defRPr>
+            </a:lvl4pPr>
+            <a:lvl5pPr marL="2057400" indent="-228600">
+              <a:buClr>
+                <a:srgbClr val="000000"/>
+              </a:buClr>
+              <a:buFont typeface="Arial" panose="020B0604020202020204" pitchFamily="34" charset="0"/>
+              <a:defRPr sz="1400">
+                <a:solidFill>
+                  <a:srgbClr val="000000"/>
+                </a:solidFill>
+                <a:latin typeface="Arial" panose="020B0604020202020204" pitchFamily="34" charset="0"/>
+                <a:cs typeface="Arial" panose="020B0604020202020204" pitchFamily="34" charset="0"/>
+                <a:sym typeface="Arial" panose="020B0604020202020204" pitchFamily="34" charset="0"/>
+              </a:defRPr>
+            </a:lvl5pPr>
+            <a:lvl6pPr marL="2514600" indent="-228600" eaLnBrk="0" fontAlgn="base" hangingPunct="0">
+              <a:spcBef>
+                <a:spcPct val="0"/>
+              </a:spcBef>
+              <a:spcAft>
+                <a:spcPct val="0"/>
+              </a:spcAft>
+              <a:buClr>
+                <a:srgbClr val="000000"/>
+              </a:buClr>
+              <a:buFont typeface="Arial" panose="020B0604020202020204" pitchFamily="34" charset="0"/>
+              <a:defRPr sz="1400">
+                <a:solidFill>
+                  <a:srgbClr val="000000"/>
+                </a:solidFill>
+                <a:latin typeface="Arial" panose="020B0604020202020204" pitchFamily="34" charset="0"/>
+                <a:cs typeface="Arial" panose="020B0604020202020204" pitchFamily="34" charset="0"/>
+                <a:sym typeface="Arial" panose="020B0604020202020204" pitchFamily="34" charset="0"/>
+              </a:defRPr>
+            </a:lvl6pPr>
+            <a:lvl7pPr marL="2971800" indent="-228600" eaLnBrk="0" fontAlgn="base" hangingPunct="0">
+              <a:spcBef>
+                <a:spcPct val="0"/>
+              </a:spcBef>
+              <a:spcAft>
+                <a:spcPct val="0"/>
+              </a:spcAft>
+              <a:buClr>
+                <a:srgbClr val="000000"/>
+              </a:buClr>
+              <a:buFont typeface="Arial" panose="020B0604020202020204" pitchFamily="34" charset="0"/>
+              <a:defRPr sz="1400">
+                <a:solidFill>
+                  <a:srgbClr val="000000"/>
+                </a:solidFill>
+                <a:latin typeface="Arial" panose="020B0604020202020204" pitchFamily="34" charset="0"/>
+                <a:cs typeface="Arial" panose="020B0604020202020204" pitchFamily="34" charset="0"/>
+                <a:sym typeface="Arial" panose="020B0604020202020204" pitchFamily="34" charset="0"/>
+              </a:defRPr>
+            </a:lvl7pPr>
+            <a:lvl8pPr marL="3429000" indent="-228600" eaLnBrk="0" fontAlgn="base" hangingPunct="0">
+              <a:spcBef>
+                <a:spcPct val="0"/>
+              </a:spcBef>
+              <a:spcAft>
+                <a:spcPct val="0"/>
+              </a:spcAft>
+              <a:buClr>
+                <a:srgbClr val="000000"/>
+              </a:buClr>
+              <a:buFont typeface="Arial" panose="020B0604020202020204" pitchFamily="34" charset="0"/>
+              <a:defRPr sz="1400">
+                <a:solidFill>
+                  <a:srgbClr val="000000"/>
+                </a:solidFill>
+                <a:latin typeface="Arial" panose="020B0604020202020204" pitchFamily="34" charset="0"/>
+                <a:cs typeface="Arial" panose="020B0604020202020204" pitchFamily="34" charset="0"/>
+                <a:sym typeface="Arial" panose="020B0604020202020204" pitchFamily="34" charset="0"/>
+              </a:defRPr>
+            </a:lvl8pPr>
+            <a:lvl9pPr marL="3886200" indent="-228600" eaLnBrk="0" fontAlgn="base" hangingPunct="0">
+              <a:spcBef>
+                <a:spcPct val="0"/>
+              </a:spcBef>
+              <a:spcAft>
+                <a:spcPct val="0"/>
+              </a:spcAft>
+              <a:buClr>
+                <a:srgbClr val="000000"/>
+              </a:buClr>
+              <a:buFont typeface="Arial" panose="020B0604020202020204" pitchFamily="34" charset="0"/>
+              <a:defRPr sz="1400">
+                <a:solidFill>
+                  <a:srgbClr val="000000"/>
+                </a:solidFill>
+                <a:latin typeface="Arial" panose="020B0604020202020204" pitchFamily="34" charset="0"/>
+                <a:cs typeface="Arial" panose="020B0604020202020204" pitchFamily="34" charset="0"/>
+                <a:sym typeface="Arial" panose="020B0604020202020204" pitchFamily="34" charset="0"/>
+              </a:defRPr>
+            </a:lvl9pPr>
+          </a:lstStyle>
+          <a:p>
+            <a:pPr algn="ctr" eaLnBrk="1" hangingPunct="1">
+              <a:lnSpc>
+                <a:spcPct val="90000"/>
+              </a:lnSpc>
+              <a:buSzPts val="2800"/>
+              <a:buFont typeface="Helvetica Neue" charset="0"/>
+              <a:buNone/>
+            </a:pPr>
+            <a:r>
+              <a:rPr lang="en-US" altLang="en-US" sz="2800">
+                <a:latin typeface="Helvetica Neue" charset="0"/>
+                <a:cs typeface="Helvetica Neue" charset="0"/>
+                <a:sym typeface="Helvetica Neue" charset="0"/>
+              </a:rPr>
+              <a:t>Understanding of Potential Algorithms</a:t>
+            </a:r>
+            <a:endParaRPr lang="en-US" altLang="en-US">
+              <a:cs typeface="Helvetica Neue" charset="0"/>
+            </a:endParaRPr>
+          </a:p>
+        </p:txBody>
+      </p:sp>
+      <p:sp>
+        <p:nvSpPr>
+          <p:cNvPr id="233" name="Google Shape;233;p23">
+            <a:extLst>
+              <a:ext uri="{FF2B5EF4-FFF2-40B4-BE49-F238E27FC236}">
+                <a16:creationId xmlns:a16="http://schemas.microsoft.com/office/drawing/2014/main" id="{5DDB50DE-F9D5-4A62-AB96-36CC529C12F6}"/>
+              </a:ext>
+            </a:extLst>
+          </p:cNvPr>
+          <p:cNvSpPr txBox="1"/>
+          <p:nvPr/>
+        </p:nvSpPr>
+        <p:spPr>
+          <a:xfrm>
+            <a:off x="431800" y="866775"/>
+            <a:ext cx="8013700" cy="4702175"/>
+          </a:xfrm>
+          <a:prstGeom prst="rect">
+            <a:avLst/>
+          </a:prstGeom>
+          <a:noFill/>
+          <a:ln>
+            <a:noFill/>
+          </a:ln>
+        </p:spPr>
+        <p:txBody>
+          <a:bodyPr spcFirstLastPara="1" lIns="91425" tIns="45700" rIns="91425" bIns="45700"/>
+          <a:lstStyle/>
+          <a:p>
+            <a:pPr marL="342900" indent="-342900" eaLnBrk="1" fontAlgn="auto" hangingPunct="1">
+              <a:lnSpc>
+                <a:spcPct val="200000"/>
+              </a:lnSpc>
+              <a:spcBef>
+                <a:spcPts val="0"/>
+              </a:spcBef>
+              <a:spcAft>
+                <a:spcPts val="0"/>
+              </a:spcAft>
+              <a:buClr>
+                <a:schemeClr val="dk1"/>
+              </a:buClr>
+              <a:buSzPts val="2100"/>
+              <a:buFont typeface="Wingdings" panose="05000000000000000000" pitchFamily="2" charset="2"/>
+              <a:buChar char="q"/>
+              <a:defRPr/>
+            </a:pPr>
+            <a:r>
+              <a:rPr lang="en-US" sz="2100" kern="0" dirty="0" err="1">
+                <a:solidFill>
+                  <a:schemeClr val="dk1"/>
+                </a:solidFill>
+                <a:ea typeface="Arial"/>
+                <a:cs typeface="Arial"/>
+                <a:sym typeface="Arial"/>
+              </a:rPr>
+              <a:t>SafariBooksOnline</a:t>
+            </a:r>
+            <a:endParaRPr lang="en-US" sz="2100" kern="0" dirty="0">
+              <a:solidFill>
+                <a:schemeClr val="dk1"/>
+              </a:solidFill>
+              <a:ea typeface="Arial"/>
+              <a:cs typeface="Arial"/>
+              <a:sym typeface="Arial"/>
+            </a:endParaRPr>
+          </a:p>
+          <a:p>
+            <a:pPr marL="742950" lvl="1" indent="-285750">
+              <a:buClr>
+                <a:schemeClr val="dk1"/>
+              </a:buClr>
+              <a:buSzPts val="2100"/>
+              <a:buFont typeface="Wingdings" panose="05000000000000000000" pitchFamily="2" charset="2"/>
+              <a:buChar char="§"/>
+              <a:defRPr/>
+            </a:pPr>
+            <a:r>
+              <a:rPr lang="en-US" kern="0" dirty="0">
+                <a:solidFill>
+                  <a:schemeClr val="dk1"/>
+                </a:solidFill>
+                <a:cs typeface="Arial"/>
+              </a:rPr>
+              <a:t>Deep Learning with TensorFlow: Applications of Deep Neural Networks to Machine Learning Task – Jon </a:t>
+            </a:r>
+            <a:r>
+              <a:rPr lang="en-US" kern="0" dirty="0" err="1">
+                <a:solidFill>
+                  <a:schemeClr val="dk1"/>
+                </a:solidFill>
+                <a:cs typeface="Arial"/>
+              </a:rPr>
+              <a:t>Krohn</a:t>
+            </a:r>
+            <a:endParaRPr lang="en-US" sz="2100" kern="0" dirty="0">
+              <a:solidFill>
+                <a:schemeClr val="dk1"/>
+              </a:solidFill>
+              <a:ea typeface="Arial"/>
+              <a:cs typeface="Arial"/>
+              <a:sym typeface="Arial"/>
+            </a:endParaRPr>
+          </a:p>
+          <a:p>
+            <a:pPr marL="342900" indent="-342900" eaLnBrk="1" fontAlgn="auto" hangingPunct="1">
+              <a:spcBef>
+                <a:spcPts val="0"/>
+              </a:spcBef>
+              <a:spcAft>
+                <a:spcPts val="0"/>
+              </a:spcAft>
+              <a:buClr>
+                <a:schemeClr val="dk1"/>
+              </a:buClr>
+              <a:buSzPts val="2100"/>
+              <a:buFont typeface="Wingdings" panose="05000000000000000000" pitchFamily="2" charset="2"/>
+              <a:buChar char="q"/>
+              <a:defRPr/>
+            </a:pPr>
+            <a:r>
+              <a:rPr lang="en-US" sz="2100" kern="0" dirty="0">
+                <a:solidFill>
+                  <a:schemeClr val="dk1"/>
+                </a:solidFill>
+                <a:ea typeface="Arial"/>
+                <a:cs typeface="Arial"/>
+                <a:sym typeface="Arial"/>
+              </a:rPr>
+              <a:t>Previous coursework material – GMU CS580 (attended by team member)</a:t>
+            </a:r>
+          </a:p>
+          <a:p>
+            <a:pPr marL="342900" indent="-342900" eaLnBrk="1" fontAlgn="auto" hangingPunct="1">
+              <a:lnSpc>
+                <a:spcPct val="200000"/>
+              </a:lnSpc>
+              <a:spcBef>
+                <a:spcPts val="0"/>
+              </a:spcBef>
+              <a:spcAft>
+                <a:spcPts val="0"/>
+              </a:spcAft>
+              <a:buClr>
+                <a:schemeClr val="dk1"/>
+              </a:buClr>
+              <a:buSzPts val="2100"/>
+              <a:buFont typeface="Wingdings" panose="05000000000000000000" pitchFamily="2" charset="2"/>
+              <a:buChar char="q"/>
+              <a:defRPr/>
+            </a:pPr>
+            <a:r>
+              <a:rPr lang="en-US" sz="2100" kern="0" dirty="0">
+                <a:ea typeface="Arial"/>
+                <a:cs typeface="Arial"/>
+                <a:sym typeface="Arial"/>
+              </a:rPr>
+              <a:t>Publication/Articles </a:t>
+            </a:r>
+          </a:p>
+          <a:p>
+            <a:pPr eaLnBrk="1" fontAlgn="auto" hangingPunct="1">
+              <a:spcBef>
+                <a:spcPts val="0"/>
+              </a:spcBef>
+              <a:spcAft>
+                <a:spcPts val="0"/>
+              </a:spcAft>
+              <a:buClr>
+                <a:schemeClr val="dk1"/>
+              </a:buClr>
+              <a:buSzPts val="2100"/>
+              <a:defRPr/>
+            </a:pPr>
+            <a:r>
+              <a:rPr lang="en-US" dirty="0">
+                <a:hlinkClick r:id="rId3"/>
+              </a:rPr>
+              <a:t>https://blog.keras.io/building-powerful-image-classification-models-using-very-little-data.html</a:t>
+            </a:r>
+            <a:endParaRPr lang="en-US" dirty="0"/>
+          </a:p>
+          <a:p>
+            <a:pPr eaLnBrk="1" fontAlgn="auto" hangingPunct="1">
+              <a:spcBef>
+                <a:spcPts val="0"/>
+              </a:spcBef>
+              <a:spcAft>
+                <a:spcPts val="0"/>
+              </a:spcAft>
+              <a:buClr>
+                <a:schemeClr val="dk1"/>
+              </a:buClr>
+              <a:buSzPts val="2100"/>
+              <a:defRPr/>
+            </a:pPr>
+            <a:r>
+              <a:rPr lang="en-US" dirty="0">
+                <a:hlinkClick r:id="rId4"/>
+              </a:rPr>
+              <a:t>https://machinelearningmastery.com/cnn-long-short-term-memory-networks/</a:t>
+            </a:r>
+            <a:endParaRPr lang="en-US" dirty="0"/>
+          </a:p>
+          <a:p>
+            <a:pPr eaLnBrk="1" fontAlgn="auto" hangingPunct="1">
+              <a:spcBef>
+                <a:spcPts val="0"/>
+              </a:spcBef>
+              <a:spcAft>
+                <a:spcPts val="0"/>
+              </a:spcAft>
+              <a:buClr>
+                <a:schemeClr val="dk1"/>
+              </a:buClr>
+              <a:buSzPts val="2100"/>
+              <a:defRPr/>
+            </a:pPr>
+            <a:r>
+              <a:rPr lang="en-US" dirty="0">
+                <a:hlinkClick r:id="rId5"/>
+              </a:rPr>
+              <a:t>https://blog.algorithmia.com/introduction-to-deep-learning/</a:t>
+            </a:r>
+            <a:endParaRPr lang="en-US" dirty="0"/>
+          </a:p>
+          <a:p>
+            <a:pPr>
+              <a:buClr>
+                <a:schemeClr val="dk1"/>
+              </a:buClr>
+              <a:buSzPts val="2100"/>
+              <a:defRPr/>
+            </a:pPr>
+            <a:r>
+              <a:rPr lang="en-US" dirty="0">
+                <a:hlinkClick r:id="rId6"/>
+              </a:rPr>
+              <a:t>https://link.springer.com/chapter/10.1007/978-3-030-01424-7_25</a:t>
+            </a:r>
+            <a:endParaRPr lang="en-US" dirty="0"/>
+          </a:p>
+          <a:p>
+            <a:pPr>
+              <a:buClr>
+                <a:schemeClr val="dk1"/>
+              </a:buClr>
+              <a:buSzPts val="2100"/>
+              <a:defRPr/>
+            </a:pPr>
+            <a:r>
+              <a:rPr lang="en-US" dirty="0">
+                <a:hlinkClick r:id="rId7"/>
+              </a:rPr>
+              <a:t>https://arxiv.org/abs/1512.03385</a:t>
+            </a:r>
+            <a:endParaRPr lang="en-US" dirty="0"/>
+          </a:p>
+          <a:p>
+            <a:pPr>
+              <a:buClr>
+                <a:schemeClr val="dk1"/>
+              </a:buClr>
+              <a:buSzPts val="2100"/>
+              <a:defRPr/>
+            </a:pPr>
+            <a:endParaRPr lang="en-US" kern="0" dirty="0">
+              <a:solidFill>
+                <a:srgbClr val="FF0000"/>
+              </a:solidFill>
+              <a:ea typeface="Arial"/>
+              <a:cs typeface="Arial"/>
+              <a:sym typeface="Arial"/>
+            </a:endParaRPr>
+          </a:p>
+          <a:p>
+            <a:pPr marL="742950" lvl="1" indent="-285750" eaLnBrk="1" fontAlgn="auto" hangingPunct="1">
+              <a:spcBef>
+                <a:spcPts val="0"/>
+              </a:spcBef>
+              <a:spcAft>
+                <a:spcPts val="0"/>
+              </a:spcAft>
+              <a:buClr>
+                <a:srgbClr val="000000"/>
+              </a:buClr>
+              <a:buFont typeface="Arial" panose="020B0604020202020204" pitchFamily="34" charset="0"/>
+              <a:buChar char="•"/>
+              <a:defRPr/>
+            </a:pPr>
+            <a:r>
+              <a:rPr lang="en-US" sz="1800" kern="0" dirty="0" err="1">
+                <a:solidFill>
+                  <a:schemeClr val="dk1"/>
+                </a:solidFill>
+                <a:highlight>
+                  <a:srgbClr val="FFFF00"/>
+                </a:highlight>
+                <a:ea typeface="Arial"/>
+                <a:cs typeface="Arial"/>
+                <a:sym typeface="Arial"/>
+              </a:rPr>
+              <a:t>Yinchen</a:t>
+            </a:r>
+            <a:r>
+              <a:rPr lang="en-US" sz="1800" kern="0" dirty="0">
+                <a:solidFill>
+                  <a:schemeClr val="dk1"/>
+                </a:solidFill>
+                <a:highlight>
+                  <a:srgbClr val="FFFF00"/>
+                </a:highlight>
+                <a:ea typeface="Arial"/>
+                <a:cs typeface="Arial"/>
+                <a:sym typeface="Arial"/>
+              </a:rPr>
+              <a:t>/Z/Ravi</a:t>
+            </a:r>
+            <a:endParaRPr sz="1800" kern="0" dirty="0">
+              <a:solidFill>
+                <a:schemeClr val="dk1"/>
+              </a:solidFill>
+              <a:highlight>
+                <a:srgbClr val="FFFF00"/>
+              </a:highlight>
+              <a:ea typeface="Arial"/>
+              <a:cs typeface="Arial"/>
+              <a:sym typeface="Arial"/>
+            </a:endParaRPr>
+          </a:p>
+        </p:txBody>
+      </p:sp>
+      <p:pic>
+        <p:nvPicPr>
+          <p:cNvPr id="6" name="Picture 5">
+            <a:extLst>
+              <a:ext uri="{FF2B5EF4-FFF2-40B4-BE49-F238E27FC236}">
+                <a16:creationId xmlns:a16="http://schemas.microsoft.com/office/drawing/2014/main" id="{0BD6E664-60BB-4AB6-86BE-3A04A08B6B2C}"/>
+              </a:ext>
+            </a:extLst>
+          </p:cNvPr>
+          <p:cNvPicPr>
+            <a:picLocks noChangeAspect="1"/>
+          </p:cNvPicPr>
+          <p:nvPr/>
+        </p:nvPicPr>
+        <p:blipFill>
+          <a:blip r:embed="rId8"/>
+          <a:stretch>
+            <a:fillRect/>
+          </a:stretch>
+        </p:blipFill>
+        <p:spPr>
+          <a:xfrm>
+            <a:off x="10959428" y="136525"/>
+            <a:ext cx="1032088" cy="1226186"/>
+          </a:xfrm>
+          <a:prstGeom prst="rect">
+            <a:avLst/>
+          </a:prstGeom>
+        </p:spPr>
+      </p:pic>
+    </p:spTree>
+  </p:cSld>
+  <p:clrMapOvr>
+    <a:masterClrMapping/>
+  </p:clrMapOvr>
+</p:sld>
+</file>
+
+<file path=ppt/slides/slide17.xml><?xml version="1.0" encoding="utf-8"?>
+<p:sld xmlns:a="http://schemas.openxmlformats.org/drawingml/2006/main" xmlns:r="http://schemas.openxmlformats.org/officeDocument/2006/relationships" xmlns:p="http://schemas.openxmlformats.org/presentationml/2006/main">
+  <p:cSld>
+    <p:spTree>
+      <p:nvGrpSpPr>
+        <p:cNvPr id="1" name=""/>
+        <p:cNvGrpSpPr/>
+        <p:nvPr/>
+      </p:nvGrpSpPr>
+      <p:grpSpPr>
+        <a:xfrm>
+          <a:off x="0" y="0"/>
+          <a:ext cx="0" cy="0"/>
+          <a:chOff x="0" y="0"/>
+          <a:chExt cx="0" cy="0"/>
+        </a:xfrm>
+      </p:grpSpPr>
+      <p:sp>
+        <p:nvSpPr>
+          <p:cNvPr id="28674" name="Slide Number Placeholder 1">
+            <a:extLst>
+              <a:ext uri="{FF2B5EF4-FFF2-40B4-BE49-F238E27FC236}">
+                <a16:creationId xmlns:a16="http://schemas.microsoft.com/office/drawing/2014/main" id="{AC554F12-117A-45F5-A67E-21F9825D1CA2}"/>
+              </a:ext>
+            </a:extLst>
+          </p:cNvPr>
+          <p:cNvSpPr>
+            <a:spLocks noGrp="1" noChangeArrowheads="1"/>
+          </p:cNvSpPr>
+          <p:nvPr>
+            <p:ph type="sldNum" sz="quarter" idx="13"/>
+          </p:nvPr>
+        </p:nvSpPr>
+        <p:spPr bwMode="auto">
+          <a:xfrm>
+            <a:off x="8610600" y="6356350"/>
+            <a:ext cx="2743200" cy="365125"/>
+          </a:xfrm>
+          <a:prstGeom prst="rect">
+            <a:avLst/>
+          </a:prstGeom>
+          <a:noFill/>
+          <a:ln>
+            <a:noFill/>
+          </a:ln>
+          <a:extLst>
+            <a:ext uri="{909E8E84-426E-40DD-AFC4-6F175D3DCCD1}">
+              <a14:hiddenFill xmlns:a14="http://schemas.microsoft.com/office/drawing/2010/main">
+                <a:solidFill>
+                  <a:srgbClr val="FFFFFF"/>
+                </a:solidFill>
+              </a14:hiddenFill>
+            </a:ext>
+            <a:ext uri="{91240B29-F687-4F45-9708-019B960494DF}">
+              <a14:hiddenLine xmlns:a14="http://schemas.microsoft.com/office/drawing/2010/main" w="9525">
+                <a:solidFill>
+                  <a:srgbClr val="000000"/>
+                </a:solidFill>
+                <a:miter lim="800000"/>
+                <a:headEnd/>
+                <a:tailEnd/>
+              </a14:hiddenLine>
+            </a:ext>
+          </a:extLst>
+        </p:spPr>
+        <p:txBody>
+          <a:bodyPr vert="horz" wrap="square" lIns="91425" tIns="45700" rIns="91425" bIns="45700" numCol="1" anchor="ctr" anchorCtr="0" compatLnSpc="1">
+            <a:prstTxWarp prst="textNoShape">
+              <a:avLst/>
+            </a:prstTxWarp>
+          </a:bodyPr>
+          <a:lstStyle>
+            <a:defPPr>
+              <a:defRPr lang="en-US"/>
+            </a:defPPr>
+            <a:lvl1pPr algn="r" rtl="0" eaLnBrk="1" fontAlgn="base" hangingPunct="1">
+              <a:spcBef>
+                <a:spcPct val="0"/>
+              </a:spcBef>
+              <a:spcAft>
+                <a:spcPct val="0"/>
+              </a:spcAft>
+              <a:buClr>
+                <a:srgbClr val="000000"/>
+              </a:buClr>
+              <a:buFont typeface="Arial" panose="020B0604020202020204" pitchFamily="34" charset="0"/>
+              <a:buNone/>
+              <a:defRPr sz="1200" kern="1200" smtClean="0">
+                <a:solidFill>
+                  <a:srgbClr val="888888"/>
+                </a:solidFill>
+                <a:latin typeface="Arial" panose="020B0604020202020204" pitchFamily="34" charset="0"/>
+                <a:ea typeface="+mn-ea"/>
+                <a:cs typeface="Arial" panose="020B0604020202020204" pitchFamily="34" charset="0"/>
+                <a:sym typeface="Arial" panose="020B0604020202020204" pitchFamily="34" charset="0"/>
+              </a:defRPr>
+            </a:lvl1pPr>
+            <a:lvl2pPr marL="457200" algn="l" rtl="0" eaLnBrk="0" fontAlgn="base" hangingPunct="0">
+              <a:spcBef>
+                <a:spcPct val="0"/>
+              </a:spcBef>
+              <a:spcAft>
+                <a:spcPct val="0"/>
+              </a:spcAft>
+              <a:defRPr sz="1400" kern="1200">
+                <a:solidFill>
+                  <a:srgbClr val="000000"/>
+                </a:solidFill>
+                <a:latin typeface="Arial" panose="020B0604020202020204" pitchFamily="34" charset="0"/>
+                <a:ea typeface="+mn-ea"/>
+                <a:cs typeface="Arial" panose="020B0604020202020204" pitchFamily="34" charset="0"/>
+                <a:sym typeface="Arial" panose="020B0604020202020204" pitchFamily="34" charset="0"/>
+              </a:defRPr>
+            </a:lvl2pPr>
+            <a:lvl3pPr marL="914400" algn="l" rtl="0" eaLnBrk="0" fontAlgn="base" hangingPunct="0">
+              <a:spcBef>
+                <a:spcPct val="0"/>
+              </a:spcBef>
+              <a:spcAft>
+                <a:spcPct val="0"/>
+              </a:spcAft>
+              <a:defRPr sz="1400" kern="1200">
+                <a:solidFill>
+                  <a:srgbClr val="000000"/>
+                </a:solidFill>
+                <a:latin typeface="Arial" panose="020B0604020202020204" pitchFamily="34" charset="0"/>
+                <a:ea typeface="+mn-ea"/>
+                <a:cs typeface="Arial" panose="020B0604020202020204" pitchFamily="34" charset="0"/>
+                <a:sym typeface="Arial" panose="020B0604020202020204" pitchFamily="34" charset="0"/>
+              </a:defRPr>
+            </a:lvl3pPr>
+            <a:lvl4pPr marL="1371600" algn="l" rtl="0" eaLnBrk="0" fontAlgn="base" hangingPunct="0">
+              <a:spcBef>
+                <a:spcPct val="0"/>
+              </a:spcBef>
+              <a:spcAft>
+                <a:spcPct val="0"/>
+              </a:spcAft>
+              <a:defRPr sz="1400" kern="1200">
+                <a:solidFill>
+                  <a:srgbClr val="000000"/>
+                </a:solidFill>
+                <a:latin typeface="Arial" panose="020B0604020202020204" pitchFamily="34" charset="0"/>
+                <a:ea typeface="+mn-ea"/>
+                <a:cs typeface="Arial" panose="020B0604020202020204" pitchFamily="34" charset="0"/>
+                <a:sym typeface="Arial" panose="020B0604020202020204" pitchFamily="34" charset="0"/>
+              </a:defRPr>
+            </a:lvl4pPr>
+            <a:lvl5pPr marL="1828800" algn="l" rtl="0" eaLnBrk="0" fontAlgn="base" hangingPunct="0">
+              <a:spcBef>
+                <a:spcPct val="0"/>
+              </a:spcBef>
+              <a:spcAft>
+                <a:spcPct val="0"/>
+              </a:spcAft>
+              <a:defRPr sz="1400" kern="1200">
+                <a:solidFill>
+                  <a:srgbClr val="000000"/>
+                </a:solidFill>
+                <a:latin typeface="Arial" panose="020B0604020202020204" pitchFamily="34" charset="0"/>
+                <a:ea typeface="+mn-ea"/>
+                <a:cs typeface="Arial" panose="020B0604020202020204" pitchFamily="34" charset="0"/>
+                <a:sym typeface="Arial" panose="020B0604020202020204" pitchFamily="34" charset="0"/>
+              </a:defRPr>
+            </a:lvl5pPr>
+            <a:lvl6pPr marL="2286000" algn="l" defTabSz="914400" rtl="0" eaLnBrk="1" latinLnBrk="0" hangingPunct="1">
+              <a:defRPr sz="1400" kern="1200">
+                <a:solidFill>
+                  <a:srgbClr val="000000"/>
+                </a:solidFill>
+                <a:latin typeface="Arial" panose="020B0604020202020204" pitchFamily="34" charset="0"/>
+                <a:ea typeface="+mn-ea"/>
+                <a:cs typeface="Arial" panose="020B0604020202020204" pitchFamily="34" charset="0"/>
+                <a:sym typeface="Arial" panose="020B0604020202020204" pitchFamily="34" charset="0"/>
+              </a:defRPr>
+            </a:lvl6pPr>
+            <a:lvl7pPr marL="2743200" algn="l" defTabSz="914400" rtl="0" eaLnBrk="1" latinLnBrk="0" hangingPunct="1">
+              <a:defRPr sz="1400" kern="1200">
+                <a:solidFill>
+                  <a:srgbClr val="000000"/>
+                </a:solidFill>
+                <a:latin typeface="Arial" panose="020B0604020202020204" pitchFamily="34" charset="0"/>
+                <a:ea typeface="+mn-ea"/>
+                <a:cs typeface="Arial" panose="020B0604020202020204" pitchFamily="34" charset="0"/>
+                <a:sym typeface="Arial" panose="020B0604020202020204" pitchFamily="34" charset="0"/>
+              </a:defRPr>
+            </a:lvl7pPr>
+            <a:lvl8pPr marL="3200400" algn="l" defTabSz="914400" rtl="0" eaLnBrk="1" latinLnBrk="0" hangingPunct="1">
+              <a:defRPr sz="1400" kern="1200">
+                <a:solidFill>
+                  <a:srgbClr val="000000"/>
+                </a:solidFill>
+                <a:latin typeface="Arial" panose="020B0604020202020204" pitchFamily="34" charset="0"/>
+                <a:ea typeface="+mn-ea"/>
+                <a:cs typeface="Arial" panose="020B0604020202020204" pitchFamily="34" charset="0"/>
+                <a:sym typeface="Arial" panose="020B0604020202020204" pitchFamily="34" charset="0"/>
+              </a:defRPr>
+            </a:lvl8pPr>
+            <a:lvl9pPr marL="3657600" algn="l" defTabSz="914400" rtl="0" eaLnBrk="1" latinLnBrk="0" hangingPunct="1">
+              <a:defRPr sz="1400" kern="1200">
+                <a:solidFill>
+                  <a:srgbClr val="000000"/>
+                </a:solidFill>
+                <a:latin typeface="Arial" panose="020B0604020202020204" pitchFamily="34" charset="0"/>
+                <a:ea typeface="+mn-ea"/>
+                <a:cs typeface="Arial" panose="020B0604020202020204" pitchFamily="34" charset="0"/>
+                <a:sym typeface="Arial" panose="020B0604020202020204" pitchFamily="34" charset="0"/>
+              </a:defRPr>
+            </a:lvl9pPr>
+          </a:lstStyle>
+          <a:p>
+            <a:pPr>
+              <a:defRPr/>
+            </a:pPr>
+            <a:fld id="{FFB91C40-FCB9-4641-83DA-0013B503C4F6}" type="slidenum">
+              <a:rPr lang="en-US" altLang="en-US" smtClean="0"/>
+              <a:pPr>
+                <a:defRPr/>
+              </a:pPr>
+              <a:t>17</a:t>
+            </a:fld>
+            <a:endParaRPr lang="uk-UA" altLang="en-US" sz="1200">
+              <a:solidFill>
+                <a:srgbClr val="888888"/>
+              </a:solidFill>
+            </a:endParaRPr>
+          </a:p>
+        </p:txBody>
+      </p:sp>
+      <p:sp>
+        <p:nvSpPr>
+          <p:cNvPr id="28676" name="Google Shape;239;p24">
+            <a:extLst>
+              <a:ext uri="{FF2B5EF4-FFF2-40B4-BE49-F238E27FC236}">
+                <a16:creationId xmlns:a16="http://schemas.microsoft.com/office/drawing/2014/main" id="{D4CE9F22-BD2E-4DBF-BF7B-F5E7039DD98C}"/>
+              </a:ext>
+            </a:extLst>
+          </p:cNvPr>
+          <p:cNvSpPr txBox="1">
+            <a:spLocks noChangeArrowheads="1"/>
+          </p:cNvSpPr>
+          <p:nvPr/>
+        </p:nvSpPr>
+        <p:spPr bwMode="auto">
+          <a:xfrm>
+            <a:off x="8610600" y="6356350"/>
+            <a:ext cx="2743200" cy="365125"/>
+          </a:xfrm>
+          <a:prstGeom prst="rect">
+            <a:avLst/>
+          </a:prstGeom>
+          <a:noFill/>
+          <a:ln>
+            <a:noFill/>
+          </a:ln>
+          <a:extLst>
+            <a:ext uri="{909E8E84-426E-40DD-AFC4-6F175D3DCCD1}">
+              <a14:hiddenFill xmlns:a14="http://schemas.microsoft.com/office/drawing/2010/main">
+                <a:solidFill>
+                  <a:srgbClr val="FFFFFF"/>
+                </a:solidFill>
+              </a14:hiddenFill>
+            </a:ext>
+            <a:ext uri="{91240B29-F687-4F45-9708-019B960494DF}">
+              <a14:hiddenLine xmlns:a14="http://schemas.microsoft.com/office/drawing/2010/main" w="9525">
+                <a:solidFill>
+                  <a:srgbClr val="000000"/>
+                </a:solidFill>
+                <a:miter lim="800000"/>
+                <a:headEnd/>
+                <a:tailEnd/>
+              </a14:hiddenLine>
+            </a:ext>
+          </a:extLst>
+        </p:spPr>
+        <p:txBody>
+          <a:bodyPr lIns="91425" tIns="45700" rIns="91425" bIns="45700" anchor="ctr"/>
+          <a:lstStyle>
+            <a:lvl1pPr>
+              <a:buClr>
+                <a:srgbClr val="000000"/>
+              </a:buClr>
+              <a:buFont typeface="Arial" panose="020B0604020202020204" pitchFamily="34" charset="0"/>
+              <a:defRPr sz="1400">
+                <a:solidFill>
+                  <a:srgbClr val="000000"/>
+                </a:solidFill>
+                <a:latin typeface="Arial" panose="020B0604020202020204" pitchFamily="34" charset="0"/>
+                <a:cs typeface="Arial" panose="020B0604020202020204" pitchFamily="34" charset="0"/>
+                <a:sym typeface="Arial" panose="020B0604020202020204" pitchFamily="34" charset="0"/>
+              </a:defRPr>
+            </a:lvl1pPr>
+            <a:lvl2pPr marL="742950" indent="-285750">
+              <a:buClr>
+                <a:srgbClr val="000000"/>
+              </a:buClr>
+              <a:buFont typeface="Arial" panose="020B0604020202020204" pitchFamily="34" charset="0"/>
+              <a:defRPr sz="1400">
+                <a:solidFill>
+                  <a:srgbClr val="000000"/>
+                </a:solidFill>
+                <a:latin typeface="Arial" panose="020B0604020202020204" pitchFamily="34" charset="0"/>
+                <a:cs typeface="Arial" panose="020B0604020202020204" pitchFamily="34" charset="0"/>
+                <a:sym typeface="Arial" panose="020B0604020202020204" pitchFamily="34" charset="0"/>
+              </a:defRPr>
+            </a:lvl2pPr>
+            <a:lvl3pPr marL="1143000" indent="-228600">
+              <a:buClr>
+                <a:srgbClr val="000000"/>
+              </a:buClr>
+              <a:buFont typeface="Arial" panose="020B0604020202020204" pitchFamily="34" charset="0"/>
+              <a:defRPr sz="1400">
+                <a:solidFill>
+                  <a:srgbClr val="000000"/>
+                </a:solidFill>
+                <a:latin typeface="Arial" panose="020B0604020202020204" pitchFamily="34" charset="0"/>
+                <a:cs typeface="Arial" panose="020B0604020202020204" pitchFamily="34" charset="0"/>
+                <a:sym typeface="Arial" panose="020B0604020202020204" pitchFamily="34" charset="0"/>
+              </a:defRPr>
+            </a:lvl3pPr>
+            <a:lvl4pPr marL="1600200" indent="-228600">
+              <a:buClr>
+                <a:srgbClr val="000000"/>
+              </a:buClr>
+              <a:buFont typeface="Arial" panose="020B0604020202020204" pitchFamily="34" charset="0"/>
+              <a:defRPr sz="1400">
+                <a:solidFill>
+                  <a:srgbClr val="000000"/>
+                </a:solidFill>
+                <a:latin typeface="Arial" panose="020B0604020202020204" pitchFamily="34" charset="0"/>
+                <a:cs typeface="Arial" panose="020B0604020202020204" pitchFamily="34" charset="0"/>
+                <a:sym typeface="Arial" panose="020B0604020202020204" pitchFamily="34" charset="0"/>
+              </a:defRPr>
+            </a:lvl4pPr>
+            <a:lvl5pPr marL="2057400" indent="-228600">
+              <a:buClr>
+                <a:srgbClr val="000000"/>
+              </a:buClr>
+              <a:buFont typeface="Arial" panose="020B0604020202020204" pitchFamily="34" charset="0"/>
+              <a:defRPr sz="1400">
+                <a:solidFill>
+                  <a:srgbClr val="000000"/>
+                </a:solidFill>
+                <a:latin typeface="Arial" panose="020B0604020202020204" pitchFamily="34" charset="0"/>
+                <a:cs typeface="Arial" panose="020B0604020202020204" pitchFamily="34" charset="0"/>
+                <a:sym typeface="Arial" panose="020B0604020202020204" pitchFamily="34" charset="0"/>
+              </a:defRPr>
+            </a:lvl5pPr>
+            <a:lvl6pPr marL="2514600" indent="-228600" eaLnBrk="0" fontAlgn="base" hangingPunct="0">
+              <a:spcBef>
+                <a:spcPct val="0"/>
+              </a:spcBef>
+              <a:spcAft>
+                <a:spcPct val="0"/>
+              </a:spcAft>
+              <a:buClr>
+                <a:srgbClr val="000000"/>
+              </a:buClr>
+              <a:buFont typeface="Arial" panose="020B0604020202020204" pitchFamily="34" charset="0"/>
+              <a:defRPr sz="1400">
+                <a:solidFill>
+                  <a:srgbClr val="000000"/>
+                </a:solidFill>
+                <a:latin typeface="Arial" panose="020B0604020202020204" pitchFamily="34" charset="0"/>
+                <a:cs typeface="Arial" panose="020B0604020202020204" pitchFamily="34" charset="0"/>
+                <a:sym typeface="Arial" panose="020B0604020202020204" pitchFamily="34" charset="0"/>
+              </a:defRPr>
+            </a:lvl6pPr>
+            <a:lvl7pPr marL="2971800" indent="-228600" eaLnBrk="0" fontAlgn="base" hangingPunct="0">
+              <a:spcBef>
+                <a:spcPct val="0"/>
+              </a:spcBef>
+              <a:spcAft>
+                <a:spcPct val="0"/>
+              </a:spcAft>
+              <a:buClr>
+                <a:srgbClr val="000000"/>
+              </a:buClr>
+              <a:buFont typeface="Arial" panose="020B0604020202020204" pitchFamily="34" charset="0"/>
+              <a:defRPr sz="1400">
+                <a:solidFill>
+                  <a:srgbClr val="000000"/>
+                </a:solidFill>
+                <a:latin typeface="Arial" panose="020B0604020202020204" pitchFamily="34" charset="0"/>
+                <a:cs typeface="Arial" panose="020B0604020202020204" pitchFamily="34" charset="0"/>
+                <a:sym typeface="Arial" panose="020B0604020202020204" pitchFamily="34" charset="0"/>
+              </a:defRPr>
+            </a:lvl7pPr>
+            <a:lvl8pPr marL="3429000" indent="-228600" eaLnBrk="0" fontAlgn="base" hangingPunct="0">
+              <a:spcBef>
+                <a:spcPct val="0"/>
+              </a:spcBef>
+              <a:spcAft>
+                <a:spcPct val="0"/>
+              </a:spcAft>
+              <a:buClr>
+                <a:srgbClr val="000000"/>
+              </a:buClr>
+              <a:buFont typeface="Arial" panose="020B0604020202020204" pitchFamily="34" charset="0"/>
+              <a:defRPr sz="1400">
+                <a:solidFill>
+                  <a:srgbClr val="000000"/>
+                </a:solidFill>
+                <a:latin typeface="Arial" panose="020B0604020202020204" pitchFamily="34" charset="0"/>
+                <a:cs typeface="Arial" panose="020B0604020202020204" pitchFamily="34" charset="0"/>
+                <a:sym typeface="Arial" panose="020B0604020202020204" pitchFamily="34" charset="0"/>
+              </a:defRPr>
+            </a:lvl8pPr>
+            <a:lvl9pPr marL="3886200" indent="-228600" eaLnBrk="0" fontAlgn="base" hangingPunct="0">
+              <a:spcBef>
+                <a:spcPct val="0"/>
+              </a:spcBef>
+              <a:spcAft>
+                <a:spcPct val="0"/>
+              </a:spcAft>
+              <a:buClr>
+                <a:srgbClr val="000000"/>
+              </a:buClr>
+              <a:buFont typeface="Arial" panose="020B0604020202020204" pitchFamily="34" charset="0"/>
+              <a:defRPr sz="1400">
+                <a:solidFill>
+                  <a:srgbClr val="000000"/>
+                </a:solidFill>
+                <a:latin typeface="Arial" panose="020B0604020202020204" pitchFamily="34" charset="0"/>
+                <a:cs typeface="Arial" panose="020B0604020202020204" pitchFamily="34" charset="0"/>
+                <a:sym typeface="Arial" panose="020B0604020202020204" pitchFamily="34" charset="0"/>
+              </a:defRPr>
+            </a:lvl9pPr>
+          </a:lstStyle>
+          <a:p>
+            <a:pPr algn="r" eaLnBrk="1" hangingPunct="1"/>
+            <a:fld id="{B781E98A-38F4-49F6-B6D5-B5BE3CE25D8F}" type="slidenum">
+              <a:rPr lang="cs-CZ" altLang="en-US" sz="1200">
+                <a:solidFill>
+                  <a:srgbClr val="888888"/>
+                </a:solidFill>
+              </a:rPr>
+              <a:pPr algn="r" eaLnBrk="1" hangingPunct="1"/>
+              <a:t>17</a:t>
+            </a:fld>
+            <a:endParaRPr lang="cs-CZ" altLang="en-US" sz="1200">
+              <a:solidFill>
+                <a:srgbClr val="888888"/>
+              </a:solidFill>
+            </a:endParaRPr>
+          </a:p>
+        </p:txBody>
+      </p:sp>
+      <p:sp>
+        <p:nvSpPr>
+          <p:cNvPr id="6" name="Google Shape;240;p24">
+            <a:extLst>
+              <a:ext uri="{FF2B5EF4-FFF2-40B4-BE49-F238E27FC236}">
+                <a16:creationId xmlns:a16="http://schemas.microsoft.com/office/drawing/2014/main" id="{59CC3D6B-06F7-4EE9-8D77-37097800C43A}"/>
+              </a:ext>
+            </a:extLst>
+          </p:cNvPr>
+          <p:cNvSpPr txBox="1"/>
+          <p:nvPr/>
+        </p:nvSpPr>
+        <p:spPr>
+          <a:xfrm>
+            <a:off x="596900" y="1336675"/>
+            <a:ext cx="9767888" cy="3074988"/>
+          </a:xfrm>
+          <a:prstGeom prst="rect">
+            <a:avLst/>
+          </a:prstGeom>
+          <a:noFill/>
+          <a:ln>
+            <a:noFill/>
+          </a:ln>
+        </p:spPr>
+        <p:txBody>
+          <a:bodyPr spcFirstLastPara="1" lIns="91425" tIns="45700" rIns="91425" bIns="45700"/>
+          <a:lstStyle/>
+          <a:p>
+            <a:pPr eaLnBrk="1" fontAlgn="auto" hangingPunct="1">
+              <a:spcBef>
+                <a:spcPts val="0"/>
+              </a:spcBef>
+              <a:spcAft>
+                <a:spcPts val="0"/>
+              </a:spcAft>
+              <a:buClr>
+                <a:srgbClr val="000000"/>
+              </a:buClr>
+              <a:buFont typeface="Arial"/>
+              <a:buNone/>
+              <a:defRPr/>
+            </a:pPr>
+            <a:endParaRPr sz="1800" kern="0" dirty="0">
+              <a:solidFill>
+                <a:schemeClr val="dk1"/>
+              </a:solidFill>
+              <a:latin typeface="Arial"/>
+              <a:ea typeface="Arial"/>
+              <a:cs typeface="Arial"/>
+              <a:sym typeface="Arial"/>
+            </a:endParaRPr>
+          </a:p>
+          <a:p>
+            <a:pPr marL="285750" indent="-285750" eaLnBrk="1" fontAlgn="auto" hangingPunct="1">
+              <a:spcBef>
+                <a:spcPts val="0"/>
+              </a:spcBef>
+              <a:spcAft>
+                <a:spcPts val="0"/>
+              </a:spcAft>
+              <a:buClr>
+                <a:schemeClr val="dk1"/>
+              </a:buClr>
+              <a:buSzPts val="1800"/>
+              <a:buFont typeface="Wingdings" panose="05000000000000000000" pitchFamily="2" charset="2"/>
+              <a:buChar char="q"/>
+              <a:defRPr/>
+            </a:pPr>
+            <a:r>
+              <a:rPr lang="en-US" sz="1800" kern="0" dirty="0">
+                <a:solidFill>
+                  <a:schemeClr val="dk1"/>
+                </a:solidFill>
+                <a:latin typeface="Arial"/>
+                <a:ea typeface="Arial"/>
+                <a:cs typeface="Arial"/>
+                <a:sym typeface="Arial"/>
+              </a:rPr>
+              <a:t>Initial implementation of CNN with 4 convolution layer and one Dense layer.</a:t>
+            </a:r>
+          </a:p>
+          <a:p>
+            <a:pPr marL="285750" indent="-285750" eaLnBrk="1" fontAlgn="auto" hangingPunct="1">
+              <a:spcBef>
+                <a:spcPts val="0"/>
+              </a:spcBef>
+              <a:spcAft>
+                <a:spcPts val="0"/>
+              </a:spcAft>
+              <a:buClr>
+                <a:schemeClr val="dk1"/>
+              </a:buClr>
+              <a:buSzPts val="1800"/>
+              <a:buFont typeface="Wingdings" panose="05000000000000000000" pitchFamily="2" charset="2"/>
+              <a:buChar char="q"/>
+              <a:defRPr/>
+            </a:pPr>
+            <a:r>
+              <a:rPr lang="en-US" sz="1800" kern="0" dirty="0">
+                <a:solidFill>
+                  <a:schemeClr val="dk1"/>
+                </a:solidFill>
+                <a:latin typeface="Arial"/>
+                <a:ea typeface="Arial"/>
+                <a:cs typeface="Arial"/>
+                <a:sym typeface="Arial"/>
+              </a:rPr>
+              <a:t>Successfully ran on laptop for small dataset of Simpson images.</a:t>
+            </a:r>
+          </a:p>
+          <a:p>
+            <a:pPr marL="285750" indent="-285750" eaLnBrk="1" fontAlgn="auto" hangingPunct="1">
+              <a:spcBef>
+                <a:spcPts val="0"/>
+              </a:spcBef>
+              <a:spcAft>
+                <a:spcPts val="0"/>
+              </a:spcAft>
+              <a:buClr>
+                <a:schemeClr val="dk1"/>
+              </a:buClr>
+              <a:buSzPts val="1800"/>
+              <a:buFont typeface="Wingdings" panose="05000000000000000000" pitchFamily="2" charset="2"/>
+              <a:buChar char="q"/>
+              <a:defRPr/>
+            </a:pPr>
+            <a:r>
+              <a:rPr lang="en-US" sz="1800" kern="0" dirty="0">
+                <a:solidFill>
+                  <a:schemeClr val="dk1"/>
+                </a:solidFill>
+                <a:latin typeface="Arial"/>
+                <a:ea typeface="Arial"/>
+                <a:cs typeface="Arial"/>
+                <a:sym typeface="Arial"/>
+              </a:rPr>
+              <a:t>Execution setup for Argo is completed and tested.  This is running successfully.</a:t>
+            </a:r>
+          </a:p>
+          <a:p>
+            <a:pPr marL="285750" indent="-285750" eaLnBrk="1" fontAlgn="auto" hangingPunct="1">
+              <a:spcBef>
+                <a:spcPts val="0"/>
+              </a:spcBef>
+              <a:spcAft>
+                <a:spcPts val="0"/>
+              </a:spcAft>
+              <a:buClr>
+                <a:schemeClr val="dk1"/>
+              </a:buClr>
+              <a:buSzPts val="1800"/>
+              <a:buFont typeface="Arial"/>
+              <a:buChar char="•"/>
+              <a:defRPr/>
+            </a:pPr>
+            <a:endParaRPr lang="en-US" sz="1800" kern="0" dirty="0">
+              <a:solidFill>
+                <a:schemeClr val="dk1"/>
+              </a:solidFill>
+              <a:latin typeface="Arial"/>
+              <a:ea typeface="Arial"/>
+              <a:cs typeface="Arial"/>
+              <a:sym typeface="Arial"/>
+            </a:endParaRPr>
+          </a:p>
+          <a:p>
+            <a:pPr marL="285750" indent="-285750" eaLnBrk="1" fontAlgn="auto" hangingPunct="1">
+              <a:spcBef>
+                <a:spcPts val="0"/>
+              </a:spcBef>
+              <a:spcAft>
+                <a:spcPts val="0"/>
+              </a:spcAft>
+              <a:buClr>
+                <a:schemeClr val="dk1"/>
+              </a:buClr>
+              <a:buSzPts val="1800"/>
+              <a:buFont typeface="Arial"/>
+              <a:buChar char="•"/>
+              <a:defRPr/>
+            </a:pPr>
+            <a:endParaRPr lang="en-US" sz="1800" kern="0" dirty="0">
+              <a:solidFill>
+                <a:schemeClr val="dk1"/>
+              </a:solidFill>
+              <a:latin typeface="Arial"/>
+              <a:ea typeface="Arial"/>
+              <a:cs typeface="Arial"/>
+              <a:sym typeface="Arial"/>
+            </a:endParaRPr>
+          </a:p>
+          <a:p>
+            <a:pPr marL="285750" indent="-285750" eaLnBrk="1" fontAlgn="auto" hangingPunct="1">
+              <a:spcBef>
+                <a:spcPts val="0"/>
+              </a:spcBef>
+              <a:spcAft>
+                <a:spcPts val="0"/>
+              </a:spcAft>
+              <a:buClr>
+                <a:schemeClr val="dk1"/>
+              </a:buClr>
+              <a:buSzPts val="1800"/>
+              <a:buFont typeface="Arial"/>
+              <a:buChar char="•"/>
+              <a:defRPr/>
+            </a:pPr>
+            <a:endParaRPr kern="0" dirty="0">
+              <a:latin typeface="Arial"/>
+              <a:ea typeface="Arial"/>
+              <a:cs typeface="Arial"/>
+              <a:sym typeface="Arial"/>
+            </a:endParaRPr>
+          </a:p>
+          <a:p>
+            <a:pPr lvl="1" eaLnBrk="1" fontAlgn="auto" hangingPunct="1">
+              <a:spcBef>
+                <a:spcPts val="0"/>
+              </a:spcBef>
+              <a:spcAft>
+                <a:spcPts val="0"/>
+              </a:spcAft>
+              <a:buClr>
+                <a:srgbClr val="000000"/>
+              </a:buClr>
+              <a:buFont typeface="Arial"/>
+              <a:buNone/>
+              <a:defRPr/>
+            </a:pPr>
+            <a:endParaRPr sz="1800" kern="0" dirty="0">
+              <a:solidFill>
+                <a:schemeClr val="dk1"/>
+              </a:solidFill>
+              <a:latin typeface="Arial"/>
+              <a:ea typeface="Arial"/>
+              <a:cs typeface="Arial"/>
+              <a:sym typeface="Arial"/>
+            </a:endParaRPr>
+          </a:p>
+          <a:p>
+            <a:pPr eaLnBrk="1" fontAlgn="auto" hangingPunct="1">
+              <a:spcBef>
+                <a:spcPts val="0"/>
+              </a:spcBef>
+              <a:spcAft>
+                <a:spcPts val="0"/>
+              </a:spcAft>
+              <a:buClr>
+                <a:srgbClr val="000000"/>
+              </a:buClr>
+              <a:buFont typeface="Arial"/>
+              <a:buNone/>
+              <a:defRPr/>
+            </a:pPr>
+            <a:endParaRPr sz="1800" kern="0" dirty="0">
+              <a:solidFill>
+                <a:schemeClr val="dk1"/>
+              </a:solidFill>
+              <a:latin typeface="Arial"/>
+              <a:ea typeface="Arial"/>
+              <a:cs typeface="Arial"/>
+              <a:sym typeface="Arial"/>
+            </a:endParaRPr>
+          </a:p>
+        </p:txBody>
+      </p:sp>
+      <p:sp>
+        <p:nvSpPr>
+          <p:cNvPr id="28678" name="Google Shape;241;p24">
+            <a:extLst>
+              <a:ext uri="{FF2B5EF4-FFF2-40B4-BE49-F238E27FC236}">
+                <a16:creationId xmlns:a16="http://schemas.microsoft.com/office/drawing/2014/main" id="{03B7F70B-78CA-4C01-81DE-0EFFF0238E3A}"/>
+              </a:ext>
+            </a:extLst>
+          </p:cNvPr>
+          <p:cNvSpPr txBox="1">
+            <a:spLocks noChangeArrowheads="1"/>
+          </p:cNvSpPr>
+          <p:nvPr/>
+        </p:nvSpPr>
+        <p:spPr bwMode="auto">
+          <a:xfrm>
+            <a:off x="201613" y="92075"/>
+            <a:ext cx="7539037" cy="714375"/>
+          </a:xfrm>
+          <a:prstGeom prst="rect">
+            <a:avLst/>
+          </a:prstGeom>
+          <a:noFill/>
+          <a:ln w="9525">
+            <a:solidFill>
+              <a:schemeClr val="tx1"/>
+            </a:solidFill>
+            <a:round/>
+            <a:headEnd type="none" w="sm" len="sm"/>
+            <a:tailEnd type="none" w="sm" len="sm"/>
+          </a:ln>
+          <a:extLst>
+            <a:ext uri="{909E8E84-426E-40DD-AFC4-6F175D3DCCD1}">
+              <a14:hiddenFill xmlns:a14="http://schemas.microsoft.com/office/drawing/2010/main">
+                <a:solidFill>
+                  <a:srgbClr val="FFFFFF"/>
+                </a:solidFill>
+              </a14:hiddenFill>
+            </a:ext>
+          </a:extLst>
+        </p:spPr>
+        <p:txBody>
+          <a:bodyPr lIns="91425" tIns="45700" rIns="91425" bIns="45700" anchor="ctr"/>
+          <a:lstStyle>
+            <a:lvl1pPr>
+              <a:buClr>
+                <a:srgbClr val="000000"/>
+              </a:buClr>
+              <a:buFont typeface="Arial" panose="020B0604020202020204" pitchFamily="34" charset="0"/>
+              <a:defRPr sz="1400">
+                <a:solidFill>
+                  <a:srgbClr val="000000"/>
+                </a:solidFill>
+                <a:latin typeface="Arial" panose="020B0604020202020204" pitchFamily="34" charset="0"/>
+                <a:cs typeface="Arial" panose="020B0604020202020204" pitchFamily="34" charset="0"/>
+                <a:sym typeface="Arial" panose="020B0604020202020204" pitchFamily="34" charset="0"/>
+              </a:defRPr>
+            </a:lvl1pPr>
+            <a:lvl2pPr marL="742950" indent="-285750">
+              <a:buClr>
+                <a:srgbClr val="000000"/>
+              </a:buClr>
+              <a:buFont typeface="Arial" panose="020B0604020202020204" pitchFamily="34" charset="0"/>
+              <a:defRPr sz="1400">
+                <a:solidFill>
+                  <a:srgbClr val="000000"/>
+                </a:solidFill>
+                <a:latin typeface="Arial" panose="020B0604020202020204" pitchFamily="34" charset="0"/>
+                <a:cs typeface="Arial" panose="020B0604020202020204" pitchFamily="34" charset="0"/>
+                <a:sym typeface="Arial" panose="020B0604020202020204" pitchFamily="34" charset="0"/>
+              </a:defRPr>
+            </a:lvl2pPr>
+            <a:lvl3pPr marL="1143000" indent="-228600">
+              <a:buClr>
+                <a:srgbClr val="000000"/>
+              </a:buClr>
+              <a:buFont typeface="Arial" panose="020B0604020202020204" pitchFamily="34" charset="0"/>
+              <a:defRPr sz="1400">
+                <a:solidFill>
+                  <a:srgbClr val="000000"/>
+                </a:solidFill>
+                <a:latin typeface="Arial" panose="020B0604020202020204" pitchFamily="34" charset="0"/>
+                <a:cs typeface="Arial" panose="020B0604020202020204" pitchFamily="34" charset="0"/>
+                <a:sym typeface="Arial" panose="020B0604020202020204" pitchFamily="34" charset="0"/>
+              </a:defRPr>
+            </a:lvl3pPr>
+            <a:lvl4pPr marL="1600200" indent="-228600">
+              <a:buClr>
+                <a:srgbClr val="000000"/>
+              </a:buClr>
+              <a:buFont typeface="Arial" panose="020B0604020202020204" pitchFamily="34" charset="0"/>
+              <a:defRPr sz="1400">
+                <a:solidFill>
+                  <a:srgbClr val="000000"/>
+                </a:solidFill>
+                <a:latin typeface="Arial" panose="020B0604020202020204" pitchFamily="34" charset="0"/>
+                <a:cs typeface="Arial" panose="020B0604020202020204" pitchFamily="34" charset="0"/>
+                <a:sym typeface="Arial" panose="020B0604020202020204" pitchFamily="34" charset="0"/>
+              </a:defRPr>
+            </a:lvl4pPr>
+            <a:lvl5pPr marL="2057400" indent="-228600">
+              <a:buClr>
+                <a:srgbClr val="000000"/>
+              </a:buClr>
+              <a:buFont typeface="Arial" panose="020B0604020202020204" pitchFamily="34" charset="0"/>
+              <a:defRPr sz="1400">
+                <a:solidFill>
+                  <a:srgbClr val="000000"/>
+                </a:solidFill>
+                <a:latin typeface="Arial" panose="020B0604020202020204" pitchFamily="34" charset="0"/>
+                <a:cs typeface="Arial" panose="020B0604020202020204" pitchFamily="34" charset="0"/>
+                <a:sym typeface="Arial" panose="020B0604020202020204" pitchFamily="34" charset="0"/>
+              </a:defRPr>
+            </a:lvl5pPr>
+            <a:lvl6pPr marL="2514600" indent="-228600" eaLnBrk="0" fontAlgn="base" hangingPunct="0">
+              <a:spcBef>
+                <a:spcPct val="0"/>
+              </a:spcBef>
+              <a:spcAft>
+                <a:spcPct val="0"/>
+              </a:spcAft>
+              <a:buClr>
+                <a:srgbClr val="000000"/>
+              </a:buClr>
+              <a:buFont typeface="Arial" panose="020B0604020202020204" pitchFamily="34" charset="0"/>
+              <a:defRPr sz="1400">
+                <a:solidFill>
+                  <a:srgbClr val="000000"/>
+                </a:solidFill>
+                <a:latin typeface="Arial" panose="020B0604020202020204" pitchFamily="34" charset="0"/>
+                <a:cs typeface="Arial" panose="020B0604020202020204" pitchFamily="34" charset="0"/>
+                <a:sym typeface="Arial" panose="020B0604020202020204" pitchFamily="34" charset="0"/>
+              </a:defRPr>
+            </a:lvl6pPr>
+            <a:lvl7pPr marL="2971800" indent="-228600" eaLnBrk="0" fontAlgn="base" hangingPunct="0">
+              <a:spcBef>
+                <a:spcPct val="0"/>
+              </a:spcBef>
+              <a:spcAft>
+                <a:spcPct val="0"/>
+              </a:spcAft>
+              <a:buClr>
+                <a:srgbClr val="000000"/>
+              </a:buClr>
+              <a:buFont typeface="Arial" panose="020B0604020202020204" pitchFamily="34" charset="0"/>
+              <a:defRPr sz="1400">
+                <a:solidFill>
+                  <a:srgbClr val="000000"/>
+                </a:solidFill>
+                <a:latin typeface="Arial" panose="020B0604020202020204" pitchFamily="34" charset="0"/>
+                <a:cs typeface="Arial" panose="020B0604020202020204" pitchFamily="34" charset="0"/>
+                <a:sym typeface="Arial" panose="020B0604020202020204" pitchFamily="34" charset="0"/>
+              </a:defRPr>
+            </a:lvl7pPr>
+            <a:lvl8pPr marL="3429000" indent="-228600" eaLnBrk="0" fontAlgn="base" hangingPunct="0">
+              <a:spcBef>
+                <a:spcPct val="0"/>
+              </a:spcBef>
+              <a:spcAft>
+                <a:spcPct val="0"/>
+              </a:spcAft>
+              <a:buClr>
+                <a:srgbClr val="000000"/>
+              </a:buClr>
+              <a:buFont typeface="Arial" panose="020B0604020202020204" pitchFamily="34" charset="0"/>
+              <a:defRPr sz="1400">
+                <a:solidFill>
+                  <a:srgbClr val="000000"/>
+                </a:solidFill>
+                <a:latin typeface="Arial" panose="020B0604020202020204" pitchFamily="34" charset="0"/>
+                <a:cs typeface="Arial" panose="020B0604020202020204" pitchFamily="34" charset="0"/>
+                <a:sym typeface="Arial" panose="020B0604020202020204" pitchFamily="34" charset="0"/>
+              </a:defRPr>
+            </a:lvl8pPr>
+            <a:lvl9pPr marL="3886200" indent="-228600" eaLnBrk="0" fontAlgn="base" hangingPunct="0">
+              <a:spcBef>
+                <a:spcPct val="0"/>
+              </a:spcBef>
+              <a:spcAft>
+                <a:spcPct val="0"/>
+              </a:spcAft>
+              <a:buClr>
+                <a:srgbClr val="000000"/>
+              </a:buClr>
+              <a:buFont typeface="Arial" panose="020B0604020202020204" pitchFamily="34" charset="0"/>
+              <a:defRPr sz="1400">
+                <a:solidFill>
+                  <a:srgbClr val="000000"/>
+                </a:solidFill>
+                <a:latin typeface="Arial" panose="020B0604020202020204" pitchFamily="34" charset="0"/>
+                <a:cs typeface="Arial" panose="020B0604020202020204" pitchFamily="34" charset="0"/>
+                <a:sym typeface="Arial" panose="020B0604020202020204" pitchFamily="34" charset="0"/>
+              </a:defRPr>
+            </a:lvl9pPr>
+          </a:lstStyle>
+          <a:p>
+            <a:pPr eaLnBrk="1" hangingPunct="1">
+              <a:lnSpc>
+                <a:spcPct val="90000"/>
+              </a:lnSpc>
+              <a:buSzPts val="2800"/>
+              <a:buFont typeface="Helvetica Neue" charset="0"/>
+              <a:buNone/>
+            </a:pPr>
+            <a:r>
+              <a:rPr lang="en-US" altLang="en-US" sz="2800">
+                <a:latin typeface="Helvetica Neue" charset="0"/>
+                <a:cs typeface="Helvetica Neue" charset="0"/>
+                <a:sym typeface="Helvetica Neue" charset="0"/>
+              </a:rPr>
+              <a:t>Core Goals - Algorithm Milestone Progress</a:t>
+            </a:r>
+            <a:endParaRPr lang="en-US" altLang="en-US">
+              <a:cs typeface="Helvetica Neue" charset="0"/>
+            </a:endParaRPr>
+          </a:p>
+        </p:txBody>
+      </p:sp>
+      <p:pic>
+        <p:nvPicPr>
+          <p:cNvPr id="7" name="Picture 6">
+            <a:extLst>
+              <a:ext uri="{FF2B5EF4-FFF2-40B4-BE49-F238E27FC236}">
+                <a16:creationId xmlns:a16="http://schemas.microsoft.com/office/drawing/2014/main" id="{C324CFC0-8ED7-4930-94A7-59DB8B9FE62B}"/>
+              </a:ext>
+            </a:extLst>
+          </p:cNvPr>
+          <p:cNvPicPr>
+            <a:picLocks noChangeAspect="1"/>
+          </p:cNvPicPr>
+          <p:nvPr/>
+        </p:nvPicPr>
+        <p:blipFill>
+          <a:blip r:embed="rId2"/>
+          <a:stretch>
+            <a:fillRect/>
+          </a:stretch>
+        </p:blipFill>
+        <p:spPr>
+          <a:xfrm>
+            <a:off x="10959428" y="136525"/>
+            <a:ext cx="1032088" cy="1226186"/>
+          </a:xfrm>
+          <a:prstGeom prst="rect">
+            <a:avLst/>
+          </a:prstGeom>
+        </p:spPr>
+      </p:pic>
+    </p:spTree>
+  </p:cSld>
+  <p:clrMapOvr>
+    <a:masterClrMapping/>
+  </p:clrMapOvr>
+</p:sld>
+</file>
+
+<file path=ppt/slides/slide18.xml><?xml version="1.0" encoding="utf-8"?>
+<p:sld xmlns:a="http://schemas.openxmlformats.org/drawingml/2006/main" xmlns:r="http://schemas.openxmlformats.org/officeDocument/2006/relationships" xmlns:p="http://schemas.openxmlformats.org/presentationml/2006/main">
+  <p:cSld>
+    <p:spTree>
+      <p:nvGrpSpPr>
+        <p:cNvPr id="1" name=""/>
+        <p:cNvGrpSpPr/>
+        <p:nvPr/>
+      </p:nvGrpSpPr>
+      <p:grpSpPr>
+        <a:xfrm>
+          <a:off x="0" y="0"/>
+          <a:ext cx="0" cy="0"/>
+          <a:chOff x="0" y="0"/>
+          <a:chExt cx="0" cy="0"/>
+        </a:xfrm>
+      </p:grpSpPr>
+      <p:sp>
+        <p:nvSpPr>
+          <p:cNvPr id="29698" name="Slide Number Placeholder 1">
+            <a:extLst>
+              <a:ext uri="{FF2B5EF4-FFF2-40B4-BE49-F238E27FC236}">
+                <a16:creationId xmlns:a16="http://schemas.microsoft.com/office/drawing/2014/main" id="{3B578A0B-78AB-4965-9DFF-98037219E692}"/>
+              </a:ext>
+            </a:extLst>
+          </p:cNvPr>
+          <p:cNvSpPr>
+            <a:spLocks noGrp="1" noChangeArrowheads="1"/>
+          </p:cNvSpPr>
+          <p:nvPr>
+            <p:ph type="sldNum" sz="quarter" idx="13"/>
+          </p:nvPr>
+        </p:nvSpPr>
+        <p:spPr bwMode="auto">
+          <a:xfrm>
+            <a:off x="8610600" y="6356350"/>
+            <a:ext cx="2743200" cy="365125"/>
+          </a:xfrm>
+          <a:prstGeom prst="rect">
+            <a:avLst/>
+          </a:prstGeom>
+          <a:noFill/>
+          <a:ln>
+            <a:noFill/>
+          </a:ln>
+          <a:extLst>
+            <a:ext uri="{909E8E84-426E-40DD-AFC4-6F175D3DCCD1}">
+              <a14:hiddenFill xmlns:a14="http://schemas.microsoft.com/office/drawing/2010/main">
+                <a:solidFill>
+                  <a:srgbClr val="FFFFFF"/>
+                </a:solidFill>
+              </a14:hiddenFill>
+            </a:ext>
+            <a:ext uri="{91240B29-F687-4F45-9708-019B960494DF}">
+              <a14:hiddenLine xmlns:a14="http://schemas.microsoft.com/office/drawing/2010/main" w="9525">
+                <a:solidFill>
+                  <a:srgbClr val="000000"/>
+                </a:solidFill>
+                <a:miter lim="800000"/>
+                <a:headEnd/>
+                <a:tailEnd/>
+              </a14:hiddenLine>
+            </a:ext>
+          </a:extLst>
+        </p:spPr>
+        <p:txBody>
+          <a:bodyPr vert="horz" wrap="square" lIns="91425" tIns="45700" rIns="91425" bIns="45700" numCol="1" anchor="ctr" anchorCtr="0" compatLnSpc="1">
+            <a:prstTxWarp prst="textNoShape">
+              <a:avLst/>
+            </a:prstTxWarp>
+          </a:bodyPr>
+          <a:lstStyle>
+            <a:defPPr>
+              <a:defRPr lang="en-US"/>
+            </a:defPPr>
+            <a:lvl1pPr algn="r" rtl="0" eaLnBrk="1" fontAlgn="base" hangingPunct="1">
+              <a:spcBef>
+                <a:spcPct val="0"/>
+              </a:spcBef>
+              <a:spcAft>
+                <a:spcPct val="0"/>
+              </a:spcAft>
+              <a:buClr>
+                <a:srgbClr val="000000"/>
+              </a:buClr>
+              <a:buFont typeface="Arial" panose="020B0604020202020204" pitchFamily="34" charset="0"/>
+              <a:buNone/>
+              <a:defRPr sz="1200" kern="1200" smtClean="0">
+                <a:solidFill>
+                  <a:srgbClr val="888888"/>
+                </a:solidFill>
+                <a:latin typeface="Arial" panose="020B0604020202020204" pitchFamily="34" charset="0"/>
+                <a:ea typeface="+mn-ea"/>
+                <a:cs typeface="Arial" panose="020B0604020202020204" pitchFamily="34" charset="0"/>
+                <a:sym typeface="Arial" panose="020B0604020202020204" pitchFamily="34" charset="0"/>
+              </a:defRPr>
+            </a:lvl1pPr>
+            <a:lvl2pPr marL="457200" algn="l" rtl="0" eaLnBrk="0" fontAlgn="base" hangingPunct="0">
+              <a:spcBef>
+                <a:spcPct val="0"/>
+              </a:spcBef>
+              <a:spcAft>
+                <a:spcPct val="0"/>
+              </a:spcAft>
+              <a:defRPr sz="1400" kern="1200">
+                <a:solidFill>
+                  <a:srgbClr val="000000"/>
+                </a:solidFill>
+                <a:latin typeface="Arial" panose="020B0604020202020204" pitchFamily="34" charset="0"/>
+                <a:ea typeface="+mn-ea"/>
+                <a:cs typeface="Arial" panose="020B0604020202020204" pitchFamily="34" charset="0"/>
+                <a:sym typeface="Arial" panose="020B0604020202020204" pitchFamily="34" charset="0"/>
+              </a:defRPr>
+            </a:lvl2pPr>
+            <a:lvl3pPr marL="914400" algn="l" rtl="0" eaLnBrk="0" fontAlgn="base" hangingPunct="0">
+              <a:spcBef>
+                <a:spcPct val="0"/>
+              </a:spcBef>
+              <a:spcAft>
+                <a:spcPct val="0"/>
+              </a:spcAft>
+              <a:defRPr sz="1400" kern="1200">
+                <a:solidFill>
+                  <a:srgbClr val="000000"/>
+                </a:solidFill>
+                <a:latin typeface="Arial" panose="020B0604020202020204" pitchFamily="34" charset="0"/>
+                <a:ea typeface="+mn-ea"/>
+                <a:cs typeface="Arial" panose="020B0604020202020204" pitchFamily="34" charset="0"/>
+                <a:sym typeface="Arial" panose="020B0604020202020204" pitchFamily="34" charset="0"/>
+              </a:defRPr>
+            </a:lvl3pPr>
+            <a:lvl4pPr marL="1371600" algn="l" rtl="0" eaLnBrk="0" fontAlgn="base" hangingPunct="0">
+              <a:spcBef>
+                <a:spcPct val="0"/>
+              </a:spcBef>
+              <a:spcAft>
+                <a:spcPct val="0"/>
+              </a:spcAft>
+              <a:defRPr sz="1400" kern="1200">
+                <a:solidFill>
+                  <a:srgbClr val="000000"/>
+                </a:solidFill>
+                <a:latin typeface="Arial" panose="020B0604020202020204" pitchFamily="34" charset="0"/>
+                <a:ea typeface="+mn-ea"/>
+                <a:cs typeface="Arial" panose="020B0604020202020204" pitchFamily="34" charset="0"/>
+                <a:sym typeface="Arial" panose="020B0604020202020204" pitchFamily="34" charset="0"/>
+              </a:defRPr>
+            </a:lvl4pPr>
+            <a:lvl5pPr marL="1828800" algn="l" rtl="0" eaLnBrk="0" fontAlgn="base" hangingPunct="0">
+              <a:spcBef>
+                <a:spcPct val="0"/>
+              </a:spcBef>
+              <a:spcAft>
+                <a:spcPct val="0"/>
+              </a:spcAft>
+              <a:defRPr sz="1400" kern="1200">
+                <a:solidFill>
+                  <a:srgbClr val="000000"/>
+                </a:solidFill>
+                <a:latin typeface="Arial" panose="020B0604020202020204" pitchFamily="34" charset="0"/>
+                <a:ea typeface="+mn-ea"/>
+                <a:cs typeface="Arial" panose="020B0604020202020204" pitchFamily="34" charset="0"/>
+                <a:sym typeface="Arial" panose="020B0604020202020204" pitchFamily="34" charset="0"/>
+              </a:defRPr>
+            </a:lvl5pPr>
+            <a:lvl6pPr marL="2286000" algn="l" defTabSz="914400" rtl="0" eaLnBrk="1" latinLnBrk="0" hangingPunct="1">
+              <a:defRPr sz="1400" kern="1200">
+                <a:solidFill>
+                  <a:srgbClr val="000000"/>
+                </a:solidFill>
+                <a:latin typeface="Arial" panose="020B0604020202020204" pitchFamily="34" charset="0"/>
+                <a:ea typeface="+mn-ea"/>
+                <a:cs typeface="Arial" panose="020B0604020202020204" pitchFamily="34" charset="0"/>
+                <a:sym typeface="Arial" panose="020B0604020202020204" pitchFamily="34" charset="0"/>
+              </a:defRPr>
+            </a:lvl6pPr>
+            <a:lvl7pPr marL="2743200" algn="l" defTabSz="914400" rtl="0" eaLnBrk="1" latinLnBrk="0" hangingPunct="1">
+              <a:defRPr sz="1400" kern="1200">
+                <a:solidFill>
+                  <a:srgbClr val="000000"/>
+                </a:solidFill>
+                <a:latin typeface="Arial" panose="020B0604020202020204" pitchFamily="34" charset="0"/>
+                <a:ea typeface="+mn-ea"/>
+                <a:cs typeface="Arial" panose="020B0604020202020204" pitchFamily="34" charset="0"/>
+                <a:sym typeface="Arial" panose="020B0604020202020204" pitchFamily="34" charset="0"/>
+              </a:defRPr>
+            </a:lvl7pPr>
+            <a:lvl8pPr marL="3200400" algn="l" defTabSz="914400" rtl="0" eaLnBrk="1" latinLnBrk="0" hangingPunct="1">
+              <a:defRPr sz="1400" kern="1200">
+                <a:solidFill>
+                  <a:srgbClr val="000000"/>
+                </a:solidFill>
+                <a:latin typeface="Arial" panose="020B0604020202020204" pitchFamily="34" charset="0"/>
+                <a:ea typeface="+mn-ea"/>
+                <a:cs typeface="Arial" panose="020B0604020202020204" pitchFamily="34" charset="0"/>
+                <a:sym typeface="Arial" panose="020B0604020202020204" pitchFamily="34" charset="0"/>
+              </a:defRPr>
+            </a:lvl8pPr>
+            <a:lvl9pPr marL="3657600" algn="l" defTabSz="914400" rtl="0" eaLnBrk="1" latinLnBrk="0" hangingPunct="1">
+              <a:defRPr sz="1400" kern="1200">
+                <a:solidFill>
+                  <a:srgbClr val="000000"/>
+                </a:solidFill>
+                <a:latin typeface="Arial" panose="020B0604020202020204" pitchFamily="34" charset="0"/>
+                <a:ea typeface="+mn-ea"/>
+                <a:cs typeface="Arial" panose="020B0604020202020204" pitchFamily="34" charset="0"/>
+                <a:sym typeface="Arial" panose="020B0604020202020204" pitchFamily="34" charset="0"/>
+              </a:defRPr>
+            </a:lvl9pPr>
+          </a:lstStyle>
+          <a:p>
+            <a:pPr>
+              <a:defRPr/>
+            </a:pPr>
+            <a:fld id="{FFB91C40-FCB9-4641-83DA-0013B503C4F6}" type="slidenum">
+              <a:rPr lang="en-US" altLang="en-US" smtClean="0"/>
+              <a:pPr>
+                <a:defRPr/>
+              </a:pPr>
+              <a:t>18</a:t>
+            </a:fld>
+            <a:endParaRPr lang="uk-UA" altLang="en-US" sz="1200">
+              <a:solidFill>
+                <a:srgbClr val="888888"/>
+              </a:solidFill>
+            </a:endParaRPr>
+          </a:p>
+        </p:txBody>
+      </p:sp>
+      <p:pic>
+        <p:nvPicPr>
+          <p:cNvPr id="29699" name="Picture 2" descr="Screen Shot 2019-06-09 at 3.47.39 PM.png">
+            <a:extLst>
+              <a:ext uri="{FF2B5EF4-FFF2-40B4-BE49-F238E27FC236}">
+                <a16:creationId xmlns:a16="http://schemas.microsoft.com/office/drawing/2014/main" id="{3A39EDDA-4CB5-4C44-88BC-65D9C344806B}"/>
+              </a:ext>
+            </a:extLst>
+          </p:cNvPr>
+          <p:cNvPicPr>
+            <a:picLocks noChangeAspect="1" noChangeArrowheads="1"/>
+          </p:cNvPicPr>
+          <p:nvPr/>
+        </p:nvPicPr>
+        <p:blipFill>
+          <a:blip r:embed="rId2">
+            <a:extLst>
+              <a:ext uri="{28A0092B-C50C-407E-A947-70E740481C1C}">
+                <a14:useLocalDpi xmlns:a14="http://schemas.microsoft.com/office/drawing/2010/main" val="0"/>
+              </a:ext>
+            </a:extLst>
+          </a:blip>
+          <a:srcRect/>
+          <a:stretch>
+            <a:fillRect/>
+          </a:stretch>
+        </p:blipFill>
+        <p:spPr bwMode="auto">
+          <a:xfrm>
+            <a:off x="190500" y="2225675"/>
+            <a:ext cx="11734800" cy="2286000"/>
+          </a:xfrm>
+          <a:prstGeom prst="rect">
+            <a:avLst/>
+          </a:prstGeom>
+          <a:noFill/>
+          <a:ln>
+            <a:noFill/>
+          </a:ln>
+          <a:extLst>
+            <a:ext uri="{909E8E84-426E-40DD-AFC4-6F175D3DCCD1}">
+              <a14:hiddenFill xmlns:a14="http://schemas.microsoft.com/office/drawing/2010/main">
+                <a:solidFill>
+                  <a:srgbClr val="FFFFFF"/>
+                </a:solidFill>
+              </a14:hiddenFill>
+            </a:ext>
+            <a:ext uri="{91240B29-F687-4F45-9708-019B960494DF}">
+              <a14:hiddenLine xmlns:a14="http://schemas.microsoft.com/office/drawing/2010/main" w="9525">
+                <a:solidFill>
+                  <a:srgbClr val="000000"/>
+                </a:solidFill>
+                <a:miter lim="800000"/>
+                <a:headEnd/>
+                <a:tailEnd/>
+              </a14:hiddenLine>
+            </a:ext>
+          </a:extLst>
+        </p:spPr>
+      </p:pic>
+      <p:sp>
+        <p:nvSpPr>
+          <p:cNvPr id="29701" name="Google Shape;241;p24">
+            <a:extLst>
+              <a:ext uri="{FF2B5EF4-FFF2-40B4-BE49-F238E27FC236}">
+                <a16:creationId xmlns:a16="http://schemas.microsoft.com/office/drawing/2014/main" id="{71154DE1-D377-4ADC-BC63-6AA306DA9CEE}"/>
+              </a:ext>
+            </a:extLst>
+          </p:cNvPr>
+          <p:cNvSpPr txBox="1">
+            <a:spLocks noChangeArrowheads="1"/>
+          </p:cNvSpPr>
+          <p:nvPr/>
+        </p:nvSpPr>
+        <p:spPr bwMode="auto">
+          <a:xfrm>
+            <a:off x="228600" y="119063"/>
+            <a:ext cx="7539038" cy="714375"/>
+          </a:xfrm>
+          <a:prstGeom prst="rect">
+            <a:avLst/>
+          </a:prstGeom>
+          <a:noFill/>
+          <a:ln w="9525">
+            <a:solidFill>
+              <a:schemeClr val="tx1"/>
+            </a:solidFill>
+            <a:round/>
+            <a:headEnd type="none" w="sm" len="sm"/>
+            <a:tailEnd type="none" w="sm" len="sm"/>
+          </a:ln>
+          <a:extLst>
+            <a:ext uri="{909E8E84-426E-40DD-AFC4-6F175D3DCCD1}">
+              <a14:hiddenFill xmlns:a14="http://schemas.microsoft.com/office/drawing/2010/main">
+                <a:solidFill>
+                  <a:srgbClr val="FFFFFF"/>
+                </a:solidFill>
+              </a14:hiddenFill>
+            </a:ext>
+          </a:extLst>
+        </p:spPr>
+        <p:txBody>
+          <a:bodyPr lIns="91425" tIns="45700" rIns="91425" bIns="45700" anchor="ctr"/>
+          <a:lstStyle>
+            <a:lvl1pPr>
+              <a:buClr>
+                <a:srgbClr val="000000"/>
+              </a:buClr>
+              <a:buFont typeface="Arial" panose="020B0604020202020204" pitchFamily="34" charset="0"/>
+              <a:defRPr sz="1400">
+                <a:solidFill>
+                  <a:srgbClr val="000000"/>
+                </a:solidFill>
+                <a:latin typeface="Arial" panose="020B0604020202020204" pitchFamily="34" charset="0"/>
+                <a:cs typeface="Arial" panose="020B0604020202020204" pitchFamily="34" charset="0"/>
+                <a:sym typeface="Arial" panose="020B0604020202020204" pitchFamily="34" charset="0"/>
+              </a:defRPr>
+            </a:lvl1pPr>
+            <a:lvl2pPr marL="742950" indent="-285750">
+              <a:buClr>
+                <a:srgbClr val="000000"/>
+              </a:buClr>
+              <a:buFont typeface="Arial" panose="020B0604020202020204" pitchFamily="34" charset="0"/>
+              <a:defRPr sz="1400">
+                <a:solidFill>
+                  <a:srgbClr val="000000"/>
+                </a:solidFill>
+                <a:latin typeface="Arial" panose="020B0604020202020204" pitchFamily="34" charset="0"/>
+                <a:cs typeface="Arial" panose="020B0604020202020204" pitchFamily="34" charset="0"/>
+                <a:sym typeface="Arial" panose="020B0604020202020204" pitchFamily="34" charset="0"/>
+              </a:defRPr>
+            </a:lvl2pPr>
+            <a:lvl3pPr marL="1143000" indent="-228600">
+              <a:buClr>
+                <a:srgbClr val="000000"/>
+              </a:buClr>
+              <a:buFont typeface="Arial" panose="020B0604020202020204" pitchFamily="34" charset="0"/>
+              <a:defRPr sz="1400">
+                <a:solidFill>
+                  <a:srgbClr val="000000"/>
+                </a:solidFill>
+                <a:latin typeface="Arial" panose="020B0604020202020204" pitchFamily="34" charset="0"/>
+                <a:cs typeface="Arial" panose="020B0604020202020204" pitchFamily="34" charset="0"/>
+                <a:sym typeface="Arial" panose="020B0604020202020204" pitchFamily="34" charset="0"/>
+              </a:defRPr>
+            </a:lvl3pPr>
+            <a:lvl4pPr marL="1600200" indent="-228600">
+              <a:buClr>
+                <a:srgbClr val="000000"/>
+              </a:buClr>
+              <a:buFont typeface="Arial" panose="020B0604020202020204" pitchFamily="34" charset="0"/>
+              <a:defRPr sz="1400">
+                <a:solidFill>
+                  <a:srgbClr val="000000"/>
+                </a:solidFill>
+                <a:latin typeface="Arial" panose="020B0604020202020204" pitchFamily="34" charset="0"/>
+                <a:cs typeface="Arial" panose="020B0604020202020204" pitchFamily="34" charset="0"/>
+                <a:sym typeface="Arial" panose="020B0604020202020204" pitchFamily="34" charset="0"/>
+              </a:defRPr>
+            </a:lvl4pPr>
+            <a:lvl5pPr marL="2057400" indent="-228600">
+              <a:buClr>
+                <a:srgbClr val="000000"/>
+              </a:buClr>
+              <a:buFont typeface="Arial" panose="020B0604020202020204" pitchFamily="34" charset="0"/>
+              <a:defRPr sz="1400">
+                <a:solidFill>
+                  <a:srgbClr val="000000"/>
+                </a:solidFill>
+                <a:latin typeface="Arial" panose="020B0604020202020204" pitchFamily="34" charset="0"/>
+                <a:cs typeface="Arial" panose="020B0604020202020204" pitchFamily="34" charset="0"/>
+                <a:sym typeface="Arial" panose="020B0604020202020204" pitchFamily="34" charset="0"/>
+              </a:defRPr>
+            </a:lvl5pPr>
+            <a:lvl6pPr marL="2514600" indent="-228600" eaLnBrk="0" fontAlgn="base" hangingPunct="0">
+              <a:spcBef>
+                <a:spcPct val="0"/>
+              </a:spcBef>
+              <a:spcAft>
+                <a:spcPct val="0"/>
+              </a:spcAft>
+              <a:buClr>
+                <a:srgbClr val="000000"/>
+              </a:buClr>
+              <a:buFont typeface="Arial" panose="020B0604020202020204" pitchFamily="34" charset="0"/>
+              <a:defRPr sz="1400">
+                <a:solidFill>
+                  <a:srgbClr val="000000"/>
+                </a:solidFill>
+                <a:latin typeface="Arial" panose="020B0604020202020204" pitchFamily="34" charset="0"/>
+                <a:cs typeface="Arial" panose="020B0604020202020204" pitchFamily="34" charset="0"/>
+                <a:sym typeface="Arial" panose="020B0604020202020204" pitchFamily="34" charset="0"/>
+              </a:defRPr>
+            </a:lvl6pPr>
+            <a:lvl7pPr marL="2971800" indent="-228600" eaLnBrk="0" fontAlgn="base" hangingPunct="0">
+              <a:spcBef>
+                <a:spcPct val="0"/>
+              </a:spcBef>
+              <a:spcAft>
+                <a:spcPct val="0"/>
+              </a:spcAft>
+              <a:buClr>
+                <a:srgbClr val="000000"/>
+              </a:buClr>
+              <a:buFont typeface="Arial" panose="020B0604020202020204" pitchFamily="34" charset="0"/>
+              <a:defRPr sz="1400">
+                <a:solidFill>
+                  <a:srgbClr val="000000"/>
+                </a:solidFill>
+                <a:latin typeface="Arial" panose="020B0604020202020204" pitchFamily="34" charset="0"/>
+                <a:cs typeface="Arial" panose="020B0604020202020204" pitchFamily="34" charset="0"/>
+                <a:sym typeface="Arial" panose="020B0604020202020204" pitchFamily="34" charset="0"/>
+              </a:defRPr>
+            </a:lvl7pPr>
+            <a:lvl8pPr marL="3429000" indent="-228600" eaLnBrk="0" fontAlgn="base" hangingPunct="0">
+              <a:spcBef>
+                <a:spcPct val="0"/>
+              </a:spcBef>
+              <a:spcAft>
+                <a:spcPct val="0"/>
+              </a:spcAft>
+              <a:buClr>
+                <a:srgbClr val="000000"/>
+              </a:buClr>
+              <a:buFont typeface="Arial" panose="020B0604020202020204" pitchFamily="34" charset="0"/>
+              <a:defRPr sz="1400">
+                <a:solidFill>
+                  <a:srgbClr val="000000"/>
+                </a:solidFill>
+                <a:latin typeface="Arial" panose="020B0604020202020204" pitchFamily="34" charset="0"/>
+                <a:cs typeface="Arial" panose="020B0604020202020204" pitchFamily="34" charset="0"/>
+                <a:sym typeface="Arial" panose="020B0604020202020204" pitchFamily="34" charset="0"/>
+              </a:defRPr>
+            </a:lvl8pPr>
+            <a:lvl9pPr marL="3886200" indent="-228600" eaLnBrk="0" fontAlgn="base" hangingPunct="0">
+              <a:spcBef>
+                <a:spcPct val="0"/>
+              </a:spcBef>
+              <a:spcAft>
+                <a:spcPct val="0"/>
+              </a:spcAft>
+              <a:buClr>
+                <a:srgbClr val="000000"/>
+              </a:buClr>
+              <a:buFont typeface="Arial" panose="020B0604020202020204" pitchFamily="34" charset="0"/>
+              <a:defRPr sz="1400">
+                <a:solidFill>
+                  <a:srgbClr val="000000"/>
+                </a:solidFill>
+                <a:latin typeface="Arial" panose="020B0604020202020204" pitchFamily="34" charset="0"/>
+                <a:cs typeface="Arial" panose="020B0604020202020204" pitchFamily="34" charset="0"/>
+                <a:sym typeface="Arial" panose="020B0604020202020204" pitchFamily="34" charset="0"/>
+              </a:defRPr>
+            </a:lvl9pPr>
+          </a:lstStyle>
+          <a:p>
+            <a:pPr eaLnBrk="1" hangingPunct="1">
+              <a:lnSpc>
+                <a:spcPct val="90000"/>
+              </a:lnSpc>
+              <a:buSzPts val="2800"/>
+              <a:buFont typeface="Helvetica Neue" charset="0"/>
+              <a:buNone/>
+            </a:pPr>
+            <a:r>
+              <a:rPr lang="en-US" altLang="en-US" sz="2800">
+                <a:latin typeface="Helvetica Neue" charset="0"/>
+                <a:cs typeface="Helvetica Neue" charset="0"/>
+                <a:sym typeface="Helvetica Neue" charset="0"/>
+              </a:rPr>
+              <a:t>Core Goals - Execution Log </a:t>
+            </a:r>
+            <a:endParaRPr lang="en-US" altLang="en-US">
+              <a:cs typeface="Helvetica Neue" charset="0"/>
+            </a:endParaRPr>
+          </a:p>
+        </p:txBody>
+      </p:sp>
+      <p:sp>
+        <p:nvSpPr>
+          <p:cNvPr id="29702" name="TextBox 1">
+            <a:extLst>
+              <a:ext uri="{FF2B5EF4-FFF2-40B4-BE49-F238E27FC236}">
+                <a16:creationId xmlns:a16="http://schemas.microsoft.com/office/drawing/2014/main" id="{0F1C3B5B-E3E8-49C7-9006-37A148F16F8E}"/>
+              </a:ext>
+            </a:extLst>
+          </p:cNvPr>
+          <p:cNvSpPr txBox="1">
+            <a:spLocks noChangeArrowheads="1"/>
+          </p:cNvSpPr>
+          <p:nvPr/>
+        </p:nvSpPr>
+        <p:spPr bwMode="auto">
+          <a:xfrm>
+            <a:off x="190500" y="1757363"/>
+            <a:ext cx="5397500" cy="369887"/>
+          </a:xfrm>
+          <a:prstGeom prst="rect">
+            <a:avLst/>
+          </a:prstGeom>
+          <a:noFill/>
+          <a:ln>
+            <a:noFill/>
+          </a:ln>
+          <a:extLst>
+            <a:ext uri="{909E8E84-426E-40DD-AFC4-6F175D3DCCD1}">
+              <a14:hiddenFill xmlns:a14="http://schemas.microsoft.com/office/drawing/2010/main">
+                <a:solidFill>
+                  <a:srgbClr val="FFFFFF"/>
+                </a:solidFill>
+              </a14:hiddenFill>
+            </a:ext>
+            <a:ext uri="{91240B29-F687-4F45-9708-019B960494DF}">
+              <a14:hiddenLine xmlns:a14="http://schemas.microsoft.com/office/drawing/2010/main" w="9525">
+                <a:solidFill>
+                  <a:srgbClr val="000000"/>
+                </a:solidFill>
+                <a:miter lim="800000"/>
+                <a:headEnd/>
+                <a:tailEnd/>
+              </a14:hiddenLine>
+            </a:ext>
+          </a:extLst>
+        </p:spPr>
+        <p:txBody>
+          <a:bodyPr>
+            <a:spAutoFit/>
+          </a:bodyPr>
+          <a:lstStyle>
+            <a:lvl1pPr>
+              <a:defRPr sz="1400">
+                <a:solidFill>
+                  <a:srgbClr val="000000"/>
+                </a:solidFill>
+                <a:latin typeface="Arial" panose="020B0604020202020204" pitchFamily="34" charset="0"/>
+                <a:cs typeface="Arial" panose="020B0604020202020204" pitchFamily="34" charset="0"/>
+                <a:sym typeface="Arial" panose="020B0604020202020204" pitchFamily="34" charset="0"/>
+              </a:defRPr>
+            </a:lvl1pPr>
+            <a:lvl2pPr marL="742950" indent="-285750">
+              <a:defRPr sz="1400">
+                <a:solidFill>
+                  <a:srgbClr val="000000"/>
+                </a:solidFill>
+                <a:latin typeface="Arial" panose="020B0604020202020204" pitchFamily="34" charset="0"/>
+                <a:cs typeface="Arial" panose="020B0604020202020204" pitchFamily="34" charset="0"/>
+                <a:sym typeface="Arial" panose="020B0604020202020204" pitchFamily="34" charset="0"/>
+              </a:defRPr>
+            </a:lvl2pPr>
+            <a:lvl3pPr marL="1143000" indent="-228600">
+              <a:defRPr sz="1400">
+                <a:solidFill>
+                  <a:srgbClr val="000000"/>
+                </a:solidFill>
+                <a:latin typeface="Arial" panose="020B0604020202020204" pitchFamily="34" charset="0"/>
+                <a:cs typeface="Arial" panose="020B0604020202020204" pitchFamily="34" charset="0"/>
+                <a:sym typeface="Arial" panose="020B0604020202020204" pitchFamily="34" charset="0"/>
+              </a:defRPr>
+            </a:lvl3pPr>
+            <a:lvl4pPr marL="1600200" indent="-228600">
+              <a:defRPr sz="1400">
+                <a:solidFill>
+                  <a:srgbClr val="000000"/>
+                </a:solidFill>
+                <a:latin typeface="Arial" panose="020B0604020202020204" pitchFamily="34" charset="0"/>
+                <a:cs typeface="Arial" panose="020B0604020202020204" pitchFamily="34" charset="0"/>
+                <a:sym typeface="Arial" panose="020B0604020202020204" pitchFamily="34" charset="0"/>
+              </a:defRPr>
+            </a:lvl4pPr>
+            <a:lvl5pPr marL="2057400" indent="-228600">
+              <a:defRPr sz="1400">
+                <a:solidFill>
+                  <a:srgbClr val="000000"/>
+                </a:solidFill>
+                <a:latin typeface="Arial" panose="020B0604020202020204" pitchFamily="34" charset="0"/>
+                <a:cs typeface="Arial" panose="020B0604020202020204" pitchFamily="34" charset="0"/>
+                <a:sym typeface="Arial" panose="020B0604020202020204" pitchFamily="34" charset="0"/>
+              </a:defRPr>
+            </a:lvl5pPr>
+            <a:lvl6pPr marL="2514600" indent="-228600" eaLnBrk="0" fontAlgn="base" hangingPunct="0">
+              <a:spcBef>
+                <a:spcPct val="0"/>
+              </a:spcBef>
+              <a:spcAft>
+                <a:spcPct val="0"/>
+              </a:spcAft>
+              <a:defRPr sz="1400">
+                <a:solidFill>
+                  <a:srgbClr val="000000"/>
+                </a:solidFill>
+                <a:latin typeface="Arial" panose="020B0604020202020204" pitchFamily="34" charset="0"/>
+                <a:cs typeface="Arial" panose="020B0604020202020204" pitchFamily="34" charset="0"/>
+                <a:sym typeface="Arial" panose="020B0604020202020204" pitchFamily="34" charset="0"/>
+              </a:defRPr>
+            </a:lvl6pPr>
+            <a:lvl7pPr marL="2971800" indent="-228600" eaLnBrk="0" fontAlgn="base" hangingPunct="0">
+              <a:spcBef>
+                <a:spcPct val="0"/>
+              </a:spcBef>
+              <a:spcAft>
+                <a:spcPct val="0"/>
+              </a:spcAft>
+              <a:defRPr sz="1400">
+                <a:solidFill>
+                  <a:srgbClr val="000000"/>
+                </a:solidFill>
+                <a:latin typeface="Arial" panose="020B0604020202020204" pitchFamily="34" charset="0"/>
+                <a:cs typeface="Arial" panose="020B0604020202020204" pitchFamily="34" charset="0"/>
+                <a:sym typeface="Arial" panose="020B0604020202020204" pitchFamily="34" charset="0"/>
+              </a:defRPr>
+            </a:lvl7pPr>
+            <a:lvl8pPr marL="3429000" indent="-228600" eaLnBrk="0" fontAlgn="base" hangingPunct="0">
+              <a:spcBef>
+                <a:spcPct val="0"/>
+              </a:spcBef>
+              <a:spcAft>
+                <a:spcPct val="0"/>
+              </a:spcAft>
+              <a:defRPr sz="1400">
+                <a:solidFill>
+                  <a:srgbClr val="000000"/>
+                </a:solidFill>
+                <a:latin typeface="Arial" panose="020B0604020202020204" pitchFamily="34" charset="0"/>
+                <a:cs typeface="Arial" panose="020B0604020202020204" pitchFamily="34" charset="0"/>
+                <a:sym typeface="Arial" panose="020B0604020202020204" pitchFamily="34" charset="0"/>
+              </a:defRPr>
+            </a:lvl8pPr>
+            <a:lvl9pPr marL="3886200" indent="-228600" eaLnBrk="0" fontAlgn="base" hangingPunct="0">
+              <a:spcBef>
+                <a:spcPct val="0"/>
+              </a:spcBef>
+              <a:spcAft>
+                <a:spcPct val="0"/>
+              </a:spcAft>
+              <a:defRPr sz="1400">
+                <a:solidFill>
+                  <a:srgbClr val="000000"/>
+                </a:solidFill>
+                <a:latin typeface="Arial" panose="020B0604020202020204" pitchFamily="34" charset="0"/>
+                <a:cs typeface="Arial" panose="020B0604020202020204" pitchFamily="34" charset="0"/>
+                <a:sym typeface="Arial" panose="020B0604020202020204" pitchFamily="34" charset="0"/>
+              </a:defRPr>
+            </a:lvl9pPr>
+          </a:lstStyle>
+          <a:p>
+            <a:r>
+              <a:rPr lang="en-US" altLang="en-US" sz="1800"/>
+              <a:t>From ARGO:</a:t>
+            </a:r>
+          </a:p>
+        </p:txBody>
+      </p:sp>
+      <p:pic>
+        <p:nvPicPr>
+          <p:cNvPr id="7" name="Picture 6">
+            <a:extLst>
+              <a:ext uri="{FF2B5EF4-FFF2-40B4-BE49-F238E27FC236}">
+                <a16:creationId xmlns:a16="http://schemas.microsoft.com/office/drawing/2014/main" id="{D976475D-FC86-4280-A147-2DE55B822018}"/>
+              </a:ext>
+            </a:extLst>
+          </p:cNvPr>
+          <p:cNvPicPr>
+            <a:picLocks noChangeAspect="1"/>
+          </p:cNvPicPr>
+          <p:nvPr/>
+        </p:nvPicPr>
+        <p:blipFill>
+          <a:blip r:embed="rId3"/>
+          <a:stretch>
+            <a:fillRect/>
+          </a:stretch>
+        </p:blipFill>
+        <p:spPr>
+          <a:xfrm>
+            <a:off x="10959428" y="136525"/>
+            <a:ext cx="1032088" cy="1226186"/>
+          </a:xfrm>
+          <a:prstGeom prst="rect">
+            <a:avLst/>
+          </a:prstGeom>
+        </p:spPr>
+      </p:pic>
+    </p:spTree>
+  </p:cSld>
+  <p:clrMapOvr>
+    <a:masterClrMapping/>
+  </p:clrMapOvr>
+</p:sld>
+</file>
+
+<file path=ppt/slides/slide19.xml><?xml version="1.0" encoding="utf-8"?>
+<p:sld xmlns:a="http://schemas.openxmlformats.org/drawingml/2006/main" xmlns:r="http://schemas.openxmlformats.org/officeDocument/2006/relationships" xmlns:p="http://schemas.openxmlformats.org/presentationml/2006/main">
+  <p:cSld>
+    <p:spTree>
+      <p:nvGrpSpPr>
+        <p:cNvPr id="1" name=""/>
+        <p:cNvGrpSpPr/>
+        <p:nvPr/>
+      </p:nvGrpSpPr>
+      <p:grpSpPr>
+        <a:xfrm>
+          <a:off x="0" y="0"/>
+          <a:ext cx="0" cy="0"/>
+          <a:chOff x="0" y="0"/>
+          <a:chExt cx="0" cy="0"/>
+        </a:xfrm>
+      </p:grpSpPr>
+      <p:sp>
+        <p:nvSpPr>
+          <p:cNvPr id="30722" name="Slide Number Placeholder 1">
+            <a:extLst>
+              <a:ext uri="{FF2B5EF4-FFF2-40B4-BE49-F238E27FC236}">
+                <a16:creationId xmlns:a16="http://schemas.microsoft.com/office/drawing/2014/main" id="{DA71B869-7DAA-4D17-B7DF-67CAF8248B0A}"/>
+              </a:ext>
+            </a:extLst>
+          </p:cNvPr>
+          <p:cNvSpPr>
+            <a:spLocks noGrp="1" noChangeArrowheads="1"/>
+          </p:cNvSpPr>
+          <p:nvPr>
+            <p:ph type="sldNum" sz="quarter" idx="13"/>
+          </p:nvPr>
+        </p:nvSpPr>
+        <p:spPr bwMode="auto">
+          <a:xfrm>
+            <a:off x="8610600" y="6356350"/>
+            <a:ext cx="2743200" cy="365125"/>
+          </a:xfrm>
+          <a:prstGeom prst="rect">
+            <a:avLst/>
+          </a:prstGeom>
+          <a:noFill/>
+          <a:ln>
+            <a:noFill/>
+          </a:ln>
+          <a:extLst>
+            <a:ext uri="{909E8E84-426E-40DD-AFC4-6F175D3DCCD1}">
+              <a14:hiddenFill xmlns:a14="http://schemas.microsoft.com/office/drawing/2010/main">
+                <a:solidFill>
+                  <a:srgbClr val="FFFFFF"/>
+                </a:solidFill>
+              </a14:hiddenFill>
+            </a:ext>
+            <a:ext uri="{91240B29-F687-4F45-9708-019B960494DF}">
+              <a14:hiddenLine xmlns:a14="http://schemas.microsoft.com/office/drawing/2010/main" w="9525">
+                <a:solidFill>
+                  <a:srgbClr val="000000"/>
+                </a:solidFill>
+                <a:miter lim="800000"/>
+                <a:headEnd/>
+                <a:tailEnd/>
+              </a14:hiddenLine>
+            </a:ext>
+          </a:extLst>
+        </p:spPr>
+        <p:txBody>
+          <a:bodyPr vert="horz" wrap="square" lIns="91425" tIns="45700" rIns="91425" bIns="45700" numCol="1" anchor="ctr" anchorCtr="0" compatLnSpc="1">
+            <a:prstTxWarp prst="textNoShape">
+              <a:avLst/>
+            </a:prstTxWarp>
+          </a:bodyPr>
+          <a:lstStyle>
+            <a:defPPr>
+              <a:defRPr lang="en-US"/>
+            </a:defPPr>
+            <a:lvl1pPr algn="r" rtl="0" eaLnBrk="1" fontAlgn="base" hangingPunct="1">
+              <a:spcBef>
+                <a:spcPct val="0"/>
+              </a:spcBef>
+              <a:spcAft>
+                <a:spcPct val="0"/>
+              </a:spcAft>
+              <a:buClr>
+                <a:srgbClr val="000000"/>
+              </a:buClr>
+              <a:buFont typeface="Arial" panose="020B0604020202020204" pitchFamily="34" charset="0"/>
+              <a:buNone/>
+              <a:defRPr sz="1200" kern="1200" smtClean="0">
+                <a:solidFill>
+                  <a:srgbClr val="888888"/>
+                </a:solidFill>
+                <a:latin typeface="Arial" panose="020B0604020202020204" pitchFamily="34" charset="0"/>
+                <a:ea typeface="+mn-ea"/>
+                <a:cs typeface="Arial" panose="020B0604020202020204" pitchFamily="34" charset="0"/>
+                <a:sym typeface="Arial" panose="020B0604020202020204" pitchFamily="34" charset="0"/>
+              </a:defRPr>
+            </a:lvl1pPr>
+            <a:lvl2pPr marL="457200" algn="l" rtl="0" eaLnBrk="0" fontAlgn="base" hangingPunct="0">
+              <a:spcBef>
+                <a:spcPct val="0"/>
+              </a:spcBef>
+              <a:spcAft>
+                <a:spcPct val="0"/>
+              </a:spcAft>
+              <a:defRPr sz="1400" kern="1200">
+                <a:solidFill>
+                  <a:srgbClr val="000000"/>
+                </a:solidFill>
+                <a:latin typeface="Arial" panose="020B0604020202020204" pitchFamily="34" charset="0"/>
+                <a:ea typeface="+mn-ea"/>
+                <a:cs typeface="Arial" panose="020B0604020202020204" pitchFamily="34" charset="0"/>
+                <a:sym typeface="Arial" panose="020B0604020202020204" pitchFamily="34" charset="0"/>
+              </a:defRPr>
+            </a:lvl2pPr>
+            <a:lvl3pPr marL="914400" algn="l" rtl="0" eaLnBrk="0" fontAlgn="base" hangingPunct="0">
+              <a:spcBef>
+                <a:spcPct val="0"/>
+              </a:spcBef>
+              <a:spcAft>
+                <a:spcPct val="0"/>
+              </a:spcAft>
+              <a:defRPr sz="1400" kern="1200">
+                <a:solidFill>
+                  <a:srgbClr val="000000"/>
+                </a:solidFill>
+                <a:latin typeface="Arial" panose="020B0604020202020204" pitchFamily="34" charset="0"/>
+                <a:ea typeface="+mn-ea"/>
+                <a:cs typeface="Arial" panose="020B0604020202020204" pitchFamily="34" charset="0"/>
+                <a:sym typeface="Arial" panose="020B0604020202020204" pitchFamily="34" charset="0"/>
+              </a:defRPr>
+            </a:lvl3pPr>
+            <a:lvl4pPr marL="1371600" algn="l" rtl="0" eaLnBrk="0" fontAlgn="base" hangingPunct="0">
+              <a:spcBef>
+                <a:spcPct val="0"/>
+              </a:spcBef>
+              <a:spcAft>
+                <a:spcPct val="0"/>
+              </a:spcAft>
+              <a:defRPr sz="1400" kern="1200">
+                <a:solidFill>
+                  <a:srgbClr val="000000"/>
+                </a:solidFill>
+                <a:latin typeface="Arial" panose="020B0604020202020204" pitchFamily="34" charset="0"/>
+                <a:ea typeface="+mn-ea"/>
+                <a:cs typeface="Arial" panose="020B0604020202020204" pitchFamily="34" charset="0"/>
+                <a:sym typeface="Arial" panose="020B0604020202020204" pitchFamily="34" charset="0"/>
+              </a:defRPr>
+            </a:lvl4pPr>
+            <a:lvl5pPr marL="1828800" algn="l" rtl="0" eaLnBrk="0" fontAlgn="base" hangingPunct="0">
+              <a:spcBef>
+                <a:spcPct val="0"/>
+              </a:spcBef>
+              <a:spcAft>
+                <a:spcPct val="0"/>
+              </a:spcAft>
+              <a:defRPr sz="1400" kern="1200">
+                <a:solidFill>
+                  <a:srgbClr val="000000"/>
+                </a:solidFill>
+                <a:latin typeface="Arial" panose="020B0604020202020204" pitchFamily="34" charset="0"/>
+                <a:ea typeface="+mn-ea"/>
+                <a:cs typeface="Arial" panose="020B0604020202020204" pitchFamily="34" charset="0"/>
+                <a:sym typeface="Arial" panose="020B0604020202020204" pitchFamily="34" charset="0"/>
+              </a:defRPr>
+            </a:lvl5pPr>
+            <a:lvl6pPr marL="2286000" algn="l" defTabSz="914400" rtl="0" eaLnBrk="1" latinLnBrk="0" hangingPunct="1">
+              <a:defRPr sz="1400" kern="1200">
+                <a:solidFill>
+                  <a:srgbClr val="000000"/>
+                </a:solidFill>
+                <a:latin typeface="Arial" panose="020B0604020202020204" pitchFamily="34" charset="0"/>
+                <a:ea typeface="+mn-ea"/>
+                <a:cs typeface="Arial" panose="020B0604020202020204" pitchFamily="34" charset="0"/>
+                <a:sym typeface="Arial" panose="020B0604020202020204" pitchFamily="34" charset="0"/>
+              </a:defRPr>
+            </a:lvl6pPr>
+            <a:lvl7pPr marL="2743200" algn="l" defTabSz="914400" rtl="0" eaLnBrk="1" latinLnBrk="0" hangingPunct="1">
+              <a:defRPr sz="1400" kern="1200">
+                <a:solidFill>
+                  <a:srgbClr val="000000"/>
+                </a:solidFill>
+                <a:latin typeface="Arial" panose="020B0604020202020204" pitchFamily="34" charset="0"/>
+                <a:ea typeface="+mn-ea"/>
+                <a:cs typeface="Arial" panose="020B0604020202020204" pitchFamily="34" charset="0"/>
+                <a:sym typeface="Arial" panose="020B0604020202020204" pitchFamily="34" charset="0"/>
+              </a:defRPr>
+            </a:lvl7pPr>
+            <a:lvl8pPr marL="3200400" algn="l" defTabSz="914400" rtl="0" eaLnBrk="1" latinLnBrk="0" hangingPunct="1">
+              <a:defRPr sz="1400" kern="1200">
+                <a:solidFill>
+                  <a:srgbClr val="000000"/>
+                </a:solidFill>
+                <a:latin typeface="Arial" panose="020B0604020202020204" pitchFamily="34" charset="0"/>
+                <a:ea typeface="+mn-ea"/>
+                <a:cs typeface="Arial" panose="020B0604020202020204" pitchFamily="34" charset="0"/>
+                <a:sym typeface="Arial" panose="020B0604020202020204" pitchFamily="34" charset="0"/>
+              </a:defRPr>
+            </a:lvl8pPr>
+            <a:lvl9pPr marL="3657600" algn="l" defTabSz="914400" rtl="0" eaLnBrk="1" latinLnBrk="0" hangingPunct="1">
+              <a:defRPr sz="1400" kern="1200">
+                <a:solidFill>
+                  <a:srgbClr val="000000"/>
+                </a:solidFill>
+                <a:latin typeface="Arial" panose="020B0604020202020204" pitchFamily="34" charset="0"/>
+                <a:ea typeface="+mn-ea"/>
+                <a:cs typeface="Arial" panose="020B0604020202020204" pitchFamily="34" charset="0"/>
+                <a:sym typeface="Arial" panose="020B0604020202020204" pitchFamily="34" charset="0"/>
+              </a:defRPr>
+            </a:lvl9pPr>
+          </a:lstStyle>
+          <a:p>
+            <a:pPr>
+              <a:defRPr/>
+            </a:pPr>
+            <a:fld id="{FFB91C40-FCB9-4641-83DA-0013B503C4F6}" type="slidenum">
+              <a:rPr lang="en-US" altLang="en-US" smtClean="0"/>
+              <a:pPr>
+                <a:defRPr/>
+              </a:pPr>
+              <a:t>19</a:t>
+            </a:fld>
+            <a:endParaRPr lang="uk-UA" altLang="en-US" sz="1200">
+              <a:solidFill>
+                <a:srgbClr val="888888"/>
+              </a:solidFill>
+            </a:endParaRPr>
+          </a:p>
+        </p:txBody>
+      </p:sp>
+      <p:pic>
+        <p:nvPicPr>
+          <p:cNvPr id="30723" name="Picture 2" descr="Screen Shot 2019-06-09 at 3.46.55 PM.png">
+            <a:extLst>
+              <a:ext uri="{FF2B5EF4-FFF2-40B4-BE49-F238E27FC236}">
+                <a16:creationId xmlns:a16="http://schemas.microsoft.com/office/drawing/2014/main" id="{FB2122C0-C0C1-48E8-BA3F-973458CF38E2}"/>
+              </a:ext>
+            </a:extLst>
+          </p:cNvPr>
+          <p:cNvPicPr>
+            <a:picLocks noChangeAspect="1" noChangeArrowheads="1"/>
+          </p:cNvPicPr>
+          <p:nvPr/>
+        </p:nvPicPr>
+        <p:blipFill>
+          <a:blip r:embed="rId2">
+            <a:extLst>
+              <a:ext uri="{28A0092B-C50C-407E-A947-70E740481C1C}">
+                <a14:useLocalDpi xmlns:a14="http://schemas.microsoft.com/office/drawing/2010/main" val="0"/>
+              </a:ext>
+            </a:extLst>
+          </a:blip>
+          <a:srcRect/>
+          <a:stretch>
+            <a:fillRect/>
+          </a:stretch>
+        </p:blipFill>
+        <p:spPr bwMode="auto">
+          <a:xfrm>
+            <a:off x="731838" y="1397000"/>
+            <a:ext cx="6589712" cy="5075238"/>
+          </a:xfrm>
+          <a:prstGeom prst="rect">
+            <a:avLst/>
+          </a:prstGeom>
+          <a:noFill/>
+          <a:ln>
+            <a:noFill/>
+          </a:ln>
+          <a:extLst>
+            <a:ext uri="{909E8E84-426E-40DD-AFC4-6F175D3DCCD1}">
+              <a14:hiddenFill xmlns:a14="http://schemas.microsoft.com/office/drawing/2010/main">
+                <a:solidFill>
+                  <a:srgbClr val="FFFFFF"/>
+                </a:solidFill>
+              </a14:hiddenFill>
+            </a:ext>
+            <a:ext uri="{91240B29-F687-4F45-9708-019B960494DF}">
+              <a14:hiddenLine xmlns:a14="http://schemas.microsoft.com/office/drawing/2010/main" w="9525">
+                <a:solidFill>
+                  <a:srgbClr val="000000"/>
+                </a:solidFill>
+                <a:miter lim="800000"/>
+                <a:headEnd/>
+                <a:tailEnd/>
+              </a14:hiddenLine>
+            </a:ext>
+          </a:extLst>
+        </p:spPr>
+      </p:pic>
+      <p:sp>
+        <p:nvSpPr>
+          <p:cNvPr id="30725" name="Google Shape;241;p24">
+            <a:extLst>
+              <a:ext uri="{FF2B5EF4-FFF2-40B4-BE49-F238E27FC236}">
+                <a16:creationId xmlns:a16="http://schemas.microsoft.com/office/drawing/2014/main" id="{4289BA5D-DE9D-40EB-9BA5-3AF236EE11A5}"/>
+              </a:ext>
+            </a:extLst>
+          </p:cNvPr>
+          <p:cNvSpPr txBox="1">
+            <a:spLocks noChangeArrowheads="1"/>
+          </p:cNvSpPr>
+          <p:nvPr/>
+        </p:nvSpPr>
+        <p:spPr bwMode="auto">
+          <a:xfrm>
+            <a:off x="260350" y="241300"/>
+            <a:ext cx="7219950" cy="635000"/>
+          </a:xfrm>
+          <a:prstGeom prst="rect">
+            <a:avLst/>
+          </a:prstGeom>
+          <a:noFill/>
+          <a:ln w="9525">
+            <a:solidFill>
+              <a:schemeClr val="tx1"/>
+            </a:solidFill>
+            <a:round/>
+            <a:headEnd type="none" w="sm" len="sm"/>
+            <a:tailEnd type="none" w="sm" len="sm"/>
+          </a:ln>
+          <a:extLst>
+            <a:ext uri="{909E8E84-426E-40DD-AFC4-6F175D3DCCD1}">
+              <a14:hiddenFill xmlns:a14="http://schemas.microsoft.com/office/drawing/2010/main">
+                <a:solidFill>
+                  <a:srgbClr val="FFFFFF"/>
+                </a:solidFill>
+              </a14:hiddenFill>
+            </a:ext>
+          </a:extLst>
+        </p:spPr>
+        <p:txBody>
+          <a:bodyPr lIns="91425" tIns="45700" rIns="91425" bIns="45700" anchor="ctr"/>
+          <a:lstStyle>
+            <a:lvl1pPr>
+              <a:buClr>
+                <a:srgbClr val="000000"/>
+              </a:buClr>
+              <a:buFont typeface="Arial" panose="020B0604020202020204" pitchFamily="34" charset="0"/>
+              <a:defRPr sz="1400">
+                <a:solidFill>
+                  <a:srgbClr val="000000"/>
+                </a:solidFill>
+                <a:latin typeface="Arial" panose="020B0604020202020204" pitchFamily="34" charset="0"/>
+                <a:cs typeface="Arial" panose="020B0604020202020204" pitchFamily="34" charset="0"/>
+                <a:sym typeface="Arial" panose="020B0604020202020204" pitchFamily="34" charset="0"/>
+              </a:defRPr>
+            </a:lvl1pPr>
+            <a:lvl2pPr marL="742950" indent="-285750">
+              <a:buClr>
+                <a:srgbClr val="000000"/>
+              </a:buClr>
+              <a:buFont typeface="Arial" panose="020B0604020202020204" pitchFamily="34" charset="0"/>
+              <a:defRPr sz="1400">
+                <a:solidFill>
+                  <a:srgbClr val="000000"/>
+                </a:solidFill>
+                <a:latin typeface="Arial" panose="020B0604020202020204" pitchFamily="34" charset="0"/>
+                <a:cs typeface="Arial" panose="020B0604020202020204" pitchFamily="34" charset="0"/>
+                <a:sym typeface="Arial" panose="020B0604020202020204" pitchFamily="34" charset="0"/>
+              </a:defRPr>
+            </a:lvl2pPr>
+            <a:lvl3pPr marL="1143000" indent="-228600">
+              <a:buClr>
+                <a:srgbClr val="000000"/>
+              </a:buClr>
+              <a:buFont typeface="Arial" panose="020B0604020202020204" pitchFamily="34" charset="0"/>
+              <a:defRPr sz="1400">
+                <a:solidFill>
+                  <a:srgbClr val="000000"/>
+                </a:solidFill>
+                <a:latin typeface="Arial" panose="020B0604020202020204" pitchFamily="34" charset="0"/>
+                <a:cs typeface="Arial" panose="020B0604020202020204" pitchFamily="34" charset="0"/>
+                <a:sym typeface="Arial" panose="020B0604020202020204" pitchFamily="34" charset="0"/>
+              </a:defRPr>
+            </a:lvl3pPr>
+            <a:lvl4pPr marL="1600200" indent="-228600">
+              <a:buClr>
+                <a:srgbClr val="000000"/>
+              </a:buClr>
+              <a:buFont typeface="Arial" panose="020B0604020202020204" pitchFamily="34" charset="0"/>
+              <a:defRPr sz="1400">
+                <a:solidFill>
+                  <a:srgbClr val="000000"/>
+                </a:solidFill>
+                <a:latin typeface="Arial" panose="020B0604020202020204" pitchFamily="34" charset="0"/>
+                <a:cs typeface="Arial" panose="020B0604020202020204" pitchFamily="34" charset="0"/>
+                <a:sym typeface="Arial" panose="020B0604020202020204" pitchFamily="34" charset="0"/>
+              </a:defRPr>
+            </a:lvl4pPr>
+            <a:lvl5pPr marL="2057400" indent="-228600">
+              <a:buClr>
+                <a:srgbClr val="000000"/>
+              </a:buClr>
+              <a:buFont typeface="Arial" panose="020B0604020202020204" pitchFamily="34" charset="0"/>
+              <a:defRPr sz="1400">
+                <a:solidFill>
+                  <a:srgbClr val="000000"/>
+                </a:solidFill>
+                <a:latin typeface="Arial" panose="020B0604020202020204" pitchFamily="34" charset="0"/>
+                <a:cs typeface="Arial" panose="020B0604020202020204" pitchFamily="34" charset="0"/>
+                <a:sym typeface="Arial" panose="020B0604020202020204" pitchFamily="34" charset="0"/>
+              </a:defRPr>
+            </a:lvl5pPr>
+            <a:lvl6pPr marL="2514600" indent="-228600" eaLnBrk="0" fontAlgn="base" hangingPunct="0">
+              <a:spcBef>
+                <a:spcPct val="0"/>
+              </a:spcBef>
+              <a:spcAft>
+                <a:spcPct val="0"/>
+              </a:spcAft>
+              <a:buClr>
+                <a:srgbClr val="000000"/>
+              </a:buClr>
+              <a:buFont typeface="Arial" panose="020B0604020202020204" pitchFamily="34" charset="0"/>
+              <a:defRPr sz="1400">
+                <a:solidFill>
+                  <a:srgbClr val="000000"/>
+                </a:solidFill>
+                <a:latin typeface="Arial" panose="020B0604020202020204" pitchFamily="34" charset="0"/>
+                <a:cs typeface="Arial" panose="020B0604020202020204" pitchFamily="34" charset="0"/>
+                <a:sym typeface="Arial" panose="020B0604020202020204" pitchFamily="34" charset="0"/>
+              </a:defRPr>
+            </a:lvl6pPr>
+            <a:lvl7pPr marL="2971800" indent="-228600" eaLnBrk="0" fontAlgn="base" hangingPunct="0">
+              <a:spcBef>
+                <a:spcPct val="0"/>
+              </a:spcBef>
+              <a:spcAft>
+                <a:spcPct val="0"/>
+              </a:spcAft>
+              <a:buClr>
+                <a:srgbClr val="000000"/>
+              </a:buClr>
+              <a:buFont typeface="Arial" panose="020B0604020202020204" pitchFamily="34" charset="0"/>
+              <a:defRPr sz="1400">
+                <a:solidFill>
+                  <a:srgbClr val="000000"/>
+                </a:solidFill>
+                <a:latin typeface="Arial" panose="020B0604020202020204" pitchFamily="34" charset="0"/>
+                <a:cs typeface="Arial" panose="020B0604020202020204" pitchFamily="34" charset="0"/>
+                <a:sym typeface="Arial" panose="020B0604020202020204" pitchFamily="34" charset="0"/>
+              </a:defRPr>
+            </a:lvl7pPr>
+            <a:lvl8pPr marL="3429000" indent="-228600" eaLnBrk="0" fontAlgn="base" hangingPunct="0">
+              <a:spcBef>
+                <a:spcPct val="0"/>
+              </a:spcBef>
+              <a:spcAft>
+                <a:spcPct val="0"/>
+              </a:spcAft>
+              <a:buClr>
+                <a:srgbClr val="000000"/>
+              </a:buClr>
+              <a:buFont typeface="Arial" panose="020B0604020202020204" pitchFamily="34" charset="0"/>
+              <a:defRPr sz="1400">
+                <a:solidFill>
+                  <a:srgbClr val="000000"/>
+                </a:solidFill>
+                <a:latin typeface="Arial" panose="020B0604020202020204" pitchFamily="34" charset="0"/>
+                <a:cs typeface="Arial" panose="020B0604020202020204" pitchFamily="34" charset="0"/>
+                <a:sym typeface="Arial" panose="020B0604020202020204" pitchFamily="34" charset="0"/>
+              </a:defRPr>
+            </a:lvl8pPr>
+            <a:lvl9pPr marL="3886200" indent="-228600" eaLnBrk="0" fontAlgn="base" hangingPunct="0">
+              <a:spcBef>
+                <a:spcPct val="0"/>
+              </a:spcBef>
+              <a:spcAft>
+                <a:spcPct val="0"/>
+              </a:spcAft>
+              <a:buClr>
+                <a:srgbClr val="000000"/>
+              </a:buClr>
+              <a:buFont typeface="Arial" panose="020B0604020202020204" pitchFamily="34" charset="0"/>
+              <a:defRPr sz="1400">
+                <a:solidFill>
+                  <a:srgbClr val="000000"/>
+                </a:solidFill>
+                <a:latin typeface="Arial" panose="020B0604020202020204" pitchFamily="34" charset="0"/>
+                <a:cs typeface="Arial" panose="020B0604020202020204" pitchFamily="34" charset="0"/>
+                <a:sym typeface="Arial" panose="020B0604020202020204" pitchFamily="34" charset="0"/>
+              </a:defRPr>
+            </a:lvl9pPr>
+          </a:lstStyle>
+          <a:p>
+            <a:pPr eaLnBrk="1" hangingPunct="1">
+              <a:lnSpc>
+                <a:spcPct val="90000"/>
+              </a:lnSpc>
+              <a:buSzPts val="2800"/>
+              <a:buFont typeface="Helvetica Neue" charset="0"/>
+              <a:buNone/>
+            </a:pPr>
+            <a:r>
+              <a:rPr lang="en-US" altLang="en-US" sz="2800">
+                <a:latin typeface="Helvetica Neue" charset="0"/>
+                <a:cs typeface="Helvetica Neue" charset="0"/>
+                <a:sym typeface="Helvetica Neue" charset="0"/>
+              </a:rPr>
+              <a:t>Core Goals - Performance for Small Dataset</a:t>
+            </a:r>
+            <a:endParaRPr lang="en-US" altLang="en-US">
+              <a:cs typeface="Helvetica Neue" charset="0"/>
+            </a:endParaRPr>
+          </a:p>
+        </p:txBody>
+      </p:sp>
+      <p:pic>
+        <p:nvPicPr>
+          <p:cNvPr id="6" name="Picture 5">
+            <a:extLst>
+              <a:ext uri="{FF2B5EF4-FFF2-40B4-BE49-F238E27FC236}">
+                <a16:creationId xmlns:a16="http://schemas.microsoft.com/office/drawing/2014/main" id="{A4EBE12A-B170-444C-99A1-121412277BD4}"/>
+              </a:ext>
+            </a:extLst>
+          </p:cNvPr>
+          <p:cNvPicPr>
+            <a:picLocks noChangeAspect="1"/>
+          </p:cNvPicPr>
+          <p:nvPr/>
+        </p:nvPicPr>
+        <p:blipFill>
+          <a:blip r:embed="rId3"/>
+          <a:stretch>
+            <a:fillRect/>
+          </a:stretch>
+        </p:blipFill>
+        <p:spPr>
+          <a:xfrm>
+            <a:off x="10959428" y="136525"/>
+            <a:ext cx="1032088" cy="1226186"/>
+          </a:xfrm>
+          <a:prstGeom prst="rect">
+            <a:avLst/>
+          </a:prstGeom>
+        </p:spPr>
+      </p:pic>
+    </p:spTree>
   </p:cSld>
   <p:clrMapOvr>
     <a:masterClrMapping/>
@@ -12923,7 +13044,7 @@
                 <a:latin typeface="Arial" panose="020B0604020202020204" pitchFamily="34" charset="0"/>
                 <a:cs typeface="Arial" panose="020B0604020202020204" pitchFamily="34" charset="0"/>
               </a:rPr>
-              <a:t>Sprint 3 – Week 1 Presentation</a:t>
+              <a:t>Sprint 3 – Week 2 Presentation</a:t>
             </a:r>
           </a:p>
           <a:p>
@@ -13225,8 +13346,8 @@
         </p:nvSpPr>
         <p:spPr bwMode="auto">
           <a:xfrm>
-            <a:off x="201613" y="92075"/>
-            <a:ext cx="3545198" cy="714375"/>
+            <a:off x="201612" y="92075"/>
+            <a:ext cx="8408988" cy="714375"/>
           </a:xfrm>
           <a:prstGeom prst="rect">
             <a:avLst/>
@@ -13419,7 +13540,7 @@
                 <a:cs typeface="Helvetica Neue" charset="0"/>
                 <a:sym typeface="Helvetica Neue" charset="0"/>
               </a:rPr>
-              <a:t>Visualizations</a:t>
+              <a:t>Mathematics and Statistics supporting algorithms</a:t>
             </a:r>
             <a:endParaRPr lang="en-US" altLang="en-US" dirty="0">
               <a:cs typeface="Helvetica Neue" charset="0"/>
@@ -13878,7 +13999,7 @@
     </p:spTree>
     <p:extLst>
       <p:ext uri="{BB962C8B-B14F-4D97-AF65-F5344CB8AC3E}">
-        <p14:creationId xmlns:p14="http://schemas.microsoft.com/office/powerpoint/2010/main" val="3997748422"/>
+        <p14:creationId xmlns:p14="http://schemas.microsoft.com/office/powerpoint/2010/main" val="2003406305"/>
       </p:ext>
     </p:extLst>
   </p:cSld>
@@ -13907,10 +14028,434 @@
       </p:grpSpPr>
       <p:sp>
         <p:nvSpPr>
-          <p:cNvPr id="24579" name="Google Shape;231;p23">
+          <p:cNvPr id="11269" name="Google Shape;159;p18">
             <a:extLst>
               <a:ext uri="{FF2B5EF4-FFF2-40B4-BE49-F238E27FC236}">
-                <a16:creationId xmlns:a16="http://schemas.microsoft.com/office/drawing/2014/main" id="{350C80A0-B832-4796-B1DE-EE8C917973E9}"/>
+                <a16:creationId xmlns:a16="http://schemas.microsoft.com/office/drawing/2014/main" id="{2FCC923B-32C8-4F51-86C3-55498352DB11}"/>
+              </a:ext>
+            </a:extLst>
+          </p:cNvPr>
+          <p:cNvSpPr txBox="1">
+            <a:spLocks noChangeArrowheads="1"/>
+          </p:cNvSpPr>
+          <p:nvPr/>
+        </p:nvSpPr>
+        <p:spPr bwMode="auto">
+          <a:xfrm>
+            <a:off x="201612" y="92075"/>
+            <a:ext cx="7871871" cy="714375"/>
+          </a:xfrm>
+          <a:prstGeom prst="rect">
+            <a:avLst/>
+          </a:prstGeom>
+          <a:noFill/>
+          <a:ln w="9525">
+            <a:solidFill>
+              <a:schemeClr val="tx1"/>
+            </a:solidFill>
+            <a:round/>
+            <a:headEnd type="none" w="sm" len="sm"/>
+            <a:tailEnd type="none" w="sm" len="sm"/>
+          </a:ln>
+          <a:extLst>
+            <a:ext uri="{909E8E84-426E-40DD-AFC4-6F175D3DCCD1}">
+              <a14:hiddenFill xmlns:a14="http://schemas.microsoft.com/office/drawing/2010/main">
+                <a:solidFill>
+                  <a:srgbClr val="FFFFFF"/>
+                </a:solidFill>
+              </a14:hiddenFill>
+            </a:ext>
+          </a:extLst>
+        </p:spPr>
+        <p:txBody>
+          <a:bodyPr lIns="91425" tIns="45700" rIns="91425" bIns="45700" anchor="ctr"/>
+          <a:lstStyle>
+            <a:lvl1pPr>
+              <a:buClr>
+                <a:srgbClr val="000000"/>
+              </a:buClr>
+              <a:buFont typeface="Arial" panose="020B0604020202020204" pitchFamily="34" charset="0"/>
+              <a:defRPr sz="1400">
+                <a:solidFill>
+                  <a:srgbClr val="000000"/>
+                </a:solidFill>
+                <a:latin typeface="Arial" panose="020B0604020202020204" pitchFamily="34" charset="0"/>
+                <a:cs typeface="Arial" panose="020B0604020202020204" pitchFamily="34" charset="0"/>
+                <a:sym typeface="Arial" panose="020B0604020202020204" pitchFamily="34" charset="0"/>
+              </a:defRPr>
+            </a:lvl1pPr>
+            <a:lvl2pPr marL="742950" indent="-285750">
+              <a:buClr>
+                <a:srgbClr val="000000"/>
+              </a:buClr>
+              <a:buFont typeface="Arial" panose="020B0604020202020204" pitchFamily="34" charset="0"/>
+              <a:defRPr sz="1400">
+                <a:solidFill>
+                  <a:srgbClr val="000000"/>
+                </a:solidFill>
+                <a:latin typeface="Arial" panose="020B0604020202020204" pitchFamily="34" charset="0"/>
+                <a:cs typeface="Arial" panose="020B0604020202020204" pitchFamily="34" charset="0"/>
+                <a:sym typeface="Arial" panose="020B0604020202020204" pitchFamily="34" charset="0"/>
+              </a:defRPr>
+            </a:lvl2pPr>
+            <a:lvl3pPr marL="1143000" indent="-228600">
+              <a:buClr>
+                <a:srgbClr val="000000"/>
+              </a:buClr>
+              <a:buFont typeface="Arial" panose="020B0604020202020204" pitchFamily="34" charset="0"/>
+              <a:defRPr sz="1400">
+                <a:solidFill>
+                  <a:srgbClr val="000000"/>
+                </a:solidFill>
+                <a:latin typeface="Arial" panose="020B0604020202020204" pitchFamily="34" charset="0"/>
+                <a:cs typeface="Arial" panose="020B0604020202020204" pitchFamily="34" charset="0"/>
+                <a:sym typeface="Arial" panose="020B0604020202020204" pitchFamily="34" charset="0"/>
+              </a:defRPr>
+            </a:lvl3pPr>
+            <a:lvl4pPr marL="1600200" indent="-228600">
+              <a:buClr>
+                <a:srgbClr val="000000"/>
+              </a:buClr>
+              <a:buFont typeface="Arial" panose="020B0604020202020204" pitchFamily="34" charset="0"/>
+              <a:defRPr sz="1400">
+                <a:solidFill>
+                  <a:srgbClr val="000000"/>
+                </a:solidFill>
+                <a:latin typeface="Arial" panose="020B0604020202020204" pitchFamily="34" charset="0"/>
+                <a:cs typeface="Arial" panose="020B0604020202020204" pitchFamily="34" charset="0"/>
+                <a:sym typeface="Arial" panose="020B0604020202020204" pitchFamily="34" charset="0"/>
+              </a:defRPr>
+            </a:lvl4pPr>
+            <a:lvl5pPr marL="2057400" indent="-228600">
+              <a:buClr>
+                <a:srgbClr val="000000"/>
+              </a:buClr>
+              <a:buFont typeface="Arial" panose="020B0604020202020204" pitchFamily="34" charset="0"/>
+              <a:defRPr sz="1400">
+                <a:solidFill>
+                  <a:srgbClr val="000000"/>
+                </a:solidFill>
+                <a:latin typeface="Arial" panose="020B0604020202020204" pitchFamily="34" charset="0"/>
+                <a:cs typeface="Arial" panose="020B0604020202020204" pitchFamily="34" charset="0"/>
+                <a:sym typeface="Arial" panose="020B0604020202020204" pitchFamily="34" charset="0"/>
+              </a:defRPr>
+            </a:lvl5pPr>
+            <a:lvl6pPr marL="2514600" indent="-228600" eaLnBrk="0" fontAlgn="base" hangingPunct="0">
+              <a:spcBef>
+                <a:spcPct val="0"/>
+              </a:spcBef>
+              <a:spcAft>
+                <a:spcPct val="0"/>
+              </a:spcAft>
+              <a:buClr>
+                <a:srgbClr val="000000"/>
+              </a:buClr>
+              <a:buFont typeface="Arial" panose="020B0604020202020204" pitchFamily="34" charset="0"/>
+              <a:defRPr sz="1400">
+                <a:solidFill>
+                  <a:srgbClr val="000000"/>
+                </a:solidFill>
+                <a:latin typeface="Arial" panose="020B0604020202020204" pitchFamily="34" charset="0"/>
+                <a:cs typeface="Arial" panose="020B0604020202020204" pitchFamily="34" charset="0"/>
+                <a:sym typeface="Arial" panose="020B0604020202020204" pitchFamily="34" charset="0"/>
+              </a:defRPr>
+            </a:lvl6pPr>
+            <a:lvl7pPr marL="2971800" indent="-228600" eaLnBrk="0" fontAlgn="base" hangingPunct="0">
+              <a:spcBef>
+                <a:spcPct val="0"/>
+              </a:spcBef>
+              <a:spcAft>
+                <a:spcPct val="0"/>
+              </a:spcAft>
+              <a:buClr>
+                <a:srgbClr val="000000"/>
+              </a:buClr>
+              <a:buFont typeface="Arial" panose="020B0604020202020204" pitchFamily="34" charset="0"/>
+              <a:defRPr sz="1400">
+                <a:solidFill>
+                  <a:srgbClr val="000000"/>
+                </a:solidFill>
+                <a:latin typeface="Arial" panose="020B0604020202020204" pitchFamily="34" charset="0"/>
+                <a:cs typeface="Arial" panose="020B0604020202020204" pitchFamily="34" charset="0"/>
+                <a:sym typeface="Arial" panose="020B0604020202020204" pitchFamily="34" charset="0"/>
+              </a:defRPr>
+            </a:lvl7pPr>
+            <a:lvl8pPr marL="3429000" indent="-228600" eaLnBrk="0" fontAlgn="base" hangingPunct="0">
+              <a:spcBef>
+                <a:spcPct val="0"/>
+              </a:spcBef>
+              <a:spcAft>
+                <a:spcPct val="0"/>
+              </a:spcAft>
+              <a:buClr>
+                <a:srgbClr val="000000"/>
+              </a:buClr>
+              <a:buFont typeface="Arial" panose="020B0604020202020204" pitchFamily="34" charset="0"/>
+              <a:defRPr sz="1400">
+                <a:solidFill>
+                  <a:srgbClr val="000000"/>
+                </a:solidFill>
+                <a:latin typeface="Arial" panose="020B0604020202020204" pitchFamily="34" charset="0"/>
+                <a:cs typeface="Arial" panose="020B0604020202020204" pitchFamily="34" charset="0"/>
+                <a:sym typeface="Arial" panose="020B0604020202020204" pitchFamily="34" charset="0"/>
+              </a:defRPr>
+            </a:lvl8pPr>
+            <a:lvl9pPr marL="3886200" indent="-228600" eaLnBrk="0" fontAlgn="base" hangingPunct="0">
+              <a:spcBef>
+                <a:spcPct val="0"/>
+              </a:spcBef>
+              <a:spcAft>
+                <a:spcPct val="0"/>
+              </a:spcAft>
+              <a:buClr>
+                <a:srgbClr val="000000"/>
+              </a:buClr>
+              <a:buFont typeface="Arial" panose="020B0604020202020204" pitchFamily="34" charset="0"/>
+              <a:defRPr sz="1400">
+                <a:solidFill>
+                  <a:srgbClr val="000000"/>
+                </a:solidFill>
+                <a:latin typeface="Arial" panose="020B0604020202020204" pitchFamily="34" charset="0"/>
+                <a:cs typeface="Arial" panose="020B0604020202020204" pitchFamily="34" charset="0"/>
+                <a:sym typeface="Arial" panose="020B0604020202020204" pitchFamily="34" charset="0"/>
+              </a:defRPr>
+            </a:lvl9pPr>
+          </a:lstStyle>
+          <a:p>
+            <a:pPr algn="ctr" eaLnBrk="1" hangingPunct="1">
+              <a:lnSpc>
+                <a:spcPct val="90000"/>
+              </a:lnSpc>
+              <a:buSzPts val="2800"/>
+              <a:buFont typeface="Helvetica Neue" charset="0"/>
+              <a:buNone/>
+            </a:pPr>
+            <a:r>
+              <a:rPr lang="en-US" altLang="en-US" sz="2800" dirty="0">
+                <a:latin typeface="Helvetica Neue" charset="0"/>
+                <a:cs typeface="Helvetica Neue" charset="0"/>
+                <a:sym typeface="Helvetica Neue" charset="0"/>
+              </a:rPr>
+              <a:t>Implementation and Comparison of algorithms</a:t>
+            </a:r>
+            <a:endParaRPr lang="en-US" altLang="en-US" dirty="0">
+              <a:cs typeface="Helvetica Neue" charset="0"/>
+            </a:endParaRPr>
+          </a:p>
+        </p:txBody>
+      </p:sp>
+      <p:sp>
+        <p:nvSpPr>
+          <p:cNvPr id="11270" name="Google Shape;160;p18">
+            <a:extLst>
+              <a:ext uri="{FF2B5EF4-FFF2-40B4-BE49-F238E27FC236}">
+                <a16:creationId xmlns:a16="http://schemas.microsoft.com/office/drawing/2014/main" id="{69D5B5AA-0168-4A6C-AB0D-4374FAAD81FE}"/>
+              </a:ext>
+            </a:extLst>
+          </p:cNvPr>
+          <p:cNvSpPr txBox="1">
+            <a:spLocks noChangeArrowheads="1"/>
+          </p:cNvSpPr>
+          <p:nvPr/>
+        </p:nvSpPr>
+        <p:spPr bwMode="auto">
+          <a:xfrm>
+            <a:off x="3092450" y="69850"/>
+            <a:ext cx="6777038" cy="1200150"/>
+          </a:xfrm>
+          <a:prstGeom prst="rect">
+            <a:avLst/>
+          </a:prstGeom>
+          <a:noFill/>
+          <a:ln>
+            <a:noFill/>
+          </a:ln>
+          <a:extLst>
+            <a:ext uri="{909E8E84-426E-40DD-AFC4-6F175D3DCCD1}">
+              <a14:hiddenFill xmlns:a14="http://schemas.microsoft.com/office/drawing/2010/main">
+                <a:solidFill>
+                  <a:srgbClr val="FFFFFF"/>
+                </a:solidFill>
+              </a14:hiddenFill>
+            </a:ext>
+            <a:ext uri="{91240B29-F687-4F45-9708-019B960494DF}">
+              <a14:hiddenLine xmlns:a14="http://schemas.microsoft.com/office/drawing/2010/main" w="9525">
+                <a:solidFill>
+                  <a:srgbClr val="000000"/>
+                </a:solidFill>
+                <a:miter lim="800000"/>
+                <a:headEnd/>
+                <a:tailEnd/>
+              </a14:hiddenLine>
+            </a:ext>
+          </a:extLst>
+        </p:spPr>
+        <p:txBody>
+          <a:bodyPr lIns="91425" tIns="45700" rIns="91425" bIns="45700"/>
+          <a:lstStyle>
+            <a:lvl1pPr>
+              <a:buClr>
+                <a:srgbClr val="000000"/>
+              </a:buClr>
+              <a:buFont typeface="Arial" panose="020B0604020202020204" pitchFamily="34" charset="0"/>
+              <a:defRPr sz="1400">
+                <a:solidFill>
+                  <a:srgbClr val="000000"/>
+                </a:solidFill>
+                <a:latin typeface="Arial" panose="020B0604020202020204" pitchFamily="34" charset="0"/>
+                <a:cs typeface="Arial" panose="020B0604020202020204" pitchFamily="34" charset="0"/>
+                <a:sym typeface="Arial" panose="020B0604020202020204" pitchFamily="34" charset="0"/>
+              </a:defRPr>
+            </a:lvl1pPr>
+            <a:lvl2pPr marL="742950" indent="-285750">
+              <a:buClr>
+                <a:srgbClr val="000000"/>
+              </a:buClr>
+              <a:buFont typeface="Arial" panose="020B0604020202020204" pitchFamily="34" charset="0"/>
+              <a:defRPr sz="1400">
+                <a:solidFill>
+                  <a:srgbClr val="000000"/>
+                </a:solidFill>
+                <a:latin typeface="Arial" panose="020B0604020202020204" pitchFamily="34" charset="0"/>
+                <a:cs typeface="Arial" panose="020B0604020202020204" pitchFamily="34" charset="0"/>
+                <a:sym typeface="Arial" panose="020B0604020202020204" pitchFamily="34" charset="0"/>
+              </a:defRPr>
+            </a:lvl2pPr>
+            <a:lvl3pPr marL="1143000" indent="-228600">
+              <a:buClr>
+                <a:srgbClr val="000000"/>
+              </a:buClr>
+              <a:buFont typeface="Arial" panose="020B0604020202020204" pitchFamily="34" charset="0"/>
+              <a:defRPr sz="1400">
+                <a:solidFill>
+                  <a:srgbClr val="000000"/>
+                </a:solidFill>
+                <a:latin typeface="Arial" panose="020B0604020202020204" pitchFamily="34" charset="0"/>
+                <a:cs typeface="Arial" panose="020B0604020202020204" pitchFamily="34" charset="0"/>
+                <a:sym typeface="Arial" panose="020B0604020202020204" pitchFamily="34" charset="0"/>
+              </a:defRPr>
+            </a:lvl3pPr>
+            <a:lvl4pPr marL="1600200" indent="-228600">
+              <a:buClr>
+                <a:srgbClr val="000000"/>
+              </a:buClr>
+              <a:buFont typeface="Arial" panose="020B0604020202020204" pitchFamily="34" charset="0"/>
+              <a:defRPr sz="1400">
+                <a:solidFill>
+                  <a:srgbClr val="000000"/>
+                </a:solidFill>
+                <a:latin typeface="Arial" panose="020B0604020202020204" pitchFamily="34" charset="0"/>
+                <a:cs typeface="Arial" panose="020B0604020202020204" pitchFamily="34" charset="0"/>
+                <a:sym typeface="Arial" panose="020B0604020202020204" pitchFamily="34" charset="0"/>
+              </a:defRPr>
+            </a:lvl4pPr>
+            <a:lvl5pPr marL="2057400" indent="-228600">
+              <a:buClr>
+                <a:srgbClr val="000000"/>
+              </a:buClr>
+              <a:buFont typeface="Arial" panose="020B0604020202020204" pitchFamily="34" charset="0"/>
+              <a:defRPr sz="1400">
+                <a:solidFill>
+                  <a:srgbClr val="000000"/>
+                </a:solidFill>
+                <a:latin typeface="Arial" panose="020B0604020202020204" pitchFamily="34" charset="0"/>
+                <a:cs typeface="Arial" panose="020B0604020202020204" pitchFamily="34" charset="0"/>
+                <a:sym typeface="Arial" panose="020B0604020202020204" pitchFamily="34" charset="0"/>
+              </a:defRPr>
+            </a:lvl5pPr>
+            <a:lvl6pPr marL="2514600" indent="-228600" eaLnBrk="0" fontAlgn="base" hangingPunct="0">
+              <a:spcBef>
+                <a:spcPct val="0"/>
+              </a:spcBef>
+              <a:spcAft>
+                <a:spcPct val="0"/>
+              </a:spcAft>
+              <a:buClr>
+                <a:srgbClr val="000000"/>
+              </a:buClr>
+              <a:buFont typeface="Arial" panose="020B0604020202020204" pitchFamily="34" charset="0"/>
+              <a:defRPr sz="1400">
+                <a:solidFill>
+                  <a:srgbClr val="000000"/>
+                </a:solidFill>
+                <a:latin typeface="Arial" panose="020B0604020202020204" pitchFamily="34" charset="0"/>
+                <a:cs typeface="Arial" panose="020B0604020202020204" pitchFamily="34" charset="0"/>
+                <a:sym typeface="Arial" panose="020B0604020202020204" pitchFamily="34" charset="0"/>
+              </a:defRPr>
+            </a:lvl6pPr>
+            <a:lvl7pPr marL="2971800" indent="-228600" eaLnBrk="0" fontAlgn="base" hangingPunct="0">
+              <a:spcBef>
+                <a:spcPct val="0"/>
+              </a:spcBef>
+              <a:spcAft>
+                <a:spcPct val="0"/>
+              </a:spcAft>
+              <a:buClr>
+                <a:srgbClr val="000000"/>
+              </a:buClr>
+              <a:buFont typeface="Arial" panose="020B0604020202020204" pitchFamily="34" charset="0"/>
+              <a:defRPr sz="1400">
+                <a:solidFill>
+                  <a:srgbClr val="000000"/>
+                </a:solidFill>
+                <a:latin typeface="Arial" panose="020B0604020202020204" pitchFamily="34" charset="0"/>
+                <a:cs typeface="Arial" panose="020B0604020202020204" pitchFamily="34" charset="0"/>
+                <a:sym typeface="Arial" panose="020B0604020202020204" pitchFamily="34" charset="0"/>
+              </a:defRPr>
+            </a:lvl7pPr>
+            <a:lvl8pPr marL="3429000" indent="-228600" eaLnBrk="0" fontAlgn="base" hangingPunct="0">
+              <a:spcBef>
+                <a:spcPct val="0"/>
+              </a:spcBef>
+              <a:spcAft>
+                <a:spcPct val="0"/>
+              </a:spcAft>
+              <a:buClr>
+                <a:srgbClr val="000000"/>
+              </a:buClr>
+              <a:buFont typeface="Arial" panose="020B0604020202020204" pitchFamily="34" charset="0"/>
+              <a:defRPr sz="1400">
+                <a:solidFill>
+                  <a:srgbClr val="000000"/>
+                </a:solidFill>
+                <a:latin typeface="Arial" panose="020B0604020202020204" pitchFamily="34" charset="0"/>
+                <a:cs typeface="Arial" panose="020B0604020202020204" pitchFamily="34" charset="0"/>
+                <a:sym typeface="Arial" panose="020B0604020202020204" pitchFamily="34" charset="0"/>
+              </a:defRPr>
+            </a:lvl8pPr>
+            <a:lvl9pPr marL="3886200" indent="-228600" eaLnBrk="0" fontAlgn="base" hangingPunct="0">
+              <a:spcBef>
+                <a:spcPct val="0"/>
+              </a:spcBef>
+              <a:spcAft>
+                <a:spcPct val="0"/>
+              </a:spcAft>
+              <a:buClr>
+                <a:srgbClr val="000000"/>
+              </a:buClr>
+              <a:buFont typeface="Arial" panose="020B0604020202020204" pitchFamily="34" charset="0"/>
+              <a:defRPr sz="1400">
+                <a:solidFill>
+                  <a:srgbClr val="000000"/>
+                </a:solidFill>
+                <a:latin typeface="Arial" panose="020B0604020202020204" pitchFamily="34" charset="0"/>
+                <a:cs typeface="Arial" panose="020B0604020202020204" pitchFamily="34" charset="0"/>
+                <a:sym typeface="Arial" panose="020B0604020202020204" pitchFamily="34" charset="0"/>
+              </a:defRPr>
+            </a:lvl9pPr>
+          </a:lstStyle>
+          <a:p>
+            <a:pPr eaLnBrk="1" hangingPunct="1"/>
+            <a:endParaRPr lang="en-US" altLang="en-US"/>
+          </a:p>
+        </p:txBody>
+      </p:sp>
+      <p:sp>
+        <p:nvSpPr>
+          <p:cNvPr id="11271" name="Google Shape;161;p18">
+            <a:extLst>
+              <a:ext uri="{FF2B5EF4-FFF2-40B4-BE49-F238E27FC236}">
+                <a16:creationId xmlns:a16="http://schemas.microsoft.com/office/drawing/2014/main" id="{238C9E5D-5A7F-4F4F-B37A-7568517167CA}"/>
               </a:ext>
             </a:extLst>
           </p:cNvPr>
@@ -14117,562 +14662,12 @@
           </a:p>
         </p:txBody>
       </p:sp>
-      <p:sp>
-        <p:nvSpPr>
-          <p:cNvPr id="24580" name="Google Shape;232;p23">
+      <p:pic>
+        <p:nvPicPr>
+          <p:cNvPr id="9" name="Picture 8">
             <a:extLst>
               <a:ext uri="{FF2B5EF4-FFF2-40B4-BE49-F238E27FC236}">
-                <a16:creationId xmlns:a16="http://schemas.microsoft.com/office/drawing/2014/main" id="{B8E31E7C-867A-47AA-9946-1E677A8F0ADB}"/>
-              </a:ext>
-            </a:extLst>
-          </p:cNvPr>
-          <p:cNvSpPr txBox="1">
-            <a:spLocks noChangeArrowheads="1"/>
-          </p:cNvSpPr>
-          <p:nvPr/>
-        </p:nvSpPr>
-        <p:spPr bwMode="auto">
-          <a:xfrm>
-            <a:off x="201613" y="92075"/>
-            <a:ext cx="6608762" cy="714375"/>
-          </a:xfrm>
-          <a:prstGeom prst="rect">
-            <a:avLst/>
-          </a:prstGeom>
-          <a:noFill/>
-          <a:ln w="9525">
-            <a:solidFill>
-              <a:schemeClr val="tx1"/>
-            </a:solidFill>
-            <a:round/>
-            <a:headEnd type="none" w="sm" len="sm"/>
-            <a:tailEnd type="none" w="sm" len="sm"/>
-          </a:ln>
-          <a:extLst>
-            <a:ext uri="{909E8E84-426E-40DD-AFC4-6F175D3DCCD1}">
-              <a14:hiddenFill xmlns:a14="http://schemas.microsoft.com/office/drawing/2010/main">
-                <a:solidFill>
-                  <a:srgbClr val="FFFFFF"/>
-                </a:solidFill>
-              </a14:hiddenFill>
-            </a:ext>
-          </a:extLst>
-        </p:spPr>
-        <p:txBody>
-          <a:bodyPr lIns="91425" tIns="45700" rIns="91425" bIns="45700" anchor="ctr"/>
-          <a:lstStyle>
-            <a:lvl1pPr>
-              <a:buClr>
-                <a:srgbClr val="000000"/>
-              </a:buClr>
-              <a:buFont typeface="Arial" panose="020B0604020202020204" pitchFamily="34" charset="0"/>
-              <a:defRPr sz="1400">
-                <a:solidFill>
-                  <a:srgbClr val="000000"/>
-                </a:solidFill>
-                <a:latin typeface="Arial" panose="020B0604020202020204" pitchFamily="34" charset="0"/>
-                <a:cs typeface="Arial" panose="020B0604020202020204" pitchFamily="34" charset="0"/>
-                <a:sym typeface="Arial" panose="020B0604020202020204" pitchFamily="34" charset="0"/>
-              </a:defRPr>
-            </a:lvl1pPr>
-            <a:lvl2pPr marL="742950" indent="-285750">
-              <a:buClr>
-                <a:srgbClr val="000000"/>
-              </a:buClr>
-              <a:buFont typeface="Arial" panose="020B0604020202020204" pitchFamily="34" charset="0"/>
-              <a:defRPr sz="1400">
-                <a:solidFill>
-                  <a:srgbClr val="000000"/>
-                </a:solidFill>
-                <a:latin typeface="Arial" panose="020B0604020202020204" pitchFamily="34" charset="0"/>
-                <a:cs typeface="Arial" panose="020B0604020202020204" pitchFamily="34" charset="0"/>
-                <a:sym typeface="Arial" panose="020B0604020202020204" pitchFamily="34" charset="0"/>
-              </a:defRPr>
-            </a:lvl2pPr>
-            <a:lvl3pPr marL="1143000" indent="-228600">
-              <a:buClr>
-                <a:srgbClr val="000000"/>
-              </a:buClr>
-              <a:buFont typeface="Arial" panose="020B0604020202020204" pitchFamily="34" charset="0"/>
-              <a:defRPr sz="1400">
-                <a:solidFill>
-                  <a:srgbClr val="000000"/>
-                </a:solidFill>
-                <a:latin typeface="Arial" panose="020B0604020202020204" pitchFamily="34" charset="0"/>
-                <a:cs typeface="Arial" panose="020B0604020202020204" pitchFamily="34" charset="0"/>
-                <a:sym typeface="Arial" panose="020B0604020202020204" pitchFamily="34" charset="0"/>
-              </a:defRPr>
-            </a:lvl3pPr>
-            <a:lvl4pPr marL="1600200" indent="-228600">
-              <a:buClr>
-                <a:srgbClr val="000000"/>
-              </a:buClr>
-              <a:buFont typeface="Arial" panose="020B0604020202020204" pitchFamily="34" charset="0"/>
-              <a:defRPr sz="1400">
-                <a:solidFill>
-                  <a:srgbClr val="000000"/>
-                </a:solidFill>
-                <a:latin typeface="Arial" panose="020B0604020202020204" pitchFamily="34" charset="0"/>
-                <a:cs typeface="Arial" panose="020B0604020202020204" pitchFamily="34" charset="0"/>
-                <a:sym typeface="Arial" panose="020B0604020202020204" pitchFamily="34" charset="0"/>
-              </a:defRPr>
-            </a:lvl4pPr>
-            <a:lvl5pPr marL="2057400" indent="-228600">
-              <a:buClr>
-                <a:srgbClr val="000000"/>
-              </a:buClr>
-              <a:buFont typeface="Arial" panose="020B0604020202020204" pitchFamily="34" charset="0"/>
-              <a:defRPr sz="1400">
-                <a:solidFill>
-                  <a:srgbClr val="000000"/>
-                </a:solidFill>
-                <a:latin typeface="Arial" panose="020B0604020202020204" pitchFamily="34" charset="0"/>
-                <a:cs typeface="Arial" panose="020B0604020202020204" pitchFamily="34" charset="0"/>
-                <a:sym typeface="Arial" panose="020B0604020202020204" pitchFamily="34" charset="0"/>
-              </a:defRPr>
-            </a:lvl5pPr>
-            <a:lvl6pPr marL="2514600" indent="-228600" eaLnBrk="0" fontAlgn="base" hangingPunct="0">
-              <a:spcBef>
-                <a:spcPct val="0"/>
-              </a:spcBef>
-              <a:spcAft>
-                <a:spcPct val="0"/>
-              </a:spcAft>
-              <a:buClr>
-                <a:srgbClr val="000000"/>
-              </a:buClr>
-              <a:buFont typeface="Arial" panose="020B0604020202020204" pitchFamily="34" charset="0"/>
-              <a:defRPr sz="1400">
-                <a:solidFill>
-                  <a:srgbClr val="000000"/>
-                </a:solidFill>
-                <a:latin typeface="Arial" panose="020B0604020202020204" pitchFamily="34" charset="0"/>
-                <a:cs typeface="Arial" panose="020B0604020202020204" pitchFamily="34" charset="0"/>
-                <a:sym typeface="Arial" panose="020B0604020202020204" pitchFamily="34" charset="0"/>
-              </a:defRPr>
-            </a:lvl6pPr>
-            <a:lvl7pPr marL="2971800" indent="-228600" eaLnBrk="0" fontAlgn="base" hangingPunct="0">
-              <a:spcBef>
-                <a:spcPct val="0"/>
-              </a:spcBef>
-              <a:spcAft>
-                <a:spcPct val="0"/>
-              </a:spcAft>
-              <a:buClr>
-                <a:srgbClr val="000000"/>
-              </a:buClr>
-              <a:buFont typeface="Arial" panose="020B0604020202020204" pitchFamily="34" charset="0"/>
-              <a:defRPr sz="1400">
-                <a:solidFill>
-                  <a:srgbClr val="000000"/>
-                </a:solidFill>
-                <a:latin typeface="Arial" panose="020B0604020202020204" pitchFamily="34" charset="0"/>
-                <a:cs typeface="Arial" panose="020B0604020202020204" pitchFamily="34" charset="0"/>
-                <a:sym typeface="Arial" panose="020B0604020202020204" pitchFamily="34" charset="0"/>
-              </a:defRPr>
-            </a:lvl7pPr>
-            <a:lvl8pPr marL="3429000" indent="-228600" eaLnBrk="0" fontAlgn="base" hangingPunct="0">
-              <a:spcBef>
-                <a:spcPct val="0"/>
-              </a:spcBef>
-              <a:spcAft>
-                <a:spcPct val="0"/>
-              </a:spcAft>
-              <a:buClr>
-                <a:srgbClr val="000000"/>
-              </a:buClr>
-              <a:buFont typeface="Arial" panose="020B0604020202020204" pitchFamily="34" charset="0"/>
-              <a:defRPr sz="1400">
-                <a:solidFill>
-                  <a:srgbClr val="000000"/>
-                </a:solidFill>
-                <a:latin typeface="Arial" panose="020B0604020202020204" pitchFamily="34" charset="0"/>
-                <a:cs typeface="Arial" panose="020B0604020202020204" pitchFamily="34" charset="0"/>
-                <a:sym typeface="Arial" panose="020B0604020202020204" pitchFamily="34" charset="0"/>
-              </a:defRPr>
-            </a:lvl8pPr>
-            <a:lvl9pPr marL="3886200" indent="-228600" eaLnBrk="0" fontAlgn="base" hangingPunct="0">
-              <a:spcBef>
-                <a:spcPct val="0"/>
-              </a:spcBef>
-              <a:spcAft>
-                <a:spcPct val="0"/>
-              </a:spcAft>
-              <a:buClr>
-                <a:srgbClr val="000000"/>
-              </a:buClr>
-              <a:buFont typeface="Arial" panose="020B0604020202020204" pitchFamily="34" charset="0"/>
-              <a:defRPr sz="1400">
-                <a:solidFill>
-                  <a:srgbClr val="000000"/>
-                </a:solidFill>
-                <a:latin typeface="Arial" panose="020B0604020202020204" pitchFamily="34" charset="0"/>
-                <a:cs typeface="Arial" panose="020B0604020202020204" pitchFamily="34" charset="0"/>
-                <a:sym typeface="Arial" panose="020B0604020202020204" pitchFamily="34" charset="0"/>
-              </a:defRPr>
-            </a:lvl9pPr>
-          </a:lstStyle>
-          <a:p>
-            <a:pPr algn="ctr" eaLnBrk="1" hangingPunct="1">
-              <a:lnSpc>
-                <a:spcPct val="90000"/>
-              </a:lnSpc>
-              <a:buSzPts val="2800"/>
-              <a:buFont typeface="Helvetica Neue" charset="0"/>
-              <a:buNone/>
-            </a:pPr>
-            <a:r>
-              <a:rPr lang="en-US" altLang="en-US" sz="2800">
-                <a:latin typeface="Helvetica Neue" charset="0"/>
-                <a:cs typeface="Helvetica Neue" charset="0"/>
-                <a:sym typeface="Helvetica Neue" charset="0"/>
-              </a:rPr>
-              <a:t>Understanding of Potential Algorithms</a:t>
-            </a:r>
-            <a:endParaRPr lang="en-US" altLang="en-US">
-              <a:cs typeface="Helvetica Neue" charset="0"/>
-            </a:endParaRPr>
-          </a:p>
-        </p:txBody>
-      </p:sp>
-      <p:sp>
-        <p:nvSpPr>
-          <p:cNvPr id="233" name="Google Shape;233;p23">
-            <a:extLst>
-              <a:ext uri="{FF2B5EF4-FFF2-40B4-BE49-F238E27FC236}">
-                <a16:creationId xmlns:a16="http://schemas.microsoft.com/office/drawing/2014/main" id="{5DDB50DE-F9D5-4A62-AB96-36CC529C12F6}"/>
-              </a:ext>
-            </a:extLst>
-          </p:cNvPr>
-          <p:cNvSpPr txBox="1"/>
-          <p:nvPr/>
-        </p:nvSpPr>
-        <p:spPr>
-          <a:xfrm>
-            <a:off x="431800" y="866775"/>
-            <a:ext cx="8013700" cy="4702175"/>
-          </a:xfrm>
-          <a:prstGeom prst="rect">
-            <a:avLst/>
-          </a:prstGeom>
-          <a:noFill/>
-          <a:ln>
-            <a:noFill/>
-          </a:ln>
-        </p:spPr>
-        <p:txBody>
-          <a:bodyPr spcFirstLastPara="1" lIns="91425" tIns="45700" rIns="91425" bIns="45700"/>
-          <a:lstStyle/>
-          <a:p>
-            <a:pPr marL="342900" indent="-342900" eaLnBrk="1" fontAlgn="auto" hangingPunct="1">
-              <a:lnSpc>
-                <a:spcPct val="200000"/>
-              </a:lnSpc>
-              <a:spcBef>
-                <a:spcPts val="0"/>
-              </a:spcBef>
-              <a:spcAft>
-                <a:spcPts val="0"/>
-              </a:spcAft>
-              <a:buClr>
-                <a:schemeClr val="dk1"/>
-              </a:buClr>
-              <a:buSzPts val="2100"/>
-              <a:buFont typeface="Wingdings" panose="05000000000000000000" pitchFamily="2" charset="2"/>
-              <a:buChar char="q"/>
-              <a:defRPr/>
-            </a:pPr>
-            <a:r>
-              <a:rPr lang="en-US" sz="2100" kern="0" dirty="0" err="1">
-                <a:solidFill>
-                  <a:schemeClr val="dk1"/>
-                </a:solidFill>
-                <a:ea typeface="Arial"/>
-                <a:cs typeface="Arial"/>
-                <a:sym typeface="Arial"/>
-              </a:rPr>
-              <a:t>SafariBooksOnline</a:t>
-            </a:r>
-            <a:endParaRPr lang="en-US" sz="2100" kern="0" dirty="0">
-              <a:solidFill>
-                <a:schemeClr val="dk1"/>
-              </a:solidFill>
-              <a:ea typeface="Arial"/>
-              <a:cs typeface="Arial"/>
-              <a:sym typeface="Arial"/>
-            </a:endParaRPr>
-          </a:p>
-          <a:p>
-            <a:pPr marL="742950" lvl="1" indent="-285750">
-              <a:buClr>
-                <a:schemeClr val="dk1"/>
-              </a:buClr>
-              <a:buSzPts val="2100"/>
-              <a:buFont typeface="Wingdings" panose="05000000000000000000" pitchFamily="2" charset="2"/>
-              <a:buChar char="§"/>
-              <a:defRPr/>
-            </a:pPr>
-            <a:r>
-              <a:rPr lang="en-US" kern="0" dirty="0">
-                <a:solidFill>
-                  <a:schemeClr val="dk1"/>
-                </a:solidFill>
-                <a:cs typeface="Arial"/>
-              </a:rPr>
-              <a:t>Deep Learning with TensorFlow: Applications of Deep Neural Networks to Machine Learning Task – Jon </a:t>
-            </a:r>
-            <a:r>
-              <a:rPr lang="en-US" kern="0" dirty="0" err="1">
-                <a:solidFill>
-                  <a:schemeClr val="dk1"/>
-                </a:solidFill>
-                <a:cs typeface="Arial"/>
-              </a:rPr>
-              <a:t>Krohn</a:t>
-            </a:r>
-            <a:endParaRPr lang="en-US" sz="2100" kern="0" dirty="0">
-              <a:solidFill>
-                <a:schemeClr val="dk1"/>
-              </a:solidFill>
-              <a:ea typeface="Arial"/>
-              <a:cs typeface="Arial"/>
-              <a:sym typeface="Arial"/>
-            </a:endParaRPr>
-          </a:p>
-          <a:p>
-            <a:pPr marL="342900" indent="-342900" eaLnBrk="1" fontAlgn="auto" hangingPunct="1">
-              <a:spcBef>
-                <a:spcPts val="0"/>
-              </a:spcBef>
-              <a:spcAft>
-                <a:spcPts val="0"/>
-              </a:spcAft>
-              <a:buClr>
-                <a:schemeClr val="dk1"/>
-              </a:buClr>
-              <a:buSzPts val="2100"/>
-              <a:buFont typeface="Wingdings" panose="05000000000000000000" pitchFamily="2" charset="2"/>
-              <a:buChar char="q"/>
-              <a:defRPr/>
-            </a:pPr>
-            <a:r>
-              <a:rPr lang="en-US" sz="2100" kern="0" dirty="0">
-                <a:solidFill>
-                  <a:schemeClr val="dk1"/>
-                </a:solidFill>
-                <a:ea typeface="Arial"/>
-                <a:cs typeface="Arial"/>
-                <a:sym typeface="Arial"/>
-              </a:rPr>
-              <a:t>Previous coursework material – GMU CS580 (attended by team member)</a:t>
-            </a:r>
-          </a:p>
-          <a:p>
-            <a:pPr marL="342900" indent="-342900" eaLnBrk="1" fontAlgn="auto" hangingPunct="1">
-              <a:lnSpc>
-                <a:spcPct val="200000"/>
-              </a:lnSpc>
-              <a:spcBef>
-                <a:spcPts val="0"/>
-              </a:spcBef>
-              <a:spcAft>
-                <a:spcPts val="0"/>
-              </a:spcAft>
-              <a:buClr>
-                <a:schemeClr val="dk1"/>
-              </a:buClr>
-              <a:buSzPts val="2100"/>
-              <a:buFont typeface="Wingdings" panose="05000000000000000000" pitchFamily="2" charset="2"/>
-              <a:buChar char="q"/>
-              <a:defRPr/>
-            </a:pPr>
-            <a:r>
-              <a:rPr lang="en-US" sz="2100" kern="0" dirty="0">
-                <a:ea typeface="Arial"/>
-                <a:cs typeface="Arial"/>
-                <a:sym typeface="Arial"/>
-              </a:rPr>
-              <a:t>Publication/Articles </a:t>
-            </a:r>
-          </a:p>
-          <a:p>
-            <a:pPr eaLnBrk="1" fontAlgn="auto" hangingPunct="1">
-              <a:spcBef>
-                <a:spcPts val="0"/>
-              </a:spcBef>
-              <a:spcAft>
-                <a:spcPts val="0"/>
-              </a:spcAft>
-              <a:buClr>
-                <a:schemeClr val="dk1"/>
-              </a:buClr>
-              <a:buSzPts val="2100"/>
-              <a:defRPr/>
-            </a:pPr>
-            <a:r>
-              <a:rPr lang="en-US" dirty="0">
-                <a:hlinkClick r:id="rId3"/>
-              </a:rPr>
-              <a:t>https://blog.keras.io/building-powerful-image-classification-models-using-very-little-data.html</a:t>
-            </a:r>
-            <a:endParaRPr lang="en-US" dirty="0"/>
-          </a:p>
-          <a:p>
-            <a:pPr eaLnBrk="1" fontAlgn="auto" hangingPunct="1">
-              <a:spcBef>
-                <a:spcPts val="0"/>
-              </a:spcBef>
-              <a:spcAft>
-                <a:spcPts val="0"/>
-              </a:spcAft>
-              <a:buClr>
-                <a:schemeClr val="dk1"/>
-              </a:buClr>
-              <a:buSzPts val="2100"/>
-              <a:defRPr/>
-            </a:pPr>
-            <a:r>
-              <a:rPr lang="en-US" dirty="0">
-                <a:hlinkClick r:id="rId4"/>
-              </a:rPr>
-              <a:t>https://machinelearningmastery.com/cnn-long-short-term-memory-networks/</a:t>
-            </a:r>
-            <a:endParaRPr lang="en-US" dirty="0"/>
-          </a:p>
-          <a:p>
-            <a:pPr eaLnBrk="1" fontAlgn="auto" hangingPunct="1">
-              <a:spcBef>
-                <a:spcPts val="0"/>
-              </a:spcBef>
-              <a:spcAft>
-                <a:spcPts val="0"/>
-              </a:spcAft>
-              <a:buClr>
-                <a:schemeClr val="dk1"/>
-              </a:buClr>
-              <a:buSzPts val="2100"/>
-              <a:defRPr/>
-            </a:pPr>
-            <a:r>
-              <a:rPr lang="en-US" dirty="0">
-                <a:hlinkClick r:id="rId5"/>
-              </a:rPr>
-              <a:t>https://blog.algorithmia.com/introduction-to-deep-learning/</a:t>
-            </a:r>
-            <a:endParaRPr lang="en-US" dirty="0"/>
-          </a:p>
-          <a:p>
-            <a:pPr>
-              <a:buClr>
-                <a:schemeClr val="dk1"/>
-              </a:buClr>
-              <a:buSzPts val="2100"/>
-              <a:defRPr/>
-            </a:pPr>
-            <a:r>
-              <a:rPr lang="en-US" dirty="0">
-                <a:hlinkClick r:id="rId6"/>
-              </a:rPr>
-              <a:t>https://link.springer.com/chapter/10.1007/978-3-030-01424-7_25</a:t>
-            </a:r>
-            <a:endParaRPr lang="en-US" dirty="0"/>
-          </a:p>
-          <a:p>
-            <a:pPr>
-              <a:buClr>
-                <a:schemeClr val="dk1"/>
-              </a:buClr>
-              <a:buSzPts val="2100"/>
-              <a:defRPr/>
-            </a:pPr>
-            <a:r>
-              <a:rPr lang="en-US" dirty="0">
-                <a:hlinkClick r:id="rId7"/>
-              </a:rPr>
-              <a:t>https://arxiv.org/abs/1512.03385</a:t>
-            </a:r>
-            <a:endParaRPr lang="en-US" dirty="0"/>
-          </a:p>
-          <a:p>
-            <a:pPr>
-              <a:buClr>
-                <a:schemeClr val="dk1"/>
-              </a:buClr>
-              <a:buSzPts val="2100"/>
-              <a:defRPr/>
-            </a:pPr>
-            <a:endParaRPr lang="en-US" kern="0" dirty="0">
-              <a:solidFill>
-                <a:srgbClr val="FF0000"/>
-              </a:solidFill>
-              <a:ea typeface="Arial"/>
-              <a:cs typeface="Arial"/>
-              <a:sym typeface="Arial"/>
-            </a:endParaRPr>
-          </a:p>
-          <a:p>
-            <a:pPr marL="742950" lvl="1" indent="-285750" eaLnBrk="1" fontAlgn="auto" hangingPunct="1">
-              <a:spcBef>
-                <a:spcPts val="0"/>
-              </a:spcBef>
-              <a:spcAft>
-                <a:spcPts val="0"/>
-              </a:spcAft>
-              <a:buClr>
-                <a:srgbClr val="000000"/>
-              </a:buClr>
-              <a:buFont typeface="Arial" panose="020B0604020202020204" pitchFamily="34" charset="0"/>
-              <a:buChar char="•"/>
-              <a:defRPr/>
-            </a:pPr>
-            <a:r>
-              <a:rPr lang="en-US" sz="1800" kern="0" dirty="0" err="1">
-                <a:solidFill>
-                  <a:schemeClr val="dk1"/>
-                </a:solidFill>
-                <a:highlight>
-                  <a:srgbClr val="FFFF00"/>
-                </a:highlight>
-                <a:ea typeface="Arial"/>
-                <a:cs typeface="Arial"/>
-                <a:sym typeface="Arial"/>
-              </a:rPr>
-              <a:t>Yinchen</a:t>
-            </a:r>
-            <a:r>
-              <a:rPr lang="en-US" sz="1800" kern="0" dirty="0">
-                <a:solidFill>
-                  <a:schemeClr val="dk1"/>
-                </a:solidFill>
-                <a:highlight>
-                  <a:srgbClr val="FFFF00"/>
-                </a:highlight>
-                <a:ea typeface="Arial"/>
-                <a:cs typeface="Arial"/>
-                <a:sym typeface="Arial"/>
-              </a:rPr>
-              <a:t>/Z/Ravi</a:t>
-            </a:r>
-            <a:endParaRPr sz="1800" kern="0" dirty="0">
-              <a:solidFill>
-                <a:schemeClr val="dk1"/>
-              </a:solidFill>
-              <a:highlight>
-                <a:srgbClr val="FFFF00"/>
-              </a:highlight>
-              <a:ea typeface="Arial"/>
-              <a:cs typeface="Arial"/>
-              <a:sym typeface="Arial"/>
-            </a:endParaRPr>
-          </a:p>
-        </p:txBody>
-      </p:sp>
-      <p:pic>
-        <p:nvPicPr>
-          <p:cNvPr id="6" name="Picture 5">
-            <a:extLst>
-              <a:ext uri="{FF2B5EF4-FFF2-40B4-BE49-F238E27FC236}">
-                <a16:creationId xmlns:a16="http://schemas.microsoft.com/office/drawing/2014/main" id="{0BD6E664-60BB-4AB6-86BE-3A04A08B6B2C}"/>
+                <a16:creationId xmlns:a16="http://schemas.microsoft.com/office/drawing/2014/main" id="{0E3ACB64-6388-4387-B043-C665666EE247}"/>
               </a:ext>
             </a:extLst>
           </p:cNvPr>
@@ -14682,7 +14677,7 @@
           <p:nvPr/>
         </p:nvPicPr>
         <p:blipFill>
-          <a:blip r:embed="rId8"/>
+          <a:blip r:embed="rId3"/>
           <a:stretch>
             <a:fillRect/>
           </a:stretch>
@@ -14698,6 +14693,11 @@
         </p:spPr>
       </p:pic>
     </p:spTree>
+    <p:extLst>
+      <p:ext uri="{BB962C8B-B14F-4D97-AF65-F5344CB8AC3E}">
+        <p14:creationId xmlns:p14="http://schemas.microsoft.com/office/powerpoint/2010/main" val="3361970404"/>
+      </p:ext>
+    </p:extLst>
   </p:cSld>
   <p:clrMapOvr>
     <a:masterClrMapping/>

--- a/Documentation/SprintPresentations/Sprint3-Week2.pptx
+++ b/Documentation/SprintPresentations/Sprint3-Week2.pptx
@@ -217,7 +217,7 @@
           <a:p>
             <a:fld id="{633A752F-CD59-4D7C-8F38-B22380037965}" type="datetimeFigureOut">
               <a:rPr lang="en-US" smtClean="0"/>
-              <a:t>6/25/2019</a:t>
+              <a:t>6/28/2019</a:t>
             </a:fld>
             <a:endParaRPr lang="en-US"/>
           </a:p>
@@ -2170,7 +2170,7 @@
           <a:p>
             <a:fld id="{F0B4C841-81B7-4F68-B48E-82E3C3A4E0D4}" type="datetimeFigureOut">
               <a:rPr lang="en-US" smtClean="0"/>
-              <a:t>6/25/2019</a:t>
+              <a:t>6/28/2019</a:t>
             </a:fld>
             <a:endParaRPr lang="en-US"/>
           </a:p>
@@ -2368,7 +2368,7 @@
           <a:p>
             <a:fld id="{F0B4C841-81B7-4F68-B48E-82E3C3A4E0D4}" type="datetimeFigureOut">
               <a:rPr lang="en-US" smtClean="0"/>
-              <a:t>6/25/2019</a:t>
+              <a:t>6/28/2019</a:t>
             </a:fld>
             <a:endParaRPr lang="en-US"/>
           </a:p>
@@ -2576,7 +2576,7 @@
           <a:p>
             <a:fld id="{F0B4C841-81B7-4F68-B48E-82E3C3A4E0D4}" type="datetimeFigureOut">
               <a:rPr lang="en-US" smtClean="0"/>
-              <a:t>6/25/2019</a:t>
+              <a:t>6/28/2019</a:t>
             </a:fld>
             <a:endParaRPr lang="en-US"/>
           </a:p>
@@ -2774,7 +2774,7 @@
           <a:p>
             <a:fld id="{F0B4C841-81B7-4F68-B48E-82E3C3A4E0D4}" type="datetimeFigureOut">
               <a:rPr lang="en-US" smtClean="0"/>
-              <a:t>6/25/2019</a:t>
+              <a:t>6/28/2019</a:t>
             </a:fld>
             <a:endParaRPr lang="en-US"/>
           </a:p>
@@ -3049,7 +3049,7 @@
           <a:p>
             <a:fld id="{F0B4C841-81B7-4F68-B48E-82E3C3A4E0D4}" type="datetimeFigureOut">
               <a:rPr lang="en-US" smtClean="0"/>
-              <a:t>6/25/2019</a:t>
+              <a:t>6/28/2019</a:t>
             </a:fld>
             <a:endParaRPr lang="en-US"/>
           </a:p>
@@ -3314,7 +3314,7 @@
           <a:p>
             <a:fld id="{F0B4C841-81B7-4F68-B48E-82E3C3A4E0D4}" type="datetimeFigureOut">
               <a:rPr lang="en-US" smtClean="0"/>
-              <a:t>6/25/2019</a:t>
+              <a:t>6/28/2019</a:t>
             </a:fld>
             <a:endParaRPr lang="en-US"/>
           </a:p>
@@ -3726,7 +3726,7 @@
           <a:p>
             <a:fld id="{F0B4C841-81B7-4F68-B48E-82E3C3A4E0D4}" type="datetimeFigureOut">
               <a:rPr lang="en-US" smtClean="0"/>
-              <a:t>6/25/2019</a:t>
+              <a:t>6/28/2019</a:t>
             </a:fld>
             <a:endParaRPr lang="en-US"/>
           </a:p>
@@ -3867,7 +3867,7 @@
           <a:p>
             <a:fld id="{F0B4C841-81B7-4F68-B48E-82E3C3A4E0D4}" type="datetimeFigureOut">
               <a:rPr lang="en-US" smtClean="0"/>
-              <a:t>6/25/2019</a:t>
+              <a:t>6/28/2019</a:t>
             </a:fld>
             <a:endParaRPr lang="en-US"/>
           </a:p>
@@ -3980,7 +3980,7 @@
           <a:p>
             <a:fld id="{F0B4C841-81B7-4F68-B48E-82E3C3A4E0D4}" type="datetimeFigureOut">
               <a:rPr lang="en-US" smtClean="0"/>
-              <a:t>6/25/2019</a:t>
+              <a:t>6/28/2019</a:t>
             </a:fld>
             <a:endParaRPr lang="en-US"/>
           </a:p>
@@ -4291,7 +4291,7 @@
           <a:p>
             <a:fld id="{F0B4C841-81B7-4F68-B48E-82E3C3A4E0D4}" type="datetimeFigureOut">
               <a:rPr lang="en-US" smtClean="0"/>
-              <a:t>6/25/2019</a:t>
+              <a:t>6/28/2019</a:t>
             </a:fld>
             <a:endParaRPr lang="en-US"/>
           </a:p>
@@ -4579,7 +4579,7 @@
           <a:p>
             <a:fld id="{F0B4C841-81B7-4F68-B48E-82E3C3A4E0D4}" type="datetimeFigureOut">
               <a:rPr lang="en-US" smtClean="0"/>
-              <a:t>6/25/2019</a:t>
+              <a:t>6/28/2019</a:t>
             </a:fld>
             <a:endParaRPr lang="en-US"/>
           </a:p>
@@ -4820,7 +4820,7 @@
           <a:p>
             <a:fld id="{F0B4C841-81B7-4F68-B48E-82E3C3A4E0D4}" type="datetimeFigureOut">
               <a:rPr lang="en-US" smtClean="0"/>
-              <a:t>6/25/2019</a:t>
+              <a:t>6/28/2019</a:t>
             </a:fld>
             <a:endParaRPr lang="en-US"/>
           </a:p>
@@ -10611,7 +10611,7 @@
             </a:endParaRPr>
           </a:p>
           <a:p>
-            <a:pPr marL="742950" lvl="1" indent="-285750" eaLnBrk="1" fontAlgn="auto" hangingPunct="1">
+            <a:pPr lvl="1" eaLnBrk="1" fontAlgn="auto" hangingPunct="1">
               <a:spcBef>
                 <a:spcPts val="0"/>
               </a:spcBef>
@@ -10621,38 +10621,8 @@
               <a:buClr>
                 <a:srgbClr val="000000"/>
               </a:buClr>
-              <a:buFont typeface="Arial" panose="020B0604020202020204" pitchFamily="34" charset="0"/>
-              <a:buChar char="•"/>
               <a:defRPr/>
             </a:pPr>
-            <a:r>
-              <a:rPr lang="en-US" sz="1800" kern="0" dirty="0" err="1">
-                <a:solidFill>
-                  <a:schemeClr val="dk1"/>
-                </a:solidFill>
-                <a:highlight>
-                  <a:srgbClr val="FFFF00"/>
-                </a:highlight>
-                <a:ea typeface="Arial"/>
-                <a:cs typeface="Arial"/>
-                <a:sym typeface="Arial"/>
-              </a:rPr>
-              <a:t>Yinchen</a:t>
-            </a:r>
-            <a:r>
-              <a:rPr lang="en-US" sz="1800" kern="0" dirty="0">
-                <a:solidFill>
-                  <a:schemeClr val="dk1"/>
-                </a:solidFill>
-                <a:highlight>
-                  <a:srgbClr val="FFFF00"/>
-                </a:highlight>
-                <a:ea typeface="Arial"/>
-                <a:cs typeface="Arial"/>
-                <a:sym typeface="Arial"/>
-              </a:rPr>
-              <a:t>/Z/Ravi</a:t>
-            </a:r>
             <a:endParaRPr sz="1800" kern="0" dirty="0">
               <a:solidFill>
                 <a:schemeClr val="dk1"/>
@@ -19734,6 +19704,13 @@
             </a:r>
           </a:p>
           <a:p>
+            <a:pPr marL="285750" indent="-285750">
+              <a:buFont typeface="Wingdings" panose="05000000000000000000" pitchFamily="2" charset="2"/>
+              <a:buChar char="q"/>
+            </a:pPr>
+            <a:endParaRPr lang="en-US" sz="2000" dirty="0"/>
+          </a:p>
+          <a:p>
             <a:pPr marL="342900" indent="-209550" eaLnBrk="1" fontAlgn="auto" hangingPunct="1">
               <a:lnSpc>
                 <a:spcPct val="200000"/>
@@ -20723,8 +20700,8 @@
         </p:nvSpPr>
         <p:spPr>
           <a:xfrm>
-            <a:off x="308758" y="1258784"/>
-            <a:ext cx="7677398" cy="2123658"/>
+            <a:off x="308757" y="1258784"/>
+            <a:ext cx="10318809" cy="4708981"/>
           </a:xfrm>
           <a:prstGeom prst="rect">
             <a:avLst/>
@@ -20743,40 +20720,160 @@
             </a:r>
           </a:p>
           <a:p>
+            <a:pPr marL="285750" indent="-285750">
+              <a:buFont typeface="Wingdings" panose="05000000000000000000" pitchFamily="2" charset="2"/>
+              <a:buChar char="q"/>
+            </a:pPr>
+            <a:r>
+              <a:rPr lang="en-US" altLang="zh-CN" sz="2000" dirty="0"/>
+              <a:t>A kind of artificial intelligence machine learning technology. It has three basic  layers:</a:t>
+            </a:r>
+            <a:r>
+              <a:rPr lang="zh-CN" altLang="en-US" sz="2000" dirty="0"/>
+              <a:t> </a:t>
+            </a:r>
+            <a:r>
+              <a:rPr lang="en-US" altLang="zh-CN" sz="2000" dirty="0"/>
+              <a:t>Convolutional Layer,</a:t>
+            </a:r>
+            <a:r>
+              <a:rPr lang="zh-CN" altLang="en-US" sz="2000" dirty="0"/>
+              <a:t> </a:t>
+            </a:r>
+            <a:r>
+              <a:rPr lang="en-US" altLang="zh-CN" sz="2000" dirty="0"/>
+              <a:t>Pooling Layer,</a:t>
+            </a:r>
+            <a:r>
+              <a:rPr lang="zh-CN" altLang="en-US" sz="2000" dirty="0"/>
+              <a:t> </a:t>
+            </a:r>
+            <a:r>
+              <a:rPr lang="en-US" altLang="zh-CN" sz="2000" dirty="0"/>
+              <a:t>Flatten</a:t>
+            </a:r>
+            <a:r>
+              <a:rPr lang="zh-CN" altLang="en-US" sz="2000" dirty="0"/>
+              <a:t> </a:t>
+            </a:r>
+            <a:r>
+              <a:rPr lang="en-US" altLang="zh-CN" sz="2000" dirty="0"/>
+              <a:t>Layer</a:t>
+            </a:r>
+            <a:r>
+              <a:rPr lang="zh-CN" altLang="en-US" sz="2000" dirty="0"/>
+              <a:t> </a:t>
+            </a:r>
+            <a:r>
+              <a:rPr lang="en-US" altLang="zh-CN" sz="2000" dirty="0"/>
+              <a:t>&amp; Fully Connected.</a:t>
+            </a:r>
+          </a:p>
+          <a:p>
+            <a:pPr marL="285750" indent="-285750">
+              <a:buFont typeface="Wingdings" panose="05000000000000000000" pitchFamily="2" charset="2"/>
+              <a:buChar char="q"/>
+            </a:pPr>
+            <a:r>
+              <a:rPr lang="en-US" altLang="zh-CN" sz="2000" dirty="0"/>
+              <a:t>Based on the analysis of each character, build a model to identify each character in the </a:t>
+            </a:r>
+            <a:r>
+              <a:rPr lang="en-US" altLang="zh-CN" sz="2000" dirty="0" err="1"/>
+              <a:t>simpsons</a:t>
+            </a:r>
+            <a:endParaRPr lang="en-US" altLang="zh-CN" sz="2000" dirty="0"/>
+          </a:p>
+          <a:p>
+            <a:pPr marL="285750" indent="-285750">
+              <a:buFont typeface="Wingdings" panose="05000000000000000000" pitchFamily="2" charset="2"/>
+              <a:buChar char="q"/>
+            </a:pPr>
+            <a:r>
+              <a:rPr lang="en-US" altLang="zh-CN" sz="2000" dirty="0"/>
+              <a:t>Advantages: Sharing convolution kernel, no pressure for processing high-dimensional data.</a:t>
+            </a:r>
+          </a:p>
+          <a:p>
+            <a:pPr marL="285750" indent="-285750">
+              <a:buFont typeface="Wingdings" panose="05000000000000000000" pitchFamily="2" charset="2"/>
+              <a:buChar char="q"/>
+            </a:pPr>
+            <a:r>
+              <a:rPr lang="en-US" altLang="zh-CN" sz="2000" dirty="0" err="1"/>
+              <a:t>Ddisadvantages</a:t>
+            </a:r>
+            <a:r>
+              <a:rPr lang="en-US" altLang="zh-CN" sz="2000" dirty="0"/>
+              <a:t>: Need a large samples. And the pooling layer may lose some valuable information and ignore the correlation between the parts and the whole. </a:t>
+            </a:r>
+          </a:p>
+          <a:p>
+            <a:pPr marL="285750" indent="-285750">
+              <a:buFont typeface="Wingdings" panose="05000000000000000000" pitchFamily="2" charset="2"/>
+              <a:buChar char="q"/>
+            </a:pPr>
+            <a:endParaRPr lang="en-US" altLang="zh-CN" sz="2400" dirty="0"/>
+          </a:p>
+          <a:p>
+            <a:pPr marL="285750" indent="-285750">
+              <a:buFont typeface="Wingdings" panose="05000000000000000000" pitchFamily="2" charset="2"/>
+              <a:buChar char="q"/>
+            </a:pPr>
+            <a:endParaRPr lang="en-US" altLang="zh-CN" sz="2800" kern="0" dirty="0">
+              <a:solidFill>
+                <a:schemeClr val="dk1"/>
+              </a:solidFill>
+              <a:latin typeface="Arial"/>
+              <a:ea typeface="Arial"/>
+              <a:cs typeface="Arial"/>
+              <a:sym typeface="Arial"/>
+            </a:endParaRPr>
+          </a:p>
+          <a:p>
+            <a:endParaRPr lang="en-US" sz="2400" b="1" dirty="0"/>
+          </a:p>
+          <a:p>
+            <a:endParaRPr lang="en-US" sz="2400" b="1" dirty="0"/>
+          </a:p>
+          <a:p>
             <a:endParaRPr lang="en-US" dirty="0"/>
           </a:p>
           <a:p>
-            <a:r>
-              <a:rPr lang="en-US" dirty="0"/>
-              <a:t>Describe this.</a:t>
-            </a:r>
-          </a:p>
-          <a:p>
-            <a:r>
-              <a:rPr lang="en-US" dirty="0"/>
-              <a:t>What is it used for?</a:t>
-            </a:r>
-          </a:p>
-          <a:p>
-            <a:r>
-              <a:rPr lang="en-US" dirty="0"/>
-              <a:t>Provide advantages and disadvantages</a:t>
-            </a:r>
-          </a:p>
-          <a:p>
-            <a:r>
-              <a:rPr lang="en-US" dirty="0"/>
-              <a:t>Add a graphic </a:t>
-            </a:r>
-          </a:p>
-          <a:p>
-            <a:r>
-              <a:rPr lang="en-US" dirty="0"/>
-              <a:t>Add some math</a:t>
-            </a:r>
+            <a:endParaRPr lang="en-US" dirty="0"/>
           </a:p>
         </p:txBody>
       </p:sp>
+      <p:pic>
+        <p:nvPicPr>
+          <p:cNvPr id="2" name="Picture 1">
+            <a:extLst>
+              <a:ext uri="{FF2B5EF4-FFF2-40B4-BE49-F238E27FC236}">
+                <a16:creationId xmlns:a16="http://schemas.microsoft.com/office/drawing/2014/main" id="{85172C59-43B2-471C-90F5-90A712B8C1D2}"/>
+              </a:ext>
+            </a:extLst>
+          </p:cNvPr>
+          <p:cNvPicPr>
+            <a:picLocks noChangeAspect="1"/>
+          </p:cNvPicPr>
+          <p:nvPr/>
+        </p:nvPicPr>
+        <p:blipFill>
+          <a:blip r:embed="rId4"/>
+          <a:stretch>
+            <a:fillRect/>
+          </a:stretch>
+        </p:blipFill>
+        <p:spPr>
+          <a:xfrm>
+            <a:off x="3237722" y="3993502"/>
+            <a:ext cx="5840964" cy="2727973"/>
+          </a:xfrm>
+          <a:prstGeom prst="rect">
+            <a:avLst/>
+          </a:prstGeom>
+        </p:spPr>
+      </p:pic>
     </p:spTree>
     <p:extLst>
       <p:ext uri="{BB962C8B-B14F-4D97-AF65-F5344CB8AC3E}">

--- a/Documentation/SprintPresentations/Sprint3-Week2.pptx
+++ b/Documentation/SprintPresentations/Sprint3-Week2.pptx
@@ -217,7 +217,7 @@
           <a:p>
             <a:fld id="{633A752F-CD59-4D7C-8F38-B22380037965}" type="datetimeFigureOut">
               <a:rPr lang="en-US" smtClean="0"/>
-              <a:t>6/28/2019</a:t>
+              <a:t>6/30/2019</a:t>
             </a:fld>
             <a:endParaRPr lang="en-US"/>
           </a:p>
@@ -2170,7 +2170,7 @@
           <a:p>
             <a:fld id="{F0B4C841-81B7-4F68-B48E-82E3C3A4E0D4}" type="datetimeFigureOut">
               <a:rPr lang="en-US" smtClean="0"/>
-              <a:t>6/28/2019</a:t>
+              <a:t>6/30/2019</a:t>
             </a:fld>
             <a:endParaRPr lang="en-US"/>
           </a:p>
@@ -2368,7 +2368,7 @@
           <a:p>
             <a:fld id="{F0B4C841-81B7-4F68-B48E-82E3C3A4E0D4}" type="datetimeFigureOut">
               <a:rPr lang="en-US" smtClean="0"/>
-              <a:t>6/28/2019</a:t>
+              <a:t>6/30/2019</a:t>
             </a:fld>
             <a:endParaRPr lang="en-US"/>
           </a:p>
@@ -2576,7 +2576,7 @@
           <a:p>
             <a:fld id="{F0B4C841-81B7-4F68-B48E-82E3C3A4E0D4}" type="datetimeFigureOut">
               <a:rPr lang="en-US" smtClean="0"/>
-              <a:t>6/28/2019</a:t>
+              <a:t>6/30/2019</a:t>
             </a:fld>
             <a:endParaRPr lang="en-US"/>
           </a:p>
@@ -2774,7 +2774,7 @@
           <a:p>
             <a:fld id="{F0B4C841-81B7-4F68-B48E-82E3C3A4E0D4}" type="datetimeFigureOut">
               <a:rPr lang="en-US" smtClean="0"/>
-              <a:t>6/28/2019</a:t>
+              <a:t>6/30/2019</a:t>
             </a:fld>
             <a:endParaRPr lang="en-US"/>
           </a:p>
@@ -3049,7 +3049,7 @@
           <a:p>
             <a:fld id="{F0B4C841-81B7-4F68-B48E-82E3C3A4E0D4}" type="datetimeFigureOut">
               <a:rPr lang="en-US" smtClean="0"/>
-              <a:t>6/28/2019</a:t>
+              <a:t>6/30/2019</a:t>
             </a:fld>
             <a:endParaRPr lang="en-US"/>
           </a:p>
@@ -3314,7 +3314,7 @@
           <a:p>
             <a:fld id="{F0B4C841-81B7-4F68-B48E-82E3C3A4E0D4}" type="datetimeFigureOut">
               <a:rPr lang="en-US" smtClean="0"/>
-              <a:t>6/28/2019</a:t>
+              <a:t>6/30/2019</a:t>
             </a:fld>
             <a:endParaRPr lang="en-US"/>
           </a:p>
@@ -3726,7 +3726,7 @@
           <a:p>
             <a:fld id="{F0B4C841-81B7-4F68-B48E-82E3C3A4E0D4}" type="datetimeFigureOut">
               <a:rPr lang="en-US" smtClean="0"/>
-              <a:t>6/28/2019</a:t>
+              <a:t>6/30/2019</a:t>
             </a:fld>
             <a:endParaRPr lang="en-US"/>
           </a:p>
@@ -3867,7 +3867,7 @@
           <a:p>
             <a:fld id="{F0B4C841-81B7-4F68-B48E-82E3C3A4E0D4}" type="datetimeFigureOut">
               <a:rPr lang="en-US" smtClean="0"/>
-              <a:t>6/28/2019</a:t>
+              <a:t>6/30/2019</a:t>
             </a:fld>
             <a:endParaRPr lang="en-US"/>
           </a:p>
@@ -3980,7 +3980,7 @@
           <a:p>
             <a:fld id="{F0B4C841-81B7-4F68-B48E-82E3C3A4E0D4}" type="datetimeFigureOut">
               <a:rPr lang="en-US" smtClean="0"/>
-              <a:t>6/28/2019</a:t>
+              <a:t>6/30/2019</a:t>
             </a:fld>
             <a:endParaRPr lang="en-US"/>
           </a:p>
@@ -4291,7 +4291,7 @@
           <a:p>
             <a:fld id="{F0B4C841-81B7-4F68-B48E-82E3C3A4E0D4}" type="datetimeFigureOut">
               <a:rPr lang="en-US" smtClean="0"/>
-              <a:t>6/28/2019</a:t>
+              <a:t>6/30/2019</a:t>
             </a:fld>
             <a:endParaRPr lang="en-US"/>
           </a:p>
@@ -4579,7 +4579,7 @@
           <a:p>
             <a:fld id="{F0B4C841-81B7-4F68-B48E-82E3C3A4E0D4}" type="datetimeFigureOut">
               <a:rPr lang="en-US" smtClean="0"/>
-              <a:t>6/28/2019</a:t>
+              <a:t>6/30/2019</a:t>
             </a:fld>
             <a:endParaRPr lang="en-US"/>
           </a:p>
@@ -4820,7 +4820,7 @@
           <a:p>
             <a:fld id="{F0B4C841-81B7-4F68-B48E-82E3C3A4E0D4}" type="datetimeFigureOut">
               <a:rPr lang="en-US" smtClean="0"/>
-              <a:t>6/28/2019</a:t>
+              <a:t>6/30/2019</a:t>
             </a:fld>
             <a:endParaRPr lang="en-US"/>
           </a:p>
@@ -21932,7 +21932,7 @@
         <p:spPr>
           <a:xfrm>
             <a:off x="308758" y="1258784"/>
-            <a:ext cx="7677398" cy="2123658"/>
+            <a:ext cx="10650670" cy="2492990"/>
           </a:xfrm>
           <a:prstGeom prst="rect">
             <a:avLst/>
@@ -21951,40 +21951,144 @@
             </a:r>
           </a:p>
           <a:p>
+            <a:endParaRPr lang="en-US" sz="2400" b="1" dirty="0"/>
+          </a:p>
+          <a:p>
+            <a:pPr marL="285750" indent="-285750">
+              <a:buFont typeface="Wingdings" panose="05000000000000000000" pitchFamily="2" charset="2"/>
+              <a:buChar char="q"/>
+            </a:pPr>
+            <a:r>
+              <a:rPr lang="en-US" altLang="zh-CN" dirty="0"/>
+              <a:t>Adding a full convolution network to the top layer of CNN feature extraction layer of Faster R-CNN</a:t>
+            </a:r>
+          </a:p>
+          <a:p>
+            <a:pPr marL="285750" indent="-285750">
+              <a:buFont typeface="Wingdings" panose="05000000000000000000" pitchFamily="2" charset="2"/>
+              <a:buChar char="q"/>
+            </a:pPr>
+            <a:r>
+              <a:rPr lang="en-US" altLang="zh-CN" dirty="0" err="1"/>
+              <a:t>Maks</a:t>
+            </a:r>
+            <a:r>
+              <a:rPr lang="en-US" altLang="zh-CN" dirty="0"/>
+              <a:t> R-CNN adds a branch on the basis of Faster R-CNN to output a Binary Mask to determine whether a given pixel belongs to an object</a:t>
+            </a:r>
+          </a:p>
+          <a:p>
+            <a:pPr marL="285750" indent="-285750">
+              <a:buFont typeface="Wingdings" panose="05000000000000000000" pitchFamily="2" charset="2"/>
+              <a:buChar char="q"/>
+            </a:pPr>
+            <a:r>
+              <a:rPr lang="en-US" altLang="zh-CN" dirty="0" err="1"/>
+              <a:t>RoIAlign</a:t>
+            </a:r>
+            <a:r>
+              <a:rPr lang="en-US" altLang="zh-CN" dirty="0"/>
+              <a:t> replaced </a:t>
+            </a:r>
+            <a:r>
+              <a:rPr lang="en-US" altLang="zh-CN" dirty="0" err="1"/>
+              <a:t>RoIPool</a:t>
+            </a:r>
+            <a:r>
+              <a:rPr lang="en-US" altLang="zh-CN" dirty="0"/>
+              <a:t> to traverse the image, so that the selected region of </a:t>
+            </a:r>
+            <a:r>
+              <a:rPr lang="en-US" altLang="zh-CN" dirty="0" err="1"/>
+              <a:t>RoIPool</a:t>
+            </a:r>
+            <a:r>
+              <a:rPr lang="en-US" altLang="zh-CN" dirty="0"/>
+              <a:t> corresponds more accurately with the original image</a:t>
+            </a:r>
+          </a:p>
+          <a:p>
             <a:endParaRPr lang="en-US" dirty="0"/>
-          </a:p>
-          <a:p>
-            <a:r>
-              <a:rPr lang="en-US" dirty="0"/>
-              <a:t>Describe this.</a:t>
-            </a:r>
-          </a:p>
-          <a:p>
-            <a:r>
-              <a:rPr lang="en-US" dirty="0"/>
-              <a:t>What is it used for?</a:t>
-            </a:r>
-          </a:p>
-          <a:p>
-            <a:r>
-              <a:rPr lang="en-US" dirty="0"/>
-              <a:t>Provide advantages and disadvantages</a:t>
-            </a:r>
-          </a:p>
-          <a:p>
-            <a:r>
-              <a:rPr lang="en-US" dirty="0"/>
-              <a:t>Add a graphic </a:t>
-            </a:r>
-          </a:p>
-          <a:p>
-            <a:r>
-              <a:rPr lang="en-US" dirty="0"/>
-              <a:t>Add some math</a:t>
-            </a:r>
           </a:p>
         </p:txBody>
       </p:sp>
+      <p:pic>
+        <p:nvPicPr>
+          <p:cNvPr id="2" name="Picture 1">
+            <a:extLst>
+              <a:ext uri="{FF2B5EF4-FFF2-40B4-BE49-F238E27FC236}">
+                <a16:creationId xmlns:a16="http://schemas.microsoft.com/office/drawing/2014/main" id="{C13243A5-6FF7-499C-AC92-28DF958E2542}"/>
+              </a:ext>
+            </a:extLst>
+          </p:cNvPr>
+          <p:cNvPicPr>
+            <a:picLocks noChangeAspect="1"/>
+          </p:cNvPicPr>
+          <p:nvPr/>
+        </p:nvPicPr>
+        <p:blipFill>
+          <a:blip r:embed="rId4"/>
+          <a:stretch>
+            <a:fillRect/>
+          </a:stretch>
+        </p:blipFill>
+        <p:spPr>
+          <a:xfrm>
+            <a:off x="684322" y="3531476"/>
+            <a:ext cx="4847061" cy="3189999"/>
+          </a:xfrm>
+          <a:prstGeom prst="rect">
+            <a:avLst/>
+          </a:prstGeom>
+        </p:spPr>
+      </p:pic>
+      <p:pic>
+        <p:nvPicPr>
+          <p:cNvPr id="1026" name="Picture 2" descr="preview">
+            <a:extLst>
+              <a:ext uri="{FF2B5EF4-FFF2-40B4-BE49-F238E27FC236}">
+                <a16:creationId xmlns:a16="http://schemas.microsoft.com/office/drawing/2014/main" id="{F2E797FC-AD10-4A60-9729-5B86D28842AE}"/>
+              </a:ext>
+            </a:extLst>
+          </p:cNvPr>
+          <p:cNvPicPr>
+            <a:picLocks noChangeAspect="1" noChangeArrowheads="1"/>
+          </p:cNvPicPr>
+          <p:nvPr/>
+        </p:nvPicPr>
+        <p:blipFill>
+          <a:blip r:embed="rId5">
+            <a:extLst>
+              <a:ext uri="{28A0092B-C50C-407E-A947-70E740481C1C}">
+                <a14:useLocalDpi xmlns:a14="http://schemas.microsoft.com/office/drawing/2010/main" val="0"/>
+              </a:ext>
+            </a:extLst>
+          </a:blip>
+          <a:srcRect/>
+          <a:stretch>
+            <a:fillRect/>
+          </a:stretch>
+        </p:blipFill>
+        <p:spPr bwMode="auto">
+          <a:xfrm>
+            <a:off x="5906947" y="3531475"/>
+            <a:ext cx="5700899" cy="3189999"/>
+          </a:xfrm>
+          <a:prstGeom prst="rect">
+            <a:avLst/>
+          </a:prstGeom>
+          <a:noFill/>
+          <a:extLst>
+            <a:ext uri="{909E8E84-426E-40DD-AFC4-6F175D3DCCD1}">
+              <a14:hiddenFill xmlns:a14="http://schemas.microsoft.com/office/drawing/2010/main">
+                <a:solidFill>
+                  <a:srgbClr val="FFFFFF"/>
+                </a:solidFill>
+              </a14:hiddenFill>
+            </a:ext>
+          </a:extLst>
+        </p:spPr>
+      </p:pic>
     </p:spTree>
     <p:extLst>
       <p:ext uri="{BB962C8B-B14F-4D97-AF65-F5344CB8AC3E}">
